--- a/개인미팅준비.pptx
+++ b/개인미팅준비.pptx
@@ -561,6 +561,183 @@
     <p:extLst>
       <p:ext uri="{BB962C8B-B14F-4D97-AF65-F5344CB8AC3E}">
         <p14:creationId xmlns:p14="http://schemas.microsoft.com/office/powerpoint/2010/main" val="1198066288"/>
+      </p:ext>
+    </p:extLst>
+  </p:cSld>
+  <p:clrMapOvr>
+    <a:masterClrMapping/>
+  </p:clrMapOvr>
+</p:notes>
+</file>
+
+<file path=ppt/notesSlides/notesSlide10.xml><?xml version="1.0" encoding="utf-8"?>
+<p:notes xmlns:a="http://schemas.openxmlformats.org/drawingml/2006/main" xmlns:r="http://schemas.openxmlformats.org/officeDocument/2006/relationships" xmlns:p="http://schemas.openxmlformats.org/presentationml/2006/main">
+  <p:cSld>
+    <p:spTree>
+      <p:nvGrpSpPr>
+        <p:cNvPr id="1" name=""/>
+        <p:cNvGrpSpPr/>
+        <p:nvPr/>
+      </p:nvGrpSpPr>
+      <p:grpSpPr>
+        <a:xfrm>
+          <a:off x="0" y="0"/>
+          <a:ext cx="0" cy="0"/>
+          <a:chOff x="0" y="0"/>
+          <a:chExt cx="0" cy="0"/>
+        </a:xfrm>
+      </p:grpSpPr>
+      <p:sp>
+        <p:nvSpPr>
+          <p:cNvPr id="2" name="슬라이드 이미지 개체 틀 1"/>
+          <p:cNvSpPr>
+            <a:spLocks noGrp="1" noRot="1" noChangeAspect="1"/>
+          </p:cNvSpPr>
+          <p:nvPr>
+            <p:ph type="sldImg"/>
+          </p:nvPr>
+        </p:nvSpPr>
+        <p:spPr/>
+      </p:sp>
+      <p:sp>
+        <p:nvSpPr>
+          <p:cNvPr id="3" name="슬라이드 노트 개체 틀 2"/>
+          <p:cNvSpPr>
+            <a:spLocks noGrp="1"/>
+          </p:cNvSpPr>
+          <p:nvPr>
+            <p:ph type="body" idx="1"/>
+          </p:nvPr>
+        </p:nvSpPr>
+        <p:spPr/>
+        <p:txBody>
+          <a:bodyPr/>
+          <a:lstStyle/>
+          <a:p>
+            <a:r>
+              <a:rPr kumimoji="1" lang="ko-Kore-KR" altLang="en-US" dirty="0"/>
+              <a:t>모델</a:t>
+            </a:r>
+            <a:r>
+              <a:rPr kumimoji="1" lang="ko-KR" altLang="en-US" dirty="0"/>
+              <a:t> </a:t>
+            </a:r>
+            <a:r>
+              <a:rPr kumimoji="1" lang="en-US" altLang="ko-KR" dirty="0"/>
+              <a:t>5</a:t>
+            </a:r>
+            <a:r>
+              <a:rPr kumimoji="1" lang="ko-KR" altLang="en-US" dirty="0"/>
+              <a:t>개 서바이벌 </a:t>
+            </a:r>
+            <a:r>
+              <a:rPr kumimoji="1" lang="en-US" altLang="ko-KR" dirty="0"/>
+              <a:t>-&gt;</a:t>
+            </a:r>
+            <a:r>
+              <a:rPr kumimoji="1" lang="ko-KR" altLang="en-US" dirty="0"/>
+              <a:t> 성능이 낮음</a:t>
+            </a:r>
+            <a:r>
+              <a:rPr kumimoji="1" lang="en-US" altLang="ko-KR" dirty="0"/>
+              <a:t>….(</a:t>
+            </a:r>
+            <a:r>
+              <a:rPr kumimoji="1" lang="ko-KR" altLang="en-US" dirty="0"/>
+              <a:t>모델을 잘못 </a:t>
+            </a:r>
+            <a:r>
+              <a:rPr kumimoji="1" lang="ko-KR" altLang="en-US" dirty="0" err="1"/>
+              <a:t>짠건가</a:t>
+            </a:r>
+            <a:r>
+              <a:rPr kumimoji="1" lang="en-US" altLang="ko-KR" dirty="0"/>
+              <a:t>,</a:t>
+            </a:r>
+            <a:r>
+              <a:rPr kumimoji="1" lang="ko-KR" altLang="en-US" dirty="0"/>
+              <a:t> 아니면 모델 수가 </a:t>
+            </a:r>
+            <a:r>
+              <a:rPr kumimoji="1" lang="en-US" altLang="ko-KR" dirty="0"/>
+              <a:t>5</a:t>
+            </a:r>
+            <a:r>
+              <a:rPr kumimoji="1" lang="ko-KR" altLang="en-US" dirty="0"/>
+              <a:t>개라 서바이벌 효과가 나타나지 않는건지</a:t>
+            </a:r>
+            <a:r>
+              <a:rPr kumimoji="1" lang="en-US" altLang="ko-KR" dirty="0"/>
+              <a:t>)</a:t>
+            </a:r>
+          </a:p>
+          <a:p>
+            <a:r>
+              <a:rPr kumimoji="1" lang="ko-KR" altLang="en-US" dirty="0"/>
+              <a:t>지금 다 다르게 답하면 배열의 가장 첫번째 모델만 살아남거든</a:t>
+            </a:r>
+            <a:endParaRPr kumimoji="1" lang="en-US" altLang="ko-KR" dirty="0"/>
+          </a:p>
+          <a:p>
+            <a:r>
+              <a:rPr kumimoji="1" lang="ko-KR" altLang="en-US" dirty="0"/>
+              <a:t>그래서 </a:t>
+            </a:r>
+            <a:r>
+              <a:rPr kumimoji="1" lang="en-US" altLang="ko-KR" dirty="0"/>
+              <a:t>?</a:t>
+            </a:r>
+            <a:r>
+              <a:rPr kumimoji="1" lang="ko-KR" altLang="en-US" dirty="0"/>
+              <a:t> </a:t>
+            </a:r>
+            <a:r>
+              <a:rPr kumimoji="1" lang="en-US" altLang="ko-KR" dirty="0"/>
+              <a:t>-&gt;</a:t>
+            </a:r>
+            <a:r>
+              <a:rPr kumimoji="1" lang="ko-KR" altLang="en-US" dirty="0"/>
+              <a:t> 단일모델보다 성능이 </a:t>
+            </a:r>
+            <a:r>
+              <a:rPr kumimoji="1" lang="ko-KR" altLang="en-US" dirty="0" err="1"/>
+              <a:t>낮게나온다</a:t>
+            </a:r>
+            <a:r>
+              <a:rPr kumimoji="1" lang="en-US" altLang="ko-KR"/>
+              <a:t>.</a:t>
+            </a:r>
+            <a:endParaRPr kumimoji="1" lang="ko-Kore-KR" altLang="en-US" dirty="0"/>
+          </a:p>
+        </p:txBody>
+      </p:sp>
+      <p:sp>
+        <p:nvSpPr>
+          <p:cNvPr id="4" name="슬라이드 번호 개체 틀 3"/>
+          <p:cNvSpPr>
+            <a:spLocks noGrp="1"/>
+          </p:cNvSpPr>
+          <p:nvPr>
+            <p:ph type="sldNum" sz="quarter" idx="5"/>
+          </p:nvPr>
+        </p:nvSpPr>
+        <p:spPr/>
+        <p:txBody>
+          <a:bodyPr/>
+          <a:lstStyle/>
+          <a:p>
+            <a:fld id="{B71B6669-FD07-494E-99BC-6FDB59A26255}" type="slidenum">
+              <a:rPr kumimoji="1" lang="ko-Kore-KR" altLang="en-US" smtClean="0"/>
+              <a:t>14</a:t>
+            </a:fld>
+            <a:endParaRPr kumimoji="1" lang="ko-Kore-KR" altLang="en-US"/>
+          </a:p>
+        </p:txBody>
+      </p:sp>
+    </p:spTree>
+    <p:extLst>
+      <p:ext uri="{BB962C8B-B14F-4D97-AF65-F5344CB8AC3E}">
+        <p14:creationId xmlns:p14="http://schemas.microsoft.com/office/powerpoint/2010/main" val="2806099812"/>
       </p:ext>
     </p:extLst>
   </p:cSld>
@@ -6768,7 +6945,7 @@
                 <a:latin typeface="NanumSquareRound Regular" panose="020B0600000101010101" pitchFamily="34" charset="-127"/>
                 <a:ea typeface="NanumSquareRound Regular" panose="020B0600000101010101" pitchFamily="34" charset="-127"/>
               </a:rPr>
-              <a:t>28</a:t>
+              <a:t>29</a:t>
             </a:r>
             <a:r>
               <a:rPr kumimoji="1" lang="ko-KR" altLang="en-US" b="1" u="sng" dirty="0">
@@ -6778,7 +6955,7 @@
                 <a:latin typeface="NanumSquareRound Regular" panose="020B0600000101010101" pitchFamily="34" charset="-127"/>
                 <a:ea typeface="NanumSquareRound Regular" panose="020B0600000101010101" pitchFamily="34" charset="-127"/>
               </a:rPr>
-              <a:t>일 화요일 </a:t>
+              <a:t>일 목요일 </a:t>
             </a:r>
             <a:r>
               <a:rPr kumimoji="1" lang="ko-KR" altLang="en-US" b="1" u="sng" dirty="0" err="1">
@@ -6954,7 +7131,7 @@
               <a:t>,</a:t>
             </a:r>
             <a:r>
-              <a:rPr kumimoji="1" lang="ko-KR" altLang="en-US" b="1" u="sng">
+              <a:rPr kumimoji="1" lang="ko-KR" altLang="en-US" b="1" u="sng" dirty="0">
                 <a:solidFill>
                   <a:srgbClr val="3D3D3D"/>
                 </a:solidFill>

--- a/개인미팅준비.pptx
+++ b/개인미팅준비.pptx
@@ -5,7 +5,7 @@
     <p:sldMasterId id="2147483648" r:id="rId1"/>
   </p:sldMasterIdLst>
   <p:notesMasterIdLst>
-    <p:notesMasterId r:id="rId16"/>
+    <p:notesMasterId r:id="rId18"/>
   </p:notesMasterIdLst>
   <p:sldIdLst>
     <p:sldId id="259" r:id="rId2"/>
@@ -22,6 +22,8 @@
     <p:sldId id="267" r:id="rId13"/>
     <p:sldId id="273" r:id="rId14"/>
     <p:sldId id="274" r:id="rId15"/>
+    <p:sldId id="275" r:id="rId16"/>
+    <p:sldId id="276" r:id="rId17"/>
   </p:sldIdLst>
   <p:sldSz cx="12192000" cy="6858000"/>
   <p:notesSz cx="6858000" cy="9144000"/>
@@ -704,8 +706,26 @@
               <a:t>낮게나온다</a:t>
             </a:r>
             <a:r>
-              <a:rPr kumimoji="1" lang="en-US" altLang="ko-KR"/>
+              <a:rPr kumimoji="1" lang="en-US" altLang="ko-KR" dirty="0"/>
               <a:t>.</a:t>
+            </a:r>
+          </a:p>
+          <a:p>
+            <a:r>
+              <a:rPr kumimoji="1" lang="en-US" altLang="ko-KR" dirty="0"/>
+              <a:t>200</a:t>
+            </a:r>
+            <a:r>
+              <a:rPr kumimoji="1" lang="ko-KR" altLang="en-US" dirty="0" err="1"/>
+              <a:t>에폭</a:t>
+            </a:r>
+            <a:r>
+              <a:rPr kumimoji="1" lang="ko-KR" altLang="en-US" dirty="0"/>
+              <a:t> </a:t>
+            </a:r>
+            <a:r>
+              <a:rPr kumimoji="1" lang="en-US" altLang="ko-KR" dirty="0"/>
+              <a:t>46.860%</a:t>
             </a:r>
             <a:endParaRPr kumimoji="1" lang="ko-Kore-KR" altLang="en-US" dirty="0"/>
           </a:p>
@@ -738,6 +758,360 @@
     <p:extLst>
       <p:ext uri="{BB962C8B-B14F-4D97-AF65-F5344CB8AC3E}">
         <p14:creationId xmlns:p14="http://schemas.microsoft.com/office/powerpoint/2010/main" val="2806099812"/>
+      </p:ext>
+    </p:extLst>
+  </p:cSld>
+  <p:clrMapOvr>
+    <a:masterClrMapping/>
+  </p:clrMapOvr>
+</p:notes>
+</file>
+
+<file path=ppt/notesSlides/notesSlide11.xml><?xml version="1.0" encoding="utf-8"?>
+<p:notes xmlns:a="http://schemas.openxmlformats.org/drawingml/2006/main" xmlns:r="http://schemas.openxmlformats.org/officeDocument/2006/relationships" xmlns:p="http://schemas.openxmlformats.org/presentationml/2006/main">
+  <p:cSld>
+    <p:spTree>
+      <p:nvGrpSpPr>
+        <p:cNvPr id="1" name=""/>
+        <p:cNvGrpSpPr/>
+        <p:nvPr/>
+      </p:nvGrpSpPr>
+      <p:grpSpPr>
+        <a:xfrm>
+          <a:off x="0" y="0"/>
+          <a:ext cx="0" cy="0"/>
+          <a:chOff x="0" y="0"/>
+          <a:chExt cx="0" cy="0"/>
+        </a:xfrm>
+      </p:grpSpPr>
+      <p:sp>
+        <p:nvSpPr>
+          <p:cNvPr id="2" name="슬라이드 이미지 개체 틀 1"/>
+          <p:cNvSpPr>
+            <a:spLocks noGrp="1" noRot="1" noChangeAspect="1"/>
+          </p:cNvSpPr>
+          <p:nvPr>
+            <p:ph type="sldImg"/>
+          </p:nvPr>
+        </p:nvSpPr>
+        <p:spPr/>
+      </p:sp>
+      <p:sp>
+        <p:nvSpPr>
+          <p:cNvPr id="3" name="슬라이드 노트 개체 틀 2"/>
+          <p:cNvSpPr>
+            <a:spLocks noGrp="1"/>
+          </p:cNvSpPr>
+          <p:nvPr>
+            <p:ph type="body" idx="1"/>
+          </p:nvPr>
+        </p:nvSpPr>
+        <p:spPr/>
+        <p:txBody>
+          <a:bodyPr/>
+          <a:lstStyle/>
+          <a:p>
+            <a:r>
+              <a:rPr kumimoji="1" lang="ko-Kore-KR" altLang="en-US" dirty="0"/>
+              <a:t>모델</a:t>
+            </a:r>
+            <a:r>
+              <a:rPr kumimoji="1" lang="ko-KR" altLang="en-US" dirty="0"/>
+              <a:t> </a:t>
+            </a:r>
+            <a:r>
+              <a:rPr kumimoji="1" lang="en-US" altLang="ko-KR" dirty="0"/>
+              <a:t>5</a:t>
+            </a:r>
+            <a:r>
+              <a:rPr kumimoji="1" lang="ko-KR" altLang="en-US" dirty="0"/>
+              <a:t>개 서바이벌 </a:t>
+            </a:r>
+            <a:r>
+              <a:rPr kumimoji="1" lang="en-US" altLang="ko-KR" dirty="0"/>
+              <a:t>-&gt;</a:t>
+            </a:r>
+            <a:r>
+              <a:rPr kumimoji="1" lang="ko-KR" altLang="en-US" dirty="0"/>
+              <a:t> 성능이 낮음</a:t>
+            </a:r>
+            <a:r>
+              <a:rPr kumimoji="1" lang="en-US" altLang="ko-KR" dirty="0"/>
+              <a:t>….(</a:t>
+            </a:r>
+            <a:r>
+              <a:rPr kumimoji="1" lang="ko-KR" altLang="en-US" dirty="0"/>
+              <a:t>모델을 잘못 </a:t>
+            </a:r>
+            <a:r>
+              <a:rPr kumimoji="1" lang="ko-KR" altLang="en-US" dirty="0" err="1"/>
+              <a:t>짠건가</a:t>
+            </a:r>
+            <a:r>
+              <a:rPr kumimoji="1" lang="en-US" altLang="ko-KR" dirty="0"/>
+              <a:t>,</a:t>
+            </a:r>
+            <a:r>
+              <a:rPr kumimoji="1" lang="ko-KR" altLang="en-US" dirty="0"/>
+              <a:t> 아니면 모델 수가 </a:t>
+            </a:r>
+            <a:r>
+              <a:rPr kumimoji="1" lang="en-US" altLang="ko-KR" dirty="0"/>
+              <a:t>5</a:t>
+            </a:r>
+            <a:r>
+              <a:rPr kumimoji="1" lang="ko-KR" altLang="en-US" dirty="0"/>
+              <a:t>개라 서바이벌 효과가 나타나지 않는건지</a:t>
+            </a:r>
+            <a:r>
+              <a:rPr kumimoji="1" lang="en-US" altLang="ko-KR" dirty="0"/>
+              <a:t>)</a:t>
+            </a:r>
+          </a:p>
+          <a:p>
+            <a:r>
+              <a:rPr kumimoji="1" lang="ko-KR" altLang="en-US" dirty="0"/>
+              <a:t>지금 다 다르게 답하면 배열의 가장 첫번째 모델만 살아남거든</a:t>
+            </a:r>
+            <a:endParaRPr kumimoji="1" lang="en-US" altLang="ko-KR" dirty="0"/>
+          </a:p>
+          <a:p>
+            <a:r>
+              <a:rPr kumimoji="1" lang="ko-KR" altLang="en-US" dirty="0"/>
+              <a:t>그래서 </a:t>
+            </a:r>
+            <a:r>
+              <a:rPr kumimoji="1" lang="en-US" altLang="ko-KR" dirty="0"/>
+              <a:t>?</a:t>
+            </a:r>
+            <a:r>
+              <a:rPr kumimoji="1" lang="ko-KR" altLang="en-US" dirty="0"/>
+              <a:t> </a:t>
+            </a:r>
+            <a:r>
+              <a:rPr kumimoji="1" lang="en-US" altLang="ko-KR" dirty="0"/>
+              <a:t>-&gt;</a:t>
+            </a:r>
+            <a:r>
+              <a:rPr kumimoji="1" lang="ko-KR" altLang="en-US" dirty="0"/>
+              <a:t> 단일모델보다 성능이 </a:t>
+            </a:r>
+            <a:r>
+              <a:rPr kumimoji="1" lang="ko-KR" altLang="en-US" dirty="0" err="1"/>
+              <a:t>낮게나온다</a:t>
+            </a:r>
+            <a:r>
+              <a:rPr kumimoji="1" lang="en-US" altLang="ko-KR" dirty="0"/>
+              <a:t>.</a:t>
+            </a:r>
+            <a:endParaRPr kumimoji="1" lang="ko-Kore-KR" altLang="en-US" dirty="0"/>
+          </a:p>
+        </p:txBody>
+      </p:sp>
+      <p:sp>
+        <p:nvSpPr>
+          <p:cNvPr id="4" name="슬라이드 번호 개체 틀 3"/>
+          <p:cNvSpPr>
+            <a:spLocks noGrp="1"/>
+          </p:cNvSpPr>
+          <p:nvPr>
+            <p:ph type="sldNum" sz="quarter" idx="5"/>
+          </p:nvPr>
+        </p:nvSpPr>
+        <p:spPr/>
+        <p:txBody>
+          <a:bodyPr/>
+          <a:lstStyle/>
+          <a:p>
+            <a:fld id="{B71B6669-FD07-494E-99BC-6FDB59A26255}" type="slidenum">
+              <a:rPr kumimoji="1" lang="ko-Kore-KR" altLang="en-US" smtClean="0"/>
+              <a:t>15</a:t>
+            </a:fld>
+            <a:endParaRPr kumimoji="1" lang="ko-Kore-KR" altLang="en-US"/>
+          </a:p>
+        </p:txBody>
+      </p:sp>
+    </p:spTree>
+    <p:extLst>
+      <p:ext uri="{BB962C8B-B14F-4D97-AF65-F5344CB8AC3E}">
+        <p14:creationId xmlns:p14="http://schemas.microsoft.com/office/powerpoint/2010/main" val="1920693423"/>
+      </p:ext>
+    </p:extLst>
+  </p:cSld>
+  <p:clrMapOvr>
+    <a:masterClrMapping/>
+  </p:clrMapOvr>
+</p:notes>
+</file>
+
+<file path=ppt/notesSlides/notesSlide12.xml><?xml version="1.0" encoding="utf-8"?>
+<p:notes xmlns:a="http://schemas.openxmlformats.org/drawingml/2006/main" xmlns:r="http://schemas.openxmlformats.org/officeDocument/2006/relationships" xmlns:p="http://schemas.openxmlformats.org/presentationml/2006/main">
+  <p:cSld>
+    <p:spTree>
+      <p:nvGrpSpPr>
+        <p:cNvPr id="1" name=""/>
+        <p:cNvGrpSpPr/>
+        <p:nvPr/>
+      </p:nvGrpSpPr>
+      <p:grpSpPr>
+        <a:xfrm>
+          <a:off x="0" y="0"/>
+          <a:ext cx="0" cy="0"/>
+          <a:chOff x="0" y="0"/>
+          <a:chExt cx="0" cy="0"/>
+        </a:xfrm>
+      </p:grpSpPr>
+      <p:sp>
+        <p:nvSpPr>
+          <p:cNvPr id="2" name="슬라이드 이미지 개체 틀 1"/>
+          <p:cNvSpPr>
+            <a:spLocks noGrp="1" noRot="1" noChangeAspect="1"/>
+          </p:cNvSpPr>
+          <p:nvPr>
+            <p:ph type="sldImg"/>
+          </p:nvPr>
+        </p:nvSpPr>
+        <p:spPr/>
+      </p:sp>
+      <p:sp>
+        <p:nvSpPr>
+          <p:cNvPr id="3" name="슬라이드 노트 개체 틀 2"/>
+          <p:cNvSpPr>
+            <a:spLocks noGrp="1"/>
+          </p:cNvSpPr>
+          <p:nvPr>
+            <p:ph type="body" idx="1"/>
+          </p:nvPr>
+        </p:nvSpPr>
+        <p:spPr/>
+        <p:txBody>
+          <a:bodyPr/>
+          <a:lstStyle/>
+          <a:p>
+            <a:r>
+              <a:rPr kumimoji="1" lang="ko-Kore-KR" altLang="en-US" dirty="0"/>
+              <a:t>모델</a:t>
+            </a:r>
+            <a:r>
+              <a:rPr kumimoji="1" lang="ko-KR" altLang="en-US" dirty="0"/>
+              <a:t> </a:t>
+            </a:r>
+            <a:r>
+              <a:rPr kumimoji="1" lang="en-US" altLang="ko-KR" dirty="0"/>
+              <a:t>5</a:t>
+            </a:r>
+            <a:r>
+              <a:rPr kumimoji="1" lang="ko-KR" altLang="en-US" dirty="0"/>
+              <a:t>개 서바이벌 </a:t>
+            </a:r>
+            <a:r>
+              <a:rPr kumimoji="1" lang="en-US" altLang="ko-KR" dirty="0"/>
+              <a:t>-&gt;</a:t>
+            </a:r>
+            <a:r>
+              <a:rPr kumimoji="1" lang="ko-KR" altLang="en-US" dirty="0"/>
+              <a:t> 성능이 낮음</a:t>
+            </a:r>
+            <a:r>
+              <a:rPr kumimoji="1" lang="en-US" altLang="ko-KR" dirty="0"/>
+              <a:t>….(</a:t>
+            </a:r>
+            <a:r>
+              <a:rPr kumimoji="1" lang="ko-KR" altLang="en-US" dirty="0"/>
+              <a:t>모델을 잘못 </a:t>
+            </a:r>
+            <a:r>
+              <a:rPr kumimoji="1" lang="ko-KR" altLang="en-US" dirty="0" err="1"/>
+              <a:t>짠건가</a:t>
+            </a:r>
+            <a:r>
+              <a:rPr kumimoji="1" lang="en-US" altLang="ko-KR" dirty="0"/>
+              <a:t>,</a:t>
+            </a:r>
+            <a:r>
+              <a:rPr kumimoji="1" lang="ko-KR" altLang="en-US" dirty="0"/>
+              <a:t> 아니면 모델 수가 </a:t>
+            </a:r>
+            <a:r>
+              <a:rPr kumimoji="1" lang="en-US" altLang="ko-KR" dirty="0"/>
+              <a:t>5</a:t>
+            </a:r>
+            <a:r>
+              <a:rPr kumimoji="1" lang="ko-KR" altLang="en-US" dirty="0"/>
+              <a:t>개라 서바이벌 효과가 나타나지 않는건지</a:t>
+            </a:r>
+            <a:r>
+              <a:rPr kumimoji="1" lang="en-US" altLang="ko-KR" dirty="0"/>
+              <a:t>)</a:t>
+            </a:r>
+          </a:p>
+          <a:p>
+            <a:r>
+              <a:rPr kumimoji="1" lang="ko-KR" altLang="en-US" dirty="0"/>
+              <a:t>지금 다 다르게 답하면 배열의 가장 첫번째 모델만 살아남거든</a:t>
+            </a:r>
+            <a:endParaRPr kumimoji="1" lang="en-US" altLang="ko-KR" dirty="0"/>
+          </a:p>
+          <a:p>
+            <a:r>
+              <a:rPr kumimoji="1" lang="ko-KR" altLang="en-US" dirty="0"/>
+              <a:t>그래서 </a:t>
+            </a:r>
+            <a:r>
+              <a:rPr kumimoji="1" lang="en-US" altLang="ko-KR" dirty="0"/>
+              <a:t>?</a:t>
+            </a:r>
+            <a:r>
+              <a:rPr kumimoji="1" lang="ko-KR" altLang="en-US" dirty="0"/>
+              <a:t> </a:t>
+            </a:r>
+            <a:r>
+              <a:rPr kumimoji="1" lang="en-US" altLang="ko-KR" dirty="0"/>
+              <a:t>-&gt;</a:t>
+            </a:r>
+            <a:r>
+              <a:rPr kumimoji="1" lang="ko-KR" altLang="en-US" dirty="0"/>
+              <a:t> 단일모델보다 성능이 </a:t>
+            </a:r>
+            <a:r>
+              <a:rPr kumimoji="1" lang="ko-KR" altLang="en-US" dirty="0" err="1"/>
+              <a:t>낮게나온다</a:t>
+            </a:r>
+            <a:r>
+              <a:rPr kumimoji="1" lang="en-US" altLang="ko-KR" dirty="0"/>
+              <a:t>.</a:t>
+            </a:r>
+            <a:endParaRPr kumimoji="1" lang="ko-Kore-KR" altLang="en-US" dirty="0"/>
+          </a:p>
+        </p:txBody>
+      </p:sp>
+      <p:sp>
+        <p:nvSpPr>
+          <p:cNvPr id="4" name="슬라이드 번호 개체 틀 3"/>
+          <p:cNvSpPr>
+            <a:spLocks noGrp="1"/>
+          </p:cNvSpPr>
+          <p:nvPr>
+            <p:ph type="sldNum" sz="quarter" idx="5"/>
+          </p:nvPr>
+        </p:nvSpPr>
+        <p:spPr/>
+        <p:txBody>
+          <a:bodyPr/>
+          <a:lstStyle/>
+          <a:p>
+            <a:fld id="{B71B6669-FD07-494E-99BC-6FDB59A26255}" type="slidenum">
+              <a:rPr kumimoji="1" lang="ko-Kore-KR" altLang="en-US" smtClean="0"/>
+              <a:t>16</a:t>
+            </a:fld>
+            <a:endParaRPr kumimoji="1" lang="ko-Kore-KR" altLang="en-US"/>
+          </a:p>
+        </p:txBody>
+      </p:sp>
+    </p:spTree>
+    <p:extLst>
+      <p:ext uri="{BB962C8B-B14F-4D97-AF65-F5344CB8AC3E}">
+        <p14:creationId xmlns:p14="http://schemas.microsoft.com/office/powerpoint/2010/main" val="3423426087"/>
       </p:ext>
     </p:extLst>
   </p:cSld>
@@ -7022,7 +7396,7 @@
         <p:spPr>
           <a:xfrm>
             <a:off x="106326" y="202019"/>
-            <a:ext cx="11889731" cy="467885"/>
+            <a:ext cx="11889731" cy="676532"/>
           </a:xfrm>
           <a:prstGeom prst="rect">
             <a:avLst/>
@@ -7118,7 +7492,17 @@
                 <a:latin typeface="NanumSquareRound Regular" panose="020B0600000101010101" pitchFamily="34" charset="-127"/>
                 <a:ea typeface="NanumSquareRound Regular" panose="020B0600000101010101" pitchFamily="34" charset="-127"/>
               </a:rPr>
-              <a:t> 서바이벌</a:t>
+              <a:t> </a:t>
+            </a:r>
+            <a:r>
+              <a:rPr kumimoji="1" lang="ko-KR" altLang="en-US" sz="2800" b="1" u="sng" dirty="0">
+                <a:solidFill>
+                  <a:srgbClr val="3D3D3D"/>
+                </a:solidFill>
+                <a:latin typeface="NanumSquareRound Regular" panose="020B0600000101010101" pitchFamily="34" charset="-127"/>
+                <a:ea typeface="NanumSquareRound Regular" panose="020B0600000101010101" pitchFamily="34" charset="-127"/>
+              </a:rPr>
+              <a:t>서바이벌</a:t>
             </a:r>
             <a:r>
               <a:rPr kumimoji="1" lang="en-US" altLang="ko-KR" b="1" u="sng" dirty="0">
@@ -7150,10 +7534,835 @@
           </a:p>
         </p:txBody>
       </p:sp>
+      <p:sp>
+        <p:nvSpPr>
+          <p:cNvPr id="5" name="직사각형 4">
+            <a:extLst>
+              <a:ext uri="{FF2B5EF4-FFF2-40B4-BE49-F238E27FC236}">
+                <a16:creationId xmlns:a16="http://schemas.microsoft.com/office/drawing/2014/main" id="{E326C895-176C-E34D-BAF5-D3DACBCF5793}"/>
+              </a:ext>
+            </a:extLst>
+          </p:cNvPr>
+          <p:cNvSpPr/>
+          <p:nvPr/>
+        </p:nvSpPr>
+        <p:spPr>
+          <a:xfrm>
+            <a:off x="377952" y="1559433"/>
+            <a:ext cx="6096000" cy="4616648"/>
+          </a:xfrm>
+          <a:prstGeom prst="rect">
+            <a:avLst/>
+          </a:prstGeom>
+        </p:spPr>
+        <p:txBody>
+          <a:bodyPr wrap="square">
+            <a:spAutoFit/>
+          </a:bodyPr>
+          <a:lstStyle/>
+          <a:p>
+            <a:r>
+              <a:rPr lang="ko-Kore-KR" altLang="en-US" sz="1400" dirty="0"/>
+              <a:t>=============== 0 번째 자리===============</a:t>
+            </a:r>
+          </a:p>
+          <a:p>
+            <a:r>
+              <a:rPr lang="ko-Kore-KR" altLang="en-US" sz="1400" dirty="0"/>
+              <a:t>참가한 모델의 예측:  [3, 3, 4, 8, 2]</a:t>
+            </a:r>
+          </a:p>
+          <a:p>
+            <a:r>
+              <a:rPr lang="ko-Kore-KR" altLang="en-US" sz="1400" dirty="0"/>
+              <a:t>다수결 결과:  3</a:t>
+            </a:r>
+          </a:p>
+          <a:p>
+            <a:r>
+              <a:rPr lang="ko-Kore-KR" altLang="en-US" sz="1400" dirty="0"/>
+              <a:t>살아남은 모델:  [0, 1]</a:t>
+            </a:r>
+          </a:p>
+          <a:p>
+            <a:r>
+              <a:rPr lang="ko-Kore-KR" altLang="en-US" sz="1400" dirty="0"/>
+              <a:t>탈락한 모델:  [2, 3, 4]</a:t>
+            </a:r>
+          </a:p>
+          <a:p>
+            <a:r>
+              <a:rPr lang="ko-Kore-KR" altLang="en-US" sz="1400" dirty="0"/>
+              <a:t>-------------------------------------------</a:t>
+            </a:r>
+          </a:p>
+          <a:p>
+            <a:r>
+              <a:rPr lang="ko-Kore-KR" altLang="en-US" sz="1400" dirty="0"/>
+              <a:t>=============== 1 번째 자리===============</a:t>
+            </a:r>
+          </a:p>
+          <a:p>
+            <a:r>
+              <a:rPr lang="ko-Kore-KR" altLang="en-US" sz="1400" dirty="0"/>
+              <a:t>참가한 모델의 예측:  [12, 7]</a:t>
+            </a:r>
+          </a:p>
+          <a:p>
+            <a:r>
+              <a:rPr lang="ko-Kore-KR" altLang="en-US" sz="1400" dirty="0"/>
+              <a:t>다수결 결과:  12</a:t>
+            </a:r>
+          </a:p>
+          <a:p>
+            <a:r>
+              <a:rPr lang="ko-Kore-KR" altLang="en-US" sz="1400" dirty="0"/>
+              <a:t>-------------------------------------------</a:t>
+            </a:r>
+          </a:p>
+          <a:p>
+            <a:r>
+              <a:rPr lang="ko-Kore-KR" altLang="en-US" sz="1400" dirty="0"/>
+              <a:t>=============== 2 번째 자리===============</a:t>
+            </a:r>
+          </a:p>
+          <a:p>
+            <a:r>
+              <a:rPr lang="ko-Kore-KR" altLang="en-US" sz="1400" dirty="0"/>
+              <a:t>최후 1개 모델의 예측:  12</a:t>
+            </a:r>
+          </a:p>
+          <a:p>
+            <a:r>
+              <a:rPr lang="ko-Kore-KR" altLang="en-US" sz="1400" dirty="0"/>
+              <a:t>-------------------------------------------</a:t>
+            </a:r>
+          </a:p>
+          <a:p>
+            <a:r>
+              <a:rPr lang="ko-Kore-KR" altLang="en-US" sz="1400" dirty="0"/>
+              <a:t>=============== 3 번째 자리===============</a:t>
+            </a:r>
+          </a:p>
+          <a:p>
+            <a:r>
+              <a:rPr lang="ko-Kore-KR" altLang="en-US" sz="1400" dirty="0"/>
+              <a:t>최후 1개 모델의 예측:  5</a:t>
+            </a:r>
+          </a:p>
+          <a:p>
+            <a:r>
+              <a:rPr lang="ko-Kore-KR" altLang="en-US" sz="1400" dirty="0"/>
+              <a:t>-------------------------------------------</a:t>
+            </a:r>
+          </a:p>
+          <a:p>
+            <a:r>
+              <a:rPr lang="ko-Kore-KR" altLang="en-US" sz="1400" dirty="0"/>
+              <a:t>서바이벌 결과:  [3, 12, 12, 5]</a:t>
+            </a:r>
+          </a:p>
+          <a:p>
+            <a:r>
+              <a:rPr lang="ko-Kore-KR" altLang="en-US" sz="1400" dirty="0"/>
+              <a:t>문자열로 변환한 결과:  744 </a:t>
+            </a:r>
+          </a:p>
+          <a:p>
+            <a:r>
+              <a:rPr lang="ko-Kore-KR" altLang="en-US" sz="1400" dirty="0"/>
+              <a:t>Q 703+16 </a:t>
+            </a:r>
+          </a:p>
+          <a:p>
+            <a:r>
+              <a:rPr lang="ko-Kore-KR" altLang="en-US" sz="1400" dirty="0"/>
+              <a:t>T 719 </a:t>
+            </a:r>
+          </a:p>
+          <a:p>
+            <a:r>
+              <a:rPr lang="ko-Kore-KR" altLang="en-US" sz="1400" dirty="0"/>
+              <a:t>☒ 744 </a:t>
+            </a:r>
+          </a:p>
+        </p:txBody>
+      </p:sp>
+      <p:sp>
+        <p:nvSpPr>
+          <p:cNvPr id="6" name="직사각형 5">
+            <a:extLst>
+              <a:ext uri="{FF2B5EF4-FFF2-40B4-BE49-F238E27FC236}">
+                <a16:creationId xmlns:a16="http://schemas.microsoft.com/office/drawing/2014/main" id="{BD5A3D19-AC54-6140-9086-FD402555BFB1}"/>
+              </a:ext>
+            </a:extLst>
+          </p:cNvPr>
+          <p:cNvSpPr/>
+          <p:nvPr/>
+        </p:nvSpPr>
+        <p:spPr>
+          <a:xfrm>
+            <a:off x="4443984" y="1559433"/>
+            <a:ext cx="6096000" cy="4616648"/>
+          </a:xfrm>
+          <a:prstGeom prst="rect">
+            <a:avLst/>
+          </a:prstGeom>
+        </p:spPr>
+        <p:txBody>
+          <a:bodyPr>
+            <a:spAutoFit/>
+          </a:bodyPr>
+          <a:lstStyle/>
+          <a:p>
+            <a:r>
+              <a:rPr lang="ko-Kore-KR" altLang="en-US" sz="1400" dirty="0"/>
+              <a:t>=============== 0 번째 자리===============</a:t>
+            </a:r>
+          </a:p>
+          <a:p>
+            <a:r>
+              <a:rPr lang="ko-Kore-KR" altLang="en-US" sz="1400" dirty="0"/>
+              <a:t>참가한 모델의 예측:  [0, 3, 9, 8, 2]</a:t>
+            </a:r>
+          </a:p>
+          <a:p>
+            <a:r>
+              <a:rPr lang="ko-Kore-KR" altLang="en-US" sz="1400" dirty="0"/>
+              <a:t>다수결 결과:  0</a:t>
+            </a:r>
+          </a:p>
+          <a:p>
+            <a:r>
+              <a:rPr lang="ko-Kore-KR" altLang="en-US" sz="1400" dirty="0"/>
+              <a:t>살아남은 모델:  [0]</a:t>
+            </a:r>
+          </a:p>
+          <a:p>
+            <a:r>
+              <a:rPr lang="ko-Kore-KR" altLang="en-US" sz="1400" dirty="0"/>
+              <a:t>탈락한 모델:  [1, 2, 3, 4]</a:t>
+            </a:r>
+          </a:p>
+          <a:p>
+            <a:r>
+              <a:rPr lang="ko-Kore-KR" altLang="en-US" sz="1400" dirty="0"/>
+              <a:t>-------------------------------------------</a:t>
+            </a:r>
+          </a:p>
+          <a:p>
+            <a:r>
+              <a:rPr lang="ko-Kore-KR" altLang="en-US" sz="1400" dirty="0"/>
+              <a:t>=============== 1 번째 자리===============</a:t>
+            </a:r>
+          </a:p>
+          <a:p>
+            <a:r>
+              <a:rPr lang="ko-Kore-KR" altLang="en-US" sz="1400" dirty="0"/>
+              <a:t>최후 1개 모델의 예측:  4</a:t>
+            </a:r>
+          </a:p>
+          <a:p>
+            <a:r>
+              <a:rPr lang="ko-Kore-KR" altLang="en-US" sz="1400" dirty="0"/>
+              <a:t>-------------------------------------------</a:t>
+            </a:r>
+          </a:p>
+          <a:p>
+            <a:r>
+              <a:rPr lang="ko-Kore-KR" altLang="en-US" sz="1400" dirty="0"/>
+              <a:t>=============== 2 번째 자리===============</a:t>
+            </a:r>
+          </a:p>
+          <a:p>
+            <a:r>
+              <a:rPr lang="ko-Kore-KR" altLang="en-US" sz="1400" dirty="0"/>
+              <a:t>최후 1개 모델의 예측:  0</a:t>
+            </a:r>
+          </a:p>
+          <a:p>
+            <a:r>
+              <a:rPr lang="ko-Kore-KR" altLang="en-US" sz="1400" dirty="0"/>
+              <a:t>-------------------------------------------</a:t>
+            </a:r>
+          </a:p>
+          <a:p>
+            <a:r>
+              <a:rPr lang="ko-Kore-KR" altLang="en-US" sz="1400" dirty="0"/>
+              <a:t>=============== 3 번째 자리===============</a:t>
+            </a:r>
+          </a:p>
+          <a:p>
+            <a:r>
+              <a:rPr lang="ko-Kore-KR" altLang="en-US" sz="1400" dirty="0"/>
+              <a:t>최후 1개 모델의 예측:  5</a:t>
+            </a:r>
+          </a:p>
+          <a:p>
+            <a:r>
+              <a:rPr lang="ko-Kore-KR" altLang="en-US" sz="1400" dirty="0"/>
+              <a:t>-------------------------------------------</a:t>
+            </a:r>
+          </a:p>
+          <a:p>
+            <a:r>
+              <a:rPr lang="ko-Kore-KR" altLang="en-US" sz="1400" dirty="0"/>
+              <a:t>서바이벌 결과:  [0, 4, 0, 5]</a:t>
+            </a:r>
+          </a:p>
+          <a:p>
+            <a:r>
+              <a:rPr lang="ko-Kore-KR" altLang="en-US" sz="1400" dirty="0"/>
+              <a:t>문자열로 변환한 결과:  151 </a:t>
+            </a:r>
+          </a:p>
+          <a:p>
+            <a:r>
+              <a:rPr lang="ko-Kore-KR" altLang="en-US" sz="1400" dirty="0"/>
+              <a:t>Q 108+23 </a:t>
+            </a:r>
+          </a:p>
+          <a:p>
+            <a:r>
+              <a:rPr lang="ko-Kore-KR" altLang="en-US" sz="1400" dirty="0"/>
+              <a:t>T 131 </a:t>
+            </a:r>
+          </a:p>
+          <a:p>
+            <a:r>
+              <a:rPr lang="ko-Kore-KR" altLang="en-US" sz="1400" dirty="0"/>
+              <a:t>☒ 151 </a:t>
+            </a:r>
+          </a:p>
+          <a:p>
+            <a:r>
+              <a:rPr lang="ko-Kore-KR" altLang="en-US" sz="1400" dirty="0"/>
+              <a:t>---</a:t>
+            </a:r>
+          </a:p>
+        </p:txBody>
+      </p:sp>
     </p:spTree>
     <p:extLst>
       <p:ext uri="{BB962C8B-B14F-4D97-AF65-F5344CB8AC3E}">
         <p14:creationId xmlns:p14="http://schemas.microsoft.com/office/powerpoint/2010/main" val="3646598417"/>
+      </p:ext>
+    </p:extLst>
+  </p:cSld>
+  <p:clrMapOvr>
+    <a:masterClrMapping/>
+  </p:clrMapOvr>
+</p:sld>
+</file>
+
+<file path=ppt/slides/slide15.xml><?xml version="1.0" encoding="utf-8"?>
+<p:sld xmlns:a="http://schemas.openxmlformats.org/drawingml/2006/main" xmlns:r="http://schemas.openxmlformats.org/officeDocument/2006/relationships" xmlns:p="http://schemas.openxmlformats.org/presentationml/2006/main">
+  <p:cSld>
+    <p:spTree>
+      <p:nvGrpSpPr>
+        <p:cNvPr id="1" name=""/>
+        <p:cNvGrpSpPr/>
+        <p:nvPr/>
+      </p:nvGrpSpPr>
+      <p:grpSpPr>
+        <a:xfrm>
+          <a:off x="0" y="0"/>
+          <a:ext cx="0" cy="0"/>
+          <a:chOff x="0" y="0"/>
+          <a:chExt cx="0" cy="0"/>
+        </a:xfrm>
+      </p:grpSpPr>
+      <p:sp>
+        <p:nvSpPr>
+          <p:cNvPr id="4" name="TextBox 3">
+            <a:extLst>
+              <a:ext uri="{FF2B5EF4-FFF2-40B4-BE49-F238E27FC236}">
+                <a16:creationId xmlns:a16="http://schemas.microsoft.com/office/drawing/2014/main" id="{9790CE72-C451-F647-B0EB-9967502E3A02}"/>
+              </a:ext>
+            </a:extLst>
+          </p:cNvPr>
+          <p:cNvSpPr txBox="1"/>
+          <p:nvPr/>
+        </p:nvSpPr>
+        <p:spPr>
+          <a:xfrm>
+            <a:off x="106326" y="202019"/>
+            <a:ext cx="11889731" cy="676532"/>
+          </a:xfrm>
+          <a:prstGeom prst="rect">
+            <a:avLst/>
+          </a:prstGeom>
+          <a:noFill/>
+        </p:spPr>
+        <p:txBody>
+          <a:bodyPr wrap="square" rtlCol="0">
+            <a:spAutoFit/>
+          </a:bodyPr>
+          <a:lstStyle/>
+          <a:p>
+            <a:pPr>
+              <a:lnSpc>
+                <a:spcPct val="150000"/>
+              </a:lnSpc>
+            </a:pPr>
+            <a:r>
+              <a:rPr kumimoji="1" lang="ko-KR" altLang="en-US" b="1" u="sng" dirty="0">
+                <a:solidFill>
+                  <a:srgbClr val="3D3D3D"/>
+                </a:solidFill>
+                <a:latin typeface="NanumSquareRound Regular" panose="020B0600000101010101" pitchFamily="34" charset="-127"/>
+                <a:ea typeface="NanumSquareRound Regular" panose="020B0600000101010101" pitchFamily="34" charset="-127"/>
+              </a:rPr>
+              <a:t>덧셈 성능 확인 </a:t>
+            </a:r>
+            <a:r>
+              <a:rPr kumimoji="1" lang="en-US" altLang="ko-KR" b="1" u="sng" dirty="0">
+                <a:solidFill>
+                  <a:srgbClr val="3D3D3D"/>
+                </a:solidFill>
+                <a:latin typeface="NanumSquareRound Regular" panose="020B0600000101010101" pitchFamily="34" charset="-127"/>
+                <a:ea typeface="NanumSquareRound Regular" panose="020B0600000101010101" pitchFamily="34" charset="-127"/>
+              </a:rPr>
+              <a:t>–</a:t>
+            </a:r>
+            <a:r>
+              <a:rPr kumimoji="1" lang="ko-KR" altLang="en-US" b="1" u="sng" dirty="0">
+                <a:solidFill>
+                  <a:srgbClr val="3D3D3D"/>
+                </a:solidFill>
+                <a:latin typeface="NanumSquareRound Regular" panose="020B0600000101010101" pitchFamily="34" charset="-127"/>
+                <a:ea typeface="NanumSquareRound Regular" panose="020B0600000101010101" pitchFamily="34" charset="-127"/>
+              </a:rPr>
+              <a:t> 앙상블</a:t>
+            </a:r>
+            <a:r>
+              <a:rPr kumimoji="1" lang="en-US" altLang="ko-KR" b="1" u="sng" dirty="0">
+                <a:solidFill>
+                  <a:srgbClr val="3D3D3D"/>
+                </a:solidFill>
+                <a:latin typeface="NanumSquareRound Regular" panose="020B0600000101010101" pitchFamily="34" charset="-127"/>
+                <a:ea typeface="NanumSquareRound Regular" panose="020B0600000101010101" pitchFamily="34" charset="-127"/>
+              </a:rPr>
+              <a:t>(</a:t>
+            </a:r>
+            <a:r>
+              <a:rPr kumimoji="1" lang="ko-KR" altLang="en-US" b="1" u="sng" dirty="0">
+                <a:solidFill>
+                  <a:srgbClr val="3D3D3D"/>
+                </a:solidFill>
+                <a:latin typeface="NanumSquareRound Regular" panose="020B0600000101010101" pitchFamily="34" charset="-127"/>
+                <a:ea typeface="NanumSquareRound Regular" panose="020B0600000101010101" pitchFamily="34" charset="-127"/>
+              </a:rPr>
+              <a:t>소프트 </a:t>
+            </a:r>
+            <a:r>
+              <a:rPr kumimoji="1" lang="ko-KR" altLang="en-US" b="1" u="sng" dirty="0" err="1">
+                <a:solidFill>
+                  <a:srgbClr val="3D3D3D"/>
+                </a:solidFill>
+                <a:latin typeface="NanumSquareRound Regular" panose="020B0600000101010101" pitchFamily="34" charset="-127"/>
+                <a:ea typeface="NanumSquareRound Regular" panose="020B0600000101010101" pitchFamily="34" charset="-127"/>
+              </a:rPr>
+              <a:t>보팅</a:t>
+            </a:r>
+            <a:r>
+              <a:rPr kumimoji="1" lang="en-US" altLang="ko-KR" b="1" u="sng" dirty="0">
+                <a:solidFill>
+                  <a:srgbClr val="3D3D3D"/>
+                </a:solidFill>
+                <a:latin typeface="NanumSquareRound Regular" panose="020B0600000101010101" pitchFamily="34" charset="-127"/>
+                <a:ea typeface="NanumSquareRound Regular" panose="020B0600000101010101" pitchFamily="34" charset="-127"/>
+              </a:rPr>
+              <a:t>),</a:t>
+            </a:r>
+            <a:r>
+              <a:rPr kumimoji="1" lang="ko-KR" altLang="en-US" b="1" u="sng" dirty="0">
+                <a:solidFill>
+                  <a:srgbClr val="3D3D3D"/>
+                </a:solidFill>
+                <a:latin typeface="NanumSquareRound Regular" panose="020B0600000101010101" pitchFamily="34" charset="-127"/>
+                <a:ea typeface="NanumSquareRound Regular" panose="020B0600000101010101" pitchFamily="34" charset="-127"/>
+              </a:rPr>
+              <a:t> </a:t>
+            </a:r>
+            <a:r>
+              <a:rPr kumimoji="1" lang="ko-KR" altLang="en-US" sz="2800" b="1" u="sng" dirty="0">
+                <a:solidFill>
+                  <a:srgbClr val="3D3D3D"/>
+                </a:solidFill>
+                <a:latin typeface="NanumSquareRound Regular" panose="020B0600000101010101" pitchFamily="34" charset="-127"/>
+                <a:ea typeface="NanumSquareRound Regular" panose="020B0600000101010101" pitchFamily="34" charset="-127"/>
+              </a:rPr>
+              <a:t>서바이벌</a:t>
+            </a:r>
+            <a:r>
+              <a:rPr kumimoji="1" lang="en-US" altLang="ko-KR" b="1" u="sng" dirty="0">
+                <a:solidFill>
+                  <a:srgbClr val="3D3D3D"/>
+                </a:solidFill>
+                <a:latin typeface="NanumSquareRound Regular" panose="020B0600000101010101" pitchFamily="34" charset="-127"/>
+                <a:ea typeface="NanumSquareRound Regular" panose="020B0600000101010101" pitchFamily="34" charset="-127"/>
+              </a:rPr>
+              <a:t>,</a:t>
+            </a:r>
+            <a:r>
+              <a:rPr kumimoji="1" lang="ko-KR" altLang="en-US" b="1" u="sng" dirty="0">
+                <a:solidFill>
+                  <a:srgbClr val="3D3D3D"/>
+                </a:solidFill>
+                <a:latin typeface="NanumSquareRound Regular" panose="020B0600000101010101" pitchFamily="34" charset="-127"/>
+                <a:ea typeface="NanumSquareRound Regular" panose="020B0600000101010101" pitchFamily="34" charset="-127"/>
+              </a:rPr>
+              <a:t> 다수결</a:t>
+            </a:r>
+            <a:endParaRPr kumimoji="1" lang="en-US" altLang="ko-KR" b="1" u="sng" dirty="0">
+              <a:solidFill>
+                <a:srgbClr val="3D3D3D"/>
+              </a:solidFill>
+              <a:latin typeface="NanumSquareRound Regular" panose="020B0600000101010101" pitchFamily="34" charset="-127"/>
+              <a:ea typeface="NanumSquareRound Regular" panose="020B0600000101010101" pitchFamily="34" charset="-127"/>
+            </a:endParaRPr>
+          </a:p>
+        </p:txBody>
+      </p:sp>
+      <p:sp>
+        <p:nvSpPr>
+          <p:cNvPr id="5" name="직사각형 4">
+            <a:extLst>
+              <a:ext uri="{FF2B5EF4-FFF2-40B4-BE49-F238E27FC236}">
+                <a16:creationId xmlns:a16="http://schemas.microsoft.com/office/drawing/2014/main" id="{E326C895-176C-E34D-BAF5-D3DACBCF5793}"/>
+              </a:ext>
+            </a:extLst>
+          </p:cNvPr>
+          <p:cNvSpPr/>
+          <p:nvPr/>
+        </p:nvSpPr>
+        <p:spPr>
+          <a:xfrm>
+            <a:off x="377952" y="1559433"/>
+            <a:ext cx="6096000" cy="738664"/>
+          </a:xfrm>
+          <a:prstGeom prst="rect">
+            <a:avLst/>
+          </a:prstGeom>
+        </p:spPr>
+        <p:txBody>
+          <a:bodyPr wrap="square">
+            <a:spAutoFit/>
+          </a:bodyPr>
+          <a:lstStyle/>
+          <a:p>
+            <a:r>
+              <a:rPr lang="ko-KR" altLang="en-US" sz="1400" dirty="0"/>
+              <a:t>모델 </a:t>
+            </a:r>
+            <a:r>
+              <a:rPr lang="en-US" altLang="ko-KR" sz="1400" dirty="0"/>
+              <a:t>5</a:t>
+            </a:r>
+            <a:r>
+              <a:rPr lang="ko-KR" altLang="en-US" sz="1400" dirty="0"/>
+              <a:t>개 </a:t>
+            </a:r>
+            <a:r>
+              <a:rPr lang="en-US" altLang="ko-KR" sz="1400" dirty="0"/>
+              <a:t>-&gt;</a:t>
+            </a:r>
+            <a:r>
+              <a:rPr lang="ko-KR" altLang="en-US" sz="1400" dirty="0"/>
+              <a:t> </a:t>
+            </a:r>
+            <a:r>
+              <a:rPr lang="en-US" altLang="ko-KR" sz="1400" dirty="0"/>
+              <a:t>10</a:t>
+            </a:r>
+            <a:r>
+              <a:rPr lang="ko-KR" altLang="en-US" sz="1400" dirty="0"/>
+              <a:t>개</a:t>
+            </a:r>
+            <a:endParaRPr lang="en-US" altLang="ko-KR" sz="1400" dirty="0"/>
+          </a:p>
+          <a:p>
+            <a:r>
+              <a:rPr lang="ko-KR" altLang="en-US" sz="1400" dirty="0"/>
+              <a:t>데이터 </a:t>
+            </a:r>
+            <a:r>
+              <a:rPr lang="ko-KR" altLang="en-US" sz="1400" dirty="0" err="1"/>
+              <a:t>셔블</a:t>
+            </a:r>
+            <a:r>
+              <a:rPr lang="ko-KR" altLang="en-US" sz="1400" dirty="0"/>
+              <a:t> 추가해서 다시 돌려봄</a:t>
+            </a:r>
+            <a:endParaRPr lang="en-US" altLang="ko-KR" sz="1400" dirty="0"/>
+          </a:p>
+          <a:p>
+            <a:endParaRPr lang="ko-Kore-KR" altLang="en-US" sz="1400" dirty="0"/>
+          </a:p>
+        </p:txBody>
+      </p:sp>
+    </p:spTree>
+    <p:extLst>
+      <p:ext uri="{BB962C8B-B14F-4D97-AF65-F5344CB8AC3E}">
+        <p14:creationId xmlns:p14="http://schemas.microsoft.com/office/powerpoint/2010/main" val="2836668218"/>
+      </p:ext>
+    </p:extLst>
+  </p:cSld>
+  <p:clrMapOvr>
+    <a:masterClrMapping/>
+  </p:clrMapOvr>
+</p:sld>
+</file>
+
+<file path=ppt/slides/slide16.xml><?xml version="1.0" encoding="utf-8"?>
+<p:sld xmlns:a="http://schemas.openxmlformats.org/drawingml/2006/main" xmlns:r="http://schemas.openxmlformats.org/officeDocument/2006/relationships" xmlns:p="http://schemas.openxmlformats.org/presentationml/2006/main">
+  <p:cSld>
+    <p:spTree>
+      <p:nvGrpSpPr>
+        <p:cNvPr id="1" name=""/>
+        <p:cNvGrpSpPr/>
+        <p:nvPr/>
+      </p:nvGrpSpPr>
+      <p:grpSpPr>
+        <a:xfrm>
+          <a:off x="0" y="0"/>
+          <a:ext cx="0" cy="0"/>
+          <a:chOff x="0" y="0"/>
+          <a:chExt cx="0" cy="0"/>
+        </a:xfrm>
+      </p:grpSpPr>
+      <p:sp>
+        <p:nvSpPr>
+          <p:cNvPr id="4" name="TextBox 3">
+            <a:extLst>
+              <a:ext uri="{FF2B5EF4-FFF2-40B4-BE49-F238E27FC236}">
+                <a16:creationId xmlns:a16="http://schemas.microsoft.com/office/drawing/2014/main" id="{9790CE72-C451-F647-B0EB-9967502E3A02}"/>
+              </a:ext>
+            </a:extLst>
+          </p:cNvPr>
+          <p:cNvSpPr txBox="1"/>
+          <p:nvPr/>
+        </p:nvSpPr>
+        <p:spPr>
+          <a:xfrm>
+            <a:off x="106326" y="202019"/>
+            <a:ext cx="11889731" cy="759952"/>
+          </a:xfrm>
+          <a:prstGeom prst="rect">
+            <a:avLst/>
+          </a:prstGeom>
+          <a:noFill/>
+        </p:spPr>
+        <p:txBody>
+          <a:bodyPr wrap="square" rtlCol="0">
+            <a:spAutoFit/>
+          </a:bodyPr>
+          <a:lstStyle/>
+          <a:p>
+            <a:pPr>
+              <a:lnSpc>
+                <a:spcPct val="150000"/>
+              </a:lnSpc>
+            </a:pPr>
+            <a:r>
+              <a:rPr kumimoji="1" lang="ko-KR" altLang="en-US" b="1" u="sng" dirty="0">
+                <a:solidFill>
+                  <a:srgbClr val="3D3D3D"/>
+                </a:solidFill>
+                <a:latin typeface="NanumSquareRound Regular" panose="020B0600000101010101" pitchFamily="34" charset="-127"/>
+                <a:ea typeface="NanumSquareRound Regular" panose="020B0600000101010101" pitchFamily="34" charset="-127"/>
+              </a:rPr>
+              <a:t>덧셈 성능 확인 </a:t>
+            </a:r>
+            <a:r>
+              <a:rPr kumimoji="1" lang="en-US" altLang="ko-KR" b="1" u="sng" dirty="0">
+                <a:solidFill>
+                  <a:srgbClr val="3D3D3D"/>
+                </a:solidFill>
+                <a:latin typeface="NanumSquareRound Regular" panose="020B0600000101010101" pitchFamily="34" charset="-127"/>
+                <a:ea typeface="NanumSquareRound Regular" panose="020B0600000101010101" pitchFamily="34" charset="-127"/>
+              </a:rPr>
+              <a:t>–</a:t>
+            </a:r>
+            <a:r>
+              <a:rPr kumimoji="1" lang="ko-KR" altLang="en-US" b="1" u="sng" dirty="0">
+                <a:solidFill>
+                  <a:srgbClr val="3D3D3D"/>
+                </a:solidFill>
+                <a:latin typeface="NanumSquareRound Regular" panose="020B0600000101010101" pitchFamily="34" charset="-127"/>
+                <a:ea typeface="NanumSquareRound Regular" panose="020B0600000101010101" pitchFamily="34" charset="-127"/>
+              </a:rPr>
+              <a:t> 앙상블</a:t>
+            </a:r>
+            <a:r>
+              <a:rPr kumimoji="1" lang="en-US" altLang="ko-KR" b="1" u="sng" dirty="0">
+                <a:solidFill>
+                  <a:srgbClr val="3D3D3D"/>
+                </a:solidFill>
+                <a:latin typeface="NanumSquareRound Regular" panose="020B0600000101010101" pitchFamily="34" charset="-127"/>
+                <a:ea typeface="NanumSquareRound Regular" panose="020B0600000101010101" pitchFamily="34" charset="-127"/>
+              </a:rPr>
+              <a:t>(</a:t>
+            </a:r>
+            <a:r>
+              <a:rPr kumimoji="1" lang="ko-KR" altLang="en-US" b="1" u="sng" dirty="0">
+                <a:solidFill>
+                  <a:srgbClr val="3D3D3D"/>
+                </a:solidFill>
+                <a:latin typeface="NanumSquareRound Regular" panose="020B0600000101010101" pitchFamily="34" charset="-127"/>
+                <a:ea typeface="NanumSquareRound Regular" panose="020B0600000101010101" pitchFamily="34" charset="-127"/>
+              </a:rPr>
+              <a:t>소프트 </a:t>
+            </a:r>
+            <a:r>
+              <a:rPr kumimoji="1" lang="ko-KR" altLang="en-US" b="1" u="sng" dirty="0" err="1">
+                <a:solidFill>
+                  <a:srgbClr val="3D3D3D"/>
+                </a:solidFill>
+                <a:latin typeface="NanumSquareRound Regular" panose="020B0600000101010101" pitchFamily="34" charset="-127"/>
+                <a:ea typeface="NanumSquareRound Regular" panose="020B0600000101010101" pitchFamily="34" charset="-127"/>
+              </a:rPr>
+              <a:t>보팅</a:t>
+            </a:r>
+            <a:r>
+              <a:rPr kumimoji="1" lang="en-US" altLang="ko-KR" b="1" u="sng" dirty="0">
+                <a:solidFill>
+                  <a:srgbClr val="3D3D3D"/>
+                </a:solidFill>
+                <a:latin typeface="NanumSquareRound Regular" panose="020B0600000101010101" pitchFamily="34" charset="-127"/>
+                <a:ea typeface="NanumSquareRound Regular" panose="020B0600000101010101" pitchFamily="34" charset="-127"/>
+              </a:rPr>
+              <a:t>),</a:t>
+            </a:r>
+            <a:r>
+              <a:rPr kumimoji="1" lang="ko-KR" altLang="en-US" b="1" u="sng" dirty="0">
+                <a:solidFill>
+                  <a:srgbClr val="3D3D3D"/>
+                </a:solidFill>
+                <a:latin typeface="NanumSquareRound Regular" panose="020B0600000101010101" pitchFamily="34" charset="-127"/>
+                <a:ea typeface="NanumSquareRound Regular" panose="020B0600000101010101" pitchFamily="34" charset="-127"/>
+              </a:rPr>
+              <a:t> 서바이벌</a:t>
+            </a:r>
+            <a:r>
+              <a:rPr kumimoji="1" lang="en-US" altLang="ko-KR" b="1" u="sng" dirty="0">
+                <a:solidFill>
+                  <a:srgbClr val="3D3D3D"/>
+                </a:solidFill>
+                <a:latin typeface="NanumSquareRound Regular" panose="020B0600000101010101" pitchFamily="34" charset="-127"/>
+                <a:ea typeface="NanumSquareRound Regular" panose="020B0600000101010101" pitchFamily="34" charset="-127"/>
+              </a:rPr>
+              <a:t>,</a:t>
+            </a:r>
+            <a:r>
+              <a:rPr kumimoji="1" lang="ko-KR" altLang="en-US" b="1" u="sng" dirty="0">
+                <a:solidFill>
+                  <a:srgbClr val="3D3D3D"/>
+                </a:solidFill>
+                <a:latin typeface="NanumSquareRound Regular" panose="020B0600000101010101" pitchFamily="34" charset="-127"/>
+                <a:ea typeface="NanumSquareRound Regular" panose="020B0600000101010101" pitchFamily="34" charset="-127"/>
+              </a:rPr>
+              <a:t> </a:t>
+            </a:r>
+            <a:r>
+              <a:rPr kumimoji="1" lang="ko-KR" altLang="en-US" sz="3200" b="1" u="sng" dirty="0">
+                <a:solidFill>
+                  <a:srgbClr val="3D3D3D"/>
+                </a:solidFill>
+                <a:latin typeface="NanumSquareRound Regular" panose="020B0600000101010101" pitchFamily="34" charset="-127"/>
+                <a:ea typeface="NanumSquareRound Regular" panose="020B0600000101010101" pitchFamily="34" charset="-127"/>
+              </a:rPr>
+              <a:t>다수결</a:t>
+            </a:r>
+            <a:endParaRPr kumimoji="1" lang="en-US" altLang="ko-KR" b="1" u="sng" dirty="0">
+              <a:solidFill>
+                <a:srgbClr val="3D3D3D"/>
+              </a:solidFill>
+              <a:latin typeface="NanumSquareRound Regular" panose="020B0600000101010101" pitchFamily="34" charset="-127"/>
+              <a:ea typeface="NanumSquareRound Regular" panose="020B0600000101010101" pitchFamily="34" charset="-127"/>
+            </a:endParaRPr>
+          </a:p>
+        </p:txBody>
+      </p:sp>
+      <p:sp>
+        <p:nvSpPr>
+          <p:cNvPr id="5" name="직사각형 4">
+            <a:extLst>
+              <a:ext uri="{FF2B5EF4-FFF2-40B4-BE49-F238E27FC236}">
+                <a16:creationId xmlns:a16="http://schemas.microsoft.com/office/drawing/2014/main" id="{E326C895-176C-E34D-BAF5-D3DACBCF5793}"/>
+              </a:ext>
+            </a:extLst>
+          </p:cNvPr>
+          <p:cNvSpPr/>
+          <p:nvPr/>
+        </p:nvSpPr>
+        <p:spPr>
+          <a:xfrm>
+            <a:off x="377952" y="1437513"/>
+            <a:ext cx="6096000" cy="523220"/>
+          </a:xfrm>
+          <a:prstGeom prst="rect">
+            <a:avLst/>
+          </a:prstGeom>
+        </p:spPr>
+        <p:txBody>
+          <a:bodyPr wrap="square">
+            <a:spAutoFit/>
+          </a:bodyPr>
+          <a:lstStyle/>
+          <a:p>
+            <a:r>
+              <a:rPr lang="ko-KR" altLang="en-US" sz="1400" dirty="0"/>
+              <a:t>모델 </a:t>
+            </a:r>
+            <a:r>
+              <a:rPr lang="en-US" altLang="ko-KR" sz="1400" dirty="0"/>
+              <a:t>5</a:t>
+            </a:r>
+            <a:r>
+              <a:rPr lang="ko-KR" altLang="en-US" sz="1400" dirty="0"/>
+              <a:t>개</a:t>
+            </a:r>
+            <a:endParaRPr lang="en-US" altLang="ko-KR" sz="1400" dirty="0"/>
+          </a:p>
+          <a:p>
+            <a:r>
+              <a:rPr lang="ko-KR" altLang="en-US" sz="1400" dirty="0" err="1"/>
+              <a:t>어파인</a:t>
+            </a:r>
+            <a:r>
+              <a:rPr lang="ko-KR" altLang="en-US" sz="1400" dirty="0"/>
+              <a:t> 확률 값으로 하기 때문에 </a:t>
+            </a:r>
+            <a:r>
+              <a:rPr lang="en-US" altLang="ko-KR" sz="1400" dirty="0"/>
+              <a:t>5</a:t>
+            </a:r>
+            <a:r>
+              <a:rPr lang="ko-KR" altLang="en-US" sz="1400" dirty="0"/>
+              <a:t>개 다 </a:t>
+            </a:r>
+            <a:r>
+              <a:rPr lang="ko-KR" altLang="en-US" sz="1400" dirty="0" err="1"/>
+              <a:t>다른거</a:t>
+            </a:r>
+            <a:r>
+              <a:rPr lang="ko-KR" altLang="en-US" sz="1400" dirty="0"/>
+              <a:t> 나와도 </a:t>
+            </a:r>
+            <a:r>
+              <a:rPr lang="ko-KR" altLang="en-US" sz="1400"/>
+              <a:t>오류없음</a:t>
+            </a:r>
+            <a:endParaRPr lang="ko-Kore-KR" altLang="en-US" sz="1400" dirty="0"/>
+          </a:p>
+        </p:txBody>
+      </p:sp>
+    </p:spTree>
+    <p:extLst>
+      <p:ext uri="{BB962C8B-B14F-4D97-AF65-F5344CB8AC3E}">
+        <p14:creationId xmlns:p14="http://schemas.microsoft.com/office/powerpoint/2010/main" val="20366057"/>
       </p:ext>
     </p:extLst>
   </p:cSld>

--- a/개인미팅준비.pptx
+++ b/개인미팅준비.pptx
@@ -726,6 +726,68 @@
             <a:r>
               <a:rPr kumimoji="1" lang="en-US" altLang="ko-KR" dirty="0"/>
               <a:t>46.860%</a:t>
+            </a:r>
+          </a:p>
+          <a:p>
+            <a:r>
+              <a:rPr kumimoji="1" lang="en-US" altLang="ko-KR" dirty="0">
+                <a:sym typeface="Wingdings" pitchFamily="2" charset="2"/>
+              </a:rPr>
+              <a:t></a:t>
+            </a:r>
+            <a:r>
+              <a:rPr kumimoji="1" lang="ko-KR" altLang="en-US" dirty="0">
+                <a:sym typeface="Wingdings" pitchFamily="2" charset="2"/>
+              </a:rPr>
+              <a:t> </a:t>
+            </a:r>
+            <a:r>
+              <a:rPr kumimoji="1" lang="ko-KR" altLang="en-US" dirty="0" err="1">
+                <a:sym typeface="Wingdings" pitchFamily="2" charset="2"/>
+              </a:rPr>
+              <a:t>알았따</a:t>
+            </a:r>
+            <a:r>
+              <a:rPr kumimoji="1" lang="en-US" altLang="ko-KR" dirty="0">
+                <a:sym typeface="Wingdings" pitchFamily="2" charset="2"/>
+              </a:rPr>
+              <a:t>..</a:t>
+            </a:r>
+            <a:r>
+              <a:rPr kumimoji="1" lang="ko-KR" altLang="en-US" dirty="0">
+                <a:sym typeface="Wingdings" pitchFamily="2" charset="2"/>
+              </a:rPr>
+              <a:t>이건</a:t>
+            </a:r>
+            <a:r>
+              <a:rPr kumimoji="1" lang="en-US" altLang="ko-KR" dirty="0">
+                <a:sym typeface="Wingdings" pitchFamily="2" charset="2"/>
+              </a:rPr>
+              <a:t>..</a:t>
+            </a:r>
+            <a:r>
+              <a:rPr kumimoji="1" lang="ko-KR" altLang="en-US" dirty="0">
+                <a:sym typeface="Wingdings" pitchFamily="2" charset="2"/>
+              </a:rPr>
+              <a:t>테스트 데이터 </a:t>
+            </a:r>
+            <a:r>
+              <a:rPr kumimoji="1" lang="en-US" altLang="ko-KR" dirty="0">
+                <a:sym typeface="Wingdings" pitchFamily="2" charset="2"/>
+              </a:rPr>
+              <a:t>10</a:t>
+            </a:r>
+            <a:r>
+              <a:rPr kumimoji="1" lang="ko-KR" altLang="en-US" dirty="0">
+                <a:sym typeface="Wingdings" pitchFamily="2" charset="2"/>
+              </a:rPr>
+              <a:t>개밖에 테스트를  안해서 그래</a:t>
+            </a:r>
+            <a:r>
+              <a:rPr kumimoji="1" lang="en-US" altLang="ko-KR">
+                <a:sym typeface="Wingdings" pitchFamily="2" charset="2"/>
+              </a:rPr>
+              <a:t>.</a:t>
             </a:r>
             <a:endParaRPr kumimoji="1" lang="ko-Kore-KR" altLang="en-US" dirty="0"/>
           </a:p>
@@ -8352,7 +8414,7 @@
               <a:t> 나와도 </a:t>
             </a:r>
             <a:r>
-              <a:rPr lang="ko-KR" altLang="en-US" sz="1400"/>
+              <a:rPr lang="ko-KR" altLang="en-US" sz="1400" dirty="0" err="1"/>
               <a:t>오류없음</a:t>
             </a:r>
             <a:endParaRPr lang="ko-Kore-KR" altLang="en-US" sz="1400" dirty="0"/>

--- a/개인미팅준비.pptx
+++ b/개인미팅준비.pptx
@@ -5,7 +5,7 @@
     <p:sldMasterId id="2147483648" r:id="rId1"/>
   </p:sldMasterIdLst>
   <p:notesMasterIdLst>
-    <p:notesMasterId r:id="rId18"/>
+    <p:notesMasterId r:id="rId20"/>
   </p:notesMasterIdLst>
   <p:sldIdLst>
     <p:sldId id="259" r:id="rId2"/>
@@ -21,9 +21,11 @@
     <p:sldId id="270" r:id="rId12"/>
     <p:sldId id="267" r:id="rId13"/>
     <p:sldId id="273" r:id="rId14"/>
-    <p:sldId id="274" r:id="rId15"/>
-    <p:sldId id="275" r:id="rId16"/>
-    <p:sldId id="276" r:id="rId17"/>
+    <p:sldId id="275" r:id="rId15"/>
+    <p:sldId id="276" r:id="rId16"/>
+    <p:sldId id="277" r:id="rId17"/>
+    <p:sldId id="278" r:id="rId18"/>
+    <p:sldId id="274" r:id="rId19"/>
   </p:sldIdLst>
   <p:sldSz cx="12192000" cy="6858000"/>
   <p:notesSz cx="6858000" cy="9144000"/>
@@ -212,7 +214,7 @@
           <a:p>
             <a:fld id="{1D131B2F-B9A1-8B41-9292-772B45C528AD}" type="datetimeFigureOut">
               <a:rPr kumimoji="1" lang="ko-Kore-KR" altLang="en-US" smtClean="0"/>
-              <a:t>2021. 9. 27.</a:t>
+              <a:t>2021. 9. 30.</a:t>
             </a:fld>
             <a:endParaRPr kumimoji="1" lang="ko-Kore-KR" altLang="en-US"/>
           </a:p>
@@ -617,8 +619,16 @@
           <a:lstStyle/>
           <a:p>
             <a:r>
-              <a:rPr kumimoji="1" lang="ko-Kore-KR" altLang="en-US" dirty="0"/>
-              <a:t>모델</a:t>
+              <a:rPr kumimoji="1" lang="en-US" altLang="ko-KR" dirty="0"/>
+              <a:t>[</a:t>
+            </a:r>
+            <a:r>
+              <a:rPr kumimoji="1" lang="ko-KR" altLang="en-US" dirty="0"/>
+              <a:t>서바이벌 모델 </a:t>
+            </a:r>
+            <a:r>
+              <a:rPr kumimoji="1" lang="en-US" altLang="ko-KR" dirty="0"/>
+              <a:t>–</a:t>
             </a:r>
             <a:r>
               <a:rPr kumimoji="1" lang="ko-KR" altLang="en-US" dirty="0"/>
@@ -629,8 +639,26 @@
               <a:t>5</a:t>
             </a:r>
             <a:r>
+              <a:rPr kumimoji="1" lang="ko-KR" altLang="en-US" dirty="0" err="1"/>
+              <a:t>개앙상블</a:t>
+            </a:r>
+            <a:r>
+              <a:rPr kumimoji="1" lang="en-US" altLang="ko-KR" dirty="0"/>
+              <a:t>]</a:t>
+            </a:r>
+          </a:p>
+          <a:p>
+            <a:r>
+              <a:rPr kumimoji="1" lang="en-US" altLang="ko-KR" dirty="0"/>
+              <a:t>5</a:t>
+            </a:r>
+            <a:r>
+              <a:rPr kumimoji="1" lang="ko-KR" altLang="en-US" dirty="0" err="1"/>
+              <a:t>개모델을</a:t>
+            </a:r>
+            <a:r>
               <a:rPr kumimoji="1" lang="ko-KR" altLang="en-US" dirty="0"/>
-              <a:t>개 서바이벌 </a:t>
+              <a:t> 사용한 서바이벌 버전 성능 측정 </a:t>
             </a:r>
             <a:r>
               <a:rPr kumimoji="1" lang="en-US" altLang="ko-KR" dirty="0"/>
@@ -638,19 +666,11 @@
             </a:r>
             <a:r>
               <a:rPr kumimoji="1" lang="ko-KR" altLang="en-US" dirty="0"/>
-              <a:t> 성능이 낮음</a:t>
-            </a:r>
-            <a:r>
-              <a:rPr kumimoji="1" lang="en-US" altLang="ko-KR" dirty="0"/>
-              <a:t>….(</a:t>
-            </a:r>
-            <a:r>
-              <a:rPr kumimoji="1" lang="ko-KR" altLang="en-US" dirty="0"/>
-              <a:t>모델을 잘못 </a:t>
+              <a:t> 단일모델보다 </a:t>
             </a:r>
             <a:r>
               <a:rPr kumimoji="1" lang="ko-KR" altLang="en-US" dirty="0" err="1"/>
-              <a:t>짠건가</a:t>
+              <a:t>낮게나왔는데</a:t>
             </a:r>
             <a:r>
               <a:rPr kumimoji="1" lang="en-US" altLang="ko-KR" dirty="0"/>
@@ -658,7 +678,128 @@
             </a:r>
             <a:r>
               <a:rPr kumimoji="1" lang="ko-KR" altLang="en-US" dirty="0"/>
-              <a:t> 아니면 모델 수가 </a:t>
+              <a:t> </a:t>
+            </a:r>
+            <a:r>
+              <a:rPr kumimoji="1" lang="ko-KR" altLang="en-US" dirty="0" err="1"/>
+              <a:t>알고보니</a:t>
+            </a:r>
+            <a:r>
+              <a:rPr kumimoji="1" lang="ko-KR" altLang="en-US" dirty="0"/>
+              <a:t> 테스트데이터를 잘못 </a:t>
+            </a:r>
+            <a:r>
+              <a:rPr kumimoji="1" lang="ko-KR" altLang="en-US" dirty="0" err="1"/>
+              <a:t>넣엇더라구요</a:t>
+            </a:r>
+            <a:r>
+              <a:rPr kumimoji="1" lang="en-US" altLang="ko-KR" dirty="0"/>
+              <a:t>.</a:t>
+            </a:r>
+          </a:p>
+          <a:p>
+            <a:r>
+              <a:rPr kumimoji="1" lang="ko-KR" altLang="en-US" dirty="0"/>
+              <a:t>그래서 저는 제가 테스트데이터를 잘 </a:t>
+            </a:r>
+            <a:r>
+              <a:rPr kumimoji="1" lang="ko-KR" altLang="en-US" dirty="0" err="1"/>
+              <a:t>못넣은지</a:t>
+            </a:r>
+            <a:r>
+              <a:rPr kumimoji="1" lang="ko-KR" altLang="en-US" dirty="0"/>
+              <a:t> 모르고</a:t>
+            </a:r>
+            <a:r>
+              <a:rPr kumimoji="1" lang="en-US" altLang="ko-KR" dirty="0"/>
+              <a:t>,,</a:t>
+            </a:r>
+            <a:r>
+              <a:rPr kumimoji="1" lang="ko-KR" altLang="en-US" dirty="0"/>
+              <a:t>모델 수가 적어서 그런가 하고 </a:t>
+            </a:r>
+            <a:r>
+              <a:rPr kumimoji="1" lang="en-US" altLang="ko-KR" dirty="0"/>
+              <a:t>10</a:t>
+            </a:r>
+            <a:r>
+              <a:rPr kumimoji="1" lang="ko-KR" altLang="en-US" dirty="0"/>
+              <a:t>개 모델 서바이벌을 먼저 돌려보았습니다</a:t>
+            </a:r>
+            <a:r>
+              <a:rPr kumimoji="1" lang="en-US" altLang="ko-KR" dirty="0"/>
+              <a:t>.</a:t>
+            </a:r>
+          </a:p>
+          <a:p>
+            <a:r>
+              <a:rPr kumimoji="1" lang="ko-KR" altLang="en-US" dirty="0"/>
+              <a:t>모델 </a:t>
+            </a:r>
+            <a:r>
+              <a:rPr kumimoji="1" lang="en-US" altLang="ko-KR" dirty="0"/>
+              <a:t>10</a:t>
+            </a:r>
+            <a:r>
+              <a:rPr kumimoji="1" lang="ko-KR" altLang="en-US" dirty="0"/>
+              <a:t>개 </a:t>
+            </a:r>
+            <a:r>
+              <a:rPr kumimoji="1" lang="en-US" altLang="ko-KR" dirty="0"/>
+              <a:t>-&gt;</a:t>
+            </a:r>
+            <a:r>
+              <a:rPr kumimoji="1" lang="ko-KR" altLang="en-US" dirty="0"/>
+              <a:t> 성능이 좋게 나옴</a:t>
+            </a:r>
+            <a:r>
+              <a:rPr kumimoji="1" lang="en-US" altLang="ko-KR" dirty="0"/>
+              <a:t>.</a:t>
+            </a:r>
+            <a:r>
+              <a:rPr kumimoji="1" lang="ko-KR" altLang="en-US" dirty="0"/>
+              <a:t> </a:t>
+            </a:r>
+            <a:endParaRPr kumimoji="1" lang="en-US" altLang="ko-KR" dirty="0"/>
+          </a:p>
+          <a:p>
+            <a:r>
+              <a:rPr kumimoji="1" lang="ko-KR" altLang="en-US" dirty="0" err="1"/>
+              <a:t>에폭당</a:t>
+            </a:r>
+            <a:r>
+              <a:rPr kumimoji="1" lang="ko-KR" altLang="en-US" dirty="0"/>
+              <a:t> 정확도 파일이 날아가서 정확한 수치는 </a:t>
+            </a:r>
+            <a:r>
+              <a:rPr kumimoji="1" lang="ko-KR" altLang="en-US" dirty="0" err="1"/>
+              <a:t>못봣는데</a:t>
+            </a:r>
+            <a:r>
+              <a:rPr kumimoji="1" lang="ko-KR" altLang="en-US" dirty="0"/>
+              <a:t> 그래프 상으로는 거의 </a:t>
+            </a:r>
+            <a:r>
+              <a:rPr kumimoji="1" lang="en-US" altLang="ko-KR" dirty="0"/>
+              <a:t>99</a:t>
+            </a:r>
+            <a:r>
+              <a:rPr kumimoji="1" lang="ko-KR" altLang="en-US" dirty="0"/>
+              <a:t>에 가깝게 나옴</a:t>
+            </a:r>
+            <a:endParaRPr kumimoji="1" lang="en-US" altLang="ko-KR" dirty="0"/>
+          </a:p>
+          <a:p>
+            <a:endParaRPr kumimoji="1" lang="en-US" altLang="ko-Kore-KR" dirty="0"/>
+          </a:p>
+          <a:p>
+            <a:r>
+              <a:rPr kumimoji="1" lang="ko-Kore-KR" altLang="en-US" dirty="0"/>
+              <a:t>그리고</a:t>
+            </a:r>
+            <a:r>
+              <a:rPr kumimoji="1" lang="ko-KR" altLang="en-US" dirty="0"/>
+              <a:t> </a:t>
             </a:r>
             <a:r>
               <a:rPr kumimoji="1" lang="en-US" altLang="ko-KR" dirty="0"/>
@@ -666,28 +807,15 @@
             </a:r>
             <a:r>
               <a:rPr kumimoji="1" lang="ko-KR" altLang="en-US" dirty="0"/>
-              <a:t>개라 서바이벌 효과가 나타나지 않는건지</a:t>
+              <a:t>개 버전은 아직 돌아가는 중이라 확인은 못하지만 현재 </a:t>
             </a:r>
             <a:r>
               <a:rPr kumimoji="1" lang="en-US" altLang="ko-KR" dirty="0"/>
-              <a:t>)</a:t>
-            </a:r>
-          </a:p>
-          <a:p>
-            <a:r>
-              <a:rPr kumimoji="1" lang="ko-KR" altLang="en-US" dirty="0"/>
-              <a:t>지금 다 다르게 답하면 배열의 가장 첫번째 모델만 살아남거든</a:t>
-            </a:r>
-            <a:endParaRPr kumimoji="1" lang="en-US" altLang="ko-KR" dirty="0"/>
-          </a:p>
-          <a:p>
-            <a:r>
-              <a:rPr kumimoji="1" lang="ko-KR" altLang="en-US" dirty="0"/>
-              <a:t>그래서 </a:t>
-            </a:r>
-            <a:r>
-              <a:rPr kumimoji="1" lang="en-US" altLang="ko-KR" dirty="0"/>
-              <a:t>?</a:t>
+              <a:t>100</a:t>
+            </a:r>
+            <a:r>
+              <a:rPr kumimoji="1" lang="ko-KR" altLang="en-US" dirty="0" err="1"/>
+              <a:t>에폭까지는</a:t>
             </a:r>
             <a:r>
               <a:rPr kumimoji="1" lang="ko-KR" altLang="en-US" dirty="0"/>
@@ -695,15 +823,19 @@
             </a:r>
             <a:r>
               <a:rPr kumimoji="1" lang="en-US" altLang="ko-KR" dirty="0"/>
-              <a:t>-&gt;</a:t>
+              <a:t>89%</a:t>
             </a:r>
             <a:r>
               <a:rPr kumimoji="1" lang="ko-KR" altLang="en-US" dirty="0"/>
-              <a:t> 단일모델보다 성능이 </a:t>
+              <a:t> 까지 오른 것을 확인하 </a:t>
             </a:r>
             <a:r>
               <a:rPr kumimoji="1" lang="ko-KR" altLang="en-US" dirty="0" err="1"/>
-              <a:t>낮게나온다</a:t>
+              <a:t>ㄹ수</a:t>
+            </a:r>
+            <a:r>
+              <a:rPr kumimoji="1" lang="ko-KR" altLang="en-US" dirty="0"/>
+              <a:t> 있었다</a:t>
             </a:r>
             <a:r>
               <a:rPr kumimoji="1" lang="en-US" altLang="ko-KR" dirty="0"/>
@@ -717,76 +849,28 @@
             </a:r>
             <a:r>
               <a:rPr kumimoji="1" lang="ko-KR" altLang="en-US" dirty="0" err="1"/>
-              <a:t>에폭</a:t>
+              <a:t>에폭까지</a:t>
             </a:r>
             <a:r>
               <a:rPr kumimoji="1" lang="ko-KR" altLang="en-US" dirty="0"/>
-              <a:t> </a:t>
+              <a:t> 가면 더 오를 것 같습니다</a:t>
             </a:r>
             <a:r>
               <a:rPr kumimoji="1" lang="en-US" altLang="ko-KR" dirty="0"/>
-              <a:t>46.860%</a:t>
-            </a:r>
-          </a:p>
-          <a:p>
-            <a:r>
-              <a:rPr kumimoji="1" lang="en-US" altLang="ko-KR" dirty="0">
-                <a:sym typeface="Wingdings" pitchFamily="2" charset="2"/>
-              </a:rPr>
-              <a:t></a:t>
-            </a:r>
-            <a:r>
-              <a:rPr kumimoji="1" lang="ko-KR" altLang="en-US" dirty="0">
-                <a:sym typeface="Wingdings" pitchFamily="2" charset="2"/>
-              </a:rPr>
-              <a:t> </a:t>
-            </a:r>
-            <a:r>
-              <a:rPr kumimoji="1" lang="ko-KR" altLang="en-US" dirty="0" err="1">
-                <a:sym typeface="Wingdings" pitchFamily="2" charset="2"/>
-              </a:rPr>
-              <a:t>알았따</a:t>
-            </a:r>
-            <a:r>
-              <a:rPr kumimoji="1" lang="en-US" altLang="ko-KR" dirty="0">
-                <a:sym typeface="Wingdings" pitchFamily="2" charset="2"/>
-              </a:rPr>
-              <a:t>..</a:t>
-            </a:r>
-            <a:r>
-              <a:rPr kumimoji="1" lang="ko-KR" altLang="en-US" dirty="0">
-                <a:sym typeface="Wingdings" pitchFamily="2" charset="2"/>
-              </a:rPr>
-              <a:t>이건</a:t>
-            </a:r>
-            <a:r>
-              <a:rPr kumimoji="1" lang="en-US" altLang="ko-KR" dirty="0">
-                <a:sym typeface="Wingdings" pitchFamily="2" charset="2"/>
-              </a:rPr>
-              <a:t>..</a:t>
-            </a:r>
-            <a:r>
-              <a:rPr kumimoji="1" lang="ko-KR" altLang="en-US" dirty="0">
-                <a:sym typeface="Wingdings" pitchFamily="2" charset="2"/>
-              </a:rPr>
-              <a:t>테스트 데이터 </a:t>
-            </a:r>
-            <a:r>
-              <a:rPr kumimoji="1" lang="en-US" altLang="ko-KR" dirty="0">
-                <a:sym typeface="Wingdings" pitchFamily="2" charset="2"/>
-              </a:rPr>
+              <a:t>.</a:t>
+            </a:r>
+          </a:p>
+          <a:p>
+            <a:r>
+              <a:rPr kumimoji="1" lang="en-US" altLang="ko-KR" dirty="0"/>
               <a:t>10</a:t>
             </a:r>
             <a:r>
-              <a:rPr kumimoji="1" lang="ko-KR" altLang="en-US" dirty="0">
-                <a:sym typeface="Wingdings" pitchFamily="2" charset="2"/>
-              </a:rPr>
-              <a:t>개밖에 테스트를  안해서 그래</a:t>
-            </a:r>
-            <a:r>
-              <a:rPr kumimoji="1" lang="en-US" altLang="ko-KR">
-                <a:sym typeface="Wingdings" pitchFamily="2" charset="2"/>
-              </a:rPr>
+              <a:rPr kumimoji="1" lang="ko-KR" altLang="en-US" dirty="0"/>
+              <a:t>개 돌린 것보다 성능이 살짝 낮을 것으로 예상이 됩니다</a:t>
+            </a:r>
+            <a:r>
+              <a:rPr kumimoji="1" lang="en-US" altLang="ko-KR" dirty="0"/>
               <a:t>.</a:t>
             </a:r>
             <a:endParaRPr kumimoji="1" lang="ko-Kore-KR" altLang="en-US" dirty="0"/>
@@ -819,7 +903,7 @@
     </p:spTree>
     <p:extLst>
       <p:ext uri="{BB962C8B-B14F-4D97-AF65-F5344CB8AC3E}">
-        <p14:creationId xmlns:p14="http://schemas.microsoft.com/office/powerpoint/2010/main" val="2806099812"/>
+        <p14:creationId xmlns:p14="http://schemas.microsoft.com/office/powerpoint/2010/main" val="1920693423"/>
       </p:ext>
     </p:extLst>
   </p:cSld>
@@ -873,99 +957,6 @@
           <a:bodyPr/>
           <a:lstStyle/>
           <a:p>
-            <a:r>
-              <a:rPr kumimoji="1" lang="ko-Kore-KR" altLang="en-US" dirty="0"/>
-              <a:t>모델</a:t>
-            </a:r>
-            <a:r>
-              <a:rPr kumimoji="1" lang="ko-KR" altLang="en-US" dirty="0"/>
-              <a:t> </a:t>
-            </a:r>
-            <a:r>
-              <a:rPr kumimoji="1" lang="en-US" altLang="ko-KR" dirty="0"/>
-              <a:t>5</a:t>
-            </a:r>
-            <a:r>
-              <a:rPr kumimoji="1" lang="ko-KR" altLang="en-US" dirty="0"/>
-              <a:t>개 서바이벌 </a:t>
-            </a:r>
-            <a:r>
-              <a:rPr kumimoji="1" lang="en-US" altLang="ko-KR" dirty="0"/>
-              <a:t>-&gt;</a:t>
-            </a:r>
-            <a:r>
-              <a:rPr kumimoji="1" lang="ko-KR" altLang="en-US" dirty="0"/>
-              <a:t> 성능이 낮음</a:t>
-            </a:r>
-            <a:r>
-              <a:rPr kumimoji="1" lang="en-US" altLang="ko-KR" dirty="0"/>
-              <a:t>….(</a:t>
-            </a:r>
-            <a:r>
-              <a:rPr kumimoji="1" lang="ko-KR" altLang="en-US" dirty="0"/>
-              <a:t>모델을 잘못 </a:t>
-            </a:r>
-            <a:r>
-              <a:rPr kumimoji="1" lang="ko-KR" altLang="en-US" dirty="0" err="1"/>
-              <a:t>짠건가</a:t>
-            </a:r>
-            <a:r>
-              <a:rPr kumimoji="1" lang="en-US" altLang="ko-KR" dirty="0"/>
-              <a:t>,</a:t>
-            </a:r>
-            <a:r>
-              <a:rPr kumimoji="1" lang="ko-KR" altLang="en-US" dirty="0"/>
-              <a:t> 아니면 모델 수가 </a:t>
-            </a:r>
-            <a:r>
-              <a:rPr kumimoji="1" lang="en-US" altLang="ko-KR" dirty="0"/>
-              <a:t>5</a:t>
-            </a:r>
-            <a:r>
-              <a:rPr kumimoji="1" lang="ko-KR" altLang="en-US" dirty="0"/>
-              <a:t>개라 서바이벌 효과가 나타나지 않는건지</a:t>
-            </a:r>
-            <a:r>
-              <a:rPr kumimoji="1" lang="en-US" altLang="ko-KR" dirty="0"/>
-              <a:t>)</a:t>
-            </a:r>
-          </a:p>
-          <a:p>
-            <a:r>
-              <a:rPr kumimoji="1" lang="ko-KR" altLang="en-US" dirty="0"/>
-              <a:t>지금 다 다르게 답하면 배열의 가장 첫번째 모델만 살아남거든</a:t>
-            </a:r>
-            <a:endParaRPr kumimoji="1" lang="en-US" altLang="ko-KR" dirty="0"/>
-          </a:p>
-          <a:p>
-            <a:r>
-              <a:rPr kumimoji="1" lang="ko-KR" altLang="en-US" dirty="0"/>
-              <a:t>그래서 </a:t>
-            </a:r>
-            <a:r>
-              <a:rPr kumimoji="1" lang="en-US" altLang="ko-KR" dirty="0"/>
-              <a:t>?</a:t>
-            </a:r>
-            <a:r>
-              <a:rPr kumimoji="1" lang="ko-KR" altLang="en-US" dirty="0"/>
-              <a:t> </a:t>
-            </a:r>
-            <a:r>
-              <a:rPr kumimoji="1" lang="en-US" altLang="ko-KR" dirty="0"/>
-              <a:t>-&gt;</a:t>
-            </a:r>
-            <a:r>
-              <a:rPr kumimoji="1" lang="ko-KR" altLang="en-US" dirty="0"/>
-              <a:t> 단일모델보다 성능이 </a:t>
-            </a:r>
-            <a:r>
-              <a:rPr kumimoji="1" lang="ko-KR" altLang="en-US" dirty="0" err="1"/>
-              <a:t>낮게나온다</a:t>
-            </a:r>
-            <a:r>
-              <a:rPr kumimoji="1" lang="en-US" altLang="ko-KR" dirty="0"/>
-              <a:t>.</a:t>
-            </a:r>
             <a:endParaRPr kumimoji="1" lang="ko-Kore-KR" altLang="en-US" dirty="0"/>
           </a:p>
         </p:txBody>
@@ -996,7 +987,7 @@
     </p:spTree>
     <p:extLst>
       <p:ext uri="{BB962C8B-B14F-4D97-AF65-F5344CB8AC3E}">
-        <p14:creationId xmlns:p14="http://schemas.microsoft.com/office/powerpoint/2010/main" val="1920693423"/>
+        <p14:creationId xmlns:p14="http://schemas.microsoft.com/office/powerpoint/2010/main" val="3423426087"/>
       </p:ext>
     </p:extLst>
   </p:cSld>
@@ -1050,99 +1041,6 @@
           <a:bodyPr/>
           <a:lstStyle/>
           <a:p>
-            <a:r>
-              <a:rPr kumimoji="1" lang="ko-Kore-KR" altLang="en-US" dirty="0"/>
-              <a:t>모델</a:t>
-            </a:r>
-            <a:r>
-              <a:rPr kumimoji="1" lang="ko-KR" altLang="en-US" dirty="0"/>
-              <a:t> </a:t>
-            </a:r>
-            <a:r>
-              <a:rPr kumimoji="1" lang="en-US" altLang="ko-KR" dirty="0"/>
-              <a:t>5</a:t>
-            </a:r>
-            <a:r>
-              <a:rPr kumimoji="1" lang="ko-KR" altLang="en-US" dirty="0"/>
-              <a:t>개 서바이벌 </a:t>
-            </a:r>
-            <a:r>
-              <a:rPr kumimoji="1" lang="en-US" altLang="ko-KR" dirty="0"/>
-              <a:t>-&gt;</a:t>
-            </a:r>
-            <a:r>
-              <a:rPr kumimoji="1" lang="ko-KR" altLang="en-US" dirty="0"/>
-              <a:t> 성능이 낮음</a:t>
-            </a:r>
-            <a:r>
-              <a:rPr kumimoji="1" lang="en-US" altLang="ko-KR" dirty="0"/>
-              <a:t>….(</a:t>
-            </a:r>
-            <a:r>
-              <a:rPr kumimoji="1" lang="ko-KR" altLang="en-US" dirty="0"/>
-              <a:t>모델을 잘못 </a:t>
-            </a:r>
-            <a:r>
-              <a:rPr kumimoji="1" lang="ko-KR" altLang="en-US" dirty="0" err="1"/>
-              <a:t>짠건가</a:t>
-            </a:r>
-            <a:r>
-              <a:rPr kumimoji="1" lang="en-US" altLang="ko-KR" dirty="0"/>
-              <a:t>,</a:t>
-            </a:r>
-            <a:r>
-              <a:rPr kumimoji="1" lang="ko-KR" altLang="en-US" dirty="0"/>
-              <a:t> 아니면 모델 수가 </a:t>
-            </a:r>
-            <a:r>
-              <a:rPr kumimoji="1" lang="en-US" altLang="ko-KR" dirty="0"/>
-              <a:t>5</a:t>
-            </a:r>
-            <a:r>
-              <a:rPr kumimoji="1" lang="ko-KR" altLang="en-US" dirty="0"/>
-              <a:t>개라 서바이벌 효과가 나타나지 않는건지</a:t>
-            </a:r>
-            <a:r>
-              <a:rPr kumimoji="1" lang="en-US" altLang="ko-KR" dirty="0"/>
-              <a:t>)</a:t>
-            </a:r>
-          </a:p>
-          <a:p>
-            <a:r>
-              <a:rPr kumimoji="1" lang="ko-KR" altLang="en-US" dirty="0"/>
-              <a:t>지금 다 다르게 답하면 배열의 가장 첫번째 모델만 살아남거든</a:t>
-            </a:r>
-            <a:endParaRPr kumimoji="1" lang="en-US" altLang="ko-KR" dirty="0"/>
-          </a:p>
-          <a:p>
-            <a:r>
-              <a:rPr kumimoji="1" lang="ko-KR" altLang="en-US" dirty="0"/>
-              <a:t>그래서 </a:t>
-            </a:r>
-            <a:r>
-              <a:rPr kumimoji="1" lang="en-US" altLang="ko-KR" dirty="0"/>
-              <a:t>?</a:t>
-            </a:r>
-            <a:r>
-              <a:rPr kumimoji="1" lang="ko-KR" altLang="en-US" dirty="0"/>
-              <a:t> </a:t>
-            </a:r>
-            <a:r>
-              <a:rPr kumimoji="1" lang="en-US" altLang="ko-KR" dirty="0"/>
-              <a:t>-&gt;</a:t>
-            </a:r>
-            <a:r>
-              <a:rPr kumimoji="1" lang="ko-KR" altLang="en-US" dirty="0"/>
-              <a:t> 단일모델보다 성능이 </a:t>
-            </a:r>
-            <a:r>
-              <a:rPr kumimoji="1" lang="ko-KR" altLang="en-US" dirty="0" err="1"/>
-              <a:t>낮게나온다</a:t>
-            </a:r>
-            <a:r>
-              <a:rPr kumimoji="1" lang="en-US" altLang="ko-KR" dirty="0"/>
-              <a:t>.</a:t>
-            </a:r>
             <a:endParaRPr kumimoji="1" lang="ko-Kore-KR" altLang="en-US" dirty="0"/>
           </a:p>
         </p:txBody>
@@ -1173,7 +1071,380 @@
     </p:spTree>
     <p:extLst>
       <p:ext uri="{BB962C8B-B14F-4D97-AF65-F5344CB8AC3E}">
-        <p14:creationId xmlns:p14="http://schemas.microsoft.com/office/powerpoint/2010/main" val="3423426087"/>
+        <p14:creationId xmlns:p14="http://schemas.microsoft.com/office/powerpoint/2010/main" val="642313542"/>
+      </p:ext>
+    </p:extLst>
+  </p:cSld>
+  <p:clrMapOvr>
+    <a:masterClrMapping/>
+  </p:clrMapOvr>
+</p:notes>
+</file>
+
+<file path=ppt/notesSlides/notesSlide13.xml><?xml version="1.0" encoding="utf-8"?>
+<p:notes xmlns:a="http://schemas.openxmlformats.org/drawingml/2006/main" xmlns:r="http://schemas.openxmlformats.org/officeDocument/2006/relationships" xmlns:p="http://schemas.openxmlformats.org/presentationml/2006/main">
+  <p:cSld>
+    <p:spTree>
+      <p:nvGrpSpPr>
+        <p:cNvPr id="1" name=""/>
+        <p:cNvGrpSpPr/>
+        <p:nvPr/>
+      </p:nvGrpSpPr>
+      <p:grpSpPr>
+        <a:xfrm>
+          <a:off x="0" y="0"/>
+          <a:ext cx="0" cy="0"/>
+          <a:chOff x="0" y="0"/>
+          <a:chExt cx="0" cy="0"/>
+        </a:xfrm>
+      </p:grpSpPr>
+      <p:sp>
+        <p:nvSpPr>
+          <p:cNvPr id="2" name="슬라이드 이미지 개체 틀 1"/>
+          <p:cNvSpPr>
+            <a:spLocks noGrp="1" noRot="1" noChangeAspect="1"/>
+          </p:cNvSpPr>
+          <p:nvPr>
+            <p:ph type="sldImg"/>
+          </p:nvPr>
+        </p:nvSpPr>
+        <p:spPr/>
+      </p:sp>
+      <p:sp>
+        <p:nvSpPr>
+          <p:cNvPr id="3" name="슬라이드 노트 개체 틀 2"/>
+          <p:cNvSpPr>
+            <a:spLocks noGrp="1"/>
+          </p:cNvSpPr>
+          <p:nvPr>
+            <p:ph type="body" idx="1"/>
+          </p:nvPr>
+        </p:nvSpPr>
+        <p:spPr/>
+        <p:txBody>
+          <a:bodyPr/>
+          <a:lstStyle/>
+          <a:p>
+            <a:r>
+              <a:rPr kumimoji="1" lang="ko-Kore-KR" altLang="en-US" dirty="0"/>
+              <a:t>소프트보팅</a:t>
+            </a:r>
+            <a:r>
+              <a:rPr kumimoji="1" lang="ko-KR" altLang="en-US" dirty="0"/>
+              <a:t> </a:t>
+            </a:r>
+            <a:r>
+              <a:rPr kumimoji="1" lang="en-US" altLang="ko-KR" dirty="0"/>
+              <a:t>&gt;</a:t>
+            </a:r>
+            <a:r>
+              <a:rPr kumimoji="1" lang="ko-KR" altLang="en-US" dirty="0"/>
+              <a:t> 서바이벌 </a:t>
+            </a:r>
+            <a:r>
+              <a:rPr kumimoji="1" lang="en-US" altLang="ko-KR" dirty="0"/>
+              <a:t>10</a:t>
+            </a:r>
+            <a:r>
+              <a:rPr kumimoji="1" lang="ko-KR" altLang="en-US" dirty="0"/>
+              <a:t>개 </a:t>
+            </a:r>
+            <a:r>
+              <a:rPr kumimoji="1" lang="en-US" altLang="ko-KR" dirty="0"/>
+              <a:t>&gt;</a:t>
+            </a:r>
+            <a:r>
+              <a:rPr kumimoji="1" lang="ko-KR" altLang="en-US" dirty="0"/>
+              <a:t> 다수결</a:t>
+            </a:r>
+            <a:endParaRPr kumimoji="1" lang="ko-Kore-KR" altLang="en-US" dirty="0"/>
+          </a:p>
+        </p:txBody>
+      </p:sp>
+      <p:sp>
+        <p:nvSpPr>
+          <p:cNvPr id="4" name="슬라이드 번호 개체 틀 3"/>
+          <p:cNvSpPr>
+            <a:spLocks noGrp="1"/>
+          </p:cNvSpPr>
+          <p:nvPr>
+            <p:ph type="sldNum" sz="quarter" idx="5"/>
+          </p:nvPr>
+        </p:nvSpPr>
+        <p:spPr/>
+        <p:txBody>
+          <a:bodyPr/>
+          <a:lstStyle/>
+          <a:p>
+            <a:fld id="{B71B6669-FD07-494E-99BC-6FDB59A26255}" type="slidenum">
+              <a:rPr kumimoji="1" lang="ko-Kore-KR" altLang="en-US" smtClean="0"/>
+              <a:t>17</a:t>
+            </a:fld>
+            <a:endParaRPr kumimoji="1" lang="ko-Kore-KR" altLang="en-US"/>
+          </a:p>
+        </p:txBody>
+      </p:sp>
+    </p:spTree>
+    <p:extLst>
+      <p:ext uri="{BB962C8B-B14F-4D97-AF65-F5344CB8AC3E}">
+        <p14:creationId xmlns:p14="http://schemas.microsoft.com/office/powerpoint/2010/main" val="3145981349"/>
+      </p:ext>
+    </p:extLst>
+  </p:cSld>
+  <p:clrMapOvr>
+    <a:masterClrMapping/>
+  </p:clrMapOvr>
+</p:notes>
+</file>
+
+<file path=ppt/notesSlides/notesSlide14.xml><?xml version="1.0" encoding="utf-8"?>
+<p:notes xmlns:a="http://schemas.openxmlformats.org/drawingml/2006/main" xmlns:r="http://schemas.openxmlformats.org/officeDocument/2006/relationships" xmlns:p="http://schemas.openxmlformats.org/presentationml/2006/main">
+  <p:cSld>
+    <p:spTree>
+      <p:nvGrpSpPr>
+        <p:cNvPr id="1" name=""/>
+        <p:cNvGrpSpPr/>
+        <p:nvPr/>
+      </p:nvGrpSpPr>
+      <p:grpSpPr>
+        <a:xfrm>
+          <a:off x="0" y="0"/>
+          <a:ext cx="0" cy="0"/>
+          <a:chOff x="0" y="0"/>
+          <a:chExt cx="0" cy="0"/>
+        </a:xfrm>
+      </p:grpSpPr>
+      <p:sp>
+        <p:nvSpPr>
+          <p:cNvPr id="2" name="슬라이드 이미지 개체 틀 1"/>
+          <p:cNvSpPr>
+            <a:spLocks noGrp="1" noRot="1" noChangeAspect="1"/>
+          </p:cNvSpPr>
+          <p:nvPr>
+            <p:ph type="sldImg"/>
+          </p:nvPr>
+        </p:nvSpPr>
+        <p:spPr/>
+      </p:sp>
+      <p:sp>
+        <p:nvSpPr>
+          <p:cNvPr id="3" name="슬라이드 노트 개체 틀 2"/>
+          <p:cNvSpPr>
+            <a:spLocks noGrp="1"/>
+          </p:cNvSpPr>
+          <p:nvPr>
+            <p:ph type="body" idx="1"/>
+          </p:nvPr>
+        </p:nvSpPr>
+        <p:spPr/>
+        <p:txBody>
+          <a:bodyPr/>
+          <a:lstStyle/>
+          <a:p>
+            <a:r>
+              <a:rPr kumimoji="1" lang="ko-Kore-KR" altLang="en-US" dirty="0"/>
+              <a:t>모델</a:t>
+            </a:r>
+            <a:r>
+              <a:rPr kumimoji="1" lang="ko-KR" altLang="en-US" dirty="0"/>
+              <a:t> </a:t>
+            </a:r>
+            <a:r>
+              <a:rPr kumimoji="1" lang="en-US" altLang="ko-KR" dirty="0"/>
+              <a:t>5</a:t>
+            </a:r>
+            <a:r>
+              <a:rPr kumimoji="1" lang="ko-KR" altLang="en-US" dirty="0"/>
+              <a:t>개 서바이벌 </a:t>
+            </a:r>
+            <a:r>
+              <a:rPr kumimoji="1" lang="en-US" altLang="ko-KR" dirty="0"/>
+              <a:t>-&gt;</a:t>
+            </a:r>
+            <a:r>
+              <a:rPr kumimoji="1" lang="ko-KR" altLang="en-US" dirty="0"/>
+              <a:t> 성능이 낮음</a:t>
+            </a:r>
+            <a:r>
+              <a:rPr kumimoji="1" lang="en-US" altLang="ko-KR" dirty="0"/>
+              <a:t>….(</a:t>
+            </a:r>
+            <a:r>
+              <a:rPr kumimoji="1" lang="ko-KR" altLang="en-US" dirty="0"/>
+              <a:t>모델을 잘못 </a:t>
+            </a:r>
+            <a:r>
+              <a:rPr kumimoji="1" lang="ko-KR" altLang="en-US" dirty="0" err="1"/>
+              <a:t>짠건가</a:t>
+            </a:r>
+            <a:r>
+              <a:rPr kumimoji="1" lang="en-US" altLang="ko-KR" dirty="0"/>
+              <a:t>,</a:t>
+            </a:r>
+            <a:r>
+              <a:rPr kumimoji="1" lang="ko-KR" altLang="en-US" dirty="0"/>
+              <a:t> 아니면 모델 수가 </a:t>
+            </a:r>
+            <a:r>
+              <a:rPr kumimoji="1" lang="en-US" altLang="ko-KR" dirty="0"/>
+              <a:t>5</a:t>
+            </a:r>
+            <a:r>
+              <a:rPr kumimoji="1" lang="ko-KR" altLang="en-US" dirty="0"/>
+              <a:t>개라 서바이벌 효과가 나타나지 않는건지</a:t>
+            </a:r>
+            <a:r>
+              <a:rPr kumimoji="1" lang="en-US" altLang="ko-KR" dirty="0"/>
+              <a:t>)</a:t>
+            </a:r>
+          </a:p>
+          <a:p>
+            <a:r>
+              <a:rPr kumimoji="1" lang="ko-KR" altLang="en-US" dirty="0"/>
+              <a:t>지금 다 다르게 답하면 배열의 가장 첫번째 모델만 살아남거든</a:t>
+            </a:r>
+            <a:endParaRPr kumimoji="1" lang="en-US" altLang="ko-KR" dirty="0"/>
+          </a:p>
+          <a:p>
+            <a:r>
+              <a:rPr kumimoji="1" lang="ko-KR" altLang="en-US" dirty="0"/>
+              <a:t>그래서 </a:t>
+            </a:r>
+            <a:r>
+              <a:rPr kumimoji="1" lang="en-US" altLang="ko-KR" dirty="0"/>
+              <a:t>?</a:t>
+            </a:r>
+            <a:r>
+              <a:rPr kumimoji="1" lang="ko-KR" altLang="en-US" dirty="0"/>
+              <a:t> </a:t>
+            </a:r>
+            <a:r>
+              <a:rPr kumimoji="1" lang="en-US" altLang="ko-KR" dirty="0"/>
+              <a:t>-&gt;</a:t>
+            </a:r>
+            <a:r>
+              <a:rPr kumimoji="1" lang="ko-KR" altLang="en-US" dirty="0"/>
+              <a:t> 단일모델보다 성능이 </a:t>
+            </a:r>
+            <a:r>
+              <a:rPr kumimoji="1" lang="ko-KR" altLang="en-US" dirty="0" err="1"/>
+              <a:t>낮게나온다</a:t>
+            </a:r>
+            <a:r>
+              <a:rPr kumimoji="1" lang="en-US" altLang="ko-KR" dirty="0"/>
+              <a:t>.</a:t>
+            </a:r>
+          </a:p>
+          <a:p>
+            <a:r>
+              <a:rPr kumimoji="1" lang="en-US" altLang="ko-KR" dirty="0"/>
+              <a:t>200</a:t>
+            </a:r>
+            <a:r>
+              <a:rPr kumimoji="1" lang="ko-KR" altLang="en-US" dirty="0" err="1"/>
+              <a:t>에폭</a:t>
+            </a:r>
+            <a:r>
+              <a:rPr kumimoji="1" lang="ko-KR" altLang="en-US" dirty="0"/>
+              <a:t> </a:t>
+            </a:r>
+            <a:r>
+              <a:rPr kumimoji="1" lang="en-US" altLang="ko-KR" dirty="0"/>
+              <a:t>46.860%</a:t>
+            </a:r>
+          </a:p>
+          <a:p>
+            <a:r>
+              <a:rPr kumimoji="1" lang="en-US" altLang="ko-KR" dirty="0">
+                <a:sym typeface="Wingdings" pitchFamily="2" charset="2"/>
+              </a:rPr>
+              <a:t></a:t>
+            </a:r>
+            <a:r>
+              <a:rPr kumimoji="1" lang="ko-KR" altLang="en-US" dirty="0">
+                <a:sym typeface="Wingdings" pitchFamily="2" charset="2"/>
+              </a:rPr>
+              <a:t> </a:t>
+            </a:r>
+            <a:r>
+              <a:rPr kumimoji="1" lang="ko-KR" altLang="en-US" dirty="0" err="1">
+                <a:sym typeface="Wingdings" pitchFamily="2" charset="2"/>
+              </a:rPr>
+              <a:t>알았따</a:t>
+            </a:r>
+            <a:r>
+              <a:rPr kumimoji="1" lang="en-US" altLang="ko-KR" dirty="0">
+                <a:sym typeface="Wingdings" pitchFamily="2" charset="2"/>
+              </a:rPr>
+              <a:t>..</a:t>
+            </a:r>
+            <a:r>
+              <a:rPr kumimoji="1" lang="ko-KR" altLang="en-US" dirty="0">
+                <a:sym typeface="Wingdings" pitchFamily="2" charset="2"/>
+              </a:rPr>
+              <a:t>이건</a:t>
+            </a:r>
+            <a:r>
+              <a:rPr kumimoji="1" lang="en-US" altLang="ko-KR" dirty="0">
+                <a:sym typeface="Wingdings" pitchFamily="2" charset="2"/>
+              </a:rPr>
+              <a:t>..</a:t>
+            </a:r>
+            <a:r>
+              <a:rPr kumimoji="1" lang="ko-KR" altLang="en-US" dirty="0">
+                <a:sym typeface="Wingdings" pitchFamily="2" charset="2"/>
+              </a:rPr>
+              <a:t>테스트 데이터 </a:t>
+            </a:r>
+            <a:r>
+              <a:rPr kumimoji="1" lang="en-US" altLang="ko-KR" dirty="0">
+                <a:sym typeface="Wingdings" pitchFamily="2" charset="2"/>
+              </a:rPr>
+              <a:t>10</a:t>
+            </a:r>
+            <a:r>
+              <a:rPr kumimoji="1" lang="ko-KR" altLang="en-US" dirty="0">
+                <a:sym typeface="Wingdings" pitchFamily="2" charset="2"/>
+              </a:rPr>
+              <a:t>개밖에 테스트를  안해서 그래</a:t>
+            </a:r>
+            <a:r>
+              <a:rPr kumimoji="1" lang="en-US" altLang="ko-KR" dirty="0">
+                <a:sym typeface="Wingdings" pitchFamily="2" charset="2"/>
+              </a:rPr>
+              <a:t>.</a:t>
+            </a:r>
+            <a:endParaRPr kumimoji="1" lang="ko-Kore-KR" altLang="en-US" dirty="0"/>
+          </a:p>
+        </p:txBody>
+      </p:sp>
+      <p:sp>
+        <p:nvSpPr>
+          <p:cNvPr id="4" name="슬라이드 번호 개체 틀 3"/>
+          <p:cNvSpPr>
+            <a:spLocks noGrp="1"/>
+          </p:cNvSpPr>
+          <p:nvPr>
+            <p:ph type="sldNum" sz="quarter" idx="5"/>
+          </p:nvPr>
+        </p:nvSpPr>
+        <p:spPr/>
+        <p:txBody>
+          <a:bodyPr/>
+          <a:lstStyle/>
+          <a:p>
+            <a:fld id="{B71B6669-FD07-494E-99BC-6FDB59A26255}" type="slidenum">
+              <a:rPr kumimoji="1" lang="ko-Kore-KR" altLang="en-US" smtClean="0"/>
+              <a:t>18</a:t>
+            </a:fld>
+            <a:endParaRPr kumimoji="1" lang="ko-Kore-KR" altLang="en-US"/>
+          </a:p>
+        </p:txBody>
+      </p:sp>
+    </p:spTree>
+    <p:extLst>
+      <p:ext uri="{BB962C8B-B14F-4D97-AF65-F5344CB8AC3E}">
+        <p14:creationId xmlns:p14="http://schemas.microsoft.com/office/powerpoint/2010/main" val="2806099812"/>
       </p:ext>
     </p:extLst>
   </p:cSld>
@@ -2514,7 +2785,7 @@
           <a:p>
             <a:fld id="{853950EB-5035-BF40-82AA-6C9039F9D37B}" type="datetimeFigureOut">
               <a:rPr kumimoji="1" lang="ko-Kore-KR" altLang="en-US" smtClean="0"/>
-              <a:t>2021. 9. 27.</a:t>
+              <a:t>2021. 9. 30.</a:t>
             </a:fld>
             <a:endParaRPr kumimoji="1" lang="ko-Kore-KR" altLang="en-US"/>
           </a:p>
@@ -2714,7 +2985,7 @@
           <a:p>
             <a:fld id="{853950EB-5035-BF40-82AA-6C9039F9D37B}" type="datetimeFigureOut">
               <a:rPr kumimoji="1" lang="ko-Kore-KR" altLang="en-US" smtClean="0"/>
-              <a:t>2021. 9. 27.</a:t>
+              <a:t>2021. 9. 30.</a:t>
             </a:fld>
             <a:endParaRPr kumimoji="1" lang="ko-Kore-KR" altLang="en-US"/>
           </a:p>
@@ -2924,7 +3195,7 @@
           <a:p>
             <a:fld id="{853950EB-5035-BF40-82AA-6C9039F9D37B}" type="datetimeFigureOut">
               <a:rPr kumimoji="1" lang="ko-Kore-KR" altLang="en-US" smtClean="0"/>
-              <a:t>2021. 9. 27.</a:t>
+              <a:t>2021. 9. 30.</a:t>
             </a:fld>
             <a:endParaRPr kumimoji="1" lang="ko-Kore-KR" altLang="en-US"/>
           </a:p>
@@ -3124,7 +3395,7 @@
           <a:p>
             <a:fld id="{853950EB-5035-BF40-82AA-6C9039F9D37B}" type="datetimeFigureOut">
               <a:rPr kumimoji="1" lang="ko-Kore-KR" altLang="en-US" smtClean="0"/>
-              <a:t>2021. 9. 27.</a:t>
+              <a:t>2021. 9. 30.</a:t>
             </a:fld>
             <a:endParaRPr kumimoji="1" lang="ko-Kore-KR" altLang="en-US"/>
           </a:p>
@@ -3400,7 +3671,7 @@
           <a:p>
             <a:fld id="{853950EB-5035-BF40-82AA-6C9039F9D37B}" type="datetimeFigureOut">
               <a:rPr kumimoji="1" lang="ko-Kore-KR" altLang="en-US" smtClean="0"/>
-              <a:t>2021. 9. 27.</a:t>
+              <a:t>2021. 9. 30.</a:t>
             </a:fld>
             <a:endParaRPr kumimoji="1" lang="ko-Kore-KR" altLang="en-US"/>
           </a:p>
@@ -3668,7 +3939,7 @@
           <a:p>
             <a:fld id="{853950EB-5035-BF40-82AA-6C9039F9D37B}" type="datetimeFigureOut">
               <a:rPr kumimoji="1" lang="ko-Kore-KR" altLang="en-US" smtClean="0"/>
-              <a:t>2021. 9. 27.</a:t>
+              <a:t>2021. 9. 30.</a:t>
             </a:fld>
             <a:endParaRPr kumimoji="1" lang="ko-Kore-KR" altLang="en-US"/>
           </a:p>
@@ -4083,7 +4354,7 @@
           <a:p>
             <a:fld id="{853950EB-5035-BF40-82AA-6C9039F9D37B}" type="datetimeFigureOut">
               <a:rPr kumimoji="1" lang="ko-Kore-KR" altLang="en-US" smtClean="0"/>
-              <a:t>2021. 9. 27.</a:t>
+              <a:t>2021. 9. 30.</a:t>
             </a:fld>
             <a:endParaRPr kumimoji="1" lang="ko-Kore-KR" altLang="en-US"/>
           </a:p>
@@ -4225,7 +4496,7 @@
           <a:p>
             <a:fld id="{853950EB-5035-BF40-82AA-6C9039F9D37B}" type="datetimeFigureOut">
               <a:rPr kumimoji="1" lang="ko-Kore-KR" altLang="en-US" smtClean="0"/>
-              <a:t>2021. 9. 27.</a:t>
+              <a:t>2021. 9. 30.</a:t>
             </a:fld>
             <a:endParaRPr kumimoji="1" lang="ko-Kore-KR" altLang="en-US"/>
           </a:p>
@@ -4338,7 +4609,7 @@
           <a:p>
             <a:fld id="{853950EB-5035-BF40-82AA-6C9039F9D37B}" type="datetimeFigureOut">
               <a:rPr kumimoji="1" lang="ko-Kore-KR" altLang="en-US" smtClean="0"/>
-              <a:t>2021. 9. 27.</a:t>
+              <a:t>2021. 9. 30.</a:t>
             </a:fld>
             <a:endParaRPr kumimoji="1" lang="ko-Kore-KR" altLang="en-US"/>
           </a:p>
@@ -4651,7 +4922,7 @@
           <a:p>
             <a:fld id="{853950EB-5035-BF40-82AA-6C9039F9D37B}" type="datetimeFigureOut">
               <a:rPr kumimoji="1" lang="ko-Kore-KR" altLang="en-US" smtClean="0"/>
-              <a:t>2021. 9. 27.</a:t>
+              <a:t>2021. 9. 30.</a:t>
             </a:fld>
             <a:endParaRPr kumimoji="1" lang="ko-Kore-KR" altLang="en-US"/>
           </a:p>
@@ -4940,7 +5211,7 @@
           <a:p>
             <a:fld id="{853950EB-5035-BF40-82AA-6C9039F9D37B}" type="datetimeFigureOut">
               <a:rPr kumimoji="1" lang="ko-Kore-KR" altLang="en-US" smtClean="0"/>
-              <a:t>2021. 9. 27.</a:t>
+              <a:t>2021. 9. 30.</a:t>
             </a:fld>
             <a:endParaRPr kumimoji="1" lang="ko-Kore-KR" altLang="en-US"/>
           </a:p>
@@ -5183,7 +5454,7 @@
           <a:p>
             <a:fld id="{853950EB-5035-BF40-82AA-6C9039F9D37B}" type="datetimeFigureOut">
               <a:rPr kumimoji="1" lang="ko-Kore-KR" altLang="en-US" smtClean="0"/>
-              <a:t>2021. 9. 27.</a:t>
+              <a:t>2021. 9. 30.</a:t>
             </a:fld>
             <a:endParaRPr kumimoji="1" lang="ko-Kore-KR" altLang="en-US"/>
           </a:p>
@@ -7596,12 +7867,42 @@
           </a:p>
         </p:txBody>
       </p:sp>
-      <p:sp>
-        <p:nvSpPr>
-          <p:cNvPr id="5" name="직사각형 4">
+      <p:pic>
+        <p:nvPicPr>
+          <p:cNvPr id="3" name="그림 2">
             <a:extLst>
               <a:ext uri="{FF2B5EF4-FFF2-40B4-BE49-F238E27FC236}">
-                <a16:creationId xmlns:a16="http://schemas.microsoft.com/office/drawing/2014/main" id="{E326C895-176C-E34D-BAF5-D3DACBCF5793}"/>
+                <a16:creationId xmlns:a16="http://schemas.microsoft.com/office/drawing/2014/main" id="{052B12C8-A2A6-334B-89AB-D54DD825D7DE}"/>
+              </a:ext>
+            </a:extLst>
+          </p:cNvPr>
+          <p:cNvPicPr>
+            <a:picLocks noChangeAspect="1"/>
+          </p:cNvPicPr>
+          <p:nvPr/>
+        </p:nvPicPr>
+        <p:blipFill>
+          <a:blip r:embed="rId3"/>
+          <a:stretch>
+            <a:fillRect/>
+          </a:stretch>
+        </p:blipFill>
+        <p:spPr>
+          <a:xfrm>
+            <a:off x="254000" y="1076252"/>
+            <a:ext cx="5842000" cy="4381500"/>
+          </a:xfrm>
+          <a:prstGeom prst="rect">
+            <a:avLst/>
+          </a:prstGeom>
+        </p:spPr>
+      </p:pic>
+      <p:sp>
+        <p:nvSpPr>
+          <p:cNvPr id="8" name="직사각형 7">
+            <a:extLst>
+              <a:ext uri="{FF2B5EF4-FFF2-40B4-BE49-F238E27FC236}">
+                <a16:creationId xmlns:a16="http://schemas.microsoft.com/office/drawing/2014/main" id="{DE3F4B3B-DB02-2446-A98E-931DF70A72CF}"/>
               </a:ext>
             </a:extLst>
           </p:cNvPr>
@@ -7610,152 +7911,92 @@
         </p:nvSpPr>
         <p:spPr>
           <a:xfrm>
-            <a:off x="377952" y="1559433"/>
-            <a:ext cx="6096000" cy="4616648"/>
+            <a:off x="1395239" y="5625250"/>
+            <a:ext cx="2874505" cy="384401"/>
           </a:xfrm>
           <a:prstGeom prst="rect">
             <a:avLst/>
           </a:prstGeom>
         </p:spPr>
         <p:txBody>
-          <a:bodyPr wrap="square">
+          <a:bodyPr wrap="none">
             <a:spAutoFit/>
           </a:bodyPr>
           <a:lstStyle/>
           <a:p>
-            <a:r>
-              <a:rPr lang="ko-Kore-KR" altLang="en-US" sz="1400" dirty="0"/>
-              <a:t>=============== 0 번째 자리===============</a:t>
-            </a:r>
-          </a:p>
-          <a:p>
-            <a:r>
-              <a:rPr lang="ko-Kore-KR" altLang="en-US" sz="1400" dirty="0"/>
-              <a:t>참가한 모델의 예측:  [3, 3, 4, 8, 2]</a:t>
-            </a:r>
-          </a:p>
-          <a:p>
-            <a:r>
-              <a:rPr lang="ko-Kore-KR" altLang="en-US" sz="1400" dirty="0"/>
-              <a:t>다수결 결과:  3</a:t>
-            </a:r>
-          </a:p>
-          <a:p>
-            <a:r>
-              <a:rPr lang="ko-Kore-KR" altLang="en-US" sz="1400" dirty="0"/>
-              <a:t>살아남은 모델:  [0, 1]</a:t>
-            </a:r>
-          </a:p>
-          <a:p>
-            <a:r>
-              <a:rPr lang="ko-Kore-KR" altLang="en-US" sz="1400" dirty="0"/>
-              <a:t>탈락한 모델:  [2, 3, 4]</a:t>
-            </a:r>
-          </a:p>
-          <a:p>
-            <a:r>
-              <a:rPr lang="ko-Kore-KR" altLang="en-US" sz="1400" dirty="0"/>
-              <a:t>-------------------------------------------</a:t>
-            </a:r>
-          </a:p>
-          <a:p>
-            <a:r>
-              <a:rPr lang="ko-Kore-KR" altLang="en-US" sz="1400" dirty="0"/>
-              <a:t>=============== 1 번째 자리===============</a:t>
-            </a:r>
-          </a:p>
-          <a:p>
-            <a:r>
-              <a:rPr lang="ko-Kore-KR" altLang="en-US" sz="1400" dirty="0"/>
-              <a:t>참가한 모델의 예측:  [12, 7]</a:t>
-            </a:r>
-          </a:p>
-          <a:p>
-            <a:r>
-              <a:rPr lang="ko-Kore-KR" altLang="en-US" sz="1400" dirty="0"/>
-              <a:t>다수결 결과:  12</a:t>
-            </a:r>
-          </a:p>
-          <a:p>
-            <a:r>
-              <a:rPr lang="ko-Kore-KR" altLang="en-US" sz="1400" dirty="0"/>
-              <a:t>-------------------------------------------</a:t>
-            </a:r>
-          </a:p>
-          <a:p>
-            <a:r>
-              <a:rPr lang="ko-Kore-KR" altLang="en-US" sz="1400" dirty="0"/>
-              <a:t>=============== 2 번째 자리===============</a:t>
-            </a:r>
-          </a:p>
-          <a:p>
-            <a:r>
-              <a:rPr lang="ko-Kore-KR" altLang="en-US" sz="1400" dirty="0"/>
-              <a:t>최후 1개 모델의 예측:  12</a:t>
-            </a:r>
-          </a:p>
-          <a:p>
-            <a:r>
-              <a:rPr lang="ko-Kore-KR" altLang="en-US" sz="1400" dirty="0"/>
-              <a:t>-------------------------------------------</a:t>
-            </a:r>
-          </a:p>
-          <a:p>
-            <a:r>
-              <a:rPr lang="ko-Kore-KR" altLang="en-US" sz="1400" dirty="0"/>
-              <a:t>=============== 3 번째 자리===============</a:t>
-            </a:r>
-          </a:p>
-          <a:p>
-            <a:r>
-              <a:rPr lang="ko-Kore-KR" altLang="en-US" sz="1400" dirty="0"/>
-              <a:t>최후 1개 모델의 예측:  5</a:t>
-            </a:r>
-          </a:p>
-          <a:p>
-            <a:r>
-              <a:rPr lang="ko-Kore-KR" altLang="en-US" sz="1400" dirty="0"/>
-              <a:t>-------------------------------------------</a:t>
-            </a:r>
-          </a:p>
-          <a:p>
-            <a:r>
-              <a:rPr lang="ko-Kore-KR" altLang="en-US" sz="1400" dirty="0"/>
-              <a:t>서바이벌 결과:  [3, 12, 12, 5]</a:t>
-            </a:r>
-          </a:p>
-          <a:p>
-            <a:r>
-              <a:rPr lang="ko-Kore-KR" altLang="en-US" sz="1400" dirty="0"/>
-              <a:t>문자열로 변환한 결과:  744 </a:t>
-            </a:r>
-          </a:p>
-          <a:p>
-            <a:r>
-              <a:rPr lang="ko-Kore-KR" altLang="en-US" sz="1400" dirty="0"/>
-              <a:t>Q 703+16 </a:t>
-            </a:r>
-          </a:p>
-          <a:p>
-            <a:r>
-              <a:rPr lang="ko-Kore-KR" altLang="en-US" sz="1400" dirty="0"/>
-              <a:t>T 719 </a:t>
-            </a:r>
-          </a:p>
-          <a:p>
-            <a:r>
-              <a:rPr lang="ko-Kore-KR" altLang="en-US" sz="1400" dirty="0"/>
-              <a:t>☒ 744 </a:t>
-            </a:r>
-          </a:p>
-        </p:txBody>
-      </p:sp>
-      <p:sp>
-        <p:nvSpPr>
-          <p:cNvPr id="6" name="직사각형 5">
+            <a:pPr marL="742950" lvl="1" indent="-285750">
+              <a:lnSpc>
+                <a:spcPct val="150000"/>
+              </a:lnSpc>
+              <a:buFont typeface="Arial" panose="020B0604020202020204" pitchFamily="34" charset="0"/>
+              <a:buChar char="•"/>
+            </a:pPr>
+            <a:r>
+              <a:rPr kumimoji="1" lang="ko-KR" altLang="en-US" sz="1400" dirty="0">
+                <a:solidFill>
+                  <a:srgbClr val="3D3D3D"/>
+                </a:solidFill>
+                <a:latin typeface="NanumSquareRound Regular" panose="020B0600000101010101" pitchFamily="34" charset="-127"/>
+                <a:ea typeface="NanumSquareRound Regular" panose="020B0600000101010101" pitchFamily="34" charset="-127"/>
+              </a:rPr>
+              <a:t>서바이벌 버전 </a:t>
+            </a:r>
+            <a:r>
+              <a:rPr kumimoji="1" lang="en-US" altLang="ko-KR" sz="1400" dirty="0">
+                <a:solidFill>
+                  <a:srgbClr val="3D3D3D"/>
+                </a:solidFill>
+                <a:latin typeface="NanumSquareRound Regular" panose="020B0600000101010101" pitchFamily="34" charset="-127"/>
+                <a:ea typeface="NanumSquareRound Regular" panose="020B0600000101010101" pitchFamily="34" charset="-127"/>
+              </a:rPr>
+              <a:t>–</a:t>
+            </a:r>
+            <a:r>
+              <a:rPr kumimoji="1" lang="ko-KR" altLang="en-US" sz="1400" dirty="0">
+                <a:solidFill>
+                  <a:srgbClr val="3D3D3D"/>
+                </a:solidFill>
+                <a:latin typeface="NanumSquareRound Regular" panose="020B0600000101010101" pitchFamily="34" charset="-127"/>
+                <a:ea typeface="NanumSquareRound Regular" panose="020B0600000101010101" pitchFamily="34" charset="-127"/>
+              </a:rPr>
+              <a:t> 모델 </a:t>
+            </a:r>
+            <a:r>
+              <a:rPr kumimoji="1" lang="en-US" altLang="ko-KR" sz="1400" dirty="0">
+                <a:solidFill>
+                  <a:srgbClr val="3D3D3D"/>
+                </a:solidFill>
+                <a:latin typeface="NanumSquareRound Regular" panose="020B0600000101010101" pitchFamily="34" charset="-127"/>
+                <a:ea typeface="NanumSquareRound Regular" panose="020B0600000101010101" pitchFamily="34" charset="-127"/>
+              </a:rPr>
+              <a:t>10</a:t>
+            </a:r>
+            <a:r>
+              <a:rPr kumimoji="1" lang="ko-KR" altLang="en-US" sz="1400" dirty="0">
+                <a:solidFill>
+                  <a:srgbClr val="3D3D3D"/>
+                </a:solidFill>
+                <a:latin typeface="NanumSquareRound Regular" panose="020B0600000101010101" pitchFamily="34" charset="-127"/>
+                <a:ea typeface="NanumSquareRound Regular" panose="020B0600000101010101" pitchFamily="34" charset="-127"/>
+              </a:rPr>
+              <a:t>개</a:t>
+            </a:r>
+            <a:endParaRPr kumimoji="1" lang="en-US" altLang="ko-KR" sz="1400" dirty="0">
+              <a:solidFill>
+                <a:srgbClr val="3D3D3D"/>
+              </a:solidFill>
+              <a:latin typeface="NanumSquareRound Regular" panose="020B0600000101010101" pitchFamily="34" charset="-127"/>
+              <a:ea typeface="NanumSquareRound Regular" panose="020B0600000101010101" pitchFamily="34" charset="-127"/>
+            </a:endParaRPr>
+          </a:p>
+        </p:txBody>
+      </p:sp>
+      <p:sp>
+        <p:nvSpPr>
+          <p:cNvPr id="9" name="직사각형 8">
             <a:extLst>
               <a:ext uri="{FF2B5EF4-FFF2-40B4-BE49-F238E27FC236}">
-                <a16:creationId xmlns:a16="http://schemas.microsoft.com/office/drawing/2014/main" id="{BD5A3D19-AC54-6140-9086-FD402555BFB1}"/>
+                <a16:creationId xmlns:a16="http://schemas.microsoft.com/office/drawing/2014/main" id="{1C613325-F607-4049-AA51-7F8F58809EB6}"/>
               </a:ext>
             </a:extLst>
           </p:cNvPr>
@@ -7764,150 +8005,158 @@
         </p:nvSpPr>
         <p:spPr>
           <a:xfrm>
-            <a:off x="4443984" y="1559433"/>
-            <a:ext cx="6096000" cy="4616648"/>
+            <a:off x="7247648" y="5625250"/>
+            <a:ext cx="3567708" cy="1030731"/>
           </a:xfrm>
           <a:prstGeom prst="rect">
             <a:avLst/>
           </a:prstGeom>
         </p:spPr>
         <p:txBody>
-          <a:bodyPr>
+          <a:bodyPr wrap="none">
             <a:spAutoFit/>
           </a:bodyPr>
           <a:lstStyle/>
           <a:p>
-            <a:r>
-              <a:rPr lang="ko-Kore-KR" altLang="en-US" sz="1400" dirty="0"/>
-              <a:t>=============== 0 번째 자리===============</a:t>
-            </a:r>
-          </a:p>
-          <a:p>
-            <a:r>
-              <a:rPr lang="ko-Kore-KR" altLang="en-US" sz="1400" dirty="0"/>
-              <a:t>참가한 모델의 예측:  [0, 3, 9, 8, 2]</a:t>
-            </a:r>
-          </a:p>
-          <a:p>
-            <a:r>
-              <a:rPr lang="ko-Kore-KR" altLang="en-US" sz="1400" dirty="0"/>
-              <a:t>다수결 결과:  0</a:t>
-            </a:r>
-          </a:p>
-          <a:p>
-            <a:r>
-              <a:rPr lang="ko-Kore-KR" altLang="en-US" sz="1400" dirty="0"/>
-              <a:t>살아남은 모델:  [0]</a:t>
-            </a:r>
-          </a:p>
-          <a:p>
-            <a:r>
-              <a:rPr lang="ko-Kore-KR" altLang="en-US" sz="1400" dirty="0"/>
-              <a:t>탈락한 모델:  [1, 2, 3, 4]</a:t>
-            </a:r>
-          </a:p>
-          <a:p>
-            <a:r>
-              <a:rPr lang="ko-Kore-KR" altLang="en-US" sz="1400" dirty="0"/>
-              <a:t>-------------------------------------------</a:t>
-            </a:r>
-          </a:p>
-          <a:p>
-            <a:r>
-              <a:rPr lang="ko-Kore-KR" altLang="en-US" sz="1400" dirty="0"/>
-              <a:t>=============== 1 번째 자리===============</a:t>
-            </a:r>
-          </a:p>
-          <a:p>
-            <a:r>
-              <a:rPr lang="ko-Kore-KR" altLang="en-US" sz="1400" dirty="0"/>
-              <a:t>최후 1개 모델의 예측:  4</a:t>
-            </a:r>
-          </a:p>
-          <a:p>
-            <a:r>
-              <a:rPr lang="ko-Kore-KR" altLang="en-US" sz="1400" dirty="0"/>
-              <a:t>-------------------------------------------</a:t>
-            </a:r>
-          </a:p>
-          <a:p>
-            <a:r>
-              <a:rPr lang="ko-Kore-KR" altLang="en-US" sz="1400" dirty="0"/>
-              <a:t>=============== 2 번째 자리===============</a:t>
-            </a:r>
-          </a:p>
-          <a:p>
-            <a:r>
-              <a:rPr lang="ko-Kore-KR" altLang="en-US" sz="1400" dirty="0"/>
-              <a:t>최후 1개 모델의 예측:  0</a:t>
-            </a:r>
-          </a:p>
-          <a:p>
-            <a:r>
-              <a:rPr lang="ko-Kore-KR" altLang="en-US" sz="1400" dirty="0"/>
-              <a:t>-------------------------------------------</a:t>
-            </a:r>
-          </a:p>
-          <a:p>
-            <a:r>
-              <a:rPr lang="ko-Kore-KR" altLang="en-US" sz="1400" dirty="0"/>
-              <a:t>=============== 3 번째 자리===============</a:t>
-            </a:r>
-          </a:p>
-          <a:p>
-            <a:r>
-              <a:rPr lang="ko-Kore-KR" altLang="en-US" sz="1400" dirty="0"/>
-              <a:t>최후 1개 모델의 예측:  5</a:t>
-            </a:r>
-          </a:p>
-          <a:p>
-            <a:r>
-              <a:rPr lang="ko-Kore-KR" altLang="en-US" sz="1400" dirty="0"/>
-              <a:t>-------------------------------------------</a:t>
-            </a:r>
-          </a:p>
-          <a:p>
-            <a:r>
-              <a:rPr lang="ko-Kore-KR" altLang="en-US" sz="1400" dirty="0"/>
-              <a:t>서바이벌 결과:  [0, 4, 0, 5]</a:t>
-            </a:r>
-          </a:p>
-          <a:p>
-            <a:r>
-              <a:rPr lang="ko-Kore-KR" altLang="en-US" sz="1400" dirty="0"/>
-              <a:t>문자열로 변환한 결과:  151 </a:t>
-            </a:r>
-          </a:p>
-          <a:p>
-            <a:r>
-              <a:rPr lang="ko-Kore-KR" altLang="en-US" sz="1400" dirty="0"/>
-              <a:t>Q 108+23 </a:t>
-            </a:r>
-          </a:p>
-          <a:p>
-            <a:r>
-              <a:rPr lang="ko-Kore-KR" altLang="en-US" sz="1400" dirty="0"/>
-              <a:t>T 131 </a:t>
-            </a:r>
-          </a:p>
-          <a:p>
-            <a:r>
-              <a:rPr lang="ko-Kore-KR" altLang="en-US" sz="1400" dirty="0"/>
-              <a:t>☒ 151 </a:t>
-            </a:r>
-          </a:p>
-          <a:p>
-            <a:r>
-              <a:rPr lang="ko-Kore-KR" altLang="en-US" sz="1400" dirty="0"/>
-              <a:t>---</a:t>
-            </a:r>
-          </a:p>
-        </p:txBody>
-      </p:sp>
+            <a:pPr marL="742950" lvl="1" indent="-285750">
+              <a:lnSpc>
+                <a:spcPct val="150000"/>
+              </a:lnSpc>
+              <a:buFont typeface="Arial" panose="020B0604020202020204" pitchFamily="34" charset="0"/>
+              <a:buChar char="•"/>
+            </a:pPr>
+            <a:r>
+              <a:rPr kumimoji="1" lang="ko-KR" altLang="en-US" sz="1400" dirty="0">
+                <a:solidFill>
+                  <a:srgbClr val="3D3D3D"/>
+                </a:solidFill>
+                <a:latin typeface="NanumSquareRound Regular" panose="020B0600000101010101" pitchFamily="34" charset="-127"/>
+                <a:ea typeface="NanumSquareRound Regular" panose="020B0600000101010101" pitchFamily="34" charset="-127"/>
+              </a:rPr>
+              <a:t>서바이벌 버전 </a:t>
+            </a:r>
+            <a:r>
+              <a:rPr kumimoji="1" lang="en-US" altLang="ko-KR" sz="1400" dirty="0">
+                <a:solidFill>
+                  <a:srgbClr val="3D3D3D"/>
+                </a:solidFill>
+                <a:latin typeface="NanumSquareRound Regular" panose="020B0600000101010101" pitchFamily="34" charset="-127"/>
+                <a:ea typeface="NanumSquareRound Regular" panose="020B0600000101010101" pitchFamily="34" charset="-127"/>
+              </a:rPr>
+              <a:t>–</a:t>
+            </a:r>
+            <a:r>
+              <a:rPr kumimoji="1" lang="ko-KR" altLang="en-US" sz="1400" dirty="0">
+                <a:solidFill>
+                  <a:srgbClr val="3D3D3D"/>
+                </a:solidFill>
+                <a:latin typeface="NanumSquareRound Regular" panose="020B0600000101010101" pitchFamily="34" charset="-127"/>
+                <a:ea typeface="NanumSquareRound Regular" panose="020B0600000101010101" pitchFamily="34" charset="-127"/>
+              </a:rPr>
+              <a:t> 모델 </a:t>
+            </a:r>
+            <a:r>
+              <a:rPr kumimoji="1" lang="en-US" altLang="ko-KR" sz="1400" dirty="0">
+                <a:solidFill>
+                  <a:srgbClr val="3D3D3D"/>
+                </a:solidFill>
+                <a:latin typeface="NanumSquareRound Regular" panose="020B0600000101010101" pitchFamily="34" charset="-127"/>
+                <a:ea typeface="NanumSquareRound Regular" panose="020B0600000101010101" pitchFamily="34" charset="-127"/>
+              </a:rPr>
+              <a:t>5</a:t>
+            </a:r>
+            <a:r>
+              <a:rPr kumimoji="1" lang="ko-KR" altLang="en-US" sz="1400" dirty="0">
+                <a:solidFill>
+                  <a:srgbClr val="3D3D3D"/>
+                </a:solidFill>
+                <a:latin typeface="NanumSquareRound Regular" panose="020B0600000101010101" pitchFamily="34" charset="-127"/>
+                <a:ea typeface="NanumSquareRound Regular" panose="020B0600000101010101" pitchFamily="34" charset="-127"/>
+              </a:rPr>
+              <a:t>개</a:t>
+            </a:r>
+            <a:endParaRPr kumimoji="1" lang="en-US" altLang="ko-KR" sz="1400" dirty="0">
+              <a:solidFill>
+                <a:srgbClr val="3D3D3D"/>
+              </a:solidFill>
+              <a:latin typeface="NanumSquareRound Regular" panose="020B0600000101010101" pitchFamily="34" charset="-127"/>
+              <a:ea typeface="NanumSquareRound Regular" panose="020B0600000101010101" pitchFamily="34" charset="-127"/>
+            </a:endParaRPr>
+          </a:p>
+          <a:p>
+            <a:pPr marL="742950" lvl="1" indent="-285750">
+              <a:lnSpc>
+                <a:spcPct val="150000"/>
+              </a:lnSpc>
+              <a:buFont typeface="Arial" panose="020B0604020202020204" pitchFamily="34" charset="0"/>
+              <a:buChar char="•"/>
+            </a:pPr>
+            <a:r>
+              <a:rPr kumimoji="1" lang="en-US" altLang="ko-KR" sz="1400" dirty="0">
+                <a:solidFill>
+                  <a:srgbClr val="3D3D3D"/>
+                </a:solidFill>
+                <a:latin typeface="NanumSquareRound Regular" panose="020B0600000101010101" pitchFamily="34" charset="-127"/>
+                <a:ea typeface="NanumSquareRound Regular" panose="020B0600000101010101" pitchFamily="34" charset="-127"/>
+              </a:rPr>
+              <a:t>100epoch accuracy 89.960%</a:t>
+            </a:r>
+          </a:p>
+          <a:p>
+            <a:pPr marL="742950" lvl="1" indent="-285750">
+              <a:lnSpc>
+                <a:spcPct val="150000"/>
+              </a:lnSpc>
+              <a:buFont typeface="Arial" panose="020B0604020202020204" pitchFamily="34" charset="0"/>
+              <a:buChar char="•"/>
+            </a:pPr>
+            <a:r>
+              <a:rPr kumimoji="1" lang="en-US" altLang="ko-KR" sz="1400" dirty="0">
+                <a:solidFill>
+                  <a:srgbClr val="3D3D3D"/>
+                </a:solidFill>
+                <a:latin typeface="NanumSquareRound Regular" panose="020B0600000101010101" pitchFamily="34" charset="-127"/>
+                <a:ea typeface="NanumSquareRound Regular" panose="020B0600000101010101" pitchFamily="34" charset="-127"/>
+              </a:rPr>
+              <a:t>200epoch accuracy : 95.220%</a:t>
+            </a:r>
+          </a:p>
+        </p:txBody>
+      </p:sp>
+      <p:pic>
+        <p:nvPicPr>
+          <p:cNvPr id="5" name="그림 4">
+            <a:extLst>
+              <a:ext uri="{FF2B5EF4-FFF2-40B4-BE49-F238E27FC236}">
+                <a16:creationId xmlns:a16="http://schemas.microsoft.com/office/drawing/2014/main" id="{2A6D3941-CBDA-8A49-9286-944D6B042C9D}"/>
+              </a:ext>
+            </a:extLst>
+          </p:cNvPr>
+          <p:cNvPicPr>
+            <a:picLocks noChangeAspect="1"/>
+          </p:cNvPicPr>
+          <p:nvPr/>
+        </p:nvPicPr>
+        <p:blipFill>
+          <a:blip r:embed="rId4"/>
+          <a:stretch>
+            <a:fillRect/>
+          </a:stretch>
+        </p:blipFill>
+        <p:spPr>
+          <a:xfrm>
+            <a:off x="6051191" y="1076252"/>
+            <a:ext cx="5842000" cy="4381500"/>
+          </a:xfrm>
+          <a:prstGeom prst="rect">
+            <a:avLst/>
+          </a:prstGeom>
+        </p:spPr>
+      </p:pic>
     </p:spTree>
     <p:extLst>
       <p:ext uri="{BB962C8B-B14F-4D97-AF65-F5344CB8AC3E}">
-        <p14:creationId xmlns:p14="http://schemas.microsoft.com/office/powerpoint/2010/main" val="3646598417"/>
+        <p14:creationId xmlns:p14="http://schemas.microsoft.com/office/powerpoint/2010/main" val="2836668218"/>
       </p:ext>
     </p:extLst>
   </p:cSld>
@@ -7949,7 +8198,7 @@
         <p:spPr>
           <a:xfrm>
             <a:off x="106326" y="202019"/>
-            <a:ext cx="11889731" cy="676532"/>
+            <a:ext cx="11889731" cy="759952"/>
           </a:xfrm>
           <a:prstGeom prst="rect">
             <a:avLst/>
@@ -8045,37 +8294,37 @@
                 <a:latin typeface="NanumSquareRound Regular" panose="020B0600000101010101" pitchFamily="34" charset="-127"/>
                 <a:ea typeface="NanumSquareRound Regular" panose="020B0600000101010101" pitchFamily="34" charset="-127"/>
               </a:rPr>
+              <a:t> 서바이벌</a:t>
+            </a:r>
+            <a:r>
+              <a:rPr kumimoji="1" lang="en-US" altLang="ko-KR" b="1" u="sng" dirty="0">
+                <a:solidFill>
+                  <a:srgbClr val="3D3D3D"/>
+                </a:solidFill>
+                <a:latin typeface="NanumSquareRound Regular" panose="020B0600000101010101" pitchFamily="34" charset="-127"/>
+                <a:ea typeface="NanumSquareRound Regular" panose="020B0600000101010101" pitchFamily="34" charset="-127"/>
+              </a:rPr>
+              <a:t>,</a:t>
+            </a:r>
+            <a:r>
+              <a:rPr kumimoji="1" lang="ko-KR" altLang="en-US" b="1" u="sng" dirty="0">
+                <a:solidFill>
+                  <a:srgbClr val="3D3D3D"/>
+                </a:solidFill>
+                <a:latin typeface="NanumSquareRound Regular" panose="020B0600000101010101" pitchFamily="34" charset="-127"/>
+                <a:ea typeface="NanumSquareRound Regular" panose="020B0600000101010101" pitchFamily="34" charset="-127"/>
+              </a:rPr>
               <a:t> </a:t>
             </a:r>
             <a:r>
-              <a:rPr kumimoji="1" lang="ko-KR" altLang="en-US" sz="2800" b="1" u="sng" dirty="0">
-                <a:solidFill>
-                  <a:srgbClr val="3D3D3D"/>
-                </a:solidFill>
-                <a:latin typeface="NanumSquareRound Regular" panose="020B0600000101010101" pitchFamily="34" charset="-127"/>
-                <a:ea typeface="NanumSquareRound Regular" panose="020B0600000101010101" pitchFamily="34" charset="-127"/>
-              </a:rPr>
-              <a:t>서바이벌</a:t>
-            </a:r>
-            <a:r>
-              <a:rPr kumimoji="1" lang="en-US" altLang="ko-KR" b="1" u="sng" dirty="0">
-                <a:solidFill>
-                  <a:srgbClr val="3D3D3D"/>
-                </a:solidFill>
-                <a:latin typeface="NanumSquareRound Regular" panose="020B0600000101010101" pitchFamily="34" charset="-127"/>
-                <a:ea typeface="NanumSquareRound Regular" panose="020B0600000101010101" pitchFamily="34" charset="-127"/>
-              </a:rPr>
-              <a:t>,</a:t>
-            </a:r>
-            <a:r>
-              <a:rPr kumimoji="1" lang="ko-KR" altLang="en-US" b="1" u="sng" dirty="0">
-                <a:solidFill>
-                  <a:srgbClr val="3D3D3D"/>
-                </a:solidFill>
-                <a:latin typeface="NanumSquareRound Regular" panose="020B0600000101010101" pitchFamily="34" charset="-127"/>
-                <a:ea typeface="NanumSquareRound Regular" panose="020B0600000101010101" pitchFamily="34" charset="-127"/>
-              </a:rPr>
-              <a:t> 다수결</a:t>
+              <a:rPr kumimoji="1" lang="ko-KR" altLang="en-US" sz="3200" b="1" u="sng" dirty="0">
+                <a:solidFill>
+                  <a:srgbClr val="3D3D3D"/>
+                </a:solidFill>
+                <a:latin typeface="NanumSquareRound Regular" panose="020B0600000101010101" pitchFamily="34" charset="-127"/>
+                <a:ea typeface="NanumSquareRound Regular" panose="020B0600000101010101" pitchFamily="34" charset="-127"/>
+              </a:rPr>
+              <a:t>다수결</a:t>
             </a:r>
             <a:endParaRPr kumimoji="1" lang="en-US" altLang="ko-KR" b="1" u="sng" dirty="0">
               <a:solidFill>
@@ -8089,10 +8338,10 @@
       </p:sp>
       <p:sp>
         <p:nvSpPr>
-          <p:cNvPr id="5" name="직사각형 4">
+          <p:cNvPr id="6" name="직사각형 5">
             <a:extLst>
               <a:ext uri="{FF2B5EF4-FFF2-40B4-BE49-F238E27FC236}">
-                <a16:creationId xmlns:a16="http://schemas.microsoft.com/office/drawing/2014/main" id="{E326C895-176C-E34D-BAF5-D3DACBCF5793}"/>
+                <a16:creationId xmlns:a16="http://schemas.microsoft.com/office/drawing/2014/main" id="{48C64E32-97A8-A74B-A545-5C81E358428F}"/>
               </a:ext>
             </a:extLst>
           </p:cNvPr>
@@ -8101,73 +8350,169 @@
         </p:nvSpPr>
         <p:spPr>
           <a:xfrm>
-            <a:off x="377952" y="1559433"/>
-            <a:ext cx="6096000" cy="738664"/>
+            <a:off x="957918" y="5585391"/>
+            <a:ext cx="3449086" cy="1030731"/>
           </a:xfrm>
           <a:prstGeom prst="rect">
             <a:avLst/>
           </a:prstGeom>
         </p:spPr>
         <p:txBody>
-          <a:bodyPr wrap="square">
+          <a:bodyPr wrap="none">
             <a:spAutoFit/>
           </a:bodyPr>
           <a:lstStyle/>
           <a:p>
-            <a:r>
-              <a:rPr lang="ko-KR" altLang="en-US" sz="1400" dirty="0"/>
-              <a:t>모델 </a:t>
-            </a:r>
-            <a:r>
-              <a:rPr lang="en-US" altLang="ko-KR" sz="1400" dirty="0"/>
+            <a:pPr lvl="1" algn="ctr">
+              <a:lnSpc>
+                <a:spcPct val="150000"/>
+              </a:lnSpc>
+            </a:pPr>
+            <a:r>
+              <a:rPr kumimoji="1" lang="en-US" altLang="ko-KR" sz="1400" dirty="0">
+                <a:solidFill>
+                  <a:srgbClr val="3D3D3D"/>
+                </a:solidFill>
+                <a:latin typeface="NanumSquareRound Regular" panose="020B0600000101010101" pitchFamily="34" charset="-127"/>
+                <a:ea typeface="NanumSquareRound Regular" panose="020B0600000101010101" pitchFamily="34" charset="-127"/>
+              </a:rPr>
+              <a:t>[</a:t>
+            </a:r>
+            <a:r>
+              <a:rPr kumimoji="1" lang="ko-KR" altLang="en-US" sz="1400" dirty="0">
+                <a:solidFill>
+                  <a:srgbClr val="3D3D3D"/>
+                </a:solidFill>
+                <a:latin typeface="NanumSquareRound Regular" panose="020B0600000101010101" pitchFamily="34" charset="-127"/>
+                <a:ea typeface="NanumSquareRound Regular" panose="020B0600000101010101" pitchFamily="34" charset="-127"/>
+              </a:rPr>
+              <a:t>다수결 버전 </a:t>
+            </a:r>
+            <a:r>
+              <a:rPr kumimoji="1" lang="en-US" altLang="ko-KR" sz="1400" dirty="0">
+                <a:solidFill>
+                  <a:srgbClr val="3D3D3D"/>
+                </a:solidFill>
+                <a:latin typeface="NanumSquareRound Regular" panose="020B0600000101010101" pitchFamily="34" charset="-127"/>
+                <a:ea typeface="NanumSquareRound Regular" panose="020B0600000101010101" pitchFamily="34" charset="-127"/>
+              </a:rPr>
+              <a:t>-</a:t>
+            </a:r>
+            <a:r>
+              <a:rPr kumimoji="1" lang="ko-KR" altLang="en-US" sz="1400" dirty="0">
+                <a:solidFill>
+                  <a:srgbClr val="3D3D3D"/>
+                </a:solidFill>
+                <a:latin typeface="NanumSquareRound Regular" panose="020B0600000101010101" pitchFamily="34" charset="-127"/>
+                <a:ea typeface="NanumSquareRound Regular" panose="020B0600000101010101" pitchFamily="34" charset="-127"/>
+              </a:rPr>
+              <a:t> 모델 </a:t>
+            </a:r>
+            <a:r>
+              <a:rPr kumimoji="1" lang="en-US" altLang="ko-KR" sz="1400" dirty="0">
+                <a:solidFill>
+                  <a:srgbClr val="3D3D3D"/>
+                </a:solidFill>
+                <a:latin typeface="NanumSquareRound Regular" panose="020B0600000101010101" pitchFamily="34" charset="-127"/>
+                <a:ea typeface="NanumSquareRound Regular" panose="020B0600000101010101" pitchFamily="34" charset="-127"/>
+              </a:rPr>
               <a:t>5</a:t>
             </a:r>
             <a:r>
-              <a:rPr lang="ko-KR" altLang="en-US" sz="1400" dirty="0"/>
-              <a:t>개 </a:t>
-            </a:r>
-            <a:r>
-              <a:rPr lang="en-US" altLang="ko-KR" sz="1400" dirty="0"/>
-              <a:t>-&gt;</a:t>
-            </a:r>
-            <a:r>
-              <a:rPr lang="ko-KR" altLang="en-US" sz="1400" dirty="0"/>
-              <a:t> </a:t>
-            </a:r>
-            <a:r>
-              <a:rPr lang="en-US" altLang="ko-KR" sz="1400" dirty="0"/>
-              <a:t>10</a:t>
-            </a:r>
-            <a:r>
-              <a:rPr lang="ko-KR" altLang="en-US" sz="1400" dirty="0"/>
+              <a:rPr kumimoji="1" lang="ko-KR" altLang="en-US" sz="1400" dirty="0">
+                <a:solidFill>
+                  <a:srgbClr val="3D3D3D"/>
+                </a:solidFill>
+                <a:latin typeface="NanumSquareRound Regular" panose="020B0600000101010101" pitchFamily="34" charset="-127"/>
+                <a:ea typeface="NanumSquareRound Regular" panose="020B0600000101010101" pitchFamily="34" charset="-127"/>
+              </a:rPr>
               <a:t>개</a:t>
             </a:r>
-            <a:endParaRPr lang="en-US" altLang="ko-KR" sz="1400" dirty="0"/>
-          </a:p>
-          <a:p>
-            <a:r>
-              <a:rPr lang="ko-KR" altLang="en-US" sz="1400" dirty="0"/>
-              <a:t>데이터 </a:t>
-            </a:r>
-            <a:r>
-              <a:rPr lang="ko-KR" altLang="en-US" sz="1400" dirty="0" err="1"/>
-              <a:t>셔블</a:t>
-            </a:r>
-            <a:r>
-              <a:rPr lang="ko-KR" altLang="en-US" sz="1400" dirty="0"/>
-              <a:t> 추가해서 다시 돌려봄</a:t>
-            </a:r>
-            <a:endParaRPr lang="en-US" altLang="ko-KR" sz="1400" dirty="0"/>
-          </a:p>
-          <a:p>
-            <a:endParaRPr lang="ko-Kore-KR" altLang="en-US" sz="1400" dirty="0"/>
-          </a:p>
-        </p:txBody>
-      </p:sp>
+            <a:r>
+              <a:rPr kumimoji="1" lang="en-US" altLang="ko-KR" sz="1400" dirty="0">
+                <a:solidFill>
+                  <a:srgbClr val="3D3D3D"/>
+                </a:solidFill>
+                <a:latin typeface="NanumSquareRound Regular" panose="020B0600000101010101" pitchFamily="34" charset="-127"/>
+                <a:ea typeface="NanumSquareRound Regular" panose="020B0600000101010101" pitchFamily="34" charset="-127"/>
+              </a:rPr>
+              <a:t>]</a:t>
+            </a:r>
+          </a:p>
+          <a:p>
+            <a:pPr marL="742950" lvl="1" indent="-285750">
+              <a:lnSpc>
+                <a:spcPct val="150000"/>
+              </a:lnSpc>
+              <a:buFont typeface="Arial" panose="020B0604020202020204" pitchFamily="34" charset="0"/>
+              <a:buChar char="•"/>
+            </a:pPr>
+            <a:r>
+              <a:rPr kumimoji="1" lang="en-US" altLang="ko-KR" sz="1400" dirty="0">
+                <a:solidFill>
+                  <a:srgbClr val="3D3D3D"/>
+                </a:solidFill>
+                <a:latin typeface="NanumSquareRound Regular" panose="020B0600000101010101" pitchFamily="34" charset="-127"/>
+                <a:ea typeface="NanumSquareRound Regular" panose="020B0600000101010101" pitchFamily="34" charset="-127"/>
+              </a:rPr>
+              <a:t>100epoch accuracy 87.880%</a:t>
+            </a:r>
+          </a:p>
+          <a:p>
+            <a:pPr marL="742950" lvl="1" indent="-285750">
+              <a:lnSpc>
+                <a:spcPct val="150000"/>
+              </a:lnSpc>
+              <a:buFont typeface="Arial" panose="020B0604020202020204" pitchFamily="34" charset="0"/>
+              <a:buChar char="•"/>
+            </a:pPr>
+            <a:r>
+              <a:rPr kumimoji="1" lang="en-US" altLang="ko-KR" sz="1400" dirty="0">
+                <a:solidFill>
+                  <a:srgbClr val="3D3D3D"/>
+                </a:solidFill>
+                <a:latin typeface="NanumSquareRound Regular" panose="020B0600000101010101" pitchFamily="34" charset="-127"/>
+                <a:ea typeface="NanumSquareRound Regular" panose="020B0600000101010101" pitchFamily="34" charset="-127"/>
+              </a:rPr>
+              <a:t>200epoch accuracy : 96.620%</a:t>
+            </a:r>
+          </a:p>
+        </p:txBody>
+      </p:sp>
+      <p:pic>
+        <p:nvPicPr>
+          <p:cNvPr id="3" name="그림 2">
+            <a:extLst>
+              <a:ext uri="{FF2B5EF4-FFF2-40B4-BE49-F238E27FC236}">
+                <a16:creationId xmlns:a16="http://schemas.microsoft.com/office/drawing/2014/main" id="{FA36DF0D-B320-524A-8DC3-D8B0974846AF}"/>
+              </a:ext>
+            </a:extLst>
+          </p:cNvPr>
+          <p:cNvPicPr>
+            <a:picLocks noChangeAspect="1"/>
+          </p:cNvPicPr>
+          <p:nvPr/>
+        </p:nvPicPr>
+        <p:blipFill>
+          <a:blip r:embed="rId3"/>
+          <a:stretch>
+            <a:fillRect/>
+          </a:stretch>
+        </p:blipFill>
+        <p:spPr>
+          <a:xfrm>
+            <a:off x="0" y="1061358"/>
+            <a:ext cx="5842000" cy="4381500"/>
+          </a:xfrm>
+          <a:prstGeom prst="rect">
+            <a:avLst/>
+          </a:prstGeom>
+        </p:spPr>
+      </p:pic>
     </p:spTree>
     <p:extLst>
       <p:ext uri="{BB962C8B-B14F-4D97-AF65-F5344CB8AC3E}">
-        <p14:creationId xmlns:p14="http://schemas.microsoft.com/office/powerpoint/2010/main" val="2836668218"/>
+        <p14:creationId xmlns:p14="http://schemas.microsoft.com/office/powerpoint/2010/main" val="20366057"/>
       </p:ext>
     </p:extLst>
   </p:cSld>
@@ -8209,7 +8554,7 @@
         <p:spPr>
           <a:xfrm>
             <a:off x="106326" y="202019"/>
-            <a:ext cx="11889731" cy="759952"/>
+            <a:ext cx="11889731" cy="676532"/>
           </a:xfrm>
           <a:prstGeom prst="rect">
             <a:avLst/>
@@ -8255,6 +8600,474 @@
                 <a:latin typeface="NanumSquareRound Regular" panose="020B0600000101010101" pitchFamily="34" charset="-127"/>
                 <a:ea typeface="NanumSquareRound Regular" panose="020B0600000101010101" pitchFamily="34" charset="-127"/>
               </a:rPr>
+              <a:t> </a:t>
+            </a:r>
+            <a:r>
+              <a:rPr kumimoji="1" lang="ko-KR" altLang="en-US" sz="2800" b="1" u="sng" dirty="0">
+                <a:solidFill>
+                  <a:srgbClr val="3D3D3D"/>
+                </a:solidFill>
+                <a:latin typeface="NanumSquareRound Regular" panose="020B0600000101010101" pitchFamily="34" charset="-127"/>
+                <a:ea typeface="NanumSquareRound Regular" panose="020B0600000101010101" pitchFamily="34" charset="-127"/>
+              </a:rPr>
+              <a:t>앙상블</a:t>
+            </a:r>
+            <a:r>
+              <a:rPr kumimoji="1" lang="en-US" altLang="ko-KR" sz="2800" b="1" u="sng" dirty="0">
+                <a:solidFill>
+                  <a:srgbClr val="3D3D3D"/>
+                </a:solidFill>
+                <a:latin typeface="NanumSquareRound Regular" panose="020B0600000101010101" pitchFamily="34" charset="-127"/>
+                <a:ea typeface="NanumSquareRound Regular" panose="020B0600000101010101" pitchFamily="34" charset="-127"/>
+              </a:rPr>
+              <a:t>(</a:t>
+            </a:r>
+            <a:r>
+              <a:rPr kumimoji="1" lang="ko-KR" altLang="en-US" sz="2800" b="1" u="sng" dirty="0">
+                <a:solidFill>
+                  <a:srgbClr val="3D3D3D"/>
+                </a:solidFill>
+                <a:latin typeface="NanumSquareRound Regular" panose="020B0600000101010101" pitchFamily="34" charset="-127"/>
+                <a:ea typeface="NanumSquareRound Regular" panose="020B0600000101010101" pitchFamily="34" charset="-127"/>
+              </a:rPr>
+              <a:t>소프트 </a:t>
+            </a:r>
+            <a:r>
+              <a:rPr kumimoji="1" lang="ko-KR" altLang="en-US" sz="2800" b="1" u="sng" dirty="0" err="1">
+                <a:solidFill>
+                  <a:srgbClr val="3D3D3D"/>
+                </a:solidFill>
+                <a:latin typeface="NanumSquareRound Regular" panose="020B0600000101010101" pitchFamily="34" charset="-127"/>
+                <a:ea typeface="NanumSquareRound Regular" panose="020B0600000101010101" pitchFamily="34" charset="-127"/>
+              </a:rPr>
+              <a:t>보팅</a:t>
+            </a:r>
+            <a:r>
+              <a:rPr kumimoji="1" lang="en-US" altLang="ko-KR" sz="2800" b="1" u="sng" dirty="0">
+                <a:solidFill>
+                  <a:srgbClr val="3D3D3D"/>
+                </a:solidFill>
+                <a:latin typeface="NanumSquareRound Regular" panose="020B0600000101010101" pitchFamily="34" charset="-127"/>
+                <a:ea typeface="NanumSquareRound Regular" panose="020B0600000101010101" pitchFamily="34" charset="-127"/>
+              </a:rPr>
+              <a:t>),</a:t>
+            </a:r>
+            <a:r>
+              <a:rPr kumimoji="1" lang="ko-KR" altLang="en-US" sz="2800" b="1" u="sng" dirty="0">
+                <a:solidFill>
+                  <a:srgbClr val="3D3D3D"/>
+                </a:solidFill>
+                <a:latin typeface="NanumSquareRound Regular" panose="020B0600000101010101" pitchFamily="34" charset="-127"/>
+                <a:ea typeface="NanumSquareRound Regular" panose="020B0600000101010101" pitchFamily="34" charset="-127"/>
+              </a:rPr>
+              <a:t> </a:t>
+            </a:r>
+            <a:r>
+              <a:rPr kumimoji="1" lang="ko-KR" altLang="en-US" b="1" u="sng" dirty="0">
+                <a:solidFill>
+                  <a:srgbClr val="3D3D3D"/>
+                </a:solidFill>
+                <a:latin typeface="NanumSquareRound Regular" panose="020B0600000101010101" pitchFamily="34" charset="-127"/>
+                <a:ea typeface="NanumSquareRound Regular" panose="020B0600000101010101" pitchFamily="34" charset="-127"/>
+              </a:rPr>
+              <a:t>서바이벌</a:t>
+            </a:r>
+            <a:r>
+              <a:rPr kumimoji="1" lang="en-US" altLang="ko-KR" b="1" u="sng" dirty="0">
+                <a:solidFill>
+                  <a:srgbClr val="3D3D3D"/>
+                </a:solidFill>
+                <a:latin typeface="NanumSquareRound Regular" panose="020B0600000101010101" pitchFamily="34" charset="-127"/>
+                <a:ea typeface="NanumSquareRound Regular" panose="020B0600000101010101" pitchFamily="34" charset="-127"/>
+              </a:rPr>
+              <a:t>,</a:t>
+            </a:r>
+            <a:r>
+              <a:rPr kumimoji="1" lang="ko-KR" altLang="en-US" b="1" u="sng" dirty="0">
+                <a:solidFill>
+                  <a:srgbClr val="3D3D3D"/>
+                </a:solidFill>
+                <a:latin typeface="NanumSquareRound Regular" panose="020B0600000101010101" pitchFamily="34" charset="-127"/>
+                <a:ea typeface="NanumSquareRound Regular" panose="020B0600000101010101" pitchFamily="34" charset="-127"/>
+              </a:rPr>
+              <a:t> 다수결</a:t>
+            </a:r>
+            <a:endParaRPr kumimoji="1" lang="en-US" altLang="ko-KR" b="1" u="sng" dirty="0">
+              <a:solidFill>
+                <a:srgbClr val="3D3D3D"/>
+              </a:solidFill>
+              <a:latin typeface="NanumSquareRound Regular" panose="020B0600000101010101" pitchFamily="34" charset="-127"/>
+              <a:ea typeface="NanumSquareRound Regular" panose="020B0600000101010101" pitchFamily="34" charset="-127"/>
+            </a:endParaRPr>
+          </a:p>
+        </p:txBody>
+      </p:sp>
+      <p:sp>
+        <p:nvSpPr>
+          <p:cNvPr id="7" name="직사각형 6">
+            <a:extLst>
+              <a:ext uri="{FF2B5EF4-FFF2-40B4-BE49-F238E27FC236}">
+                <a16:creationId xmlns:a16="http://schemas.microsoft.com/office/drawing/2014/main" id="{37CCD722-76D1-EF49-A5A0-038D68FAC94B}"/>
+              </a:ext>
+            </a:extLst>
+          </p:cNvPr>
+          <p:cNvSpPr/>
+          <p:nvPr/>
+        </p:nvSpPr>
+        <p:spPr>
+          <a:xfrm>
+            <a:off x="965841" y="5625250"/>
+            <a:ext cx="4669654" cy="1030731"/>
+          </a:xfrm>
+          <a:prstGeom prst="rect">
+            <a:avLst/>
+          </a:prstGeom>
+        </p:spPr>
+        <p:txBody>
+          <a:bodyPr wrap="square">
+            <a:spAutoFit/>
+          </a:bodyPr>
+          <a:lstStyle/>
+          <a:p>
+            <a:pPr marL="742950" lvl="1" indent="-285750">
+              <a:lnSpc>
+                <a:spcPct val="150000"/>
+              </a:lnSpc>
+              <a:buFont typeface="Arial" panose="020B0604020202020204" pitchFamily="34" charset="0"/>
+              <a:buChar char="•"/>
+            </a:pPr>
+            <a:r>
+              <a:rPr kumimoji="1" lang="ko-KR" altLang="en-US" sz="1400" b="1" dirty="0">
+                <a:solidFill>
+                  <a:srgbClr val="3D3D3D"/>
+                </a:solidFill>
+                <a:latin typeface="NanumSquareRound Regular" panose="020B0600000101010101" pitchFamily="34" charset="-127"/>
+                <a:ea typeface="NanumSquareRound Regular" panose="020B0600000101010101" pitchFamily="34" charset="-127"/>
+              </a:rPr>
+              <a:t> 덧셈 앙상블</a:t>
+            </a:r>
+            <a:endParaRPr kumimoji="1" lang="en-US" altLang="ko-KR" sz="1400" b="1" dirty="0">
+              <a:solidFill>
+                <a:srgbClr val="3D3D3D"/>
+              </a:solidFill>
+              <a:latin typeface="NanumSquareRound Regular" panose="020B0600000101010101" pitchFamily="34" charset="-127"/>
+              <a:ea typeface="NanumSquareRound Regular" panose="020B0600000101010101" pitchFamily="34" charset="-127"/>
+            </a:endParaRPr>
+          </a:p>
+          <a:p>
+            <a:pPr marL="742950" lvl="1" indent="-285750">
+              <a:lnSpc>
+                <a:spcPct val="150000"/>
+              </a:lnSpc>
+              <a:buFont typeface="Arial" panose="020B0604020202020204" pitchFamily="34" charset="0"/>
+              <a:buChar char="•"/>
+            </a:pPr>
+            <a:r>
+              <a:rPr kumimoji="1" lang="en-US" altLang="ko-KR" sz="1400" dirty="0">
+                <a:solidFill>
+                  <a:srgbClr val="3D3D3D"/>
+                </a:solidFill>
+                <a:latin typeface="NanumSquareRound Regular" panose="020B0600000101010101" pitchFamily="34" charset="-127"/>
+                <a:ea typeface="NanumSquareRound Regular" panose="020B0600000101010101" pitchFamily="34" charset="-127"/>
+              </a:rPr>
+              <a:t>100epoch accuracy : 94.960%</a:t>
+            </a:r>
+          </a:p>
+          <a:p>
+            <a:pPr marL="742950" lvl="1" indent="-285750">
+              <a:lnSpc>
+                <a:spcPct val="150000"/>
+              </a:lnSpc>
+              <a:buFont typeface="Arial" panose="020B0604020202020204" pitchFamily="34" charset="0"/>
+              <a:buChar char="•"/>
+            </a:pPr>
+            <a:r>
+              <a:rPr kumimoji="1" lang="en-US" altLang="ko-KR" sz="1400" dirty="0">
+                <a:solidFill>
+                  <a:srgbClr val="3D3D3D"/>
+                </a:solidFill>
+                <a:latin typeface="NanumSquareRound Regular" panose="020B0600000101010101" pitchFamily="34" charset="-127"/>
+                <a:ea typeface="NanumSquareRound Regular" panose="020B0600000101010101" pitchFamily="34" charset="-127"/>
+              </a:rPr>
+              <a:t>200epoch accuracy :  99.980%</a:t>
+            </a:r>
+          </a:p>
+        </p:txBody>
+      </p:sp>
+      <p:grpSp>
+        <p:nvGrpSpPr>
+          <p:cNvPr id="8" name="그룹 7">
+            <a:extLst>
+              <a:ext uri="{FF2B5EF4-FFF2-40B4-BE49-F238E27FC236}">
+                <a16:creationId xmlns:a16="http://schemas.microsoft.com/office/drawing/2014/main" id="{EC142A08-EF61-9A4B-8680-6560C9D1D159}"/>
+              </a:ext>
+            </a:extLst>
+          </p:cNvPr>
+          <p:cNvGrpSpPr/>
+          <p:nvPr/>
+        </p:nvGrpSpPr>
+        <p:grpSpPr>
+          <a:xfrm>
+            <a:off x="254000" y="1061150"/>
+            <a:ext cx="5842000" cy="4381500"/>
+            <a:chOff x="6350000" y="733014"/>
+            <a:chExt cx="5842000" cy="4381500"/>
+          </a:xfrm>
+        </p:grpSpPr>
+        <p:pic>
+          <p:nvPicPr>
+            <p:cNvPr id="9" name="그림 8">
+              <a:extLst>
+                <a:ext uri="{FF2B5EF4-FFF2-40B4-BE49-F238E27FC236}">
+                  <a16:creationId xmlns:a16="http://schemas.microsoft.com/office/drawing/2014/main" id="{83D18AC6-CD26-314F-97B5-4D30494D3BF1}"/>
+                </a:ext>
+              </a:extLst>
+            </p:cNvPr>
+            <p:cNvPicPr>
+              <a:picLocks noChangeAspect="1"/>
+            </p:cNvPicPr>
+            <p:nvPr/>
+          </p:nvPicPr>
+          <p:blipFill>
+            <a:blip r:embed="rId3"/>
+            <a:stretch>
+              <a:fillRect/>
+            </a:stretch>
+          </p:blipFill>
+          <p:spPr>
+            <a:xfrm>
+              <a:off x="6350000" y="733014"/>
+              <a:ext cx="5842000" cy="4381500"/>
+            </a:xfrm>
+            <a:prstGeom prst="rect">
+              <a:avLst/>
+            </a:prstGeom>
+          </p:spPr>
+        </p:pic>
+        <p:sp>
+          <p:nvSpPr>
+            <p:cNvPr id="10" name="직사각형 9">
+              <a:extLst>
+                <a:ext uri="{FF2B5EF4-FFF2-40B4-BE49-F238E27FC236}">
+                  <a16:creationId xmlns:a16="http://schemas.microsoft.com/office/drawing/2014/main" id="{93879E58-0C81-9744-A73B-BF5ADFF9C7A4}"/>
+                </a:ext>
+              </a:extLst>
+            </p:cNvPr>
+            <p:cNvSpPr/>
+            <p:nvPr/>
+          </p:nvSpPr>
+          <p:spPr>
+            <a:xfrm>
+              <a:off x="7973568" y="938784"/>
+              <a:ext cx="1011936" cy="292608"/>
+            </a:xfrm>
+            <a:prstGeom prst="rect">
+              <a:avLst/>
+            </a:prstGeom>
+            <a:solidFill>
+              <a:schemeClr val="bg1"/>
+            </a:solidFill>
+            <a:ln>
+              <a:noFill/>
+            </a:ln>
+          </p:spPr>
+          <p:style>
+            <a:lnRef idx="2">
+              <a:schemeClr val="accent1">
+                <a:shade val="50000"/>
+              </a:schemeClr>
+            </a:lnRef>
+            <a:fillRef idx="1">
+              <a:schemeClr val="accent1"/>
+            </a:fillRef>
+            <a:effectRef idx="0">
+              <a:schemeClr val="accent1"/>
+            </a:effectRef>
+            <a:fontRef idx="minor">
+              <a:schemeClr val="lt1"/>
+            </a:fontRef>
+          </p:style>
+          <p:txBody>
+            <a:bodyPr rtlCol="0" anchor="ctr"/>
+            <a:lstStyle/>
+            <a:p>
+              <a:pPr algn="ctr"/>
+              <a:endParaRPr kumimoji="1" lang="ko-Kore-KR" altLang="en-US"/>
+            </a:p>
+          </p:txBody>
+        </p:sp>
+        <p:sp>
+          <p:nvSpPr>
+            <p:cNvPr id="11" name="TextBox 10">
+              <a:extLst>
+                <a:ext uri="{FF2B5EF4-FFF2-40B4-BE49-F238E27FC236}">
+                  <a16:creationId xmlns:a16="http://schemas.microsoft.com/office/drawing/2014/main" id="{05AE0A7B-9995-8448-A5EE-DB2D68511B70}"/>
+                </a:ext>
+              </a:extLst>
+            </p:cNvPr>
+            <p:cNvSpPr txBox="1"/>
+            <p:nvPr/>
+          </p:nvSpPr>
+          <p:spPr>
+            <a:xfrm>
+              <a:off x="8205216" y="960191"/>
+              <a:ext cx="1011936" cy="307777"/>
+            </a:xfrm>
+            <a:prstGeom prst="rect">
+              <a:avLst/>
+            </a:prstGeom>
+            <a:noFill/>
+          </p:spPr>
+          <p:txBody>
+            <a:bodyPr wrap="square" rtlCol="0">
+              <a:spAutoFit/>
+            </a:bodyPr>
+            <a:lstStyle/>
+            <a:p>
+              <a:r>
+                <a:rPr kumimoji="1" lang="en-US" altLang="ko-Kore-KR" sz="1400" dirty="0">
+                  <a:solidFill>
+                    <a:schemeClr val="bg2">
+                      <a:lumMod val="25000"/>
+                    </a:schemeClr>
+                  </a:solidFill>
+                  <a:latin typeface="+mn-ea"/>
+                </a:rPr>
+                <a:t>Addition</a:t>
+              </a:r>
+              <a:endParaRPr kumimoji="1" lang="ko-Kore-KR" altLang="en-US" sz="1400" dirty="0">
+                <a:solidFill>
+                  <a:schemeClr val="bg2">
+                    <a:lumMod val="25000"/>
+                  </a:schemeClr>
+                </a:solidFill>
+                <a:latin typeface="+mn-ea"/>
+              </a:endParaRPr>
+            </a:p>
+          </p:txBody>
+        </p:sp>
+      </p:grpSp>
+    </p:spTree>
+    <p:extLst>
+      <p:ext uri="{BB962C8B-B14F-4D97-AF65-F5344CB8AC3E}">
+        <p14:creationId xmlns:p14="http://schemas.microsoft.com/office/powerpoint/2010/main" val="1274646796"/>
+      </p:ext>
+    </p:extLst>
+  </p:cSld>
+  <p:clrMapOvr>
+    <a:masterClrMapping/>
+  </p:clrMapOvr>
+</p:sld>
+</file>
+
+<file path=ppt/slides/slide17.xml><?xml version="1.0" encoding="utf-8"?>
+<p:sld xmlns:a="http://schemas.openxmlformats.org/drawingml/2006/main" xmlns:r="http://schemas.openxmlformats.org/officeDocument/2006/relationships" xmlns:p="http://schemas.openxmlformats.org/presentationml/2006/main">
+  <p:cSld>
+    <p:spTree>
+      <p:nvGrpSpPr>
+        <p:cNvPr id="1" name=""/>
+        <p:cNvGrpSpPr/>
+        <p:nvPr/>
+      </p:nvGrpSpPr>
+      <p:grpSpPr>
+        <a:xfrm>
+          <a:off x="0" y="0"/>
+          <a:ext cx="0" cy="0"/>
+          <a:chOff x="0" y="0"/>
+          <a:chExt cx="0" cy="0"/>
+        </a:xfrm>
+      </p:grpSpPr>
+      <p:pic>
+        <p:nvPicPr>
+          <p:cNvPr id="12" name="그림 11">
+            <a:extLst>
+              <a:ext uri="{FF2B5EF4-FFF2-40B4-BE49-F238E27FC236}">
+                <a16:creationId xmlns:a16="http://schemas.microsoft.com/office/drawing/2014/main" id="{0569F464-69E5-024A-8ACA-89193A4B1E76}"/>
+              </a:ext>
+            </a:extLst>
+          </p:cNvPr>
+          <p:cNvPicPr>
+            <a:picLocks noChangeAspect="1"/>
+          </p:cNvPicPr>
+          <p:nvPr/>
+        </p:nvPicPr>
+        <p:blipFill>
+          <a:blip r:embed="rId3"/>
+          <a:stretch>
+            <a:fillRect/>
+          </a:stretch>
+        </p:blipFill>
+        <p:spPr>
+          <a:xfrm>
+            <a:off x="4524753" y="728192"/>
+            <a:ext cx="3512505" cy="2634379"/>
+          </a:xfrm>
+          <a:prstGeom prst="rect">
+            <a:avLst/>
+          </a:prstGeom>
+        </p:spPr>
+      </p:pic>
+      <p:sp>
+        <p:nvSpPr>
+          <p:cNvPr id="4" name="TextBox 3">
+            <a:extLst>
+              <a:ext uri="{FF2B5EF4-FFF2-40B4-BE49-F238E27FC236}">
+                <a16:creationId xmlns:a16="http://schemas.microsoft.com/office/drawing/2014/main" id="{9790CE72-C451-F647-B0EB-9967502E3A02}"/>
+              </a:ext>
+            </a:extLst>
+          </p:cNvPr>
+          <p:cNvSpPr txBox="1"/>
+          <p:nvPr/>
+        </p:nvSpPr>
+        <p:spPr>
+          <a:xfrm>
+            <a:off x="106326" y="202019"/>
+            <a:ext cx="11889731" cy="467885"/>
+          </a:xfrm>
+          <a:prstGeom prst="rect">
+            <a:avLst/>
+          </a:prstGeom>
+          <a:noFill/>
+        </p:spPr>
+        <p:txBody>
+          <a:bodyPr wrap="square" rtlCol="0">
+            <a:spAutoFit/>
+          </a:bodyPr>
+          <a:lstStyle/>
+          <a:p>
+            <a:pPr>
+              <a:lnSpc>
+                <a:spcPct val="150000"/>
+              </a:lnSpc>
+            </a:pPr>
+            <a:r>
+              <a:rPr kumimoji="1" lang="ko-KR" altLang="en-US" b="1" u="sng" dirty="0">
+                <a:solidFill>
+                  <a:srgbClr val="3D3D3D"/>
+                </a:solidFill>
+                <a:latin typeface="NanumSquareRound Regular" panose="020B0600000101010101" pitchFamily="34" charset="-127"/>
+                <a:ea typeface="NanumSquareRound Regular" panose="020B0600000101010101" pitchFamily="34" charset="-127"/>
+              </a:rPr>
+              <a:t>덧셈 성능 확인 </a:t>
+            </a:r>
+            <a:r>
+              <a:rPr kumimoji="1" lang="en-US" altLang="ko-KR" b="1" u="sng" dirty="0">
+                <a:solidFill>
+                  <a:srgbClr val="3D3D3D"/>
+                </a:solidFill>
+                <a:latin typeface="NanumSquareRound Regular" panose="020B0600000101010101" pitchFamily="34" charset="-127"/>
+                <a:ea typeface="NanumSquareRound Regular" panose="020B0600000101010101" pitchFamily="34" charset="-127"/>
+              </a:rPr>
+              <a:t>–</a:t>
+            </a:r>
+            <a:r>
+              <a:rPr kumimoji="1" lang="ko-KR" altLang="en-US" b="1" u="sng" dirty="0">
+                <a:solidFill>
+                  <a:srgbClr val="3D3D3D"/>
+                </a:solidFill>
+                <a:latin typeface="NanumSquareRound Regular" panose="020B0600000101010101" pitchFamily="34" charset="-127"/>
+                <a:ea typeface="NanumSquareRound Regular" panose="020B0600000101010101" pitchFamily="34" charset="-127"/>
+              </a:rPr>
               <a:t> 앙상블</a:t>
             </a:r>
             <a:r>
@@ -8325,17 +9138,853 @@
                 <a:latin typeface="NanumSquareRound Regular" panose="020B0600000101010101" pitchFamily="34" charset="-127"/>
                 <a:ea typeface="NanumSquareRound Regular" panose="020B0600000101010101" pitchFamily="34" charset="-127"/>
               </a:rPr>
+              <a:t> 다수결</a:t>
+            </a:r>
+            <a:endParaRPr kumimoji="1" lang="en-US" altLang="ko-KR" b="1" u="sng" dirty="0">
+              <a:solidFill>
+                <a:srgbClr val="3D3D3D"/>
+              </a:solidFill>
+              <a:latin typeface="NanumSquareRound Regular" panose="020B0600000101010101" pitchFamily="34" charset="-127"/>
+              <a:ea typeface="NanumSquareRound Regular" panose="020B0600000101010101" pitchFamily="34" charset="-127"/>
+            </a:endParaRPr>
+          </a:p>
+        </p:txBody>
+      </p:sp>
+      <p:grpSp>
+        <p:nvGrpSpPr>
+          <p:cNvPr id="8" name="그룹 7">
+            <a:extLst>
+              <a:ext uri="{FF2B5EF4-FFF2-40B4-BE49-F238E27FC236}">
+                <a16:creationId xmlns:a16="http://schemas.microsoft.com/office/drawing/2014/main" id="{EC142A08-EF61-9A4B-8680-6560C9D1D159}"/>
+              </a:ext>
+            </a:extLst>
+          </p:cNvPr>
+          <p:cNvGrpSpPr/>
+          <p:nvPr/>
+        </p:nvGrpSpPr>
+        <p:grpSpPr>
+          <a:xfrm>
+            <a:off x="0" y="1620809"/>
+            <a:ext cx="4311639" cy="2985946"/>
+            <a:chOff x="6350000" y="733014"/>
+            <a:chExt cx="5842000" cy="4381500"/>
+          </a:xfrm>
+        </p:grpSpPr>
+        <p:pic>
+          <p:nvPicPr>
+            <p:cNvPr id="9" name="그림 8">
+              <a:extLst>
+                <a:ext uri="{FF2B5EF4-FFF2-40B4-BE49-F238E27FC236}">
+                  <a16:creationId xmlns:a16="http://schemas.microsoft.com/office/drawing/2014/main" id="{83D18AC6-CD26-314F-97B5-4D30494D3BF1}"/>
+                </a:ext>
+              </a:extLst>
+            </p:cNvPr>
+            <p:cNvPicPr>
+              <a:picLocks noChangeAspect="1"/>
+            </p:cNvPicPr>
+            <p:nvPr/>
+          </p:nvPicPr>
+          <p:blipFill>
+            <a:blip r:embed="rId4"/>
+            <a:stretch>
+              <a:fillRect/>
+            </a:stretch>
+          </p:blipFill>
+          <p:spPr>
+            <a:xfrm>
+              <a:off x="6350000" y="733014"/>
+              <a:ext cx="5842000" cy="4381500"/>
+            </a:xfrm>
+            <a:prstGeom prst="rect">
+              <a:avLst/>
+            </a:prstGeom>
+          </p:spPr>
+        </p:pic>
+        <p:sp>
+          <p:nvSpPr>
+            <p:cNvPr id="10" name="직사각형 9">
+              <a:extLst>
+                <a:ext uri="{FF2B5EF4-FFF2-40B4-BE49-F238E27FC236}">
+                  <a16:creationId xmlns:a16="http://schemas.microsoft.com/office/drawing/2014/main" id="{93879E58-0C81-9744-A73B-BF5ADFF9C7A4}"/>
+                </a:ext>
+              </a:extLst>
+            </p:cNvPr>
+            <p:cNvSpPr/>
+            <p:nvPr/>
+          </p:nvSpPr>
+          <p:spPr>
+            <a:xfrm>
+              <a:off x="7973568" y="938784"/>
+              <a:ext cx="1011936" cy="292608"/>
+            </a:xfrm>
+            <a:prstGeom prst="rect">
+              <a:avLst/>
+            </a:prstGeom>
+            <a:solidFill>
+              <a:schemeClr val="bg1"/>
+            </a:solidFill>
+            <a:ln>
+              <a:noFill/>
+            </a:ln>
+          </p:spPr>
+          <p:style>
+            <a:lnRef idx="2">
+              <a:schemeClr val="accent1">
+                <a:shade val="50000"/>
+              </a:schemeClr>
+            </a:lnRef>
+            <a:fillRef idx="1">
+              <a:schemeClr val="accent1"/>
+            </a:fillRef>
+            <a:effectRef idx="0">
+              <a:schemeClr val="accent1"/>
+            </a:effectRef>
+            <a:fontRef idx="minor">
+              <a:schemeClr val="lt1"/>
+            </a:fontRef>
+          </p:style>
+          <p:txBody>
+            <a:bodyPr rtlCol="0" anchor="ctr"/>
+            <a:lstStyle/>
+            <a:p>
+              <a:pPr algn="ctr"/>
+              <a:endParaRPr kumimoji="1" lang="ko-Kore-KR" altLang="en-US"/>
+            </a:p>
+          </p:txBody>
+        </p:sp>
+        <p:sp>
+          <p:nvSpPr>
+            <p:cNvPr id="11" name="TextBox 10">
+              <a:extLst>
+                <a:ext uri="{FF2B5EF4-FFF2-40B4-BE49-F238E27FC236}">
+                  <a16:creationId xmlns:a16="http://schemas.microsoft.com/office/drawing/2014/main" id="{05AE0A7B-9995-8448-A5EE-DB2D68511B70}"/>
+                </a:ext>
+              </a:extLst>
+            </p:cNvPr>
+            <p:cNvSpPr txBox="1"/>
+            <p:nvPr/>
+          </p:nvSpPr>
+          <p:spPr>
+            <a:xfrm>
+              <a:off x="8192315" y="955471"/>
+              <a:ext cx="1011936" cy="372590"/>
+            </a:xfrm>
+            <a:prstGeom prst="rect">
+              <a:avLst/>
+            </a:prstGeom>
+            <a:noFill/>
+          </p:spPr>
+          <p:txBody>
+            <a:bodyPr wrap="square" rtlCol="0">
+              <a:spAutoFit/>
+            </a:bodyPr>
+            <a:lstStyle/>
+            <a:p>
+              <a:r>
+                <a:rPr kumimoji="1" lang="en-US" altLang="ko-Kore-KR" sz="1050" dirty="0">
+                  <a:solidFill>
+                    <a:schemeClr val="bg2">
+                      <a:lumMod val="25000"/>
+                    </a:schemeClr>
+                  </a:solidFill>
+                  <a:latin typeface="+mn-ea"/>
+                </a:rPr>
+                <a:t>Addition</a:t>
+              </a:r>
+              <a:endParaRPr kumimoji="1" lang="ko-Kore-KR" altLang="en-US" sz="1050" dirty="0">
+                <a:solidFill>
+                  <a:schemeClr val="bg2">
+                    <a:lumMod val="25000"/>
+                  </a:schemeClr>
+                </a:solidFill>
+                <a:latin typeface="+mn-ea"/>
+              </a:endParaRPr>
+            </a:p>
+          </p:txBody>
+        </p:sp>
+      </p:grpSp>
+      <p:pic>
+        <p:nvPicPr>
+          <p:cNvPr id="13" name="그림 12">
+            <a:extLst>
+              <a:ext uri="{FF2B5EF4-FFF2-40B4-BE49-F238E27FC236}">
+                <a16:creationId xmlns:a16="http://schemas.microsoft.com/office/drawing/2014/main" id="{B793F985-DEED-9948-8426-1525AA098D58}"/>
+              </a:ext>
+            </a:extLst>
+          </p:cNvPr>
+          <p:cNvPicPr>
+            <a:picLocks noChangeAspect="1"/>
+          </p:cNvPicPr>
+          <p:nvPr/>
+        </p:nvPicPr>
+        <p:blipFill>
+          <a:blip r:embed="rId5"/>
+          <a:stretch>
+            <a:fillRect/>
+          </a:stretch>
+        </p:blipFill>
+        <p:spPr>
+          <a:xfrm>
+            <a:off x="8263748" y="1620809"/>
+            <a:ext cx="3981261" cy="2985946"/>
+          </a:xfrm>
+          <a:prstGeom prst="rect">
+            <a:avLst/>
+          </a:prstGeom>
+        </p:spPr>
+      </p:pic>
+      <p:sp>
+        <p:nvSpPr>
+          <p:cNvPr id="14" name="직사각형 13">
+            <a:extLst>
+              <a:ext uri="{FF2B5EF4-FFF2-40B4-BE49-F238E27FC236}">
+                <a16:creationId xmlns:a16="http://schemas.microsoft.com/office/drawing/2014/main" id="{EA9041A4-96A4-CD4F-A4B7-612F6FDDEAD3}"/>
+              </a:ext>
+            </a:extLst>
+          </p:cNvPr>
+          <p:cNvSpPr/>
+          <p:nvPr/>
+        </p:nvSpPr>
+        <p:spPr>
+          <a:xfrm>
+            <a:off x="5787418" y="343791"/>
+            <a:ext cx="2874505" cy="384401"/>
+          </a:xfrm>
+          <a:prstGeom prst="rect">
+            <a:avLst/>
+          </a:prstGeom>
+        </p:spPr>
+        <p:txBody>
+          <a:bodyPr wrap="none">
+            <a:spAutoFit/>
+          </a:bodyPr>
+          <a:lstStyle/>
+          <a:p>
+            <a:pPr marL="742950" lvl="1" indent="-285750">
+              <a:lnSpc>
+                <a:spcPct val="150000"/>
+              </a:lnSpc>
+              <a:buFont typeface="Arial" panose="020B0604020202020204" pitchFamily="34" charset="0"/>
+              <a:buChar char="•"/>
+            </a:pPr>
+            <a:r>
+              <a:rPr kumimoji="1" lang="ko-KR" altLang="en-US" sz="1400" dirty="0">
+                <a:solidFill>
+                  <a:srgbClr val="3D3D3D"/>
+                </a:solidFill>
+                <a:latin typeface="NanumSquareRound Regular" panose="020B0600000101010101" pitchFamily="34" charset="-127"/>
+                <a:ea typeface="NanumSquareRound Regular" panose="020B0600000101010101" pitchFamily="34" charset="-127"/>
+              </a:rPr>
+              <a:t>서바이벌 버전 </a:t>
+            </a:r>
+            <a:r>
+              <a:rPr kumimoji="1" lang="en-US" altLang="ko-KR" sz="1400" dirty="0">
+                <a:solidFill>
+                  <a:srgbClr val="3D3D3D"/>
+                </a:solidFill>
+                <a:latin typeface="NanumSquareRound Regular" panose="020B0600000101010101" pitchFamily="34" charset="-127"/>
+                <a:ea typeface="NanumSquareRound Regular" panose="020B0600000101010101" pitchFamily="34" charset="-127"/>
+              </a:rPr>
+              <a:t>–</a:t>
+            </a:r>
+            <a:r>
+              <a:rPr kumimoji="1" lang="ko-KR" altLang="en-US" sz="1400" dirty="0">
+                <a:solidFill>
+                  <a:srgbClr val="3D3D3D"/>
+                </a:solidFill>
+                <a:latin typeface="NanumSquareRound Regular" panose="020B0600000101010101" pitchFamily="34" charset="-127"/>
+                <a:ea typeface="NanumSquareRound Regular" panose="020B0600000101010101" pitchFamily="34" charset="-127"/>
+              </a:rPr>
+              <a:t> 모델 </a:t>
+            </a:r>
+            <a:r>
+              <a:rPr kumimoji="1" lang="en-US" altLang="ko-KR" sz="1400" dirty="0">
+                <a:solidFill>
+                  <a:srgbClr val="3D3D3D"/>
+                </a:solidFill>
+                <a:latin typeface="NanumSquareRound Regular" panose="020B0600000101010101" pitchFamily="34" charset="-127"/>
+                <a:ea typeface="NanumSquareRound Regular" panose="020B0600000101010101" pitchFamily="34" charset="-127"/>
+              </a:rPr>
+              <a:t>10</a:t>
+            </a:r>
+            <a:r>
+              <a:rPr kumimoji="1" lang="ko-KR" altLang="en-US" sz="1400" dirty="0">
+                <a:solidFill>
+                  <a:srgbClr val="3D3D3D"/>
+                </a:solidFill>
+                <a:latin typeface="NanumSquareRound Regular" panose="020B0600000101010101" pitchFamily="34" charset="-127"/>
+                <a:ea typeface="NanumSquareRound Regular" panose="020B0600000101010101" pitchFamily="34" charset="-127"/>
+              </a:rPr>
+              <a:t>개</a:t>
+            </a:r>
+            <a:endParaRPr kumimoji="1" lang="en-US" altLang="ko-KR" sz="1400" dirty="0">
+              <a:solidFill>
+                <a:srgbClr val="3D3D3D"/>
+              </a:solidFill>
+              <a:latin typeface="NanumSquareRound Regular" panose="020B0600000101010101" pitchFamily="34" charset="-127"/>
+              <a:ea typeface="NanumSquareRound Regular" panose="020B0600000101010101" pitchFamily="34" charset="-127"/>
+            </a:endParaRPr>
+          </a:p>
+        </p:txBody>
+      </p:sp>
+      <p:sp>
+        <p:nvSpPr>
+          <p:cNvPr id="15" name="직사각형 14">
+            <a:extLst>
+              <a:ext uri="{FF2B5EF4-FFF2-40B4-BE49-F238E27FC236}">
+                <a16:creationId xmlns:a16="http://schemas.microsoft.com/office/drawing/2014/main" id="{29757DFB-AD32-C648-917B-CB25A5E41FEF}"/>
+              </a:ext>
+            </a:extLst>
+          </p:cNvPr>
+          <p:cNvSpPr/>
+          <p:nvPr/>
+        </p:nvSpPr>
+        <p:spPr>
+          <a:xfrm>
+            <a:off x="-55716" y="4990313"/>
+            <a:ext cx="4669654" cy="1030731"/>
+          </a:xfrm>
+          <a:prstGeom prst="rect">
+            <a:avLst/>
+          </a:prstGeom>
+        </p:spPr>
+        <p:txBody>
+          <a:bodyPr wrap="square">
+            <a:spAutoFit/>
+          </a:bodyPr>
+          <a:lstStyle/>
+          <a:p>
+            <a:pPr marL="742950" lvl="1" indent="-285750">
+              <a:lnSpc>
+                <a:spcPct val="150000"/>
+              </a:lnSpc>
+              <a:buFont typeface="Arial" panose="020B0604020202020204" pitchFamily="34" charset="0"/>
+              <a:buChar char="•"/>
+            </a:pPr>
+            <a:r>
+              <a:rPr kumimoji="1" lang="ko-KR" altLang="en-US" sz="1400" b="1" dirty="0">
+                <a:solidFill>
+                  <a:srgbClr val="3D3D3D"/>
+                </a:solidFill>
+                <a:latin typeface="NanumSquareRound Regular" panose="020B0600000101010101" pitchFamily="34" charset="-127"/>
+                <a:ea typeface="NanumSquareRound Regular" panose="020B0600000101010101" pitchFamily="34" charset="-127"/>
+              </a:rPr>
+              <a:t> 덧셈 앙상블</a:t>
+            </a:r>
+            <a:endParaRPr kumimoji="1" lang="en-US" altLang="ko-KR" sz="1400" b="1" dirty="0">
+              <a:solidFill>
+                <a:srgbClr val="3D3D3D"/>
+              </a:solidFill>
+              <a:latin typeface="NanumSquareRound Regular" panose="020B0600000101010101" pitchFamily="34" charset="-127"/>
+              <a:ea typeface="NanumSquareRound Regular" panose="020B0600000101010101" pitchFamily="34" charset="-127"/>
+            </a:endParaRPr>
+          </a:p>
+          <a:p>
+            <a:pPr marL="742950" lvl="1" indent="-285750">
+              <a:lnSpc>
+                <a:spcPct val="150000"/>
+              </a:lnSpc>
+              <a:buFont typeface="Arial" panose="020B0604020202020204" pitchFamily="34" charset="0"/>
+              <a:buChar char="•"/>
+            </a:pPr>
+            <a:r>
+              <a:rPr kumimoji="1" lang="en-US" altLang="ko-KR" sz="1400" dirty="0">
+                <a:solidFill>
+                  <a:srgbClr val="3D3D3D"/>
+                </a:solidFill>
+                <a:latin typeface="NanumSquareRound Regular" panose="020B0600000101010101" pitchFamily="34" charset="-127"/>
+                <a:ea typeface="NanumSquareRound Regular" panose="020B0600000101010101" pitchFamily="34" charset="-127"/>
+              </a:rPr>
+              <a:t>100epoch accuracy : 94.960%</a:t>
+            </a:r>
+          </a:p>
+          <a:p>
+            <a:pPr marL="742950" lvl="1" indent="-285750">
+              <a:lnSpc>
+                <a:spcPct val="150000"/>
+              </a:lnSpc>
+              <a:buFont typeface="Arial" panose="020B0604020202020204" pitchFamily="34" charset="0"/>
+              <a:buChar char="•"/>
+            </a:pPr>
+            <a:r>
+              <a:rPr kumimoji="1" lang="en-US" altLang="ko-KR" sz="1400" dirty="0">
+                <a:solidFill>
+                  <a:srgbClr val="3D3D3D"/>
+                </a:solidFill>
+                <a:latin typeface="NanumSquareRound Regular" panose="020B0600000101010101" pitchFamily="34" charset="-127"/>
+                <a:ea typeface="NanumSquareRound Regular" panose="020B0600000101010101" pitchFamily="34" charset="-127"/>
+              </a:rPr>
+              <a:t>200epoch accuracy :  99.980%</a:t>
+            </a:r>
+          </a:p>
+        </p:txBody>
+      </p:sp>
+      <p:sp>
+        <p:nvSpPr>
+          <p:cNvPr id="16" name="직사각형 15">
+            <a:extLst>
+              <a:ext uri="{FF2B5EF4-FFF2-40B4-BE49-F238E27FC236}">
+                <a16:creationId xmlns:a16="http://schemas.microsoft.com/office/drawing/2014/main" id="{86D5440F-C8BA-344D-8605-A16BEA2DBD1D}"/>
+              </a:ext>
+            </a:extLst>
+          </p:cNvPr>
+          <p:cNvSpPr/>
+          <p:nvPr/>
+        </p:nvSpPr>
+        <p:spPr>
+          <a:xfrm>
+            <a:off x="8263748" y="4990312"/>
+            <a:ext cx="3449086" cy="1030731"/>
+          </a:xfrm>
+          <a:prstGeom prst="rect">
+            <a:avLst/>
+          </a:prstGeom>
+        </p:spPr>
+        <p:txBody>
+          <a:bodyPr wrap="none">
+            <a:spAutoFit/>
+          </a:bodyPr>
+          <a:lstStyle/>
+          <a:p>
+            <a:pPr marL="742950" lvl="1" indent="-285750">
+              <a:lnSpc>
+                <a:spcPct val="150000"/>
+              </a:lnSpc>
+              <a:buFont typeface="Arial" panose="020B0604020202020204" pitchFamily="34" charset="0"/>
+              <a:buChar char="•"/>
+            </a:pPr>
+            <a:r>
+              <a:rPr kumimoji="1" lang="ko-KR" altLang="en-US" sz="1400" dirty="0">
+                <a:solidFill>
+                  <a:srgbClr val="3D3D3D"/>
+                </a:solidFill>
+                <a:latin typeface="NanumSquareRound Regular" panose="020B0600000101010101" pitchFamily="34" charset="-127"/>
+                <a:ea typeface="NanumSquareRound Regular" panose="020B0600000101010101" pitchFamily="34" charset="-127"/>
+              </a:rPr>
+              <a:t>다수결 버전 </a:t>
+            </a:r>
+            <a:r>
+              <a:rPr kumimoji="1" lang="en-US" altLang="ko-KR" sz="1400" dirty="0">
+                <a:solidFill>
+                  <a:srgbClr val="3D3D3D"/>
+                </a:solidFill>
+                <a:latin typeface="NanumSquareRound Regular" panose="020B0600000101010101" pitchFamily="34" charset="-127"/>
+                <a:ea typeface="NanumSquareRound Regular" panose="020B0600000101010101" pitchFamily="34" charset="-127"/>
+              </a:rPr>
+              <a:t>-</a:t>
+            </a:r>
+            <a:r>
+              <a:rPr kumimoji="1" lang="ko-KR" altLang="en-US" sz="1400" dirty="0">
+                <a:solidFill>
+                  <a:srgbClr val="3D3D3D"/>
+                </a:solidFill>
+                <a:latin typeface="NanumSquareRound Regular" panose="020B0600000101010101" pitchFamily="34" charset="-127"/>
+                <a:ea typeface="NanumSquareRound Regular" panose="020B0600000101010101" pitchFamily="34" charset="-127"/>
+              </a:rPr>
+              <a:t> 모델 </a:t>
+            </a:r>
+            <a:r>
+              <a:rPr kumimoji="1" lang="en-US" altLang="ko-KR" sz="1400" dirty="0">
+                <a:solidFill>
+                  <a:srgbClr val="3D3D3D"/>
+                </a:solidFill>
+                <a:latin typeface="NanumSquareRound Regular" panose="020B0600000101010101" pitchFamily="34" charset="-127"/>
+                <a:ea typeface="NanumSquareRound Regular" panose="020B0600000101010101" pitchFamily="34" charset="-127"/>
+              </a:rPr>
+              <a:t>5</a:t>
+            </a:r>
+            <a:r>
+              <a:rPr kumimoji="1" lang="ko-KR" altLang="en-US" sz="1400" dirty="0">
+                <a:solidFill>
+                  <a:srgbClr val="3D3D3D"/>
+                </a:solidFill>
+                <a:latin typeface="NanumSquareRound Regular" panose="020B0600000101010101" pitchFamily="34" charset="-127"/>
+                <a:ea typeface="NanumSquareRound Regular" panose="020B0600000101010101" pitchFamily="34" charset="-127"/>
+              </a:rPr>
+              <a:t>개</a:t>
+            </a:r>
+            <a:endParaRPr kumimoji="1" lang="en-US" altLang="ko-KR" sz="1400" dirty="0">
+              <a:solidFill>
+                <a:srgbClr val="3D3D3D"/>
+              </a:solidFill>
+              <a:latin typeface="NanumSquareRound Regular" panose="020B0600000101010101" pitchFamily="34" charset="-127"/>
+              <a:ea typeface="NanumSquareRound Regular" panose="020B0600000101010101" pitchFamily="34" charset="-127"/>
+            </a:endParaRPr>
+          </a:p>
+          <a:p>
+            <a:pPr marL="742950" lvl="1" indent="-285750">
+              <a:lnSpc>
+                <a:spcPct val="150000"/>
+              </a:lnSpc>
+              <a:buFont typeface="Arial" panose="020B0604020202020204" pitchFamily="34" charset="0"/>
+              <a:buChar char="•"/>
+            </a:pPr>
+            <a:r>
+              <a:rPr kumimoji="1" lang="en-US" altLang="ko-KR" sz="1400" dirty="0">
+                <a:solidFill>
+                  <a:srgbClr val="3D3D3D"/>
+                </a:solidFill>
+                <a:latin typeface="NanumSquareRound Regular" panose="020B0600000101010101" pitchFamily="34" charset="-127"/>
+                <a:ea typeface="NanumSquareRound Regular" panose="020B0600000101010101" pitchFamily="34" charset="-127"/>
+              </a:rPr>
+              <a:t>100epoch accuracy 87.880%</a:t>
+            </a:r>
+          </a:p>
+          <a:p>
+            <a:pPr marL="742950" lvl="1" indent="-285750">
+              <a:lnSpc>
+                <a:spcPct val="150000"/>
+              </a:lnSpc>
+              <a:buFont typeface="Arial" panose="020B0604020202020204" pitchFamily="34" charset="0"/>
+              <a:buChar char="•"/>
+            </a:pPr>
+            <a:r>
+              <a:rPr kumimoji="1" lang="en-US" altLang="ko-KR" sz="1400" dirty="0">
+                <a:solidFill>
+                  <a:srgbClr val="3D3D3D"/>
+                </a:solidFill>
+                <a:latin typeface="NanumSquareRound Regular" panose="020B0600000101010101" pitchFamily="34" charset="-127"/>
+                <a:ea typeface="NanumSquareRound Regular" panose="020B0600000101010101" pitchFamily="34" charset="-127"/>
+              </a:rPr>
+              <a:t>200epoch accuracy : 96.620%</a:t>
+            </a:r>
+          </a:p>
+        </p:txBody>
+      </p:sp>
+      <p:pic>
+        <p:nvPicPr>
+          <p:cNvPr id="17" name="그림 16">
+            <a:extLst>
+              <a:ext uri="{FF2B5EF4-FFF2-40B4-BE49-F238E27FC236}">
+                <a16:creationId xmlns:a16="http://schemas.microsoft.com/office/drawing/2014/main" id="{C2EF8A1A-F8CA-C641-A859-906B10786C68}"/>
+              </a:ext>
+            </a:extLst>
+          </p:cNvPr>
+          <p:cNvPicPr>
+            <a:picLocks noChangeAspect="1"/>
+          </p:cNvPicPr>
+          <p:nvPr/>
+        </p:nvPicPr>
+        <p:blipFill>
+          <a:blip r:embed="rId6"/>
+          <a:stretch>
+            <a:fillRect/>
+          </a:stretch>
+        </p:blipFill>
+        <p:spPr>
+          <a:xfrm>
+            <a:off x="4745204" y="3413861"/>
+            <a:ext cx="3216245" cy="2412184"/>
+          </a:xfrm>
+          <a:prstGeom prst="rect">
+            <a:avLst/>
+          </a:prstGeom>
+        </p:spPr>
+      </p:pic>
+      <p:sp>
+        <p:nvSpPr>
+          <p:cNvPr id="18" name="직사각형 17">
+            <a:extLst>
+              <a:ext uri="{FF2B5EF4-FFF2-40B4-BE49-F238E27FC236}">
+                <a16:creationId xmlns:a16="http://schemas.microsoft.com/office/drawing/2014/main" id="{F921CE76-37D0-654A-97BE-97F9BEF4B122}"/>
+              </a:ext>
+            </a:extLst>
+          </p:cNvPr>
+          <p:cNvSpPr/>
+          <p:nvPr/>
+        </p:nvSpPr>
+        <p:spPr>
+          <a:xfrm>
+            <a:off x="4613938" y="5694237"/>
+            <a:ext cx="3567708" cy="1030731"/>
+          </a:xfrm>
+          <a:prstGeom prst="rect">
+            <a:avLst/>
+          </a:prstGeom>
+        </p:spPr>
+        <p:txBody>
+          <a:bodyPr wrap="none">
+            <a:spAutoFit/>
+          </a:bodyPr>
+          <a:lstStyle/>
+          <a:p>
+            <a:pPr marL="742950" lvl="1" indent="-285750">
+              <a:lnSpc>
+                <a:spcPct val="150000"/>
+              </a:lnSpc>
+              <a:buFont typeface="Arial" panose="020B0604020202020204" pitchFamily="34" charset="0"/>
+              <a:buChar char="•"/>
+            </a:pPr>
+            <a:r>
+              <a:rPr kumimoji="1" lang="ko-KR" altLang="en-US" sz="1400" dirty="0">
+                <a:solidFill>
+                  <a:srgbClr val="3D3D3D"/>
+                </a:solidFill>
+                <a:latin typeface="NanumSquareRound Regular" panose="020B0600000101010101" pitchFamily="34" charset="-127"/>
+                <a:ea typeface="NanumSquareRound Regular" panose="020B0600000101010101" pitchFamily="34" charset="-127"/>
+              </a:rPr>
+              <a:t>서바이벌 버전 </a:t>
+            </a:r>
+            <a:r>
+              <a:rPr kumimoji="1" lang="en-US" altLang="ko-KR" sz="1400" dirty="0">
+                <a:solidFill>
+                  <a:srgbClr val="3D3D3D"/>
+                </a:solidFill>
+                <a:latin typeface="NanumSquareRound Regular" panose="020B0600000101010101" pitchFamily="34" charset="-127"/>
+                <a:ea typeface="NanumSquareRound Regular" panose="020B0600000101010101" pitchFamily="34" charset="-127"/>
+              </a:rPr>
+              <a:t>–</a:t>
+            </a:r>
+            <a:r>
+              <a:rPr kumimoji="1" lang="ko-KR" altLang="en-US" sz="1400" dirty="0">
+                <a:solidFill>
+                  <a:srgbClr val="3D3D3D"/>
+                </a:solidFill>
+                <a:latin typeface="NanumSquareRound Regular" panose="020B0600000101010101" pitchFamily="34" charset="-127"/>
+                <a:ea typeface="NanumSquareRound Regular" panose="020B0600000101010101" pitchFamily="34" charset="-127"/>
+              </a:rPr>
+              <a:t> 모델 </a:t>
+            </a:r>
+            <a:r>
+              <a:rPr kumimoji="1" lang="en-US" altLang="ko-KR" sz="1400" dirty="0">
+                <a:solidFill>
+                  <a:srgbClr val="3D3D3D"/>
+                </a:solidFill>
+                <a:latin typeface="NanumSquareRound Regular" panose="020B0600000101010101" pitchFamily="34" charset="-127"/>
+                <a:ea typeface="NanumSquareRound Regular" panose="020B0600000101010101" pitchFamily="34" charset="-127"/>
+              </a:rPr>
+              <a:t>5</a:t>
+            </a:r>
+            <a:r>
+              <a:rPr kumimoji="1" lang="ko-KR" altLang="en-US" sz="1400" dirty="0">
+                <a:solidFill>
+                  <a:srgbClr val="3D3D3D"/>
+                </a:solidFill>
+                <a:latin typeface="NanumSquareRound Regular" panose="020B0600000101010101" pitchFamily="34" charset="-127"/>
+                <a:ea typeface="NanumSquareRound Regular" panose="020B0600000101010101" pitchFamily="34" charset="-127"/>
+              </a:rPr>
+              <a:t>개</a:t>
+            </a:r>
+            <a:endParaRPr kumimoji="1" lang="en-US" altLang="ko-KR" sz="1400" dirty="0">
+              <a:solidFill>
+                <a:srgbClr val="3D3D3D"/>
+              </a:solidFill>
+              <a:latin typeface="NanumSquareRound Regular" panose="020B0600000101010101" pitchFamily="34" charset="-127"/>
+              <a:ea typeface="NanumSquareRound Regular" panose="020B0600000101010101" pitchFamily="34" charset="-127"/>
+            </a:endParaRPr>
+          </a:p>
+          <a:p>
+            <a:pPr marL="742950" lvl="1" indent="-285750">
+              <a:lnSpc>
+                <a:spcPct val="150000"/>
+              </a:lnSpc>
+              <a:buFont typeface="Arial" panose="020B0604020202020204" pitchFamily="34" charset="0"/>
+              <a:buChar char="•"/>
+            </a:pPr>
+            <a:r>
+              <a:rPr kumimoji="1" lang="en-US" altLang="ko-KR" sz="1400" dirty="0">
+                <a:solidFill>
+                  <a:srgbClr val="3D3D3D"/>
+                </a:solidFill>
+                <a:latin typeface="NanumSquareRound Regular" panose="020B0600000101010101" pitchFamily="34" charset="-127"/>
+                <a:ea typeface="NanumSquareRound Regular" panose="020B0600000101010101" pitchFamily="34" charset="-127"/>
+              </a:rPr>
+              <a:t>100epoch accuracy 89.960%</a:t>
+            </a:r>
+          </a:p>
+          <a:p>
+            <a:pPr marL="742950" lvl="1" indent="-285750">
+              <a:lnSpc>
+                <a:spcPct val="150000"/>
+              </a:lnSpc>
+              <a:buFont typeface="Arial" panose="020B0604020202020204" pitchFamily="34" charset="0"/>
+              <a:buChar char="•"/>
+            </a:pPr>
+            <a:r>
+              <a:rPr kumimoji="1" lang="en-US" altLang="ko-KR" sz="1400" dirty="0">
+                <a:solidFill>
+                  <a:srgbClr val="3D3D3D"/>
+                </a:solidFill>
+                <a:latin typeface="NanumSquareRound Regular" panose="020B0600000101010101" pitchFamily="34" charset="-127"/>
+                <a:ea typeface="NanumSquareRound Regular" panose="020B0600000101010101" pitchFamily="34" charset="-127"/>
+              </a:rPr>
+              <a:t>200epoch accuracy : 95.220%</a:t>
+            </a:r>
+          </a:p>
+        </p:txBody>
+      </p:sp>
+    </p:spTree>
+    <p:extLst>
+      <p:ext uri="{BB962C8B-B14F-4D97-AF65-F5344CB8AC3E}">
+        <p14:creationId xmlns:p14="http://schemas.microsoft.com/office/powerpoint/2010/main" val="859660998"/>
+      </p:ext>
+    </p:extLst>
+  </p:cSld>
+  <p:clrMapOvr>
+    <a:masterClrMapping/>
+  </p:clrMapOvr>
+</p:sld>
+</file>
+
+<file path=ppt/slides/slide18.xml><?xml version="1.0" encoding="utf-8"?>
+<p:sld xmlns:a="http://schemas.openxmlformats.org/drawingml/2006/main" xmlns:r="http://schemas.openxmlformats.org/officeDocument/2006/relationships" xmlns:p="http://schemas.openxmlformats.org/presentationml/2006/main">
+  <p:cSld>
+    <p:spTree>
+      <p:nvGrpSpPr>
+        <p:cNvPr id="1" name=""/>
+        <p:cNvGrpSpPr/>
+        <p:nvPr/>
+      </p:nvGrpSpPr>
+      <p:grpSpPr>
+        <a:xfrm>
+          <a:off x="0" y="0"/>
+          <a:ext cx="0" cy="0"/>
+          <a:chOff x="0" y="0"/>
+          <a:chExt cx="0" cy="0"/>
+        </a:xfrm>
+      </p:grpSpPr>
+      <p:sp>
+        <p:nvSpPr>
+          <p:cNvPr id="4" name="TextBox 3">
+            <a:extLst>
+              <a:ext uri="{FF2B5EF4-FFF2-40B4-BE49-F238E27FC236}">
+                <a16:creationId xmlns:a16="http://schemas.microsoft.com/office/drawing/2014/main" id="{9790CE72-C451-F647-B0EB-9967502E3A02}"/>
+              </a:ext>
+            </a:extLst>
+          </p:cNvPr>
+          <p:cNvSpPr txBox="1"/>
+          <p:nvPr/>
+        </p:nvSpPr>
+        <p:spPr>
+          <a:xfrm>
+            <a:off x="106326" y="202019"/>
+            <a:ext cx="11889731" cy="676532"/>
+          </a:xfrm>
+          <a:prstGeom prst="rect">
+            <a:avLst/>
+          </a:prstGeom>
+          <a:noFill/>
+        </p:spPr>
+        <p:txBody>
+          <a:bodyPr wrap="square" rtlCol="0">
+            <a:spAutoFit/>
+          </a:bodyPr>
+          <a:lstStyle/>
+          <a:p>
+            <a:pPr>
+              <a:lnSpc>
+                <a:spcPct val="150000"/>
+              </a:lnSpc>
+            </a:pPr>
+            <a:r>
+              <a:rPr kumimoji="1" lang="ko-KR" altLang="en-US" b="1" u="sng" dirty="0">
+                <a:solidFill>
+                  <a:srgbClr val="3D3D3D"/>
+                </a:solidFill>
+                <a:latin typeface="NanumSquareRound Regular" panose="020B0600000101010101" pitchFamily="34" charset="-127"/>
+                <a:ea typeface="NanumSquareRound Regular" panose="020B0600000101010101" pitchFamily="34" charset="-127"/>
+              </a:rPr>
+              <a:t>덧셈 성능 확인 </a:t>
+            </a:r>
+            <a:r>
+              <a:rPr kumimoji="1" lang="en-US" altLang="ko-KR" b="1" u="sng" dirty="0">
+                <a:solidFill>
+                  <a:srgbClr val="3D3D3D"/>
+                </a:solidFill>
+                <a:latin typeface="NanumSquareRound Regular" panose="020B0600000101010101" pitchFamily="34" charset="-127"/>
+                <a:ea typeface="NanumSquareRound Regular" panose="020B0600000101010101" pitchFamily="34" charset="-127"/>
+              </a:rPr>
+              <a:t>–</a:t>
+            </a:r>
+            <a:r>
+              <a:rPr kumimoji="1" lang="ko-KR" altLang="en-US" b="1" u="sng" dirty="0">
+                <a:solidFill>
+                  <a:srgbClr val="3D3D3D"/>
+                </a:solidFill>
+                <a:latin typeface="NanumSquareRound Regular" panose="020B0600000101010101" pitchFamily="34" charset="-127"/>
+                <a:ea typeface="NanumSquareRound Regular" panose="020B0600000101010101" pitchFamily="34" charset="-127"/>
+              </a:rPr>
+              <a:t> 앙상블</a:t>
+            </a:r>
+            <a:r>
+              <a:rPr kumimoji="1" lang="en-US" altLang="ko-KR" b="1" u="sng" dirty="0">
+                <a:solidFill>
+                  <a:srgbClr val="3D3D3D"/>
+                </a:solidFill>
+                <a:latin typeface="NanumSquareRound Regular" panose="020B0600000101010101" pitchFamily="34" charset="-127"/>
+                <a:ea typeface="NanumSquareRound Regular" panose="020B0600000101010101" pitchFamily="34" charset="-127"/>
+              </a:rPr>
+              <a:t>(</a:t>
+            </a:r>
+            <a:r>
+              <a:rPr kumimoji="1" lang="ko-KR" altLang="en-US" b="1" u="sng" dirty="0">
+                <a:solidFill>
+                  <a:srgbClr val="3D3D3D"/>
+                </a:solidFill>
+                <a:latin typeface="NanumSquareRound Regular" panose="020B0600000101010101" pitchFamily="34" charset="-127"/>
+                <a:ea typeface="NanumSquareRound Regular" panose="020B0600000101010101" pitchFamily="34" charset="-127"/>
+              </a:rPr>
+              <a:t>소프트 </a:t>
+            </a:r>
+            <a:r>
+              <a:rPr kumimoji="1" lang="ko-KR" altLang="en-US" b="1" u="sng" dirty="0" err="1">
+                <a:solidFill>
+                  <a:srgbClr val="3D3D3D"/>
+                </a:solidFill>
+                <a:latin typeface="NanumSquareRound Regular" panose="020B0600000101010101" pitchFamily="34" charset="-127"/>
+                <a:ea typeface="NanumSquareRound Regular" panose="020B0600000101010101" pitchFamily="34" charset="-127"/>
+              </a:rPr>
+              <a:t>보팅</a:t>
+            </a:r>
+            <a:r>
+              <a:rPr kumimoji="1" lang="en-US" altLang="ko-KR" b="1" u="sng" dirty="0">
+                <a:solidFill>
+                  <a:srgbClr val="3D3D3D"/>
+                </a:solidFill>
+                <a:latin typeface="NanumSquareRound Regular" panose="020B0600000101010101" pitchFamily="34" charset="-127"/>
+                <a:ea typeface="NanumSquareRound Regular" panose="020B0600000101010101" pitchFamily="34" charset="-127"/>
+              </a:rPr>
+              <a:t>),</a:t>
+            </a:r>
+            <a:r>
+              <a:rPr kumimoji="1" lang="ko-KR" altLang="en-US" b="1" u="sng" dirty="0">
+                <a:solidFill>
+                  <a:srgbClr val="3D3D3D"/>
+                </a:solidFill>
+                <a:latin typeface="NanumSquareRound Regular" panose="020B0600000101010101" pitchFamily="34" charset="-127"/>
+                <a:ea typeface="NanumSquareRound Regular" panose="020B0600000101010101" pitchFamily="34" charset="-127"/>
+              </a:rPr>
               <a:t> </a:t>
             </a:r>
             <a:r>
-              <a:rPr kumimoji="1" lang="ko-KR" altLang="en-US" sz="3200" b="1" u="sng" dirty="0">
-                <a:solidFill>
-                  <a:srgbClr val="3D3D3D"/>
-                </a:solidFill>
-                <a:latin typeface="NanumSquareRound Regular" panose="020B0600000101010101" pitchFamily="34" charset="-127"/>
-                <a:ea typeface="NanumSquareRound Regular" panose="020B0600000101010101" pitchFamily="34" charset="-127"/>
-              </a:rPr>
-              <a:t>다수결</a:t>
+              <a:rPr kumimoji="1" lang="ko-KR" altLang="en-US" sz="2800" b="1" u="sng" dirty="0">
+                <a:solidFill>
+                  <a:srgbClr val="3D3D3D"/>
+                </a:solidFill>
+                <a:latin typeface="NanumSquareRound Regular" panose="020B0600000101010101" pitchFamily="34" charset="-127"/>
+                <a:ea typeface="NanumSquareRound Regular" panose="020B0600000101010101" pitchFamily="34" charset="-127"/>
+              </a:rPr>
+              <a:t>서바이벌</a:t>
+            </a:r>
+            <a:r>
+              <a:rPr kumimoji="1" lang="en-US" altLang="ko-KR" b="1" u="sng" dirty="0">
+                <a:solidFill>
+                  <a:srgbClr val="3D3D3D"/>
+                </a:solidFill>
+                <a:latin typeface="NanumSquareRound Regular" panose="020B0600000101010101" pitchFamily="34" charset="-127"/>
+                <a:ea typeface="NanumSquareRound Regular" panose="020B0600000101010101" pitchFamily="34" charset="-127"/>
+              </a:rPr>
+              <a:t>,</a:t>
+            </a:r>
+            <a:r>
+              <a:rPr kumimoji="1" lang="ko-KR" altLang="en-US" b="1" u="sng" dirty="0">
+                <a:solidFill>
+                  <a:srgbClr val="3D3D3D"/>
+                </a:solidFill>
+                <a:latin typeface="NanumSquareRound Regular" panose="020B0600000101010101" pitchFamily="34" charset="-127"/>
+                <a:ea typeface="NanumSquareRound Regular" panose="020B0600000101010101" pitchFamily="34" charset="-127"/>
+              </a:rPr>
+              <a:t> 다수결</a:t>
             </a:r>
             <a:endParaRPr kumimoji="1" lang="en-US" altLang="ko-KR" b="1" u="sng" dirty="0">
               <a:solidFill>
@@ -8361,8 +10010,8 @@
         </p:nvSpPr>
         <p:spPr>
           <a:xfrm>
-            <a:off x="377952" y="1437513"/>
-            <a:ext cx="6096000" cy="523220"/>
+            <a:off x="1487424" y="1559433"/>
+            <a:ext cx="6096000" cy="4616648"/>
           </a:xfrm>
           <a:prstGeom prst="rect">
             <a:avLst/>
@@ -8375,56 +10024,290 @@
           <a:lstStyle/>
           <a:p>
             <a:r>
-              <a:rPr lang="ko-KR" altLang="en-US" sz="1400" dirty="0"/>
-              <a:t>모델 </a:t>
-            </a:r>
-            <a:r>
-              <a:rPr lang="en-US" altLang="ko-KR" sz="1400" dirty="0"/>
-              <a:t>5</a:t>
-            </a:r>
-            <a:r>
-              <a:rPr lang="ko-KR" altLang="en-US" sz="1400" dirty="0"/>
-              <a:t>개</a:t>
-            </a:r>
-            <a:endParaRPr lang="en-US" altLang="ko-KR" sz="1400" dirty="0"/>
-          </a:p>
-          <a:p>
-            <a:r>
-              <a:rPr lang="ko-KR" altLang="en-US" sz="1400" dirty="0" err="1"/>
-              <a:t>어파인</a:t>
-            </a:r>
-            <a:r>
-              <a:rPr lang="ko-KR" altLang="en-US" sz="1400" dirty="0"/>
-              <a:t> 확률 값으로 하기 때문에 </a:t>
-            </a:r>
-            <a:r>
-              <a:rPr lang="en-US" altLang="ko-KR" sz="1400" dirty="0"/>
-              <a:t>5</a:t>
-            </a:r>
-            <a:r>
-              <a:rPr lang="ko-KR" altLang="en-US" sz="1400" dirty="0"/>
-              <a:t>개 다 </a:t>
-            </a:r>
-            <a:r>
-              <a:rPr lang="ko-KR" altLang="en-US" sz="1400" dirty="0" err="1"/>
-              <a:t>다른거</a:t>
-            </a:r>
-            <a:r>
-              <a:rPr lang="ko-KR" altLang="en-US" sz="1400" dirty="0"/>
-              <a:t> 나와도 </a:t>
-            </a:r>
-            <a:r>
-              <a:rPr lang="ko-KR" altLang="en-US" sz="1400" dirty="0" err="1"/>
-              <a:t>오류없음</a:t>
-            </a:r>
-            <a:endParaRPr lang="ko-Kore-KR" altLang="en-US" sz="1400" dirty="0"/>
+              <a:rPr lang="ko-Kore-KR" altLang="en-US" sz="1400" dirty="0"/>
+              <a:t>=============== 0 번째 자리===============</a:t>
+            </a:r>
+          </a:p>
+          <a:p>
+            <a:r>
+              <a:rPr lang="ko-Kore-KR" altLang="en-US" sz="1400" dirty="0"/>
+              <a:t>참가한 모델의 예측:  [3, 3, 4, 8, 2]</a:t>
+            </a:r>
+          </a:p>
+          <a:p>
+            <a:r>
+              <a:rPr lang="ko-Kore-KR" altLang="en-US" sz="1400" dirty="0"/>
+              <a:t>다수결 결과:  3</a:t>
+            </a:r>
+          </a:p>
+          <a:p>
+            <a:r>
+              <a:rPr lang="ko-Kore-KR" altLang="en-US" sz="1400" dirty="0"/>
+              <a:t>살아남은 모델:  [0, 1]</a:t>
+            </a:r>
+          </a:p>
+          <a:p>
+            <a:r>
+              <a:rPr lang="ko-Kore-KR" altLang="en-US" sz="1400" dirty="0"/>
+              <a:t>탈락한 모델:  [2, 3, 4]</a:t>
+            </a:r>
+          </a:p>
+          <a:p>
+            <a:r>
+              <a:rPr lang="ko-Kore-KR" altLang="en-US" sz="1400" dirty="0"/>
+              <a:t>-------------------------------------------</a:t>
+            </a:r>
+          </a:p>
+          <a:p>
+            <a:r>
+              <a:rPr lang="ko-Kore-KR" altLang="en-US" sz="1400" dirty="0"/>
+              <a:t>=============== 1 번째 자리===============</a:t>
+            </a:r>
+          </a:p>
+          <a:p>
+            <a:r>
+              <a:rPr lang="ko-Kore-KR" altLang="en-US" sz="1400" dirty="0"/>
+              <a:t>참가한 모델의 예측:  [12, 7]</a:t>
+            </a:r>
+          </a:p>
+          <a:p>
+            <a:r>
+              <a:rPr lang="ko-Kore-KR" altLang="en-US" sz="1400" dirty="0"/>
+              <a:t>다수결 결과:  12</a:t>
+            </a:r>
+          </a:p>
+          <a:p>
+            <a:r>
+              <a:rPr lang="ko-Kore-KR" altLang="en-US" sz="1400" dirty="0"/>
+              <a:t>-------------------------------------------</a:t>
+            </a:r>
+          </a:p>
+          <a:p>
+            <a:r>
+              <a:rPr lang="ko-Kore-KR" altLang="en-US" sz="1400" dirty="0"/>
+              <a:t>=============== 2 번째 자리===============</a:t>
+            </a:r>
+          </a:p>
+          <a:p>
+            <a:r>
+              <a:rPr lang="ko-Kore-KR" altLang="en-US" sz="1400" dirty="0"/>
+              <a:t>최후 1개 모델의 예측:  12</a:t>
+            </a:r>
+          </a:p>
+          <a:p>
+            <a:r>
+              <a:rPr lang="ko-Kore-KR" altLang="en-US" sz="1400" dirty="0"/>
+              <a:t>-------------------------------------------</a:t>
+            </a:r>
+          </a:p>
+          <a:p>
+            <a:r>
+              <a:rPr lang="ko-Kore-KR" altLang="en-US" sz="1400" dirty="0"/>
+              <a:t>=============== 3 번째 자리===============</a:t>
+            </a:r>
+          </a:p>
+          <a:p>
+            <a:r>
+              <a:rPr lang="ko-Kore-KR" altLang="en-US" sz="1400" dirty="0"/>
+              <a:t>최후 1개 모델의 예측:  5</a:t>
+            </a:r>
+          </a:p>
+          <a:p>
+            <a:r>
+              <a:rPr lang="ko-Kore-KR" altLang="en-US" sz="1400" dirty="0"/>
+              <a:t>-------------------------------------------</a:t>
+            </a:r>
+          </a:p>
+          <a:p>
+            <a:r>
+              <a:rPr lang="ko-Kore-KR" altLang="en-US" sz="1400" dirty="0"/>
+              <a:t>서바이벌 결과:  [3, 12, 12, 5]</a:t>
+            </a:r>
+          </a:p>
+          <a:p>
+            <a:r>
+              <a:rPr lang="ko-Kore-KR" altLang="en-US" sz="1400" dirty="0"/>
+              <a:t>문자열로 변환한 결과:  744 </a:t>
+            </a:r>
+          </a:p>
+          <a:p>
+            <a:r>
+              <a:rPr lang="ko-Kore-KR" altLang="en-US" sz="1400" dirty="0"/>
+              <a:t>Q 703+16 </a:t>
+            </a:r>
+          </a:p>
+          <a:p>
+            <a:r>
+              <a:rPr lang="ko-Kore-KR" altLang="en-US" sz="1400" dirty="0"/>
+              <a:t>T 719 </a:t>
+            </a:r>
+          </a:p>
+          <a:p>
+            <a:r>
+              <a:rPr lang="ko-Kore-KR" altLang="en-US" sz="1400" dirty="0"/>
+              <a:t>☒ 744 </a:t>
+            </a:r>
+          </a:p>
+        </p:txBody>
+      </p:sp>
+      <p:sp>
+        <p:nvSpPr>
+          <p:cNvPr id="6" name="직사각형 5">
+            <a:extLst>
+              <a:ext uri="{FF2B5EF4-FFF2-40B4-BE49-F238E27FC236}">
+                <a16:creationId xmlns:a16="http://schemas.microsoft.com/office/drawing/2014/main" id="{BD5A3D19-AC54-6140-9086-FD402555BFB1}"/>
+              </a:ext>
+            </a:extLst>
+          </p:cNvPr>
+          <p:cNvSpPr/>
+          <p:nvPr/>
+        </p:nvSpPr>
+        <p:spPr>
+          <a:xfrm>
+            <a:off x="6992112" y="1559433"/>
+            <a:ext cx="6096000" cy="4616648"/>
+          </a:xfrm>
+          <a:prstGeom prst="rect">
+            <a:avLst/>
+          </a:prstGeom>
+        </p:spPr>
+        <p:txBody>
+          <a:bodyPr>
+            <a:spAutoFit/>
+          </a:bodyPr>
+          <a:lstStyle/>
+          <a:p>
+            <a:r>
+              <a:rPr lang="ko-Kore-KR" altLang="en-US" sz="1400" dirty="0"/>
+              <a:t>=============== 0 번째 자리===============</a:t>
+            </a:r>
+          </a:p>
+          <a:p>
+            <a:r>
+              <a:rPr lang="ko-Kore-KR" altLang="en-US" sz="1400" dirty="0"/>
+              <a:t>참가한 모델의 예측:  [0, 3, 9, 8, 2]</a:t>
+            </a:r>
+          </a:p>
+          <a:p>
+            <a:r>
+              <a:rPr lang="ko-Kore-KR" altLang="en-US" sz="1400" dirty="0"/>
+              <a:t>다수결 결과:  0</a:t>
+            </a:r>
+          </a:p>
+          <a:p>
+            <a:r>
+              <a:rPr lang="ko-Kore-KR" altLang="en-US" sz="1400" dirty="0"/>
+              <a:t>살아남은 모델:  [0]</a:t>
+            </a:r>
+          </a:p>
+          <a:p>
+            <a:r>
+              <a:rPr lang="ko-Kore-KR" altLang="en-US" sz="1400" dirty="0"/>
+              <a:t>탈락한 모델:  [1, 2, 3, 4]</a:t>
+            </a:r>
+          </a:p>
+          <a:p>
+            <a:r>
+              <a:rPr lang="ko-Kore-KR" altLang="en-US" sz="1400" dirty="0"/>
+              <a:t>-------------------------------------------</a:t>
+            </a:r>
+          </a:p>
+          <a:p>
+            <a:r>
+              <a:rPr lang="ko-Kore-KR" altLang="en-US" sz="1400" dirty="0"/>
+              <a:t>=============== 1 번째 자리===============</a:t>
+            </a:r>
+          </a:p>
+          <a:p>
+            <a:r>
+              <a:rPr lang="ko-Kore-KR" altLang="en-US" sz="1400" dirty="0"/>
+              <a:t>최후 1개 모델의 예측:  4</a:t>
+            </a:r>
+          </a:p>
+          <a:p>
+            <a:r>
+              <a:rPr lang="ko-Kore-KR" altLang="en-US" sz="1400" dirty="0"/>
+              <a:t>-------------------------------------------</a:t>
+            </a:r>
+          </a:p>
+          <a:p>
+            <a:r>
+              <a:rPr lang="ko-Kore-KR" altLang="en-US" sz="1400" dirty="0"/>
+              <a:t>=============== 2 번째 자리===============</a:t>
+            </a:r>
+          </a:p>
+          <a:p>
+            <a:r>
+              <a:rPr lang="ko-Kore-KR" altLang="en-US" sz="1400" dirty="0"/>
+              <a:t>최후 1개 모델의 예측:  0</a:t>
+            </a:r>
+          </a:p>
+          <a:p>
+            <a:r>
+              <a:rPr lang="ko-Kore-KR" altLang="en-US" sz="1400" dirty="0"/>
+              <a:t>-------------------------------------------</a:t>
+            </a:r>
+          </a:p>
+          <a:p>
+            <a:r>
+              <a:rPr lang="ko-Kore-KR" altLang="en-US" sz="1400" dirty="0"/>
+              <a:t>=============== 3 번째 자리===============</a:t>
+            </a:r>
+          </a:p>
+          <a:p>
+            <a:r>
+              <a:rPr lang="ko-Kore-KR" altLang="en-US" sz="1400" dirty="0"/>
+              <a:t>최후 1개 모델의 예측:  5</a:t>
+            </a:r>
+          </a:p>
+          <a:p>
+            <a:r>
+              <a:rPr lang="ko-Kore-KR" altLang="en-US" sz="1400" dirty="0"/>
+              <a:t>-------------------------------------------</a:t>
+            </a:r>
+          </a:p>
+          <a:p>
+            <a:r>
+              <a:rPr lang="ko-Kore-KR" altLang="en-US" sz="1400" dirty="0"/>
+              <a:t>서바이벌 결과:  [0, 4, 0, 5]</a:t>
+            </a:r>
+          </a:p>
+          <a:p>
+            <a:r>
+              <a:rPr lang="ko-Kore-KR" altLang="en-US" sz="1400" dirty="0"/>
+              <a:t>문자열로 변환한 결과:  151 </a:t>
+            </a:r>
+          </a:p>
+          <a:p>
+            <a:r>
+              <a:rPr lang="ko-Kore-KR" altLang="en-US" sz="1400" dirty="0"/>
+              <a:t>Q 108+23 </a:t>
+            </a:r>
+          </a:p>
+          <a:p>
+            <a:r>
+              <a:rPr lang="ko-Kore-KR" altLang="en-US" sz="1400" dirty="0"/>
+              <a:t>T 131 </a:t>
+            </a:r>
+          </a:p>
+          <a:p>
+            <a:r>
+              <a:rPr lang="ko-Kore-KR" altLang="en-US" sz="1400" dirty="0"/>
+              <a:t>☒ 151 </a:t>
+            </a:r>
+          </a:p>
+          <a:p>
+            <a:r>
+              <a:rPr lang="ko-Kore-KR" altLang="en-US" sz="1400" dirty="0"/>
+              <a:t>---</a:t>
+            </a:r>
           </a:p>
         </p:txBody>
       </p:sp>
     </p:spTree>
     <p:extLst>
       <p:ext uri="{BB962C8B-B14F-4D97-AF65-F5344CB8AC3E}">
-        <p14:creationId xmlns:p14="http://schemas.microsoft.com/office/powerpoint/2010/main" val="20366057"/>
+        <p14:creationId xmlns:p14="http://schemas.microsoft.com/office/powerpoint/2010/main" val="3646598417"/>
       </p:ext>
     </p:extLst>
   </p:cSld>

--- a/개인미팅준비.pptx
+++ b/개인미팅준비.pptx
@@ -5,7 +5,7 @@
     <p:sldMasterId id="2147483648" r:id="rId1"/>
   </p:sldMasterIdLst>
   <p:notesMasterIdLst>
-    <p:notesMasterId r:id="rId20"/>
+    <p:notesMasterId r:id="rId26"/>
   </p:notesMasterIdLst>
   <p:sldIdLst>
     <p:sldId id="259" r:id="rId2"/>
@@ -26,6 +26,12 @@
     <p:sldId id="277" r:id="rId17"/>
     <p:sldId id="278" r:id="rId18"/>
     <p:sldId id="274" r:id="rId19"/>
+    <p:sldId id="279" r:id="rId20"/>
+    <p:sldId id="281" r:id="rId21"/>
+    <p:sldId id="284" r:id="rId22"/>
+    <p:sldId id="280" r:id="rId23"/>
+    <p:sldId id="282" r:id="rId24"/>
+    <p:sldId id="283" r:id="rId25"/>
   </p:sldIdLst>
   <p:sldSz cx="12192000" cy="6858000"/>
   <p:notesSz cx="6858000" cy="9144000"/>
@@ -214,7 +220,7 @@
           <a:p>
             <a:fld id="{1D131B2F-B9A1-8B41-9292-772B45C528AD}" type="datetimeFigureOut">
               <a:rPr kumimoji="1" lang="ko-Kore-KR" altLang="en-US" smtClean="0"/>
-              <a:t>2021. 9. 30.</a:t>
+              <a:t>2021. 10. 5.</a:t>
             </a:fld>
             <a:endParaRPr kumimoji="1" lang="ko-Kore-KR" altLang="en-US"/>
           </a:p>
@@ -1454,6 +1460,1245 @@
 </p:notes>
 </file>
 
+<file path=ppt/notesSlides/notesSlide15.xml><?xml version="1.0" encoding="utf-8"?>
+<p:notes xmlns:a="http://schemas.openxmlformats.org/drawingml/2006/main" xmlns:r="http://schemas.openxmlformats.org/officeDocument/2006/relationships" xmlns:p="http://schemas.openxmlformats.org/presentationml/2006/main">
+  <p:cSld>
+    <p:spTree>
+      <p:nvGrpSpPr>
+        <p:cNvPr id="1" name=""/>
+        <p:cNvGrpSpPr/>
+        <p:nvPr/>
+      </p:nvGrpSpPr>
+      <p:grpSpPr>
+        <a:xfrm>
+          <a:off x="0" y="0"/>
+          <a:ext cx="0" cy="0"/>
+          <a:chOff x="0" y="0"/>
+          <a:chExt cx="0" cy="0"/>
+        </a:xfrm>
+      </p:grpSpPr>
+      <p:sp>
+        <p:nvSpPr>
+          <p:cNvPr id="2" name="슬라이드 이미지 개체 틀 1"/>
+          <p:cNvSpPr>
+            <a:spLocks noGrp="1" noRot="1" noChangeAspect="1"/>
+          </p:cNvSpPr>
+          <p:nvPr>
+            <p:ph type="sldImg"/>
+          </p:nvPr>
+        </p:nvSpPr>
+        <p:spPr/>
+      </p:sp>
+      <p:sp>
+        <p:nvSpPr>
+          <p:cNvPr id="3" name="슬라이드 노트 개체 틀 2"/>
+          <p:cNvSpPr>
+            <a:spLocks noGrp="1"/>
+          </p:cNvSpPr>
+          <p:nvPr>
+            <p:ph type="body" idx="1"/>
+          </p:nvPr>
+        </p:nvSpPr>
+        <p:spPr/>
+        <p:txBody>
+          <a:bodyPr/>
+          <a:lstStyle/>
+          <a:p>
+            <a:r>
+              <a:rPr kumimoji="1" lang="ko-Kore-KR" altLang="en-US" dirty="0"/>
+              <a:t>저번에</a:t>
+            </a:r>
+            <a:r>
+              <a:rPr kumimoji="1" lang="ko-KR" altLang="en-US" dirty="0"/>
+              <a:t> 서바이벌  모델</a:t>
+            </a:r>
+            <a:r>
+              <a:rPr kumimoji="1" lang="en-US" altLang="ko-KR" dirty="0"/>
+              <a:t>5</a:t>
+            </a:r>
+            <a:r>
+              <a:rPr kumimoji="1" lang="ko-KR" altLang="en-US" dirty="0"/>
+              <a:t>개 버전 </a:t>
+            </a:r>
+            <a:r>
+              <a:rPr kumimoji="1" lang="ko-KR" altLang="en-US" dirty="0" err="1"/>
+              <a:t>돌린거</a:t>
+            </a:r>
+            <a:r>
+              <a:rPr kumimoji="1" lang="ko-KR" altLang="en-US" dirty="0"/>
+              <a:t> 결과를 확인했는데</a:t>
+            </a:r>
+            <a:endParaRPr kumimoji="1" lang="en-US" altLang="ko-KR" dirty="0"/>
+          </a:p>
+          <a:p>
+            <a:r>
+              <a:rPr kumimoji="1" lang="ko-KR" altLang="en-US" dirty="0"/>
+              <a:t>다수결보다 성능이 </a:t>
+            </a:r>
+            <a:r>
+              <a:rPr kumimoji="1" lang="ko-KR" altLang="en-US" dirty="0" err="1"/>
+              <a:t>높을것</a:t>
+            </a:r>
+            <a:r>
+              <a:rPr kumimoji="1" lang="ko-KR" altLang="en-US" dirty="0"/>
+              <a:t> 같았는데 생각보다 많이 높지 않았고</a:t>
+            </a:r>
+            <a:r>
+              <a:rPr kumimoji="1" lang="en-US" altLang="ko-KR" dirty="0"/>
+              <a:t>.</a:t>
+            </a:r>
+          </a:p>
+          <a:p>
+            <a:r>
+              <a:rPr kumimoji="1" lang="en-US" altLang="ko-KR" dirty="0"/>
+              <a:t>200</a:t>
+            </a:r>
+            <a:r>
+              <a:rPr kumimoji="1" lang="ko-KR" altLang="en-US" dirty="0" err="1"/>
+              <a:t>에폭만</a:t>
+            </a:r>
+            <a:r>
+              <a:rPr kumimoji="1" lang="ko-KR" altLang="en-US" dirty="0"/>
+              <a:t> 비교했을 때 성능은 서바이벌버전 보다 다수결 버전이 높았다</a:t>
+            </a:r>
+            <a:r>
+              <a:rPr kumimoji="1" lang="en-US" altLang="ko-KR" dirty="0"/>
+              <a:t>.</a:t>
+            </a:r>
+          </a:p>
+          <a:p>
+            <a:endParaRPr kumimoji="1" lang="en-US" altLang="ko-Kore-KR" dirty="0"/>
+          </a:p>
+          <a:p>
+            <a:r>
+              <a:rPr kumimoji="1" lang="ko-KR" altLang="en-US" dirty="0"/>
+              <a:t>근데 서바이벌의 경우 </a:t>
+            </a:r>
+            <a:r>
+              <a:rPr kumimoji="1" lang="en-US" altLang="ko-KR" dirty="0"/>
+              <a:t>195</a:t>
+            </a:r>
+            <a:r>
+              <a:rPr kumimoji="1" lang="ko-KR" altLang="en-US" dirty="0"/>
+              <a:t> </a:t>
+            </a:r>
+            <a:r>
+              <a:rPr kumimoji="1" lang="ko-KR" altLang="en-US" dirty="0" err="1"/>
+              <a:t>에폭때</a:t>
+            </a:r>
+            <a:r>
+              <a:rPr kumimoji="1" lang="ko-KR" altLang="en-US" dirty="0"/>
+              <a:t> </a:t>
+            </a:r>
+            <a:r>
+              <a:rPr kumimoji="1" lang="en-US" altLang="ko-KR" dirty="0"/>
+              <a:t>97</a:t>
+            </a:r>
+            <a:r>
+              <a:rPr kumimoji="1" lang="ko-KR" altLang="en-US" dirty="0"/>
+              <a:t>퍼센트로 다수결보다 높게 나와서</a:t>
+            </a:r>
+            <a:endParaRPr kumimoji="1" lang="en-US" altLang="ko-KR" dirty="0"/>
+          </a:p>
+          <a:p>
+            <a:r>
+              <a:rPr kumimoji="1" lang="ko-Kore-KR" altLang="en-US" dirty="0"/>
+              <a:t>일단은</a:t>
+            </a:r>
+            <a:r>
+              <a:rPr kumimoji="1" lang="ko-KR" altLang="en-US" dirty="0"/>
+              <a:t> 평균 내서 </a:t>
+            </a:r>
+            <a:r>
+              <a:rPr kumimoji="1" lang="ko-KR" altLang="en-US" dirty="0" err="1"/>
+              <a:t>한번더</a:t>
+            </a:r>
+            <a:r>
+              <a:rPr kumimoji="1" lang="ko-KR" altLang="en-US" dirty="0"/>
+              <a:t> 확인을 해봐야 할 것 같다</a:t>
+            </a:r>
+            <a:r>
+              <a:rPr kumimoji="1" lang="en-US" altLang="ko-KR" dirty="0"/>
+              <a:t>.</a:t>
+            </a:r>
+          </a:p>
+          <a:p>
+            <a:endParaRPr kumimoji="1" lang="en-US" altLang="ko-KR" dirty="0"/>
+          </a:p>
+          <a:p>
+            <a:r>
+              <a:rPr kumimoji="1" lang="ko-KR" altLang="en-US" dirty="0"/>
+              <a:t>현재 </a:t>
+            </a:r>
+            <a:r>
+              <a:rPr kumimoji="1" lang="en-US" altLang="ko-KR" dirty="0"/>
+              <a:t>5</a:t>
+            </a:r>
+            <a:r>
+              <a:rPr kumimoji="1" lang="ko-KR" altLang="en-US" dirty="0"/>
+              <a:t>개정도 평균 내려고 돌리는 중입니다</a:t>
+            </a:r>
+            <a:r>
+              <a:rPr kumimoji="1" lang="en-US" altLang="ko-KR"/>
+              <a:t>.</a:t>
+            </a:r>
+            <a:endParaRPr kumimoji="1" lang="en-US" altLang="ko-KR" dirty="0"/>
+          </a:p>
+        </p:txBody>
+      </p:sp>
+      <p:sp>
+        <p:nvSpPr>
+          <p:cNvPr id="4" name="슬라이드 번호 개체 틀 3"/>
+          <p:cNvSpPr>
+            <a:spLocks noGrp="1"/>
+          </p:cNvSpPr>
+          <p:nvPr>
+            <p:ph type="sldNum" sz="quarter" idx="5"/>
+          </p:nvPr>
+        </p:nvSpPr>
+        <p:spPr/>
+        <p:txBody>
+          <a:bodyPr/>
+          <a:lstStyle/>
+          <a:p>
+            <a:fld id="{B71B6669-FD07-494E-99BC-6FDB59A26255}" type="slidenum">
+              <a:rPr kumimoji="1" lang="ko-Kore-KR" altLang="en-US" smtClean="0"/>
+              <a:t>20</a:t>
+            </a:fld>
+            <a:endParaRPr kumimoji="1" lang="ko-Kore-KR" altLang="en-US"/>
+          </a:p>
+        </p:txBody>
+      </p:sp>
+    </p:spTree>
+    <p:extLst>
+      <p:ext uri="{BB962C8B-B14F-4D97-AF65-F5344CB8AC3E}">
+        <p14:creationId xmlns:p14="http://schemas.microsoft.com/office/powerpoint/2010/main" val="299772657"/>
+      </p:ext>
+    </p:extLst>
+  </p:cSld>
+  <p:clrMapOvr>
+    <a:masterClrMapping/>
+  </p:clrMapOvr>
+</p:notes>
+</file>
+
+<file path=ppt/notesSlides/notesSlide16.xml><?xml version="1.0" encoding="utf-8"?>
+<p:notes xmlns:a="http://schemas.openxmlformats.org/drawingml/2006/main" xmlns:r="http://schemas.openxmlformats.org/officeDocument/2006/relationships" xmlns:p="http://schemas.openxmlformats.org/presentationml/2006/main">
+  <p:cSld>
+    <p:spTree>
+      <p:nvGrpSpPr>
+        <p:cNvPr id="1" name=""/>
+        <p:cNvGrpSpPr/>
+        <p:nvPr/>
+      </p:nvGrpSpPr>
+      <p:grpSpPr>
+        <a:xfrm>
+          <a:off x="0" y="0"/>
+          <a:ext cx="0" cy="0"/>
+          <a:chOff x="0" y="0"/>
+          <a:chExt cx="0" cy="0"/>
+        </a:xfrm>
+      </p:grpSpPr>
+      <p:sp>
+        <p:nvSpPr>
+          <p:cNvPr id="2" name="슬라이드 이미지 개체 틀 1"/>
+          <p:cNvSpPr>
+            <a:spLocks noGrp="1" noRot="1" noChangeAspect="1"/>
+          </p:cNvSpPr>
+          <p:nvPr>
+            <p:ph type="sldImg"/>
+          </p:nvPr>
+        </p:nvSpPr>
+        <p:spPr/>
+      </p:sp>
+      <p:sp>
+        <p:nvSpPr>
+          <p:cNvPr id="3" name="슬라이드 노트 개체 틀 2"/>
+          <p:cNvSpPr>
+            <a:spLocks noGrp="1"/>
+          </p:cNvSpPr>
+          <p:nvPr>
+            <p:ph type="body" idx="1"/>
+          </p:nvPr>
+        </p:nvSpPr>
+        <p:spPr/>
+        <p:txBody>
+          <a:bodyPr/>
+          <a:lstStyle/>
+          <a:p>
+            <a:r>
+              <a:rPr kumimoji="1" lang="en-US" altLang="ko-KR" dirty="0"/>
+              <a:t>[</a:t>
+            </a:r>
+            <a:r>
+              <a:rPr kumimoji="1" lang="ko-KR" altLang="en-US" dirty="0"/>
+              <a:t>서바이벌 모델 </a:t>
+            </a:r>
+            <a:r>
+              <a:rPr kumimoji="1" lang="en-US" altLang="ko-KR" dirty="0"/>
+              <a:t>–</a:t>
+            </a:r>
+            <a:r>
+              <a:rPr kumimoji="1" lang="ko-KR" altLang="en-US" dirty="0"/>
+              <a:t> </a:t>
+            </a:r>
+            <a:r>
+              <a:rPr kumimoji="1" lang="en-US" altLang="ko-KR" dirty="0"/>
+              <a:t>5</a:t>
+            </a:r>
+            <a:r>
+              <a:rPr kumimoji="1" lang="ko-KR" altLang="en-US" dirty="0" err="1"/>
+              <a:t>개앙상블</a:t>
+            </a:r>
+            <a:r>
+              <a:rPr kumimoji="1" lang="en-US" altLang="ko-KR" dirty="0"/>
+              <a:t>]</a:t>
+            </a:r>
+          </a:p>
+          <a:p>
+            <a:r>
+              <a:rPr kumimoji="1" lang="en-US" altLang="ko-KR" dirty="0"/>
+              <a:t>5</a:t>
+            </a:r>
+            <a:r>
+              <a:rPr kumimoji="1" lang="ko-KR" altLang="en-US" dirty="0" err="1"/>
+              <a:t>개모델을</a:t>
+            </a:r>
+            <a:r>
+              <a:rPr kumimoji="1" lang="ko-KR" altLang="en-US" dirty="0"/>
+              <a:t> 사용한 서바이벌 버전 성능 측정 </a:t>
+            </a:r>
+            <a:r>
+              <a:rPr kumimoji="1" lang="en-US" altLang="ko-KR" dirty="0"/>
+              <a:t>-&gt;</a:t>
+            </a:r>
+            <a:r>
+              <a:rPr kumimoji="1" lang="ko-KR" altLang="en-US" dirty="0"/>
+              <a:t> 단일모델보다 </a:t>
+            </a:r>
+            <a:r>
+              <a:rPr kumimoji="1" lang="ko-KR" altLang="en-US" dirty="0" err="1"/>
+              <a:t>낮게나왔는데</a:t>
+            </a:r>
+            <a:r>
+              <a:rPr kumimoji="1" lang="en-US" altLang="ko-KR" dirty="0"/>
+              <a:t>,</a:t>
+            </a:r>
+            <a:r>
+              <a:rPr kumimoji="1" lang="ko-KR" altLang="en-US" dirty="0"/>
+              <a:t> </a:t>
+            </a:r>
+            <a:r>
+              <a:rPr kumimoji="1" lang="ko-KR" altLang="en-US" dirty="0" err="1"/>
+              <a:t>알고보니</a:t>
+            </a:r>
+            <a:r>
+              <a:rPr kumimoji="1" lang="ko-KR" altLang="en-US" dirty="0"/>
+              <a:t> 테스트데이터를 잘못 </a:t>
+            </a:r>
+            <a:r>
+              <a:rPr kumimoji="1" lang="ko-KR" altLang="en-US" dirty="0" err="1"/>
+              <a:t>넣엇더라구요</a:t>
+            </a:r>
+            <a:r>
+              <a:rPr kumimoji="1" lang="en-US" altLang="ko-KR" dirty="0"/>
+              <a:t>.</a:t>
+            </a:r>
+          </a:p>
+          <a:p>
+            <a:r>
+              <a:rPr kumimoji="1" lang="ko-KR" altLang="en-US" dirty="0"/>
+              <a:t>그래서 저는 제가 테스트데이터를 잘 </a:t>
+            </a:r>
+            <a:r>
+              <a:rPr kumimoji="1" lang="ko-KR" altLang="en-US" dirty="0" err="1"/>
+              <a:t>못넣은지</a:t>
+            </a:r>
+            <a:r>
+              <a:rPr kumimoji="1" lang="ko-KR" altLang="en-US" dirty="0"/>
+              <a:t> 모르고</a:t>
+            </a:r>
+            <a:r>
+              <a:rPr kumimoji="1" lang="en-US" altLang="ko-KR" dirty="0"/>
+              <a:t>,,</a:t>
+            </a:r>
+            <a:r>
+              <a:rPr kumimoji="1" lang="ko-KR" altLang="en-US" dirty="0"/>
+              <a:t>모델 수가 적어서 그런가 하고 </a:t>
+            </a:r>
+            <a:r>
+              <a:rPr kumimoji="1" lang="en-US" altLang="ko-KR" dirty="0"/>
+              <a:t>10</a:t>
+            </a:r>
+            <a:r>
+              <a:rPr kumimoji="1" lang="ko-KR" altLang="en-US" dirty="0"/>
+              <a:t>개 모델 서바이벌을 먼저 돌려보았습니다</a:t>
+            </a:r>
+            <a:r>
+              <a:rPr kumimoji="1" lang="en-US" altLang="ko-KR" dirty="0"/>
+              <a:t>.</a:t>
+            </a:r>
+          </a:p>
+          <a:p>
+            <a:r>
+              <a:rPr kumimoji="1" lang="ko-KR" altLang="en-US" dirty="0"/>
+              <a:t>모델 </a:t>
+            </a:r>
+            <a:r>
+              <a:rPr kumimoji="1" lang="en-US" altLang="ko-KR" dirty="0"/>
+              <a:t>10</a:t>
+            </a:r>
+            <a:r>
+              <a:rPr kumimoji="1" lang="ko-KR" altLang="en-US" dirty="0"/>
+              <a:t>개 </a:t>
+            </a:r>
+            <a:r>
+              <a:rPr kumimoji="1" lang="en-US" altLang="ko-KR" dirty="0"/>
+              <a:t>-&gt;</a:t>
+            </a:r>
+            <a:r>
+              <a:rPr kumimoji="1" lang="ko-KR" altLang="en-US" dirty="0"/>
+              <a:t> 성능이 좋게 나옴</a:t>
+            </a:r>
+            <a:r>
+              <a:rPr kumimoji="1" lang="en-US" altLang="ko-KR" dirty="0"/>
+              <a:t>.</a:t>
+            </a:r>
+            <a:r>
+              <a:rPr kumimoji="1" lang="ko-KR" altLang="en-US" dirty="0"/>
+              <a:t> </a:t>
+            </a:r>
+            <a:endParaRPr kumimoji="1" lang="en-US" altLang="ko-KR" dirty="0"/>
+          </a:p>
+          <a:p>
+            <a:r>
+              <a:rPr kumimoji="1" lang="ko-KR" altLang="en-US" dirty="0" err="1"/>
+              <a:t>에폭당</a:t>
+            </a:r>
+            <a:r>
+              <a:rPr kumimoji="1" lang="ko-KR" altLang="en-US" dirty="0"/>
+              <a:t> 정확도 파일이 날아가서 정확한 수치는 </a:t>
+            </a:r>
+            <a:r>
+              <a:rPr kumimoji="1" lang="ko-KR" altLang="en-US" dirty="0" err="1"/>
+              <a:t>못봣는데</a:t>
+            </a:r>
+            <a:r>
+              <a:rPr kumimoji="1" lang="ko-KR" altLang="en-US" dirty="0"/>
+              <a:t> 그래프 상으로는 거의 </a:t>
+            </a:r>
+            <a:r>
+              <a:rPr kumimoji="1" lang="en-US" altLang="ko-KR" dirty="0"/>
+              <a:t>99</a:t>
+            </a:r>
+            <a:r>
+              <a:rPr kumimoji="1" lang="ko-KR" altLang="en-US" dirty="0"/>
+              <a:t>에 가깝게 나옴</a:t>
+            </a:r>
+            <a:endParaRPr kumimoji="1" lang="en-US" altLang="ko-KR" dirty="0"/>
+          </a:p>
+          <a:p>
+            <a:endParaRPr kumimoji="1" lang="en-US" altLang="ko-Kore-KR" dirty="0"/>
+          </a:p>
+          <a:p>
+            <a:r>
+              <a:rPr kumimoji="1" lang="ko-Kore-KR" altLang="en-US" dirty="0"/>
+              <a:t>그리고</a:t>
+            </a:r>
+            <a:r>
+              <a:rPr kumimoji="1" lang="ko-KR" altLang="en-US" dirty="0"/>
+              <a:t> </a:t>
+            </a:r>
+            <a:r>
+              <a:rPr kumimoji="1" lang="en-US" altLang="ko-KR" dirty="0"/>
+              <a:t>5</a:t>
+            </a:r>
+            <a:r>
+              <a:rPr kumimoji="1" lang="ko-KR" altLang="en-US" dirty="0"/>
+              <a:t>개 버전은 아직 돌아가는 중이라 확인은 못하지만 현재 </a:t>
+            </a:r>
+            <a:r>
+              <a:rPr kumimoji="1" lang="en-US" altLang="ko-KR" dirty="0"/>
+              <a:t>100</a:t>
+            </a:r>
+            <a:r>
+              <a:rPr kumimoji="1" lang="ko-KR" altLang="en-US" dirty="0" err="1"/>
+              <a:t>에폭까지는</a:t>
+            </a:r>
+            <a:r>
+              <a:rPr kumimoji="1" lang="ko-KR" altLang="en-US" dirty="0"/>
+              <a:t> </a:t>
+            </a:r>
+            <a:r>
+              <a:rPr kumimoji="1" lang="en-US" altLang="ko-KR" dirty="0"/>
+              <a:t>89%</a:t>
+            </a:r>
+            <a:r>
+              <a:rPr kumimoji="1" lang="ko-KR" altLang="en-US" dirty="0"/>
+              <a:t> 까지 오른 것을 확인하 </a:t>
+            </a:r>
+            <a:r>
+              <a:rPr kumimoji="1" lang="ko-KR" altLang="en-US" dirty="0" err="1"/>
+              <a:t>ㄹ수</a:t>
+            </a:r>
+            <a:r>
+              <a:rPr kumimoji="1" lang="ko-KR" altLang="en-US" dirty="0"/>
+              <a:t> 있었다</a:t>
+            </a:r>
+            <a:r>
+              <a:rPr kumimoji="1" lang="en-US" altLang="ko-KR" dirty="0"/>
+              <a:t>.</a:t>
+            </a:r>
+          </a:p>
+          <a:p>
+            <a:r>
+              <a:rPr kumimoji="1" lang="en-US" altLang="ko-KR" dirty="0"/>
+              <a:t>200</a:t>
+            </a:r>
+            <a:r>
+              <a:rPr kumimoji="1" lang="ko-KR" altLang="en-US" dirty="0" err="1"/>
+              <a:t>에폭까지</a:t>
+            </a:r>
+            <a:r>
+              <a:rPr kumimoji="1" lang="ko-KR" altLang="en-US" dirty="0"/>
+              <a:t> 가면 더 오를 것 같습니다</a:t>
+            </a:r>
+            <a:r>
+              <a:rPr kumimoji="1" lang="en-US" altLang="ko-KR" dirty="0"/>
+              <a:t>.</a:t>
+            </a:r>
+          </a:p>
+          <a:p>
+            <a:r>
+              <a:rPr kumimoji="1" lang="en-US" altLang="ko-KR" dirty="0"/>
+              <a:t>10</a:t>
+            </a:r>
+            <a:r>
+              <a:rPr kumimoji="1" lang="ko-KR" altLang="en-US" dirty="0"/>
+              <a:t>개 돌린 것보다 성능이 살짝 낮을 것으로 예상이 됩니다</a:t>
+            </a:r>
+            <a:r>
+              <a:rPr kumimoji="1" lang="en-US" altLang="ko-KR" dirty="0"/>
+              <a:t>.</a:t>
+            </a:r>
+            <a:endParaRPr kumimoji="1" lang="ko-Kore-KR" altLang="en-US" dirty="0"/>
+          </a:p>
+        </p:txBody>
+      </p:sp>
+      <p:sp>
+        <p:nvSpPr>
+          <p:cNvPr id="4" name="슬라이드 번호 개체 틀 3"/>
+          <p:cNvSpPr>
+            <a:spLocks noGrp="1"/>
+          </p:cNvSpPr>
+          <p:nvPr>
+            <p:ph type="sldNum" sz="quarter" idx="5"/>
+          </p:nvPr>
+        </p:nvSpPr>
+        <p:spPr/>
+        <p:txBody>
+          <a:bodyPr/>
+          <a:lstStyle/>
+          <a:p>
+            <a:fld id="{B71B6669-FD07-494E-99BC-6FDB59A26255}" type="slidenum">
+              <a:rPr kumimoji="1" lang="ko-Kore-KR" altLang="en-US" smtClean="0"/>
+              <a:t>22</a:t>
+            </a:fld>
+            <a:endParaRPr kumimoji="1" lang="ko-Kore-KR" altLang="en-US"/>
+          </a:p>
+        </p:txBody>
+      </p:sp>
+    </p:spTree>
+    <p:extLst>
+      <p:ext uri="{BB962C8B-B14F-4D97-AF65-F5344CB8AC3E}">
+        <p14:creationId xmlns:p14="http://schemas.microsoft.com/office/powerpoint/2010/main" val="4145846408"/>
+      </p:ext>
+    </p:extLst>
+  </p:cSld>
+  <p:clrMapOvr>
+    <a:masterClrMapping/>
+  </p:clrMapOvr>
+</p:notes>
+</file>
+
+<file path=ppt/notesSlides/notesSlide17.xml><?xml version="1.0" encoding="utf-8"?>
+<p:notes xmlns:a="http://schemas.openxmlformats.org/drawingml/2006/main" xmlns:r="http://schemas.openxmlformats.org/officeDocument/2006/relationships" xmlns:p="http://schemas.openxmlformats.org/presentationml/2006/main">
+  <p:cSld>
+    <p:spTree>
+      <p:nvGrpSpPr>
+        <p:cNvPr id="1" name=""/>
+        <p:cNvGrpSpPr/>
+        <p:nvPr/>
+      </p:nvGrpSpPr>
+      <p:grpSpPr>
+        <a:xfrm>
+          <a:off x="0" y="0"/>
+          <a:ext cx="0" cy="0"/>
+          <a:chOff x="0" y="0"/>
+          <a:chExt cx="0" cy="0"/>
+        </a:xfrm>
+      </p:grpSpPr>
+      <p:sp>
+        <p:nvSpPr>
+          <p:cNvPr id="2" name="슬라이드 이미지 개체 틀 1"/>
+          <p:cNvSpPr>
+            <a:spLocks noGrp="1" noRot="1" noChangeAspect="1"/>
+          </p:cNvSpPr>
+          <p:nvPr>
+            <p:ph type="sldImg"/>
+          </p:nvPr>
+        </p:nvSpPr>
+        <p:spPr/>
+      </p:sp>
+      <p:sp>
+        <p:nvSpPr>
+          <p:cNvPr id="3" name="슬라이드 노트 개체 틀 2"/>
+          <p:cNvSpPr>
+            <a:spLocks noGrp="1"/>
+          </p:cNvSpPr>
+          <p:nvPr>
+            <p:ph type="body" idx="1"/>
+          </p:nvPr>
+        </p:nvSpPr>
+        <p:spPr/>
+        <p:txBody>
+          <a:bodyPr/>
+          <a:lstStyle/>
+          <a:p>
+            <a:r>
+              <a:rPr kumimoji="1" lang="en-US" altLang="ko-KR" dirty="0"/>
+              <a:t>[</a:t>
+            </a:r>
+            <a:r>
+              <a:rPr kumimoji="1" lang="ko-KR" altLang="en-US" dirty="0"/>
+              <a:t>서바이벌 모델 </a:t>
+            </a:r>
+            <a:r>
+              <a:rPr kumimoji="1" lang="en-US" altLang="ko-KR" dirty="0"/>
+              <a:t>–</a:t>
+            </a:r>
+            <a:r>
+              <a:rPr kumimoji="1" lang="ko-KR" altLang="en-US" dirty="0"/>
+              <a:t> </a:t>
+            </a:r>
+            <a:r>
+              <a:rPr kumimoji="1" lang="en-US" altLang="ko-KR" dirty="0"/>
+              <a:t>5</a:t>
+            </a:r>
+            <a:r>
+              <a:rPr kumimoji="1" lang="ko-KR" altLang="en-US" dirty="0" err="1"/>
+              <a:t>개앙상블</a:t>
+            </a:r>
+            <a:r>
+              <a:rPr kumimoji="1" lang="en-US" altLang="ko-KR" dirty="0"/>
+              <a:t>]</a:t>
+            </a:r>
+          </a:p>
+          <a:p>
+            <a:r>
+              <a:rPr kumimoji="1" lang="en-US" altLang="ko-KR" dirty="0"/>
+              <a:t>5</a:t>
+            </a:r>
+            <a:r>
+              <a:rPr kumimoji="1" lang="ko-KR" altLang="en-US" dirty="0" err="1"/>
+              <a:t>개모델을</a:t>
+            </a:r>
+            <a:r>
+              <a:rPr kumimoji="1" lang="ko-KR" altLang="en-US" dirty="0"/>
+              <a:t> 사용한 서바이벌 버전 성능 측정 </a:t>
+            </a:r>
+            <a:r>
+              <a:rPr kumimoji="1" lang="en-US" altLang="ko-KR" dirty="0"/>
+              <a:t>-&gt;</a:t>
+            </a:r>
+            <a:r>
+              <a:rPr kumimoji="1" lang="ko-KR" altLang="en-US" dirty="0"/>
+              <a:t> 단일모델보다 </a:t>
+            </a:r>
+            <a:r>
+              <a:rPr kumimoji="1" lang="ko-KR" altLang="en-US" dirty="0" err="1"/>
+              <a:t>낮게나왔는데</a:t>
+            </a:r>
+            <a:r>
+              <a:rPr kumimoji="1" lang="en-US" altLang="ko-KR" dirty="0"/>
+              <a:t>,</a:t>
+            </a:r>
+            <a:r>
+              <a:rPr kumimoji="1" lang="ko-KR" altLang="en-US" dirty="0"/>
+              <a:t> </a:t>
+            </a:r>
+            <a:r>
+              <a:rPr kumimoji="1" lang="ko-KR" altLang="en-US" dirty="0" err="1"/>
+              <a:t>알고보니</a:t>
+            </a:r>
+            <a:r>
+              <a:rPr kumimoji="1" lang="ko-KR" altLang="en-US" dirty="0"/>
+              <a:t> 테스트데이터를 잘못 </a:t>
+            </a:r>
+            <a:r>
+              <a:rPr kumimoji="1" lang="ko-KR" altLang="en-US" dirty="0" err="1"/>
+              <a:t>넣엇더라구요</a:t>
+            </a:r>
+            <a:r>
+              <a:rPr kumimoji="1" lang="en-US" altLang="ko-KR" dirty="0"/>
+              <a:t>.</a:t>
+            </a:r>
+          </a:p>
+          <a:p>
+            <a:r>
+              <a:rPr kumimoji="1" lang="ko-KR" altLang="en-US" dirty="0"/>
+              <a:t>그래서 저는 제가 테스트데이터를 잘 </a:t>
+            </a:r>
+            <a:r>
+              <a:rPr kumimoji="1" lang="ko-KR" altLang="en-US" dirty="0" err="1"/>
+              <a:t>못넣은지</a:t>
+            </a:r>
+            <a:r>
+              <a:rPr kumimoji="1" lang="ko-KR" altLang="en-US" dirty="0"/>
+              <a:t> 모르고</a:t>
+            </a:r>
+            <a:r>
+              <a:rPr kumimoji="1" lang="en-US" altLang="ko-KR" dirty="0"/>
+              <a:t>,,</a:t>
+            </a:r>
+            <a:r>
+              <a:rPr kumimoji="1" lang="ko-KR" altLang="en-US" dirty="0"/>
+              <a:t>모델 수가 적어서 그런가 하고 </a:t>
+            </a:r>
+            <a:r>
+              <a:rPr kumimoji="1" lang="en-US" altLang="ko-KR" dirty="0"/>
+              <a:t>10</a:t>
+            </a:r>
+            <a:r>
+              <a:rPr kumimoji="1" lang="ko-KR" altLang="en-US" dirty="0"/>
+              <a:t>개 모델 서바이벌을 먼저 돌려보았습니다</a:t>
+            </a:r>
+            <a:r>
+              <a:rPr kumimoji="1" lang="en-US" altLang="ko-KR" dirty="0"/>
+              <a:t>.</a:t>
+            </a:r>
+          </a:p>
+          <a:p>
+            <a:r>
+              <a:rPr kumimoji="1" lang="ko-KR" altLang="en-US" dirty="0"/>
+              <a:t>모델 </a:t>
+            </a:r>
+            <a:r>
+              <a:rPr kumimoji="1" lang="en-US" altLang="ko-KR" dirty="0"/>
+              <a:t>10</a:t>
+            </a:r>
+            <a:r>
+              <a:rPr kumimoji="1" lang="ko-KR" altLang="en-US" dirty="0"/>
+              <a:t>개 </a:t>
+            </a:r>
+            <a:r>
+              <a:rPr kumimoji="1" lang="en-US" altLang="ko-KR" dirty="0"/>
+              <a:t>-&gt;</a:t>
+            </a:r>
+            <a:r>
+              <a:rPr kumimoji="1" lang="ko-KR" altLang="en-US" dirty="0"/>
+              <a:t> 성능이 좋게 나옴</a:t>
+            </a:r>
+            <a:r>
+              <a:rPr kumimoji="1" lang="en-US" altLang="ko-KR" dirty="0"/>
+              <a:t>.</a:t>
+            </a:r>
+            <a:r>
+              <a:rPr kumimoji="1" lang="ko-KR" altLang="en-US" dirty="0"/>
+              <a:t> </a:t>
+            </a:r>
+            <a:endParaRPr kumimoji="1" lang="en-US" altLang="ko-KR" dirty="0"/>
+          </a:p>
+          <a:p>
+            <a:r>
+              <a:rPr kumimoji="1" lang="ko-KR" altLang="en-US" dirty="0" err="1"/>
+              <a:t>에폭당</a:t>
+            </a:r>
+            <a:r>
+              <a:rPr kumimoji="1" lang="ko-KR" altLang="en-US" dirty="0"/>
+              <a:t> 정확도 파일이 날아가서 정확한 수치는 </a:t>
+            </a:r>
+            <a:r>
+              <a:rPr kumimoji="1" lang="ko-KR" altLang="en-US" dirty="0" err="1"/>
+              <a:t>못봣는데</a:t>
+            </a:r>
+            <a:r>
+              <a:rPr kumimoji="1" lang="ko-KR" altLang="en-US" dirty="0"/>
+              <a:t> 그래프 상으로는 거의 </a:t>
+            </a:r>
+            <a:r>
+              <a:rPr kumimoji="1" lang="en-US" altLang="ko-KR" dirty="0"/>
+              <a:t>99</a:t>
+            </a:r>
+            <a:r>
+              <a:rPr kumimoji="1" lang="ko-KR" altLang="en-US" dirty="0"/>
+              <a:t>에 가깝게 나옴</a:t>
+            </a:r>
+            <a:endParaRPr kumimoji="1" lang="en-US" altLang="ko-KR" dirty="0"/>
+          </a:p>
+          <a:p>
+            <a:endParaRPr kumimoji="1" lang="en-US" altLang="ko-Kore-KR" dirty="0"/>
+          </a:p>
+          <a:p>
+            <a:r>
+              <a:rPr kumimoji="1" lang="ko-Kore-KR" altLang="en-US" dirty="0"/>
+              <a:t>그리고</a:t>
+            </a:r>
+            <a:r>
+              <a:rPr kumimoji="1" lang="ko-KR" altLang="en-US" dirty="0"/>
+              <a:t> </a:t>
+            </a:r>
+            <a:r>
+              <a:rPr kumimoji="1" lang="en-US" altLang="ko-KR" dirty="0"/>
+              <a:t>5</a:t>
+            </a:r>
+            <a:r>
+              <a:rPr kumimoji="1" lang="ko-KR" altLang="en-US" dirty="0"/>
+              <a:t>개 버전은 아직 돌아가는 중이라 확인은 못하지만 현재 </a:t>
+            </a:r>
+            <a:r>
+              <a:rPr kumimoji="1" lang="en-US" altLang="ko-KR" dirty="0"/>
+              <a:t>100</a:t>
+            </a:r>
+            <a:r>
+              <a:rPr kumimoji="1" lang="ko-KR" altLang="en-US" dirty="0" err="1"/>
+              <a:t>에폭까지는</a:t>
+            </a:r>
+            <a:r>
+              <a:rPr kumimoji="1" lang="ko-KR" altLang="en-US" dirty="0"/>
+              <a:t> </a:t>
+            </a:r>
+            <a:r>
+              <a:rPr kumimoji="1" lang="en-US" altLang="ko-KR" dirty="0"/>
+              <a:t>89%</a:t>
+            </a:r>
+            <a:r>
+              <a:rPr kumimoji="1" lang="ko-KR" altLang="en-US" dirty="0"/>
+              <a:t> 까지 오른 것을 확인하 </a:t>
+            </a:r>
+            <a:r>
+              <a:rPr kumimoji="1" lang="ko-KR" altLang="en-US" dirty="0" err="1"/>
+              <a:t>ㄹ수</a:t>
+            </a:r>
+            <a:r>
+              <a:rPr kumimoji="1" lang="ko-KR" altLang="en-US" dirty="0"/>
+              <a:t> 있었다</a:t>
+            </a:r>
+            <a:r>
+              <a:rPr kumimoji="1" lang="en-US" altLang="ko-KR" dirty="0"/>
+              <a:t>.</a:t>
+            </a:r>
+          </a:p>
+          <a:p>
+            <a:r>
+              <a:rPr kumimoji="1" lang="en-US" altLang="ko-KR" dirty="0"/>
+              <a:t>200</a:t>
+            </a:r>
+            <a:r>
+              <a:rPr kumimoji="1" lang="ko-KR" altLang="en-US" dirty="0" err="1"/>
+              <a:t>에폭까지</a:t>
+            </a:r>
+            <a:r>
+              <a:rPr kumimoji="1" lang="ko-KR" altLang="en-US" dirty="0"/>
+              <a:t> 가면 더 오를 것 같습니다</a:t>
+            </a:r>
+            <a:r>
+              <a:rPr kumimoji="1" lang="en-US" altLang="ko-KR" dirty="0"/>
+              <a:t>.</a:t>
+            </a:r>
+          </a:p>
+          <a:p>
+            <a:r>
+              <a:rPr kumimoji="1" lang="en-US" altLang="ko-KR" dirty="0"/>
+              <a:t>10</a:t>
+            </a:r>
+            <a:r>
+              <a:rPr kumimoji="1" lang="ko-KR" altLang="en-US" dirty="0"/>
+              <a:t>개 돌린 것보다 성능이 살짝 낮을 것으로 예상이 됩니다</a:t>
+            </a:r>
+            <a:r>
+              <a:rPr kumimoji="1" lang="en-US" altLang="ko-KR" dirty="0"/>
+              <a:t>.</a:t>
+            </a:r>
+            <a:endParaRPr kumimoji="1" lang="ko-Kore-KR" altLang="en-US" dirty="0"/>
+          </a:p>
+        </p:txBody>
+      </p:sp>
+      <p:sp>
+        <p:nvSpPr>
+          <p:cNvPr id="4" name="슬라이드 번호 개체 틀 3"/>
+          <p:cNvSpPr>
+            <a:spLocks noGrp="1"/>
+          </p:cNvSpPr>
+          <p:nvPr>
+            <p:ph type="sldNum" sz="quarter" idx="5"/>
+          </p:nvPr>
+        </p:nvSpPr>
+        <p:spPr/>
+        <p:txBody>
+          <a:bodyPr/>
+          <a:lstStyle/>
+          <a:p>
+            <a:fld id="{B71B6669-FD07-494E-99BC-6FDB59A26255}" type="slidenum">
+              <a:rPr kumimoji="1" lang="ko-Kore-KR" altLang="en-US" smtClean="0"/>
+              <a:t>23</a:t>
+            </a:fld>
+            <a:endParaRPr kumimoji="1" lang="ko-Kore-KR" altLang="en-US"/>
+          </a:p>
+        </p:txBody>
+      </p:sp>
+    </p:spTree>
+    <p:extLst>
+      <p:ext uri="{BB962C8B-B14F-4D97-AF65-F5344CB8AC3E}">
+        <p14:creationId xmlns:p14="http://schemas.microsoft.com/office/powerpoint/2010/main" val="684803396"/>
+      </p:ext>
+    </p:extLst>
+  </p:cSld>
+  <p:clrMapOvr>
+    <a:masterClrMapping/>
+  </p:clrMapOvr>
+</p:notes>
+</file>
+
+<file path=ppt/notesSlides/notesSlide18.xml><?xml version="1.0" encoding="utf-8"?>
+<p:notes xmlns:a="http://schemas.openxmlformats.org/drawingml/2006/main" xmlns:r="http://schemas.openxmlformats.org/officeDocument/2006/relationships" xmlns:p="http://schemas.openxmlformats.org/presentationml/2006/main">
+  <p:cSld>
+    <p:spTree>
+      <p:nvGrpSpPr>
+        <p:cNvPr id="1" name=""/>
+        <p:cNvGrpSpPr/>
+        <p:nvPr/>
+      </p:nvGrpSpPr>
+      <p:grpSpPr>
+        <a:xfrm>
+          <a:off x="0" y="0"/>
+          <a:ext cx="0" cy="0"/>
+          <a:chOff x="0" y="0"/>
+          <a:chExt cx="0" cy="0"/>
+        </a:xfrm>
+      </p:grpSpPr>
+      <p:sp>
+        <p:nvSpPr>
+          <p:cNvPr id="2" name="슬라이드 이미지 개체 틀 1"/>
+          <p:cNvSpPr>
+            <a:spLocks noGrp="1" noRot="1" noChangeAspect="1"/>
+          </p:cNvSpPr>
+          <p:nvPr>
+            <p:ph type="sldImg"/>
+          </p:nvPr>
+        </p:nvSpPr>
+        <p:spPr/>
+      </p:sp>
+      <p:sp>
+        <p:nvSpPr>
+          <p:cNvPr id="3" name="슬라이드 노트 개체 틀 2"/>
+          <p:cNvSpPr>
+            <a:spLocks noGrp="1"/>
+          </p:cNvSpPr>
+          <p:nvPr>
+            <p:ph type="body" idx="1"/>
+          </p:nvPr>
+        </p:nvSpPr>
+        <p:spPr/>
+        <p:txBody>
+          <a:bodyPr/>
+          <a:lstStyle/>
+          <a:p>
+            <a:r>
+              <a:rPr kumimoji="1" lang="en-US" altLang="ko-KR" dirty="0"/>
+              <a:t>[</a:t>
+            </a:r>
+            <a:r>
+              <a:rPr kumimoji="1" lang="ko-KR" altLang="en-US" dirty="0"/>
+              <a:t>서바이벌 모델 </a:t>
+            </a:r>
+            <a:r>
+              <a:rPr kumimoji="1" lang="en-US" altLang="ko-KR" dirty="0"/>
+              <a:t>–</a:t>
+            </a:r>
+            <a:r>
+              <a:rPr kumimoji="1" lang="ko-KR" altLang="en-US" dirty="0"/>
+              <a:t> </a:t>
+            </a:r>
+            <a:r>
+              <a:rPr kumimoji="1" lang="en-US" altLang="ko-KR" dirty="0"/>
+              <a:t>5</a:t>
+            </a:r>
+            <a:r>
+              <a:rPr kumimoji="1" lang="ko-KR" altLang="en-US" dirty="0" err="1"/>
+              <a:t>개앙상블</a:t>
+            </a:r>
+            <a:r>
+              <a:rPr kumimoji="1" lang="en-US" altLang="ko-KR" dirty="0"/>
+              <a:t>]</a:t>
+            </a:r>
+          </a:p>
+          <a:p>
+            <a:r>
+              <a:rPr kumimoji="1" lang="en-US" altLang="ko-KR" dirty="0"/>
+              <a:t>5</a:t>
+            </a:r>
+            <a:r>
+              <a:rPr kumimoji="1" lang="ko-KR" altLang="en-US" dirty="0" err="1"/>
+              <a:t>개모델을</a:t>
+            </a:r>
+            <a:r>
+              <a:rPr kumimoji="1" lang="ko-KR" altLang="en-US" dirty="0"/>
+              <a:t> 사용한 서바이벌 버전 성능 측정 </a:t>
+            </a:r>
+            <a:r>
+              <a:rPr kumimoji="1" lang="en-US" altLang="ko-KR" dirty="0"/>
+              <a:t>-&gt;</a:t>
+            </a:r>
+            <a:r>
+              <a:rPr kumimoji="1" lang="ko-KR" altLang="en-US" dirty="0"/>
+              <a:t> 단일모델보다 </a:t>
+            </a:r>
+            <a:r>
+              <a:rPr kumimoji="1" lang="ko-KR" altLang="en-US" dirty="0" err="1"/>
+              <a:t>낮게나왔는데</a:t>
+            </a:r>
+            <a:r>
+              <a:rPr kumimoji="1" lang="en-US" altLang="ko-KR" dirty="0"/>
+              <a:t>,</a:t>
+            </a:r>
+            <a:r>
+              <a:rPr kumimoji="1" lang="ko-KR" altLang="en-US" dirty="0"/>
+              <a:t> </a:t>
+            </a:r>
+            <a:r>
+              <a:rPr kumimoji="1" lang="ko-KR" altLang="en-US" dirty="0" err="1"/>
+              <a:t>알고보니</a:t>
+            </a:r>
+            <a:r>
+              <a:rPr kumimoji="1" lang="ko-KR" altLang="en-US" dirty="0"/>
+              <a:t> 테스트데이터를 잘못 </a:t>
+            </a:r>
+            <a:r>
+              <a:rPr kumimoji="1" lang="ko-KR" altLang="en-US" dirty="0" err="1"/>
+              <a:t>넣엇더라구요</a:t>
+            </a:r>
+            <a:r>
+              <a:rPr kumimoji="1" lang="en-US" altLang="ko-KR" dirty="0"/>
+              <a:t>.</a:t>
+            </a:r>
+          </a:p>
+          <a:p>
+            <a:r>
+              <a:rPr kumimoji="1" lang="ko-KR" altLang="en-US" dirty="0"/>
+              <a:t>그래서 저는 제가 테스트데이터를 잘 </a:t>
+            </a:r>
+            <a:r>
+              <a:rPr kumimoji="1" lang="ko-KR" altLang="en-US" dirty="0" err="1"/>
+              <a:t>못넣은지</a:t>
+            </a:r>
+            <a:r>
+              <a:rPr kumimoji="1" lang="ko-KR" altLang="en-US" dirty="0"/>
+              <a:t> 모르고</a:t>
+            </a:r>
+            <a:r>
+              <a:rPr kumimoji="1" lang="en-US" altLang="ko-KR" dirty="0"/>
+              <a:t>,,</a:t>
+            </a:r>
+            <a:r>
+              <a:rPr kumimoji="1" lang="ko-KR" altLang="en-US" dirty="0"/>
+              <a:t>모델 수가 적어서 그런가 하고 </a:t>
+            </a:r>
+            <a:r>
+              <a:rPr kumimoji="1" lang="en-US" altLang="ko-KR" dirty="0"/>
+              <a:t>10</a:t>
+            </a:r>
+            <a:r>
+              <a:rPr kumimoji="1" lang="ko-KR" altLang="en-US" dirty="0"/>
+              <a:t>개 모델 서바이벌을 먼저 돌려보았습니다</a:t>
+            </a:r>
+            <a:r>
+              <a:rPr kumimoji="1" lang="en-US" altLang="ko-KR" dirty="0"/>
+              <a:t>.</a:t>
+            </a:r>
+          </a:p>
+          <a:p>
+            <a:r>
+              <a:rPr kumimoji="1" lang="ko-KR" altLang="en-US" dirty="0"/>
+              <a:t>모델 </a:t>
+            </a:r>
+            <a:r>
+              <a:rPr kumimoji="1" lang="en-US" altLang="ko-KR" dirty="0"/>
+              <a:t>10</a:t>
+            </a:r>
+            <a:r>
+              <a:rPr kumimoji="1" lang="ko-KR" altLang="en-US" dirty="0"/>
+              <a:t>개 </a:t>
+            </a:r>
+            <a:r>
+              <a:rPr kumimoji="1" lang="en-US" altLang="ko-KR" dirty="0"/>
+              <a:t>-&gt;</a:t>
+            </a:r>
+            <a:r>
+              <a:rPr kumimoji="1" lang="ko-KR" altLang="en-US" dirty="0"/>
+              <a:t> 성능이 좋게 나옴</a:t>
+            </a:r>
+            <a:r>
+              <a:rPr kumimoji="1" lang="en-US" altLang="ko-KR" dirty="0"/>
+              <a:t>.</a:t>
+            </a:r>
+            <a:r>
+              <a:rPr kumimoji="1" lang="ko-KR" altLang="en-US" dirty="0"/>
+              <a:t> </a:t>
+            </a:r>
+            <a:endParaRPr kumimoji="1" lang="en-US" altLang="ko-KR" dirty="0"/>
+          </a:p>
+          <a:p>
+            <a:r>
+              <a:rPr kumimoji="1" lang="ko-KR" altLang="en-US" dirty="0" err="1"/>
+              <a:t>에폭당</a:t>
+            </a:r>
+            <a:r>
+              <a:rPr kumimoji="1" lang="ko-KR" altLang="en-US" dirty="0"/>
+              <a:t> 정확도 파일이 날아가서 정확한 수치는 </a:t>
+            </a:r>
+            <a:r>
+              <a:rPr kumimoji="1" lang="ko-KR" altLang="en-US" dirty="0" err="1"/>
+              <a:t>못봣는데</a:t>
+            </a:r>
+            <a:r>
+              <a:rPr kumimoji="1" lang="ko-KR" altLang="en-US" dirty="0"/>
+              <a:t> 그래프 상으로는 거의 </a:t>
+            </a:r>
+            <a:r>
+              <a:rPr kumimoji="1" lang="en-US" altLang="ko-KR" dirty="0"/>
+              <a:t>99</a:t>
+            </a:r>
+            <a:r>
+              <a:rPr kumimoji="1" lang="ko-KR" altLang="en-US" dirty="0"/>
+              <a:t>에 가깝게 나옴</a:t>
+            </a:r>
+            <a:endParaRPr kumimoji="1" lang="en-US" altLang="ko-KR" dirty="0"/>
+          </a:p>
+          <a:p>
+            <a:endParaRPr kumimoji="1" lang="en-US" altLang="ko-Kore-KR" dirty="0"/>
+          </a:p>
+          <a:p>
+            <a:r>
+              <a:rPr kumimoji="1" lang="ko-Kore-KR" altLang="en-US" dirty="0"/>
+              <a:t>그리고</a:t>
+            </a:r>
+            <a:r>
+              <a:rPr kumimoji="1" lang="ko-KR" altLang="en-US" dirty="0"/>
+              <a:t> </a:t>
+            </a:r>
+            <a:r>
+              <a:rPr kumimoji="1" lang="en-US" altLang="ko-KR" dirty="0"/>
+              <a:t>5</a:t>
+            </a:r>
+            <a:r>
+              <a:rPr kumimoji="1" lang="ko-KR" altLang="en-US" dirty="0"/>
+              <a:t>개 버전은 아직 돌아가는 중이라 확인은 못하지만 현재 </a:t>
+            </a:r>
+            <a:r>
+              <a:rPr kumimoji="1" lang="en-US" altLang="ko-KR" dirty="0"/>
+              <a:t>100</a:t>
+            </a:r>
+            <a:r>
+              <a:rPr kumimoji="1" lang="ko-KR" altLang="en-US" dirty="0" err="1"/>
+              <a:t>에폭까지는</a:t>
+            </a:r>
+            <a:r>
+              <a:rPr kumimoji="1" lang="ko-KR" altLang="en-US" dirty="0"/>
+              <a:t> </a:t>
+            </a:r>
+            <a:r>
+              <a:rPr kumimoji="1" lang="en-US" altLang="ko-KR" dirty="0"/>
+              <a:t>89%</a:t>
+            </a:r>
+            <a:r>
+              <a:rPr kumimoji="1" lang="ko-KR" altLang="en-US" dirty="0"/>
+              <a:t> 까지 오른 것을 확인하 </a:t>
+            </a:r>
+            <a:r>
+              <a:rPr kumimoji="1" lang="ko-KR" altLang="en-US" dirty="0" err="1"/>
+              <a:t>ㄹ수</a:t>
+            </a:r>
+            <a:r>
+              <a:rPr kumimoji="1" lang="ko-KR" altLang="en-US" dirty="0"/>
+              <a:t> 있었다</a:t>
+            </a:r>
+            <a:r>
+              <a:rPr kumimoji="1" lang="en-US" altLang="ko-KR" dirty="0"/>
+              <a:t>.</a:t>
+            </a:r>
+          </a:p>
+          <a:p>
+            <a:r>
+              <a:rPr kumimoji="1" lang="en-US" altLang="ko-KR" dirty="0"/>
+              <a:t>200</a:t>
+            </a:r>
+            <a:r>
+              <a:rPr kumimoji="1" lang="ko-KR" altLang="en-US" dirty="0" err="1"/>
+              <a:t>에폭까지</a:t>
+            </a:r>
+            <a:r>
+              <a:rPr kumimoji="1" lang="ko-KR" altLang="en-US" dirty="0"/>
+              <a:t> 가면 더 오를 것 같습니다</a:t>
+            </a:r>
+            <a:r>
+              <a:rPr kumimoji="1" lang="en-US" altLang="ko-KR" dirty="0"/>
+              <a:t>.</a:t>
+            </a:r>
+          </a:p>
+          <a:p>
+            <a:r>
+              <a:rPr kumimoji="1" lang="en-US" altLang="ko-KR" dirty="0"/>
+              <a:t>10</a:t>
+            </a:r>
+            <a:r>
+              <a:rPr kumimoji="1" lang="ko-KR" altLang="en-US" dirty="0"/>
+              <a:t>개 돌린 것보다 성능이 살짝 낮을 것으로 예상이 됩니다</a:t>
+            </a:r>
+            <a:r>
+              <a:rPr kumimoji="1" lang="en-US" altLang="ko-KR" dirty="0"/>
+              <a:t>.</a:t>
+            </a:r>
+            <a:endParaRPr kumimoji="1" lang="ko-Kore-KR" altLang="en-US" dirty="0"/>
+          </a:p>
+        </p:txBody>
+      </p:sp>
+      <p:sp>
+        <p:nvSpPr>
+          <p:cNvPr id="4" name="슬라이드 번호 개체 틀 3"/>
+          <p:cNvSpPr>
+            <a:spLocks noGrp="1"/>
+          </p:cNvSpPr>
+          <p:nvPr>
+            <p:ph type="sldNum" sz="quarter" idx="5"/>
+          </p:nvPr>
+        </p:nvSpPr>
+        <p:spPr/>
+        <p:txBody>
+          <a:bodyPr/>
+          <a:lstStyle/>
+          <a:p>
+            <a:fld id="{B71B6669-FD07-494E-99BC-6FDB59A26255}" type="slidenum">
+              <a:rPr kumimoji="1" lang="ko-Kore-KR" altLang="en-US" smtClean="0"/>
+              <a:t>24</a:t>
+            </a:fld>
+            <a:endParaRPr kumimoji="1" lang="ko-Kore-KR" altLang="en-US"/>
+          </a:p>
+        </p:txBody>
+      </p:sp>
+    </p:spTree>
+    <p:extLst>
+      <p:ext uri="{BB962C8B-B14F-4D97-AF65-F5344CB8AC3E}">
+        <p14:creationId xmlns:p14="http://schemas.microsoft.com/office/powerpoint/2010/main" val="929760538"/>
+      </p:ext>
+    </p:extLst>
+  </p:cSld>
+  <p:clrMapOvr>
+    <a:masterClrMapping/>
+  </p:clrMapOvr>
+</p:notes>
+</file>
+
 <file path=ppt/notesSlides/notesSlide2.xml><?xml version="1.0" encoding="utf-8"?>
 <p:notes xmlns:a="http://schemas.openxmlformats.org/drawingml/2006/main" xmlns:r="http://schemas.openxmlformats.org/officeDocument/2006/relationships" xmlns:p="http://schemas.openxmlformats.org/presentationml/2006/main">
   <p:cSld>
@@ -2785,7 +4030,7 @@
           <a:p>
             <a:fld id="{853950EB-5035-BF40-82AA-6C9039F9D37B}" type="datetimeFigureOut">
               <a:rPr kumimoji="1" lang="ko-Kore-KR" altLang="en-US" smtClean="0"/>
-              <a:t>2021. 9. 30.</a:t>
+              <a:t>2021. 10. 5.</a:t>
             </a:fld>
             <a:endParaRPr kumimoji="1" lang="ko-Kore-KR" altLang="en-US"/>
           </a:p>
@@ -2985,7 +4230,7 @@
           <a:p>
             <a:fld id="{853950EB-5035-BF40-82AA-6C9039F9D37B}" type="datetimeFigureOut">
               <a:rPr kumimoji="1" lang="ko-Kore-KR" altLang="en-US" smtClean="0"/>
-              <a:t>2021. 9. 30.</a:t>
+              <a:t>2021. 10. 5.</a:t>
             </a:fld>
             <a:endParaRPr kumimoji="1" lang="ko-Kore-KR" altLang="en-US"/>
           </a:p>
@@ -3195,7 +4440,7 @@
           <a:p>
             <a:fld id="{853950EB-5035-BF40-82AA-6C9039F9D37B}" type="datetimeFigureOut">
               <a:rPr kumimoji="1" lang="ko-Kore-KR" altLang="en-US" smtClean="0"/>
-              <a:t>2021. 9. 30.</a:t>
+              <a:t>2021. 10. 5.</a:t>
             </a:fld>
             <a:endParaRPr kumimoji="1" lang="ko-Kore-KR" altLang="en-US"/>
           </a:p>
@@ -3395,7 +4640,7 @@
           <a:p>
             <a:fld id="{853950EB-5035-BF40-82AA-6C9039F9D37B}" type="datetimeFigureOut">
               <a:rPr kumimoji="1" lang="ko-Kore-KR" altLang="en-US" smtClean="0"/>
-              <a:t>2021. 9. 30.</a:t>
+              <a:t>2021. 10. 5.</a:t>
             </a:fld>
             <a:endParaRPr kumimoji="1" lang="ko-Kore-KR" altLang="en-US"/>
           </a:p>
@@ -3671,7 +4916,7 @@
           <a:p>
             <a:fld id="{853950EB-5035-BF40-82AA-6C9039F9D37B}" type="datetimeFigureOut">
               <a:rPr kumimoji="1" lang="ko-Kore-KR" altLang="en-US" smtClean="0"/>
-              <a:t>2021. 9. 30.</a:t>
+              <a:t>2021. 10. 5.</a:t>
             </a:fld>
             <a:endParaRPr kumimoji="1" lang="ko-Kore-KR" altLang="en-US"/>
           </a:p>
@@ -3939,7 +5184,7 @@
           <a:p>
             <a:fld id="{853950EB-5035-BF40-82AA-6C9039F9D37B}" type="datetimeFigureOut">
               <a:rPr kumimoji="1" lang="ko-Kore-KR" altLang="en-US" smtClean="0"/>
-              <a:t>2021. 9. 30.</a:t>
+              <a:t>2021. 10. 5.</a:t>
             </a:fld>
             <a:endParaRPr kumimoji="1" lang="ko-Kore-KR" altLang="en-US"/>
           </a:p>
@@ -4354,7 +5599,7 @@
           <a:p>
             <a:fld id="{853950EB-5035-BF40-82AA-6C9039F9D37B}" type="datetimeFigureOut">
               <a:rPr kumimoji="1" lang="ko-Kore-KR" altLang="en-US" smtClean="0"/>
-              <a:t>2021. 9. 30.</a:t>
+              <a:t>2021. 10. 5.</a:t>
             </a:fld>
             <a:endParaRPr kumimoji="1" lang="ko-Kore-KR" altLang="en-US"/>
           </a:p>
@@ -4496,7 +5741,7 @@
           <a:p>
             <a:fld id="{853950EB-5035-BF40-82AA-6C9039F9D37B}" type="datetimeFigureOut">
               <a:rPr kumimoji="1" lang="ko-Kore-KR" altLang="en-US" smtClean="0"/>
-              <a:t>2021. 9. 30.</a:t>
+              <a:t>2021. 10. 5.</a:t>
             </a:fld>
             <a:endParaRPr kumimoji="1" lang="ko-Kore-KR" altLang="en-US"/>
           </a:p>
@@ -4609,7 +5854,7 @@
           <a:p>
             <a:fld id="{853950EB-5035-BF40-82AA-6C9039F9D37B}" type="datetimeFigureOut">
               <a:rPr kumimoji="1" lang="ko-Kore-KR" altLang="en-US" smtClean="0"/>
-              <a:t>2021. 9. 30.</a:t>
+              <a:t>2021. 10. 5.</a:t>
             </a:fld>
             <a:endParaRPr kumimoji="1" lang="ko-Kore-KR" altLang="en-US"/>
           </a:p>
@@ -4922,7 +6167,7 @@
           <a:p>
             <a:fld id="{853950EB-5035-BF40-82AA-6C9039F9D37B}" type="datetimeFigureOut">
               <a:rPr kumimoji="1" lang="ko-Kore-KR" altLang="en-US" smtClean="0"/>
-              <a:t>2021. 9. 30.</a:t>
+              <a:t>2021. 10. 5.</a:t>
             </a:fld>
             <a:endParaRPr kumimoji="1" lang="ko-Kore-KR" altLang="en-US"/>
           </a:p>
@@ -5211,7 +6456,7 @@
           <a:p>
             <a:fld id="{853950EB-5035-BF40-82AA-6C9039F9D37B}" type="datetimeFigureOut">
               <a:rPr kumimoji="1" lang="ko-Kore-KR" altLang="en-US" smtClean="0"/>
-              <a:t>2021. 9. 30.</a:t>
+              <a:t>2021. 10. 5.</a:t>
             </a:fld>
             <a:endParaRPr kumimoji="1" lang="ko-Kore-KR" altLang="en-US"/>
           </a:p>
@@ -5454,7 +6699,7 @@
           <a:p>
             <a:fld id="{853950EB-5035-BF40-82AA-6C9039F9D37B}" type="datetimeFigureOut">
               <a:rPr kumimoji="1" lang="ko-Kore-KR" altLang="en-US" smtClean="0"/>
-              <a:t>2021. 9. 30.</a:t>
+              <a:t>2021. 10. 5.</a:t>
             </a:fld>
             <a:endParaRPr kumimoji="1" lang="ko-Kore-KR" altLang="en-US"/>
           </a:p>
@@ -8999,8 +10244,8 @@
         </p:blipFill>
         <p:spPr>
           <a:xfrm>
-            <a:off x="4524753" y="728192"/>
-            <a:ext cx="3512505" cy="2634379"/>
+            <a:off x="4759104" y="706824"/>
+            <a:ext cx="3101451" cy="2326088"/>
           </a:xfrm>
           <a:prstGeom prst="rect">
             <a:avLst/>
@@ -9673,7 +10918,7 @@
         </p:blipFill>
         <p:spPr>
           <a:xfrm>
-            <a:off x="4745204" y="3413861"/>
+            <a:off x="4664118" y="2900947"/>
             <a:ext cx="3216245" cy="2412184"/>
           </a:xfrm>
           <a:prstGeom prst="rect">
@@ -9695,8 +10940,8 @@
         </p:nvSpPr>
         <p:spPr>
           <a:xfrm>
-            <a:off x="4613938" y="5694237"/>
-            <a:ext cx="3567708" cy="1030731"/>
+            <a:off x="4585286" y="5205667"/>
+            <a:ext cx="3449086" cy="1353897"/>
           </a:xfrm>
           <a:prstGeom prst="rect">
             <a:avLst/>
@@ -9809,6 +11054,45 @@
                 <a:ea typeface="NanumSquareRound Regular" panose="020B0600000101010101" pitchFamily="34" charset="-127"/>
               </a:rPr>
               <a:t>200epoch accuracy : 95.220%</a:t>
+            </a:r>
+          </a:p>
+          <a:p>
+            <a:pPr marL="742950" lvl="1" indent="-285750">
+              <a:lnSpc>
+                <a:spcPct val="150000"/>
+              </a:lnSpc>
+              <a:buFont typeface="Arial" panose="020B0604020202020204" pitchFamily="34" charset="0"/>
+              <a:buChar char="•"/>
+            </a:pPr>
+            <a:r>
+              <a:rPr kumimoji="1" lang="en-US" altLang="ko-KR" sz="1400" dirty="0">
+                <a:solidFill>
+                  <a:srgbClr val="3D3D3D"/>
+                </a:solidFill>
+                <a:latin typeface="NanumSquareRound Regular" panose="020B0600000101010101" pitchFamily="34" charset="-127"/>
+                <a:ea typeface="NanumSquareRound Regular" panose="020B0600000101010101" pitchFamily="34" charset="-127"/>
+              </a:rPr>
+              <a:t>195</a:t>
+            </a:r>
+            <a:r>
+              <a:rPr kumimoji="1" lang="ko-KR" altLang="en-US" sz="1400" dirty="0">
+                <a:solidFill>
+                  <a:srgbClr val="3D3D3D"/>
+                </a:solidFill>
+                <a:latin typeface="NanumSquareRound Regular" panose="020B0600000101010101" pitchFamily="34" charset="-127"/>
+                <a:ea typeface="NanumSquareRound Regular" panose="020B0600000101010101" pitchFamily="34" charset="-127"/>
+              </a:rPr>
+              <a:t> </a:t>
+            </a:r>
+            <a:r>
+              <a:rPr kumimoji="1" lang="en-US" altLang="ko-KR" sz="1400" dirty="0">
+                <a:solidFill>
+                  <a:srgbClr val="3D3D3D"/>
+                </a:solidFill>
+                <a:latin typeface="NanumSquareRound Regular" panose="020B0600000101010101" pitchFamily="34" charset="-127"/>
+                <a:ea typeface="NanumSquareRound Regular" panose="020B0600000101010101" pitchFamily="34" charset="-127"/>
+              </a:rPr>
+              <a:t>epoch accuracy : 97% </a:t>
             </a:r>
           </a:p>
         </p:txBody>
@@ -10317,6 +11601,129 @@
 </p:sld>
 </file>
 
+<file path=ppt/slides/slide19.xml><?xml version="1.0" encoding="utf-8"?>
+<p:sld xmlns:a="http://schemas.openxmlformats.org/drawingml/2006/main" xmlns:r="http://schemas.openxmlformats.org/officeDocument/2006/relationships" xmlns:p="http://schemas.openxmlformats.org/presentationml/2006/main">
+  <p:cSld>
+    <p:spTree>
+      <p:nvGrpSpPr>
+        <p:cNvPr id="1" name=""/>
+        <p:cNvGrpSpPr/>
+        <p:nvPr/>
+      </p:nvGrpSpPr>
+      <p:grpSpPr>
+        <a:xfrm>
+          <a:off x="0" y="0"/>
+          <a:ext cx="0" cy="0"/>
+          <a:chOff x="0" y="0"/>
+          <a:chExt cx="0" cy="0"/>
+        </a:xfrm>
+      </p:grpSpPr>
+      <p:sp>
+        <p:nvSpPr>
+          <p:cNvPr id="4" name="TextBox 3">
+            <a:extLst>
+              <a:ext uri="{FF2B5EF4-FFF2-40B4-BE49-F238E27FC236}">
+                <a16:creationId xmlns:a16="http://schemas.microsoft.com/office/drawing/2014/main" id="{6FCA124C-F04F-8546-B4DE-BB92CDB4A969}"/>
+              </a:ext>
+            </a:extLst>
+          </p:cNvPr>
+          <p:cNvSpPr txBox="1"/>
+          <p:nvPr/>
+        </p:nvSpPr>
+        <p:spPr>
+          <a:xfrm>
+            <a:off x="4549536" y="3115662"/>
+            <a:ext cx="3564153" cy="467885"/>
+          </a:xfrm>
+          <a:prstGeom prst="rect">
+            <a:avLst/>
+          </a:prstGeom>
+          <a:noFill/>
+        </p:spPr>
+        <p:txBody>
+          <a:bodyPr wrap="square" rtlCol="0">
+            <a:spAutoFit/>
+          </a:bodyPr>
+          <a:lstStyle/>
+          <a:p>
+            <a:pPr>
+              <a:lnSpc>
+                <a:spcPct val="150000"/>
+              </a:lnSpc>
+            </a:pPr>
+            <a:r>
+              <a:rPr kumimoji="1" lang="en-US" altLang="ko-KR" b="1" u="sng" dirty="0">
+                <a:solidFill>
+                  <a:srgbClr val="3D3D3D"/>
+                </a:solidFill>
+                <a:latin typeface="NanumSquareRound Regular" panose="020B0600000101010101" pitchFamily="34" charset="-127"/>
+                <a:ea typeface="NanumSquareRound Regular" panose="020B0600000101010101" pitchFamily="34" charset="-127"/>
+              </a:rPr>
+              <a:t>10</a:t>
+            </a:r>
+            <a:r>
+              <a:rPr kumimoji="1" lang="ko-KR" altLang="en-US" b="1" u="sng" dirty="0">
+                <a:solidFill>
+                  <a:srgbClr val="3D3D3D"/>
+                </a:solidFill>
+                <a:latin typeface="NanumSquareRound Regular" panose="020B0600000101010101" pitchFamily="34" charset="-127"/>
+                <a:ea typeface="NanumSquareRound Regular" panose="020B0600000101010101" pitchFamily="34" charset="-127"/>
+              </a:rPr>
+              <a:t>월 </a:t>
+            </a:r>
+            <a:r>
+              <a:rPr kumimoji="1" lang="en-US" altLang="ko-KR" b="1" u="sng" dirty="0">
+                <a:solidFill>
+                  <a:srgbClr val="3D3D3D"/>
+                </a:solidFill>
+                <a:latin typeface="NanumSquareRound Regular" panose="020B0600000101010101" pitchFamily="34" charset="-127"/>
+                <a:ea typeface="NanumSquareRound Regular" panose="020B0600000101010101" pitchFamily="34" charset="-127"/>
+              </a:rPr>
+              <a:t>5</a:t>
+            </a:r>
+            <a:r>
+              <a:rPr kumimoji="1" lang="ko-KR" altLang="en-US" b="1" u="sng" dirty="0">
+                <a:solidFill>
+                  <a:srgbClr val="3D3D3D"/>
+                </a:solidFill>
+                <a:latin typeface="NanumSquareRound Regular" panose="020B0600000101010101" pitchFamily="34" charset="-127"/>
+                <a:ea typeface="NanumSquareRound Regular" panose="020B0600000101010101" pitchFamily="34" charset="-127"/>
+              </a:rPr>
+              <a:t>일 화요일 </a:t>
+            </a:r>
+            <a:r>
+              <a:rPr kumimoji="1" lang="ko-KR" altLang="en-US" b="1" u="sng" dirty="0" err="1">
+                <a:solidFill>
+                  <a:srgbClr val="3D3D3D"/>
+                </a:solidFill>
+                <a:latin typeface="NanumSquareRound Regular" panose="020B0600000101010101" pitchFamily="34" charset="-127"/>
+                <a:ea typeface="NanumSquareRound Regular" panose="020B0600000101010101" pitchFamily="34" charset="-127"/>
+              </a:rPr>
+              <a:t>개인미팅</a:t>
+            </a:r>
+            <a:endParaRPr kumimoji="1" lang="en-US" altLang="ko-KR" b="1" u="sng" dirty="0">
+              <a:solidFill>
+                <a:srgbClr val="3D3D3D"/>
+              </a:solidFill>
+              <a:latin typeface="NanumSquareRound Regular" panose="020B0600000101010101" pitchFamily="34" charset="-127"/>
+              <a:ea typeface="NanumSquareRound Regular" panose="020B0600000101010101" pitchFamily="34" charset="-127"/>
+            </a:endParaRPr>
+          </a:p>
+        </p:txBody>
+      </p:sp>
+    </p:spTree>
+    <p:extLst>
+      <p:ext uri="{BB962C8B-B14F-4D97-AF65-F5344CB8AC3E}">
+        <p14:creationId xmlns:p14="http://schemas.microsoft.com/office/powerpoint/2010/main" val="1159507327"/>
+      </p:ext>
+    </p:extLst>
+  </p:cSld>
+  <p:clrMapOvr>
+    <a:masterClrMapping/>
+  </p:clrMapOvr>
+</p:sld>
+</file>
+
 <file path=ppt/slides/slide2.xml><?xml version="1.0" encoding="utf-8"?>
 <p:sld xmlns:a="http://schemas.openxmlformats.org/drawingml/2006/main" xmlns:r="http://schemas.openxmlformats.org/officeDocument/2006/relationships" xmlns:p="http://schemas.openxmlformats.org/presentationml/2006/main">
   <p:cSld>
@@ -10757,6 +12164,2019 @@
     <p:extLst>
       <p:ext uri="{BB962C8B-B14F-4D97-AF65-F5344CB8AC3E}">
         <p14:creationId xmlns:p14="http://schemas.microsoft.com/office/powerpoint/2010/main" val="822331906"/>
+      </p:ext>
+    </p:extLst>
+  </p:cSld>
+  <p:clrMapOvr>
+    <a:masterClrMapping/>
+  </p:clrMapOvr>
+</p:sld>
+</file>
+
+<file path=ppt/slides/slide20.xml><?xml version="1.0" encoding="utf-8"?>
+<p:sld xmlns:a="http://schemas.openxmlformats.org/drawingml/2006/main" xmlns:r="http://schemas.openxmlformats.org/officeDocument/2006/relationships" xmlns:p="http://schemas.openxmlformats.org/presentationml/2006/main">
+  <p:cSld>
+    <p:spTree>
+      <p:nvGrpSpPr>
+        <p:cNvPr id="1" name=""/>
+        <p:cNvGrpSpPr/>
+        <p:nvPr/>
+      </p:nvGrpSpPr>
+      <p:grpSpPr>
+        <a:xfrm>
+          <a:off x="0" y="0"/>
+          <a:ext cx="0" cy="0"/>
+          <a:chOff x="0" y="0"/>
+          <a:chExt cx="0" cy="0"/>
+        </a:xfrm>
+      </p:grpSpPr>
+      <p:pic>
+        <p:nvPicPr>
+          <p:cNvPr id="12" name="그림 11">
+            <a:extLst>
+              <a:ext uri="{FF2B5EF4-FFF2-40B4-BE49-F238E27FC236}">
+                <a16:creationId xmlns:a16="http://schemas.microsoft.com/office/drawing/2014/main" id="{0569F464-69E5-024A-8ACA-89193A4B1E76}"/>
+              </a:ext>
+            </a:extLst>
+          </p:cNvPr>
+          <p:cNvPicPr>
+            <a:picLocks noChangeAspect="1"/>
+          </p:cNvPicPr>
+          <p:nvPr/>
+        </p:nvPicPr>
+        <p:blipFill>
+          <a:blip r:embed="rId3"/>
+          <a:stretch>
+            <a:fillRect/>
+          </a:stretch>
+        </p:blipFill>
+        <p:spPr>
+          <a:xfrm>
+            <a:off x="4759104" y="706824"/>
+            <a:ext cx="3101451" cy="2326088"/>
+          </a:xfrm>
+          <a:prstGeom prst="rect">
+            <a:avLst/>
+          </a:prstGeom>
+        </p:spPr>
+      </p:pic>
+      <p:sp>
+        <p:nvSpPr>
+          <p:cNvPr id="4" name="TextBox 3">
+            <a:extLst>
+              <a:ext uri="{FF2B5EF4-FFF2-40B4-BE49-F238E27FC236}">
+                <a16:creationId xmlns:a16="http://schemas.microsoft.com/office/drawing/2014/main" id="{9790CE72-C451-F647-B0EB-9967502E3A02}"/>
+              </a:ext>
+            </a:extLst>
+          </p:cNvPr>
+          <p:cNvSpPr txBox="1"/>
+          <p:nvPr/>
+        </p:nvSpPr>
+        <p:spPr>
+          <a:xfrm>
+            <a:off x="106326" y="202019"/>
+            <a:ext cx="11889731" cy="467885"/>
+          </a:xfrm>
+          <a:prstGeom prst="rect">
+            <a:avLst/>
+          </a:prstGeom>
+          <a:noFill/>
+        </p:spPr>
+        <p:txBody>
+          <a:bodyPr wrap="square" rtlCol="0">
+            <a:spAutoFit/>
+          </a:bodyPr>
+          <a:lstStyle/>
+          <a:p>
+            <a:pPr>
+              <a:lnSpc>
+                <a:spcPct val="150000"/>
+              </a:lnSpc>
+            </a:pPr>
+            <a:r>
+              <a:rPr kumimoji="1" lang="ko-KR" altLang="en-US" b="1" u="sng" dirty="0">
+                <a:solidFill>
+                  <a:srgbClr val="3D3D3D"/>
+                </a:solidFill>
+                <a:latin typeface="NanumSquareRound Regular" panose="020B0600000101010101" pitchFamily="34" charset="-127"/>
+                <a:ea typeface="NanumSquareRound Regular" panose="020B0600000101010101" pitchFamily="34" charset="-127"/>
+              </a:rPr>
+              <a:t>덧셈 성능 확인 </a:t>
+            </a:r>
+            <a:r>
+              <a:rPr kumimoji="1" lang="en-US" altLang="ko-KR" b="1" u="sng" dirty="0">
+                <a:solidFill>
+                  <a:srgbClr val="3D3D3D"/>
+                </a:solidFill>
+                <a:latin typeface="NanumSquareRound Regular" panose="020B0600000101010101" pitchFamily="34" charset="-127"/>
+                <a:ea typeface="NanumSquareRound Regular" panose="020B0600000101010101" pitchFamily="34" charset="-127"/>
+              </a:rPr>
+              <a:t>–</a:t>
+            </a:r>
+            <a:r>
+              <a:rPr kumimoji="1" lang="ko-KR" altLang="en-US" b="1" u="sng" dirty="0">
+                <a:solidFill>
+                  <a:srgbClr val="3D3D3D"/>
+                </a:solidFill>
+                <a:latin typeface="NanumSquareRound Regular" panose="020B0600000101010101" pitchFamily="34" charset="-127"/>
+                <a:ea typeface="NanumSquareRound Regular" panose="020B0600000101010101" pitchFamily="34" charset="-127"/>
+              </a:rPr>
+              <a:t> 앙상블</a:t>
+            </a:r>
+            <a:r>
+              <a:rPr kumimoji="1" lang="en-US" altLang="ko-KR" b="1" u="sng" dirty="0">
+                <a:solidFill>
+                  <a:srgbClr val="3D3D3D"/>
+                </a:solidFill>
+                <a:latin typeface="NanumSquareRound Regular" panose="020B0600000101010101" pitchFamily="34" charset="-127"/>
+                <a:ea typeface="NanumSquareRound Regular" panose="020B0600000101010101" pitchFamily="34" charset="-127"/>
+              </a:rPr>
+              <a:t>(</a:t>
+            </a:r>
+            <a:r>
+              <a:rPr kumimoji="1" lang="ko-KR" altLang="en-US" b="1" u="sng" dirty="0">
+                <a:solidFill>
+                  <a:srgbClr val="3D3D3D"/>
+                </a:solidFill>
+                <a:latin typeface="NanumSquareRound Regular" panose="020B0600000101010101" pitchFamily="34" charset="-127"/>
+                <a:ea typeface="NanumSquareRound Regular" panose="020B0600000101010101" pitchFamily="34" charset="-127"/>
+              </a:rPr>
+              <a:t>소프트 </a:t>
+            </a:r>
+            <a:r>
+              <a:rPr kumimoji="1" lang="ko-KR" altLang="en-US" b="1" u="sng" dirty="0" err="1">
+                <a:solidFill>
+                  <a:srgbClr val="3D3D3D"/>
+                </a:solidFill>
+                <a:latin typeface="NanumSquareRound Regular" panose="020B0600000101010101" pitchFamily="34" charset="-127"/>
+                <a:ea typeface="NanumSquareRound Regular" panose="020B0600000101010101" pitchFamily="34" charset="-127"/>
+              </a:rPr>
+              <a:t>보팅</a:t>
+            </a:r>
+            <a:r>
+              <a:rPr kumimoji="1" lang="en-US" altLang="ko-KR" b="1" u="sng" dirty="0">
+                <a:solidFill>
+                  <a:srgbClr val="3D3D3D"/>
+                </a:solidFill>
+                <a:latin typeface="NanumSquareRound Regular" panose="020B0600000101010101" pitchFamily="34" charset="-127"/>
+                <a:ea typeface="NanumSquareRound Regular" panose="020B0600000101010101" pitchFamily="34" charset="-127"/>
+              </a:rPr>
+              <a:t>),</a:t>
+            </a:r>
+            <a:r>
+              <a:rPr kumimoji="1" lang="ko-KR" altLang="en-US" b="1" u="sng" dirty="0">
+                <a:solidFill>
+                  <a:srgbClr val="3D3D3D"/>
+                </a:solidFill>
+                <a:latin typeface="NanumSquareRound Regular" panose="020B0600000101010101" pitchFamily="34" charset="-127"/>
+                <a:ea typeface="NanumSquareRound Regular" panose="020B0600000101010101" pitchFamily="34" charset="-127"/>
+              </a:rPr>
+              <a:t> 서바이벌</a:t>
+            </a:r>
+            <a:r>
+              <a:rPr kumimoji="1" lang="en-US" altLang="ko-KR" b="1" u="sng" dirty="0">
+                <a:solidFill>
+                  <a:srgbClr val="3D3D3D"/>
+                </a:solidFill>
+                <a:latin typeface="NanumSquareRound Regular" panose="020B0600000101010101" pitchFamily="34" charset="-127"/>
+                <a:ea typeface="NanumSquareRound Regular" panose="020B0600000101010101" pitchFamily="34" charset="-127"/>
+              </a:rPr>
+              <a:t>,</a:t>
+            </a:r>
+            <a:r>
+              <a:rPr kumimoji="1" lang="ko-KR" altLang="en-US" b="1" u="sng" dirty="0">
+                <a:solidFill>
+                  <a:srgbClr val="3D3D3D"/>
+                </a:solidFill>
+                <a:latin typeface="NanumSquareRound Regular" panose="020B0600000101010101" pitchFamily="34" charset="-127"/>
+                <a:ea typeface="NanumSquareRound Regular" panose="020B0600000101010101" pitchFamily="34" charset="-127"/>
+              </a:rPr>
+              <a:t> 다수결</a:t>
+            </a:r>
+            <a:endParaRPr kumimoji="1" lang="en-US" altLang="ko-KR" b="1" u="sng" dirty="0">
+              <a:solidFill>
+                <a:srgbClr val="3D3D3D"/>
+              </a:solidFill>
+              <a:latin typeface="NanumSquareRound Regular" panose="020B0600000101010101" pitchFamily="34" charset="-127"/>
+              <a:ea typeface="NanumSquareRound Regular" panose="020B0600000101010101" pitchFamily="34" charset="-127"/>
+            </a:endParaRPr>
+          </a:p>
+        </p:txBody>
+      </p:sp>
+      <p:grpSp>
+        <p:nvGrpSpPr>
+          <p:cNvPr id="8" name="그룹 7">
+            <a:extLst>
+              <a:ext uri="{FF2B5EF4-FFF2-40B4-BE49-F238E27FC236}">
+                <a16:creationId xmlns:a16="http://schemas.microsoft.com/office/drawing/2014/main" id="{EC142A08-EF61-9A4B-8680-6560C9D1D159}"/>
+              </a:ext>
+            </a:extLst>
+          </p:cNvPr>
+          <p:cNvGrpSpPr/>
+          <p:nvPr/>
+        </p:nvGrpSpPr>
+        <p:grpSpPr>
+          <a:xfrm>
+            <a:off x="0" y="1620809"/>
+            <a:ext cx="4311639" cy="2985946"/>
+            <a:chOff x="6350000" y="733014"/>
+            <a:chExt cx="5842000" cy="4381500"/>
+          </a:xfrm>
+        </p:grpSpPr>
+        <p:pic>
+          <p:nvPicPr>
+            <p:cNvPr id="9" name="그림 8">
+              <a:extLst>
+                <a:ext uri="{FF2B5EF4-FFF2-40B4-BE49-F238E27FC236}">
+                  <a16:creationId xmlns:a16="http://schemas.microsoft.com/office/drawing/2014/main" id="{83D18AC6-CD26-314F-97B5-4D30494D3BF1}"/>
+                </a:ext>
+              </a:extLst>
+            </p:cNvPr>
+            <p:cNvPicPr>
+              <a:picLocks noChangeAspect="1"/>
+            </p:cNvPicPr>
+            <p:nvPr/>
+          </p:nvPicPr>
+          <p:blipFill>
+            <a:blip r:embed="rId4"/>
+            <a:stretch>
+              <a:fillRect/>
+            </a:stretch>
+          </p:blipFill>
+          <p:spPr>
+            <a:xfrm>
+              <a:off x="6350000" y="733014"/>
+              <a:ext cx="5842000" cy="4381500"/>
+            </a:xfrm>
+            <a:prstGeom prst="rect">
+              <a:avLst/>
+            </a:prstGeom>
+          </p:spPr>
+        </p:pic>
+        <p:sp>
+          <p:nvSpPr>
+            <p:cNvPr id="10" name="직사각형 9">
+              <a:extLst>
+                <a:ext uri="{FF2B5EF4-FFF2-40B4-BE49-F238E27FC236}">
+                  <a16:creationId xmlns:a16="http://schemas.microsoft.com/office/drawing/2014/main" id="{93879E58-0C81-9744-A73B-BF5ADFF9C7A4}"/>
+                </a:ext>
+              </a:extLst>
+            </p:cNvPr>
+            <p:cNvSpPr/>
+            <p:nvPr/>
+          </p:nvSpPr>
+          <p:spPr>
+            <a:xfrm>
+              <a:off x="7973568" y="938784"/>
+              <a:ext cx="1011936" cy="292608"/>
+            </a:xfrm>
+            <a:prstGeom prst="rect">
+              <a:avLst/>
+            </a:prstGeom>
+            <a:solidFill>
+              <a:schemeClr val="bg1"/>
+            </a:solidFill>
+            <a:ln>
+              <a:noFill/>
+            </a:ln>
+          </p:spPr>
+          <p:style>
+            <a:lnRef idx="2">
+              <a:schemeClr val="accent1">
+                <a:shade val="50000"/>
+              </a:schemeClr>
+            </a:lnRef>
+            <a:fillRef idx="1">
+              <a:schemeClr val="accent1"/>
+            </a:fillRef>
+            <a:effectRef idx="0">
+              <a:schemeClr val="accent1"/>
+            </a:effectRef>
+            <a:fontRef idx="minor">
+              <a:schemeClr val="lt1"/>
+            </a:fontRef>
+          </p:style>
+          <p:txBody>
+            <a:bodyPr rtlCol="0" anchor="ctr"/>
+            <a:lstStyle/>
+            <a:p>
+              <a:pPr algn="ctr"/>
+              <a:endParaRPr kumimoji="1" lang="ko-Kore-KR" altLang="en-US"/>
+            </a:p>
+          </p:txBody>
+        </p:sp>
+        <p:sp>
+          <p:nvSpPr>
+            <p:cNvPr id="11" name="TextBox 10">
+              <a:extLst>
+                <a:ext uri="{FF2B5EF4-FFF2-40B4-BE49-F238E27FC236}">
+                  <a16:creationId xmlns:a16="http://schemas.microsoft.com/office/drawing/2014/main" id="{05AE0A7B-9995-8448-A5EE-DB2D68511B70}"/>
+                </a:ext>
+              </a:extLst>
+            </p:cNvPr>
+            <p:cNvSpPr txBox="1"/>
+            <p:nvPr/>
+          </p:nvSpPr>
+          <p:spPr>
+            <a:xfrm>
+              <a:off x="8192315" y="955471"/>
+              <a:ext cx="1011936" cy="372590"/>
+            </a:xfrm>
+            <a:prstGeom prst="rect">
+              <a:avLst/>
+            </a:prstGeom>
+            <a:noFill/>
+          </p:spPr>
+          <p:txBody>
+            <a:bodyPr wrap="square" rtlCol="0">
+              <a:spAutoFit/>
+            </a:bodyPr>
+            <a:lstStyle/>
+            <a:p>
+              <a:r>
+                <a:rPr kumimoji="1" lang="en-US" altLang="ko-Kore-KR" sz="1050" dirty="0">
+                  <a:solidFill>
+                    <a:schemeClr val="bg2">
+                      <a:lumMod val="25000"/>
+                    </a:schemeClr>
+                  </a:solidFill>
+                  <a:latin typeface="+mn-ea"/>
+                </a:rPr>
+                <a:t>Addition</a:t>
+              </a:r>
+              <a:endParaRPr kumimoji="1" lang="ko-Kore-KR" altLang="en-US" sz="1050" dirty="0">
+                <a:solidFill>
+                  <a:schemeClr val="bg2">
+                    <a:lumMod val="25000"/>
+                  </a:schemeClr>
+                </a:solidFill>
+                <a:latin typeface="+mn-ea"/>
+              </a:endParaRPr>
+            </a:p>
+          </p:txBody>
+        </p:sp>
+      </p:grpSp>
+      <p:pic>
+        <p:nvPicPr>
+          <p:cNvPr id="13" name="그림 12">
+            <a:extLst>
+              <a:ext uri="{FF2B5EF4-FFF2-40B4-BE49-F238E27FC236}">
+                <a16:creationId xmlns:a16="http://schemas.microsoft.com/office/drawing/2014/main" id="{B793F985-DEED-9948-8426-1525AA098D58}"/>
+              </a:ext>
+            </a:extLst>
+          </p:cNvPr>
+          <p:cNvPicPr>
+            <a:picLocks noChangeAspect="1"/>
+          </p:cNvPicPr>
+          <p:nvPr/>
+        </p:nvPicPr>
+        <p:blipFill>
+          <a:blip r:embed="rId5"/>
+          <a:stretch>
+            <a:fillRect/>
+          </a:stretch>
+        </p:blipFill>
+        <p:spPr>
+          <a:xfrm>
+            <a:off x="8263748" y="1620809"/>
+            <a:ext cx="3981261" cy="2985946"/>
+          </a:xfrm>
+          <a:prstGeom prst="rect">
+            <a:avLst/>
+          </a:prstGeom>
+        </p:spPr>
+      </p:pic>
+      <p:sp>
+        <p:nvSpPr>
+          <p:cNvPr id="14" name="직사각형 13">
+            <a:extLst>
+              <a:ext uri="{FF2B5EF4-FFF2-40B4-BE49-F238E27FC236}">
+                <a16:creationId xmlns:a16="http://schemas.microsoft.com/office/drawing/2014/main" id="{EA9041A4-96A4-CD4F-A4B7-612F6FDDEAD3}"/>
+              </a:ext>
+            </a:extLst>
+          </p:cNvPr>
+          <p:cNvSpPr/>
+          <p:nvPr/>
+        </p:nvSpPr>
+        <p:spPr>
+          <a:xfrm>
+            <a:off x="5787418" y="343791"/>
+            <a:ext cx="2874505" cy="384401"/>
+          </a:xfrm>
+          <a:prstGeom prst="rect">
+            <a:avLst/>
+          </a:prstGeom>
+        </p:spPr>
+        <p:txBody>
+          <a:bodyPr wrap="none">
+            <a:spAutoFit/>
+          </a:bodyPr>
+          <a:lstStyle/>
+          <a:p>
+            <a:pPr marL="742950" lvl="1" indent="-285750">
+              <a:lnSpc>
+                <a:spcPct val="150000"/>
+              </a:lnSpc>
+              <a:buFont typeface="Arial" panose="020B0604020202020204" pitchFamily="34" charset="0"/>
+              <a:buChar char="•"/>
+            </a:pPr>
+            <a:r>
+              <a:rPr kumimoji="1" lang="ko-KR" altLang="en-US" sz="1400" dirty="0">
+                <a:solidFill>
+                  <a:srgbClr val="3D3D3D"/>
+                </a:solidFill>
+                <a:latin typeface="NanumSquareRound Regular" panose="020B0600000101010101" pitchFamily="34" charset="-127"/>
+                <a:ea typeface="NanumSquareRound Regular" panose="020B0600000101010101" pitchFamily="34" charset="-127"/>
+              </a:rPr>
+              <a:t>서바이벌 버전 </a:t>
+            </a:r>
+            <a:r>
+              <a:rPr kumimoji="1" lang="en-US" altLang="ko-KR" sz="1400" dirty="0">
+                <a:solidFill>
+                  <a:srgbClr val="3D3D3D"/>
+                </a:solidFill>
+                <a:latin typeface="NanumSquareRound Regular" panose="020B0600000101010101" pitchFamily="34" charset="-127"/>
+                <a:ea typeface="NanumSquareRound Regular" panose="020B0600000101010101" pitchFamily="34" charset="-127"/>
+              </a:rPr>
+              <a:t>–</a:t>
+            </a:r>
+            <a:r>
+              <a:rPr kumimoji="1" lang="ko-KR" altLang="en-US" sz="1400" dirty="0">
+                <a:solidFill>
+                  <a:srgbClr val="3D3D3D"/>
+                </a:solidFill>
+                <a:latin typeface="NanumSquareRound Regular" panose="020B0600000101010101" pitchFamily="34" charset="-127"/>
+                <a:ea typeface="NanumSquareRound Regular" panose="020B0600000101010101" pitchFamily="34" charset="-127"/>
+              </a:rPr>
+              <a:t> 모델 </a:t>
+            </a:r>
+            <a:r>
+              <a:rPr kumimoji="1" lang="en-US" altLang="ko-KR" sz="1400" dirty="0">
+                <a:solidFill>
+                  <a:srgbClr val="3D3D3D"/>
+                </a:solidFill>
+                <a:latin typeface="NanumSquareRound Regular" panose="020B0600000101010101" pitchFamily="34" charset="-127"/>
+                <a:ea typeface="NanumSquareRound Regular" panose="020B0600000101010101" pitchFamily="34" charset="-127"/>
+              </a:rPr>
+              <a:t>10</a:t>
+            </a:r>
+            <a:r>
+              <a:rPr kumimoji="1" lang="ko-KR" altLang="en-US" sz="1400" dirty="0">
+                <a:solidFill>
+                  <a:srgbClr val="3D3D3D"/>
+                </a:solidFill>
+                <a:latin typeface="NanumSquareRound Regular" panose="020B0600000101010101" pitchFamily="34" charset="-127"/>
+                <a:ea typeface="NanumSquareRound Regular" panose="020B0600000101010101" pitchFamily="34" charset="-127"/>
+              </a:rPr>
+              <a:t>개</a:t>
+            </a:r>
+            <a:endParaRPr kumimoji="1" lang="en-US" altLang="ko-KR" sz="1400" dirty="0">
+              <a:solidFill>
+                <a:srgbClr val="3D3D3D"/>
+              </a:solidFill>
+              <a:latin typeface="NanumSquareRound Regular" panose="020B0600000101010101" pitchFamily="34" charset="-127"/>
+              <a:ea typeface="NanumSquareRound Regular" panose="020B0600000101010101" pitchFamily="34" charset="-127"/>
+            </a:endParaRPr>
+          </a:p>
+        </p:txBody>
+      </p:sp>
+      <p:sp>
+        <p:nvSpPr>
+          <p:cNvPr id="15" name="직사각형 14">
+            <a:extLst>
+              <a:ext uri="{FF2B5EF4-FFF2-40B4-BE49-F238E27FC236}">
+                <a16:creationId xmlns:a16="http://schemas.microsoft.com/office/drawing/2014/main" id="{29757DFB-AD32-C648-917B-CB25A5E41FEF}"/>
+              </a:ext>
+            </a:extLst>
+          </p:cNvPr>
+          <p:cNvSpPr/>
+          <p:nvPr/>
+        </p:nvSpPr>
+        <p:spPr>
+          <a:xfrm>
+            <a:off x="-55716" y="4990313"/>
+            <a:ext cx="4669654" cy="1030731"/>
+          </a:xfrm>
+          <a:prstGeom prst="rect">
+            <a:avLst/>
+          </a:prstGeom>
+        </p:spPr>
+        <p:txBody>
+          <a:bodyPr wrap="square">
+            <a:spAutoFit/>
+          </a:bodyPr>
+          <a:lstStyle/>
+          <a:p>
+            <a:pPr marL="742950" lvl="1" indent="-285750">
+              <a:lnSpc>
+                <a:spcPct val="150000"/>
+              </a:lnSpc>
+              <a:buFont typeface="Arial" panose="020B0604020202020204" pitchFamily="34" charset="0"/>
+              <a:buChar char="•"/>
+            </a:pPr>
+            <a:r>
+              <a:rPr kumimoji="1" lang="ko-KR" altLang="en-US" sz="1400" b="1" dirty="0">
+                <a:solidFill>
+                  <a:srgbClr val="3D3D3D"/>
+                </a:solidFill>
+                <a:latin typeface="NanumSquareRound Regular" panose="020B0600000101010101" pitchFamily="34" charset="-127"/>
+                <a:ea typeface="NanumSquareRound Regular" panose="020B0600000101010101" pitchFamily="34" charset="-127"/>
+              </a:rPr>
+              <a:t> 덧셈 앙상블</a:t>
+            </a:r>
+            <a:endParaRPr kumimoji="1" lang="en-US" altLang="ko-KR" sz="1400" b="1" dirty="0">
+              <a:solidFill>
+                <a:srgbClr val="3D3D3D"/>
+              </a:solidFill>
+              <a:latin typeface="NanumSquareRound Regular" panose="020B0600000101010101" pitchFamily="34" charset="-127"/>
+              <a:ea typeface="NanumSquareRound Regular" panose="020B0600000101010101" pitchFamily="34" charset="-127"/>
+            </a:endParaRPr>
+          </a:p>
+          <a:p>
+            <a:pPr marL="742950" lvl="1" indent="-285750">
+              <a:lnSpc>
+                <a:spcPct val="150000"/>
+              </a:lnSpc>
+              <a:buFont typeface="Arial" panose="020B0604020202020204" pitchFamily="34" charset="0"/>
+              <a:buChar char="•"/>
+            </a:pPr>
+            <a:r>
+              <a:rPr kumimoji="1" lang="en-US" altLang="ko-KR" sz="1400" dirty="0">
+                <a:solidFill>
+                  <a:srgbClr val="3D3D3D"/>
+                </a:solidFill>
+                <a:latin typeface="NanumSquareRound Regular" panose="020B0600000101010101" pitchFamily="34" charset="-127"/>
+                <a:ea typeface="NanumSquareRound Regular" panose="020B0600000101010101" pitchFamily="34" charset="-127"/>
+              </a:rPr>
+              <a:t>100epoch accuracy : 94.960%</a:t>
+            </a:r>
+          </a:p>
+          <a:p>
+            <a:pPr marL="742950" lvl="1" indent="-285750">
+              <a:lnSpc>
+                <a:spcPct val="150000"/>
+              </a:lnSpc>
+              <a:buFont typeface="Arial" panose="020B0604020202020204" pitchFamily="34" charset="0"/>
+              <a:buChar char="•"/>
+            </a:pPr>
+            <a:r>
+              <a:rPr kumimoji="1" lang="en-US" altLang="ko-KR" sz="1400" dirty="0">
+                <a:solidFill>
+                  <a:srgbClr val="3D3D3D"/>
+                </a:solidFill>
+                <a:latin typeface="NanumSquareRound Regular" panose="020B0600000101010101" pitchFamily="34" charset="-127"/>
+                <a:ea typeface="NanumSquareRound Regular" panose="020B0600000101010101" pitchFamily="34" charset="-127"/>
+              </a:rPr>
+              <a:t>200epoch accuracy :  99.980%</a:t>
+            </a:r>
+          </a:p>
+        </p:txBody>
+      </p:sp>
+      <p:sp>
+        <p:nvSpPr>
+          <p:cNvPr id="16" name="직사각형 15">
+            <a:extLst>
+              <a:ext uri="{FF2B5EF4-FFF2-40B4-BE49-F238E27FC236}">
+                <a16:creationId xmlns:a16="http://schemas.microsoft.com/office/drawing/2014/main" id="{86D5440F-C8BA-344D-8605-A16BEA2DBD1D}"/>
+              </a:ext>
+            </a:extLst>
+          </p:cNvPr>
+          <p:cNvSpPr/>
+          <p:nvPr/>
+        </p:nvSpPr>
+        <p:spPr>
+          <a:xfrm>
+            <a:off x="8263748" y="4990312"/>
+            <a:ext cx="3449086" cy="1030731"/>
+          </a:xfrm>
+          <a:prstGeom prst="rect">
+            <a:avLst/>
+          </a:prstGeom>
+        </p:spPr>
+        <p:txBody>
+          <a:bodyPr wrap="none">
+            <a:spAutoFit/>
+          </a:bodyPr>
+          <a:lstStyle/>
+          <a:p>
+            <a:pPr marL="742950" lvl="1" indent="-285750">
+              <a:lnSpc>
+                <a:spcPct val="150000"/>
+              </a:lnSpc>
+              <a:buFont typeface="Arial" panose="020B0604020202020204" pitchFamily="34" charset="0"/>
+              <a:buChar char="•"/>
+            </a:pPr>
+            <a:r>
+              <a:rPr kumimoji="1" lang="ko-KR" altLang="en-US" sz="1400" dirty="0">
+                <a:solidFill>
+                  <a:srgbClr val="3D3D3D"/>
+                </a:solidFill>
+                <a:latin typeface="NanumSquareRound Regular" panose="020B0600000101010101" pitchFamily="34" charset="-127"/>
+                <a:ea typeface="NanumSquareRound Regular" panose="020B0600000101010101" pitchFamily="34" charset="-127"/>
+              </a:rPr>
+              <a:t>다수결 버전 </a:t>
+            </a:r>
+            <a:r>
+              <a:rPr kumimoji="1" lang="en-US" altLang="ko-KR" sz="1400" dirty="0">
+                <a:solidFill>
+                  <a:srgbClr val="3D3D3D"/>
+                </a:solidFill>
+                <a:latin typeface="NanumSquareRound Regular" panose="020B0600000101010101" pitchFamily="34" charset="-127"/>
+                <a:ea typeface="NanumSquareRound Regular" panose="020B0600000101010101" pitchFamily="34" charset="-127"/>
+              </a:rPr>
+              <a:t>-</a:t>
+            </a:r>
+            <a:r>
+              <a:rPr kumimoji="1" lang="ko-KR" altLang="en-US" sz="1400" dirty="0">
+                <a:solidFill>
+                  <a:srgbClr val="3D3D3D"/>
+                </a:solidFill>
+                <a:latin typeface="NanumSquareRound Regular" panose="020B0600000101010101" pitchFamily="34" charset="-127"/>
+                <a:ea typeface="NanumSquareRound Regular" panose="020B0600000101010101" pitchFamily="34" charset="-127"/>
+              </a:rPr>
+              <a:t> 모델 </a:t>
+            </a:r>
+            <a:r>
+              <a:rPr kumimoji="1" lang="en-US" altLang="ko-KR" sz="1400" dirty="0">
+                <a:solidFill>
+                  <a:srgbClr val="3D3D3D"/>
+                </a:solidFill>
+                <a:latin typeface="NanumSquareRound Regular" panose="020B0600000101010101" pitchFamily="34" charset="-127"/>
+                <a:ea typeface="NanumSquareRound Regular" panose="020B0600000101010101" pitchFamily="34" charset="-127"/>
+              </a:rPr>
+              <a:t>5</a:t>
+            </a:r>
+            <a:r>
+              <a:rPr kumimoji="1" lang="ko-KR" altLang="en-US" sz="1400" dirty="0">
+                <a:solidFill>
+                  <a:srgbClr val="3D3D3D"/>
+                </a:solidFill>
+                <a:latin typeface="NanumSquareRound Regular" panose="020B0600000101010101" pitchFamily="34" charset="-127"/>
+                <a:ea typeface="NanumSquareRound Regular" panose="020B0600000101010101" pitchFamily="34" charset="-127"/>
+              </a:rPr>
+              <a:t>개</a:t>
+            </a:r>
+            <a:endParaRPr kumimoji="1" lang="en-US" altLang="ko-KR" sz="1400" dirty="0">
+              <a:solidFill>
+                <a:srgbClr val="3D3D3D"/>
+              </a:solidFill>
+              <a:latin typeface="NanumSquareRound Regular" panose="020B0600000101010101" pitchFamily="34" charset="-127"/>
+              <a:ea typeface="NanumSquareRound Regular" panose="020B0600000101010101" pitchFamily="34" charset="-127"/>
+            </a:endParaRPr>
+          </a:p>
+          <a:p>
+            <a:pPr marL="742950" lvl="1" indent="-285750">
+              <a:lnSpc>
+                <a:spcPct val="150000"/>
+              </a:lnSpc>
+              <a:buFont typeface="Arial" panose="020B0604020202020204" pitchFamily="34" charset="0"/>
+              <a:buChar char="•"/>
+            </a:pPr>
+            <a:r>
+              <a:rPr kumimoji="1" lang="en-US" altLang="ko-KR" sz="1400" dirty="0">
+                <a:solidFill>
+                  <a:srgbClr val="3D3D3D"/>
+                </a:solidFill>
+                <a:latin typeface="NanumSquareRound Regular" panose="020B0600000101010101" pitchFamily="34" charset="-127"/>
+                <a:ea typeface="NanumSquareRound Regular" panose="020B0600000101010101" pitchFamily="34" charset="-127"/>
+              </a:rPr>
+              <a:t>100epoch accuracy 87.880%</a:t>
+            </a:r>
+          </a:p>
+          <a:p>
+            <a:pPr marL="742950" lvl="1" indent="-285750">
+              <a:lnSpc>
+                <a:spcPct val="150000"/>
+              </a:lnSpc>
+              <a:buFont typeface="Arial" panose="020B0604020202020204" pitchFamily="34" charset="0"/>
+              <a:buChar char="•"/>
+            </a:pPr>
+            <a:r>
+              <a:rPr kumimoji="1" lang="en-US" altLang="ko-KR" sz="1400" dirty="0">
+                <a:solidFill>
+                  <a:srgbClr val="3D3D3D"/>
+                </a:solidFill>
+                <a:latin typeface="NanumSquareRound Regular" panose="020B0600000101010101" pitchFamily="34" charset="-127"/>
+                <a:ea typeface="NanumSquareRound Regular" panose="020B0600000101010101" pitchFamily="34" charset="-127"/>
+              </a:rPr>
+              <a:t>200epoch accuracy : 96.620%</a:t>
+            </a:r>
+          </a:p>
+        </p:txBody>
+      </p:sp>
+      <p:pic>
+        <p:nvPicPr>
+          <p:cNvPr id="17" name="그림 16">
+            <a:extLst>
+              <a:ext uri="{FF2B5EF4-FFF2-40B4-BE49-F238E27FC236}">
+                <a16:creationId xmlns:a16="http://schemas.microsoft.com/office/drawing/2014/main" id="{C2EF8A1A-F8CA-C641-A859-906B10786C68}"/>
+              </a:ext>
+            </a:extLst>
+          </p:cNvPr>
+          <p:cNvPicPr>
+            <a:picLocks noChangeAspect="1"/>
+          </p:cNvPicPr>
+          <p:nvPr/>
+        </p:nvPicPr>
+        <p:blipFill>
+          <a:blip r:embed="rId6"/>
+          <a:stretch>
+            <a:fillRect/>
+          </a:stretch>
+        </p:blipFill>
+        <p:spPr>
+          <a:xfrm>
+            <a:off x="4664118" y="2900947"/>
+            <a:ext cx="3216245" cy="2412184"/>
+          </a:xfrm>
+          <a:prstGeom prst="rect">
+            <a:avLst/>
+          </a:prstGeom>
+        </p:spPr>
+      </p:pic>
+      <p:sp>
+        <p:nvSpPr>
+          <p:cNvPr id="18" name="직사각형 17">
+            <a:extLst>
+              <a:ext uri="{FF2B5EF4-FFF2-40B4-BE49-F238E27FC236}">
+                <a16:creationId xmlns:a16="http://schemas.microsoft.com/office/drawing/2014/main" id="{F921CE76-37D0-654A-97BE-97F9BEF4B122}"/>
+              </a:ext>
+            </a:extLst>
+          </p:cNvPr>
+          <p:cNvSpPr/>
+          <p:nvPr/>
+        </p:nvSpPr>
+        <p:spPr>
+          <a:xfrm>
+            <a:off x="4585286" y="5205667"/>
+            <a:ext cx="3449086" cy="1353897"/>
+          </a:xfrm>
+          <a:prstGeom prst="rect">
+            <a:avLst/>
+          </a:prstGeom>
+        </p:spPr>
+        <p:txBody>
+          <a:bodyPr wrap="none">
+            <a:spAutoFit/>
+          </a:bodyPr>
+          <a:lstStyle/>
+          <a:p>
+            <a:pPr marL="742950" lvl="1" indent="-285750">
+              <a:lnSpc>
+                <a:spcPct val="150000"/>
+              </a:lnSpc>
+              <a:buFont typeface="Arial" panose="020B0604020202020204" pitchFamily="34" charset="0"/>
+              <a:buChar char="•"/>
+            </a:pPr>
+            <a:r>
+              <a:rPr kumimoji="1" lang="ko-KR" altLang="en-US" sz="1400" dirty="0">
+                <a:solidFill>
+                  <a:srgbClr val="3D3D3D"/>
+                </a:solidFill>
+                <a:latin typeface="NanumSquareRound Regular" panose="020B0600000101010101" pitchFamily="34" charset="-127"/>
+                <a:ea typeface="NanumSquareRound Regular" panose="020B0600000101010101" pitchFamily="34" charset="-127"/>
+              </a:rPr>
+              <a:t>서바이벌 버전 </a:t>
+            </a:r>
+            <a:r>
+              <a:rPr kumimoji="1" lang="en-US" altLang="ko-KR" sz="1400" dirty="0">
+                <a:solidFill>
+                  <a:srgbClr val="3D3D3D"/>
+                </a:solidFill>
+                <a:latin typeface="NanumSquareRound Regular" panose="020B0600000101010101" pitchFamily="34" charset="-127"/>
+                <a:ea typeface="NanumSquareRound Regular" panose="020B0600000101010101" pitchFamily="34" charset="-127"/>
+              </a:rPr>
+              <a:t>–</a:t>
+            </a:r>
+            <a:r>
+              <a:rPr kumimoji="1" lang="ko-KR" altLang="en-US" sz="1400" dirty="0">
+                <a:solidFill>
+                  <a:srgbClr val="3D3D3D"/>
+                </a:solidFill>
+                <a:latin typeface="NanumSquareRound Regular" panose="020B0600000101010101" pitchFamily="34" charset="-127"/>
+                <a:ea typeface="NanumSquareRound Regular" panose="020B0600000101010101" pitchFamily="34" charset="-127"/>
+              </a:rPr>
+              <a:t> 모델 </a:t>
+            </a:r>
+            <a:r>
+              <a:rPr kumimoji="1" lang="en-US" altLang="ko-KR" sz="1400" dirty="0">
+                <a:solidFill>
+                  <a:srgbClr val="3D3D3D"/>
+                </a:solidFill>
+                <a:latin typeface="NanumSquareRound Regular" panose="020B0600000101010101" pitchFamily="34" charset="-127"/>
+                <a:ea typeface="NanumSquareRound Regular" panose="020B0600000101010101" pitchFamily="34" charset="-127"/>
+              </a:rPr>
+              <a:t>5</a:t>
+            </a:r>
+            <a:r>
+              <a:rPr kumimoji="1" lang="ko-KR" altLang="en-US" sz="1400" dirty="0">
+                <a:solidFill>
+                  <a:srgbClr val="3D3D3D"/>
+                </a:solidFill>
+                <a:latin typeface="NanumSquareRound Regular" panose="020B0600000101010101" pitchFamily="34" charset="-127"/>
+                <a:ea typeface="NanumSquareRound Regular" panose="020B0600000101010101" pitchFamily="34" charset="-127"/>
+              </a:rPr>
+              <a:t>개</a:t>
+            </a:r>
+            <a:endParaRPr kumimoji="1" lang="en-US" altLang="ko-KR" sz="1400" dirty="0">
+              <a:solidFill>
+                <a:srgbClr val="3D3D3D"/>
+              </a:solidFill>
+              <a:latin typeface="NanumSquareRound Regular" panose="020B0600000101010101" pitchFamily="34" charset="-127"/>
+              <a:ea typeface="NanumSquareRound Regular" panose="020B0600000101010101" pitchFamily="34" charset="-127"/>
+            </a:endParaRPr>
+          </a:p>
+          <a:p>
+            <a:pPr marL="742950" lvl="1" indent="-285750">
+              <a:lnSpc>
+                <a:spcPct val="150000"/>
+              </a:lnSpc>
+              <a:buFont typeface="Arial" panose="020B0604020202020204" pitchFamily="34" charset="0"/>
+              <a:buChar char="•"/>
+            </a:pPr>
+            <a:r>
+              <a:rPr kumimoji="1" lang="en-US" altLang="ko-KR" sz="1400" dirty="0">
+                <a:solidFill>
+                  <a:srgbClr val="3D3D3D"/>
+                </a:solidFill>
+                <a:latin typeface="NanumSquareRound Regular" panose="020B0600000101010101" pitchFamily="34" charset="-127"/>
+                <a:ea typeface="NanumSquareRound Regular" panose="020B0600000101010101" pitchFamily="34" charset="-127"/>
+              </a:rPr>
+              <a:t>100epoch accuracy 89.960%</a:t>
+            </a:r>
+          </a:p>
+          <a:p>
+            <a:pPr marL="742950" lvl="1" indent="-285750">
+              <a:lnSpc>
+                <a:spcPct val="150000"/>
+              </a:lnSpc>
+              <a:buFont typeface="Arial" panose="020B0604020202020204" pitchFamily="34" charset="0"/>
+              <a:buChar char="•"/>
+            </a:pPr>
+            <a:r>
+              <a:rPr kumimoji="1" lang="en-US" altLang="ko-KR" sz="1400" dirty="0">
+                <a:solidFill>
+                  <a:srgbClr val="3D3D3D"/>
+                </a:solidFill>
+                <a:latin typeface="NanumSquareRound Regular" panose="020B0600000101010101" pitchFamily="34" charset="-127"/>
+                <a:ea typeface="NanumSquareRound Regular" panose="020B0600000101010101" pitchFamily="34" charset="-127"/>
+              </a:rPr>
+              <a:t>200epoch accuracy : 95.220%</a:t>
+            </a:r>
+          </a:p>
+          <a:p>
+            <a:pPr marL="742950" lvl="1" indent="-285750">
+              <a:lnSpc>
+                <a:spcPct val="150000"/>
+              </a:lnSpc>
+              <a:buFont typeface="Arial" panose="020B0604020202020204" pitchFamily="34" charset="0"/>
+              <a:buChar char="•"/>
+            </a:pPr>
+            <a:r>
+              <a:rPr kumimoji="1" lang="en-US" altLang="ko-KR" sz="1400" dirty="0">
+                <a:solidFill>
+                  <a:srgbClr val="3D3D3D"/>
+                </a:solidFill>
+                <a:latin typeface="NanumSquareRound Regular" panose="020B0600000101010101" pitchFamily="34" charset="-127"/>
+                <a:ea typeface="NanumSquareRound Regular" panose="020B0600000101010101" pitchFamily="34" charset="-127"/>
+              </a:rPr>
+              <a:t>195</a:t>
+            </a:r>
+            <a:r>
+              <a:rPr kumimoji="1" lang="ko-KR" altLang="en-US" sz="1400" dirty="0">
+                <a:solidFill>
+                  <a:srgbClr val="3D3D3D"/>
+                </a:solidFill>
+                <a:latin typeface="NanumSquareRound Regular" panose="020B0600000101010101" pitchFamily="34" charset="-127"/>
+                <a:ea typeface="NanumSquareRound Regular" panose="020B0600000101010101" pitchFamily="34" charset="-127"/>
+              </a:rPr>
+              <a:t> </a:t>
+            </a:r>
+            <a:r>
+              <a:rPr kumimoji="1" lang="en-US" altLang="ko-KR" sz="1400" dirty="0">
+                <a:solidFill>
+                  <a:srgbClr val="3D3D3D"/>
+                </a:solidFill>
+                <a:latin typeface="NanumSquareRound Regular" panose="020B0600000101010101" pitchFamily="34" charset="-127"/>
+                <a:ea typeface="NanumSquareRound Regular" panose="020B0600000101010101" pitchFamily="34" charset="-127"/>
+              </a:rPr>
+              <a:t>epoch accuracy : 97% </a:t>
+            </a:r>
+          </a:p>
+        </p:txBody>
+      </p:sp>
+    </p:spTree>
+    <p:extLst>
+      <p:ext uri="{BB962C8B-B14F-4D97-AF65-F5344CB8AC3E}">
+        <p14:creationId xmlns:p14="http://schemas.microsoft.com/office/powerpoint/2010/main" val="3739670854"/>
+      </p:ext>
+    </p:extLst>
+  </p:cSld>
+  <p:clrMapOvr>
+    <a:masterClrMapping/>
+  </p:clrMapOvr>
+</p:sld>
+</file>
+
+<file path=ppt/slides/slide21.xml><?xml version="1.0" encoding="utf-8"?>
+<p:sld xmlns:a="http://schemas.openxmlformats.org/drawingml/2006/main" xmlns:r="http://schemas.openxmlformats.org/officeDocument/2006/relationships" xmlns:p="http://schemas.openxmlformats.org/presentationml/2006/main">
+  <p:cSld>
+    <p:spTree>
+      <p:nvGrpSpPr>
+        <p:cNvPr id="1" name=""/>
+        <p:cNvGrpSpPr/>
+        <p:nvPr/>
+      </p:nvGrpSpPr>
+      <p:grpSpPr>
+        <a:xfrm>
+          <a:off x="0" y="0"/>
+          <a:ext cx="0" cy="0"/>
+          <a:chOff x="0" y="0"/>
+          <a:chExt cx="0" cy="0"/>
+        </a:xfrm>
+      </p:grpSpPr>
+      <p:sp>
+        <p:nvSpPr>
+          <p:cNvPr id="4" name="TextBox 3">
+            <a:extLst>
+              <a:ext uri="{FF2B5EF4-FFF2-40B4-BE49-F238E27FC236}">
+                <a16:creationId xmlns:a16="http://schemas.microsoft.com/office/drawing/2014/main" id="{6FCA124C-F04F-8546-B4DE-BB92CDB4A969}"/>
+              </a:ext>
+            </a:extLst>
+          </p:cNvPr>
+          <p:cNvSpPr txBox="1"/>
+          <p:nvPr/>
+        </p:nvSpPr>
+        <p:spPr>
+          <a:xfrm>
+            <a:off x="4549536" y="3115662"/>
+            <a:ext cx="3564153" cy="467885"/>
+          </a:xfrm>
+          <a:prstGeom prst="rect">
+            <a:avLst/>
+          </a:prstGeom>
+          <a:noFill/>
+        </p:spPr>
+        <p:txBody>
+          <a:bodyPr wrap="square" rtlCol="0">
+            <a:spAutoFit/>
+          </a:bodyPr>
+          <a:lstStyle/>
+          <a:p>
+            <a:pPr>
+              <a:lnSpc>
+                <a:spcPct val="150000"/>
+              </a:lnSpc>
+            </a:pPr>
+            <a:r>
+              <a:rPr kumimoji="1" lang="en-US" altLang="ko-KR" b="1" u="sng" dirty="0">
+                <a:solidFill>
+                  <a:srgbClr val="3D3D3D"/>
+                </a:solidFill>
+                <a:latin typeface="NanumSquareRound Regular" panose="020B0600000101010101" pitchFamily="34" charset="-127"/>
+                <a:ea typeface="NanumSquareRound Regular" panose="020B0600000101010101" pitchFamily="34" charset="-127"/>
+              </a:rPr>
+              <a:t>10</a:t>
+            </a:r>
+            <a:r>
+              <a:rPr kumimoji="1" lang="ko-KR" altLang="en-US" b="1" u="sng" dirty="0">
+                <a:solidFill>
+                  <a:srgbClr val="3D3D3D"/>
+                </a:solidFill>
+                <a:latin typeface="NanumSquareRound Regular" panose="020B0600000101010101" pitchFamily="34" charset="-127"/>
+                <a:ea typeface="NanumSquareRound Regular" panose="020B0600000101010101" pitchFamily="34" charset="-127"/>
+              </a:rPr>
+              <a:t>월 </a:t>
+            </a:r>
+            <a:r>
+              <a:rPr kumimoji="1" lang="en-US" altLang="ko-KR" b="1" u="sng" dirty="0">
+                <a:solidFill>
+                  <a:srgbClr val="3D3D3D"/>
+                </a:solidFill>
+                <a:latin typeface="NanumSquareRound Regular" panose="020B0600000101010101" pitchFamily="34" charset="-127"/>
+                <a:ea typeface="NanumSquareRound Regular" panose="020B0600000101010101" pitchFamily="34" charset="-127"/>
+              </a:rPr>
+              <a:t>7</a:t>
+            </a:r>
+            <a:r>
+              <a:rPr kumimoji="1" lang="ko-KR" altLang="en-US" b="1" u="sng" dirty="0">
+                <a:solidFill>
+                  <a:srgbClr val="3D3D3D"/>
+                </a:solidFill>
+                <a:latin typeface="NanumSquareRound Regular" panose="020B0600000101010101" pitchFamily="34" charset="-127"/>
+                <a:ea typeface="NanumSquareRound Regular" panose="020B0600000101010101" pitchFamily="34" charset="-127"/>
+              </a:rPr>
+              <a:t>일 화요일 </a:t>
+            </a:r>
+            <a:r>
+              <a:rPr kumimoji="1" lang="ko-KR" altLang="en-US" b="1" u="sng" dirty="0" err="1">
+                <a:solidFill>
+                  <a:srgbClr val="3D3D3D"/>
+                </a:solidFill>
+                <a:latin typeface="NanumSquareRound Regular" panose="020B0600000101010101" pitchFamily="34" charset="-127"/>
+                <a:ea typeface="NanumSquareRound Regular" panose="020B0600000101010101" pitchFamily="34" charset="-127"/>
+              </a:rPr>
+              <a:t>개인미팅</a:t>
+            </a:r>
+            <a:endParaRPr kumimoji="1" lang="en-US" altLang="ko-KR" b="1" u="sng" dirty="0">
+              <a:solidFill>
+                <a:srgbClr val="3D3D3D"/>
+              </a:solidFill>
+              <a:latin typeface="NanumSquareRound Regular" panose="020B0600000101010101" pitchFamily="34" charset="-127"/>
+              <a:ea typeface="NanumSquareRound Regular" panose="020B0600000101010101" pitchFamily="34" charset="-127"/>
+            </a:endParaRPr>
+          </a:p>
+        </p:txBody>
+      </p:sp>
+    </p:spTree>
+    <p:extLst>
+      <p:ext uri="{BB962C8B-B14F-4D97-AF65-F5344CB8AC3E}">
+        <p14:creationId xmlns:p14="http://schemas.microsoft.com/office/powerpoint/2010/main" val="4292859416"/>
+      </p:ext>
+    </p:extLst>
+  </p:cSld>
+  <p:clrMapOvr>
+    <a:masterClrMapping/>
+  </p:clrMapOvr>
+</p:sld>
+</file>
+
+<file path=ppt/slides/slide22.xml><?xml version="1.0" encoding="utf-8"?>
+<p:sld xmlns:a="http://schemas.openxmlformats.org/drawingml/2006/main" xmlns:r="http://schemas.openxmlformats.org/officeDocument/2006/relationships" xmlns:p="http://schemas.openxmlformats.org/presentationml/2006/main">
+  <p:cSld>
+    <p:spTree>
+      <p:nvGrpSpPr>
+        <p:cNvPr id="1" name=""/>
+        <p:cNvGrpSpPr/>
+        <p:nvPr/>
+      </p:nvGrpSpPr>
+      <p:grpSpPr>
+        <a:xfrm>
+          <a:off x="0" y="0"/>
+          <a:ext cx="0" cy="0"/>
+          <a:chOff x="0" y="0"/>
+          <a:chExt cx="0" cy="0"/>
+        </a:xfrm>
+      </p:grpSpPr>
+      <p:sp>
+        <p:nvSpPr>
+          <p:cNvPr id="4" name="TextBox 3">
+            <a:extLst>
+              <a:ext uri="{FF2B5EF4-FFF2-40B4-BE49-F238E27FC236}">
+                <a16:creationId xmlns:a16="http://schemas.microsoft.com/office/drawing/2014/main" id="{9790CE72-C451-F647-B0EB-9967502E3A02}"/>
+              </a:ext>
+            </a:extLst>
+          </p:cNvPr>
+          <p:cNvSpPr txBox="1"/>
+          <p:nvPr/>
+        </p:nvSpPr>
+        <p:spPr>
+          <a:xfrm>
+            <a:off x="106326" y="202019"/>
+            <a:ext cx="11889731" cy="467885"/>
+          </a:xfrm>
+          <a:prstGeom prst="rect">
+            <a:avLst/>
+          </a:prstGeom>
+          <a:noFill/>
+        </p:spPr>
+        <p:txBody>
+          <a:bodyPr wrap="square" rtlCol="0">
+            <a:spAutoFit/>
+          </a:bodyPr>
+          <a:lstStyle/>
+          <a:p>
+            <a:pPr>
+              <a:lnSpc>
+                <a:spcPct val="150000"/>
+              </a:lnSpc>
+            </a:pPr>
+            <a:r>
+              <a:rPr kumimoji="1" lang="ko-KR" altLang="en-US" b="1" u="sng" dirty="0">
+                <a:solidFill>
+                  <a:srgbClr val="3D3D3D"/>
+                </a:solidFill>
+                <a:latin typeface="NanumSquareRound Regular" panose="020B0600000101010101" pitchFamily="34" charset="-127"/>
+                <a:ea typeface="NanumSquareRound Regular" panose="020B0600000101010101" pitchFamily="34" charset="-127"/>
+              </a:rPr>
+              <a:t>덧셈 성능 확인 </a:t>
+            </a:r>
+            <a:r>
+              <a:rPr kumimoji="1" lang="en-US" altLang="ko-KR" b="1" u="sng" dirty="0">
+                <a:solidFill>
+                  <a:srgbClr val="3D3D3D"/>
+                </a:solidFill>
+                <a:latin typeface="NanumSquareRound Regular" panose="020B0600000101010101" pitchFamily="34" charset="-127"/>
+                <a:ea typeface="NanumSquareRound Regular" panose="020B0600000101010101" pitchFamily="34" charset="-127"/>
+              </a:rPr>
+              <a:t>–</a:t>
+            </a:r>
+            <a:r>
+              <a:rPr kumimoji="1" lang="ko-KR" altLang="en-US" b="1" u="sng" dirty="0">
+                <a:solidFill>
+                  <a:srgbClr val="3D3D3D"/>
+                </a:solidFill>
+                <a:latin typeface="NanumSquareRound Regular" panose="020B0600000101010101" pitchFamily="34" charset="-127"/>
+                <a:ea typeface="NanumSquareRound Regular" panose="020B0600000101010101" pitchFamily="34" charset="-127"/>
+              </a:rPr>
+              <a:t> 앙상블</a:t>
+            </a:r>
+            <a:r>
+              <a:rPr kumimoji="1" lang="en-US" altLang="ko-KR" b="1" u="sng" dirty="0">
+                <a:solidFill>
+                  <a:srgbClr val="3D3D3D"/>
+                </a:solidFill>
+                <a:latin typeface="NanumSquareRound Regular" panose="020B0600000101010101" pitchFamily="34" charset="-127"/>
+                <a:ea typeface="NanumSquareRound Regular" panose="020B0600000101010101" pitchFamily="34" charset="-127"/>
+              </a:rPr>
+              <a:t>(</a:t>
+            </a:r>
+            <a:r>
+              <a:rPr kumimoji="1" lang="ko-KR" altLang="en-US" b="1" u="sng" dirty="0">
+                <a:solidFill>
+                  <a:srgbClr val="3D3D3D"/>
+                </a:solidFill>
+                <a:latin typeface="NanumSquareRound Regular" panose="020B0600000101010101" pitchFamily="34" charset="-127"/>
+                <a:ea typeface="NanumSquareRound Regular" panose="020B0600000101010101" pitchFamily="34" charset="-127"/>
+              </a:rPr>
+              <a:t>소프트 </a:t>
+            </a:r>
+            <a:r>
+              <a:rPr kumimoji="1" lang="ko-KR" altLang="en-US" b="1" u="sng" dirty="0" err="1">
+                <a:solidFill>
+                  <a:srgbClr val="3D3D3D"/>
+                </a:solidFill>
+                <a:latin typeface="NanumSquareRound Regular" panose="020B0600000101010101" pitchFamily="34" charset="-127"/>
+                <a:ea typeface="NanumSquareRound Regular" panose="020B0600000101010101" pitchFamily="34" charset="-127"/>
+              </a:rPr>
+              <a:t>보팅</a:t>
+            </a:r>
+            <a:r>
+              <a:rPr kumimoji="1" lang="en-US" altLang="ko-KR" b="1" u="sng" dirty="0">
+                <a:solidFill>
+                  <a:srgbClr val="3D3D3D"/>
+                </a:solidFill>
+                <a:latin typeface="NanumSquareRound Regular" panose="020B0600000101010101" pitchFamily="34" charset="-127"/>
+                <a:ea typeface="NanumSquareRound Regular" panose="020B0600000101010101" pitchFamily="34" charset="-127"/>
+              </a:rPr>
+              <a:t>)</a:t>
+            </a:r>
+            <a:r>
+              <a:rPr kumimoji="1" lang="ko-KR" altLang="en-US" b="1" u="sng" dirty="0">
+                <a:solidFill>
+                  <a:srgbClr val="3D3D3D"/>
+                </a:solidFill>
+                <a:latin typeface="NanumSquareRound Regular" panose="020B0600000101010101" pitchFamily="34" charset="-127"/>
+                <a:ea typeface="NanumSquareRound Regular" panose="020B0600000101010101" pitchFamily="34" charset="-127"/>
+              </a:rPr>
+              <a:t> </a:t>
+            </a:r>
+            <a:r>
+              <a:rPr kumimoji="1" lang="en-US" altLang="ko-KR" b="1" u="sng" dirty="0">
+                <a:solidFill>
+                  <a:srgbClr val="3D3D3D"/>
+                </a:solidFill>
+                <a:latin typeface="NanumSquareRound Regular" panose="020B0600000101010101" pitchFamily="34" charset="-127"/>
+                <a:ea typeface="NanumSquareRound Regular" panose="020B0600000101010101" pitchFamily="34" charset="-127"/>
+              </a:rPr>
+              <a:t>5</a:t>
+            </a:r>
+            <a:r>
+              <a:rPr kumimoji="1" lang="ko-KR" altLang="en-US" b="1" u="sng" dirty="0">
+                <a:solidFill>
+                  <a:srgbClr val="3D3D3D"/>
+                </a:solidFill>
+                <a:latin typeface="NanumSquareRound Regular" panose="020B0600000101010101" pitchFamily="34" charset="-127"/>
+                <a:ea typeface="NanumSquareRound Regular" panose="020B0600000101010101" pitchFamily="34" charset="-127"/>
+              </a:rPr>
+              <a:t>개</a:t>
+            </a:r>
+            <a:endParaRPr kumimoji="1" lang="en-US" altLang="ko-KR" b="1" u="sng" dirty="0">
+              <a:solidFill>
+                <a:srgbClr val="3D3D3D"/>
+              </a:solidFill>
+              <a:latin typeface="NanumSquareRound Regular" panose="020B0600000101010101" pitchFamily="34" charset="-127"/>
+              <a:ea typeface="NanumSquareRound Regular" panose="020B0600000101010101" pitchFamily="34" charset="-127"/>
+            </a:endParaRPr>
+          </a:p>
+        </p:txBody>
+      </p:sp>
+      <p:pic>
+        <p:nvPicPr>
+          <p:cNvPr id="3" name="그림 2">
+            <a:extLst>
+              <a:ext uri="{FF2B5EF4-FFF2-40B4-BE49-F238E27FC236}">
+                <a16:creationId xmlns:a16="http://schemas.microsoft.com/office/drawing/2014/main" id="{052B12C8-A2A6-334B-89AB-D54DD825D7DE}"/>
+              </a:ext>
+            </a:extLst>
+          </p:cNvPr>
+          <p:cNvPicPr>
+            <a:picLocks noChangeAspect="1"/>
+          </p:cNvPicPr>
+          <p:nvPr/>
+        </p:nvPicPr>
+        <p:blipFill>
+          <a:blip r:embed="rId3"/>
+          <a:stretch>
+            <a:fillRect/>
+          </a:stretch>
+        </p:blipFill>
+        <p:spPr>
+          <a:xfrm>
+            <a:off x="254000" y="1076252"/>
+            <a:ext cx="5842000" cy="4381500"/>
+          </a:xfrm>
+          <a:prstGeom prst="rect">
+            <a:avLst/>
+          </a:prstGeom>
+        </p:spPr>
+      </p:pic>
+      <p:sp>
+        <p:nvSpPr>
+          <p:cNvPr id="9" name="직사각형 8">
+            <a:extLst>
+              <a:ext uri="{FF2B5EF4-FFF2-40B4-BE49-F238E27FC236}">
+                <a16:creationId xmlns:a16="http://schemas.microsoft.com/office/drawing/2014/main" id="{1C613325-F607-4049-AA51-7F8F58809EB6}"/>
+              </a:ext>
+            </a:extLst>
+          </p:cNvPr>
+          <p:cNvSpPr/>
+          <p:nvPr/>
+        </p:nvSpPr>
+        <p:spPr>
+          <a:xfrm>
+            <a:off x="924907" y="5625250"/>
+            <a:ext cx="3567708" cy="1030731"/>
+          </a:xfrm>
+          <a:prstGeom prst="rect">
+            <a:avLst/>
+          </a:prstGeom>
+        </p:spPr>
+        <p:txBody>
+          <a:bodyPr wrap="none">
+            <a:spAutoFit/>
+          </a:bodyPr>
+          <a:lstStyle/>
+          <a:p>
+            <a:pPr marL="742950" lvl="1" indent="-285750">
+              <a:lnSpc>
+                <a:spcPct val="150000"/>
+              </a:lnSpc>
+              <a:buFont typeface="Arial" panose="020B0604020202020204" pitchFamily="34" charset="0"/>
+              <a:buChar char="•"/>
+            </a:pPr>
+            <a:r>
+              <a:rPr kumimoji="1" lang="ko-KR" altLang="en-US" sz="1400" dirty="0">
+                <a:solidFill>
+                  <a:srgbClr val="3D3D3D"/>
+                </a:solidFill>
+                <a:latin typeface="NanumSquareRound Regular" panose="020B0600000101010101" pitchFamily="34" charset="-127"/>
+                <a:ea typeface="NanumSquareRound Regular" panose="020B0600000101010101" pitchFamily="34" charset="-127"/>
+              </a:rPr>
+              <a:t>서바이벌 버전 </a:t>
+            </a:r>
+            <a:r>
+              <a:rPr kumimoji="1" lang="en-US" altLang="ko-KR" sz="1400" dirty="0">
+                <a:solidFill>
+                  <a:srgbClr val="3D3D3D"/>
+                </a:solidFill>
+                <a:latin typeface="NanumSquareRound Regular" panose="020B0600000101010101" pitchFamily="34" charset="-127"/>
+                <a:ea typeface="NanumSquareRound Regular" panose="020B0600000101010101" pitchFamily="34" charset="-127"/>
+              </a:rPr>
+              <a:t>–</a:t>
+            </a:r>
+            <a:r>
+              <a:rPr kumimoji="1" lang="ko-KR" altLang="en-US" sz="1400" dirty="0">
+                <a:solidFill>
+                  <a:srgbClr val="3D3D3D"/>
+                </a:solidFill>
+                <a:latin typeface="NanumSquareRound Regular" panose="020B0600000101010101" pitchFamily="34" charset="-127"/>
+                <a:ea typeface="NanumSquareRound Regular" panose="020B0600000101010101" pitchFamily="34" charset="-127"/>
+              </a:rPr>
+              <a:t> 모델 </a:t>
+            </a:r>
+            <a:r>
+              <a:rPr kumimoji="1" lang="en-US" altLang="ko-KR" sz="1400" dirty="0">
+                <a:solidFill>
+                  <a:srgbClr val="3D3D3D"/>
+                </a:solidFill>
+                <a:latin typeface="NanumSquareRound Regular" panose="020B0600000101010101" pitchFamily="34" charset="-127"/>
+                <a:ea typeface="NanumSquareRound Regular" panose="020B0600000101010101" pitchFamily="34" charset="-127"/>
+              </a:rPr>
+              <a:t>5</a:t>
+            </a:r>
+            <a:r>
+              <a:rPr kumimoji="1" lang="ko-KR" altLang="en-US" sz="1400" dirty="0">
+                <a:solidFill>
+                  <a:srgbClr val="3D3D3D"/>
+                </a:solidFill>
+                <a:latin typeface="NanumSquareRound Regular" panose="020B0600000101010101" pitchFamily="34" charset="-127"/>
+                <a:ea typeface="NanumSquareRound Regular" panose="020B0600000101010101" pitchFamily="34" charset="-127"/>
+              </a:rPr>
+              <a:t>개</a:t>
+            </a:r>
+            <a:endParaRPr kumimoji="1" lang="en-US" altLang="ko-KR" sz="1400" dirty="0">
+              <a:solidFill>
+                <a:srgbClr val="3D3D3D"/>
+              </a:solidFill>
+              <a:latin typeface="NanumSquareRound Regular" panose="020B0600000101010101" pitchFamily="34" charset="-127"/>
+              <a:ea typeface="NanumSquareRound Regular" panose="020B0600000101010101" pitchFamily="34" charset="-127"/>
+            </a:endParaRPr>
+          </a:p>
+          <a:p>
+            <a:pPr marL="742950" lvl="1" indent="-285750">
+              <a:lnSpc>
+                <a:spcPct val="150000"/>
+              </a:lnSpc>
+              <a:buFont typeface="Arial" panose="020B0604020202020204" pitchFamily="34" charset="0"/>
+              <a:buChar char="•"/>
+            </a:pPr>
+            <a:r>
+              <a:rPr kumimoji="1" lang="en-US" altLang="ko-KR" sz="1400" dirty="0">
+                <a:solidFill>
+                  <a:srgbClr val="3D3D3D"/>
+                </a:solidFill>
+                <a:latin typeface="NanumSquareRound Regular" panose="020B0600000101010101" pitchFamily="34" charset="-127"/>
+                <a:ea typeface="NanumSquareRound Regular" panose="020B0600000101010101" pitchFamily="34" charset="-127"/>
+              </a:rPr>
+              <a:t>100epoch accuracy 89.960%</a:t>
+            </a:r>
+          </a:p>
+          <a:p>
+            <a:pPr marL="742950" lvl="1" indent="-285750">
+              <a:lnSpc>
+                <a:spcPct val="150000"/>
+              </a:lnSpc>
+              <a:buFont typeface="Arial" panose="020B0604020202020204" pitchFamily="34" charset="0"/>
+              <a:buChar char="•"/>
+            </a:pPr>
+            <a:r>
+              <a:rPr kumimoji="1" lang="en-US" altLang="ko-KR" sz="1400" dirty="0">
+                <a:solidFill>
+                  <a:srgbClr val="3D3D3D"/>
+                </a:solidFill>
+                <a:latin typeface="NanumSquareRound Regular" panose="020B0600000101010101" pitchFamily="34" charset="-127"/>
+                <a:ea typeface="NanumSquareRound Regular" panose="020B0600000101010101" pitchFamily="34" charset="-127"/>
+              </a:rPr>
+              <a:t>200epoch accuracy : 95.220%</a:t>
+            </a:r>
+          </a:p>
+        </p:txBody>
+      </p:sp>
+    </p:spTree>
+    <p:extLst>
+      <p:ext uri="{BB962C8B-B14F-4D97-AF65-F5344CB8AC3E}">
+        <p14:creationId xmlns:p14="http://schemas.microsoft.com/office/powerpoint/2010/main" val="3120280356"/>
+      </p:ext>
+    </p:extLst>
+  </p:cSld>
+  <p:clrMapOvr>
+    <a:masterClrMapping/>
+  </p:clrMapOvr>
+</p:sld>
+</file>
+
+<file path=ppt/slides/slide23.xml><?xml version="1.0" encoding="utf-8"?>
+<p:sld xmlns:a="http://schemas.openxmlformats.org/drawingml/2006/main" xmlns:r="http://schemas.openxmlformats.org/officeDocument/2006/relationships" xmlns:p="http://schemas.openxmlformats.org/presentationml/2006/main">
+  <p:cSld>
+    <p:spTree>
+      <p:nvGrpSpPr>
+        <p:cNvPr id="1" name=""/>
+        <p:cNvGrpSpPr/>
+        <p:nvPr/>
+      </p:nvGrpSpPr>
+      <p:grpSpPr>
+        <a:xfrm>
+          <a:off x="0" y="0"/>
+          <a:ext cx="0" cy="0"/>
+          <a:chOff x="0" y="0"/>
+          <a:chExt cx="0" cy="0"/>
+        </a:xfrm>
+      </p:grpSpPr>
+      <p:sp>
+        <p:nvSpPr>
+          <p:cNvPr id="4" name="TextBox 3">
+            <a:extLst>
+              <a:ext uri="{FF2B5EF4-FFF2-40B4-BE49-F238E27FC236}">
+                <a16:creationId xmlns:a16="http://schemas.microsoft.com/office/drawing/2014/main" id="{9790CE72-C451-F647-B0EB-9967502E3A02}"/>
+              </a:ext>
+            </a:extLst>
+          </p:cNvPr>
+          <p:cNvSpPr txBox="1"/>
+          <p:nvPr/>
+        </p:nvSpPr>
+        <p:spPr>
+          <a:xfrm>
+            <a:off x="106326" y="202019"/>
+            <a:ext cx="11889731" cy="467885"/>
+          </a:xfrm>
+          <a:prstGeom prst="rect">
+            <a:avLst/>
+          </a:prstGeom>
+          <a:noFill/>
+        </p:spPr>
+        <p:txBody>
+          <a:bodyPr wrap="square" rtlCol="0">
+            <a:spAutoFit/>
+          </a:bodyPr>
+          <a:lstStyle/>
+          <a:p>
+            <a:pPr>
+              <a:lnSpc>
+                <a:spcPct val="150000"/>
+              </a:lnSpc>
+            </a:pPr>
+            <a:r>
+              <a:rPr kumimoji="1" lang="ko-KR" altLang="en-US" b="1" u="sng" dirty="0">
+                <a:solidFill>
+                  <a:srgbClr val="3D3D3D"/>
+                </a:solidFill>
+                <a:latin typeface="NanumSquareRound Regular" panose="020B0600000101010101" pitchFamily="34" charset="-127"/>
+                <a:ea typeface="NanumSquareRound Regular" panose="020B0600000101010101" pitchFamily="34" charset="-127"/>
+              </a:rPr>
+              <a:t>덧셈 성능 확인 </a:t>
+            </a:r>
+            <a:r>
+              <a:rPr kumimoji="1" lang="en-US" altLang="ko-KR" b="1" u="sng" dirty="0">
+                <a:solidFill>
+                  <a:srgbClr val="3D3D3D"/>
+                </a:solidFill>
+                <a:latin typeface="NanumSquareRound Regular" panose="020B0600000101010101" pitchFamily="34" charset="-127"/>
+                <a:ea typeface="NanumSquareRound Regular" panose="020B0600000101010101" pitchFamily="34" charset="-127"/>
+              </a:rPr>
+              <a:t>–</a:t>
+            </a:r>
+            <a:r>
+              <a:rPr kumimoji="1" lang="ko-KR" altLang="en-US" b="1" u="sng" dirty="0">
+                <a:solidFill>
+                  <a:srgbClr val="3D3D3D"/>
+                </a:solidFill>
+                <a:latin typeface="NanumSquareRound Regular" panose="020B0600000101010101" pitchFamily="34" charset="-127"/>
+                <a:ea typeface="NanumSquareRound Regular" panose="020B0600000101010101" pitchFamily="34" charset="-127"/>
+              </a:rPr>
+              <a:t> 앙상블</a:t>
+            </a:r>
+            <a:r>
+              <a:rPr kumimoji="1" lang="en-US" altLang="ko-KR" b="1" u="sng" dirty="0">
+                <a:solidFill>
+                  <a:srgbClr val="3D3D3D"/>
+                </a:solidFill>
+                <a:latin typeface="NanumSquareRound Regular" panose="020B0600000101010101" pitchFamily="34" charset="-127"/>
+                <a:ea typeface="NanumSquareRound Regular" panose="020B0600000101010101" pitchFamily="34" charset="-127"/>
+              </a:rPr>
+              <a:t>(</a:t>
+            </a:r>
+            <a:r>
+              <a:rPr kumimoji="1" lang="ko-KR" altLang="en-US" b="1" u="sng" dirty="0">
+                <a:solidFill>
+                  <a:srgbClr val="3D3D3D"/>
+                </a:solidFill>
+                <a:latin typeface="NanumSquareRound Regular" panose="020B0600000101010101" pitchFamily="34" charset="-127"/>
+                <a:ea typeface="NanumSquareRound Regular" panose="020B0600000101010101" pitchFamily="34" charset="-127"/>
+              </a:rPr>
+              <a:t>서바이벌</a:t>
+            </a:r>
+            <a:r>
+              <a:rPr kumimoji="1" lang="en-US" altLang="ko-KR" b="1" u="sng" dirty="0">
+                <a:solidFill>
+                  <a:srgbClr val="3D3D3D"/>
+                </a:solidFill>
+                <a:latin typeface="NanumSquareRound Regular" panose="020B0600000101010101" pitchFamily="34" charset="-127"/>
+                <a:ea typeface="NanumSquareRound Regular" panose="020B0600000101010101" pitchFamily="34" charset="-127"/>
+              </a:rPr>
+              <a:t>)</a:t>
+            </a:r>
+            <a:r>
+              <a:rPr kumimoji="1" lang="ko-KR" altLang="en-US" b="1" u="sng" dirty="0">
+                <a:solidFill>
+                  <a:srgbClr val="3D3D3D"/>
+                </a:solidFill>
+                <a:latin typeface="NanumSquareRound Regular" panose="020B0600000101010101" pitchFamily="34" charset="-127"/>
+                <a:ea typeface="NanumSquareRound Regular" panose="020B0600000101010101" pitchFamily="34" charset="-127"/>
+              </a:rPr>
+              <a:t> </a:t>
+            </a:r>
+            <a:r>
+              <a:rPr kumimoji="1" lang="en-US" altLang="ko-KR" b="1" u="sng" dirty="0">
+                <a:solidFill>
+                  <a:srgbClr val="3D3D3D"/>
+                </a:solidFill>
+                <a:latin typeface="NanumSquareRound Regular" panose="020B0600000101010101" pitchFamily="34" charset="-127"/>
+                <a:ea typeface="NanumSquareRound Regular" panose="020B0600000101010101" pitchFamily="34" charset="-127"/>
+              </a:rPr>
+              <a:t>5</a:t>
+            </a:r>
+            <a:r>
+              <a:rPr kumimoji="1" lang="ko-KR" altLang="en-US" b="1" u="sng" dirty="0">
+                <a:solidFill>
+                  <a:srgbClr val="3D3D3D"/>
+                </a:solidFill>
+                <a:latin typeface="NanumSquareRound Regular" panose="020B0600000101010101" pitchFamily="34" charset="-127"/>
+                <a:ea typeface="NanumSquareRound Regular" panose="020B0600000101010101" pitchFamily="34" charset="-127"/>
+              </a:rPr>
+              <a:t>개</a:t>
+            </a:r>
+            <a:endParaRPr kumimoji="1" lang="en-US" altLang="ko-KR" b="1" u="sng" dirty="0">
+              <a:solidFill>
+                <a:srgbClr val="3D3D3D"/>
+              </a:solidFill>
+              <a:latin typeface="NanumSquareRound Regular" panose="020B0600000101010101" pitchFamily="34" charset="-127"/>
+              <a:ea typeface="NanumSquareRound Regular" panose="020B0600000101010101" pitchFamily="34" charset="-127"/>
+            </a:endParaRPr>
+          </a:p>
+        </p:txBody>
+      </p:sp>
+      <p:pic>
+        <p:nvPicPr>
+          <p:cNvPr id="3" name="그림 2">
+            <a:extLst>
+              <a:ext uri="{FF2B5EF4-FFF2-40B4-BE49-F238E27FC236}">
+                <a16:creationId xmlns:a16="http://schemas.microsoft.com/office/drawing/2014/main" id="{052B12C8-A2A6-334B-89AB-D54DD825D7DE}"/>
+              </a:ext>
+            </a:extLst>
+          </p:cNvPr>
+          <p:cNvPicPr>
+            <a:picLocks noChangeAspect="1"/>
+          </p:cNvPicPr>
+          <p:nvPr/>
+        </p:nvPicPr>
+        <p:blipFill>
+          <a:blip r:embed="rId3"/>
+          <a:stretch>
+            <a:fillRect/>
+          </a:stretch>
+        </p:blipFill>
+        <p:spPr>
+          <a:xfrm>
+            <a:off x="254000" y="1076252"/>
+            <a:ext cx="5842000" cy="4381500"/>
+          </a:xfrm>
+          <a:prstGeom prst="rect">
+            <a:avLst/>
+          </a:prstGeom>
+        </p:spPr>
+      </p:pic>
+      <p:sp>
+        <p:nvSpPr>
+          <p:cNvPr id="9" name="직사각형 8">
+            <a:extLst>
+              <a:ext uri="{FF2B5EF4-FFF2-40B4-BE49-F238E27FC236}">
+                <a16:creationId xmlns:a16="http://schemas.microsoft.com/office/drawing/2014/main" id="{1C613325-F607-4049-AA51-7F8F58809EB6}"/>
+              </a:ext>
+            </a:extLst>
+          </p:cNvPr>
+          <p:cNvSpPr/>
+          <p:nvPr/>
+        </p:nvSpPr>
+        <p:spPr>
+          <a:xfrm>
+            <a:off x="924907" y="5625250"/>
+            <a:ext cx="3567708" cy="1030731"/>
+          </a:xfrm>
+          <a:prstGeom prst="rect">
+            <a:avLst/>
+          </a:prstGeom>
+        </p:spPr>
+        <p:txBody>
+          <a:bodyPr wrap="none">
+            <a:spAutoFit/>
+          </a:bodyPr>
+          <a:lstStyle/>
+          <a:p>
+            <a:pPr marL="742950" lvl="1" indent="-285750">
+              <a:lnSpc>
+                <a:spcPct val="150000"/>
+              </a:lnSpc>
+              <a:buFont typeface="Arial" panose="020B0604020202020204" pitchFamily="34" charset="0"/>
+              <a:buChar char="•"/>
+            </a:pPr>
+            <a:r>
+              <a:rPr kumimoji="1" lang="ko-KR" altLang="en-US" sz="1400" dirty="0">
+                <a:solidFill>
+                  <a:srgbClr val="3D3D3D"/>
+                </a:solidFill>
+                <a:latin typeface="NanumSquareRound Regular" panose="020B0600000101010101" pitchFamily="34" charset="-127"/>
+                <a:ea typeface="NanumSquareRound Regular" panose="020B0600000101010101" pitchFamily="34" charset="-127"/>
+              </a:rPr>
+              <a:t>서바이벌 버전 </a:t>
+            </a:r>
+            <a:r>
+              <a:rPr kumimoji="1" lang="en-US" altLang="ko-KR" sz="1400" dirty="0">
+                <a:solidFill>
+                  <a:srgbClr val="3D3D3D"/>
+                </a:solidFill>
+                <a:latin typeface="NanumSquareRound Regular" panose="020B0600000101010101" pitchFamily="34" charset="-127"/>
+                <a:ea typeface="NanumSquareRound Regular" panose="020B0600000101010101" pitchFamily="34" charset="-127"/>
+              </a:rPr>
+              <a:t>–</a:t>
+            </a:r>
+            <a:r>
+              <a:rPr kumimoji="1" lang="ko-KR" altLang="en-US" sz="1400" dirty="0">
+                <a:solidFill>
+                  <a:srgbClr val="3D3D3D"/>
+                </a:solidFill>
+                <a:latin typeface="NanumSquareRound Regular" panose="020B0600000101010101" pitchFamily="34" charset="-127"/>
+                <a:ea typeface="NanumSquareRound Regular" panose="020B0600000101010101" pitchFamily="34" charset="-127"/>
+              </a:rPr>
+              <a:t> 모델 </a:t>
+            </a:r>
+            <a:r>
+              <a:rPr kumimoji="1" lang="en-US" altLang="ko-KR" sz="1400" dirty="0">
+                <a:solidFill>
+                  <a:srgbClr val="3D3D3D"/>
+                </a:solidFill>
+                <a:latin typeface="NanumSquareRound Regular" panose="020B0600000101010101" pitchFamily="34" charset="-127"/>
+                <a:ea typeface="NanumSquareRound Regular" panose="020B0600000101010101" pitchFamily="34" charset="-127"/>
+              </a:rPr>
+              <a:t>5</a:t>
+            </a:r>
+            <a:r>
+              <a:rPr kumimoji="1" lang="ko-KR" altLang="en-US" sz="1400" dirty="0">
+                <a:solidFill>
+                  <a:srgbClr val="3D3D3D"/>
+                </a:solidFill>
+                <a:latin typeface="NanumSquareRound Regular" panose="020B0600000101010101" pitchFamily="34" charset="-127"/>
+                <a:ea typeface="NanumSquareRound Regular" panose="020B0600000101010101" pitchFamily="34" charset="-127"/>
+              </a:rPr>
+              <a:t>개</a:t>
+            </a:r>
+            <a:endParaRPr kumimoji="1" lang="en-US" altLang="ko-KR" sz="1400" dirty="0">
+              <a:solidFill>
+                <a:srgbClr val="3D3D3D"/>
+              </a:solidFill>
+              <a:latin typeface="NanumSquareRound Regular" panose="020B0600000101010101" pitchFamily="34" charset="-127"/>
+              <a:ea typeface="NanumSquareRound Regular" panose="020B0600000101010101" pitchFamily="34" charset="-127"/>
+            </a:endParaRPr>
+          </a:p>
+          <a:p>
+            <a:pPr marL="742950" lvl="1" indent="-285750">
+              <a:lnSpc>
+                <a:spcPct val="150000"/>
+              </a:lnSpc>
+              <a:buFont typeface="Arial" panose="020B0604020202020204" pitchFamily="34" charset="0"/>
+              <a:buChar char="•"/>
+            </a:pPr>
+            <a:r>
+              <a:rPr kumimoji="1" lang="en-US" altLang="ko-KR" sz="1400" dirty="0">
+                <a:solidFill>
+                  <a:srgbClr val="3D3D3D"/>
+                </a:solidFill>
+                <a:latin typeface="NanumSquareRound Regular" panose="020B0600000101010101" pitchFamily="34" charset="-127"/>
+                <a:ea typeface="NanumSquareRound Regular" panose="020B0600000101010101" pitchFamily="34" charset="-127"/>
+              </a:rPr>
+              <a:t>100epoch accuracy 89.960%</a:t>
+            </a:r>
+          </a:p>
+          <a:p>
+            <a:pPr marL="742950" lvl="1" indent="-285750">
+              <a:lnSpc>
+                <a:spcPct val="150000"/>
+              </a:lnSpc>
+              <a:buFont typeface="Arial" panose="020B0604020202020204" pitchFamily="34" charset="0"/>
+              <a:buChar char="•"/>
+            </a:pPr>
+            <a:r>
+              <a:rPr kumimoji="1" lang="en-US" altLang="ko-KR" sz="1400" dirty="0">
+                <a:solidFill>
+                  <a:srgbClr val="3D3D3D"/>
+                </a:solidFill>
+                <a:latin typeface="NanumSquareRound Regular" panose="020B0600000101010101" pitchFamily="34" charset="-127"/>
+                <a:ea typeface="NanumSquareRound Regular" panose="020B0600000101010101" pitchFamily="34" charset="-127"/>
+              </a:rPr>
+              <a:t>200epoch accuracy : 95.220%</a:t>
+            </a:r>
+          </a:p>
+        </p:txBody>
+      </p:sp>
+    </p:spTree>
+    <p:extLst>
+      <p:ext uri="{BB962C8B-B14F-4D97-AF65-F5344CB8AC3E}">
+        <p14:creationId xmlns:p14="http://schemas.microsoft.com/office/powerpoint/2010/main" val="776790274"/>
+      </p:ext>
+    </p:extLst>
+  </p:cSld>
+  <p:clrMapOvr>
+    <a:masterClrMapping/>
+  </p:clrMapOvr>
+</p:sld>
+</file>
+
+<file path=ppt/slides/slide24.xml><?xml version="1.0" encoding="utf-8"?>
+<p:sld xmlns:a="http://schemas.openxmlformats.org/drawingml/2006/main" xmlns:r="http://schemas.openxmlformats.org/officeDocument/2006/relationships" xmlns:p="http://schemas.openxmlformats.org/presentationml/2006/main">
+  <p:cSld>
+    <p:spTree>
+      <p:nvGrpSpPr>
+        <p:cNvPr id="1" name=""/>
+        <p:cNvGrpSpPr/>
+        <p:nvPr/>
+      </p:nvGrpSpPr>
+      <p:grpSpPr>
+        <a:xfrm>
+          <a:off x="0" y="0"/>
+          <a:ext cx="0" cy="0"/>
+          <a:chOff x="0" y="0"/>
+          <a:chExt cx="0" cy="0"/>
+        </a:xfrm>
+      </p:grpSpPr>
+      <p:sp>
+        <p:nvSpPr>
+          <p:cNvPr id="4" name="TextBox 3">
+            <a:extLst>
+              <a:ext uri="{FF2B5EF4-FFF2-40B4-BE49-F238E27FC236}">
+                <a16:creationId xmlns:a16="http://schemas.microsoft.com/office/drawing/2014/main" id="{9790CE72-C451-F647-B0EB-9967502E3A02}"/>
+              </a:ext>
+            </a:extLst>
+          </p:cNvPr>
+          <p:cNvSpPr txBox="1"/>
+          <p:nvPr/>
+        </p:nvSpPr>
+        <p:spPr>
+          <a:xfrm>
+            <a:off x="106326" y="202019"/>
+            <a:ext cx="11889731" cy="467885"/>
+          </a:xfrm>
+          <a:prstGeom prst="rect">
+            <a:avLst/>
+          </a:prstGeom>
+          <a:noFill/>
+        </p:spPr>
+        <p:txBody>
+          <a:bodyPr wrap="square" rtlCol="0">
+            <a:spAutoFit/>
+          </a:bodyPr>
+          <a:lstStyle/>
+          <a:p>
+            <a:pPr>
+              <a:lnSpc>
+                <a:spcPct val="150000"/>
+              </a:lnSpc>
+            </a:pPr>
+            <a:r>
+              <a:rPr kumimoji="1" lang="ko-KR" altLang="en-US" b="1" u="sng" dirty="0">
+                <a:solidFill>
+                  <a:srgbClr val="3D3D3D"/>
+                </a:solidFill>
+                <a:latin typeface="NanumSquareRound Regular" panose="020B0600000101010101" pitchFamily="34" charset="-127"/>
+                <a:ea typeface="NanumSquareRound Regular" panose="020B0600000101010101" pitchFamily="34" charset="-127"/>
+              </a:rPr>
+              <a:t>덧셈 성능 확인 </a:t>
+            </a:r>
+            <a:r>
+              <a:rPr kumimoji="1" lang="en-US" altLang="ko-KR" b="1" u="sng" dirty="0">
+                <a:solidFill>
+                  <a:srgbClr val="3D3D3D"/>
+                </a:solidFill>
+                <a:latin typeface="NanumSquareRound Regular" panose="020B0600000101010101" pitchFamily="34" charset="-127"/>
+                <a:ea typeface="NanumSquareRound Regular" panose="020B0600000101010101" pitchFamily="34" charset="-127"/>
+              </a:rPr>
+              <a:t>–</a:t>
+            </a:r>
+            <a:r>
+              <a:rPr kumimoji="1" lang="ko-KR" altLang="en-US" b="1" u="sng" dirty="0">
+                <a:solidFill>
+                  <a:srgbClr val="3D3D3D"/>
+                </a:solidFill>
+                <a:latin typeface="NanumSquareRound Regular" panose="020B0600000101010101" pitchFamily="34" charset="-127"/>
+                <a:ea typeface="NanumSquareRound Regular" panose="020B0600000101010101" pitchFamily="34" charset="-127"/>
+              </a:rPr>
+              <a:t> 앙상블</a:t>
+            </a:r>
+            <a:r>
+              <a:rPr kumimoji="1" lang="en-US" altLang="ko-KR" b="1" u="sng" dirty="0">
+                <a:solidFill>
+                  <a:srgbClr val="3D3D3D"/>
+                </a:solidFill>
+                <a:latin typeface="NanumSquareRound Regular" panose="020B0600000101010101" pitchFamily="34" charset="-127"/>
+                <a:ea typeface="NanumSquareRound Regular" panose="020B0600000101010101" pitchFamily="34" charset="-127"/>
+              </a:rPr>
+              <a:t>(</a:t>
+            </a:r>
+            <a:r>
+              <a:rPr kumimoji="1" lang="ko-KR" altLang="en-US" b="1" u="sng" dirty="0">
+                <a:solidFill>
+                  <a:srgbClr val="3D3D3D"/>
+                </a:solidFill>
+                <a:latin typeface="NanumSquareRound Regular" panose="020B0600000101010101" pitchFamily="34" charset="-127"/>
+                <a:ea typeface="NanumSquareRound Regular" panose="020B0600000101010101" pitchFamily="34" charset="-127"/>
+              </a:rPr>
+              <a:t>다수결</a:t>
+            </a:r>
+            <a:r>
+              <a:rPr kumimoji="1" lang="en-US" altLang="ko-KR" b="1" u="sng" dirty="0">
+                <a:solidFill>
+                  <a:srgbClr val="3D3D3D"/>
+                </a:solidFill>
+                <a:latin typeface="NanumSquareRound Regular" panose="020B0600000101010101" pitchFamily="34" charset="-127"/>
+                <a:ea typeface="NanumSquareRound Regular" panose="020B0600000101010101" pitchFamily="34" charset="-127"/>
+              </a:rPr>
+              <a:t>)</a:t>
+            </a:r>
+            <a:r>
+              <a:rPr kumimoji="1" lang="ko-KR" altLang="en-US" b="1" u="sng" dirty="0">
+                <a:solidFill>
+                  <a:srgbClr val="3D3D3D"/>
+                </a:solidFill>
+                <a:latin typeface="NanumSquareRound Regular" panose="020B0600000101010101" pitchFamily="34" charset="-127"/>
+                <a:ea typeface="NanumSquareRound Regular" panose="020B0600000101010101" pitchFamily="34" charset="-127"/>
+              </a:rPr>
+              <a:t> </a:t>
+            </a:r>
+            <a:r>
+              <a:rPr kumimoji="1" lang="en-US" altLang="ko-KR" b="1" u="sng" dirty="0">
+                <a:solidFill>
+                  <a:srgbClr val="3D3D3D"/>
+                </a:solidFill>
+                <a:latin typeface="NanumSquareRound Regular" panose="020B0600000101010101" pitchFamily="34" charset="-127"/>
+                <a:ea typeface="NanumSquareRound Regular" panose="020B0600000101010101" pitchFamily="34" charset="-127"/>
+              </a:rPr>
+              <a:t>5</a:t>
+            </a:r>
+            <a:r>
+              <a:rPr kumimoji="1" lang="ko-KR" altLang="en-US" b="1" u="sng" dirty="0">
+                <a:solidFill>
+                  <a:srgbClr val="3D3D3D"/>
+                </a:solidFill>
+                <a:latin typeface="NanumSquareRound Regular" panose="020B0600000101010101" pitchFamily="34" charset="-127"/>
+                <a:ea typeface="NanumSquareRound Regular" panose="020B0600000101010101" pitchFamily="34" charset="-127"/>
+              </a:rPr>
+              <a:t>개</a:t>
+            </a:r>
+            <a:endParaRPr kumimoji="1" lang="en-US" altLang="ko-KR" b="1" u="sng" dirty="0">
+              <a:solidFill>
+                <a:srgbClr val="3D3D3D"/>
+              </a:solidFill>
+              <a:latin typeface="NanumSquareRound Regular" panose="020B0600000101010101" pitchFamily="34" charset="-127"/>
+              <a:ea typeface="NanumSquareRound Regular" panose="020B0600000101010101" pitchFamily="34" charset="-127"/>
+            </a:endParaRPr>
+          </a:p>
+        </p:txBody>
+      </p:sp>
+      <p:pic>
+        <p:nvPicPr>
+          <p:cNvPr id="3" name="그림 2">
+            <a:extLst>
+              <a:ext uri="{FF2B5EF4-FFF2-40B4-BE49-F238E27FC236}">
+                <a16:creationId xmlns:a16="http://schemas.microsoft.com/office/drawing/2014/main" id="{052B12C8-A2A6-334B-89AB-D54DD825D7DE}"/>
+              </a:ext>
+            </a:extLst>
+          </p:cNvPr>
+          <p:cNvPicPr>
+            <a:picLocks noChangeAspect="1"/>
+          </p:cNvPicPr>
+          <p:nvPr/>
+        </p:nvPicPr>
+        <p:blipFill>
+          <a:blip r:embed="rId3"/>
+          <a:stretch>
+            <a:fillRect/>
+          </a:stretch>
+        </p:blipFill>
+        <p:spPr>
+          <a:xfrm>
+            <a:off x="254000" y="1076252"/>
+            <a:ext cx="5842000" cy="4381500"/>
+          </a:xfrm>
+          <a:prstGeom prst="rect">
+            <a:avLst/>
+          </a:prstGeom>
+        </p:spPr>
+      </p:pic>
+      <p:sp>
+        <p:nvSpPr>
+          <p:cNvPr id="9" name="직사각형 8">
+            <a:extLst>
+              <a:ext uri="{FF2B5EF4-FFF2-40B4-BE49-F238E27FC236}">
+                <a16:creationId xmlns:a16="http://schemas.microsoft.com/office/drawing/2014/main" id="{1C613325-F607-4049-AA51-7F8F58809EB6}"/>
+              </a:ext>
+            </a:extLst>
+          </p:cNvPr>
+          <p:cNvSpPr/>
+          <p:nvPr/>
+        </p:nvSpPr>
+        <p:spPr>
+          <a:xfrm>
+            <a:off x="924907" y="5625250"/>
+            <a:ext cx="3567708" cy="1030731"/>
+          </a:xfrm>
+          <a:prstGeom prst="rect">
+            <a:avLst/>
+          </a:prstGeom>
+        </p:spPr>
+        <p:txBody>
+          <a:bodyPr wrap="none">
+            <a:spAutoFit/>
+          </a:bodyPr>
+          <a:lstStyle/>
+          <a:p>
+            <a:pPr marL="742950" lvl="1" indent="-285750">
+              <a:lnSpc>
+                <a:spcPct val="150000"/>
+              </a:lnSpc>
+              <a:buFont typeface="Arial" panose="020B0604020202020204" pitchFamily="34" charset="0"/>
+              <a:buChar char="•"/>
+            </a:pPr>
+            <a:r>
+              <a:rPr kumimoji="1" lang="ko-KR" altLang="en-US" sz="1400" dirty="0">
+                <a:solidFill>
+                  <a:srgbClr val="3D3D3D"/>
+                </a:solidFill>
+                <a:latin typeface="NanumSquareRound Regular" panose="020B0600000101010101" pitchFamily="34" charset="-127"/>
+                <a:ea typeface="NanumSquareRound Regular" panose="020B0600000101010101" pitchFamily="34" charset="-127"/>
+              </a:rPr>
+              <a:t>서바이벌 버전 </a:t>
+            </a:r>
+            <a:r>
+              <a:rPr kumimoji="1" lang="en-US" altLang="ko-KR" sz="1400" dirty="0">
+                <a:solidFill>
+                  <a:srgbClr val="3D3D3D"/>
+                </a:solidFill>
+                <a:latin typeface="NanumSquareRound Regular" panose="020B0600000101010101" pitchFamily="34" charset="-127"/>
+                <a:ea typeface="NanumSquareRound Regular" panose="020B0600000101010101" pitchFamily="34" charset="-127"/>
+              </a:rPr>
+              <a:t>–</a:t>
+            </a:r>
+            <a:r>
+              <a:rPr kumimoji="1" lang="ko-KR" altLang="en-US" sz="1400" dirty="0">
+                <a:solidFill>
+                  <a:srgbClr val="3D3D3D"/>
+                </a:solidFill>
+                <a:latin typeface="NanumSquareRound Regular" panose="020B0600000101010101" pitchFamily="34" charset="-127"/>
+                <a:ea typeface="NanumSquareRound Regular" panose="020B0600000101010101" pitchFamily="34" charset="-127"/>
+              </a:rPr>
+              <a:t> 모델 </a:t>
+            </a:r>
+            <a:r>
+              <a:rPr kumimoji="1" lang="en-US" altLang="ko-KR" sz="1400" dirty="0">
+                <a:solidFill>
+                  <a:srgbClr val="3D3D3D"/>
+                </a:solidFill>
+                <a:latin typeface="NanumSquareRound Regular" panose="020B0600000101010101" pitchFamily="34" charset="-127"/>
+                <a:ea typeface="NanumSquareRound Regular" panose="020B0600000101010101" pitchFamily="34" charset="-127"/>
+              </a:rPr>
+              <a:t>5</a:t>
+            </a:r>
+            <a:r>
+              <a:rPr kumimoji="1" lang="ko-KR" altLang="en-US" sz="1400" dirty="0">
+                <a:solidFill>
+                  <a:srgbClr val="3D3D3D"/>
+                </a:solidFill>
+                <a:latin typeface="NanumSquareRound Regular" panose="020B0600000101010101" pitchFamily="34" charset="-127"/>
+                <a:ea typeface="NanumSquareRound Regular" panose="020B0600000101010101" pitchFamily="34" charset="-127"/>
+              </a:rPr>
+              <a:t>개</a:t>
+            </a:r>
+            <a:endParaRPr kumimoji="1" lang="en-US" altLang="ko-KR" sz="1400" dirty="0">
+              <a:solidFill>
+                <a:srgbClr val="3D3D3D"/>
+              </a:solidFill>
+              <a:latin typeface="NanumSquareRound Regular" panose="020B0600000101010101" pitchFamily="34" charset="-127"/>
+              <a:ea typeface="NanumSquareRound Regular" panose="020B0600000101010101" pitchFamily="34" charset="-127"/>
+            </a:endParaRPr>
+          </a:p>
+          <a:p>
+            <a:pPr marL="742950" lvl="1" indent="-285750">
+              <a:lnSpc>
+                <a:spcPct val="150000"/>
+              </a:lnSpc>
+              <a:buFont typeface="Arial" panose="020B0604020202020204" pitchFamily="34" charset="0"/>
+              <a:buChar char="•"/>
+            </a:pPr>
+            <a:r>
+              <a:rPr kumimoji="1" lang="en-US" altLang="ko-KR" sz="1400" dirty="0">
+                <a:solidFill>
+                  <a:srgbClr val="3D3D3D"/>
+                </a:solidFill>
+                <a:latin typeface="NanumSquareRound Regular" panose="020B0600000101010101" pitchFamily="34" charset="-127"/>
+                <a:ea typeface="NanumSquareRound Regular" panose="020B0600000101010101" pitchFamily="34" charset="-127"/>
+              </a:rPr>
+              <a:t>100epoch accuracy 89.960%</a:t>
+            </a:r>
+          </a:p>
+          <a:p>
+            <a:pPr marL="742950" lvl="1" indent="-285750">
+              <a:lnSpc>
+                <a:spcPct val="150000"/>
+              </a:lnSpc>
+              <a:buFont typeface="Arial" panose="020B0604020202020204" pitchFamily="34" charset="0"/>
+              <a:buChar char="•"/>
+            </a:pPr>
+            <a:r>
+              <a:rPr kumimoji="1" lang="en-US" altLang="ko-KR" sz="1400" dirty="0">
+                <a:solidFill>
+                  <a:srgbClr val="3D3D3D"/>
+                </a:solidFill>
+                <a:latin typeface="NanumSquareRound Regular" panose="020B0600000101010101" pitchFamily="34" charset="-127"/>
+                <a:ea typeface="NanumSquareRound Regular" panose="020B0600000101010101" pitchFamily="34" charset="-127"/>
+              </a:rPr>
+              <a:t>200epoch accuracy : 95.220%</a:t>
+            </a:r>
+          </a:p>
+        </p:txBody>
+      </p:sp>
+    </p:spTree>
+    <p:extLst>
+      <p:ext uri="{BB962C8B-B14F-4D97-AF65-F5344CB8AC3E}">
+        <p14:creationId xmlns:p14="http://schemas.microsoft.com/office/powerpoint/2010/main" val="2497957633"/>
       </p:ext>
     </p:extLst>
   </p:cSld>

--- a/개인미팅준비.pptx
+++ b/개인미팅준비.pptx
@@ -5,7 +5,7 @@
     <p:sldMasterId id="2147483648" r:id="rId1"/>
   </p:sldMasterIdLst>
   <p:notesMasterIdLst>
-    <p:notesMasterId r:id="rId26"/>
+    <p:notesMasterId r:id="rId27"/>
   </p:notesMasterIdLst>
   <p:sldIdLst>
     <p:sldId id="259" r:id="rId2"/>
@@ -32,6 +32,7 @@
     <p:sldId id="280" r:id="rId23"/>
     <p:sldId id="282" r:id="rId24"/>
     <p:sldId id="283" r:id="rId25"/>
+    <p:sldId id="285" r:id="rId26"/>
   </p:sldIdLst>
   <p:sldSz cx="12192000" cy="6858000"/>
   <p:notesSz cx="6858000" cy="9144000"/>
@@ -220,7 +221,7 @@
           <a:p>
             <a:fld id="{1D131B2F-B9A1-8B41-9292-772B45C528AD}" type="datetimeFigureOut">
               <a:rPr kumimoji="1" lang="ko-Kore-KR" altLang="en-US" smtClean="0"/>
-              <a:t>2021. 10. 5.</a:t>
+              <a:t>2021. 10. 7.</a:t>
             </a:fld>
             <a:endParaRPr kumimoji="1" lang="ko-Kore-KR" altLang="en-US"/>
           </a:p>
@@ -1726,261 +1727,6 @@
           <a:bodyPr/>
           <a:lstStyle/>
           <a:p>
-            <a:r>
-              <a:rPr kumimoji="1" lang="en-US" altLang="ko-KR" dirty="0"/>
-              <a:t>[</a:t>
-            </a:r>
-            <a:r>
-              <a:rPr kumimoji="1" lang="ko-KR" altLang="en-US" dirty="0"/>
-              <a:t>서바이벌 모델 </a:t>
-            </a:r>
-            <a:r>
-              <a:rPr kumimoji="1" lang="en-US" altLang="ko-KR" dirty="0"/>
-              <a:t>–</a:t>
-            </a:r>
-            <a:r>
-              <a:rPr kumimoji="1" lang="ko-KR" altLang="en-US" dirty="0"/>
-              <a:t> </a:t>
-            </a:r>
-            <a:r>
-              <a:rPr kumimoji="1" lang="en-US" altLang="ko-KR" dirty="0"/>
-              <a:t>5</a:t>
-            </a:r>
-            <a:r>
-              <a:rPr kumimoji="1" lang="ko-KR" altLang="en-US" dirty="0" err="1"/>
-              <a:t>개앙상블</a:t>
-            </a:r>
-            <a:r>
-              <a:rPr kumimoji="1" lang="en-US" altLang="ko-KR" dirty="0"/>
-              <a:t>]</a:t>
-            </a:r>
-          </a:p>
-          <a:p>
-            <a:r>
-              <a:rPr kumimoji="1" lang="en-US" altLang="ko-KR" dirty="0"/>
-              <a:t>5</a:t>
-            </a:r>
-            <a:r>
-              <a:rPr kumimoji="1" lang="ko-KR" altLang="en-US" dirty="0" err="1"/>
-              <a:t>개모델을</a:t>
-            </a:r>
-            <a:r>
-              <a:rPr kumimoji="1" lang="ko-KR" altLang="en-US" dirty="0"/>
-              <a:t> 사용한 서바이벌 버전 성능 측정 </a:t>
-            </a:r>
-            <a:r>
-              <a:rPr kumimoji="1" lang="en-US" altLang="ko-KR" dirty="0"/>
-              <a:t>-&gt;</a:t>
-            </a:r>
-            <a:r>
-              <a:rPr kumimoji="1" lang="ko-KR" altLang="en-US" dirty="0"/>
-              <a:t> 단일모델보다 </a:t>
-            </a:r>
-            <a:r>
-              <a:rPr kumimoji="1" lang="ko-KR" altLang="en-US" dirty="0" err="1"/>
-              <a:t>낮게나왔는데</a:t>
-            </a:r>
-            <a:r>
-              <a:rPr kumimoji="1" lang="en-US" altLang="ko-KR" dirty="0"/>
-              <a:t>,</a:t>
-            </a:r>
-            <a:r>
-              <a:rPr kumimoji="1" lang="ko-KR" altLang="en-US" dirty="0"/>
-              <a:t> </a:t>
-            </a:r>
-            <a:r>
-              <a:rPr kumimoji="1" lang="ko-KR" altLang="en-US" dirty="0" err="1"/>
-              <a:t>알고보니</a:t>
-            </a:r>
-            <a:r>
-              <a:rPr kumimoji="1" lang="ko-KR" altLang="en-US" dirty="0"/>
-              <a:t> 테스트데이터를 잘못 </a:t>
-            </a:r>
-            <a:r>
-              <a:rPr kumimoji="1" lang="ko-KR" altLang="en-US" dirty="0" err="1"/>
-              <a:t>넣엇더라구요</a:t>
-            </a:r>
-            <a:r>
-              <a:rPr kumimoji="1" lang="en-US" altLang="ko-KR" dirty="0"/>
-              <a:t>.</a:t>
-            </a:r>
-          </a:p>
-          <a:p>
-            <a:r>
-              <a:rPr kumimoji="1" lang="ko-KR" altLang="en-US" dirty="0"/>
-              <a:t>그래서 저는 제가 테스트데이터를 잘 </a:t>
-            </a:r>
-            <a:r>
-              <a:rPr kumimoji="1" lang="ko-KR" altLang="en-US" dirty="0" err="1"/>
-              <a:t>못넣은지</a:t>
-            </a:r>
-            <a:r>
-              <a:rPr kumimoji="1" lang="ko-KR" altLang="en-US" dirty="0"/>
-              <a:t> 모르고</a:t>
-            </a:r>
-            <a:r>
-              <a:rPr kumimoji="1" lang="en-US" altLang="ko-KR" dirty="0"/>
-              <a:t>,,</a:t>
-            </a:r>
-            <a:r>
-              <a:rPr kumimoji="1" lang="ko-KR" altLang="en-US" dirty="0"/>
-              <a:t>모델 수가 적어서 그런가 하고 </a:t>
-            </a:r>
-            <a:r>
-              <a:rPr kumimoji="1" lang="en-US" altLang="ko-KR" dirty="0"/>
-              <a:t>10</a:t>
-            </a:r>
-            <a:r>
-              <a:rPr kumimoji="1" lang="ko-KR" altLang="en-US" dirty="0"/>
-              <a:t>개 모델 서바이벌을 먼저 돌려보았습니다</a:t>
-            </a:r>
-            <a:r>
-              <a:rPr kumimoji="1" lang="en-US" altLang="ko-KR" dirty="0"/>
-              <a:t>.</a:t>
-            </a:r>
-          </a:p>
-          <a:p>
-            <a:r>
-              <a:rPr kumimoji="1" lang="ko-KR" altLang="en-US" dirty="0"/>
-              <a:t>모델 </a:t>
-            </a:r>
-            <a:r>
-              <a:rPr kumimoji="1" lang="en-US" altLang="ko-KR" dirty="0"/>
-              <a:t>10</a:t>
-            </a:r>
-            <a:r>
-              <a:rPr kumimoji="1" lang="ko-KR" altLang="en-US" dirty="0"/>
-              <a:t>개 </a:t>
-            </a:r>
-            <a:r>
-              <a:rPr kumimoji="1" lang="en-US" altLang="ko-KR" dirty="0"/>
-              <a:t>-&gt;</a:t>
-            </a:r>
-            <a:r>
-              <a:rPr kumimoji="1" lang="ko-KR" altLang="en-US" dirty="0"/>
-              <a:t> 성능이 좋게 나옴</a:t>
-            </a:r>
-            <a:r>
-              <a:rPr kumimoji="1" lang="en-US" altLang="ko-KR" dirty="0"/>
-              <a:t>.</a:t>
-            </a:r>
-            <a:r>
-              <a:rPr kumimoji="1" lang="ko-KR" altLang="en-US" dirty="0"/>
-              <a:t> </a:t>
-            </a:r>
-            <a:endParaRPr kumimoji="1" lang="en-US" altLang="ko-KR" dirty="0"/>
-          </a:p>
-          <a:p>
-            <a:r>
-              <a:rPr kumimoji="1" lang="ko-KR" altLang="en-US" dirty="0" err="1"/>
-              <a:t>에폭당</a:t>
-            </a:r>
-            <a:r>
-              <a:rPr kumimoji="1" lang="ko-KR" altLang="en-US" dirty="0"/>
-              <a:t> 정확도 파일이 날아가서 정확한 수치는 </a:t>
-            </a:r>
-            <a:r>
-              <a:rPr kumimoji="1" lang="ko-KR" altLang="en-US" dirty="0" err="1"/>
-              <a:t>못봣는데</a:t>
-            </a:r>
-            <a:r>
-              <a:rPr kumimoji="1" lang="ko-KR" altLang="en-US" dirty="0"/>
-              <a:t> 그래프 상으로는 거의 </a:t>
-            </a:r>
-            <a:r>
-              <a:rPr kumimoji="1" lang="en-US" altLang="ko-KR" dirty="0"/>
-              <a:t>99</a:t>
-            </a:r>
-            <a:r>
-              <a:rPr kumimoji="1" lang="ko-KR" altLang="en-US" dirty="0"/>
-              <a:t>에 가깝게 나옴</a:t>
-            </a:r>
-            <a:endParaRPr kumimoji="1" lang="en-US" altLang="ko-KR" dirty="0"/>
-          </a:p>
-          <a:p>
-            <a:endParaRPr kumimoji="1" lang="en-US" altLang="ko-Kore-KR" dirty="0"/>
-          </a:p>
-          <a:p>
-            <a:r>
-              <a:rPr kumimoji="1" lang="ko-Kore-KR" altLang="en-US" dirty="0"/>
-              <a:t>그리고</a:t>
-            </a:r>
-            <a:r>
-              <a:rPr kumimoji="1" lang="ko-KR" altLang="en-US" dirty="0"/>
-              <a:t> </a:t>
-            </a:r>
-            <a:r>
-              <a:rPr kumimoji="1" lang="en-US" altLang="ko-KR" dirty="0"/>
-              <a:t>5</a:t>
-            </a:r>
-            <a:r>
-              <a:rPr kumimoji="1" lang="ko-KR" altLang="en-US" dirty="0"/>
-              <a:t>개 버전은 아직 돌아가는 중이라 확인은 못하지만 현재 </a:t>
-            </a:r>
-            <a:r>
-              <a:rPr kumimoji="1" lang="en-US" altLang="ko-KR" dirty="0"/>
-              <a:t>100</a:t>
-            </a:r>
-            <a:r>
-              <a:rPr kumimoji="1" lang="ko-KR" altLang="en-US" dirty="0" err="1"/>
-              <a:t>에폭까지는</a:t>
-            </a:r>
-            <a:r>
-              <a:rPr kumimoji="1" lang="ko-KR" altLang="en-US" dirty="0"/>
-              <a:t> </a:t>
-            </a:r>
-            <a:r>
-              <a:rPr kumimoji="1" lang="en-US" altLang="ko-KR" dirty="0"/>
-              <a:t>89%</a:t>
-            </a:r>
-            <a:r>
-              <a:rPr kumimoji="1" lang="ko-KR" altLang="en-US" dirty="0"/>
-              <a:t> 까지 오른 것을 확인하 </a:t>
-            </a:r>
-            <a:r>
-              <a:rPr kumimoji="1" lang="ko-KR" altLang="en-US" dirty="0" err="1"/>
-              <a:t>ㄹ수</a:t>
-            </a:r>
-            <a:r>
-              <a:rPr kumimoji="1" lang="ko-KR" altLang="en-US" dirty="0"/>
-              <a:t> 있었다</a:t>
-            </a:r>
-            <a:r>
-              <a:rPr kumimoji="1" lang="en-US" altLang="ko-KR" dirty="0"/>
-              <a:t>.</a:t>
-            </a:r>
-          </a:p>
-          <a:p>
-            <a:r>
-              <a:rPr kumimoji="1" lang="en-US" altLang="ko-KR" dirty="0"/>
-              <a:t>200</a:t>
-            </a:r>
-            <a:r>
-              <a:rPr kumimoji="1" lang="ko-KR" altLang="en-US" dirty="0" err="1"/>
-              <a:t>에폭까지</a:t>
-            </a:r>
-            <a:r>
-              <a:rPr kumimoji="1" lang="ko-KR" altLang="en-US" dirty="0"/>
-              <a:t> 가면 더 오를 것 같습니다</a:t>
-            </a:r>
-            <a:r>
-              <a:rPr kumimoji="1" lang="en-US" altLang="ko-KR" dirty="0"/>
-              <a:t>.</a:t>
-            </a:r>
-          </a:p>
-          <a:p>
-            <a:r>
-              <a:rPr kumimoji="1" lang="en-US" altLang="ko-KR" dirty="0"/>
-              <a:t>10</a:t>
-            </a:r>
-            <a:r>
-              <a:rPr kumimoji="1" lang="ko-KR" altLang="en-US" dirty="0"/>
-              <a:t>개 돌린 것보다 성능이 살짝 낮을 것으로 예상이 됩니다</a:t>
-            </a:r>
-            <a:r>
-              <a:rPr kumimoji="1" lang="en-US" altLang="ko-KR" dirty="0"/>
-              <a:t>.</a:t>
-            </a:r>
             <a:endParaRPr kumimoji="1" lang="ko-Kore-KR" altLang="en-US" dirty="0"/>
           </a:p>
         </p:txBody>
@@ -2065,261 +1811,6 @@
           <a:bodyPr/>
           <a:lstStyle/>
           <a:p>
-            <a:r>
-              <a:rPr kumimoji="1" lang="en-US" altLang="ko-KR" dirty="0"/>
-              <a:t>[</a:t>
-            </a:r>
-            <a:r>
-              <a:rPr kumimoji="1" lang="ko-KR" altLang="en-US" dirty="0"/>
-              <a:t>서바이벌 모델 </a:t>
-            </a:r>
-            <a:r>
-              <a:rPr kumimoji="1" lang="en-US" altLang="ko-KR" dirty="0"/>
-              <a:t>–</a:t>
-            </a:r>
-            <a:r>
-              <a:rPr kumimoji="1" lang="ko-KR" altLang="en-US" dirty="0"/>
-              <a:t> </a:t>
-            </a:r>
-            <a:r>
-              <a:rPr kumimoji="1" lang="en-US" altLang="ko-KR" dirty="0"/>
-              <a:t>5</a:t>
-            </a:r>
-            <a:r>
-              <a:rPr kumimoji="1" lang="ko-KR" altLang="en-US" dirty="0" err="1"/>
-              <a:t>개앙상블</a:t>
-            </a:r>
-            <a:r>
-              <a:rPr kumimoji="1" lang="en-US" altLang="ko-KR" dirty="0"/>
-              <a:t>]</a:t>
-            </a:r>
-          </a:p>
-          <a:p>
-            <a:r>
-              <a:rPr kumimoji="1" lang="en-US" altLang="ko-KR" dirty="0"/>
-              <a:t>5</a:t>
-            </a:r>
-            <a:r>
-              <a:rPr kumimoji="1" lang="ko-KR" altLang="en-US" dirty="0" err="1"/>
-              <a:t>개모델을</a:t>
-            </a:r>
-            <a:r>
-              <a:rPr kumimoji="1" lang="ko-KR" altLang="en-US" dirty="0"/>
-              <a:t> 사용한 서바이벌 버전 성능 측정 </a:t>
-            </a:r>
-            <a:r>
-              <a:rPr kumimoji="1" lang="en-US" altLang="ko-KR" dirty="0"/>
-              <a:t>-&gt;</a:t>
-            </a:r>
-            <a:r>
-              <a:rPr kumimoji="1" lang="ko-KR" altLang="en-US" dirty="0"/>
-              <a:t> 단일모델보다 </a:t>
-            </a:r>
-            <a:r>
-              <a:rPr kumimoji="1" lang="ko-KR" altLang="en-US" dirty="0" err="1"/>
-              <a:t>낮게나왔는데</a:t>
-            </a:r>
-            <a:r>
-              <a:rPr kumimoji="1" lang="en-US" altLang="ko-KR" dirty="0"/>
-              <a:t>,</a:t>
-            </a:r>
-            <a:r>
-              <a:rPr kumimoji="1" lang="ko-KR" altLang="en-US" dirty="0"/>
-              <a:t> </a:t>
-            </a:r>
-            <a:r>
-              <a:rPr kumimoji="1" lang="ko-KR" altLang="en-US" dirty="0" err="1"/>
-              <a:t>알고보니</a:t>
-            </a:r>
-            <a:r>
-              <a:rPr kumimoji="1" lang="ko-KR" altLang="en-US" dirty="0"/>
-              <a:t> 테스트데이터를 잘못 </a:t>
-            </a:r>
-            <a:r>
-              <a:rPr kumimoji="1" lang="ko-KR" altLang="en-US" dirty="0" err="1"/>
-              <a:t>넣엇더라구요</a:t>
-            </a:r>
-            <a:r>
-              <a:rPr kumimoji="1" lang="en-US" altLang="ko-KR" dirty="0"/>
-              <a:t>.</a:t>
-            </a:r>
-          </a:p>
-          <a:p>
-            <a:r>
-              <a:rPr kumimoji="1" lang="ko-KR" altLang="en-US" dirty="0"/>
-              <a:t>그래서 저는 제가 테스트데이터를 잘 </a:t>
-            </a:r>
-            <a:r>
-              <a:rPr kumimoji="1" lang="ko-KR" altLang="en-US" dirty="0" err="1"/>
-              <a:t>못넣은지</a:t>
-            </a:r>
-            <a:r>
-              <a:rPr kumimoji="1" lang="ko-KR" altLang="en-US" dirty="0"/>
-              <a:t> 모르고</a:t>
-            </a:r>
-            <a:r>
-              <a:rPr kumimoji="1" lang="en-US" altLang="ko-KR" dirty="0"/>
-              <a:t>,,</a:t>
-            </a:r>
-            <a:r>
-              <a:rPr kumimoji="1" lang="ko-KR" altLang="en-US" dirty="0"/>
-              <a:t>모델 수가 적어서 그런가 하고 </a:t>
-            </a:r>
-            <a:r>
-              <a:rPr kumimoji="1" lang="en-US" altLang="ko-KR" dirty="0"/>
-              <a:t>10</a:t>
-            </a:r>
-            <a:r>
-              <a:rPr kumimoji="1" lang="ko-KR" altLang="en-US" dirty="0"/>
-              <a:t>개 모델 서바이벌을 먼저 돌려보았습니다</a:t>
-            </a:r>
-            <a:r>
-              <a:rPr kumimoji="1" lang="en-US" altLang="ko-KR" dirty="0"/>
-              <a:t>.</a:t>
-            </a:r>
-          </a:p>
-          <a:p>
-            <a:r>
-              <a:rPr kumimoji="1" lang="ko-KR" altLang="en-US" dirty="0"/>
-              <a:t>모델 </a:t>
-            </a:r>
-            <a:r>
-              <a:rPr kumimoji="1" lang="en-US" altLang="ko-KR" dirty="0"/>
-              <a:t>10</a:t>
-            </a:r>
-            <a:r>
-              <a:rPr kumimoji="1" lang="ko-KR" altLang="en-US" dirty="0"/>
-              <a:t>개 </a:t>
-            </a:r>
-            <a:r>
-              <a:rPr kumimoji="1" lang="en-US" altLang="ko-KR" dirty="0"/>
-              <a:t>-&gt;</a:t>
-            </a:r>
-            <a:r>
-              <a:rPr kumimoji="1" lang="ko-KR" altLang="en-US" dirty="0"/>
-              <a:t> 성능이 좋게 나옴</a:t>
-            </a:r>
-            <a:r>
-              <a:rPr kumimoji="1" lang="en-US" altLang="ko-KR" dirty="0"/>
-              <a:t>.</a:t>
-            </a:r>
-            <a:r>
-              <a:rPr kumimoji="1" lang="ko-KR" altLang="en-US" dirty="0"/>
-              <a:t> </a:t>
-            </a:r>
-            <a:endParaRPr kumimoji="1" lang="en-US" altLang="ko-KR" dirty="0"/>
-          </a:p>
-          <a:p>
-            <a:r>
-              <a:rPr kumimoji="1" lang="ko-KR" altLang="en-US" dirty="0" err="1"/>
-              <a:t>에폭당</a:t>
-            </a:r>
-            <a:r>
-              <a:rPr kumimoji="1" lang="ko-KR" altLang="en-US" dirty="0"/>
-              <a:t> 정확도 파일이 날아가서 정확한 수치는 </a:t>
-            </a:r>
-            <a:r>
-              <a:rPr kumimoji="1" lang="ko-KR" altLang="en-US" dirty="0" err="1"/>
-              <a:t>못봣는데</a:t>
-            </a:r>
-            <a:r>
-              <a:rPr kumimoji="1" lang="ko-KR" altLang="en-US" dirty="0"/>
-              <a:t> 그래프 상으로는 거의 </a:t>
-            </a:r>
-            <a:r>
-              <a:rPr kumimoji="1" lang="en-US" altLang="ko-KR" dirty="0"/>
-              <a:t>99</a:t>
-            </a:r>
-            <a:r>
-              <a:rPr kumimoji="1" lang="ko-KR" altLang="en-US" dirty="0"/>
-              <a:t>에 가깝게 나옴</a:t>
-            </a:r>
-            <a:endParaRPr kumimoji="1" lang="en-US" altLang="ko-KR" dirty="0"/>
-          </a:p>
-          <a:p>
-            <a:endParaRPr kumimoji="1" lang="en-US" altLang="ko-Kore-KR" dirty="0"/>
-          </a:p>
-          <a:p>
-            <a:r>
-              <a:rPr kumimoji="1" lang="ko-Kore-KR" altLang="en-US" dirty="0"/>
-              <a:t>그리고</a:t>
-            </a:r>
-            <a:r>
-              <a:rPr kumimoji="1" lang="ko-KR" altLang="en-US" dirty="0"/>
-              <a:t> </a:t>
-            </a:r>
-            <a:r>
-              <a:rPr kumimoji="1" lang="en-US" altLang="ko-KR" dirty="0"/>
-              <a:t>5</a:t>
-            </a:r>
-            <a:r>
-              <a:rPr kumimoji="1" lang="ko-KR" altLang="en-US" dirty="0"/>
-              <a:t>개 버전은 아직 돌아가는 중이라 확인은 못하지만 현재 </a:t>
-            </a:r>
-            <a:r>
-              <a:rPr kumimoji="1" lang="en-US" altLang="ko-KR" dirty="0"/>
-              <a:t>100</a:t>
-            </a:r>
-            <a:r>
-              <a:rPr kumimoji="1" lang="ko-KR" altLang="en-US" dirty="0" err="1"/>
-              <a:t>에폭까지는</a:t>
-            </a:r>
-            <a:r>
-              <a:rPr kumimoji="1" lang="ko-KR" altLang="en-US" dirty="0"/>
-              <a:t> </a:t>
-            </a:r>
-            <a:r>
-              <a:rPr kumimoji="1" lang="en-US" altLang="ko-KR" dirty="0"/>
-              <a:t>89%</a:t>
-            </a:r>
-            <a:r>
-              <a:rPr kumimoji="1" lang="ko-KR" altLang="en-US" dirty="0"/>
-              <a:t> 까지 오른 것을 확인하 </a:t>
-            </a:r>
-            <a:r>
-              <a:rPr kumimoji="1" lang="ko-KR" altLang="en-US" dirty="0" err="1"/>
-              <a:t>ㄹ수</a:t>
-            </a:r>
-            <a:r>
-              <a:rPr kumimoji="1" lang="ko-KR" altLang="en-US" dirty="0"/>
-              <a:t> 있었다</a:t>
-            </a:r>
-            <a:r>
-              <a:rPr kumimoji="1" lang="en-US" altLang="ko-KR" dirty="0"/>
-              <a:t>.</a:t>
-            </a:r>
-          </a:p>
-          <a:p>
-            <a:r>
-              <a:rPr kumimoji="1" lang="en-US" altLang="ko-KR" dirty="0"/>
-              <a:t>200</a:t>
-            </a:r>
-            <a:r>
-              <a:rPr kumimoji="1" lang="ko-KR" altLang="en-US" dirty="0" err="1"/>
-              <a:t>에폭까지</a:t>
-            </a:r>
-            <a:r>
-              <a:rPr kumimoji="1" lang="ko-KR" altLang="en-US" dirty="0"/>
-              <a:t> 가면 더 오를 것 같습니다</a:t>
-            </a:r>
-            <a:r>
-              <a:rPr kumimoji="1" lang="en-US" altLang="ko-KR" dirty="0"/>
-              <a:t>.</a:t>
-            </a:r>
-          </a:p>
-          <a:p>
-            <a:r>
-              <a:rPr kumimoji="1" lang="en-US" altLang="ko-KR" dirty="0"/>
-              <a:t>10</a:t>
-            </a:r>
-            <a:r>
-              <a:rPr kumimoji="1" lang="ko-KR" altLang="en-US" dirty="0"/>
-              <a:t>개 돌린 것보다 성능이 살짝 낮을 것으로 예상이 됩니다</a:t>
-            </a:r>
-            <a:r>
-              <a:rPr kumimoji="1" lang="en-US" altLang="ko-KR" dirty="0"/>
-              <a:t>.</a:t>
-            </a:r>
             <a:endParaRPr kumimoji="1" lang="ko-Kore-KR" altLang="en-US" dirty="0"/>
           </a:p>
         </p:txBody>
@@ -2404,261 +1895,6 @@
           <a:bodyPr/>
           <a:lstStyle/>
           <a:p>
-            <a:r>
-              <a:rPr kumimoji="1" lang="en-US" altLang="ko-KR" dirty="0"/>
-              <a:t>[</a:t>
-            </a:r>
-            <a:r>
-              <a:rPr kumimoji="1" lang="ko-KR" altLang="en-US" dirty="0"/>
-              <a:t>서바이벌 모델 </a:t>
-            </a:r>
-            <a:r>
-              <a:rPr kumimoji="1" lang="en-US" altLang="ko-KR" dirty="0"/>
-              <a:t>–</a:t>
-            </a:r>
-            <a:r>
-              <a:rPr kumimoji="1" lang="ko-KR" altLang="en-US" dirty="0"/>
-              <a:t> </a:t>
-            </a:r>
-            <a:r>
-              <a:rPr kumimoji="1" lang="en-US" altLang="ko-KR" dirty="0"/>
-              <a:t>5</a:t>
-            </a:r>
-            <a:r>
-              <a:rPr kumimoji="1" lang="ko-KR" altLang="en-US" dirty="0" err="1"/>
-              <a:t>개앙상블</a:t>
-            </a:r>
-            <a:r>
-              <a:rPr kumimoji="1" lang="en-US" altLang="ko-KR" dirty="0"/>
-              <a:t>]</a:t>
-            </a:r>
-          </a:p>
-          <a:p>
-            <a:r>
-              <a:rPr kumimoji="1" lang="en-US" altLang="ko-KR" dirty="0"/>
-              <a:t>5</a:t>
-            </a:r>
-            <a:r>
-              <a:rPr kumimoji="1" lang="ko-KR" altLang="en-US" dirty="0" err="1"/>
-              <a:t>개모델을</a:t>
-            </a:r>
-            <a:r>
-              <a:rPr kumimoji="1" lang="ko-KR" altLang="en-US" dirty="0"/>
-              <a:t> 사용한 서바이벌 버전 성능 측정 </a:t>
-            </a:r>
-            <a:r>
-              <a:rPr kumimoji="1" lang="en-US" altLang="ko-KR" dirty="0"/>
-              <a:t>-&gt;</a:t>
-            </a:r>
-            <a:r>
-              <a:rPr kumimoji="1" lang="ko-KR" altLang="en-US" dirty="0"/>
-              <a:t> 단일모델보다 </a:t>
-            </a:r>
-            <a:r>
-              <a:rPr kumimoji="1" lang="ko-KR" altLang="en-US" dirty="0" err="1"/>
-              <a:t>낮게나왔는데</a:t>
-            </a:r>
-            <a:r>
-              <a:rPr kumimoji="1" lang="en-US" altLang="ko-KR" dirty="0"/>
-              <a:t>,</a:t>
-            </a:r>
-            <a:r>
-              <a:rPr kumimoji="1" lang="ko-KR" altLang="en-US" dirty="0"/>
-              <a:t> </a:t>
-            </a:r>
-            <a:r>
-              <a:rPr kumimoji="1" lang="ko-KR" altLang="en-US" dirty="0" err="1"/>
-              <a:t>알고보니</a:t>
-            </a:r>
-            <a:r>
-              <a:rPr kumimoji="1" lang="ko-KR" altLang="en-US" dirty="0"/>
-              <a:t> 테스트데이터를 잘못 </a:t>
-            </a:r>
-            <a:r>
-              <a:rPr kumimoji="1" lang="ko-KR" altLang="en-US" dirty="0" err="1"/>
-              <a:t>넣엇더라구요</a:t>
-            </a:r>
-            <a:r>
-              <a:rPr kumimoji="1" lang="en-US" altLang="ko-KR" dirty="0"/>
-              <a:t>.</a:t>
-            </a:r>
-          </a:p>
-          <a:p>
-            <a:r>
-              <a:rPr kumimoji="1" lang="ko-KR" altLang="en-US" dirty="0"/>
-              <a:t>그래서 저는 제가 테스트데이터를 잘 </a:t>
-            </a:r>
-            <a:r>
-              <a:rPr kumimoji="1" lang="ko-KR" altLang="en-US" dirty="0" err="1"/>
-              <a:t>못넣은지</a:t>
-            </a:r>
-            <a:r>
-              <a:rPr kumimoji="1" lang="ko-KR" altLang="en-US" dirty="0"/>
-              <a:t> 모르고</a:t>
-            </a:r>
-            <a:r>
-              <a:rPr kumimoji="1" lang="en-US" altLang="ko-KR" dirty="0"/>
-              <a:t>,,</a:t>
-            </a:r>
-            <a:r>
-              <a:rPr kumimoji="1" lang="ko-KR" altLang="en-US" dirty="0"/>
-              <a:t>모델 수가 적어서 그런가 하고 </a:t>
-            </a:r>
-            <a:r>
-              <a:rPr kumimoji="1" lang="en-US" altLang="ko-KR" dirty="0"/>
-              <a:t>10</a:t>
-            </a:r>
-            <a:r>
-              <a:rPr kumimoji="1" lang="ko-KR" altLang="en-US" dirty="0"/>
-              <a:t>개 모델 서바이벌을 먼저 돌려보았습니다</a:t>
-            </a:r>
-            <a:r>
-              <a:rPr kumimoji="1" lang="en-US" altLang="ko-KR" dirty="0"/>
-              <a:t>.</a:t>
-            </a:r>
-          </a:p>
-          <a:p>
-            <a:r>
-              <a:rPr kumimoji="1" lang="ko-KR" altLang="en-US" dirty="0"/>
-              <a:t>모델 </a:t>
-            </a:r>
-            <a:r>
-              <a:rPr kumimoji="1" lang="en-US" altLang="ko-KR" dirty="0"/>
-              <a:t>10</a:t>
-            </a:r>
-            <a:r>
-              <a:rPr kumimoji="1" lang="ko-KR" altLang="en-US" dirty="0"/>
-              <a:t>개 </a:t>
-            </a:r>
-            <a:r>
-              <a:rPr kumimoji="1" lang="en-US" altLang="ko-KR" dirty="0"/>
-              <a:t>-&gt;</a:t>
-            </a:r>
-            <a:r>
-              <a:rPr kumimoji="1" lang="ko-KR" altLang="en-US" dirty="0"/>
-              <a:t> 성능이 좋게 나옴</a:t>
-            </a:r>
-            <a:r>
-              <a:rPr kumimoji="1" lang="en-US" altLang="ko-KR" dirty="0"/>
-              <a:t>.</a:t>
-            </a:r>
-            <a:r>
-              <a:rPr kumimoji="1" lang="ko-KR" altLang="en-US" dirty="0"/>
-              <a:t> </a:t>
-            </a:r>
-            <a:endParaRPr kumimoji="1" lang="en-US" altLang="ko-KR" dirty="0"/>
-          </a:p>
-          <a:p>
-            <a:r>
-              <a:rPr kumimoji="1" lang="ko-KR" altLang="en-US" dirty="0" err="1"/>
-              <a:t>에폭당</a:t>
-            </a:r>
-            <a:r>
-              <a:rPr kumimoji="1" lang="ko-KR" altLang="en-US" dirty="0"/>
-              <a:t> 정확도 파일이 날아가서 정확한 수치는 </a:t>
-            </a:r>
-            <a:r>
-              <a:rPr kumimoji="1" lang="ko-KR" altLang="en-US" dirty="0" err="1"/>
-              <a:t>못봣는데</a:t>
-            </a:r>
-            <a:r>
-              <a:rPr kumimoji="1" lang="ko-KR" altLang="en-US" dirty="0"/>
-              <a:t> 그래프 상으로는 거의 </a:t>
-            </a:r>
-            <a:r>
-              <a:rPr kumimoji="1" lang="en-US" altLang="ko-KR" dirty="0"/>
-              <a:t>99</a:t>
-            </a:r>
-            <a:r>
-              <a:rPr kumimoji="1" lang="ko-KR" altLang="en-US" dirty="0"/>
-              <a:t>에 가깝게 나옴</a:t>
-            </a:r>
-            <a:endParaRPr kumimoji="1" lang="en-US" altLang="ko-KR" dirty="0"/>
-          </a:p>
-          <a:p>
-            <a:endParaRPr kumimoji="1" lang="en-US" altLang="ko-Kore-KR" dirty="0"/>
-          </a:p>
-          <a:p>
-            <a:r>
-              <a:rPr kumimoji="1" lang="ko-Kore-KR" altLang="en-US" dirty="0"/>
-              <a:t>그리고</a:t>
-            </a:r>
-            <a:r>
-              <a:rPr kumimoji="1" lang="ko-KR" altLang="en-US" dirty="0"/>
-              <a:t> </a:t>
-            </a:r>
-            <a:r>
-              <a:rPr kumimoji="1" lang="en-US" altLang="ko-KR" dirty="0"/>
-              <a:t>5</a:t>
-            </a:r>
-            <a:r>
-              <a:rPr kumimoji="1" lang="ko-KR" altLang="en-US" dirty="0"/>
-              <a:t>개 버전은 아직 돌아가는 중이라 확인은 못하지만 현재 </a:t>
-            </a:r>
-            <a:r>
-              <a:rPr kumimoji="1" lang="en-US" altLang="ko-KR" dirty="0"/>
-              <a:t>100</a:t>
-            </a:r>
-            <a:r>
-              <a:rPr kumimoji="1" lang="ko-KR" altLang="en-US" dirty="0" err="1"/>
-              <a:t>에폭까지는</a:t>
-            </a:r>
-            <a:r>
-              <a:rPr kumimoji="1" lang="ko-KR" altLang="en-US" dirty="0"/>
-              <a:t> </a:t>
-            </a:r>
-            <a:r>
-              <a:rPr kumimoji="1" lang="en-US" altLang="ko-KR" dirty="0"/>
-              <a:t>89%</a:t>
-            </a:r>
-            <a:r>
-              <a:rPr kumimoji="1" lang="ko-KR" altLang="en-US" dirty="0"/>
-              <a:t> 까지 오른 것을 확인하 </a:t>
-            </a:r>
-            <a:r>
-              <a:rPr kumimoji="1" lang="ko-KR" altLang="en-US" dirty="0" err="1"/>
-              <a:t>ㄹ수</a:t>
-            </a:r>
-            <a:r>
-              <a:rPr kumimoji="1" lang="ko-KR" altLang="en-US" dirty="0"/>
-              <a:t> 있었다</a:t>
-            </a:r>
-            <a:r>
-              <a:rPr kumimoji="1" lang="en-US" altLang="ko-KR" dirty="0"/>
-              <a:t>.</a:t>
-            </a:r>
-          </a:p>
-          <a:p>
-            <a:r>
-              <a:rPr kumimoji="1" lang="en-US" altLang="ko-KR" dirty="0"/>
-              <a:t>200</a:t>
-            </a:r>
-            <a:r>
-              <a:rPr kumimoji="1" lang="ko-KR" altLang="en-US" dirty="0" err="1"/>
-              <a:t>에폭까지</a:t>
-            </a:r>
-            <a:r>
-              <a:rPr kumimoji="1" lang="ko-KR" altLang="en-US" dirty="0"/>
-              <a:t> 가면 더 오를 것 같습니다</a:t>
-            </a:r>
-            <a:r>
-              <a:rPr kumimoji="1" lang="en-US" altLang="ko-KR" dirty="0"/>
-              <a:t>.</a:t>
-            </a:r>
-          </a:p>
-          <a:p>
-            <a:r>
-              <a:rPr kumimoji="1" lang="en-US" altLang="ko-KR" dirty="0"/>
-              <a:t>10</a:t>
-            </a:r>
-            <a:r>
-              <a:rPr kumimoji="1" lang="ko-KR" altLang="en-US" dirty="0"/>
-              <a:t>개 돌린 것보다 성능이 살짝 낮을 것으로 예상이 됩니다</a:t>
-            </a:r>
-            <a:r>
-              <a:rPr kumimoji="1" lang="en-US" altLang="ko-KR" dirty="0"/>
-              <a:t>.</a:t>
-            </a:r>
             <a:endParaRPr kumimoji="1" lang="ko-Kore-KR" altLang="en-US" dirty="0"/>
           </a:p>
         </p:txBody>
@@ -2690,6 +1926,90 @@
     <p:extLst>
       <p:ext uri="{BB962C8B-B14F-4D97-AF65-F5344CB8AC3E}">
         <p14:creationId xmlns:p14="http://schemas.microsoft.com/office/powerpoint/2010/main" val="929760538"/>
+      </p:ext>
+    </p:extLst>
+  </p:cSld>
+  <p:clrMapOvr>
+    <a:masterClrMapping/>
+  </p:clrMapOvr>
+</p:notes>
+</file>
+
+<file path=ppt/notesSlides/notesSlide19.xml><?xml version="1.0" encoding="utf-8"?>
+<p:notes xmlns:a="http://schemas.openxmlformats.org/drawingml/2006/main" xmlns:r="http://schemas.openxmlformats.org/officeDocument/2006/relationships" xmlns:p="http://schemas.openxmlformats.org/presentationml/2006/main">
+  <p:cSld>
+    <p:spTree>
+      <p:nvGrpSpPr>
+        <p:cNvPr id="1" name=""/>
+        <p:cNvGrpSpPr/>
+        <p:nvPr/>
+      </p:nvGrpSpPr>
+      <p:grpSpPr>
+        <a:xfrm>
+          <a:off x="0" y="0"/>
+          <a:ext cx="0" cy="0"/>
+          <a:chOff x="0" y="0"/>
+          <a:chExt cx="0" cy="0"/>
+        </a:xfrm>
+      </p:grpSpPr>
+      <p:sp>
+        <p:nvSpPr>
+          <p:cNvPr id="2" name="슬라이드 이미지 개체 틀 1"/>
+          <p:cNvSpPr>
+            <a:spLocks noGrp="1" noRot="1" noChangeAspect="1"/>
+          </p:cNvSpPr>
+          <p:nvPr>
+            <p:ph type="sldImg"/>
+          </p:nvPr>
+        </p:nvSpPr>
+        <p:spPr/>
+      </p:sp>
+      <p:sp>
+        <p:nvSpPr>
+          <p:cNvPr id="3" name="슬라이드 노트 개체 틀 2"/>
+          <p:cNvSpPr>
+            <a:spLocks noGrp="1"/>
+          </p:cNvSpPr>
+          <p:nvPr>
+            <p:ph type="body" idx="1"/>
+          </p:nvPr>
+        </p:nvSpPr>
+        <p:spPr/>
+        <p:txBody>
+          <a:bodyPr/>
+          <a:lstStyle/>
+          <a:p>
+            <a:endParaRPr kumimoji="1" lang="ko-Kore-KR" altLang="en-US" dirty="0"/>
+          </a:p>
+        </p:txBody>
+      </p:sp>
+      <p:sp>
+        <p:nvSpPr>
+          <p:cNvPr id="4" name="슬라이드 번호 개체 틀 3"/>
+          <p:cNvSpPr>
+            <a:spLocks noGrp="1"/>
+          </p:cNvSpPr>
+          <p:nvPr>
+            <p:ph type="sldNum" sz="quarter" idx="5"/>
+          </p:nvPr>
+        </p:nvSpPr>
+        <p:spPr/>
+        <p:txBody>
+          <a:bodyPr/>
+          <a:lstStyle/>
+          <a:p>
+            <a:fld id="{B71B6669-FD07-494E-99BC-6FDB59A26255}" type="slidenum">
+              <a:rPr kumimoji="1" lang="ko-Kore-KR" altLang="en-US" smtClean="0"/>
+              <a:t>25</a:t>
+            </a:fld>
+            <a:endParaRPr kumimoji="1" lang="ko-Kore-KR" altLang="en-US"/>
+          </a:p>
+        </p:txBody>
+      </p:sp>
+    </p:spTree>
+    <p:extLst>
+      <p:ext uri="{BB962C8B-B14F-4D97-AF65-F5344CB8AC3E}">
+        <p14:creationId xmlns:p14="http://schemas.microsoft.com/office/powerpoint/2010/main" val="2125608865"/>
       </p:ext>
     </p:extLst>
   </p:cSld>
@@ -4030,7 +3350,7 @@
           <a:p>
             <a:fld id="{853950EB-5035-BF40-82AA-6C9039F9D37B}" type="datetimeFigureOut">
               <a:rPr kumimoji="1" lang="ko-Kore-KR" altLang="en-US" smtClean="0"/>
-              <a:t>2021. 10. 5.</a:t>
+              <a:t>2021. 10. 7.</a:t>
             </a:fld>
             <a:endParaRPr kumimoji="1" lang="ko-Kore-KR" altLang="en-US"/>
           </a:p>
@@ -4230,7 +3550,7 @@
           <a:p>
             <a:fld id="{853950EB-5035-BF40-82AA-6C9039F9D37B}" type="datetimeFigureOut">
               <a:rPr kumimoji="1" lang="ko-Kore-KR" altLang="en-US" smtClean="0"/>
-              <a:t>2021. 10. 5.</a:t>
+              <a:t>2021. 10. 7.</a:t>
             </a:fld>
             <a:endParaRPr kumimoji="1" lang="ko-Kore-KR" altLang="en-US"/>
           </a:p>
@@ -4440,7 +3760,7 @@
           <a:p>
             <a:fld id="{853950EB-5035-BF40-82AA-6C9039F9D37B}" type="datetimeFigureOut">
               <a:rPr kumimoji="1" lang="ko-Kore-KR" altLang="en-US" smtClean="0"/>
-              <a:t>2021. 10. 5.</a:t>
+              <a:t>2021. 10. 7.</a:t>
             </a:fld>
             <a:endParaRPr kumimoji="1" lang="ko-Kore-KR" altLang="en-US"/>
           </a:p>
@@ -4640,7 +3960,7 @@
           <a:p>
             <a:fld id="{853950EB-5035-BF40-82AA-6C9039F9D37B}" type="datetimeFigureOut">
               <a:rPr kumimoji="1" lang="ko-Kore-KR" altLang="en-US" smtClean="0"/>
-              <a:t>2021. 10. 5.</a:t>
+              <a:t>2021. 10. 7.</a:t>
             </a:fld>
             <a:endParaRPr kumimoji="1" lang="ko-Kore-KR" altLang="en-US"/>
           </a:p>
@@ -4916,7 +4236,7 @@
           <a:p>
             <a:fld id="{853950EB-5035-BF40-82AA-6C9039F9D37B}" type="datetimeFigureOut">
               <a:rPr kumimoji="1" lang="ko-Kore-KR" altLang="en-US" smtClean="0"/>
-              <a:t>2021. 10. 5.</a:t>
+              <a:t>2021. 10. 7.</a:t>
             </a:fld>
             <a:endParaRPr kumimoji="1" lang="ko-Kore-KR" altLang="en-US"/>
           </a:p>
@@ -5184,7 +4504,7 @@
           <a:p>
             <a:fld id="{853950EB-5035-BF40-82AA-6C9039F9D37B}" type="datetimeFigureOut">
               <a:rPr kumimoji="1" lang="ko-Kore-KR" altLang="en-US" smtClean="0"/>
-              <a:t>2021. 10. 5.</a:t>
+              <a:t>2021. 10. 7.</a:t>
             </a:fld>
             <a:endParaRPr kumimoji="1" lang="ko-Kore-KR" altLang="en-US"/>
           </a:p>
@@ -5599,7 +4919,7 @@
           <a:p>
             <a:fld id="{853950EB-5035-BF40-82AA-6C9039F9D37B}" type="datetimeFigureOut">
               <a:rPr kumimoji="1" lang="ko-Kore-KR" altLang="en-US" smtClean="0"/>
-              <a:t>2021. 10. 5.</a:t>
+              <a:t>2021. 10. 7.</a:t>
             </a:fld>
             <a:endParaRPr kumimoji="1" lang="ko-Kore-KR" altLang="en-US"/>
           </a:p>
@@ -5741,7 +5061,7 @@
           <a:p>
             <a:fld id="{853950EB-5035-BF40-82AA-6C9039F9D37B}" type="datetimeFigureOut">
               <a:rPr kumimoji="1" lang="ko-Kore-KR" altLang="en-US" smtClean="0"/>
-              <a:t>2021. 10. 5.</a:t>
+              <a:t>2021. 10. 7.</a:t>
             </a:fld>
             <a:endParaRPr kumimoji="1" lang="ko-Kore-KR" altLang="en-US"/>
           </a:p>
@@ -5854,7 +5174,7 @@
           <a:p>
             <a:fld id="{853950EB-5035-BF40-82AA-6C9039F9D37B}" type="datetimeFigureOut">
               <a:rPr kumimoji="1" lang="ko-Kore-KR" altLang="en-US" smtClean="0"/>
-              <a:t>2021. 10. 5.</a:t>
+              <a:t>2021. 10. 7.</a:t>
             </a:fld>
             <a:endParaRPr kumimoji="1" lang="ko-Kore-KR" altLang="en-US"/>
           </a:p>
@@ -6167,7 +5487,7 @@
           <a:p>
             <a:fld id="{853950EB-5035-BF40-82AA-6C9039F9D37B}" type="datetimeFigureOut">
               <a:rPr kumimoji="1" lang="ko-Kore-KR" altLang="en-US" smtClean="0"/>
-              <a:t>2021. 10. 5.</a:t>
+              <a:t>2021. 10. 7.</a:t>
             </a:fld>
             <a:endParaRPr kumimoji="1" lang="ko-Kore-KR" altLang="en-US"/>
           </a:p>
@@ -6456,7 +5776,7 @@
           <a:p>
             <a:fld id="{853950EB-5035-BF40-82AA-6C9039F9D37B}" type="datetimeFigureOut">
               <a:rPr kumimoji="1" lang="ko-Kore-KR" altLang="en-US" smtClean="0"/>
-              <a:t>2021. 10. 5.</a:t>
+              <a:t>2021. 10. 7.</a:t>
             </a:fld>
             <a:endParaRPr kumimoji="1" lang="ko-Kore-KR" altLang="en-US"/>
           </a:p>
@@ -6699,7 +6019,7 @@
           <a:p>
             <a:fld id="{853950EB-5035-BF40-82AA-6C9039F9D37B}" type="datetimeFigureOut">
               <a:rPr kumimoji="1" lang="ko-Kore-KR" altLang="en-US" smtClean="0"/>
-              <a:t>2021. 10. 5.</a:t>
+              <a:t>2021. 10. 7.</a:t>
             </a:fld>
             <a:endParaRPr kumimoji="1" lang="ko-Kore-KR" altLang="en-US"/>
           </a:p>
@@ -13166,7 +12486,7 @@
                 <a:latin typeface="NanumSquareRound Regular" panose="020B0600000101010101" pitchFamily="34" charset="-127"/>
                 <a:ea typeface="NanumSquareRound Regular" panose="020B0600000101010101" pitchFamily="34" charset="-127"/>
               </a:rPr>
-              <a:t>일 화요일 </a:t>
+              <a:t>일 목요일 </a:t>
             </a:r>
             <a:r>
               <a:rPr kumimoji="1" lang="ko-KR" altLang="en-US" b="1" u="sng" dirty="0" err="1">
@@ -13361,12 +12681,152 @@
           </a:p>
         </p:txBody>
       </p:sp>
+      <p:sp>
+        <p:nvSpPr>
+          <p:cNvPr id="9" name="직사각형 8">
+            <a:extLst>
+              <a:ext uri="{FF2B5EF4-FFF2-40B4-BE49-F238E27FC236}">
+                <a16:creationId xmlns:a16="http://schemas.microsoft.com/office/drawing/2014/main" id="{1C613325-F607-4049-AA51-7F8F58809EB6}"/>
+              </a:ext>
+            </a:extLst>
+          </p:cNvPr>
+          <p:cNvSpPr/>
+          <p:nvPr/>
+        </p:nvSpPr>
+        <p:spPr>
+          <a:xfrm>
+            <a:off x="1306745" y="5613375"/>
+            <a:ext cx="3139001" cy="707566"/>
+          </a:xfrm>
+          <a:prstGeom prst="rect">
+            <a:avLst/>
+          </a:prstGeom>
+        </p:spPr>
+        <p:txBody>
+          <a:bodyPr wrap="none">
+            <a:spAutoFit/>
+          </a:bodyPr>
+          <a:lstStyle/>
+          <a:p>
+            <a:pPr marL="742950" lvl="1" indent="-285750">
+              <a:lnSpc>
+                <a:spcPct val="150000"/>
+              </a:lnSpc>
+              <a:buFont typeface="Arial" panose="020B0604020202020204" pitchFamily="34" charset="0"/>
+              <a:buChar char="•"/>
+            </a:pPr>
+            <a:r>
+              <a:rPr kumimoji="1" lang="ko-KR" altLang="en-US" sz="1400" dirty="0" err="1">
+                <a:solidFill>
+                  <a:srgbClr val="3D3D3D"/>
+                </a:solidFill>
+                <a:latin typeface="NanumSquareRound Regular" panose="020B0600000101010101" pitchFamily="34" charset="-127"/>
+                <a:ea typeface="NanumSquareRound Regular" panose="020B0600000101010101" pitchFamily="34" charset="-127"/>
+              </a:rPr>
+              <a:t>소프트보팅</a:t>
+            </a:r>
+            <a:r>
+              <a:rPr kumimoji="1" lang="ko-KR" altLang="en-US" sz="1400" dirty="0">
+                <a:solidFill>
+                  <a:srgbClr val="3D3D3D"/>
+                </a:solidFill>
+                <a:latin typeface="NanumSquareRound Regular" panose="020B0600000101010101" pitchFamily="34" charset="-127"/>
+                <a:ea typeface="NanumSquareRound Regular" panose="020B0600000101010101" pitchFamily="34" charset="-127"/>
+              </a:rPr>
+              <a:t> 앙상블  </a:t>
+            </a:r>
+            <a:r>
+              <a:rPr kumimoji="1" lang="en-US" altLang="ko-KR" sz="1400" dirty="0">
+                <a:solidFill>
+                  <a:srgbClr val="3D3D3D"/>
+                </a:solidFill>
+                <a:latin typeface="NanumSquareRound Regular" panose="020B0600000101010101" pitchFamily="34" charset="-127"/>
+                <a:ea typeface="NanumSquareRound Regular" panose="020B0600000101010101" pitchFamily="34" charset="-127"/>
+              </a:rPr>
+              <a:t>–</a:t>
+            </a:r>
+            <a:r>
+              <a:rPr kumimoji="1" lang="ko-KR" altLang="en-US" sz="1400" dirty="0">
+                <a:solidFill>
+                  <a:srgbClr val="3D3D3D"/>
+                </a:solidFill>
+                <a:latin typeface="NanumSquareRound Regular" panose="020B0600000101010101" pitchFamily="34" charset="-127"/>
+                <a:ea typeface="NanumSquareRound Regular" panose="020B0600000101010101" pitchFamily="34" charset="-127"/>
+              </a:rPr>
+              <a:t> 모델 </a:t>
+            </a:r>
+            <a:r>
+              <a:rPr kumimoji="1" lang="en-US" altLang="ko-KR" sz="1400" dirty="0">
+                <a:solidFill>
+                  <a:srgbClr val="3D3D3D"/>
+                </a:solidFill>
+                <a:latin typeface="NanumSquareRound Regular" panose="020B0600000101010101" pitchFamily="34" charset="-127"/>
+                <a:ea typeface="NanumSquareRound Regular" panose="020B0600000101010101" pitchFamily="34" charset="-127"/>
+              </a:rPr>
+              <a:t>5</a:t>
+            </a:r>
+            <a:r>
+              <a:rPr kumimoji="1" lang="ko-KR" altLang="en-US" sz="1400" dirty="0">
+                <a:solidFill>
+                  <a:srgbClr val="3D3D3D"/>
+                </a:solidFill>
+                <a:latin typeface="NanumSquareRound Regular" panose="020B0600000101010101" pitchFamily="34" charset="-127"/>
+                <a:ea typeface="NanumSquareRound Regular" panose="020B0600000101010101" pitchFamily="34" charset="-127"/>
+              </a:rPr>
+              <a:t>개</a:t>
+            </a:r>
+            <a:endParaRPr kumimoji="1" lang="en-US" altLang="ko-KR" sz="1400" dirty="0">
+              <a:solidFill>
+                <a:srgbClr val="3D3D3D"/>
+              </a:solidFill>
+              <a:latin typeface="NanumSquareRound Regular" panose="020B0600000101010101" pitchFamily="34" charset="-127"/>
+              <a:ea typeface="NanumSquareRound Regular" panose="020B0600000101010101" pitchFamily="34" charset="-127"/>
+            </a:endParaRPr>
+          </a:p>
+          <a:p>
+            <a:pPr marL="742950" lvl="1" indent="-285750">
+              <a:lnSpc>
+                <a:spcPct val="150000"/>
+              </a:lnSpc>
+              <a:buFont typeface="Arial" panose="020B0604020202020204" pitchFamily="34" charset="0"/>
+              <a:buChar char="•"/>
+            </a:pPr>
+            <a:r>
+              <a:rPr kumimoji="1" lang="en-US" altLang="ko-KR" sz="1400" dirty="0">
+                <a:solidFill>
+                  <a:srgbClr val="3D3D3D"/>
+                </a:solidFill>
+                <a:latin typeface="NanumSquareRound Regular" panose="020B0600000101010101" pitchFamily="34" charset="-127"/>
+                <a:ea typeface="NanumSquareRound Regular" panose="020B0600000101010101" pitchFamily="34" charset="-127"/>
+              </a:rPr>
+              <a:t>5</a:t>
+            </a:r>
+            <a:r>
+              <a:rPr kumimoji="1" lang="ko-KR" altLang="en-US" sz="1400" dirty="0">
+                <a:solidFill>
+                  <a:srgbClr val="3D3D3D"/>
+                </a:solidFill>
+                <a:latin typeface="NanumSquareRound Regular" panose="020B0600000101010101" pitchFamily="34" charset="-127"/>
+                <a:ea typeface="NanumSquareRound Regular" panose="020B0600000101010101" pitchFamily="34" charset="-127"/>
+              </a:rPr>
+              <a:t>번 학습 후 평균</a:t>
+            </a:r>
+            <a:endParaRPr kumimoji="1" lang="en-US" altLang="ko-KR" sz="1400" dirty="0">
+              <a:solidFill>
+                <a:srgbClr val="3D3D3D"/>
+              </a:solidFill>
+              <a:latin typeface="NanumSquareRound Regular" panose="020B0600000101010101" pitchFamily="34" charset="-127"/>
+              <a:ea typeface="NanumSquareRound Regular" panose="020B0600000101010101" pitchFamily="34" charset="-127"/>
+            </a:endParaRPr>
+          </a:p>
+        </p:txBody>
+      </p:sp>
       <p:pic>
         <p:nvPicPr>
-          <p:cNvPr id="3" name="그림 2">
+          <p:cNvPr id="5" name="그림 4">
             <a:extLst>
               <a:ext uri="{FF2B5EF4-FFF2-40B4-BE49-F238E27FC236}">
-                <a16:creationId xmlns:a16="http://schemas.microsoft.com/office/drawing/2014/main" id="{052B12C8-A2A6-334B-89AB-D54DD825D7DE}"/>
+                <a16:creationId xmlns:a16="http://schemas.microsoft.com/office/drawing/2014/main" id="{AE44D102-EA71-AD4A-A3B6-356563169DC2}"/>
               </a:ext>
             </a:extLst>
           </p:cNvPr>
@@ -13383,7 +12843,7 @@
         </p:blipFill>
         <p:spPr>
           <a:xfrm>
-            <a:off x="254000" y="1076252"/>
+            <a:off x="331317" y="956827"/>
             <a:ext cx="5842000" cy="4381500"/>
           </a:xfrm>
           <a:prstGeom prst="rect">
@@ -13393,10 +12853,10 @@
       </p:pic>
       <p:sp>
         <p:nvSpPr>
-          <p:cNvPr id="9" name="직사각형 8">
+          <p:cNvPr id="7" name="직사각형 6">
             <a:extLst>
               <a:ext uri="{FF2B5EF4-FFF2-40B4-BE49-F238E27FC236}">
-                <a16:creationId xmlns:a16="http://schemas.microsoft.com/office/drawing/2014/main" id="{1C613325-F607-4049-AA51-7F8F58809EB6}"/>
+                <a16:creationId xmlns:a16="http://schemas.microsoft.com/office/drawing/2014/main" id="{89F4D7A5-DC2F-6748-B669-BFB6DA792959}"/>
               </a:ext>
             </a:extLst>
           </p:cNvPr>
@@ -13405,121 +12865,935 @@
         </p:nvSpPr>
         <p:spPr>
           <a:xfrm>
-            <a:off x="924907" y="5625250"/>
-            <a:ext cx="3567708" cy="1030731"/>
+            <a:off x="8628570" y="1473882"/>
+            <a:ext cx="1058426" cy="5078313"/>
           </a:xfrm>
           <a:prstGeom prst="rect">
             <a:avLst/>
           </a:prstGeom>
         </p:spPr>
         <p:txBody>
-          <a:bodyPr wrap="none">
+          <a:bodyPr wrap="square">
             <a:spAutoFit/>
           </a:bodyPr>
           <a:lstStyle/>
           <a:p>
-            <a:pPr marL="742950" lvl="1" indent="-285750">
-              <a:lnSpc>
-                <a:spcPct val="150000"/>
-              </a:lnSpc>
-              <a:buFont typeface="Arial" panose="020B0604020202020204" pitchFamily="34" charset="0"/>
-              <a:buChar char="•"/>
-            </a:pPr>
-            <a:r>
-              <a:rPr kumimoji="1" lang="ko-KR" altLang="en-US" sz="1400" dirty="0">
-                <a:solidFill>
-                  <a:srgbClr val="3D3D3D"/>
-                </a:solidFill>
-                <a:latin typeface="NanumSquareRound Regular" panose="020B0600000101010101" pitchFamily="34" charset="-127"/>
-                <a:ea typeface="NanumSquareRound Regular" panose="020B0600000101010101" pitchFamily="34" charset="-127"/>
-              </a:rPr>
-              <a:t>서바이벌 버전 </a:t>
-            </a:r>
-            <a:r>
-              <a:rPr kumimoji="1" lang="en-US" altLang="ko-KR" sz="1400" dirty="0">
-                <a:solidFill>
-                  <a:srgbClr val="3D3D3D"/>
-                </a:solidFill>
-                <a:latin typeface="NanumSquareRound Regular" panose="020B0600000101010101" pitchFamily="34" charset="-127"/>
-                <a:ea typeface="NanumSquareRound Regular" panose="020B0600000101010101" pitchFamily="34" charset="-127"/>
-              </a:rPr>
-              <a:t>–</a:t>
-            </a:r>
-            <a:r>
-              <a:rPr kumimoji="1" lang="ko-KR" altLang="en-US" sz="1400" dirty="0">
-                <a:solidFill>
-                  <a:srgbClr val="3D3D3D"/>
-                </a:solidFill>
-                <a:latin typeface="NanumSquareRound Regular" panose="020B0600000101010101" pitchFamily="34" charset="-127"/>
-                <a:ea typeface="NanumSquareRound Regular" panose="020B0600000101010101" pitchFamily="34" charset="-127"/>
-              </a:rPr>
-              <a:t> 모델 </a:t>
-            </a:r>
-            <a:r>
-              <a:rPr kumimoji="1" lang="en-US" altLang="ko-KR" sz="1400" dirty="0">
-                <a:solidFill>
-                  <a:srgbClr val="3D3D3D"/>
-                </a:solidFill>
-                <a:latin typeface="NanumSquareRound Regular" panose="020B0600000101010101" pitchFamily="34" charset="-127"/>
-                <a:ea typeface="NanumSquareRound Regular" panose="020B0600000101010101" pitchFamily="34" charset="-127"/>
-              </a:rPr>
-              <a:t>5</a:t>
-            </a:r>
-            <a:r>
-              <a:rPr kumimoji="1" lang="ko-KR" altLang="en-US" sz="1400" dirty="0">
-                <a:solidFill>
-                  <a:srgbClr val="3D3D3D"/>
-                </a:solidFill>
-                <a:latin typeface="NanumSquareRound Regular" panose="020B0600000101010101" pitchFamily="34" charset="-127"/>
-                <a:ea typeface="NanumSquareRound Regular" panose="020B0600000101010101" pitchFamily="34" charset="-127"/>
-              </a:rPr>
-              <a:t>개</a:t>
-            </a:r>
-            <a:endParaRPr kumimoji="1" lang="en-US" altLang="ko-KR" sz="1400" dirty="0">
+            <a:r>
+              <a:rPr lang="en-US" altLang="ko-Kore-KR" sz="1200" dirty="0"/>
+              <a:t>98.628</a:t>
+            </a:r>
+          </a:p>
+          <a:p>
+            <a:r>
+              <a:rPr lang="en-US" altLang="ko-Kore-KR" sz="1200" dirty="0"/>
+              <a:t>98.152</a:t>
+            </a:r>
+          </a:p>
+          <a:p>
+            <a:r>
+              <a:rPr lang="en-US" altLang="ko-Kore-KR" sz="1200" dirty="0"/>
+              <a:t>98.392</a:t>
+            </a:r>
+          </a:p>
+          <a:p>
+            <a:r>
+              <a:rPr lang="en-US" altLang="ko-Kore-KR" sz="1200" dirty="0"/>
+              <a:t>98.496</a:t>
+            </a:r>
+          </a:p>
+          <a:p>
+            <a:r>
+              <a:rPr lang="en-US" altLang="ko-Kore-KR" sz="1200" dirty="0"/>
+              <a:t>98.66</a:t>
+            </a:r>
+          </a:p>
+          <a:p>
+            <a:r>
+              <a:rPr lang="en-US" altLang="ko-Kore-KR" sz="1200" dirty="0"/>
+              <a:t>98.732</a:t>
+            </a:r>
+          </a:p>
+          <a:p>
+            <a:r>
+              <a:rPr lang="en-US" altLang="ko-Kore-KR" sz="1200" dirty="0"/>
+              <a:t>98.652</a:t>
+            </a:r>
+          </a:p>
+          <a:p>
+            <a:r>
+              <a:rPr lang="en-US" altLang="ko-Kore-KR" sz="1200" dirty="0"/>
+              <a:t>98.64</a:t>
+            </a:r>
+          </a:p>
+          <a:p>
+            <a:r>
+              <a:rPr lang="en-US" altLang="ko-Kore-KR" sz="1200" dirty="0"/>
+              <a:t>98.284</a:t>
+            </a:r>
+          </a:p>
+          <a:p>
+            <a:r>
+              <a:rPr lang="en-US" altLang="ko-Kore-KR" sz="1200" dirty="0"/>
+              <a:t>98.684</a:t>
+            </a:r>
+          </a:p>
+          <a:p>
+            <a:r>
+              <a:rPr lang="en-US" altLang="ko-Kore-KR" sz="1200" dirty="0"/>
+              <a:t>98.736</a:t>
+            </a:r>
+          </a:p>
+          <a:p>
+            <a:r>
+              <a:rPr lang="en-US" altLang="ko-Kore-KR" sz="1200" dirty="0">
+                <a:solidFill>
+                  <a:srgbClr val="FF0000"/>
+                </a:solidFill>
+              </a:rPr>
+              <a:t>99.024</a:t>
+            </a:r>
+          </a:p>
+          <a:p>
+            <a:r>
+              <a:rPr lang="en-US" altLang="ko-Kore-KR" sz="1200" dirty="0"/>
+              <a:t>98.944</a:t>
+            </a:r>
+          </a:p>
+          <a:p>
+            <a:r>
+              <a:rPr lang="en-US" altLang="ko-Kore-KR" sz="1200" dirty="0"/>
+              <a:t>98.752</a:t>
+            </a:r>
+          </a:p>
+          <a:p>
+            <a:r>
+              <a:rPr lang="en-US" altLang="ko-Kore-KR" sz="1200" dirty="0"/>
+              <a:t>97.648</a:t>
+            </a:r>
+          </a:p>
+          <a:p>
+            <a:r>
+              <a:rPr lang="en-US" altLang="ko-Kore-KR" sz="1200" dirty="0"/>
+              <a:t>98.624</a:t>
+            </a:r>
+          </a:p>
+          <a:p>
+            <a:r>
+              <a:rPr lang="en-US" altLang="ko-Kore-KR" sz="1200" dirty="0"/>
+              <a:t>98.464</a:t>
+            </a:r>
+          </a:p>
+          <a:p>
+            <a:r>
+              <a:rPr lang="en-US" altLang="ko-Kore-KR" sz="1200" dirty="0"/>
+              <a:t>98.784</a:t>
+            </a:r>
+          </a:p>
+          <a:p>
+            <a:r>
+              <a:rPr lang="en-US" altLang="ko-Kore-KR" sz="1200" dirty="0"/>
+              <a:t>98.808</a:t>
+            </a:r>
+          </a:p>
+          <a:p>
+            <a:r>
+              <a:rPr lang="en-US" altLang="ko-Kore-KR" sz="1200" dirty="0"/>
+              <a:t>98.968</a:t>
+            </a:r>
+          </a:p>
+          <a:p>
+            <a:r>
+              <a:rPr lang="en-US" altLang="ko-Kore-KR" sz="1200" dirty="0"/>
+              <a:t>98.648</a:t>
+            </a:r>
+          </a:p>
+          <a:p>
+            <a:r>
+              <a:rPr lang="en-US" altLang="ko-Kore-KR" sz="1200" dirty="0"/>
+              <a:t>98.408</a:t>
+            </a:r>
+          </a:p>
+          <a:p>
+            <a:r>
+              <a:rPr lang="en-US" altLang="ko-Kore-KR" sz="1200" dirty="0"/>
+              <a:t>98.592</a:t>
+            </a:r>
+          </a:p>
+          <a:p>
+            <a:r>
+              <a:rPr lang="en-US" altLang="ko-Kore-KR" sz="1200" dirty="0"/>
+              <a:t>98.716</a:t>
+            </a:r>
+          </a:p>
+          <a:p>
+            <a:r>
+              <a:rPr lang="en-US" altLang="ko-Kore-KR" sz="1200" dirty="0"/>
+              <a:t>98.124</a:t>
+            </a:r>
+          </a:p>
+          <a:p>
+            <a:r>
+              <a:rPr lang="en-US" altLang="ko-Kore-KR" sz="1200" dirty="0"/>
+              <a:t>98.364</a:t>
+            </a:r>
+            <a:endParaRPr lang="ko-Kore-KR" altLang="en-US" sz="1200" dirty="0"/>
+          </a:p>
+        </p:txBody>
+      </p:sp>
+      <p:sp>
+        <p:nvSpPr>
+          <p:cNvPr id="8" name="직사각형 7">
+            <a:extLst>
+              <a:ext uri="{FF2B5EF4-FFF2-40B4-BE49-F238E27FC236}">
+                <a16:creationId xmlns:a16="http://schemas.microsoft.com/office/drawing/2014/main" id="{C5A1CFF4-68F0-DA4B-B567-7396E1F3DFA0}"/>
+              </a:ext>
+            </a:extLst>
+          </p:cNvPr>
+          <p:cNvSpPr/>
+          <p:nvPr/>
+        </p:nvSpPr>
+        <p:spPr>
+          <a:xfrm>
+            <a:off x="6747377" y="1446530"/>
+            <a:ext cx="1252695" cy="5078313"/>
+          </a:xfrm>
+          <a:prstGeom prst="rect">
+            <a:avLst/>
+          </a:prstGeom>
+        </p:spPr>
+        <p:txBody>
+          <a:bodyPr wrap="square">
+            <a:spAutoFit/>
+          </a:bodyPr>
+          <a:lstStyle/>
+          <a:p>
+            <a:r>
+              <a:rPr lang="en-US" altLang="ko-Kore-KR" sz="1200" dirty="0"/>
+              <a:t>98.392</a:t>
+            </a:r>
+          </a:p>
+          <a:p>
+            <a:r>
+              <a:rPr lang="en-US" altLang="ko-Kore-KR" sz="1200" dirty="0"/>
+              <a:t>98.06</a:t>
+            </a:r>
+          </a:p>
+          <a:p>
+            <a:r>
+              <a:rPr lang="en-US" altLang="ko-Kore-KR" sz="1200" dirty="0"/>
+              <a:t>98.724</a:t>
+            </a:r>
+          </a:p>
+          <a:p>
+            <a:r>
+              <a:rPr lang="en-US" altLang="ko-Kore-KR" sz="1200" dirty="0"/>
+              <a:t>97.908</a:t>
+            </a:r>
+          </a:p>
+          <a:p>
+            <a:r>
+              <a:rPr lang="en-US" altLang="ko-Kore-KR" sz="1200" dirty="0"/>
+              <a:t>98.204</a:t>
+            </a:r>
+          </a:p>
+          <a:p>
+            <a:r>
+              <a:rPr lang="en-US" altLang="ko-Kore-KR" sz="1200" dirty="0"/>
+              <a:t>97.936</a:t>
+            </a:r>
+          </a:p>
+          <a:p>
+            <a:r>
+              <a:rPr lang="en-US" altLang="ko-Kore-KR" sz="1200" dirty="0"/>
+              <a:t>98.676</a:t>
+            </a:r>
+          </a:p>
+          <a:p>
+            <a:r>
+              <a:rPr lang="en-US" altLang="ko-Kore-KR" sz="1200" dirty="0"/>
+              <a:t>98.368</a:t>
+            </a:r>
+          </a:p>
+          <a:p>
+            <a:r>
+              <a:rPr lang="en-US" altLang="ko-Kore-KR" sz="1200" dirty="0"/>
+              <a:t>97.356</a:t>
+            </a:r>
+          </a:p>
+          <a:p>
+            <a:r>
+              <a:rPr lang="en-US" altLang="ko-Kore-KR" sz="1200" dirty="0"/>
+              <a:t>98.124</a:t>
+            </a:r>
+          </a:p>
+          <a:p>
+            <a:r>
+              <a:rPr lang="en-US" altLang="ko-Kore-KR" sz="1200" dirty="0"/>
+              <a:t>97.768</a:t>
+            </a:r>
+          </a:p>
+          <a:p>
+            <a:r>
+              <a:rPr lang="en-US" altLang="ko-Kore-KR" sz="1200" dirty="0"/>
+              <a:t>98.424</a:t>
+            </a:r>
+          </a:p>
+          <a:p>
+            <a:r>
+              <a:rPr lang="en-US" altLang="ko-Kore-KR" sz="1200" dirty="0"/>
+              <a:t>97.328</a:t>
+            </a:r>
+          </a:p>
+          <a:p>
+            <a:r>
+              <a:rPr lang="en-US" altLang="ko-Kore-KR" sz="1200" dirty="0"/>
+              <a:t>98.04</a:t>
+            </a:r>
+          </a:p>
+          <a:p>
+            <a:r>
+              <a:rPr lang="en-US" altLang="ko-Kore-KR" sz="1200" dirty="0"/>
+              <a:t>98.276</a:t>
+            </a:r>
+          </a:p>
+          <a:p>
+            <a:r>
+              <a:rPr lang="en-US" altLang="ko-Kore-KR" sz="1200" dirty="0"/>
+              <a:t>97.116</a:t>
+            </a:r>
+          </a:p>
+          <a:p>
+            <a:r>
+              <a:rPr lang="en-US" altLang="ko-Kore-KR" sz="1200" dirty="0"/>
+              <a:t>97.884</a:t>
+            </a:r>
+          </a:p>
+          <a:p>
+            <a:r>
+              <a:rPr lang="en-US" altLang="ko-Kore-KR" sz="1200" dirty="0"/>
+              <a:t>98.704</a:t>
+            </a:r>
+          </a:p>
+          <a:p>
+            <a:r>
+              <a:rPr lang="en-US" altLang="ko-Kore-KR" sz="1200" dirty="0"/>
+              <a:t>98.628</a:t>
+            </a:r>
+          </a:p>
+          <a:p>
+            <a:r>
+              <a:rPr lang="en-US" altLang="ko-Kore-KR" sz="1200" dirty="0"/>
+              <a:t>98.292</a:t>
+            </a:r>
+          </a:p>
+          <a:p>
+            <a:r>
+              <a:rPr lang="en-US" altLang="ko-Kore-KR" sz="1200" dirty="0"/>
+              <a:t>98.224</a:t>
+            </a:r>
+          </a:p>
+          <a:p>
+            <a:r>
+              <a:rPr lang="en-US" altLang="ko-Kore-KR" sz="1200" dirty="0"/>
+              <a:t>98.432</a:t>
+            </a:r>
+          </a:p>
+          <a:p>
+            <a:r>
+              <a:rPr lang="en-US" altLang="ko-Kore-KR" sz="1200" dirty="0"/>
+              <a:t>98.568</a:t>
+            </a:r>
+          </a:p>
+          <a:p>
+            <a:r>
+              <a:rPr lang="en-US" altLang="ko-Kore-KR" sz="1200" dirty="0"/>
+              <a:t>98.872</a:t>
+            </a:r>
+          </a:p>
+          <a:p>
+            <a:r>
+              <a:rPr lang="en-US" altLang="ko-Kore-KR" sz="1200" dirty="0"/>
+              <a:t>98.572</a:t>
+            </a:r>
+          </a:p>
+          <a:p>
+            <a:endParaRPr lang="ko-Kore-KR" altLang="en-US" sz="1200" dirty="0"/>
+          </a:p>
+        </p:txBody>
+      </p:sp>
+      <p:sp>
+        <p:nvSpPr>
+          <p:cNvPr id="13" name="직사각형 12">
+            <a:extLst>
+              <a:ext uri="{FF2B5EF4-FFF2-40B4-BE49-F238E27FC236}">
+                <a16:creationId xmlns:a16="http://schemas.microsoft.com/office/drawing/2014/main" id="{97CCC6C9-53D7-334C-9F60-7270C46C06A7}"/>
+              </a:ext>
+            </a:extLst>
+          </p:cNvPr>
+          <p:cNvSpPr/>
+          <p:nvPr/>
+        </p:nvSpPr>
+        <p:spPr>
+          <a:xfrm>
+            <a:off x="8219092" y="1473882"/>
+            <a:ext cx="500751" cy="4893647"/>
+          </a:xfrm>
+          <a:prstGeom prst="rect">
+            <a:avLst/>
+          </a:prstGeom>
+        </p:spPr>
+        <p:txBody>
+          <a:bodyPr wrap="square">
+            <a:spAutoFit/>
+          </a:bodyPr>
+          <a:lstStyle/>
+          <a:p>
+            <a:r>
+              <a:rPr lang="en-US" altLang="ko-Kore-KR" sz="1200" dirty="0">
+                <a:solidFill>
+                  <a:srgbClr val="D97B73"/>
+                </a:solidFill>
+              </a:rPr>
+              <a:t>175</a:t>
+            </a:r>
+          </a:p>
+          <a:p>
+            <a:r>
+              <a:rPr lang="en-US" altLang="ko-Kore-KR" sz="1200" dirty="0">
+                <a:solidFill>
+                  <a:srgbClr val="D97B73"/>
+                </a:solidFill>
+              </a:rPr>
+              <a:t>176</a:t>
+            </a:r>
+          </a:p>
+          <a:p>
+            <a:r>
+              <a:rPr lang="en-US" altLang="ko-Kore-KR" sz="1200" dirty="0">
+                <a:solidFill>
+                  <a:srgbClr val="D97B73"/>
+                </a:solidFill>
+              </a:rPr>
+              <a:t>177</a:t>
+            </a:r>
+          </a:p>
+          <a:p>
+            <a:r>
+              <a:rPr lang="en-US" altLang="ko-Kore-KR" sz="1200" dirty="0">
+                <a:solidFill>
+                  <a:srgbClr val="D97B73"/>
+                </a:solidFill>
+              </a:rPr>
+              <a:t>178</a:t>
+            </a:r>
+          </a:p>
+          <a:p>
+            <a:r>
+              <a:rPr lang="en-US" altLang="ko-Kore-KR" sz="1200" dirty="0">
+                <a:solidFill>
+                  <a:srgbClr val="D97B73"/>
+                </a:solidFill>
+              </a:rPr>
+              <a:t>179</a:t>
+            </a:r>
+          </a:p>
+          <a:p>
+            <a:r>
+              <a:rPr lang="en-US" altLang="ko-Kore-KR" sz="1200" dirty="0">
+                <a:solidFill>
+                  <a:srgbClr val="D97B73"/>
+                </a:solidFill>
+              </a:rPr>
+              <a:t>180</a:t>
+            </a:r>
+          </a:p>
+          <a:p>
+            <a:r>
+              <a:rPr lang="en-US" altLang="ko-Kore-KR" sz="1200" dirty="0">
+                <a:solidFill>
+                  <a:srgbClr val="D97B73"/>
+                </a:solidFill>
+              </a:rPr>
+              <a:t>181</a:t>
+            </a:r>
+          </a:p>
+          <a:p>
+            <a:r>
+              <a:rPr lang="en-US" altLang="ko-Kore-KR" sz="1200" dirty="0">
+                <a:solidFill>
+                  <a:srgbClr val="D97B73"/>
+                </a:solidFill>
+              </a:rPr>
+              <a:t>182</a:t>
+            </a:r>
+          </a:p>
+          <a:p>
+            <a:r>
+              <a:rPr lang="en-US" altLang="ko-Kore-KR" sz="1200" dirty="0">
+                <a:solidFill>
+                  <a:srgbClr val="D97B73"/>
+                </a:solidFill>
+              </a:rPr>
+              <a:t>183</a:t>
+            </a:r>
+          </a:p>
+          <a:p>
+            <a:r>
+              <a:rPr lang="en-US" altLang="ko-Kore-KR" sz="1200" dirty="0">
+                <a:solidFill>
+                  <a:srgbClr val="D97B73"/>
+                </a:solidFill>
+              </a:rPr>
+              <a:t>184</a:t>
+            </a:r>
+          </a:p>
+          <a:p>
+            <a:r>
+              <a:rPr lang="en-US" altLang="ko-Kore-KR" sz="1200" dirty="0">
+                <a:solidFill>
+                  <a:srgbClr val="D97B73"/>
+                </a:solidFill>
+              </a:rPr>
+              <a:t>185</a:t>
+            </a:r>
+          </a:p>
+          <a:p>
+            <a:r>
+              <a:rPr lang="en-US" altLang="ko-Kore-KR" sz="1200" dirty="0">
+                <a:solidFill>
+                  <a:srgbClr val="D97B73"/>
+                </a:solidFill>
+              </a:rPr>
+              <a:t>186</a:t>
+            </a:r>
+          </a:p>
+          <a:p>
+            <a:r>
+              <a:rPr lang="en-US" altLang="ko-Kore-KR" sz="1200" dirty="0">
+                <a:solidFill>
+                  <a:srgbClr val="D97B73"/>
+                </a:solidFill>
+              </a:rPr>
+              <a:t>187</a:t>
+            </a:r>
+          </a:p>
+          <a:p>
+            <a:r>
+              <a:rPr lang="en-US" altLang="ko-Kore-KR" sz="1200" dirty="0">
+                <a:solidFill>
+                  <a:srgbClr val="D97B73"/>
+                </a:solidFill>
+              </a:rPr>
+              <a:t>188</a:t>
+            </a:r>
+          </a:p>
+          <a:p>
+            <a:r>
+              <a:rPr lang="en-US" altLang="ko-Kore-KR" sz="1200" dirty="0">
+                <a:solidFill>
+                  <a:srgbClr val="D97B73"/>
+                </a:solidFill>
+              </a:rPr>
+              <a:t>189</a:t>
+            </a:r>
+          </a:p>
+          <a:p>
+            <a:r>
+              <a:rPr lang="en-US" altLang="ko-Kore-KR" sz="1200" dirty="0">
+                <a:solidFill>
+                  <a:srgbClr val="D97B73"/>
+                </a:solidFill>
+              </a:rPr>
+              <a:t>190</a:t>
+            </a:r>
+          </a:p>
+          <a:p>
+            <a:r>
+              <a:rPr lang="en-US" altLang="ko-Kore-KR" sz="1200" dirty="0">
+                <a:solidFill>
+                  <a:srgbClr val="D97B73"/>
+                </a:solidFill>
+              </a:rPr>
+              <a:t>191</a:t>
+            </a:r>
+          </a:p>
+          <a:p>
+            <a:r>
+              <a:rPr lang="en-US" altLang="ko-Kore-KR" sz="1200" dirty="0">
+                <a:solidFill>
+                  <a:srgbClr val="D97B73"/>
+                </a:solidFill>
+              </a:rPr>
+              <a:t>192</a:t>
+            </a:r>
+          </a:p>
+          <a:p>
+            <a:r>
+              <a:rPr lang="en-US" altLang="ko-Kore-KR" sz="1200" dirty="0">
+                <a:solidFill>
+                  <a:srgbClr val="D97B73"/>
+                </a:solidFill>
+              </a:rPr>
+              <a:t>193</a:t>
+            </a:r>
+          </a:p>
+          <a:p>
+            <a:r>
+              <a:rPr lang="en-US" altLang="ko-Kore-KR" sz="1200" dirty="0">
+                <a:solidFill>
+                  <a:srgbClr val="D97B73"/>
+                </a:solidFill>
+              </a:rPr>
+              <a:t>194</a:t>
+            </a:r>
+          </a:p>
+          <a:p>
+            <a:r>
+              <a:rPr lang="en-US" altLang="ko-Kore-KR" sz="1200" dirty="0">
+                <a:solidFill>
+                  <a:srgbClr val="D97B73"/>
+                </a:solidFill>
+              </a:rPr>
+              <a:t>195</a:t>
+            </a:r>
+          </a:p>
+          <a:p>
+            <a:r>
+              <a:rPr lang="en-US" altLang="ko-Kore-KR" sz="1200" dirty="0">
+                <a:solidFill>
+                  <a:srgbClr val="D97B73"/>
+                </a:solidFill>
+              </a:rPr>
+              <a:t>196</a:t>
+            </a:r>
+          </a:p>
+          <a:p>
+            <a:r>
+              <a:rPr lang="en-US" altLang="ko-Kore-KR" sz="1200" dirty="0">
+                <a:solidFill>
+                  <a:srgbClr val="D97B73"/>
+                </a:solidFill>
+              </a:rPr>
+              <a:t>197</a:t>
+            </a:r>
+          </a:p>
+          <a:p>
+            <a:r>
+              <a:rPr lang="en-US" altLang="ko-Kore-KR" sz="1200" dirty="0">
+                <a:solidFill>
+                  <a:srgbClr val="D97B73"/>
+                </a:solidFill>
+              </a:rPr>
+              <a:t>198</a:t>
+            </a:r>
+          </a:p>
+          <a:p>
+            <a:r>
+              <a:rPr lang="en-US" altLang="ko-Kore-KR" sz="1200" dirty="0">
+                <a:solidFill>
+                  <a:srgbClr val="D97B73"/>
+                </a:solidFill>
+              </a:rPr>
+              <a:t>199</a:t>
+            </a:r>
+          </a:p>
+          <a:p>
+            <a:r>
+              <a:rPr lang="en-US" altLang="ko-Kore-KR" sz="1200" dirty="0">
+                <a:solidFill>
+                  <a:srgbClr val="D97B73"/>
+                </a:solidFill>
+              </a:rPr>
+              <a:t>200</a:t>
+            </a:r>
+            <a:endParaRPr lang="ko-Kore-KR" altLang="en-US" sz="1200" dirty="0">
               <a:solidFill>
-                <a:srgbClr val="3D3D3D"/>
+                <a:srgbClr val="D97B73"/>
               </a:solidFill>
-              <a:latin typeface="NanumSquareRound Regular" panose="020B0600000101010101" pitchFamily="34" charset="-127"/>
-              <a:ea typeface="NanumSquareRound Regular" panose="020B0600000101010101" pitchFamily="34" charset="-127"/>
             </a:endParaRPr>
           </a:p>
-          <a:p>
-            <a:pPr marL="742950" lvl="1" indent="-285750">
-              <a:lnSpc>
-                <a:spcPct val="150000"/>
-              </a:lnSpc>
-              <a:buFont typeface="Arial" panose="020B0604020202020204" pitchFamily="34" charset="0"/>
-              <a:buChar char="•"/>
-            </a:pPr>
-            <a:r>
-              <a:rPr kumimoji="1" lang="en-US" altLang="ko-KR" sz="1400" dirty="0">
-                <a:solidFill>
-                  <a:srgbClr val="3D3D3D"/>
-                </a:solidFill>
-                <a:latin typeface="NanumSquareRound Regular" panose="020B0600000101010101" pitchFamily="34" charset="-127"/>
-                <a:ea typeface="NanumSquareRound Regular" panose="020B0600000101010101" pitchFamily="34" charset="-127"/>
-              </a:rPr>
-              <a:t>100epoch accuracy 89.960%</a:t>
-            </a:r>
-          </a:p>
-          <a:p>
-            <a:pPr marL="742950" lvl="1" indent="-285750">
-              <a:lnSpc>
-                <a:spcPct val="150000"/>
-              </a:lnSpc>
-              <a:buFont typeface="Arial" panose="020B0604020202020204" pitchFamily="34" charset="0"/>
-              <a:buChar char="•"/>
-            </a:pPr>
-            <a:r>
-              <a:rPr kumimoji="1" lang="en-US" altLang="ko-KR" sz="1400" dirty="0">
-                <a:solidFill>
-                  <a:srgbClr val="3D3D3D"/>
-                </a:solidFill>
-                <a:latin typeface="NanumSquareRound Regular" panose="020B0600000101010101" pitchFamily="34" charset="-127"/>
-                <a:ea typeface="NanumSquareRound Regular" panose="020B0600000101010101" pitchFamily="34" charset="-127"/>
-              </a:rPr>
-              <a:t>200epoch accuracy : 95.220%</a:t>
-            </a:r>
+        </p:txBody>
+      </p:sp>
+      <p:sp>
+        <p:nvSpPr>
+          <p:cNvPr id="14" name="직사각형 13">
+            <a:extLst>
+              <a:ext uri="{FF2B5EF4-FFF2-40B4-BE49-F238E27FC236}">
+                <a16:creationId xmlns:a16="http://schemas.microsoft.com/office/drawing/2014/main" id="{F04F51A1-298C-0B4F-B85D-213BAB67F4A2}"/>
+              </a:ext>
+            </a:extLst>
+          </p:cNvPr>
+          <p:cNvSpPr/>
+          <p:nvPr/>
+        </p:nvSpPr>
+        <p:spPr>
+          <a:xfrm>
+            <a:off x="6334513" y="1453786"/>
+            <a:ext cx="496563" cy="4708981"/>
+          </a:xfrm>
+          <a:prstGeom prst="rect">
+            <a:avLst/>
+          </a:prstGeom>
+        </p:spPr>
+        <p:txBody>
+          <a:bodyPr wrap="square">
+            <a:spAutoFit/>
+          </a:bodyPr>
+          <a:lstStyle/>
+          <a:p>
+            <a:r>
+              <a:rPr lang="en-US" altLang="ko-Kore-KR" sz="1200" dirty="0">
+                <a:solidFill>
+                  <a:srgbClr val="D97B73"/>
+                </a:solidFill>
+              </a:rPr>
+              <a:t>150</a:t>
+            </a:r>
+          </a:p>
+          <a:p>
+            <a:r>
+              <a:rPr lang="en-US" altLang="ko-Kore-KR" sz="1200" dirty="0">
+                <a:solidFill>
+                  <a:srgbClr val="D97B73"/>
+                </a:solidFill>
+              </a:rPr>
+              <a:t>151</a:t>
+            </a:r>
+          </a:p>
+          <a:p>
+            <a:r>
+              <a:rPr lang="en-US" altLang="ko-Kore-KR" sz="1200" dirty="0">
+                <a:solidFill>
+                  <a:srgbClr val="D97B73"/>
+                </a:solidFill>
+              </a:rPr>
+              <a:t>152</a:t>
+            </a:r>
+          </a:p>
+          <a:p>
+            <a:r>
+              <a:rPr lang="en-US" altLang="ko-Kore-KR" sz="1200" dirty="0">
+                <a:solidFill>
+                  <a:srgbClr val="D97B73"/>
+                </a:solidFill>
+              </a:rPr>
+              <a:t>153</a:t>
+            </a:r>
+          </a:p>
+          <a:p>
+            <a:r>
+              <a:rPr lang="en-US" altLang="ko-Kore-KR" sz="1200" dirty="0">
+                <a:solidFill>
+                  <a:srgbClr val="D97B73"/>
+                </a:solidFill>
+              </a:rPr>
+              <a:t>154</a:t>
+            </a:r>
+          </a:p>
+          <a:p>
+            <a:r>
+              <a:rPr lang="en-US" altLang="ko-Kore-KR" sz="1200" dirty="0">
+                <a:solidFill>
+                  <a:srgbClr val="D97B73"/>
+                </a:solidFill>
+              </a:rPr>
+              <a:t>155</a:t>
+            </a:r>
+          </a:p>
+          <a:p>
+            <a:r>
+              <a:rPr lang="en-US" altLang="ko-Kore-KR" sz="1200" dirty="0">
+                <a:solidFill>
+                  <a:srgbClr val="D97B73"/>
+                </a:solidFill>
+              </a:rPr>
+              <a:t>156</a:t>
+            </a:r>
+          </a:p>
+          <a:p>
+            <a:r>
+              <a:rPr lang="en-US" altLang="ko-Kore-KR" sz="1200" dirty="0">
+                <a:solidFill>
+                  <a:srgbClr val="D97B73"/>
+                </a:solidFill>
+              </a:rPr>
+              <a:t>157</a:t>
+            </a:r>
+          </a:p>
+          <a:p>
+            <a:r>
+              <a:rPr lang="en-US" altLang="ko-Kore-KR" sz="1200" dirty="0">
+                <a:solidFill>
+                  <a:srgbClr val="D97B73"/>
+                </a:solidFill>
+              </a:rPr>
+              <a:t>158</a:t>
+            </a:r>
+          </a:p>
+          <a:p>
+            <a:r>
+              <a:rPr lang="en-US" altLang="ko-Kore-KR" sz="1200" dirty="0">
+                <a:solidFill>
+                  <a:srgbClr val="D97B73"/>
+                </a:solidFill>
+              </a:rPr>
+              <a:t>159</a:t>
+            </a:r>
+          </a:p>
+          <a:p>
+            <a:r>
+              <a:rPr lang="en-US" altLang="ko-Kore-KR" sz="1200" dirty="0">
+                <a:solidFill>
+                  <a:srgbClr val="D97B73"/>
+                </a:solidFill>
+              </a:rPr>
+              <a:t>160</a:t>
+            </a:r>
+          </a:p>
+          <a:p>
+            <a:r>
+              <a:rPr lang="en-US" altLang="ko-Kore-KR" sz="1200" dirty="0">
+                <a:solidFill>
+                  <a:srgbClr val="D97B73"/>
+                </a:solidFill>
+              </a:rPr>
+              <a:t>161</a:t>
+            </a:r>
+          </a:p>
+          <a:p>
+            <a:r>
+              <a:rPr lang="en-US" altLang="ko-Kore-KR" sz="1200" dirty="0">
+                <a:solidFill>
+                  <a:srgbClr val="D97B73"/>
+                </a:solidFill>
+              </a:rPr>
+              <a:t>162</a:t>
+            </a:r>
+          </a:p>
+          <a:p>
+            <a:r>
+              <a:rPr lang="en-US" altLang="ko-Kore-KR" sz="1200" dirty="0">
+                <a:solidFill>
+                  <a:srgbClr val="D97B73"/>
+                </a:solidFill>
+              </a:rPr>
+              <a:t>163</a:t>
+            </a:r>
+          </a:p>
+          <a:p>
+            <a:r>
+              <a:rPr lang="en-US" altLang="ko-Kore-KR" sz="1200" dirty="0">
+                <a:solidFill>
+                  <a:srgbClr val="D97B73"/>
+                </a:solidFill>
+              </a:rPr>
+              <a:t>164</a:t>
+            </a:r>
+          </a:p>
+          <a:p>
+            <a:r>
+              <a:rPr lang="en-US" altLang="ko-Kore-KR" sz="1200" dirty="0">
+                <a:solidFill>
+                  <a:srgbClr val="D97B73"/>
+                </a:solidFill>
+              </a:rPr>
+              <a:t>165</a:t>
+            </a:r>
+          </a:p>
+          <a:p>
+            <a:r>
+              <a:rPr lang="en-US" altLang="ko-Kore-KR" sz="1200" dirty="0">
+                <a:solidFill>
+                  <a:srgbClr val="D97B73"/>
+                </a:solidFill>
+              </a:rPr>
+              <a:t>166</a:t>
+            </a:r>
+          </a:p>
+          <a:p>
+            <a:r>
+              <a:rPr lang="en-US" altLang="ko-Kore-KR" sz="1200" dirty="0">
+                <a:solidFill>
+                  <a:srgbClr val="D97B73"/>
+                </a:solidFill>
+              </a:rPr>
+              <a:t>167</a:t>
+            </a:r>
+          </a:p>
+          <a:p>
+            <a:r>
+              <a:rPr lang="en-US" altLang="ko-Kore-KR" sz="1200" dirty="0">
+                <a:solidFill>
+                  <a:srgbClr val="D97B73"/>
+                </a:solidFill>
+              </a:rPr>
+              <a:t>168</a:t>
+            </a:r>
+          </a:p>
+          <a:p>
+            <a:r>
+              <a:rPr lang="en-US" altLang="ko-Kore-KR" sz="1200" dirty="0">
+                <a:solidFill>
+                  <a:srgbClr val="D97B73"/>
+                </a:solidFill>
+              </a:rPr>
+              <a:t>169</a:t>
+            </a:r>
+          </a:p>
+          <a:p>
+            <a:r>
+              <a:rPr lang="en-US" altLang="ko-Kore-KR" sz="1200" dirty="0">
+                <a:solidFill>
+                  <a:srgbClr val="D97B73"/>
+                </a:solidFill>
+              </a:rPr>
+              <a:t>170</a:t>
+            </a:r>
+          </a:p>
+          <a:p>
+            <a:r>
+              <a:rPr lang="en-US" altLang="ko-Kore-KR" sz="1200" dirty="0">
+                <a:solidFill>
+                  <a:srgbClr val="D97B73"/>
+                </a:solidFill>
+              </a:rPr>
+              <a:t>171</a:t>
+            </a:r>
+          </a:p>
+          <a:p>
+            <a:r>
+              <a:rPr lang="en-US" altLang="ko-Kore-KR" sz="1200" dirty="0">
+                <a:solidFill>
+                  <a:srgbClr val="D97B73"/>
+                </a:solidFill>
+              </a:rPr>
+              <a:t>172</a:t>
+            </a:r>
+          </a:p>
+          <a:p>
+            <a:r>
+              <a:rPr lang="en-US" altLang="ko-Kore-KR" sz="1200" dirty="0">
+                <a:solidFill>
+                  <a:srgbClr val="D97B73"/>
+                </a:solidFill>
+              </a:rPr>
+              <a:t>173</a:t>
+            </a:r>
+          </a:p>
+          <a:p>
+            <a:r>
+              <a:rPr lang="en-US" altLang="ko-Kore-KR" sz="1200" dirty="0">
+                <a:solidFill>
+                  <a:srgbClr val="D97B73"/>
+                </a:solidFill>
+              </a:rPr>
+              <a:t>174</a:t>
+            </a:r>
+            <a:endParaRPr lang="ko-Kore-KR" altLang="en-US" sz="1200" dirty="0">
+              <a:solidFill>
+                <a:srgbClr val="D97B73"/>
+              </a:solidFill>
+            </a:endParaRPr>
           </a:p>
         </p:txBody>
       </p:sp>
@@ -13686,12 +13960,142 @@
           </a:p>
         </p:txBody>
       </p:sp>
+      <p:sp>
+        <p:nvSpPr>
+          <p:cNvPr id="9" name="직사각형 8">
+            <a:extLst>
+              <a:ext uri="{FF2B5EF4-FFF2-40B4-BE49-F238E27FC236}">
+                <a16:creationId xmlns:a16="http://schemas.microsoft.com/office/drawing/2014/main" id="{1C613325-F607-4049-AA51-7F8F58809EB6}"/>
+              </a:ext>
+            </a:extLst>
+          </p:cNvPr>
+          <p:cNvSpPr/>
+          <p:nvPr/>
+        </p:nvSpPr>
+        <p:spPr>
+          <a:xfrm>
+            <a:off x="924907" y="5625250"/>
+            <a:ext cx="2767104" cy="707566"/>
+          </a:xfrm>
+          <a:prstGeom prst="rect">
+            <a:avLst/>
+          </a:prstGeom>
+        </p:spPr>
+        <p:txBody>
+          <a:bodyPr wrap="none">
+            <a:spAutoFit/>
+          </a:bodyPr>
+          <a:lstStyle/>
+          <a:p>
+            <a:pPr marL="742950" lvl="1" indent="-285750">
+              <a:lnSpc>
+                <a:spcPct val="150000"/>
+              </a:lnSpc>
+              <a:buFont typeface="Arial" panose="020B0604020202020204" pitchFamily="34" charset="0"/>
+              <a:buChar char="•"/>
+            </a:pPr>
+            <a:r>
+              <a:rPr kumimoji="1" lang="ko-KR" altLang="en-US" sz="1400" dirty="0">
+                <a:solidFill>
+                  <a:srgbClr val="3D3D3D"/>
+                </a:solidFill>
+                <a:latin typeface="NanumSquareRound Regular" panose="020B0600000101010101" pitchFamily="34" charset="-127"/>
+                <a:ea typeface="NanumSquareRound Regular" panose="020B0600000101010101" pitchFamily="34" charset="-127"/>
+              </a:rPr>
+              <a:t>서바이벌 버전 </a:t>
+            </a:r>
+            <a:r>
+              <a:rPr kumimoji="1" lang="en-US" altLang="ko-KR" sz="1400" dirty="0">
+                <a:solidFill>
+                  <a:srgbClr val="3D3D3D"/>
+                </a:solidFill>
+                <a:latin typeface="NanumSquareRound Regular" panose="020B0600000101010101" pitchFamily="34" charset="-127"/>
+                <a:ea typeface="NanumSquareRound Regular" panose="020B0600000101010101" pitchFamily="34" charset="-127"/>
+              </a:rPr>
+              <a:t>–</a:t>
+            </a:r>
+            <a:r>
+              <a:rPr kumimoji="1" lang="ko-KR" altLang="en-US" sz="1400" dirty="0">
+                <a:solidFill>
+                  <a:srgbClr val="3D3D3D"/>
+                </a:solidFill>
+                <a:latin typeface="NanumSquareRound Regular" panose="020B0600000101010101" pitchFamily="34" charset="-127"/>
+                <a:ea typeface="NanumSquareRound Regular" panose="020B0600000101010101" pitchFamily="34" charset="-127"/>
+              </a:rPr>
+              <a:t> 모델 </a:t>
+            </a:r>
+            <a:r>
+              <a:rPr kumimoji="1" lang="en-US" altLang="ko-KR" sz="1400" dirty="0">
+                <a:solidFill>
+                  <a:srgbClr val="3D3D3D"/>
+                </a:solidFill>
+                <a:latin typeface="NanumSquareRound Regular" panose="020B0600000101010101" pitchFamily="34" charset="-127"/>
+                <a:ea typeface="NanumSquareRound Regular" panose="020B0600000101010101" pitchFamily="34" charset="-127"/>
+              </a:rPr>
+              <a:t>5</a:t>
+            </a:r>
+            <a:r>
+              <a:rPr kumimoji="1" lang="ko-KR" altLang="en-US" sz="1400" dirty="0">
+                <a:solidFill>
+                  <a:srgbClr val="3D3D3D"/>
+                </a:solidFill>
+                <a:latin typeface="NanumSquareRound Regular" panose="020B0600000101010101" pitchFamily="34" charset="-127"/>
+                <a:ea typeface="NanumSquareRound Regular" panose="020B0600000101010101" pitchFamily="34" charset="-127"/>
+              </a:rPr>
+              <a:t>개</a:t>
+            </a:r>
+            <a:endParaRPr kumimoji="1" lang="en-US" altLang="ko-KR" sz="1400" dirty="0">
+              <a:solidFill>
+                <a:srgbClr val="3D3D3D"/>
+              </a:solidFill>
+              <a:latin typeface="NanumSquareRound Regular" panose="020B0600000101010101" pitchFamily="34" charset="-127"/>
+              <a:ea typeface="NanumSquareRound Regular" panose="020B0600000101010101" pitchFamily="34" charset="-127"/>
+            </a:endParaRPr>
+          </a:p>
+          <a:p>
+            <a:pPr marL="742950" lvl="1" indent="-285750">
+              <a:lnSpc>
+                <a:spcPct val="150000"/>
+              </a:lnSpc>
+              <a:buFont typeface="Arial" panose="020B0604020202020204" pitchFamily="34" charset="0"/>
+              <a:buChar char="•"/>
+            </a:pPr>
+            <a:r>
+              <a:rPr kumimoji="1" lang="en-US" altLang="ko-KR" sz="1400" dirty="0">
+                <a:solidFill>
+                  <a:srgbClr val="3D3D3D"/>
+                </a:solidFill>
+                <a:latin typeface="NanumSquareRound Regular" panose="020B0600000101010101" pitchFamily="34" charset="-127"/>
+                <a:ea typeface="NanumSquareRound Regular" panose="020B0600000101010101" pitchFamily="34" charset="-127"/>
+              </a:rPr>
+              <a:t>5</a:t>
+            </a:r>
+            <a:r>
+              <a:rPr kumimoji="1" lang="ko-KR" altLang="en-US" sz="1400" dirty="0">
+                <a:solidFill>
+                  <a:srgbClr val="3D3D3D"/>
+                </a:solidFill>
+                <a:latin typeface="NanumSquareRound Regular" panose="020B0600000101010101" pitchFamily="34" charset="-127"/>
+                <a:ea typeface="NanumSquareRound Regular" panose="020B0600000101010101" pitchFamily="34" charset="-127"/>
+              </a:rPr>
+              <a:t>번 학습 후 평균</a:t>
+            </a:r>
+            <a:endParaRPr kumimoji="1" lang="en-US" altLang="ko-KR" sz="1400" dirty="0">
+              <a:solidFill>
+                <a:srgbClr val="3D3D3D"/>
+              </a:solidFill>
+              <a:latin typeface="NanumSquareRound Regular" panose="020B0600000101010101" pitchFamily="34" charset="-127"/>
+              <a:ea typeface="NanumSquareRound Regular" panose="020B0600000101010101" pitchFamily="34" charset="-127"/>
+            </a:endParaRPr>
+          </a:p>
+        </p:txBody>
+      </p:sp>
       <p:pic>
         <p:nvPicPr>
-          <p:cNvPr id="3" name="그림 2">
+          <p:cNvPr id="5" name="그림 4">
             <a:extLst>
               <a:ext uri="{FF2B5EF4-FFF2-40B4-BE49-F238E27FC236}">
-                <a16:creationId xmlns:a16="http://schemas.microsoft.com/office/drawing/2014/main" id="{052B12C8-A2A6-334B-89AB-D54DD825D7DE}"/>
+                <a16:creationId xmlns:a16="http://schemas.microsoft.com/office/drawing/2014/main" id="{F35ABC47-E324-A747-B247-D93E3613FBAE}"/>
               </a:ext>
             </a:extLst>
           </p:cNvPr>
@@ -13708,7 +14112,7 @@
         </p:blipFill>
         <p:spPr>
           <a:xfrm>
-            <a:off x="254000" y="1076252"/>
+            <a:off x="391607" y="956827"/>
             <a:ext cx="5842000" cy="4381500"/>
           </a:xfrm>
           <a:prstGeom prst="rect">
@@ -13718,10 +14122,10 @@
       </p:pic>
       <p:sp>
         <p:nvSpPr>
-          <p:cNvPr id="9" name="직사각형 8">
+          <p:cNvPr id="6" name="직사각형 5">
             <a:extLst>
               <a:ext uri="{FF2B5EF4-FFF2-40B4-BE49-F238E27FC236}">
-                <a16:creationId xmlns:a16="http://schemas.microsoft.com/office/drawing/2014/main" id="{1C613325-F607-4049-AA51-7F8F58809EB6}"/>
+                <a16:creationId xmlns:a16="http://schemas.microsoft.com/office/drawing/2014/main" id="{F53DD0DF-7135-BC42-8BF6-7DDEB5CEBEFE}"/>
               </a:ext>
             </a:extLst>
           </p:cNvPr>
@@ -13730,121 +14134,933 @@
         </p:nvSpPr>
         <p:spPr>
           <a:xfrm>
-            <a:off x="924907" y="5625250"/>
-            <a:ext cx="3567708" cy="1030731"/>
+            <a:off x="9780396" y="1122244"/>
+            <a:ext cx="1152211" cy="4893647"/>
           </a:xfrm>
           <a:prstGeom prst="rect">
             <a:avLst/>
           </a:prstGeom>
         </p:spPr>
         <p:txBody>
-          <a:bodyPr wrap="none">
+          <a:bodyPr wrap="square">
             <a:spAutoFit/>
           </a:bodyPr>
           <a:lstStyle/>
           <a:p>
-            <a:pPr marL="742950" lvl="1" indent="-285750">
-              <a:lnSpc>
-                <a:spcPct val="150000"/>
-              </a:lnSpc>
-              <a:buFont typeface="Arial" panose="020B0604020202020204" pitchFamily="34" charset="0"/>
-              <a:buChar char="•"/>
-            </a:pPr>
-            <a:r>
-              <a:rPr kumimoji="1" lang="ko-KR" altLang="en-US" sz="1400" dirty="0">
-                <a:solidFill>
-                  <a:srgbClr val="3D3D3D"/>
-                </a:solidFill>
-                <a:latin typeface="NanumSquareRound Regular" panose="020B0600000101010101" pitchFamily="34" charset="-127"/>
-                <a:ea typeface="NanumSquareRound Regular" panose="020B0600000101010101" pitchFamily="34" charset="-127"/>
-              </a:rPr>
-              <a:t>서바이벌 버전 </a:t>
-            </a:r>
-            <a:r>
-              <a:rPr kumimoji="1" lang="en-US" altLang="ko-KR" sz="1400" dirty="0">
-                <a:solidFill>
-                  <a:srgbClr val="3D3D3D"/>
-                </a:solidFill>
-                <a:latin typeface="NanumSquareRound Regular" panose="020B0600000101010101" pitchFamily="34" charset="-127"/>
-                <a:ea typeface="NanumSquareRound Regular" panose="020B0600000101010101" pitchFamily="34" charset="-127"/>
-              </a:rPr>
-              <a:t>–</a:t>
-            </a:r>
-            <a:r>
-              <a:rPr kumimoji="1" lang="ko-KR" altLang="en-US" sz="1400" dirty="0">
-                <a:solidFill>
-                  <a:srgbClr val="3D3D3D"/>
-                </a:solidFill>
-                <a:latin typeface="NanumSquareRound Regular" panose="020B0600000101010101" pitchFamily="34" charset="-127"/>
-                <a:ea typeface="NanumSquareRound Regular" panose="020B0600000101010101" pitchFamily="34" charset="-127"/>
-              </a:rPr>
-              <a:t> 모델 </a:t>
-            </a:r>
-            <a:r>
-              <a:rPr kumimoji="1" lang="en-US" altLang="ko-KR" sz="1400" dirty="0">
-                <a:solidFill>
-                  <a:srgbClr val="3D3D3D"/>
-                </a:solidFill>
-                <a:latin typeface="NanumSquareRound Regular" panose="020B0600000101010101" pitchFamily="34" charset="-127"/>
-                <a:ea typeface="NanumSquareRound Regular" panose="020B0600000101010101" pitchFamily="34" charset="-127"/>
-              </a:rPr>
-              <a:t>5</a:t>
-            </a:r>
-            <a:r>
-              <a:rPr kumimoji="1" lang="ko-KR" altLang="en-US" sz="1400" dirty="0">
-                <a:solidFill>
-                  <a:srgbClr val="3D3D3D"/>
-                </a:solidFill>
-                <a:latin typeface="NanumSquareRound Regular" panose="020B0600000101010101" pitchFamily="34" charset="-127"/>
-                <a:ea typeface="NanumSquareRound Regular" panose="020B0600000101010101" pitchFamily="34" charset="-127"/>
-              </a:rPr>
-              <a:t>개</a:t>
-            </a:r>
-            <a:endParaRPr kumimoji="1" lang="en-US" altLang="ko-KR" sz="1400" dirty="0">
+            <a:r>
+              <a:rPr lang="en-US" altLang="ko-Kore-KR" sz="1200" dirty="0"/>
+              <a:t>96.46</a:t>
+            </a:r>
+          </a:p>
+          <a:p>
+            <a:r>
+              <a:rPr lang="en-US" altLang="ko-Kore-KR" sz="1200" dirty="0"/>
+              <a:t>95.84</a:t>
+            </a:r>
+          </a:p>
+          <a:p>
+            <a:r>
+              <a:rPr lang="en-US" altLang="ko-Kore-KR" sz="1200" dirty="0"/>
+              <a:t>95.74</a:t>
+            </a:r>
+          </a:p>
+          <a:p>
+            <a:r>
+              <a:rPr lang="en-US" altLang="ko-Kore-KR" sz="1200" dirty="0"/>
+              <a:t>95.44</a:t>
+            </a:r>
+          </a:p>
+          <a:p>
+            <a:r>
+              <a:rPr lang="en-US" altLang="ko-Kore-KR" sz="1200" dirty="0"/>
+              <a:t>95.34</a:t>
+            </a:r>
+          </a:p>
+          <a:p>
+            <a:r>
+              <a:rPr lang="en-US" altLang="ko-Kore-KR" sz="1200" dirty="0"/>
+              <a:t>96.32</a:t>
+            </a:r>
+          </a:p>
+          <a:p>
+            <a:r>
+              <a:rPr lang="en-US" altLang="ko-Kore-KR" sz="1200" dirty="0"/>
+              <a:t>95.82</a:t>
+            </a:r>
+          </a:p>
+          <a:p>
+            <a:r>
+              <a:rPr lang="en-US" altLang="ko-Kore-KR" sz="1200" dirty="0"/>
+              <a:t>96.38</a:t>
+            </a:r>
+          </a:p>
+          <a:p>
+            <a:r>
+              <a:rPr lang="en-US" altLang="ko-Kore-KR" sz="1200" dirty="0"/>
+              <a:t>96.28</a:t>
+            </a:r>
+          </a:p>
+          <a:p>
+            <a:r>
+              <a:rPr lang="en-US" altLang="ko-Kore-KR" sz="1200" dirty="0"/>
+              <a:t>95.42</a:t>
+            </a:r>
+          </a:p>
+          <a:p>
+            <a:r>
+              <a:rPr lang="en-US" altLang="ko-Kore-KR" sz="1200" dirty="0"/>
+              <a:t>95.9</a:t>
+            </a:r>
+          </a:p>
+          <a:p>
+            <a:r>
+              <a:rPr lang="en-US" altLang="ko-Kore-KR" sz="1200" dirty="0"/>
+              <a:t>96.44</a:t>
+            </a:r>
+          </a:p>
+          <a:p>
+            <a:r>
+              <a:rPr lang="en-US" altLang="ko-Kore-KR" sz="1200" dirty="0"/>
+              <a:t>96.16</a:t>
+            </a:r>
+          </a:p>
+          <a:p>
+            <a:r>
+              <a:rPr lang="en-US" altLang="ko-Kore-KR" sz="1200" dirty="0"/>
+              <a:t>94.98</a:t>
+            </a:r>
+          </a:p>
+          <a:p>
+            <a:r>
+              <a:rPr lang="en-US" altLang="ko-Kore-KR" sz="1200" dirty="0"/>
+              <a:t>93.44</a:t>
+            </a:r>
+          </a:p>
+          <a:p>
+            <a:r>
+              <a:rPr lang="en-US" altLang="ko-Kore-KR" sz="1200" dirty="0"/>
+              <a:t>96.2</a:t>
+            </a:r>
+          </a:p>
+          <a:p>
+            <a:r>
+              <a:rPr lang="en-US" altLang="ko-Kore-KR" sz="1200" dirty="0"/>
+              <a:t>96.64</a:t>
+            </a:r>
+          </a:p>
+          <a:p>
+            <a:r>
+              <a:rPr lang="en-US" altLang="ko-Kore-KR" sz="1200" dirty="0"/>
+              <a:t>95.34</a:t>
+            </a:r>
+          </a:p>
+          <a:p>
+            <a:r>
+              <a:rPr lang="en-US" altLang="ko-Kore-KR" sz="1200" dirty="0">
+                <a:solidFill>
+                  <a:srgbClr val="FF0000"/>
+                </a:solidFill>
+              </a:rPr>
+              <a:t>97.1</a:t>
+            </a:r>
+          </a:p>
+          <a:p>
+            <a:r>
+              <a:rPr lang="en-US" altLang="ko-Kore-KR" sz="1200" dirty="0"/>
+              <a:t>97.06</a:t>
+            </a:r>
+          </a:p>
+          <a:p>
+            <a:r>
+              <a:rPr lang="en-US" altLang="ko-Kore-KR" sz="1200" dirty="0"/>
+              <a:t>96.06</a:t>
+            </a:r>
+          </a:p>
+          <a:p>
+            <a:r>
+              <a:rPr lang="en-US" altLang="ko-Kore-KR" sz="1200" dirty="0"/>
+              <a:t>96.34</a:t>
+            </a:r>
+          </a:p>
+          <a:p>
+            <a:r>
+              <a:rPr lang="en-US" altLang="ko-Kore-KR" sz="1200" dirty="0"/>
+              <a:t>95.0</a:t>
+            </a:r>
+          </a:p>
+          <a:p>
+            <a:r>
+              <a:rPr lang="en-US" altLang="ko-Kore-KR" sz="1200" dirty="0"/>
+              <a:t>96.0</a:t>
+            </a:r>
+          </a:p>
+          <a:p>
+            <a:r>
+              <a:rPr lang="en-US" altLang="ko-Kore-KR" sz="1200" dirty="0"/>
+              <a:t>95.22</a:t>
+            </a:r>
+          </a:p>
+          <a:p>
+            <a:r>
+              <a:rPr lang="en-US" altLang="ko-Kore-KR" sz="1200" dirty="0"/>
+              <a:t>95.52</a:t>
+            </a:r>
+            <a:endParaRPr lang="ko-Kore-KR" altLang="en-US" sz="1200" dirty="0"/>
+          </a:p>
+        </p:txBody>
+      </p:sp>
+      <p:sp>
+        <p:nvSpPr>
+          <p:cNvPr id="7" name="직사각형 6">
+            <a:extLst>
+              <a:ext uri="{FF2B5EF4-FFF2-40B4-BE49-F238E27FC236}">
+                <a16:creationId xmlns:a16="http://schemas.microsoft.com/office/drawing/2014/main" id="{19980D99-1D94-1347-AAAA-7B4D2F9EBED5}"/>
+              </a:ext>
+            </a:extLst>
+          </p:cNvPr>
+          <p:cNvSpPr/>
+          <p:nvPr/>
+        </p:nvSpPr>
+        <p:spPr>
+          <a:xfrm>
+            <a:off x="7641911" y="1214576"/>
+            <a:ext cx="730180" cy="4708981"/>
+          </a:xfrm>
+          <a:prstGeom prst="rect">
+            <a:avLst/>
+          </a:prstGeom>
+        </p:spPr>
+        <p:txBody>
+          <a:bodyPr wrap="square">
+            <a:spAutoFit/>
+          </a:bodyPr>
+          <a:lstStyle/>
+          <a:p>
+            <a:r>
+              <a:rPr lang="en-US" altLang="ko-Kore-KR" sz="1200" dirty="0"/>
+              <a:t>94.82</a:t>
+            </a:r>
+          </a:p>
+          <a:p>
+            <a:r>
+              <a:rPr lang="en-US" altLang="ko-Kore-KR" sz="1200" dirty="0"/>
+              <a:t>94.46</a:t>
+            </a:r>
+          </a:p>
+          <a:p>
+            <a:r>
+              <a:rPr lang="en-US" altLang="ko-Kore-KR" sz="1200" dirty="0"/>
+              <a:t>95.12</a:t>
+            </a:r>
+          </a:p>
+          <a:p>
+            <a:r>
+              <a:rPr lang="en-US" altLang="ko-Kore-KR" sz="1200" dirty="0"/>
+              <a:t>93.0</a:t>
+            </a:r>
+          </a:p>
+          <a:p>
+            <a:r>
+              <a:rPr lang="en-US" altLang="ko-Kore-KR" sz="1200" dirty="0"/>
+              <a:t>95.02</a:t>
+            </a:r>
+          </a:p>
+          <a:p>
+            <a:r>
+              <a:rPr lang="en-US" altLang="ko-Kore-KR" sz="1200" dirty="0"/>
+              <a:t>92.8</a:t>
+            </a:r>
+          </a:p>
+          <a:p>
+            <a:r>
+              <a:rPr lang="en-US" altLang="ko-Kore-KR" sz="1200" dirty="0"/>
+              <a:t>95.32</a:t>
+            </a:r>
+          </a:p>
+          <a:p>
+            <a:r>
+              <a:rPr lang="en-US" altLang="ko-Kore-KR" sz="1200" dirty="0"/>
+              <a:t>93.72</a:t>
+            </a:r>
+          </a:p>
+          <a:p>
+            <a:r>
+              <a:rPr lang="en-US" altLang="ko-Kore-KR" sz="1200" dirty="0"/>
+              <a:t>91.44</a:t>
+            </a:r>
+          </a:p>
+          <a:p>
+            <a:r>
+              <a:rPr lang="en-US" altLang="ko-Kore-KR" sz="1200" dirty="0"/>
+              <a:t>95.68</a:t>
+            </a:r>
+          </a:p>
+          <a:p>
+            <a:r>
+              <a:rPr lang="en-US" altLang="ko-Kore-KR" sz="1200" dirty="0"/>
+              <a:t>94.56</a:t>
+            </a:r>
+          </a:p>
+          <a:p>
+            <a:r>
+              <a:rPr lang="en-US" altLang="ko-Kore-KR" sz="1200" dirty="0"/>
+              <a:t>94.94</a:t>
+            </a:r>
+          </a:p>
+          <a:p>
+            <a:r>
+              <a:rPr lang="en-US" altLang="ko-Kore-KR" sz="1200" dirty="0"/>
+              <a:t>93.24</a:t>
+            </a:r>
+          </a:p>
+          <a:p>
+            <a:r>
+              <a:rPr lang="en-US" altLang="ko-Kore-KR" sz="1200" dirty="0"/>
+              <a:t>94.32</a:t>
+            </a:r>
+          </a:p>
+          <a:p>
+            <a:r>
+              <a:rPr lang="en-US" altLang="ko-Kore-KR" sz="1200" dirty="0"/>
+              <a:t>93.32</a:t>
+            </a:r>
+          </a:p>
+          <a:p>
+            <a:r>
+              <a:rPr lang="en-US" altLang="ko-Kore-KR" sz="1200" dirty="0"/>
+              <a:t>92.84</a:t>
+            </a:r>
+          </a:p>
+          <a:p>
+            <a:r>
+              <a:rPr lang="en-US" altLang="ko-Kore-KR" sz="1200" dirty="0"/>
+              <a:t>93.64</a:t>
+            </a:r>
+          </a:p>
+          <a:p>
+            <a:r>
+              <a:rPr lang="en-US" altLang="ko-Kore-KR" sz="1200" dirty="0"/>
+              <a:t>95.44</a:t>
+            </a:r>
+          </a:p>
+          <a:p>
+            <a:r>
+              <a:rPr lang="en-US" altLang="ko-Kore-KR" sz="1200" dirty="0"/>
+              <a:t>95.38</a:t>
+            </a:r>
+          </a:p>
+          <a:p>
+            <a:r>
+              <a:rPr lang="en-US" altLang="ko-Kore-KR" sz="1200" dirty="0"/>
+              <a:t>95.1</a:t>
+            </a:r>
+          </a:p>
+          <a:p>
+            <a:r>
+              <a:rPr lang="en-US" altLang="ko-Kore-KR" sz="1200" dirty="0"/>
+              <a:t>94.82</a:t>
+            </a:r>
+          </a:p>
+          <a:p>
+            <a:r>
+              <a:rPr lang="en-US" altLang="ko-Kore-KR" sz="1200" dirty="0"/>
+              <a:t>94.9</a:t>
+            </a:r>
+          </a:p>
+          <a:p>
+            <a:r>
+              <a:rPr lang="en-US" altLang="ko-Kore-KR" sz="1200" dirty="0"/>
+              <a:t>94.82</a:t>
+            </a:r>
+          </a:p>
+          <a:p>
+            <a:r>
+              <a:rPr lang="en-US" altLang="ko-Kore-KR" sz="1200" dirty="0"/>
+              <a:t>96.1</a:t>
+            </a:r>
+          </a:p>
+          <a:p>
+            <a:r>
+              <a:rPr lang="en-US" altLang="ko-Kore-KR" sz="1200" dirty="0"/>
+              <a:t>95.54</a:t>
+            </a:r>
+            <a:endParaRPr lang="ko-Kore-KR" altLang="en-US" sz="1200" dirty="0"/>
+          </a:p>
+        </p:txBody>
+      </p:sp>
+      <p:sp>
+        <p:nvSpPr>
+          <p:cNvPr id="10" name="직사각형 9">
+            <a:extLst>
+              <a:ext uri="{FF2B5EF4-FFF2-40B4-BE49-F238E27FC236}">
+                <a16:creationId xmlns:a16="http://schemas.microsoft.com/office/drawing/2014/main" id="{69360EB7-EEE4-904B-9808-02A2D39E6BBD}"/>
+              </a:ext>
+            </a:extLst>
+          </p:cNvPr>
+          <p:cNvSpPr/>
+          <p:nvPr/>
+        </p:nvSpPr>
+        <p:spPr>
+          <a:xfrm>
+            <a:off x="9279645" y="1122244"/>
+            <a:ext cx="500751" cy="4893647"/>
+          </a:xfrm>
+          <a:prstGeom prst="rect">
+            <a:avLst/>
+          </a:prstGeom>
+        </p:spPr>
+        <p:txBody>
+          <a:bodyPr wrap="square">
+            <a:spAutoFit/>
+          </a:bodyPr>
+          <a:lstStyle/>
+          <a:p>
+            <a:r>
+              <a:rPr lang="en-US" altLang="ko-Kore-KR" sz="1200" dirty="0">
+                <a:solidFill>
+                  <a:srgbClr val="D97B73"/>
+                </a:solidFill>
+              </a:rPr>
+              <a:t>175</a:t>
+            </a:r>
+          </a:p>
+          <a:p>
+            <a:r>
+              <a:rPr lang="en-US" altLang="ko-Kore-KR" sz="1200" dirty="0">
+                <a:solidFill>
+                  <a:srgbClr val="D97B73"/>
+                </a:solidFill>
+              </a:rPr>
+              <a:t>176</a:t>
+            </a:r>
+          </a:p>
+          <a:p>
+            <a:r>
+              <a:rPr lang="en-US" altLang="ko-Kore-KR" sz="1200" dirty="0">
+                <a:solidFill>
+                  <a:srgbClr val="D97B73"/>
+                </a:solidFill>
+              </a:rPr>
+              <a:t>177</a:t>
+            </a:r>
+          </a:p>
+          <a:p>
+            <a:r>
+              <a:rPr lang="en-US" altLang="ko-Kore-KR" sz="1200" dirty="0">
+                <a:solidFill>
+                  <a:srgbClr val="D97B73"/>
+                </a:solidFill>
+              </a:rPr>
+              <a:t>178</a:t>
+            </a:r>
+          </a:p>
+          <a:p>
+            <a:r>
+              <a:rPr lang="en-US" altLang="ko-Kore-KR" sz="1200" dirty="0">
+                <a:solidFill>
+                  <a:srgbClr val="D97B73"/>
+                </a:solidFill>
+              </a:rPr>
+              <a:t>179</a:t>
+            </a:r>
+          </a:p>
+          <a:p>
+            <a:r>
+              <a:rPr lang="en-US" altLang="ko-Kore-KR" sz="1200" dirty="0">
+                <a:solidFill>
+                  <a:srgbClr val="D97B73"/>
+                </a:solidFill>
+              </a:rPr>
+              <a:t>180</a:t>
+            </a:r>
+          </a:p>
+          <a:p>
+            <a:r>
+              <a:rPr lang="en-US" altLang="ko-Kore-KR" sz="1200" dirty="0">
+                <a:solidFill>
+                  <a:srgbClr val="D97B73"/>
+                </a:solidFill>
+              </a:rPr>
+              <a:t>181</a:t>
+            </a:r>
+          </a:p>
+          <a:p>
+            <a:r>
+              <a:rPr lang="en-US" altLang="ko-Kore-KR" sz="1200" dirty="0">
+                <a:solidFill>
+                  <a:srgbClr val="D97B73"/>
+                </a:solidFill>
+              </a:rPr>
+              <a:t>182</a:t>
+            </a:r>
+          </a:p>
+          <a:p>
+            <a:r>
+              <a:rPr lang="en-US" altLang="ko-Kore-KR" sz="1200" dirty="0">
+                <a:solidFill>
+                  <a:srgbClr val="D97B73"/>
+                </a:solidFill>
+              </a:rPr>
+              <a:t>183</a:t>
+            </a:r>
+          </a:p>
+          <a:p>
+            <a:r>
+              <a:rPr lang="en-US" altLang="ko-Kore-KR" sz="1200" dirty="0">
+                <a:solidFill>
+                  <a:srgbClr val="D97B73"/>
+                </a:solidFill>
+              </a:rPr>
+              <a:t>184</a:t>
+            </a:r>
+          </a:p>
+          <a:p>
+            <a:r>
+              <a:rPr lang="en-US" altLang="ko-Kore-KR" sz="1200" dirty="0">
+                <a:solidFill>
+                  <a:srgbClr val="D97B73"/>
+                </a:solidFill>
+              </a:rPr>
+              <a:t>185</a:t>
+            </a:r>
+          </a:p>
+          <a:p>
+            <a:r>
+              <a:rPr lang="en-US" altLang="ko-Kore-KR" sz="1200" dirty="0">
+                <a:solidFill>
+                  <a:srgbClr val="D97B73"/>
+                </a:solidFill>
+              </a:rPr>
+              <a:t>186</a:t>
+            </a:r>
+          </a:p>
+          <a:p>
+            <a:r>
+              <a:rPr lang="en-US" altLang="ko-Kore-KR" sz="1200" dirty="0">
+                <a:solidFill>
+                  <a:srgbClr val="D97B73"/>
+                </a:solidFill>
+              </a:rPr>
+              <a:t>187</a:t>
+            </a:r>
+          </a:p>
+          <a:p>
+            <a:r>
+              <a:rPr lang="en-US" altLang="ko-Kore-KR" sz="1200" dirty="0">
+                <a:solidFill>
+                  <a:srgbClr val="D97B73"/>
+                </a:solidFill>
+              </a:rPr>
+              <a:t>188</a:t>
+            </a:r>
+          </a:p>
+          <a:p>
+            <a:r>
+              <a:rPr lang="en-US" altLang="ko-Kore-KR" sz="1200" dirty="0">
+                <a:solidFill>
+                  <a:srgbClr val="D97B73"/>
+                </a:solidFill>
+              </a:rPr>
+              <a:t>189</a:t>
+            </a:r>
+          </a:p>
+          <a:p>
+            <a:r>
+              <a:rPr lang="en-US" altLang="ko-Kore-KR" sz="1200" dirty="0">
+                <a:solidFill>
+                  <a:srgbClr val="D97B73"/>
+                </a:solidFill>
+              </a:rPr>
+              <a:t>190</a:t>
+            </a:r>
+          </a:p>
+          <a:p>
+            <a:r>
+              <a:rPr lang="en-US" altLang="ko-Kore-KR" sz="1200" dirty="0">
+                <a:solidFill>
+                  <a:srgbClr val="D97B73"/>
+                </a:solidFill>
+              </a:rPr>
+              <a:t>191</a:t>
+            </a:r>
+          </a:p>
+          <a:p>
+            <a:r>
+              <a:rPr lang="en-US" altLang="ko-Kore-KR" sz="1200" dirty="0">
+                <a:solidFill>
+                  <a:srgbClr val="D97B73"/>
+                </a:solidFill>
+              </a:rPr>
+              <a:t>192</a:t>
+            </a:r>
+          </a:p>
+          <a:p>
+            <a:r>
+              <a:rPr lang="en-US" altLang="ko-Kore-KR" sz="1200" dirty="0">
+                <a:solidFill>
+                  <a:srgbClr val="D97B73"/>
+                </a:solidFill>
+              </a:rPr>
+              <a:t>193</a:t>
+            </a:r>
+          </a:p>
+          <a:p>
+            <a:r>
+              <a:rPr lang="en-US" altLang="ko-Kore-KR" sz="1200" dirty="0">
+                <a:solidFill>
+                  <a:srgbClr val="D97B73"/>
+                </a:solidFill>
+              </a:rPr>
+              <a:t>194</a:t>
+            </a:r>
+          </a:p>
+          <a:p>
+            <a:r>
+              <a:rPr lang="en-US" altLang="ko-Kore-KR" sz="1200" dirty="0">
+                <a:solidFill>
+                  <a:srgbClr val="D97B73"/>
+                </a:solidFill>
+              </a:rPr>
+              <a:t>195</a:t>
+            </a:r>
+          </a:p>
+          <a:p>
+            <a:r>
+              <a:rPr lang="en-US" altLang="ko-Kore-KR" sz="1200" dirty="0">
+                <a:solidFill>
+                  <a:srgbClr val="D97B73"/>
+                </a:solidFill>
+              </a:rPr>
+              <a:t>196</a:t>
+            </a:r>
+          </a:p>
+          <a:p>
+            <a:r>
+              <a:rPr lang="en-US" altLang="ko-Kore-KR" sz="1200" dirty="0">
+                <a:solidFill>
+                  <a:srgbClr val="D97B73"/>
+                </a:solidFill>
+              </a:rPr>
+              <a:t>197</a:t>
+            </a:r>
+          </a:p>
+          <a:p>
+            <a:r>
+              <a:rPr lang="en-US" altLang="ko-Kore-KR" sz="1200" dirty="0">
+                <a:solidFill>
+                  <a:srgbClr val="D97B73"/>
+                </a:solidFill>
+              </a:rPr>
+              <a:t>198</a:t>
+            </a:r>
+          </a:p>
+          <a:p>
+            <a:r>
+              <a:rPr lang="en-US" altLang="ko-Kore-KR" sz="1200" dirty="0">
+                <a:solidFill>
+                  <a:srgbClr val="D97B73"/>
+                </a:solidFill>
+              </a:rPr>
+              <a:t>199</a:t>
+            </a:r>
+          </a:p>
+          <a:p>
+            <a:r>
+              <a:rPr lang="en-US" altLang="ko-Kore-KR" sz="1200" dirty="0">
+                <a:solidFill>
+                  <a:srgbClr val="D97B73"/>
+                </a:solidFill>
+              </a:rPr>
+              <a:t>200</a:t>
+            </a:r>
+            <a:endParaRPr lang="ko-Kore-KR" altLang="en-US" sz="1200" dirty="0">
               <a:solidFill>
-                <a:srgbClr val="3D3D3D"/>
+                <a:srgbClr val="D97B73"/>
               </a:solidFill>
-              <a:latin typeface="NanumSquareRound Regular" panose="020B0600000101010101" pitchFamily="34" charset="-127"/>
-              <a:ea typeface="NanumSquareRound Regular" panose="020B0600000101010101" pitchFamily="34" charset="-127"/>
             </a:endParaRPr>
           </a:p>
-          <a:p>
-            <a:pPr marL="742950" lvl="1" indent="-285750">
-              <a:lnSpc>
-                <a:spcPct val="150000"/>
-              </a:lnSpc>
-              <a:buFont typeface="Arial" panose="020B0604020202020204" pitchFamily="34" charset="0"/>
-              <a:buChar char="•"/>
-            </a:pPr>
-            <a:r>
-              <a:rPr kumimoji="1" lang="en-US" altLang="ko-KR" sz="1400" dirty="0">
-                <a:solidFill>
-                  <a:srgbClr val="3D3D3D"/>
-                </a:solidFill>
-                <a:latin typeface="NanumSquareRound Regular" panose="020B0600000101010101" pitchFamily="34" charset="-127"/>
-                <a:ea typeface="NanumSquareRound Regular" panose="020B0600000101010101" pitchFamily="34" charset="-127"/>
-              </a:rPr>
-              <a:t>100epoch accuracy 89.960%</a:t>
-            </a:r>
-          </a:p>
-          <a:p>
-            <a:pPr marL="742950" lvl="1" indent="-285750">
-              <a:lnSpc>
-                <a:spcPct val="150000"/>
-              </a:lnSpc>
-              <a:buFont typeface="Arial" panose="020B0604020202020204" pitchFamily="34" charset="0"/>
-              <a:buChar char="•"/>
-            </a:pPr>
-            <a:r>
-              <a:rPr kumimoji="1" lang="en-US" altLang="ko-KR" sz="1400" dirty="0">
-                <a:solidFill>
-                  <a:srgbClr val="3D3D3D"/>
-                </a:solidFill>
-                <a:latin typeface="NanumSquareRound Regular" panose="020B0600000101010101" pitchFamily="34" charset="-127"/>
-                <a:ea typeface="NanumSquareRound Regular" panose="020B0600000101010101" pitchFamily="34" charset="-127"/>
-              </a:rPr>
-              <a:t>200epoch accuracy : 95.220%</a:t>
-            </a:r>
+        </p:txBody>
+      </p:sp>
+      <p:sp>
+        <p:nvSpPr>
+          <p:cNvPr id="11" name="직사각형 10">
+            <a:extLst>
+              <a:ext uri="{FF2B5EF4-FFF2-40B4-BE49-F238E27FC236}">
+                <a16:creationId xmlns:a16="http://schemas.microsoft.com/office/drawing/2014/main" id="{0BBD672F-C8E8-9A4B-ADC3-10CAF453809B}"/>
+              </a:ext>
+            </a:extLst>
+          </p:cNvPr>
+          <p:cNvSpPr/>
+          <p:nvPr/>
+        </p:nvSpPr>
+        <p:spPr>
+          <a:xfrm>
+            <a:off x="7238800" y="1214576"/>
+            <a:ext cx="496563" cy="4708981"/>
+          </a:xfrm>
+          <a:prstGeom prst="rect">
+            <a:avLst/>
+          </a:prstGeom>
+        </p:spPr>
+        <p:txBody>
+          <a:bodyPr wrap="square">
+            <a:spAutoFit/>
+          </a:bodyPr>
+          <a:lstStyle/>
+          <a:p>
+            <a:r>
+              <a:rPr lang="en-US" altLang="ko-Kore-KR" sz="1200" dirty="0">
+                <a:solidFill>
+                  <a:srgbClr val="D97B73"/>
+                </a:solidFill>
+              </a:rPr>
+              <a:t>150</a:t>
+            </a:r>
+          </a:p>
+          <a:p>
+            <a:r>
+              <a:rPr lang="en-US" altLang="ko-Kore-KR" sz="1200" dirty="0">
+                <a:solidFill>
+                  <a:srgbClr val="D97B73"/>
+                </a:solidFill>
+              </a:rPr>
+              <a:t>151</a:t>
+            </a:r>
+          </a:p>
+          <a:p>
+            <a:r>
+              <a:rPr lang="en-US" altLang="ko-Kore-KR" sz="1200" dirty="0">
+                <a:solidFill>
+                  <a:srgbClr val="D97B73"/>
+                </a:solidFill>
+              </a:rPr>
+              <a:t>152</a:t>
+            </a:r>
+          </a:p>
+          <a:p>
+            <a:r>
+              <a:rPr lang="en-US" altLang="ko-Kore-KR" sz="1200" dirty="0">
+                <a:solidFill>
+                  <a:srgbClr val="D97B73"/>
+                </a:solidFill>
+              </a:rPr>
+              <a:t>153</a:t>
+            </a:r>
+          </a:p>
+          <a:p>
+            <a:r>
+              <a:rPr lang="en-US" altLang="ko-Kore-KR" sz="1200" dirty="0">
+                <a:solidFill>
+                  <a:srgbClr val="D97B73"/>
+                </a:solidFill>
+              </a:rPr>
+              <a:t>154</a:t>
+            </a:r>
+          </a:p>
+          <a:p>
+            <a:r>
+              <a:rPr lang="en-US" altLang="ko-Kore-KR" sz="1200" dirty="0">
+                <a:solidFill>
+                  <a:srgbClr val="D97B73"/>
+                </a:solidFill>
+              </a:rPr>
+              <a:t>155</a:t>
+            </a:r>
+          </a:p>
+          <a:p>
+            <a:r>
+              <a:rPr lang="en-US" altLang="ko-Kore-KR" sz="1200" dirty="0">
+                <a:solidFill>
+                  <a:srgbClr val="D97B73"/>
+                </a:solidFill>
+              </a:rPr>
+              <a:t>156</a:t>
+            </a:r>
+          </a:p>
+          <a:p>
+            <a:r>
+              <a:rPr lang="en-US" altLang="ko-Kore-KR" sz="1200" dirty="0">
+                <a:solidFill>
+                  <a:srgbClr val="D97B73"/>
+                </a:solidFill>
+              </a:rPr>
+              <a:t>157</a:t>
+            </a:r>
+          </a:p>
+          <a:p>
+            <a:r>
+              <a:rPr lang="en-US" altLang="ko-Kore-KR" sz="1200" dirty="0">
+                <a:solidFill>
+                  <a:srgbClr val="D97B73"/>
+                </a:solidFill>
+              </a:rPr>
+              <a:t>158</a:t>
+            </a:r>
+          </a:p>
+          <a:p>
+            <a:r>
+              <a:rPr lang="en-US" altLang="ko-Kore-KR" sz="1200" dirty="0">
+                <a:solidFill>
+                  <a:srgbClr val="D97B73"/>
+                </a:solidFill>
+              </a:rPr>
+              <a:t>159</a:t>
+            </a:r>
+          </a:p>
+          <a:p>
+            <a:r>
+              <a:rPr lang="en-US" altLang="ko-Kore-KR" sz="1200" dirty="0">
+                <a:solidFill>
+                  <a:srgbClr val="D97B73"/>
+                </a:solidFill>
+              </a:rPr>
+              <a:t>160</a:t>
+            </a:r>
+          </a:p>
+          <a:p>
+            <a:r>
+              <a:rPr lang="en-US" altLang="ko-Kore-KR" sz="1200" dirty="0">
+                <a:solidFill>
+                  <a:srgbClr val="D97B73"/>
+                </a:solidFill>
+              </a:rPr>
+              <a:t>161</a:t>
+            </a:r>
+          </a:p>
+          <a:p>
+            <a:r>
+              <a:rPr lang="en-US" altLang="ko-Kore-KR" sz="1200" dirty="0">
+                <a:solidFill>
+                  <a:srgbClr val="D97B73"/>
+                </a:solidFill>
+              </a:rPr>
+              <a:t>162</a:t>
+            </a:r>
+          </a:p>
+          <a:p>
+            <a:r>
+              <a:rPr lang="en-US" altLang="ko-Kore-KR" sz="1200" dirty="0">
+                <a:solidFill>
+                  <a:srgbClr val="D97B73"/>
+                </a:solidFill>
+              </a:rPr>
+              <a:t>163</a:t>
+            </a:r>
+          </a:p>
+          <a:p>
+            <a:r>
+              <a:rPr lang="en-US" altLang="ko-Kore-KR" sz="1200" dirty="0">
+                <a:solidFill>
+                  <a:srgbClr val="D97B73"/>
+                </a:solidFill>
+              </a:rPr>
+              <a:t>164</a:t>
+            </a:r>
+          </a:p>
+          <a:p>
+            <a:r>
+              <a:rPr lang="en-US" altLang="ko-Kore-KR" sz="1200" dirty="0">
+                <a:solidFill>
+                  <a:srgbClr val="D97B73"/>
+                </a:solidFill>
+              </a:rPr>
+              <a:t>165</a:t>
+            </a:r>
+          </a:p>
+          <a:p>
+            <a:r>
+              <a:rPr lang="en-US" altLang="ko-Kore-KR" sz="1200" dirty="0">
+                <a:solidFill>
+                  <a:srgbClr val="D97B73"/>
+                </a:solidFill>
+              </a:rPr>
+              <a:t>166</a:t>
+            </a:r>
+          </a:p>
+          <a:p>
+            <a:r>
+              <a:rPr lang="en-US" altLang="ko-Kore-KR" sz="1200" dirty="0">
+                <a:solidFill>
+                  <a:srgbClr val="D97B73"/>
+                </a:solidFill>
+              </a:rPr>
+              <a:t>167</a:t>
+            </a:r>
+          </a:p>
+          <a:p>
+            <a:r>
+              <a:rPr lang="en-US" altLang="ko-Kore-KR" sz="1200" dirty="0">
+                <a:solidFill>
+                  <a:srgbClr val="D97B73"/>
+                </a:solidFill>
+              </a:rPr>
+              <a:t>168</a:t>
+            </a:r>
+          </a:p>
+          <a:p>
+            <a:r>
+              <a:rPr lang="en-US" altLang="ko-Kore-KR" sz="1200" dirty="0">
+                <a:solidFill>
+                  <a:srgbClr val="D97B73"/>
+                </a:solidFill>
+              </a:rPr>
+              <a:t>169</a:t>
+            </a:r>
+          </a:p>
+          <a:p>
+            <a:r>
+              <a:rPr lang="en-US" altLang="ko-Kore-KR" sz="1200" dirty="0">
+                <a:solidFill>
+                  <a:srgbClr val="D97B73"/>
+                </a:solidFill>
+              </a:rPr>
+              <a:t>170</a:t>
+            </a:r>
+          </a:p>
+          <a:p>
+            <a:r>
+              <a:rPr lang="en-US" altLang="ko-Kore-KR" sz="1200" dirty="0">
+                <a:solidFill>
+                  <a:srgbClr val="D97B73"/>
+                </a:solidFill>
+              </a:rPr>
+              <a:t>171</a:t>
+            </a:r>
+          </a:p>
+          <a:p>
+            <a:r>
+              <a:rPr lang="en-US" altLang="ko-Kore-KR" sz="1200" dirty="0">
+                <a:solidFill>
+                  <a:srgbClr val="D97B73"/>
+                </a:solidFill>
+              </a:rPr>
+              <a:t>172</a:t>
+            </a:r>
+          </a:p>
+          <a:p>
+            <a:r>
+              <a:rPr lang="en-US" altLang="ko-Kore-KR" sz="1200" dirty="0">
+                <a:solidFill>
+                  <a:srgbClr val="D97B73"/>
+                </a:solidFill>
+              </a:rPr>
+              <a:t>173</a:t>
+            </a:r>
+          </a:p>
+          <a:p>
+            <a:r>
+              <a:rPr lang="en-US" altLang="ko-Kore-KR" sz="1200" dirty="0">
+                <a:solidFill>
+                  <a:srgbClr val="D97B73"/>
+                </a:solidFill>
+              </a:rPr>
+              <a:t>174</a:t>
+            </a:r>
+            <a:endParaRPr lang="ko-Kore-KR" altLang="en-US" sz="1200" dirty="0">
+              <a:solidFill>
+                <a:srgbClr val="D97B73"/>
+              </a:solidFill>
+            </a:endParaRPr>
           </a:p>
         </p:txBody>
       </p:sp>
@@ -14011,12 +15227,142 @@
           </a:p>
         </p:txBody>
       </p:sp>
+      <p:sp>
+        <p:nvSpPr>
+          <p:cNvPr id="9" name="직사각형 8">
+            <a:extLst>
+              <a:ext uri="{FF2B5EF4-FFF2-40B4-BE49-F238E27FC236}">
+                <a16:creationId xmlns:a16="http://schemas.microsoft.com/office/drawing/2014/main" id="{1C613325-F607-4049-AA51-7F8F58809EB6}"/>
+              </a:ext>
+            </a:extLst>
+          </p:cNvPr>
+          <p:cNvSpPr/>
+          <p:nvPr/>
+        </p:nvSpPr>
+        <p:spPr>
+          <a:xfrm>
+            <a:off x="924907" y="5625250"/>
+            <a:ext cx="2603598" cy="707566"/>
+          </a:xfrm>
+          <a:prstGeom prst="rect">
+            <a:avLst/>
+          </a:prstGeom>
+        </p:spPr>
+        <p:txBody>
+          <a:bodyPr wrap="none">
+            <a:spAutoFit/>
+          </a:bodyPr>
+          <a:lstStyle/>
+          <a:p>
+            <a:pPr marL="742950" lvl="1" indent="-285750">
+              <a:lnSpc>
+                <a:spcPct val="150000"/>
+              </a:lnSpc>
+              <a:buFont typeface="Arial" panose="020B0604020202020204" pitchFamily="34" charset="0"/>
+              <a:buChar char="•"/>
+            </a:pPr>
+            <a:r>
+              <a:rPr kumimoji="1" lang="ko-KR" altLang="en-US" sz="1400" dirty="0">
+                <a:solidFill>
+                  <a:srgbClr val="3D3D3D"/>
+                </a:solidFill>
+                <a:latin typeface="NanumSquareRound Regular" panose="020B0600000101010101" pitchFamily="34" charset="-127"/>
+                <a:ea typeface="NanumSquareRound Regular" panose="020B0600000101010101" pitchFamily="34" charset="-127"/>
+              </a:rPr>
+              <a:t>다수결 버전 </a:t>
+            </a:r>
+            <a:r>
+              <a:rPr kumimoji="1" lang="en-US" altLang="ko-KR" sz="1400" dirty="0">
+                <a:solidFill>
+                  <a:srgbClr val="3D3D3D"/>
+                </a:solidFill>
+                <a:latin typeface="NanumSquareRound Regular" panose="020B0600000101010101" pitchFamily="34" charset="-127"/>
+                <a:ea typeface="NanumSquareRound Regular" panose="020B0600000101010101" pitchFamily="34" charset="-127"/>
+              </a:rPr>
+              <a:t>–</a:t>
+            </a:r>
+            <a:r>
+              <a:rPr kumimoji="1" lang="ko-KR" altLang="en-US" sz="1400" dirty="0">
+                <a:solidFill>
+                  <a:srgbClr val="3D3D3D"/>
+                </a:solidFill>
+                <a:latin typeface="NanumSquareRound Regular" panose="020B0600000101010101" pitchFamily="34" charset="-127"/>
+                <a:ea typeface="NanumSquareRound Regular" panose="020B0600000101010101" pitchFamily="34" charset="-127"/>
+              </a:rPr>
+              <a:t> 모델 </a:t>
+            </a:r>
+            <a:r>
+              <a:rPr kumimoji="1" lang="en-US" altLang="ko-KR" sz="1400" dirty="0">
+                <a:solidFill>
+                  <a:srgbClr val="3D3D3D"/>
+                </a:solidFill>
+                <a:latin typeface="NanumSquareRound Regular" panose="020B0600000101010101" pitchFamily="34" charset="-127"/>
+                <a:ea typeface="NanumSquareRound Regular" panose="020B0600000101010101" pitchFamily="34" charset="-127"/>
+              </a:rPr>
+              <a:t>5</a:t>
+            </a:r>
+            <a:r>
+              <a:rPr kumimoji="1" lang="ko-KR" altLang="en-US" sz="1400" dirty="0">
+                <a:solidFill>
+                  <a:srgbClr val="3D3D3D"/>
+                </a:solidFill>
+                <a:latin typeface="NanumSquareRound Regular" panose="020B0600000101010101" pitchFamily="34" charset="-127"/>
+                <a:ea typeface="NanumSquareRound Regular" panose="020B0600000101010101" pitchFamily="34" charset="-127"/>
+              </a:rPr>
+              <a:t>개</a:t>
+            </a:r>
+            <a:endParaRPr kumimoji="1" lang="en-US" altLang="ko-KR" sz="1400" dirty="0">
+              <a:solidFill>
+                <a:srgbClr val="3D3D3D"/>
+              </a:solidFill>
+              <a:latin typeface="NanumSquareRound Regular" panose="020B0600000101010101" pitchFamily="34" charset="-127"/>
+              <a:ea typeface="NanumSquareRound Regular" panose="020B0600000101010101" pitchFamily="34" charset="-127"/>
+            </a:endParaRPr>
+          </a:p>
+          <a:p>
+            <a:pPr marL="742950" lvl="1" indent="-285750">
+              <a:lnSpc>
+                <a:spcPct val="150000"/>
+              </a:lnSpc>
+              <a:buFont typeface="Arial" panose="020B0604020202020204" pitchFamily="34" charset="0"/>
+              <a:buChar char="•"/>
+            </a:pPr>
+            <a:r>
+              <a:rPr kumimoji="1" lang="en-US" altLang="ko-KR" sz="1400" dirty="0">
+                <a:solidFill>
+                  <a:srgbClr val="3D3D3D"/>
+                </a:solidFill>
+                <a:latin typeface="NanumSquareRound Regular" panose="020B0600000101010101" pitchFamily="34" charset="-127"/>
+                <a:ea typeface="NanumSquareRound Regular" panose="020B0600000101010101" pitchFamily="34" charset="-127"/>
+              </a:rPr>
+              <a:t>5</a:t>
+            </a:r>
+            <a:r>
+              <a:rPr kumimoji="1" lang="ko-KR" altLang="en-US" sz="1400" dirty="0">
+                <a:solidFill>
+                  <a:srgbClr val="3D3D3D"/>
+                </a:solidFill>
+                <a:latin typeface="NanumSquareRound Regular" panose="020B0600000101010101" pitchFamily="34" charset="-127"/>
+                <a:ea typeface="NanumSquareRound Regular" panose="020B0600000101010101" pitchFamily="34" charset="-127"/>
+              </a:rPr>
+              <a:t>번 학습 후 평균</a:t>
+            </a:r>
+            <a:endParaRPr kumimoji="1" lang="en-US" altLang="ko-KR" sz="1400" dirty="0">
+              <a:solidFill>
+                <a:srgbClr val="3D3D3D"/>
+              </a:solidFill>
+              <a:latin typeface="NanumSquareRound Regular" panose="020B0600000101010101" pitchFamily="34" charset="-127"/>
+              <a:ea typeface="NanumSquareRound Regular" panose="020B0600000101010101" pitchFamily="34" charset="-127"/>
+            </a:endParaRPr>
+          </a:p>
+        </p:txBody>
+      </p:sp>
       <p:pic>
         <p:nvPicPr>
-          <p:cNvPr id="3" name="그림 2">
+          <p:cNvPr id="5" name="그림 4">
             <a:extLst>
               <a:ext uri="{FF2B5EF4-FFF2-40B4-BE49-F238E27FC236}">
-                <a16:creationId xmlns:a16="http://schemas.microsoft.com/office/drawing/2014/main" id="{052B12C8-A2A6-334B-89AB-D54DD825D7DE}"/>
+                <a16:creationId xmlns:a16="http://schemas.microsoft.com/office/drawing/2014/main" id="{BE377186-22D1-474A-BECA-C958FC7CC015}"/>
               </a:ext>
             </a:extLst>
           </p:cNvPr>
@@ -14033,7 +15379,7 @@
         </p:blipFill>
         <p:spPr>
           <a:xfrm>
-            <a:off x="254000" y="1076252"/>
+            <a:off x="0" y="956827"/>
             <a:ext cx="5842000" cy="4381500"/>
           </a:xfrm>
           <a:prstGeom prst="rect">
@@ -14041,6 +15387,1133 @@
           </a:prstGeom>
         </p:spPr>
       </p:pic>
+      <p:sp>
+        <p:nvSpPr>
+          <p:cNvPr id="6" name="직사각형 5">
+            <a:extLst>
+              <a:ext uri="{FF2B5EF4-FFF2-40B4-BE49-F238E27FC236}">
+                <a16:creationId xmlns:a16="http://schemas.microsoft.com/office/drawing/2014/main" id="{3F18125E-9B1A-C548-A9F7-CA74713D797F}"/>
+              </a:ext>
+            </a:extLst>
+          </p:cNvPr>
+          <p:cNvSpPr/>
+          <p:nvPr/>
+        </p:nvSpPr>
+        <p:spPr>
+          <a:xfrm>
+            <a:off x="6830507" y="1531501"/>
+            <a:ext cx="885787" cy="4708981"/>
+          </a:xfrm>
+          <a:prstGeom prst="rect">
+            <a:avLst/>
+          </a:prstGeom>
+        </p:spPr>
+        <p:txBody>
+          <a:bodyPr wrap="square">
+            <a:spAutoFit/>
+          </a:bodyPr>
+          <a:lstStyle/>
+          <a:p>
+            <a:r>
+              <a:rPr lang="en-US" altLang="ko-Kore-KR" sz="1200" dirty="0"/>
+              <a:t>94.88</a:t>
+            </a:r>
+          </a:p>
+          <a:p>
+            <a:r>
+              <a:rPr lang="en-US" altLang="ko-Kore-KR" sz="1200" dirty="0"/>
+              <a:t>94.38</a:t>
+            </a:r>
+          </a:p>
+          <a:p>
+            <a:r>
+              <a:rPr lang="en-US" altLang="ko-Kore-KR" sz="1200" dirty="0"/>
+              <a:t>94.84</a:t>
+            </a:r>
+          </a:p>
+          <a:p>
+            <a:r>
+              <a:rPr lang="en-US" altLang="ko-Kore-KR" sz="1200" dirty="0"/>
+              <a:t>93.08</a:t>
+            </a:r>
+          </a:p>
+          <a:p>
+            <a:r>
+              <a:rPr lang="en-US" altLang="ko-Kore-KR" sz="1200" dirty="0"/>
+              <a:t>94.62</a:t>
+            </a:r>
+          </a:p>
+          <a:p>
+            <a:r>
+              <a:rPr lang="en-US" altLang="ko-Kore-KR" sz="1200" dirty="0"/>
+              <a:t>92.22</a:t>
+            </a:r>
+          </a:p>
+          <a:p>
+            <a:r>
+              <a:rPr lang="en-US" altLang="ko-Kore-KR" sz="1200" dirty="0"/>
+              <a:t>95.26</a:t>
+            </a:r>
+          </a:p>
+          <a:p>
+            <a:r>
+              <a:rPr lang="en-US" altLang="ko-Kore-KR" sz="1200" dirty="0"/>
+              <a:t>93.46</a:t>
+            </a:r>
+          </a:p>
+          <a:p>
+            <a:r>
+              <a:rPr lang="en-US" altLang="ko-Kore-KR" sz="1200" dirty="0"/>
+              <a:t>91.82</a:t>
+            </a:r>
+          </a:p>
+          <a:p>
+            <a:r>
+              <a:rPr lang="en-US" altLang="ko-Kore-KR" sz="1200" dirty="0"/>
+              <a:t>95.16</a:t>
+            </a:r>
+          </a:p>
+          <a:p>
+            <a:r>
+              <a:rPr lang="en-US" altLang="ko-Kore-KR" sz="1200" dirty="0"/>
+              <a:t>94.42</a:t>
+            </a:r>
+          </a:p>
+          <a:p>
+            <a:r>
+              <a:rPr lang="en-US" altLang="ko-Kore-KR" sz="1200" dirty="0"/>
+              <a:t>94.82</a:t>
+            </a:r>
+          </a:p>
+          <a:p>
+            <a:r>
+              <a:rPr lang="en-US" altLang="ko-Kore-KR" sz="1200" dirty="0"/>
+              <a:t>92.92</a:t>
+            </a:r>
+          </a:p>
+          <a:p>
+            <a:r>
+              <a:rPr lang="en-US" altLang="ko-Kore-KR" sz="1200" dirty="0"/>
+              <a:t>94.02</a:t>
+            </a:r>
+          </a:p>
+          <a:p>
+            <a:r>
+              <a:rPr lang="en-US" altLang="ko-Kore-KR" sz="1200" dirty="0"/>
+              <a:t>92.42</a:t>
+            </a:r>
+          </a:p>
+          <a:p>
+            <a:r>
+              <a:rPr lang="en-US" altLang="ko-Kore-KR" sz="1200" dirty="0"/>
+              <a:t>93.2</a:t>
+            </a:r>
+          </a:p>
+          <a:p>
+            <a:r>
+              <a:rPr lang="en-US" altLang="ko-Kore-KR" sz="1200" dirty="0"/>
+              <a:t>92.86</a:t>
+            </a:r>
+          </a:p>
+          <a:p>
+            <a:r>
+              <a:rPr lang="en-US" altLang="ko-Kore-KR" sz="1200" dirty="0"/>
+              <a:t>94.52</a:t>
+            </a:r>
+          </a:p>
+          <a:p>
+            <a:r>
+              <a:rPr lang="en-US" altLang="ko-Kore-KR" sz="1200" dirty="0"/>
+              <a:t>95.2</a:t>
+            </a:r>
+          </a:p>
+          <a:p>
+            <a:r>
+              <a:rPr lang="en-US" altLang="ko-Kore-KR" sz="1200" dirty="0"/>
+              <a:t>94.58</a:t>
+            </a:r>
+          </a:p>
+          <a:p>
+            <a:r>
+              <a:rPr lang="en-US" altLang="ko-Kore-KR" sz="1200" dirty="0"/>
+              <a:t>94.54</a:t>
+            </a:r>
+          </a:p>
+          <a:p>
+            <a:r>
+              <a:rPr lang="en-US" altLang="ko-Kore-KR" sz="1200" dirty="0"/>
+              <a:t>94.42</a:t>
+            </a:r>
+          </a:p>
+          <a:p>
+            <a:r>
+              <a:rPr lang="en-US" altLang="ko-Kore-KR" sz="1200" dirty="0"/>
+              <a:t>95.0</a:t>
+            </a:r>
+          </a:p>
+          <a:p>
+            <a:r>
+              <a:rPr lang="en-US" altLang="ko-Kore-KR" sz="1200" dirty="0"/>
+              <a:t>95.82</a:t>
+            </a:r>
+          </a:p>
+          <a:p>
+            <a:r>
+              <a:rPr lang="en-US" altLang="ko-Kore-KR" sz="1200" dirty="0"/>
+              <a:t>95.58</a:t>
+            </a:r>
+            <a:endParaRPr lang="ko-Kore-KR" altLang="en-US" sz="1200" dirty="0"/>
+          </a:p>
+        </p:txBody>
+      </p:sp>
+      <p:sp>
+        <p:nvSpPr>
+          <p:cNvPr id="7" name="직사각형 6">
+            <a:extLst>
+              <a:ext uri="{FF2B5EF4-FFF2-40B4-BE49-F238E27FC236}">
+                <a16:creationId xmlns:a16="http://schemas.microsoft.com/office/drawing/2014/main" id="{BD37543A-8348-8649-B735-88153277FA7C}"/>
+              </a:ext>
+            </a:extLst>
+          </p:cNvPr>
+          <p:cNvSpPr/>
+          <p:nvPr/>
+        </p:nvSpPr>
+        <p:spPr>
+          <a:xfrm>
+            <a:off x="9144002" y="1439169"/>
+            <a:ext cx="885787" cy="4893647"/>
+          </a:xfrm>
+          <a:prstGeom prst="rect">
+            <a:avLst/>
+          </a:prstGeom>
+        </p:spPr>
+        <p:txBody>
+          <a:bodyPr wrap="square">
+            <a:spAutoFit/>
+          </a:bodyPr>
+          <a:lstStyle/>
+          <a:p>
+            <a:r>
+              <a:rPr lang="en-US" altLang="ko-Kore-KR" sz="1200" dirty="0"/>
+              <a:t>96.4</a:t>
+            </a:r>
+          </a:p>
+          <a:p>
+            <a:r>
+              <a:rPr lang="en-US" altLang="ko-Kore-KR" sz="1200" dirty="0"/>
+              <a:t>95.64</a:t>
+            </a:r>
+          </a:p>
+          <a:p>
+            <a:r>
+              <a:rPr lang="en-US" altLang="ko-Kore-KR" sz="1200" dirty="0"/>
+              <a:t>95.84</a:t>
+            </a:r>
+          </a:p>
+          <a:p>
+            <a:r>
+              <a:rPr lang="en-US" altLang="ko-Kore-KR" sz="1200" dirty="0"/>
+              <a:t>95.52</a:t>
+            </a:r>
+          </a:p>
+          <a:p>
+            <a:r>
+              <a:rPr lang="en-US" altLang="ko-Kore-KR" sz="1200" dirty="0"/>
+              <a:t>95.04</a:t>
+            </a:r>
+          </a:p>
+          <a:p>
+            <a:r>
+              <a:rPr lang="en-US" altLang="ko-Kore-KR" sz="1200" dirty="0"/>
+              <a:t>96.0</a:t>
+            </a:r>
+          </a:p>
+          <a:p>
+            <a:r>
+              <a:rPr lang="en-US" altLang="ko-Kore-KR" sz="1200" dirty="0"/>
+              <a:t>95.42</a:t>
+            </a:r>
+          </a:p>
+          <a:p>
+            <a:r>
+              <a:rPr lang="en-US" altLang="ko-Kore-KR" sz="1200" dirty="0"/>
+              <a:t>96.36</a:t>
+            </a:r>
+          </a:p>
+          <a:p>
+            <a:r>
+              <a:rPr lang="en-US" altLang="ko-Kore-KR" sz="1200" dirty="0"/>
+              <a:t>96.3</a:t>
+            </a:r>
+          </a:p>
+          <a:p>
+            <a:r>
+              <a:rPr lang="en-US" altLang="ko-Kore-KR" sz="1200" dirty="0"/>
+              <a:t>95.12</a:t>
+            </a:r>
+          </a:p>
+          <a:p>
+            <a:r>
+              <a:rPr lang="en-US" altLang="ko-Kore-KR" sz="1200" dirty="0"/>
+              <a:t>95.8</a:t>
+            </a:r>
+          </a:p>
+          <a:p>
+            <a:r>
+              <a:rPr lang="en-US" altLang="ko-Kore-KR" sz="1200" dirty="0"/>
+              <a:t>96.24</a:t>
+            </a:r>
+          </a:p>
+          <a:p>
+            <a:r>
+              <a:rPr lang="en-US" altLang="ko-Kore-KR" sz="1200" dirty="0"/>
+              <a:t>96.0</a:t>
+            </a:r>
+          </a:p>
+          <a:p>
+            <a:r>
+              <a:rPr lang="en-US" altLang="ko-Kore-KR" sz="1200" dirty="0"/>
+              <a:t>95.66</a:t>
+            </a:r>
+          </a:p>
+          <a:p>
+            <a:r>
+              <a:rPr lang="en-US" altLang="ko-Kore-KR" sz="1200" dirty="0"/>
+              <a:t>93.66</a:t>
+            </a:r>
+          </a:p>
+          <a:p>
+            <a:r>
+              <a:rPr lang="en-US" altLang="ko-Kore-KR" sz="1200" dirty="0"/>
+              <a:t>96.04</a:t>
+            </a:r>
+          </a:p>
+          <a:p>
+            <a:r>
+              <a:rPr lang="en-US" altLang="ko-Kore-KR" sz="1200" dirty="0"/>
+              <a:t>96.44</a:t>
+            </a:r>
+          </a:p>
+          <a:p>
+            <a:r>
+              <a:rPr lang="en-US" altLang="ko-Kore-KR" sz="1200" dirty="0"/>
+              <a:t>95.26</a:t>
+            </a:r>
+          </a:p>
+          <a:p>
+            <a:r>
+              <a:rPr lang="en-US" altLang="ko-Kore-KR" sz="1200" dirty="0">
+                <a:solidFill>
+                  <a:srgbClr val="FF0000"/>
+                </a:solidFill>
+              </a:rPr>
+              <a:t>97.12</a:t>
+            </a:r>
+          </a:p>
+          <a:p>
+            <a:r>
+              <a:rPr lang="en-US" altLang="ko-Kore-KR" sz="1200" dirty="0"/>
+              <a:t>96.7</a:t>
+            </a:r>
+          </a:p>
+          <a:p>
+            <a:r>
+              <a:rPr lang="en-US" altLang="ko-Kore-KR" sz="1200" dirty="0"/>
+              <a:t>95.4</a:t>
+            </a:r>
+          </a:p>
+          <a:p>
+            <a:r>
+              <a:rPr lang="en-US" altLang="ko-Kore-KR" sz="1200" dirty="0"/>
+              <a:t>95.94</a:t>
+            </a:r>
+          </a:p>
+          <a:p>
+            <a:r>
+              <a:rPr lang="en-US" altLang="ko-Kore-KR" sz="1200" dirty="0"/>
+              <a:t>95.16</a:t>
+            </a:r>
+          </a:p>
+          <a:p>
+            <a:r>
+              <a:rPr lang="en-US" altLang="ko-Kore-KR" sz="1200" dirty="0"/>
+              <a:t>95.94</a:t>
+            </a:r>
+          </a:p>
+          <a:p>
+            <a:r>
+              <a:rPr lang="en-US" altLang="ko-Kore-KR" sz="1200" dirty="0"/>
+              <a:t>95.2</a:t>
+            </a:r>
+          </a:p>
+          <a:p>
+            <a:r>
+              <a:rPr lang="en-US" altLang="ko-Kore-KR" sz="1200" dirty="0"/>
+              <a:t>95.62</a:t>
+            </a:r>
+            <a:endParaRPr lang="ko-Kore-KR" altLang="en-US" sz="1200" dirty="0"/>
+          </a:p>
+        </p:txBody>
+      </p:sp>
+      <p:sp>
+        <p:nvSpPr>
+          <p:cNvPr id="10" name="직사각형 9">
+            <a:extLst>
+              <a:ext uri="{FF2B5EF4-FFF2-40B4-BE49-F238E27FC236}">
+                <a16:creationId xmlns:a16="http://schemas.microsoft.com/office/drawing/2014/main" id="{A89DE199-75C6-9F48-8B7B-32180C58AF35}"/>
+              </a:ext>
+            </a:extLst>
+          </p:cNvPr>
+          <p:cNvSpPr/>
+          <p:nvPr/>
+        </p:nvSpPr>
+        <p:spPr>
+          <a:xfrm>
+            <a:off x="8643251" y="1439169"/>
+            <a:ext cx="500751" cy="4893647"/>
+          </a:xfrm>
+          <a:prstGeom prst="rect">
+            <a:avLst/>
+          </a:prstGeom>
+        </p:spPr>
+        <p:txBody>
+          <a:bodyPr wrap="square">
+            <a:spAutoFit/>
+          </a:bodyPr>
+          <a:lstStyle/>
+          <a:p>
+            <a:r>
+              <a:rPr lang="en-US" altLang="ko-Kore-KR" sz="1200" dirty="0">
+                <a:solidFill>
+                  <a:srgbClr val="D97B73"/>
+                </a:solidFill>
+              </a:rPr>
+              <a:t>175</a:t>
+            </a:r>
+          </a:p>
+          <a:p>
+            <a:r>
+              <a:rPr lang="en-US" altLang="ko-Kore-KR" sz="1200" dirty="0">
+                <a:solidFill>
+                  <a:srgbClr val="D97B73"/>
+                </a:solidFill>
+              </a:rPr>
+              <a:t>176</a:t>
+            </a:r>
+          </a:p>
+          <a:p>
+            <a:r>
+              <a:rPr lang="en-US" altLang="ko-Kore-KR" sz="1200" dirty="0">
+                <a:solidFill>
+                  <a:srgbClr val="D97B73"/>
+                </a:solidFill>
+              </a:rPr>
+              <a:t>177</a:t>
+            </a:r>
+          </a:p>
+          <a:p>
+            <a:r>
+              <a:rPr lang="en-US" altLang="ko-Kore-KR" sz="1200" dirty="0">
+                <a:solidFill>
+                  <a:srgbClr val="D97B73"/>
+                </a:solidFill>
+              </a:rPr>
+              <a:t>178</a:t>
+            </a:r>
+          </a:p>
+          <a:p>
+            <a:r>
+              <a:rPr lang="en-US" altLang="ko-Kore-KR" sz="1200" dirty="0">
+                <a:solidFill>
+                  <a:srgbClr val="D97B73"/>
+                </a:solidFill>
+              </a:rPr>
+              <a:t>179</a:t>
+            </a:r>
+          </a:p>
+          <a:p>
+            <a:r>
+              <a:rPr lang="en-US" altLang="ko-Kore-KR" sz="1200" dirty="0">
+                <a:solidFill>
+                  <a:srgbClr val="D97B73"/>
+                </a:solidFill>
+              </a:rPr>
+              <a:t>180</a:t>
+            </a:r>
+          </a:p>
+          <a:p>
+            <a:r>
+              <a:rPr lang="en-US" altLang="ko-Kore-KR" sz="1200" dirty="0">
+                <a:solidFill>
+                  <a:srgbClr val="D97B73"/>
+                </a:solidFill>
+              </a:rPr>
+              <a:t>181</a:t>
+            </a:r>
+          </a:p>
+          <a:p>
+            <a:r>
+              <a:rPr lang="en-US" altLang="ko-Kore-KR" sz="1200" dirty="0">
+                <a:solidFill>
+                  <a:srgbClr val="D97B73"/>
+                </a:solidFill>
+              </a:rPr>
+              <a:t>182</a:t>
+            </a:r>
+          </a:p>
+          <a:p>
+            <a:r>
+              <a:rPr lang="en-US" altLang="ko-Kore-KR" sz="1200" dirty="0">
+                <a:solidFill>
+                  <a:srgbClr val="D97B73"/>
+                </a:solidFill>
+              </a:rPr>
+              <a:t>183</a:t>
+            </a:r>
+          </a:p>
+          <a:p>
+            <a:r>
+              <a:rPr lang="en-US" altLang="ko-Kore-KR" sz="1200" dirty="0">
+                <a:solidFill>
+                  <a:srgbClr val="D97B73"/>
+                </a:solidFill>
+              </a:rPr>
+              <a:t>184</a:t>
+            </a:r>
+          </a:p>
+          <a:p>
+            <a:r>
+              <a:rPr lang="en-US" altLang="ko-Kore-KR" sz="1200" dirty="0">
+                <a:solidFill>
+                  <a:srgbClr val="D97B73"/>
+                </a:solidFill>
+              </a:rPr>
+              <a:t>185</a:t>
+            </a:r>
+          </a:p>
+          <a:p>
+            <a:r>
+              <a:rPr lang="en-US" altLang="ko-Kore-KR" sz="1200" dirty="0">
+                <a:solidFill>
+                  <a:srgbClr val="D97B73"/>
+                </a:solidFill>
+              </a:rPr>
+              <a:t>186</a:t>
+            </a:r>
+          </a:p>
+          <a:p>
+            <a:r>
+              <a:rPr lang="en-US" altLang="ko-Kore-KR" sz="1200" dirty="0">
+                <a:solidFill>
+                  <a:srgbClr val="D97B73"/>
+                </a:solidFill>
+              </a:rPr>
+              <a:t>187</a:t>
+            </a:r>
+          </a:p>
+          <a:p>
+            <a:r>
+              <a:rPr lang="en-US" altLang="ko-Kore-KR" sz="1200" dirty="0">
+                <a:solidFill>
+                  <a:srgbClr val="D97B73"/>
+                </a:solidFill>
+              </a:rPr>
+              <a:t>188</a:t>
+            </a:r>
+          </a:p>
+          <a:p>
+            <a:r>
+              <a:rPr lang="en-US" altLang="ko-Kore-KR" sz="1200" dirty="0">
+                <a:solidFill>
+                  <a:srgbClr val="D97B73"/>
+                </a:solidFill>
+              </a:rPr>
+              <a:t>189</a:t>
+            </a:r>
+          </a:p>
+          <a:p>
+            <a:r>
+              <a:rPr lang="en-US" altLang="ko-Kore-KR" sz="1200" dirty="0">
+                <a:solidFill>
+                  <a:srgbClr val="D97B73"/>
+                </a:solidFill>
+              </a:rPr>
+              <a:t>190</a:t>
+            </a:r>
+          </a:p>
+          <a:p>
+            <a:r>
+              <a:rPr lang="en-US" altLang="ko-Kore-KR" sz="1200" dirty="0">
+                <a:solidFill>
+                  <a:srgbClr val="D97B73"/>
+                </a:solidFill>
+              </a:rPr>
+              <a:t>191</a:t>
+            </a:r>
+          </a:p>
+          <a:p>
+            <a:r>
+              <a:rPr lang="en-US" altLang="ko-Kore-KR" sz="1200" dirty="0">
+                <a:solidFill>
+                  <a:srgbClr val="D97B73"/>
+                </a:solidFill>
+              </a:rPr>
+              <a:t>192</a:t>
+            </a:r>
+          </a:p>
+          <a:p>
+            <a:r>
+              <a:rPr lang="en-US" altLang="ko-Kore-KR" sz="1200" dirty="0">
+                <a:solidFill>
+                  <a:srgbClr val="D97B73"/>
+                </a:solidFill>
+              </a:rPr>
+              <a:t>193</a:t>
+            </a:r>
+          </a:p>
+          <a:p>
+            <a:r>
+              <a:rPr lang="en-US" altLang="ko-Kore-KR" sz="1200" dirty="0">
+                <a:solidFill>
+                  <a:srgbClr val="D97B73"/>
+                </a:solidFill>
+              </a:rPr>
+              <a:t>194</a:t>
+            </a:r>
+          </a:p>
+          <a:p>
+            <a:r>
+              <a:rPr lang="en-US" altLang="ko-Kore-KR" sz="1200" dirty="0">
+                <a:solidFill>
+                  <a:srgbClr val="D97B73"/>
+                </a:solidFill>
+              </a:rPr>
+              <a:t>195</a:t>
+            </a:r>
+          </a:p>
+          <a:p>
+            <a:r>
+              <a:rPr lang="en-US" altLang="ko-Kore-KR" sz="1200" dirty="0">
+                <a:solidFill>
+                  <a:srgbClr val="D97B73"/>
+                </a:solidFill>
+              </a:rPr>
+              <a:t>196</a:t>
+            </a:r>
+          </a:p>
+          <a:p>
+            <a:r>
+              <a:rPr lang="en-US" altLang="ko-Kore-KR" sz="1200" dirty="0">
+                <a:solidFill>
+                  <a:srgbClr val="D97B73"/>
+                </a:solidFill>
+              </a:rPr>
+              <a:t>197</a:t>
+            </a:r>
+          </a:p>
+          <a:p>
+            <a:r>
+              <a:rPr lang="en-US" altLang="ko-Kore-KR" sz="1200" dirty="0">
+                <a:solidFill>
+                  <a:srgbClr val="D97B73"/>
+                </a:solidFill>
+              </a:rPr>
+              <a:t>198</a:t>
+            </a:r>
+          </a:p>
+          <a:p>
+            <a:r>
+              <a:rPr lang="en-US" altLang="ko-Kore-KR" sz="1200" dirty="0">
+                <a:solidFill>
+                  <a:srgbClr val="D97B73"/>
+                </a:solidFill>
+              </a:rPr>
+              <a:t>199</a:t>
+            </a:r>
+          </a:p>
+          <a:p>
+            <a:r>
+              <a:rPr lang="en-US" altLang="ko-Kore-KR" sz="1200" dirty="0">
+                <a:solidFill>
+                  <a:srgbClr val="D97B73"/>
+                </a:solidFill>
+              </a:rPr>
+              <a:t>200</a:t>
+            </a:r>
+            <a:endParaRPr lang="ko-Kore-KR" altLang="en-US" sz="1200" dirty="0">
+              <a:solidFill>
+                <a:srgbClr val="D97B73"/>
+              </a:solidFill>
+            </a:endParaRPr>
+          </a:p>
+        </p:txBody>
+      </p:sp>
+      <p:sp>
+        <p:nvSpPr>
+          <p:cNvPr id="11" name="직사각형 10">
+            <a:extLst>
+              <a:ext uri="{FF2B5EF4-FFF2-40B4-BE49-F238E27FC236}">
+                <a16:creationId xmlns:a16="http://schemas.microsoft.com/office/drawing/2014/main" id="{35FC12EC-0536-C046-A37A-87A5989D91C7}"/>
+              </a:ext>
+            </a:extLst>
+          </p:cNvPr>
+          <p:cNvSpPr/>
+          <p:nvPr/>
+        </p:nvSpPr>
+        <p:spPr>
+          <a:xfrm>
+            <a:off x="6455093" y="1531501"/>
+            <a:ext cx="496563" cy="4708981"/>
+          </a:xfrm>
+          <a:prstGeom prst="rect">
+            <a:avLst/>
+          </a:prstGeom>
+        </p:spPr>
+        <p:txBody>
+          <a:bodyPr wrap="square">
+            <a:spAutoFit/>
+          </a:bodyPr>
+          <a:lstStyle/>
+          <a:p>
+            <a:r>
+              <a:rPr lang="en-US" altLang="ko-Kore-KR" sz="1200" dirty="0">
+                <a:solidFill>
+                  <a:srgbClr val="D97B73"/>
+                </a:solidFill>
+              </a:rPr>
+              <a:t>150</a:t>
+            </a:r>
+          </a:p>
+          <a:p>
+            <a:r>
+              <a:rPr lang="en-US" altLang="ko-Kore-KR" sz="1200" dirty="0">
+                <a:solidFill>
+                  <a:srgbClr val="D97B73"/>
+                </a:solidFill>
+              </a:rPr>
+              <a:t>151</a:t>
+            </a:r>
+          </a:p>
+          <a:p>
+            <a:r>
+              <a:rPr lang="en-US" altLang="ko-Kore-KR" sz="1200" dirty="0">
+                <a:solidFill>
+                  <a:srgbClr val="D97B73"/>
+                </a:solidFill>
+              </a:rPr>
+              <a:t>152</a:t>
+            </a:r>
+          </a:p>
+          <a:p>
+            <a:r>
+              <a:rPr lang="en-US" altLang="ko-Kore-KR" sz="1200" dirty="0">
+                <a:solidFill>
+                  <a:srgbClr val="D97B73"/>
+                </a:solidFill>
+              </a:rPr>
+              <a:t>153</a:t>
+            </a:r>
+          </a:p>
+          <a:p>
+            <a:r>
+              <a:rPr lang="en-US" altLang="ko-Kore-KR" sz="1200" dirty="0">
+                <a:solidFill>
+                  <a:srgbClr val="D97B73"/>
+                </a:solidFill>
+              </a:rPr>
+              <a:t>154</a:t>
+            </a:r>
+          </a:p>
+          <a:p>
+            <a:r>
+              <a:rPr lang="en-US" altLang="ko-Kore-KR" sz="1200" dirty="0">
+                <a:solidFill>
+                  <a:srgbClr val="D97B73"/>
+                </a:solidFill>
+              </a:rPr>
+              <a:t>155</a:t>
+            </a:r>
+          </a:p>
+          <a:p>
+            <a:r>
+              <a:rPr lang="en-US" altLang="ko-Kore-KR" sz="1200" dirty="0">
+                <a:solidFill>
+                  <a:srgbClr val="D97B73"/>
+                </a:solidFill>
+              </a:rPr>
+              <a:t>156</a:t>
+            </a:r>
+          </a:p>
+          <a:p>
+            <a:r>
+              <a:rPr lang="en-US" altLang="ko-Kore-KR" sz="1200" dirty="0">
+                <a:solidFill>
+                  <a:srgbClr val="D97B73"/>
+                </a:solidFill>
+              </a:rPr>
+              <a:t>157</a:t>
+            </a:r>
+          </a:p>
+          <a:p>
+            <a:r>
+              <a:rPr lang="en-US" altLang="ko-Kore-KR" sz="1200" dirty="0">
+                <a:solidFill>
+                  <a:srgbClr val="D97B73"/>
+                </a:solidFill>
+              </a:rPr>
+              <a:t>158</a:t>
+            </a:r>
+          </a:p>
+          <a:p>
+            <a:r>
+              <a:rPr lang="en-US" altLang="ko-Kore-KR" sz="1200" dirty="0">
+                <a:solidFill>
+                  <a:srgbClr val="D97B73"/>
+                </a:solidFill>
+              </a:rPr>
+              <a:t>159</a:t>
+            </a:r>
+          </a:p>
+          <a:p>
+            <a:r>
+              <a:rPr lang="en-US" altLang="ko-Kore-KR" sz="1200" dirty="0">
+                <a:solidFill>
+                  <a:srgbClr val="D97B73"/>
+                </a:solidFill>
+              </a:rPr>
+              <a:t>160</a:t>
+            </a:r>
+          </a:p>
+          <a:p>
+            <a:r>
+              <a:rPr lang="en-US" altLang="ko-Kore-KR" sz="1200" dirty="0">
+                <a:solidFill>
+                  <a:srgbClr val="D97B73"/>
+                </a:solidFill>
+              </a:rPr>
+              <a:t>161</a:t>
+            </a:r>
+          </a:p>
+          <a:p>
+            <a:r>
+              <a:rPr lang="en-US" altLang="ko-Kore-KR" sz="1200" dirty="0">
+                <a:solidFill>
+                  <a:srgbClr val="D97B73"/>
+                </a:solidFill>
+              </a:rPr>
+              <a:t>162</a:t>
+            </a:r>
+          </a:p>
+          <a:p>
+            <a:r>
+              <a:rPr lang="en-US" altLang="ko-Kore-KR" sz="1200" dirty="0">
+                <a:solidFill>
+                  <a:srgbClr val="D97B73"/>
+                </a:solidFill>
+              </a:rPr>
+              <a:t>163</a:t>
+            </a:r>
+          </a:p>
+          <a:p>
+            <a:r>
+              <a:rPr lang="en-US" altLang="ko-Kore-KR" sz="1200" dirty="0">
+                <a:solidFill>
+                  <a:srgbClr val="D97B73"/>
+                </a:solidFill>
+              </a:rPr>
+              <a:t>164</a:t>
+            </a:r>
+          </a:p>
+          <a:p>
+            <a:r>
+              <a:rPr lang="en-US" altLang="ko-Kore-KR" sz="1200" dirty="0">
+                <a:solidFill>
+                  <a:srgbClr val="D97B73"/>
+                </a:solidFill>
+              </a:rPr>
+              <a:t>165</a:t>
+            </a:r>
+          </a:p>
+          <a:p>
+            <a:r>
+              <a:rPr lang="en-US" altLang="ko-Kore-KR" sz="1200" dirty="0">
+                <a:solidFill>
+                  <a:srgbClr val="D97B73"/>
+                </a:solidFill>
+              </a:rPr>
+              <a:t>166</a:t>
+            </a:r>
+          </a:p>
+          <a:p>
+            <a:r>
+              <a:rPr lang="en-US" altLang="ko-Kore-KR" sz="1200" dirty="0">
+                <a:solidFill>
+                  <a:srgbClr val="D97B73"/>
+                </a:solidFill>
+              </a:rPr>
+              <a:t>167</a:t>
+            </a:r>
+          </a:p>
+          <a:p>
+            <a:r>
+              <a:rPr lang="en-US" altLang="ko-Kore-KR" sz="1200" dirty="0">
+                <a:solidFill>
+                  <a:srgbClr val="D97B73"/>
+                </a:solidFill>
+              </a:rPr>
+              <a:t>168</a:t>
+            </a:r>
+          </a:p>
+          <a:p>
+            <a:r>
+              <a:rPr lang="en-US" altLang="ko-Kore-KR" sz="1200" dirty="0">
+                <a:solidFill>
+                  <a:srgbClr val="D97B73"/>
+                </a:solidFill>
+              </a:rPr>
+              <a:t>169</a:t>
+            </a:r>
+          </a:p>
+          <a:p>
+            <a:r>
+              <a:rPr lang="en-US" altLang="ko-Kore-KR" sz="1200" dirty="0">
+                <a:solidFill>
+                  <a:srgbClr val="D97B73"/>
+                </a:solidFill>
+              </a:rPr>
+              <a:t>170</a:t>
+            </a:r>
+          </a:p>
+          <a:p>
+            <a:r>
+              <a:rPr lang="en-US" altLang="ko-Kore-KR" sz="1200" dirty="0">
+                <a:solidFill>
+                  <a:srgbClr val="D97B73"/>
+                </a:solidFill>
+              </a:rPr>
+              <a:t>171</a:t>
+            </a:r>
+          </a:p>
+          <a:p>
+            <a:r>
+              <a:rPr lang="en-US" altLang="ko-Kore-KR" sz="1200" dirty="0">
+                <a:solidFill>
+                  <a:srgbClr val="D97B73"/>
+                </a:solidFill>
+              </a:rPr>
+              <a:t>172</a:t>
+            </a:r>
+          </a:p>
+          <a:p>
+            <a:r>
+              <a:rPr lang="en-US" altLang="ko-Kore-KR" sz="1200" dirty="0">
+                <a:solidFill>
+                  <a:srgbClr val="D97B73"/>
+                </a:solidFill>
+              </a:rPr>
+              <a:t>173</a:t>
+            </a:r>
+          </a:p>
+          <a:p>
+            <a:r>
+              <a:rPr lang="en-US" altLang="ko-Kore-KR" sz="1200" dirty="0">
+                <a:solidFill>
+                  <a:srgbClr val="D97B73"/>
+                </a:solidFill>
+              </a:rPr>
+              <a:t>174</a:t>
+            </a:r>
+            <a:endParaRPr lang="ko-Kore-KR" altLang="en-US" sz="1200" dirty="0">
+              <a:solidFill>
+                <a:srgbClr val="D97B73"/>
+              </a:solidFill>
+            </a:endParaRPr>
+          </a:p>
+        </p:txBody>
+      </p:sp>
+    </p:spTree>
+    <p:extLst>
+      <p:ext uri="{BB962C8B-B14F-4D97-AF65-F5344CB8AC3E}">
+        <p14:creationId xmlns:p14="http://schemas.microsoft.com/office/powerpoint/2010/main" val="2497957633"/>
+      </p:ext>
+    </p:extLst>
+  </p:cSld>
+  <p:clrMapOvr>
+    <a:masterClrMapping/>
+  </p:clrMapOvr>
+</p:sld>
+</file>
+
+<file path=ppt/slides/slide25.xml><?xml version="1.0" encoding="utf-8"?>
+<p:sld xmlns:a="http://schemas.openxmlformats.org/drawingml/2006/main" xmlns:r="http://schemas.openxmlformats.org/officeDocument/2006/relationships" xmlns:p="http://schemas.openxmlformats.org/presentationml/2006/main">
+  <p:cSld>
+    <p:spTree>
+      <p:nvGrpSpPr>
+        <p:cNvPr id="1" name=""/>
+        <p:cNvGrpSpPr/>
+        <p:nvPr/>
+      </p:nvGrpSpPr>
+      <p:grpSpPr>
+        <a:xfrm>
+          <a:off x="0" y="0"/>
+          <a:ext cx="0" cy="0"/>
+          <a:chOff x="0" y="0"/>
+          <a:chExt cx="0" cy="0"/>
+        </a:xfrm>
+      </p:grpSpPr>
+      <p:sp>
+        <p:nvSpPr>
+          <p:cNvPr id="4" name="TextBox 3">
+            <a:extLst>
+              <a:ext uri="{FF2B5EF4-FFF2-40B4-BE49-F238E27FC236}">
+                <a16:creationId xmlns:a16="http://schemas.microsoft.com/office/drawing/2014/main" id="{9790CE72-C451-F647-B0EB-9967502E3A02}"/>
+              </a:ext>
+            </a:extLst>
+          </p:cNvPr>
+          <p:cNvSpPr txBox="1"/>
+          <p:nvPr/>
+        </p:nvSpPr>
+        <p:spPr>
+          <a:xfrm>
+            <a:off x="106326" y="202019"/>
+            <a:ext cx="11889731" cy="467885"/>
+          </a:xfrm>
+          <a:prstGeom prst="rect">
+            <a:avLst/>
+          </a:prstGeom>
+          <a:noFill/>
+        </p:spPr>
+        <p:txBody>
+          <a:bodyPr wrap="square" rtlCol="0">
+            <a:spAutoFit/>
+          </a:bodyPr>
+          <a:lstStyle/>
+          <a:p>
+            <a:pPr>
+              <a:lnSpc>
+                <a:spcPct val="150000"/>
+              </a:lnSpc>
+            </a:pPr>
+            <a:r>
+              <a:rPr kumimoji="1" lang="ko-KR" altLang="en-US" b="1" u="sng" dirty="0">
+                <a:solidFill>
+                  <a:srgbClr val="3D3D3D"/>
+                </a:solidFill>
+                <a:latin typeface="NanumSquareRound Regular" panose="020B0600000101010101" pitchFamily="34" charset="-127"/>
+                <a:ea typeface="NanumSquareRound Regular" panose="020B0600000101010101" pitchFamily="34" charset="-127"/>
+              </a:rPr>
+              <a:t>덧셈 성능 확인 </a:t>
+            </a:r>
+            <a:r>
+              <a:rPr kumimoji="1" lang="en-US" altLang="ko-KR" b="1" u="sng" dirty="0">
+                <a:solidFill>
+                  <a:srgbClr val="3D3D3D"/>
+                </a:solidFill>
+                <a:latin typeface="NanumSquareRound Regular" panose="020B0600000101010101" pitchFamily="34" charset="-127"/>
+                <a:ea typeface="NanumSquareRound Regular" panose="020B0600000101010101" pitchFamily="34" charset="-127"/>
+              </a:rPr>
+              <a:t>–</a:t>
+            </a:r>
+            <a:r>
+              <a:rPr kumimoji="1" lang="ko-KR" altLang="en-US" b="1" u="sng" dirty="0">
+                <a:solidFill>
+                  <a:srgbClr val="3D3D3D"/>
+                </a:solidFill>
+                <a:latin typeface="NanumSquareRound Regular" panose="020B0600000101010101" pitchFamily="34" charset="-127"/>
+                <a:ea typeface="NanumSquareRound Regular" panose="020B0600000101010101" pitchFamily="34" charset="-127"/>
+              </a:rPr>
+              <a:t> 앙상블</a:t>
+            </a:r>
+            <a:r>
+              <a:rPr kumimoji="1" lang="en-US" altLang="ko-KR" b="1" u="sng" dirty="0">
+                <a:solidFill>
+                  <a:srgbClr val="3D3D3D"/>
+                </a:solidFill>
+                <a:latin typeface="NanumSquareRound Regular" panose="020B0600000101010101" pitchFamily="34" charset="-127"/>
+                <a:ea typeface="NanumSquareRound Regular" panose="020B0600000101010101" pitchFamily="34" charset="-127"/>
+              </a:rPr>
+              <a:t>(</a:t>
+            </a:r>
+            <a:r>
+              <a:rPr kumimoji="1" lang="ko-KR" altLang="en-US" b="1" u="sng" dirty="0" err="1">
+                <a:solidFill>
+                  <a:srgbClr val="3D3D3D"/>
+                </a:solidFill>
+                <a:latin typeface="NanumSquareRound Regular" panose="020B0600000101010101" pitchFamily="34" charset="-127"/>
+                <a:ea typeface="NanumSquareRound Regular" panose="020B0600000101010101" pitchFamily="34" charset="-127"/>
+              </a:rPr>
+              <a:t>소프트보팅</a:t>
+            </a:r>
+            <a:r>
+              <a:rPr kumimoji="1" lang="en-US" altLang="ko-KR" b="1" u="sng" dirty="0">
+                <a:solidFill>
+                  <a:srgbClr val="3D3D3D"/>
+                </a:solidFill>
+                <a:latin typeface="NanumSquareRound Regular" panose="020B0600000101010101" pitchFamily="34" charset="-127"/>
+                <a:ea typeface="NanumSquareRound Regular" panose="020B0600000101010101" pitchFamily="34" charset="-127"/>
+              </a:rPr>
+              <a:t>,</a:t>
+            </a:r>
+            <a:r>
+              <a:rPr kumimoji="1" lang="ko-KR" altLang="en-US" b="1" u="sng" dirty="0">
+                <a:solidFill>
+                  <a:srgbClr val="3D3D3D"/>
+                </a:solidFill>
+                <a:latin typeface="NanumSquareRound Regular" panose="020B0600000101010101" pitchFamily="34" charset="-127"/>
+                <a:ea typeface="NanumSquareRound Regular" panose="020B0600000101010101" pitchFamily="34" charset="-127"/>
+              </a:rPr>
+              <a:t> 서바이벌</a:t>
+            </a:r>
+            <a:r>
+              <a:rPr kumimoji="1" lang="en-US" altLang="ko-KR" b="1" u="sng" dirty="0">
+                <a:solidFill>
+                  <a:srgbClr val="3D3D3D"/>
+                </a:solidFill>
+                <a:latin typeface="NanumSquareRound Regular" panose="020B0600000101010101" pitchFamily="34" charset="-127"/>
+                <a:ea typeface="NanumSquareRound Regular" panose="020B0600000101010101" pitchFamily="34" charset="-127"/>
+              </a:rPr>
+              <a:t>,</a:t>
+            </a:r>
+            <a:r>
+              <a:rPr kumimoji="1" lang="ko-KR" altLang="en-US" b="1" u="sng" dirty="0">
+                <a:solidFill>
+                  <a:srgbClr val="3D3D3D"/>
+                </a:solidFill>
+                <a:latin typeface="NanumSquareRound Regular" panose="020B0600000101010101" pitchFamily="34" charset="-127"/>
+                <a:ea typeface="NanumSquareRound Regular" panose="020B0600000101010101" pitchFamily="34" charset="-127"/>
+              </a:rPr>
+              <a:t> 다수결</a:t>
+            </a:r>
+            <a:r>
+              <a:rPr kumimoji="1" lang="en-US" altLang="ko-KR" b="1" u="sng" dirty="0">
+                <a:solidFill>
+                  <a:srgbClr val="3D3D3D"/>
+                </a:solidFill>
+                <a:latin typeface="NanumSquareRound Regular" panose="020B0600000101010101" pitchFamily="34" charset="-127"/>
+                <a:ea typeface="NanumSquareRound Regular" panose="020B0600000101010101" pitchFamily="34" charset="-127"/>
+              </a:rPr>
+              <a:t>)</a:t>
+            </a:r>
+            <a:r>
+              <a:rPr kumimoji="1" lang="ko-KR" altLang="en-US" b="1" u="sng" dirty="0">
+                <a:solidFill>
+                  <a:srgbClr val="3D3D3D"/>
+                </a:solidFill>
+                <a:latin typeface="NanumSquareRound Regular" panose="020B0600000101010101" pitchFamily="34" charset="-127"/>
+                <a:ea typeface="NanumSquareRound Regular" panose="020B0600000101010101" pitchFamily="34" charset="-127"/>
+              </a:rPr>
+              <a:t> 평균 비교</a:t>
+            </a:r>
+            <a:endParaRPr kumimoji="1" lang="en-US" altLang="ko-KR" b="1" u="sng" dirty="0">
+              <a:solidFill>
+                <a:srgbClr val="3D3D3D"/>
+              </a:solidFill>
+              <a:latin typeface="NanumSquareRound Regular" panose="020B0600000101010101" pitchFamily="34" charset="-127"/>
+              <a:ea typeface="NanumSquareRound Regular" panose="020B0600000101010101" pitchFamily="34" charset="-127"/>
+            </a:endParaRPr>
+          </a:p>
+        </p:txBody>
+      </p:sp>
       <p:sp>
         <p:nvSpPr>
           <p:cNvPr id="9" name="직사각형 8">
@@ -14055,8 +16528,8 @@
         </p:nvSpPr>
         <p:spPr>
           <a:xfrm>
-            <a:off x="924907" y="5625250"/>
-            <a:ext cx="3567708" cy="1030731"/>
+            <a:off x="8810993" y="6106828"/>
+            <a:ext cx="2603598" cy="707566"/>
           </a:xfrm>
           <a:prstGeom prst="rect">
             <a:avLst/>
@@ -14083,7 +16556,7 @@
                 <a:latin typeface="NanumSquareRound Regular" panose="020B0600000101010101" pitchFamily="34" charset="-127"/>
                 <a:ea typeface="NanumSquareRound Regular" panose="020B0600000101010101" pitchFamily="34" charset="-127"/>
               </a:rPr>
-              <a:t>서바이벌 버전 </a:t>
+              <a:t>다수결 버전 </a:t>
             </a:r>
             <a:r>
               <a:rPr kumimoji="1" lang="en-US" altLang="ko-KR" sz="1400" dirty="0">
@@ -14149,9 +16622,84 @@
                 <a:latin typeface="NanumSquareRound Regular" panose="020B0600000101010101" pitchFamily="34" charset="-127"/>
                 <a:ea typeface="NanumSquareRound Regular" panose="020B0600000101010101" pitchFamily="34" charset="-127"/>
               </a:rPr>
-              <a:t>100epoch accuracy 89.960%</a:t>
-            </a:r>
-          </a:p>
+              <a:t>5</a:t>
+            </a:r>
+            <a:r>
+              <a:rPr kumimoji="1" lang="ko-KR" altLang="en-US" sz="1400" dirty="0">
+                <a:solidFill>
+                  <a:srgbClr val="3D3D3D"/>
+                </a:solidFill>
+                <a:latin typeface="NanumSquareRound Regular" panose="020B0600000101010101" pitchFamily="34" charset="-127"/>
+                <a:ea typeface="NanumSquareRound Regular" panose="020B0600000101010101" pitchFamily="34" charset="-127"/>
+              </a:rPr>
+              <a:t>번 학습 후 평균</a:t>
+            </a:r>
+            <a:endParaRPr kumimoji="1" lang="en-US" altLang="ko-KR" sz="1400" dirty="0">
+              <a:solidFill>
+                <a:srgbClr val="3D3D3D"/>
+              </a:solidFill>
+              <a:latin typeface="NanumSquareRound Regular" panose="020B0600000101010101" pitchFamily="34" charset="-127"/>
+              <a:ea typeface="NanumSquareRound Regular" panose="020B0600000101010101" pitchFamily="34" charset="-127"/>
+            </a:endParaRPr>
+          </a:p>
+        </p:txBody>
+      </p:sp>
+      <p:pic>
+        <p:nvPicPr>
+          <p:cNvPr id="5" name="그림 4">
+            <a:extLst>
+              <a:ext uri="{FF2B5EF4-FFF2-40B4-BE49-F238E27FC236}">
+                <a16:creationId xmlns:a16="http://schemas.microsoft.com/office/drawing/2014/main" id="{BE377186-22D1-474A-BECA-C958FC7CC015}"/>
+              </a:ext>
+            </a:extLst>
+          </p:cNvPr>
+          <p:cNvPicPr>
+            <a:picLocks noChangeAspect="1"/>
+          </p:cNvPicPr>
+          <p:nvPr/>
+        </p:nvPicPr>
+        <p:blipFill>
+          <a:blip r:embed="rId3"/>
+          <a:stretch>
+            <a:fillRect/>
+          </a:stretch>
+        </p:blipFill>
+        <p:spPr>
+          <a:xfrm>
+            <a:off x="7977332" y="3108700"/>
+            <a:ext cx="4018725" cy="3014044"/>
+          </a:xfrm>
+          <a:prstGeom prst="rect">
+            <a:avLst/>
+          </a:prstGeom>
+        </p:spPr>
+      </p:pic>
+      <p:sp>
+        <p:nvSpPr>
+          <p:cNvPr id="8" name="직사각형 7">
+            <a:extLst>
+              <a:ext uri="{FF2B5EF4-FFF2-40B4-BE49-F238E27FC236}">
+                <a16:creationId xmlns:a16="http://schemas.microsoft.com/office/drawing/2014/main" id="{7A06DA58-7454-E042-9DEC-3EB3E1F3C24B}"/>
+              </a:ext>
+            </a:extLst>
+          </p:cNvPr>
+          <p:cNvSpPr/>
+          <p:nvPr/>
+        </p:nvSpPr>
+        <p:spPr>
+          <a:xfrm>
+            <a:off x="4619093" y="6106828"/>
+            <a:ext cx="2767104" cy="707566"/>
+          </a:xfrm>
+          <a:prstGeom prst="rect">
+            <a:avLst/>
+          </a:prstGeom>
+        </p:spPr>
+        <p:txBody>
+          <a:bodyPr wrap="none">
+            <a:spAutoFit/>
+          </a:bodyPr>
+          <a:lstStyle/>
           <a:p>
             <a:pPr marL="742950" lvl="1" indent="-285750">
               <a:lnSpc>
@@ -14161,6 +16709,16 @@
               <a:buChar char="•"/>
             </a:pPr>
             <a:r>
+              <a:rPr kumimoji="1" lang="ko-KR" altLang="en-US" sz="1400" dirty="0">
+                <a:solidFill>
+                  <a:srgbClr val="3D3D3D"/>
+                </a:solidFill>
+                <a:latin typeface="NanumSquareRound Regular" panose="020B0600000101010101" pitchFamily="34" charset="-127"/>
+                <a:ea typeface="NanumSquareRound Regular" panose="020B0600000101010101" pitchFamily="34" charset="-127"/>
+              </a:rPr>
+              <a:t>서바이벌 버전 </a:t>
+            </a:r>
+            <a:r>
               <a:rPr kumimoji="1" lang="en-US" altLang="ko-KR" sz="1400" dirty="0">
                 <a:solidFill>
                   <a:srgbClr val="3D3D3D"/>
@@ -14168,7 +16726,403 @@
                 <a:latin typeface="NanumSquareRound Regular" panose="020B0600000101010101" pitchFamily="34" charset="-127"/>
                 <a:ea typeface="NanumSquareRound Regular" panose="020B0600000101010101" pitchFamily="34" charset="-127"/>
               </a:rPr>
-              <a:t>200epoch accuracy : 95.220%</a:t>
+              <a:t>–</a:t>
+            </a:r>
+            <a:r>
+              <a:rPr kumimoji="1" lang="ko-KR" altLang="en-US" sz="1400" dirty="0">
+                <a:solidFill>
+                  <a:srgbClr val="3D3D3D"/>
+                </a:solidFill>
+                <a:latin typeface="NanumSquareRound Regular" panose="020B0600000101010101" pitchFamily="34" charset="-127"/>
+                <a:ea typeface="NanumSquareRound Regular" panose="020B0600000101010101" pitchFamily="34" charset="-127"/>
+              </a:rPr>
+              <a:t> 모델 </a:t>
+            </a:r>
+            <a:r>
+              <a:rPr kumimoji="1" lang="en-US" altLang="ko-KR" sz="1400" dirty="0">
+                <a:solidFill>
+                  <a:srgbClr val="3D3D3D"/>
+                </a:solidFill>
+                <a:latin typeface="NanumSquareRound Regular" panose="020B0600000101010101" pitchFamily="34" charset="-127"/>
+                <a:ea typeface="NanumSquareRound Regular" panose="020B0600000101010101" pitchFamily="34" charset="-127"/>
+              </a:rPr>
+              <a:t>5</a:t>
+            </a:r>
+            <a:r>
+              <a:rPr kumimoji="1" lang="ko-KR" altLang="en-US" sz="1400" dirty="0">
+                <a:solidFill>
+                  <a:srgbClr val="3D3D3D"/>
+                </a:solidFill>
+                <a:latin typeface="NanumSquareRound Regular" panose="020B0600000101010101" pitchFamily="34" charset="-127"/>
+                <a:ea typeface="NanumSquareRound Regular" panose="020B0600000101010101" pitchFamily="34" charset="-127"/>
+              </a:rPr>
+              <a:t>개</a:t>
+            </a:r>
+            <a:endParaRPr kumimoji="1" lang="en-US" altLang="ko-KR" sz="1400" dirty="0">
+              <a:solidFill>
+                <a:srgbClr val="3D3D3D"/>
+              </a:solidFill>
+              <a:latin typeface="NanumSquareRound Regular" panose="020B0600000101010101" pitchFamily="34" charset="-127"/>
+              <a:ea typeface="NanumSquareRound Regular" panose="020B0600000101010101" pitchFamily="34" charset="-127"/>
+            </a:endParaRPr>
+          </a:p>
+          <a:p>
+            <a:pPr marL="742950" lvl="1" indent="-285750">
+              <a:lnSpc>
+                <a:spcPct val="150000"/>
+              </a:lnSpc>
+              <a:buFont typeface="Arial" panose="020B0604020202020204" pitchFamily="34" charset="0"/>
+              <a:buChar char="•"/>
+            </a:pPr>
+            <a:r>
+              <a:rPr kumimoji="1" lang="en-US" altLang="ko-KR" sz="1400" dirty="0">
+                <a:solidFill>
+                  <a:srgbClr val="3D3D3D"/>
+                </a:solidFill>
+                <a:latin typeface="NanumSquareRound Regular" panose="020B0600000101010101" pitchFamily="34" charset="-127"/>
+                <a:ea typeface="NanumSquareRound Regular" panose="020B0600000101010101" pitchFamily="34" charset="-127"/>
+              </a:rPr>
+              <a:t>5</a:t>
+            </a:r>
+            <a:r>
+              <a:rPr kumimoji="1" lang="ko-KR" altLang="en-US" sz="1400" dirty="0">
+                <a:solidFill>
+                  <a:srgbClr val="3D3D3D"/>
+                </a:solidFill>
+                <a:latin typeface="NanumSquareRound Regular" panose="020B0600000101010101" pitchFamily="34" charset="-127"/>
+                <a:ea typeface="NanumSquareRound Regular" panose="020B0600000101010101" pitchFamily="34" charset="-127"/>
+              </a:rPr>
+              <a:t>번 학습 후 평균</a:t>
+            </a:r>
+            <a:endParaRPr kumimoji="1" lang="en-US" altLang="ko-KR" sz="1400" dirty="0">
+              <a:solidFill>
+                <a:srgbClr val="3D3D3D"/>
+              </a:solidFill>
+              <a:latin typeface="NanumSquareRound Regular" panose="020B0600000101010101" pitchFamily="34" charset="-127"/>
+              <a:ea typeface="NanumSquareRound Regular" panose="020B0600000101010101" pitchFamily="34" charset="-127"/>
+            </a:endParaRPr>
+          </a:p>
+        </p:txBody>
+      </p:sp>
+      <p:pic>
+        <p:nvPicPr>
+          <p:cNvPr id="10" name="그림 9">
+            <a:extLst>
+              <a:ext uri="{FF2B5EF4-FFF2-40B4-BE49-F238E27FC236}">
+                <a16:creationId xmlns:a16="http://schemas.microsoft.com/office/drawing/2014/main" id="{FB1DE1B7-2ED8-6546-918B-360F8B80EC0B}"/>
+              </a:ext>
+            </a:extLst>
+          </p:cNvPr>
+          <p:cNvPicPr>
+            <a:picLocks noChangeAspect="1"/>
+          </p:cNvPicPr>
+          <p:nvPr/>
+        </p:nvPicPr>
+        <p:blipFill>
+          <a:blip r:embed="rId4"/>
+          <a:stretch>
+            <a:fillRect/>
+          </a:stretch>
+        </p:blipFill>
+        <p:spPr>
+          <a:xfrm>
+            <a:off x="4027959" y="3160714"/>
+            <a:ext cx="3949373" cy="2962030"/>
+          </a:xfrm>
+          <a:prstGeom prst="rect">
+            <a:avLst/>
+          </a:prstGeom>
+        </p:spPr>
+      </p:pic>
+      <p:sp>
+        <p:nvSpPr>
+          <p:cNvPr id="11" name="직사각형 10">
+            <a:extLst>
+              <a:ext uri="{FF2B5EF4-FFF2-40B4-BE49-F238E27FC236}">
+                <a16:creationId xmlns:a16="http://schemas.microsoft.com/office/drawing/2014/main" id="{6B285EB6-5409-7F41-9C22-D5E1B5098044}"/>
+              </a:ext>
+            </a:extLst>
+          </p:cNvPr>
+          <p:cNvSpPr/>
+          <p:nvPr/>
+        </p:nvSpPr>
+        <p:spPr>
+          <a:xfrm>
+            <a:off x="471863" y="6106828"/>
+            <a:ext cx="3139001" cy="707566"/>
+          </a:xfrm>
+          <a:prstGeom prst="rect">
+            <a:avLst/>
+          </a:prstGeom>
+        </p:spPr>
+        <p:txBody>
+          <a:bodyPr wrap="none">
+            <a:spAutoFit/>
+          </a:bodyPr>
+          <a:lstStyle/>
+          <a:p>
+            <a:pPr marL="742950" lvl="1" indent="-285750">
+              <a:lnSpc>
+                <a:spcPct val="150000"/>
+              </a:lnSpc>
+              <a:buFont typeface="Arial" panose="020B0604020202020204" pitchFamily="34" charset="0"/>
+              <a:buChar char="•"/>
+            </a:pPr>
+            <a:r>
+              <a:rPr kumimoji="1" lang="ko-KR" altLang="en-US" sz="1400" dirty="0" err="1">
+                <a:solidFill>
+                  <a:srgbClr val="3D3D3D"/>
+                </a:solidFill>
+                <a:latin typeface="NanumSquareRound Regular" panose="020B0600000101010101" pitchFamily="34" charset="-127"/>
+                <a:ea typeface="NanumSquareRound Regular" panose="020B0600000101010101" pitchFamily="34" charset="-127"/>
+              </a:rPr>
+              <a:t>소프트보팅</a:t>
+            </a:r>
+            <a:r>
+              <a:rPr kumimoji="1" lang="ko-KR" altLang="en-US" sz="1400" dirty="0">
+                <a:solidFill>
+                  <a:srgbClr val="3D3D3D"/>
+                </a:solidFill>
+                <a:latin typeface="NanumSquareRound Regular" panose="020B0600000101010101" pitchFamily="34" charset="-127"/>
+                <a:ea typeface="NanumSquareRound Regular" panose="020B0600000101010101" pitchFamily="34" charset="-127"/>
+              </a:rPr>
+              <a:t> 앙상블  </a:t>
+            </a:r>
+            <a:r>
+              <a:rPr kumimoji="1" lang="en-US" altLang="ko-KR" sz="1400" dirty="0">
+                <a:solidFill>
+                  <a:srgbClr val="3D3D3D"/>
+                </a:solidFill>
+                <a:latin typeface="NanumSquareRound Regular" panose="020B0600000101010101" pitchFamily="34" charset="-127"/>
+                <a:ea typeface="NanumSquareRound Regular" panose="020B0600000101010101" pitchFamily="34" charset="-127"/>
+              </a:rPr>
+              <a:t>–</a:t>
+            </a:r>
+            <a:r>
+              <a:rPr kumimoji="1" lang="ko-KR" altLang="en-US" sz="1400" dirty="0">
+                <a:solidFill>
+                  <a:srgbClr val="3D3D3D"/>
+                </a:solidFill>
+                <a:latin typeface="NanumSquareRound Regular" panose="020B0600000101010101" pitchFamily="34" charset="-127"/>
+                <a:ea typeface="NanumSquareRound Regular" panose="020B0600000101010101" pitchFamily="34" charset="-127"/>
+              </a:rPr>
+              <a:t> 모델 </a:t>
+            </a:r>
+            <a:r>
+              <a:rPr kumimoji="1" lang="en-US" altLang="ko-KR" sz="1400" dirty="0">
+                <a:solidFill>
+                  <a:srgbClr val="3D3D3D"/>
+                </a:solidFill>
+                <a:latin typeface="NanumSquareRound Regular" panose="020B0600000101010101" pitchFamily="34" charset="-127"/>
+                <a:ea typeface="NanumSquareRound Regular" panose="020B0600000101010101" pitchFamily="34" charset="-127"/>
+              </a:rPr>
+              <a:t>5</a:t>
+            </a:r>
+            <a:r>
+              <a:rPr kumimoji="1" lang="ko-KR" altLang="en-US" sz="1400" dirty="0">
+                <a:solidFill>
+                  <a:srgbClr val="3D3D3D"/>
+                </a:solidFill>
+                <a:latin typeface="NanumSquareRound Regular" panose="020B0600000101010101" pitchFamily="34" charset="-127"/>
+                <a:ea typeface="NanumSquareRound Regular" panose="020B0600000101010101" pitchFamily="34" charset="-127"/>
+              </a:rPr>
+              <a:t>개</a:t>
+            </a:r>
+            <a:endParaRPr kumimoji="1" lang="en-US" altLang="ko-KR" sz="1400" dirty="0">
+              <a:solidFill>
+                <a:srgbClr val="3D3D3D"/>
+              </a:solidFill>
+              <a:latin typeface="NanumSquareRound Regular" panose="020B0600000101010101" pitchFamily="34" charset="-127"/>
+              <a:ea typeface="NanumSquareRound Regular" panose="020B0600000101010101" pitchFamily="34" charset="-127"/>
+            </a:endParaRPr>
+          </a:p>
+          <a:p>
+            <a:pPr marL="742950" lvl="1" indent="-285750">
+              <a:lnSpc>
+                <a:spcPct val="150000"/>
+              </a:lnSpc>
+              <a:buFont typeface="Arial" panose="020B0604020202020204" pitchFamily="34" charset="0"/>
+              <a:buChar char="•"/>
+            </a:pPr>
+            <a:r>
+              <a:rPr kumimoji="1" lang="en-US" altLang="ko-KR" sz="1400" dirty="0">
+                <a:solidFill>
+                  <a:srgbClr val="3D3D3D"/>
+                </a:solidFill>
+                <a:latin typeface="NanumSquareRound Regular" panose="020B0600000101010101" pitchFamily="34" charset="-127"/>
+                <a:ea typeface="NanumSquareRound Regular" panose="020B0600000101010101" pitchFamily="34" charset="-127"/>
+              </a:rPr>
+              <a:t>5</a:t>
+            </a:r>
+            <a:r>
+              <a:rPr kumimoji="1" lang="ko-KR" altLang="en-US" sz="1400" dirty="0">
+                <a:solidFill>
+                  <a:srgbClr val="3D3D3D"/>
+                </a:solidFill>
+                <a:latin typeface="NanumSquareRound Regular" panose="020B0600000101010101" pitchFamily="34" charset="-127"/>
+                <a:ea typeface="NanumSquareRound Regular" panose="020B0600000101010101" pitchFamily="34" charset="-127"/>
+              </a:rPr>
+              <a:t>번 학습 후 평균</a:t>
+            </a:r>
+            <a:endParaRPr kumimoji="1" lang="en-US" altLang="ko-KR" sz="1400" dirty="0">
+              <a:solidFill>
+                <a:srgbClr val="3D3D3D"/>
+              </a:solidFill>
+              <a:latin typeface="NanumSquareRound Regular" panose="020B0600000101010101" pitchFamily="34" charset="-127"/>
+              <a:ea typeface="NanumSquareRound Regular" panose="020B0600000101010101" pitchFamily="34" charset="-127"/>
+            </a:endParaRPr>
+          </a:p>
+        </p:txBody>
+      </p:sp>
+      <p:pic>
+        <p:nvPicPr>
+          <p:cNvPr id="12" name="그림 11">
+            <a:extLst>
+              <a:ext uri="{FF2B5EF4-FFF2-40B4-BE49-F238E27FC236}">
+                <a16:creationId xmlns:a16="http://schemas.microsoft.com/office/drawing/2014/main" id="{A5C317B4-569D-6F4E-AD7C-3BDEC3FB5C60}"/>
+              </a:ext>
+            </a:extLst>
+          </p:cNvPr>
+          <p:cNvPicPr>
+            <a:picLocks noChangeAspect="1"/>
+          </p:cNvPicPr>
+          <p:nvPr/>
+        </p:nvPicPr>
+        <p:blipFill>
+          <a:blip r:embed="rId5"/>
+          <a:stretch>
+            <a:fillRect/>
+          </a:stretch>
+        </p:blipFill>
+        <p:spPr>
+          <a:xfrm>
+            <a:off x="223988" y="3215240"/>
+            <a:ext cx="3803971" cy="2852978"/>
+          </a:xfrm>
+          <a:prstGeom prst="rect">
+            <a:avLst/>
+          </a:prstGeom>
+        </p:spPr>
+      </p:pic>
+      <p:pic>
+        <p:nvPicPr>
+          <p:cNvPr id="13" name="그림 12">
+            <a:extLst>
+              <a:ext uri="{FF2B5EF4-FFF2-40B4-BE49-F238E27FC236}">
+                <a16:creationId xmlns:a16="http://schemas.microsoft.com/office/drawing/2014/main" id="{34608320-8EA7-9D42-819D-35802E9D6DC0}"/>
+              </a:ext>
+            </a:extLst>
+          </p:cNvPr>
+          <p:cNvPicPr>
+            <a:picLocks noChangeAspect="1"/>
+          </p:cNvPicPr>
+          <p:nvPr/>
+        </p:nvPicPr>
+        <p:blipFill>
+          <a:blip r:embed="rId6"/>
+          <a:stretch>
+            <a:fillRect/>
+          </a:stretch>
+        </p:blipFill>
+        <p:spPr>
+          <a:xfrm>
+            <a:off x="3165830" y="789782"/>
+            <a:ext cx="3290387" cy="2467790"/>
+          </a:xfrm>
+          <a:prstGeom prst="rect">
+            <a:avLst/>
+          </a:prstGeom>
+        </p:spPr>
+      </p:pic>
+      <p:sp>
+        <p:nvSpPr>
+          <p:cNvPr id="14" name="직사각형 13">
+            <a:extLst>
+              <a:ext uri="{FF2B5EF4-FFF2-40B4-BE49-F238E27FC236}">
+                <a16:creationId xmlns:a16="http://schemas.microsoft.com/office/drawing/2014/main" id="{36DB9001-D7B8-DD44-8089-EA38B76166CD}"/>
+              </a:ext>
+            </a:extLst>
+          </p:cNvPr>
+          <p:cNvSpPr/>
+          <p:nvPr/>
+        </p:nvSpPr>
+        <p:spPr>
+          <a:xfrm>
+            <a:off x="5633230" y="1812198"/>
+            <a:ext cx="3290388" cy="707566"/>
+          </a:xfrm>
+          <a:prstGeom prst="rect">
+            <a:avLst/>
+          </a:prstGeom>
+        </p:spPr>
+        <p:txBody>
+          <a:bodyPr wrap="none">
+            <a:spAutoFit/>
+          </a:bodyPr>
+          <a:lstStyle/>
+          <a:p>
+            <a:pPr marL="742950" lvl="1" indent="-285750">
+              <a:lnSpc>
+                <a:spcPct val="150000"/>
+              </a:lnSpc>
+              <a:buFont typeface="Arial" panose="020B0604020202020204" pitchFamily="34" charset="0"/>
+              <a:buChar char="•"/>
+            </a:pPr>
+            <a:r>
+              <a:rPr kumimoji="1" lang="ko-KR" altLang="en-US" sz="1400" dirty="0">
+                <a:solidFill>
+                  <a:srgbClr val="3D3D3D"/>
+                </a:solidFill>
+                <a:latin typeface="NanumSquareRound Regular" panose="020B0600000101010101" pitchFamily="34" charset="-127"/>
+                <a:ea typeface="NanumSquareRound Regular" panose="020B0600000101010101" pitchFamily="34" charset="-127"/>
+              </a:rPr>
+              <a:t>단일 모델 </a:t>
+            </a:r>
+            <a:r>
+              <a:rPr kumimoji="1" lang="en-US" altLang="ko-KR" sz="1400" dirty="0">
+                <a:solidFill>
+                  <a:srgbClr val="3D3D3D"/>
+                </a:solidFill>
+                <a:latin typeface="NanumSquareRound Regular" panose="020B0600000101010101" pitchFamily="34" charset="-127"/>
+                <a:ea typeface="NanumSquareRound Regular" panose="020B0600000101010101" pitchFamily="34" charset="-127"/>
+              </a:rPr>
+              <a:t>1</a:t>
+            </a:r>
+            <a:r>
+              <a:rPr kumimoji="1" lang="ko-KR" altLang="en-US" sz="1400" dirty="0">
+                <a:solidFill>
+                  <a:srgbClr val="3D3D3D"/>
+                </a:solidFill>
+                <a:latin typeface="NanumSquareRound Regular" panose="020B0600000101010101" pitchFamily="34" charset="-127"/>
+                <a:ea typeface="NanumSquareRound Regular" panose="020B0600000101010101" pitchFamily="34" charset="-127"/>
+              </a:rPr>
+              <a:t>번</a:t>
+            </a:r>
+            <a:endParaRPr kumimoji="1" lang="en-US" altLang="ko-KR" sz="1400" dirty="0">
+              <a:solidFill>
+                <a:srgbClr val="3D3D3D"/>
+              </a:solidFill>
+              <a:latin typeface="NanumSquareRound Regular" panose="020B0600000101010101" pitchFamily="34" charset="-127"/>
+              <a:ea typeface="NanumSquareRound Regular" panose="020B0600000101010101" pitchFamily="34" charset="-127"/>
+            </a:endParaRPr>
+          </a:p>
+          <a:p>
+            <a:pPr marL="742950" lvl="1" indent="-285750">
+              <a:lnSpc>
+                <a:spcPct val="150000"/>
+              </a:lnSpc>
+              <a:buFont typeface="Arial" panose="020B0604020202020204" pitchFamily="34" charset="0"/>
+              <a:buChar char="•"/>
+            </a:pPr>
+            <a:r>
+              <a:rPr kumimoji="1" lang="en-US" altLang="ko-KR" sz="1400" dirty="0">
+                <a:solidFill>
+                  <a:srgbClr val="3D3D3D"/>
+                </a:solidFill>
+                <a:latin typeface="NanumSquareRound Regular" panose="020B0600000101010101" pitchFamily="34" charset="-127"/>
+                <a:ea typeface="NanumSquareRound Regular" panose="020B0600000101010101" pitchFamily="34" charset="-127"/>
+              </a:rPr>
+              <a:t>100epoch accuracy : 0.6816</a:t>
             </a:r>
           </a:p>
         </p:txBody>
@@ -14176,7 +17130,7 @@
     </p:spTree>
     <p:extLst>
       <p:ext uri="{BB962C8B-B14F-4D97-AF65-F5344CB8AC3E}">
-        <p14:creationId xmlns:p14="http://schemas.microsoft.com/office/powerpoint/2010/main" val="2497957633"/>
+        <p14:creationId xmlns:p14="http://schemas.microsoft.com/office/powerpoint/2010/main" val="466381733"/>
       </p:ext>
     </p:extLst>
   </p:cSld>

--- a/개인미팅준비.pptx
+++ b/개인미팅준비.pptx
@@ -5,7 +5,7 @@
     <p:sldMasterId id="2147483648" r:id="rId1"/>
   </p:sldMasterIdLst>
   <p:notesMasterIdLst>
-    <p:notesMasterId r:id="rId32"/>
+    <p:notesMasterId r:id="rId35"/>
   </p:notesMasterIdLst>
   <p:sldIdLst>
     <p:sldId id="286" r:id="rId2"/>
@@ -38,6 +38,9 @@
     <p:sldId id="282" r:id="rId29"/>
     <p:sldId id="283" r:id="rId30"/>
     <p:sldId id="285" r:id="rId31"/>
+    <p:sldId id="292" r:id="rId32"/>
+    <p:sldId id="294" r:id="rId33"/>
+    <p:sldId id="293" r:id="rId34"/>
   </p:sldIdLst>
   <p:sldSz cx="12192000" cy="6858000"/>
   <p:notesSz cx="6858000" cy="9144000"/>
@@ -226,7 +229,7 @@
           <a:p>
             <a:fld id="{1D131B2F-B9A1-8B41-9292-772B45C528AD}" type="datetimeFigureOut">
               <a:rPr kumimoji="1" lang="ko-Kore-KR" altLang="en-US" smtClean="0"/>
-              <a:t>2021. 10. 12.</a:t>
+              <a:t>2021. 10. 21.</a:t>
             </a:fld>
             <a:endParaRPr kumimoji="1" lang="ko-Kore-KR" altLang="en-US"/>
           </a:p>
@@ -2186,6 +2189,499 @@
 </p:notes>
 </file>
 
+<file path=ppt/notesSlides/notesSlide20.xml><?xml version="1.0" encoding="utf-8"?>
+<p:notes xmlns:a="http://schemas.openxmlformats.org/drawingml/2006/main" xmlns:r="http://schemas.openxmlformats.org/officeDocument/2006/relationships" xmlns:p="http://schemas.openxmlformats.org/presentationml/2006/main">
+  <p:cSld>
+    <p:spTree>
+      <p:nvGrpSpPr>
+        <p:cNvPr id="1" name=""/>
+        <p:cNvGrpSpPr/>
+        <p:nvPr/>
+      </p:nvGrpSpPr>
+      <p:grpSpPr>
+        <a:xfrm>
+          <a:off x="0" y="0"/>
+          <a:ext cx="0" cy="0"/>
+          <a:chOff x="0" y="0"/>
+          <a:chExt cx="0" cy="0"/>
+        </a:xfrm>
+      </p:grpSpPr>
+      <p:sp>
+        <p:nvSpPr>
+          <p:cNvPr id="2" name="슬라이드 이미지 개체 틀 1"/>
+          <p:cNvSpPr>
+            <a:spLocks noGrp="1" noRot="1" noChangeAspect="1"/>
+          </p:cNvSpPr>
+          <p:nvPr>
+            <p:ph type="sldImg"/>
+          </p:nvPr>
+        </p:nvSpPr>
+        <p:spPr/>
+      </p:sp>
+      <p:sp>
+        <p:nvSpPr>
+          <p:cNvPr id="3" name="슬라이드 노트 개체 틀 2"/>
+          <p:cNvSpPr>
+            <a:spLocks noGrp="1"/>
+          </p:cNvSpPr>
+          <p:nvPr>
+            <p:ph type="body" idx="1"/>
+          </p:nvPr>
+        </p:nvSpPr>
+        <p:spPr/>
+        <p:txBody>
+          <a:bodyPr/>
+          <a:lstStyle/>
+          <a:p>
+            <a:r>
+              <a:rPr kumimoji="1" lang="ko-Kore-KR" altLang="en-US" dirty="0"/>
+              <a:t>각 문자 별 확률 값에 따라 가장 큰 값을 가지는 문자를 출력해 </a:t>
+            </a:r>
+            <a:endParaRPr kumimoji="1" lang="en-US" altLang="ko-Kore-KR" dirty="0"/>
+          </a:p>
+          <a:p>
+            <a:r>
+              <a:rPr kumimoji="1" lang="ko-Kore-KR" altLang="en-US" dirty="0"/>
+              <a:t>최종 결과를 내고 있었습니다</a:t>
+            </a:r>
+            <a:r>
+              <a:rPr kumimoji="1" lang="en-US" altLang="ko-Kore-KR" dirty="0"/>
+              <a:t>.</a:t>
+            </a:r>
+          </a:p>
+          <a:p>
+            <a:endParaRPr kumimoji="1" lang="en-US" altLang="ko-Kore-KR" dirty="0"/>
+          </a:p>
+          <a:p>
+            <a:r>
+              <a:rPr kumimoji="1" lang="ko-Kore-KR" altLang="en-US" dirty="0"/>
+              <a:t>이 예에서는 </a:t>
+            </a:r>
+            <a:r>
+              <a:rPr kumimoji="1" lang="en-US" altLang="ko-Kore-KR" dirty="0"/>
+              <a:t>word </a:t>
+            </a:r>
+            <a:r>
+              <a:rPr kumimoji="1" lang="ko-Kore-KR" altLang="en-US" dirty="0"/>
+              <a:t>라는 단어가 들어오면</a:t>
+            </a:r>
+            <a:r>
+              <a:rPr kumimoji="1" lang="en-US" altLang="ko-Kore-KR" dirty="0"/>
+              <a:t>,</a:t>
+            </a:r>
+          </a:p>
+          <a:p>
+            <a:r>
+              <a:rPr kumimoji="1" lang="ko-Kore-KR" altLang="en-US" dirty="0"/>
+              <a:t>총 </a:t>
+            </a:r>
+            <a:r>
+              <a:rPr kumimoji="1" lang="en-US" altLang="ko-Kore-KR" dirty="0"/>
+              <a:t>4</a:t>
+            </a:r>
+            <a:r>
+              <a:rPr kumimoji="1" lang="en-US" altLang="ko-KR" dirty="0"/>
+              <a:t>5</a:t>
+            </a:r>
+            <a:r>
+              <a:rPr kumimoji="1" lang="ko-KR" altLang="en-US" dirty="0"/>
+              <a:t>개의 문자 중 가장 큰 값을 가진 인덱스에 해당하는 문자인 </a:t>
+            </a:r>
+            <a:r>
+              <a:rPr kumimoji="1" lang="en-US" altLang="ko-KR" dirty="0"/>
+              <a:t>‘</a:t>
+            </a:r>
+            <a:r>
+              <a:rPr kumimoji="1" lang="ko-KR" altLang="en-US" dirty="0"/>
+              <a:t>단어</a:t>
+            </a:r>
+            <a:r>
+              <a:rPr kumimoji="1" lang="en-US" altLang="ko-KR" dirty="0"/>
+              <a:t>’</a:t>
+            </a:r>
+            <a:r>
+              <a:rPr kumimoji="1" lang="ko-KR" altLang="en-US" dirty="0" err="1"/>
+              <a:t>를</a:t>
+            </a:r>
+            <a:r>
+              <a:rPr kumimoji="1" lang="ko-KR" altLang="en-US" dirty="0"/>
+              <a:t> 출력</a:t>
+            </a:r>
+            <a:endParaRPr kumimoji="1" lang="en-US" altLang="ko-KR" dirty="0"/>
+          </a:p>
+          <a:p>
+            <a:endParaRPr kumimoji="1" lang="ko-Kore-KR" altLang="en-US" dirty="0"/>
+          </a:p>
+        </p:txBody>
+      </p:sp>
+      <p:sp>
+        <p:nvSpPr>
+          <p:cNvPr id="4" name="슬라이드 번호 개체 틀 3"/>
+          <p:cNvSpPr>
+            <a:spLocks noGrp="1"/>
+          </p:cNvSpPr>
+          <p:nvPr>
+            <p:ph type="sldNum" sz="quarter" idx="5"/>
+          </p:nvPr>
+        </p:nvSpPr>
+        <p:spPr/>
+        <p:txBody>
+          <a:bodyPr/>
+          <a:lstStyle/>
+          <a:p>
+            <a:fld id="{B71B6669-FD07-494E-99BC-6FDB59A26255}" type="slidenum">
+              <a:rPr kumimoji="1" lang="ko-Kore-KR" altLang="en-US" smtClean="0"/>
+              <a:t>32</a:t>
+            </a:fld>
+            <a:endParaRPr kumimoji="1" lang="ko-Kore-KR" altLang="en-US"/>
+          </a:p>
+        </p:txBody>
+      </p:sp>
+    </p:spTree>
+    <p:extLst>
+      <p:ext uri="{BB962C8B-B14F-4D97-AF65-F5344CB8AC3E}">
+        <p14:creationId xmlns:p14="http://schemas.microsoft.com/office/powerpoint/2010/main" val="315012008"/>
+      </p:ext>
+    </p:extLst>
+  </p:cSld>
+  <p:clrMapOvr>
+    <a:masterClrMapping/>
+  </p:clrMapOvr>
+</p:notes>
+</file>
+
+<file path=ppt/notesSlides/notesSlide21.xml><?xml version="1.0" encoding="utf-8"?>
+<p:notes xmlns:a="http://schemas.openxmlformats.org/drawingml/2006/main" xmlns:r="http://schemas.openxmlformats.org/officeDocument/2006/relationships" xmlns:p="http://schemas.openxmlformats.org/presentationml/2006/main">
+  <p:cSld>
+    <p:spTree>
+      <p:nvGrpSpPr>
+        <p:cNvPr id="1" name=""/>
+        <p:cNvGrpSpPr/>
+        <p:nvPr/>
+      </p:nvGrpSpPr>
+      <p:grpSpPr>
+        <a:xfrm>
+          <a:off x="0" y="0"/>
+          <a:ext cx="0" cy="0"/>
+          <a:chOff x="0" y="0"/>
+          <a:chExt cx="0" cy="0"/>
+        </a:xfrm>
+      </p:grpSpPr>
+      <p:sp>
+        <p:nvSpPr>
+          <p:cNvPr id="2" name="슬라이드 이미지 개체 틀 1"/>
+          <p:cNvSpPr>
+            <a:spLocks noGrp="1" noRot="1" noChangeAspect="1"/>
+          </p:cNvSpPr>
+          <p:nvPr>
+            <p:ph type="sldImg"/>
+          </p:nvPr>
+        </p:nvSpPr>
+        <p:spPr/>
+      </p:sp>
+      <p:sp>
+        <p:nvSpPr>
+          <p:cNvPr id="3" name="슬라이드 노트 개체 틀 2"/>
+          <p:cNvSpPr>
+            <a:spLocks noGrp="1"/>
+          </p:cNvSpPr>
+          <p:nvPr>
+            <p:ph type="body" idx="1"/>
+          </p:nvPr>
+        </p:nvSpPr>
+        <p:spPr/>
+        <p:txBody>
+          <a:bodyPr/>
+          <a:lstStyle/>
+          <a:p>
+            <a:r>
+              <a:rPr kumimoji="1" lang="ko-Kore-KR" altLang="en-US" dirty="0"/>
+              <a:t>그런데 이 예제를 </a:t>
+            </a:r>
+            <a:r>
+              <a:rPr kumimoji="1" lang="en-US" altLang="ko-Kore-KR" dirty="0"/>
+              <a:t>word </a:t>
+            </a:r>
+            <a:r>
+              <a:rPr kumimoji="1" lang="ko-Kore-KR" altLang="en-US" dirty="0"/>
+              <a:t>와 비슷하게 </a:t>
+            </a:r>
+            <a:r>
+              <a:rPr kumimoji="1" lang="en-US" altLang="ko-Kore-KR" dirty="0" err="1"/>
+              <a:t>wodr</a:t>
+            </a:r>
+            <a:r>
+              <a:rPr kumimoji="1" lang="en-US" altLang="ko-Kore-KR" dirty="0"/>
+              <a:t> </a:t>
+            </a:r>
+            <a:r>
+              <a:rPr kumimoji="1" lang="ko-Kore-KR" altLang="en-US" dirty="0"/>
+              <a:t>을 번역하라고 주었을땐</a:t>
+            </a:r>
+            <a:r>
+              <a:rPr kumimoji="1" lang="en-US" altLang="ko-Kore-KR" dirty="0"/>
+              <a:t>,</a:t>
+            </a:r>
+          </a:p>
+          <a:p>
+            <a:r>
+              <a:rPr kumimoji="1" lang="ko-Kore-KR" altLang="en-US" dirty="0"/>
+              <a:t>나무 라고 </a:t>
+            </a:r>
+            <a:r>
+              <a:rPr kumimoji="1" lang="en-US" altLang="ko-Kore-KR" dirty="0"/>
+              <a:t>o</a:t>
+            </a:r>
+            <a:r>
+              <a:rPr kumimoji="1" lang="en-US" altLang="ko-KR" dirty="0"/>
+              <a:t>utput </a:t>
+            </a:r>
+            <a:r>
+              <a:rPr kumimoji="1" lang="ko-KR" altLang="en-US" dirty="0"/>
+              <a:t>을 주었습니다</a:t>
+            </a:r>
+            <a:r>
+              <a:rPr kumimoji="1" lang="en-US" altLang="ko-KR" dirty="0"/>
+              <a:t>.</a:t>
+            </a:r>
+          </a:p>
+          <a:p>
+            <a:r>
+              <a:rPr kumimoji="1" lang="ko-Kore-KR" altLang="en-US" dirty="0"/>
+              <a:t>실제로 </a:t>
+            </a:r>
+            <a:r>
+              <a:rPr kumimoji="1" lang="en-US" altLang="ko-Kore-KR" dirty="0"/>
+              <a:t>argmax </a:t>
+            </a:r>
+            <a:r>
+              <a:rPr kumimoji="1" lang="ko-Kore-KR" altLang="en-US" dirty="0"/>
+              <a:t>하기 전에 값을 출력해보니</a:t>
+            </a:r>
+            <a:r>
+              <a:rPr kumimoji="1" lang="en-US" altLang="ko-Kore-KR" dirty="0"/>
+              <a:t>,</a:t>
+            </a:r>
+          </a:p>
+          <a:p>
+            <a:r>
+              <a:rPr kumimoji="1" lang="en-US" altLang="ko-Kore-KR" dirty="0"/>
+              <a:t>＇</a:t>
+            </a:r>
+            <a:r>
+              <a:rPr kumimoji="1" lang="ko-Kore-KR" altLang="en-US" dirty="0"/>
+              <a:t>나무</a:t>
+            </a:r>
+            <a:r>
+              <a:rPr kumimoji="1" lang="en-US" altLang="ko-Kore-KR" dirty="0"/>
+              <a:t>’ </a:t>
+            </a:r>
+            <a:r>
+              <a:rPr kumimoji="1" lang="ko-Kore-KR" altLang="en-US" dirty="0"/>
+              <a:t>에 해당하는 인덱스들과 </a:t>
+            </a:r>
+            <a:r>
+              <a:rPr kumimoji="1" lang="en-US" altLang="ko-Kore-KR" dirty="0"/>
+              <a:t>‘</a:t>
+            </a:r>
+            <a:r>
+              <a:rPr kumimoji="1" lang="ko-Kore-KR" altLang="en-US" dirty="0"/>
+              <a:t>단어</a:t>
+            </a:r>
+            <a:r>
+              <a:rPr kumimoji="1" lang="en-US" altLang="ko-Kore-KR" dirty="0"/>
+              <a:t>’ </a:t>
+            </a:r>
+            <a:r>
+              <a:rPr kumimoji="1" lang="ko-Kore-KR" altLang="en-US" dirty="0"/>
+              <a:t>에 해당하는 인덱스에 해당하는 값들에 차이가 별로 나지 않는다는 것을 볼 수 있었습니다</a:t>
+            </a:r>
+            <a:r>
+              <a:rPr kumimoji="1" lang="en-US" altLang="ko-Kore-KR" dirty="0"/>
+              <a:t>.</a:t>
+            </a:r>
+          </a:p>
+          <a:p>
+            <a:endParaRPr kumimoji="1" lang="en-US" altLang="ko-Kore-KR" dirty="0"/>
+          </a:p>
+          <a:p>
+            <a:r>
+              <a:rPr kumimoji="1" lang="ko-Kore-KR" altLang="en-US" dirty="0"/>
+              <a:t>그래서 이때 </a:t>
+            </a:r>
+            <a:r>
+              <a:rPr kumimoji="1" lang="en-US" altLang="ko-Kore-KR" dirty="0"/>
+              <a:t>word</a:t>
+            </a:r>
+            <a:r>
+              <a:rPr kumimoji="1" lang="ko-Kore-KR" altLang="en-US" dirty="0"/>
+              <a:t>의 번역이 될 수 있는 </a:t>
+            </a:r>
+            <a:r>
+              <a:rPr kumimoji="1" lang="en-US" altLang="ko-Kore-KR" dirty="0"/>
+              <a:t>candidate </a:t>
+            </a:r>
+            <a:r>
+              <a:rPr kumimoji="1" lang="ko-Kore-KR" altLang="en-US" dirty="0"/>
+              <a:t>는 다른 인덱스보다 상대적으로 높은 점수를 가지고 있는 </a:t>
+            </a:r>
+            <a:r>
+              <a:rPr kumimoji="1" lang="en-US" altLang="ko-Kore-KR" dirty="0"/>
+              <a:t>‘</a:t>
+            </a:r>
+            <a:r>
+              <a:rPr kumimoji="1" lang="ko-Kore-KR" altLang="en-US" dirty="0"/>
+              <a:t>나무</a:t>
+            </a:r>
+            <a:r>
+              <a:rPr kumimoji="1" lang="en-US" altLang="ko-Kore-KR" dirty="0"/>
+              <a:t>’</a:t>
+            </a:r>
+            <a:r>
+              <a:rPr kumimoji="1" lang="ko-Kore-KR" altLang="en-US" dirty="0"/>
+              <a:t>와 </a:t>
+            </a:r>
+            <a:r>
+              <a:rPr kumimoji="1" lang="en-US" altLang="ko-KR" dirty="0"/>
+              <a:t>‘</a:t>
+            </a:r>
+            <a:r>
+              <a:rPr kumimoji="1" lang="ko-KR" altLang="en-US" dirty="0"/>
+              <a:t>단어</a:t>
+            </a:r>
+            <a:r>
+              <a:rPr kumimoji="1" lang="en-US" altLang="ko-KR" dirty="0"/>
+              <a:t>’</a:t>
+            </a:r>
+            <a:r>
+              <a:rPr kumimoji="1" lang="ko-KR" altLang="en-US" dirty="0" err="1"/>
+              <a:t>라고</a:t>
+            </a:r>
+            <a:r>
+              <a:rPr kumimoji="1" lang="ko-KR" altLang="en-US" dirty="0"/>
+              <a:t> 할 수 있고</a:t>
+            </a:r>
+            <a:endParaRPr kumimoji="1" lang="en-US" altLang="ko-KR" dirty="0"/>
+          </a:p>
+          <a:p>
+            <a:r>
+              <a:rPr kumimoji="1" lang="ko-KR" altLang="en-US" dirty="0"/>
+              <a:t>이를 활용해서 </a:t>
+            </a:r>
+            <a:r>
+              <a:rPr kumimoji="1" lang="en-US" altLang="ko-KR" dirty="0"/>
+              <a:t>Uncertainty </a:t>
+            </a:r>
+            <a:r>
+              <a:rPr kumimoji="1" lang="ko-KR" altLang="en-US" dirty="0" err="1"/>
+              <a:t>를</a:t>
+            </a:r>
+            <a:r>
+              <a:rPr kumimoji="1" lang="ko-KR" altLang="en-US" dirty="0"/>
+              <a:t> 구해볼 수 있을 것 같다는 결론을 얻었습니다</a:t>
+            </a:r>
+            <a:r>
+              <a:rPr kumimoji="1" lang="en-US" altLang="ko-KR" dirty="0"/>
+              <a:t>.</a:t>
+            </a:r>
+            <a:endParaRPr kumimoji="1" lang="en-US" altLang="ko-Kore-KR" dirty="0"/>
+          </a:p>
+          <a:p>
+            <a:endParaRPr kumimoji="1" lang="en-US" altLang="ko-Kore-KR" dirty="0"/>
+          </a:p>
+          <a:p>
+            <a:r>
+              <a:rPr kumimoji="1" lang="ko-Kore-KR" altLang="en-US" dirty="0"/>
+              <a:t>이 이후에 기계번역예제도 돌려보면서 </a:t>
+            </a:r>
+            <a:r>
+              <a:rPr kumimoji="1" lang="en-US" altLang="ko-Kore-KR" dirty="0"/>
+              <a:t>I love you </a:t>
+            </a:r>
+            <a:r>
+              <a:rPr kumimoji="1" lang="ko-Kore-KR" altLang="en-US" dirty="0"/>
+              <a:t>같이 연속적인 답에서</a:t>
+            </a:r>
+            <a:r>
+              <a:rPr kumimoji="1" lang="en-US" altLang="ko-Kore-KR" dirty="0"/>
+              <a:t> Uncertainty </a:t>
+            </a:r>
+            <a:r>
+              <a:rPr kumimoji="1" lang="ko-Kore-KR" altLang="en-US" dirty="0"/>
+              <a:t>는 어떻게 평가해야 하나 고민 하던 중</a:t>
+            </a:r>
+            <a:endParaRPr kumimoji="1" lang="en-US" altLang="ko-Kore-KR" dirty="0"/>
+          </a:p>
+          <a:p>
+            <a:r>
+              <a:rPr kumimoji="1" lang="en-US" altLang="ko-Kore-KR" dirty="0"/>
+              <a:t>RNN-Ensemble </a:t>
+            </a:r>
+            <a:r>
+              <a:rPr kumimoji="1" lang="ko-Kore-KR" altLang="en-US" dirty="0"/>
+              <a:t>을 먼저 진행하게 되었습</a:t>
+            </a:r>
+            <a:r>
+              <a:rPr kumimoji="1" lang="en-US" altLang="ko-Kore-KR" dirty="0"/>
+              <a:t>.</a:t>
+            </a:r>
+          </a:p>
+          <a:p>
+            <a:endParaRPr kumimoji="1" lang="en-US" altLang="ko-Kore-KR" dirty="0"/>
+          </a:p>
+          <a:p>
+            <a:r>
+              <a:rPr kumimoji="1" lang="en-US" altLang="ko-Kore-KR" dirty="0"/>
+              <a:t>(</a:t>
+            </a:r>
+            <a:r>
+              <a:rPr kumimoji="1" lang="ko-Kore-KR" altLang="en-US" dirty="0"/>
+              <a:t>자세한건 내 연구노트 확인해봐야 할 듯</a:t>
+            </a:r>
+            <a:r>
+              <a:rPr kumimoji="1" lang="en-US" altLang="ko-Kore-KR" dirty="0"/>
+              <a:t>)</a:t>
+            </a:r>
+            <a:endParaRPr kumimoji="1" lang="ko-Kore-KR" altLang="en-US" dirty="0"/>
+          </a:p>
+        </p:txBody>
+      </p:sp>
+      <p:sp>
+        <p:nvSpPr>
+          <p:cNvPr id="4" name="슬라이드 번호 개체 틀 3"/>
+          <p:cNvSpPr>
+            <a:spLocks noGrp="1"/>
+          </p:cNvSpPr>
+          <p:nvPr>
+            <p:ph type="sldNum" sz="quarter" idx="5"/>
+          </p:nvPr>
+        </p:nvSpPr>
+        <p:spPr/>
+        <p:txBody>
+          <a:bodyPr/>
+          <a:lstStyle/>
+          <a:p>
+            <a:fld id="{B71B6669-FD07-494E-99BC-6FDB59A26255}" type="slidenum">
+              <a:rPr kumimoji="1" lang="ko-Kore-KR" altLang="en-US" smtClean="0"/>
+              <a:t>33</a:t>
+            </a:fld>
+            <a:endParaRPr kumimoji="1" lang="ko-Kore-KR" altLang="en-US"/>
+          </a:p>
+        </p:txBody>
+      </p:sp>
+    </p:spTree>
+    <p:extLst>
+      <p:ext uri="{BB962C8B-B14F-4D97-AF65-F5344CB8AC3E}">
+        <p14:creationId xmlns:p14="http://schemas.microsoft.com/office/powerpoint/2010/main" val="3413917404"/>
+      </p:ext>
+    </p:extLst>
+  </p:cSld>
+  <p:clrMapOvr>
+    <a:masterClrMapping/>
+  </p:clrMapOvr>
+</p:notes>
+</file>
+
 <file path=ppt/notesSlides/notesSlide3.xml><?xml version="1.0" encoding="utf-8"?>
 <p:notes xmlns:a="http://schemas.openxmlformats.org/drawingml/2006/main" xmlns:r="http://schemas.openxmlformats.org/officeDocument/2006/relationships" xmlns:p="http://schemas.openxmlformats.org/presentationml/2006/main">
   <p:cSld>
@@ -3355,7 +3851,7 @@
           <a:p>
             <a:fld id="{853950EB-5035-BF40-82AA-6C9039F9D37B}" type="datetimeFigureOut">
               <a:rPr kumimoji="1" lang="ko-Kore-KR" altLang="en-US" smtClean="0"/>
-              <a:t>2021. 10. 12.</a:t>
+              <a:t>2021. 10. 21.</a:t>
             </a:fld>
             <a:endParaRPr kumimoji="1" lang="ko-Kore-KR" altLang="en-US"/>
           </a:p>
@@ -3555,7 +4051,7 @@
           <a:p>
             <a:fld id="{853950EB-5035-BF40-82AA-6C9039F9D37B}" type="datetimeFigureOut">
               <a:rPr kumimoji="1" lang="ko-Kore-KR" altLang="en-US" smtClean="0"/>
-              <a:t>2021. 10. 12.</a:t>
+              <a:t>2021. 10. 21.</a:t>
             </a:fld>
             <a:endParaRPr kumimoji="1" lang="ko-Kore-KR" altLang="en-US"/>
           </a:p>
@@ -3765,7 +4261,7 @@
           <a:p>
             <a:fld id="{853950EB-5035-BF40-82AA-6C9039F9D37B}" type="datetimeFigureOut">
               <a:rPr kumimoji="1" lang="ko-Kore-KR" altLang="en-US" smtClean="0"/>
-              <a:t>2021. 10. 12.</a:t>
+              <a:t>2021. 10. 21.</a:t>
             </a:fld>
             <a:endParaRPr kumimoji="1" lang="ko-Kore-KR" altLang="en-US"/>
           </a:p>
@@ -3965,7 +4461,7 @@
           <a:p>
             <a:fld id="{853950EB-5035-BF40-82AA-6C9039F9D37B}" type="datetimeFigureOut">
               <a:rPr kumimoji="1" lang="ko-Kore-KR" altLang="en-US" smtClean="0"/>
-              <a:t>2021. 10. 12.</a:t>
+              <a:t>2021. 10. 21.</a:t>
             </a:fld>
             <a:endParaRPr kumimoji="1" lang="ko-Kore-KR" altLang="en-US"/>
           </a:p>
@@ -4241,7 +4737,7 @@
           <a:p>
             <a:fld id="{853950EB-5035-BF40-82AA-6C9039F9D37B}" type="datetimeFigureOut">
               <a:rPr kumimoji="1" lang="ko-Kore-KR" altLang="en-US" smtClean="0"/>
-              <a:t>2021. 10. 12.</a:t>
+              <a:t>2021. 10. 21.</a:t>
             </a:fld>
             <a:endParaRPr kumimoji="1" lang="ko-Kore-KR" altLang="en-US"/>
           </a:p>
@@ -4509,7 +5005,7 @@
           <a:p>
             <a:fld id="{853950EB-5035-BF40-82AA-6C9039F9D37B}" type="datetimeFigureOut">
               <a:rPr kumimoji="1" lang="ko-Kore-KR" altLang="en-US" smtClean="0"/>
-              <a:t>2021. 10. 12.</a:t>
+              <a:t>2021. 10. 21.</a:t>
             </a:fld>
             <a:endParaRPr kumimoji="1" lang="ko-Kore-KR" altLang="en-US"/>
           </a:p>
@@ -4924,7 +5420,7 @@
           <a:p>
             <a:fld id="{853950EB-5035-BF40-82AA-6C9039F9D37B}" type="datetimeFigureOut">
               <a:rPr kumimoji="1" lang="ko-Kore-KR" altLang="en-US" smtClean="0"/>
-              <a:t>2021. 10. 12.</a:t>
+              <a:t>2021. 10. 21.</a:t>
             </a:fld>
             <a:endParaRPr kumimoji="1" lang="ko-Kore-KR" altLang="en-US"/>
           </a:p>
@@ -5066,7 +5562,7 @@
           <a:p>
             <a:fld id="{853950EB-5035-BF40-82AA-6C9039F9D37B}" type="datetimeFigureOut">
               <a:rPr kumimoji="1" lang="ko-Kore-KR" altLang="en-US" smtClean="0"/>
-              <a:t>2021. 10. 12.</a:t>
+              <a:t>2021. 10. 21.</a:t>
             </a:fld>
             <a:endParaRPr kumimoji="1" lang="ko-Kore-KR" altLang="en-US"/>
           </a:p>
@@ -5179,7 +5675,7 @@
           <a:p>
             <a:fld id="{853950EB-5035-BF40-82AA-6C9039F9D37B}" type="datetimeFigureOut">
               <a:rPr kumimoji="1" lang="ko-Kore-KR" altLang="en-US" smtClean="0"/>
-              <a:t>2021. 10. 12.</a:t>
+              <a:t>2021. 10. 21.</a:t>
             </a:fld>
             <a:endParaRPr kumimoji="1" lang="ko-Kore-KR" altLang="en-US"/>
           </a:p>
@@ -5492,7 +5988,7 @@
           <a:p>
             <a:fld id="{853950EB-5035-BF40-82AA-6C9039F9D37B}" type="datetimeFigureOut">
               <a:rPr kumimoji="1" lang="ko-Kore-KR" altLang="en-US" smtClean="0"/>
-              <a:t>2021. 10. 12.</a:t>
+              <a:t>2021. 10. 21.</a:t>
             </a:fld>
             <a:endParaRPr kumimoji="1" lang="ko-Kore-KR" altLang="en-US"/>
           </a:p>
@@ -5781,7 +6277,7 @@
           <a:p>
             <a:fld id="{853950EB-5035-BF40-82AA-6C9039F9D37B}" type="datetimeFigureOut">
               <a:rPr kumimoji="1" lang="ko-Kore-KR" altLang="en-US" smtClean="0"/>
-              <a:t>2021. 10. 12.</a:t>
+              <a:t>2021. 10. 21.</a:t>
             </a:fld>
             <a:endParaRPr kumimoji="1" lang="ko-Kore-KR" altLang="en-US"/>
           </a:p>
@@ -6024,7 +6520,7 @@
           <a:p>
             <a:fld id="{853950EB-5035-BF40-82AA-6C9039F9D37B}" type="datetimeFigureOut">
               <a:rPr kumimoji="1" lang="ko-Kore-KR" altLang="en-US" smtClean="0"/>
-              <a:t>2021. 10. 12.</a:t>
+              <a:t>2021. 10. 21.</a:t>
             </a:fld>
             <a:endParaRPr kumimoji="1" lang="ko-Kore-KR" altLang="en-US"/>
           </a:p>
@@ -7365,8 +7861,8 @@
             </a:p>
           </p:txBody>
         </p:sp>
-        <mc:AlternateContent xmlns:mc="http://schemas.openxmlformats.org/markup-compatibility/2006">
-          <mc:Choice xmlns:a14="http://schemas.microsoft.com/office/drawing/2010/main" Requires="a14">
+        <mc:AlternateContent xmlns:mc="http://schemas.openxmlformats.org/markup-compatibility/2006" xmlns:a14="http://schemas.microsoft.com/office/drawing/2010/main">
+          <mc:Choice Requires="a14">
             <p:sp>
               <p:nvSpPr>
                 <p:cNvPr id="44" name="TextBox 43">
@@ -7395,6 +7891,7 @@
                 </a:bodyPr>
                 <a:lstStyle/>
                 <a:p>
+                  <a:pPr/>
                   <a14:m>
                     <m:oMathPara xmlns:m="http://schemas.openxmlformats.org/officeDocument/2006/math">
                       <m:oMathParaPr>
@@ -7434,7 +7931,7 @@
               </p:txBody>
             </p:sp>
           </mc:Choice>
-          <mc:Fallback>
+          <mc:Fallback xmlns="">
             <p:sp>
               <p:nvSpPr>
                 <p:cNvPr id="44" name="TextBox 43">
@@ -7479,8 +7976,8 @@
             </p:sp>
           </mc:Fallback>
         </mc:AlternateContent>
-        <mc:AlternateContent xmlns:mc="http://schemas.openxmlformats.org/markup-compatibility/2006">
-          <mc:Choice xmlns:a14="http://schemas.microsoft.com/office/drawing/2010/main" Requires="a14">
+        <mc:AlternateContent xmlns:mc="http://schemas.openxmlformats.org/markup-compatibility/2006" xmlns:a14="http://schemas.microsoft.com/office/drawing/2010/main">
+          <mc:Choice Requires="a14">
             <p:sp>
               <p:nvSpPr>
                 <p:cNvPr id="46" name="TextBox 45">
@@ -7509,6 +8006,7 @@
                 </a:bodyPr>
                 <a:lstStyle/>
                 <a:p>
+                  <a:pPr/>
                   <a14:m>
                     <m:oMathPara xmlns:m="http://schemas.openxmlformats.org/officeDocument/2006/math">
                       <m:oMathParaPr>
@@ -7548,7 +8046,7 @@
               </p:txBody>
             </p:sp>
           </mc:Choice>
-          <mc:Fallback>
+          <mc:Fallback xmlns="">
             <p:sp>
               <p:nvSpPr>
                 <p:cNvPr id="46" name="TextBox 45">
@@ -7593,8 +8091,8 @@
             </p:sp>
           </mc:Fallback>
         </mc:AlternateContent>
-        <mc:AlternateContent xmlns:mc="http://schemas.openxmlformats.org/markup-compatibility/2006">
-          <mc:Choice xmlns:a14="http://schemas.microsoft.com/office/drawing/2010/main" Requires="a14">
+        <mc:AlternateContent xmlns:mc="http://schemas.openxmlformats.org/markup-compatibility/2006" xmlns:a14="http://schemas.microsoft.com/office/drawing/2010/main">
+          <mc:Choice Requires="a14">
             <p:sp>
               <p:nvSpPr>
                 <p:cNvPr id="47" name="TextBox 46">
@@ -7623,6 +8121,7 @@
                 </a:bodyPr>
                 <a:lstStyle/>
                 <a:p>
+                  <a:pPr/>
                   <a14:m>
                     <m:oMathPara xmlns:m="http://schemas.openxmlformats.org/officeDocument/2006/math">
                       <m:oMathParaPr>
@@ -7662,7 +8161,7 @@
               </p:txBody>
             </p:sp>
           </mc:Choice>
-          <mc:Fallback>
+          <mc:Fallback xmlns="">
             <p:sp>
               <p:nvSpPr>
                 <p:cNvPr id="47" name="TextBox 46">
@@ -7707,8 +8206,8 @@
             </p:sp>
           </mc:Fallback>
         </mc:AlternateContent>
-        <mc:AlternateContent xmlns:mc="http://schemas.openxmlformats.org/markup-compatibility/2006">
-          <mc:Choice xmlns:a14="http://schemas.microsoft.com/office/drawing/2010/main" Requires="a14">
+        <mc:AlternateContent xmlns:mc="http://schemas.openxmlformats.org/markup-compatibility/2006" xmlns:a14="http://schemas.microsoft.com/office/drawing/2010/main">
+          <mc:Choice Requires="a14">
             <p:sp>
               <p:nvSpPr>
                 <p:cNvPr id="48" name="TextBox 47">
@@ -7737,6 +8236,7 @@
                 </a:bodyPr>
                 <a:lstStyle/>
                 <a:p>
+                  <a:pPr/>
                   <a14:m>
                     <m:oMathPara xmlns:m="http://schemas.openxmlformats.org/officeDocument/2006/math">
                       <m:oMathParaPr>
@@ -7776,7 +8276,7 @@
               </p:txBody>
             </p:sp>
           </mc:Choice>
-          <mc:Fallback>
+          <mc:Fallback xmlns="">
             <p:sp>
               <p:nvSpPr>
                 <p:cNvPr id="48" name="TextBox 47">
@@ -8195,8 +8695,8 @@
             </p:style>
           </p:cxnSp>
         </p:grpSp>
-        <mc:AlternateContent xmlns:mc="http://schemas.openxmlformats.org/markup-compatibility/2006">
-          <mc:Choice xmlns:a14="http://schemas.microsoft.com/office/drawing/2010/main" Requires="a14">
+        <mc:AlternateContent xmlns:mc="http://schemas.openxmlformats.org/markup-compatibility/2006" xmlns:a14="http://schemas.microsoft.com/office/drawing/2010/main">
+          <mc:Choice Requires="a14">
             <p:sp>
               <p:nvSpPr>
                 <p:cNvPr id="81" name="TextBox 80">
@@ -8225,6 +8725,7 @@
                 </a:bodyPr>
                 <a:lstStyle/>
                 <a:p>
+                  <a:pPr/>
                   <a14:m>
                     <m:oMathPara xmlns:m="http://schemas.openxmlformats.org/officeDocument/2006/math">
                       <m:oMathParaPr>
@@ -8264,7 +8765,7 @@
               </p:txBody>
             </p:sp>
           </mc:Choice>
-          <mc:Fallback>
+          <mc:Fallback xmlns="">
             <p:sp>
               <p:nvSpPr>
                 <p:cNvPr id="81" name="TextBox 80">
@@ -8309,8 +8810,8 @@
             </p:sp>
           </mc:Fallback>
         </mc:AlternateContent>
-        <mc:AlternateContent xmlns:mc="http://schemas.openxmlformats.org/markup-compatibility/2006">
-          <mc:Choice xmlns:a14="http://schemas.microsoft.com/office/drawing/2010/main" Requires="a14">
+        <mc:AlternateContent xmlns:mc="http://schemas.openxmlformats.org/markup-compatibility/2006" xmlns:a14="http://schemas.microsoft.com/office/drawing/2010/main">
+          <mc:Choice Requires="a14">
             <p:sp>
               <p:nvSpPr>
                 <p:cNvPr id="82" name="TextBox 81">
@@ -8339,6 +8840,7 @@
                 </a:bodyPr>
                 <a:lstStyle/>
                 <a:p>
+                  <a:pPr/>
                   <a14:m>
                     <m:oMathPara xmlns:m="http://schemas.openxmlformats.org/officeDocument/2006/math">
                       <m:oMathParaPr>
@@ -8378,7 +8880,7 @@
               </p:txBody>
             </p:sp>
           </mc:Choice>
-          <mc:Fallback>
+          <mc:Fallback xmlns="">
             <p:sp>
               <p:nvSpPr>
                 <p:cNvPr id="82" name="TextBox 81">
@@ -8423,8 +8925,8 @@
             </p:sp>
           </mc:Fallback>
         </mc:AlternateContent>
-        <mc:AlternateContent xmlns:mc="http://schemas.openxmlformats.org/markup-compatibility/2006">
-          <mc:Choice xmlns:a14="http://schemas.microsoft.com/office/drawing/2010/main" Requires="a14">
+        <mc:AlternateContent xmlns:mc="http://schemas.openxmlformats.org/markup-compatibility/2006" xmlns:a14="http://schemas.microsoft.com/office/drawing/2010/main">
+          <mc:Choice Requires="a14">
             <p:sp>
               <p:nvSpPr>
                 <p:cNvPr id="83" name="TextBox 82">
@@ -8453,6 +8955,7 @@
                 </a:bodyPr>
                 <a:lstStyle/>
                 <a:p>
+                  <a:pPr/>
                   <a14:m>
                     <m:oMathPara xmlns:m="http://schemas.openxmlformats.org/officeDocument/2006/math">
                       <m:oMathParaPr>
@@ -8492,7 +8995,7 @@
               </p:txBody>
             </p:sp>
           </mc:Choice>
-          <mc:Fallback>
+          <mc:Fallback xmlns="">
             <p:sp>
               <p:nvSpPr>
                 <p:cNvPr id="83" name="TextBox 82">
@@ -8537,8 +9040,8 @@
             </p:sp>
           </mc:Fallback>
         </mc:AlternateContent>
-        <mc:AlternateContent xmlns:mc="http://schemas.openxmlformats.org/markup-compatibility/2006">
-          <mc:Choice xmlns:a14="http://schemas.microsoft.com/office/drawing/2010/main" Requires="a14">
+        <mc:AlternateContent xmlns:mc="http://schemas.openxmlformats.org/markup-compatibility/2006" xmlns:a14="http://schemas.microsoft.com/office/drawing/2010/main">
+          <mc:Choice Requires="a14">
             <p:sp>
               <p:nvSpPr>
                 <p:cNvPr id="84" name="TextBox 83">
@@ -8567,6 +9070,7 @@
                 </a:bodyPr>
                 <a:lstStyle/>
                 <a:p>
+                  <a:pPr/>
                   <a14:m>
                     <m:oMathPara xmlns:m="http://schemas.openxmlformats.org/officeDocument/2006/math">
                       <m:oMathParaPr>
@@ -8606,7 +9110,7 @@
               </p:txBody>
             </p:sp>
           </mc:Choice>
-          <mc:Fallback>
+          <mc:Fallback xmlns="">
             <p:sp>
               <p:nvSpPr>
                 <p:cNvPr id="84" name="TextBox 83">
@@ -16453,8 +16957,8 @@
               </a:fontRef>
             </p:style>
           </p:cxnSp>
-          <mc:AlternateContent xmlns:mc="http://schemas.openxmlformats.org/markup-compatibility/2006">
-            <mc:Choice xmlns:a14="http://schemas.microsoft.com/office/drawing/2010/main" Requires="a14">
+          <mc:AlternateContent xmlns:mc="http://schemas.openxmlformats.org/markup-compatibility/2006" xmlns:a14="http://schemas.microsoft.com/office/drawing/2010/main">
+            <mc:Choice Requires="a14">
               <p:sp>
                 <p:nvSpPr>
                   <p:cNvPr id="37" name="TextBox 36">
@@ -16483,6 +16987,7 @@
                   </a:bodyPr>
                   <a:lstStyle/>
                   <a:p>
+                    <a:pPr/>
                     <a14:m>
                       <m:oMathPara xmlns:m="http://schemas.openxmlformats.org/officeDocument/2006/math">
                         <m:oMathParaPr>
@@ -16530,7 +17035,7 @@
                 </p:txBody>
               </p:sp>
             </mc:Choice>
-            <mc:Fallback>
+            <mc:Fallback xmlns="">
               <p:sp>
                 <p:nvSpPr>
                   <p:cNvPr id="37" name="TextBox 36">
@@ -16619,8 +17124,8 @@
               </a:fontRef>
             </p:style>
           </p:cxnSp>
-          <mc:AlternateContent xmlns:mc="http://schemas.openxmlformats.org/markup-compatibility/2006">
-            <mc:Choice xmlns:a14="http://schemas.microsoft.com/office/drawing/2010/main" Requires="a14">
+          <mc:AlternateContent xmlns:mc="http://schemas.openxmlformats.org/markup-compatibility/2006" xmlns:a14="http://schemas.microsoft.com/office/drawing/2010/main">
+            <mc:Choice Requires="a14">
               <p:sp>
                 <p:nvSpPr>
                   <p:cNvPr id="39" name="TextBox 38">
@@ -16649,6 +17154,7 @@
                   </a:bodyPr>
                   <a:lstStyle/>
                   <a:p>
+                    <a:pPr/>
                     <a14:m>
                       <m:oMathPara xmlns:m="http://schemas.openxmlformats.org/officeDocument/2006/math">
                         <m:oMathParaPr>
@@ -16696,7 +17202,7 @@
                 </p:txBody>
               </p:sp>
             </mc:Choice>
-            <mc:Fallback>
+            <mc:Fallback xmlns="">
               <p:sp>
                 <p:nvSpPr>
                   <p:cNvPr id="39" name="TextBox 38">
@@ -16785,8 +17291,8 @@
               </a:fontRef>
             </p:style>
           </p:cxnSp>
-          <mc:AlternateContent xmlns:mc="http://schemas.openxmlformats.org/markup-compatibility/2006">
-            <mc:Choice xmlns:a14="http://schemas.microsoft.com/office/drawing/2010/main" Requires="a14">
+          <mc:AlternateContent xmlns:mc="http://schemas.openxmlformats.org/markup-compatibility/2006" xmlns:a14="http://schemas.microsoft.com/office/drawing/2010/main">
+            <mc:Choice Requires="a14">
               <p:sp>
                 <p:nvSpPr>
                   <p:cNvPr id="41" name="TextBox 40">
@@ -16815,6 +17321,7 @@
                   </a:bodyPr>
                   <a:lstStyle/>
                   <a:p>
+                    <a:pPr/>
                     <a14:m>
                       <m:oMathPara xmlns:m="http://schemas.openxmlformats.org/officeDocument/2006/math">
                         <m:oMathParaPr>
@@ -16862,7 +17369,7 @@
                 </p:txBody>
               </p:sp>
             </mc:Choice>
-            <mc:Fallback>
+            <mc:Fallback xmlns="">
               <p:sp>
                 <p:nvSpPr>
                   <p:cNvPr id="41" name="TextBox 40">
@@ -17502,8 +18009,8 @@
               </a:fontRef>
             </p:style>
           </p:cxnSp>
-          <mc:AlternateContent xmlns:mc="http://schemas.openxmlformats.org/markup-compatibility/2006">
-            <mc:Choice xmlns:a14="http://schemas.microsoft.com/office/drawing/2010/main" Requires="a14">
+          <mc:AlternateContent xmlns:mc="http://schemas.openxmlformats.org/markup-compatibility/2006" xmlns:a14="http://schemas.microsoft.com/office/drawing/2010/main">
+            <mc:Choice Requires="a14">
               <p:sp>
                 <p:nvSpPr>
                   <p:cNvPr id="53" name="TextBox 52">
@@ -17532,6 +18039,7 @@
                   </a:bodyPr>
                   <a:lstStyle/>
                   <a:p>
+                    <a:pPr/>
                     <a14:m>
                       <m:oMathPara xmlns:m="http://schemas.openxmlformats.org/officeDocument/2006/math">
                         <m:oMathParaPr>
@@ -17579,7 +18087,7 @@
                 </p:txBody>
               </p:sp>
             </mc:Choice>
-            <mc:Fallback>
+            <mc:Fallback xmlns="">
               <p:sp>
                 <p:nvSpPr>
                   <p:cNvPr id="53" name="TextBox 52">
@@ -17668,8 +18176,8 @@
               </a:fontRef>
             </p:style>
           </p:cxnSp>
-          <mc:AlternateContent xmlns:mc="http://schemas.openxmlformats.org/markup-compatibility/2006">
-            <mc:Choice xmlns:a14="http://schemas.microsoft.com/office/drawing/2010/main" Requires="a14">
+          <mc:AlternateContent xmlns:mc="http://schemas.openxmlformats.org/markup-compatibility/2006" xmlns:a14="http://schemas.microsoft.com/office/drawing/2010/main">
+            <mc:Choice Requires="a14">
               <p:sp>
                 <p:nvSpPr>
                   <p:cNvPr id="55" name="TextBox 54">
@@ -17698,6 +18206,7 @@
                   </a:bodyPr>
                   <a:lstStyle/>
                   <a:p>
+                    <a:pPr/>
                     <a14:m>
                       <m:oMathPara xmlns:m="http://schemas.openxmlformats.org/officeDocument/2006/math">
                         <m:oMathParaPr>
@@ -17745,7 +18254,7 @@
                 </p:txBody>
               </p:sp>
             </mc:Choice>
-            <mc:Fallback>
+            <mc:Fallback xmlns="">
               <p:sp>
                 <p:nvSpPr>
                   <p:cNvPr id="55" name="TextBox 54">
@@ -17834,8 +18343,8 @@
               </a:fontRef>
             </p:style>
           </p:cxnSp>
-          <mc:AlternateContent xmlns:mc="http://schemas.openxmlformats.org/markup-compatibility/2006">
-            <mc:Choice xmlns:a14="http://schemas.microsoft.com/office/drawing/2010/main" Requires="a14">
+          <mc:AlternateContent xmlns:mc="http://schemas.openxmlformats.org/markup-compatibility/2006" xmlns:a14="http://schemas.microsoft.com/office/drawing/2010/main">
+            <mc:Choice Requires="a14">
               <p:sp>
                 <p:nvSpPr>
                   <p:cNvPr id="57" name="TextBox 56">
@@ -17864,6 +18373,7 @@
                   </a:bodyPr>
                   <a:lstStyle/>
                   <a:p>
+                    <a:pPr/>
                     <a14:m>
                       <m:oMathPara xmlns:m="http://schemas.openxmlformats.org/officeDocument/2006/math">
                         <m:oMathParaPr>
@@ -17911,7 +18421,7 @@
                 </p:txBody>
               </p:sp>
             </mc:Choice>
-            <mc:Fallback>
+            <mc:Fallback xmlns="">
               <p:sp>
                 <p:nvSpPr>
                   <p:cNvPr id="57" name="TextBox 56">
@@ -18633,8 +19143,8 @@
               </a:fontRef>
             </p:style>
           </p:cxnSp>
-          <mc:AlternateContent xmlns:mc="http://schemas.openxmlformats.org/markup-compatibility/2006">
-            <mc:Choice xmlns:a14="http://schemas.microsoft.com/office/drawing/2010/main" Requires="a14">
+          <mc:AlternateContent xmlns:mc="http://schemas.openxmlformats.org/markup-compatibility/2006" xmlns:a14="http://schemas.microsoft.com/office/drawing/2010/main">
+            <mc:Choice Requires="a14">
               <p:sp>
                 <p:nvSpPr>
                   <p:cNvPr id="71" name="TextBox 70">
@@ -18663,6 +19173,7 @@
                   </a:bodyPr>
                   <a:lstStyle/>
                   <a:p>
+                    <a:pPr/>
                     <a14:m>
                       <m:oMathPara xmlns:m="http://schemas.openxmlformats.org/officeDocument/2006/math">
                         <m:oMathParaPr>
@@ -18716,7 +19227,7 @@
                 </p:txBody>
               </p:sp>
             </mc:Choice>
-            <mc:Fallback>
+            <mc:Fallback xmlns="">
               <p:sp>
                 <p:nvSpPr>
                   <p:cNvPr id="71" name="TextBox 70">
@@ -18805,8 +19316,8 @@
               </a:fontRef>
             </p:style>
           </p:cxnSp>
-          <mc:AlternateContent xmlns:mc="http://schemas.openxmlformats.org/markup-compatibility/2006">
-            <mc:Choice xmlns:a14="http://schemas.microsoft.com/office/drawing/2010/main" Requires="a14">
+          <mc:AlternateContent xmlns:mc="http://schemas.openxmlformats.org/markup-compatibility/2006" xmlns:a14="http://schemas.microsoft.com/office/drawing/2010/main">
+            <mc:Choice Requires="a14">
               <p:sp>
                 <p:nvSpPr>
                   <p:cNvPr id="73" name="TextBox 72">
@@ -18835,6 +19346,7 @@
                   </a:bodyPr>
                   <a:lstStyle/>
                   <a:p>
+                    <a:pPr/>
                     <a14:m>
                       <m:oMathPara xmlns:m="http://schemas.openxmlformats.org/officeDocument/2006/math">
                         <m:oMathParaPr>
@@ -18888,7 +19400,7 @@
                 </p:txBody>
               </p:sp>
             </mc:Choice>
-            <mc:Fallback>
+            <mc:Fallback xmlns="">
               <p:sp>
                 <p:nvSpPr>
                   <p:cNvPr id="73" name="TextBox 72">
@@ -18977,8 +19489,8 @@
               </a:fontRef>
             </p:style>
           </p:cxnSp>
-          <mc:AlternateContent xmlns:mc="http://schemas.openxmlformats.org/markup-compatibility/2006">
-            <mc:Choice xmlns:a14="http://schemas.microsoft.com/office/drawing/2010/main" Requires="a14">
+          <mc:AlternateContent xmlns:mc="http://schemas.openxmlformats.org/markup-compatibility/2006" xmlns:a14="http://schemas.microsoft.com/office/drawing/2010/main">
+            <mc:Choice Requires="a14">
               <p:sp>
                 <p:nvSpPr>
                   <p:cNvPr id="75" name="TextBox 74">
@@ -19007,6 +19519,7 @@
                   </a:bodyPr>
                   <a:lstStyle/>
                   <a:p>
+                    <a:pPr/>
                     <a14:m>
                       <m:oMathPara xmlns:m="http://schemas.openxmlformats.org/officeDocument/2006/math">
                         <m:oMathParaPr>
@@ -19060,7 +19573,7 @@
                 </p:txBody>
               </p:sp>
             </mc:Choice>
-            <mc:Fallback>
+            <mc:Fallback xmlns="">
               <p:sp>
                 <p:nvSpPr>
                   <p:cNvPr id="75" name="TextBox 74">
@@ -19272,8 +19785,8 @@
             </a:fontRef>
           </p:style>
         </p:cxnSp>
-        <mc:AlternateContent xmlns:mc="http://schemas.openxmlformats.org/markup-compatibility/2006">
-          <mc:Choice xmlns:a14="http://schemas.microsoft.com/office/drawing/2010/main" Requires="a14">
+        <mc:AlternateContent xmlns:mc="http://schemas.openxmlformats.org/markup-compatibility/2006" xmlns:a14="http://schemas.microsoft.com/office/drawing/2010/main">
+          <mc:Choice Requires="a14">
             <p:sp>
               <p:nvSpPr>
                 <p:cNvPr id="80" name="TextBox 79">
@@ -19302,6 +19815,7 @@
                 </a:bodyPr>
                 <a:lstStyle/>
                 <a:p>
+                  <a:pPr/>
                   <a14:m>
                     <m:oMathPara xmlns:m="http://schemas.openxmlformats.org/officeDocument/2006/math">
                       <m:oMathParaPr>
@@ -19354,7 +19868,7 @@
               </p:txBody>
             </p:sp>
           </mc:Choice>
-          <mc:Fallback>
+          <mc:Fallback xmlns="">
             <p:sp>
               <p:nvSpPr>
                 <p:cNvPr id="80" name="TextBox 79">
@@ -19551,8 +20065,8 @@
             </a:fontRef>
           </p:style>
         </p:cxnSp>
-        <mc:AlternateContent xmlns:mc="http://schemas.openxmlformats.org/markup-compatibility/2006">
-          <mc:Choice xmlns:a14="http://schemas.microsoft.com/office/drawing/2010/main" Requires="a14">
+        <mc:AlternateContent xmlns:mc="http://schemas.openxmlformats.org/markup-compatibility/2006" xmlns:a14="http://schemas.microsoft.com/office/drawing/2010/main">
+          <mc:Choice Requires="a14">
             <p:sp>
               <p:nvSpPr>
                 <p:cNvPr id="86" name="TextBox 85">
@@ -19581,6 +20095,7 @@
                 </a:bodyPr>
                 <a:lstStyle/>
                 <a:p>
+                  <a:pPr/>
                   <a14:m>
                     <m:oMathPara xmlns:m="http://schemas.openxmlformats.org/officeDocument/2006/math">
                       <m:oMathParaPr>
@@ -19633,7 +20148,7 @@
               </p:txBody>
             </p:sp>
           </mc:Choice>
-          <mc:Fallback>
+          <mc:Fallback xmlns="">
             <p:sp>
               <p:nvSpPr>
                 <p:cNvPr id="86" name="TextBox 85">
@@ -26888,9 +27403,9 @@
         <p:grpSpPr>
           <a:xfrm>
             <a:off x="1648349" y="278026"/>
-            <a:ext cx="9647831" cy="6339646"/>
+            <a:ext cx="9009403" cy="6339646"/>
             <a:chOff x="-562012" y="59254"/>
-            <a:chExt cx="11736034" cy="8669455"/>
+            <a:chExt cx="10959423" cy="8669455"/>
           </a:xfrm>
         </p:grpSpPr>
         <p:sp>
@@ -27521,8 +28036,8 @@
               </a:fontRef>
             </p:style>
           </p:cxnSp>
-          <mc:AlternateContent xmlns:mc="http://schemas.openxmlformats.org/markup-compatibility/2006">
-            <mc:Choice xmlns:a14="http://schemas.microsoft.com/office/drawing/2010/main" Requires="a14">
+          <mc:AlternateContent xmlns:mc="http://schemas.openxmlformats.org/markup-compatibility/2006" xmlns:a14="http://schemas.microsoft.com/office/drawing/2010/main">
+            <mc:Choice Requires="a14">
               <p:sp>
                 <p:nvSpPr>
                   <p:cNvPr id="84" name="TextBox 83">
@@ -27551,6 +28066,7 @@
                   </a:bodyPr>
                   <a:lstStyle/>
                   <a:p>
+                    <a:pPr/>
                     <a14:m>
                       <m:oMathPara xmlns:m="http://schemas.openxmlformats.org/officeDocument/2006/math">
                         <m:oMathParaPr>
@@ -27598,7 +28114,7 @@
                 </p:txBody>
               </p:sp>
             </mc:Choice>
-            <mc:Fallback>
+            <mc:Fallback xmlns="">
               <p:sp>
                 <p:nvSpPr>
                   <p:cNvPr id="84" name="TextBox 83">
@@ -28145,8 +28661,8 @@
               </a:p>
             </p:txBody>
           </p:sp>
-          <mc:AlternateContent xmlns:mc="http://schemas.openxmlformats.org/markup-compatibility/2006">
-            <mc:Choice xmlns:a14="http://schemas.microsoft.com/office/drawing/2010/main" Requires="a14">
+          <mc:AlternateContent xmlns:mc="http://schemas.openxmlformats.org/markup-compatibility/2006" xmlns:a14="http://schemas.microsoft.com/office/drawing/2010/main">
+            <mc:Choice Requires="a14">
               <p:sp>
                 <p:nvSpPr>
                   <p:cNvPr id="183" name="TextBox 182">
@@ -28175,6 +28691,7 @@
                   </a:bodyPr>
                   <a:lstStyle/>
                   <a:p>
+                    <a:pPr/>
                     <a14:m>
                       <m:oMathPara xmlns:m="http://schemas.openxmlformats.org/officeDocument/2006/math">
                         <m:oMathParaPr>
@@ -28222,7 +28739,7 @@
                 </p:txBody>
               </p:sp>
             </mc:Choice>
-            <mc:Fallback>
+            <mc:Fallback xmlns="">
               <p:sp>
                 <p:nvSpPr>
                   <p:cNvPr id="183" name="TextBox 182">
@@ -28267,8 +28784,8 @@
               </p:sp>
             </mc:Fallback>
           </mc:AlternateContent>
-          <mc:AlternateContent xmlns:mc="http://schemas.openxmlformats.org/markup-compatibility/2006">
-            <mc:Choice xmlns:a14="http://schemas.microsoft.com/office/drawing/2010/main" Requires="a14">
+          <mc:AlternateContent xmlns:mc="http://schemas.openxmlformats.org/markup-compatibility/2006" xmlns:a14="http://schemas.microsoft.com/office/drawing/2010/main">
+            <mc:Choice Requires="a14">
               <p:sp>
                 <p:nvSpPr>
                   <p:cNvPr id="184" name="TextBox 183">
@@ -28297,6 +28814,7 @@
                   </a:bodyPr>
                   <a:lstStyle/>
                   <a:p>
+                    <a:pPr/>
                     <a14:m>
                       <m:oMathPara xmlns:m="http://schemas.openxmlformats.org/officeDocument/2006/math">
                         <m:oMathParaPr>
@@ -28344,7 +28862,7 @@
                 </p:txBody>
               </p:sp>
             </mc:Choice>
-            <mc:Fallback>
+            <mc:Fallback xmlns="">
               <p:sp>
                 <p:nvSpPr>
                   <p:cNvPr id="184" name="TextBox 183">
@@ -28389,8 +28907,8 @@
               </p:sp>
             </mc:Fallback>
           </mc:AlternateContent>
-          <mc:AlternateContent xmlns:mc="http://schemas.openxmlformats.org/markup-compatibility/2006">
-            <mc:Choice xmlns:a14="http://schemas.microsoft.com/office/drawing/2010/main" Requires="a14">
+          <mc:AlternateContent xmlns:mc="http://schemas.openxmlformats.org/markup-compatibility/2006" xmlns:a14="http://schemas.microsoft.com/office/drawing/2010/main">
+            <mc:Choice Requires="a14">
               <p:sp>
                 <p:nvSpPr>
                   <p:cNvPr id="185" name="TextBox 184">
@@ -28419,6 +28937,7 @@
                   </a:bodyPr>
                   <a:lstStyle/>
                   <a:p>
+                    <a:pPr/>
                     <a14:m>
                       <m:oMathPara xmlns:m="http://schemas.openxmlformats.org/officeDocument/2006/math">
                         <m:oMathParaPr>
@@ -28466,7 +28985,7 @@
                 </p:txBody>
               </p:sp>
             </mc:Choice>
-            <mc:Fallback>
+            <mc:Fallback xmlns="">
               <p:sp>
                 <p:nvSpPr>
                   <p:cNvPr id="185" name="TextBox 184">
@@ -29826,8 +30345,8 @@
               </a:fontRef>
             </p:style>
           </p:cxnSp>
-          <mc:AlternateContent xmlns:mc="http://schemas.openxmlformats.org/markup-compatibility/2006">
-            <mc:Choice xmlns:a14="http://schemas.microsoft.com/office/drawing/2010/main" Requires="a14">
+          <mc:AlternateContent xmlns:mc="http://schemas.openxmlformats.org/markup-compatibility/2006" xmlns:a14="http://schemas.microsoft.com/office/drawing/2010/main">
+            <mc:Choice Requires="a14">
               <p:sp>
                 <p:nvSpPr>
                   <p:cNvPr id="82" name="TextBox 81">
@@ -29856,6 +30375,7 @@
                   </a:bodyPr>
                   <a:lstStyle/>
                   <a:p>
+                    <a:pPr/>
                     <a14:m>
                       <m:oMathPara xmlns:m="http://schemas.openxmlformats.org/officeDocument/2006/math">
                         <m:oMathParaPr>
@@ -29903,7 +30423,7 @@
                 </p:txBody>
               </p:sp>
             </mc:Choice>
-            <mc:Fallback>
+            <mc:Fallback xmlns="">
               <p:sp>
                 <p:nvSpPr>
                   <p:cNvPr id="82" name="TextBox 81">
@@ -29948,8 +30468,8 @@
               </p:sp>
             </mc:Fallback>
           </mc:AlternateContent>
-          <mc:AlternateContent xmlns:mc="http://schemas.openxmlformats.org/markup-compatibility/2006">
-            <mc:Choice xmlns:a14="http://schemas.microsoft.com/office/drawing/2010/main" Requires="a14">
+          <mc:AlternateContent xmlns:mc="http://schemas.openxmlformats.org/markup-compatibility/2006" xmlns:a14="http://schemas.microsoft.com/office/drawing/2010/main">
+            <mc:Choice Requires="a14">
               <p:sp>
                 <p:nvSpPr>
                   <p:cNvPr id="165" name="TextBox 164">
@@ -29978,6 +30498,7 @@
                   </a:bodyPr>
                   <a:lstStyle/>
                   <a:p>
+                    <a:pPr/>
                     <a14:m>
                       <m:oMathPara xmlns:m="http://schemas.openxmlformats.org/officeDocument/2006/math">
                         <m:oMathParaPr>
@@ -30025,7 +30546,7 @@
                 </p:txBody>
               </p:sp>
             </mc:Choice>
-            <mc:Fallback>
+            <mc:Fallback xmlns="">
               <p:sp>
                 <p:nvSpPr>
                   <p:cNvPr id="165" name="TextBox 164">
@@ -30070,8 +30591,8 @@
               </p:sp>
             </mc:Fallback>
           </mc:AlternateContent>
-          <mc:AlternateContent xmlns:mc="http://schemas.openxmlformats.org/markup-compatibility/2006">
-            <mc:Choice xmlns:a14="http://schemas.microsoft.com/office/drawing/2010/main" Requires="a14">
+          <mc:AlternateContent xmlns:mc="http://schemas.openxmlformats.org/markup-compatibility/2006" xmlns:a14="http://schemas.microsoft.com/office/drawing/2010/main">
+            <mc:Choice Requires="a14">
               <p:sp>
                 <p:nvSpPr>
                   <p:cNvPr id="166" name="TextBox 165">
@@ -30100,6 +30621,7 @@
                   </a:bodyPr>
                   <a:lstStyle/>
                   <a:p>
+                    <a:pPr/>
                     <a14:m>
                       <m:oMathPara xmlns:m="http://schemas.openxmlformats.org/officeDocument/2006/math">
                         <m:oMathParaPr>
@@ -30147,7 +30669,7 @@
                 </p:txBody>
               </p:sp>
             </mc:Choice>
-            <mc:Fallback>
+            <mc:Fallback xmlns="">
               <p:sp>
                 <p:nvSpPr>
                   <p:cNvPr id="166" name="TextBox 165">
@@ -30192,8 +30714,8 @@
               </p:sp>
             </mc:Fallback>
           </mc:AlternateContent>
-          <mc:AlternateContent xmlns:mc="http://schemas.openxmlformats.org/markup-compatibility/2006">
-            <mc:Choice xmlns:a14="http://schemas.microsoft.com/office/drawing/2010/main" Requires="a14">
+          <mc:AlternateContent xmlns:mc="http://schemas.openxmlformats.org/markup-compatibility/2006" xmlns:a14="http://schemas.microsoft.com/office/drawing/2010/main">
+            <mc:Choice Requires="a14">
               <p:sp>
                 <p:nvSpPr>
                   <p:cNvPr id="167" name="TextBox 166">
@@ -30222,6 +30744,7 @@
                   </a:bodyPr>
                   <a:lstStyle/>
                   <a:p>
+                    <a:pPr/>
                     <a14:m>
                       <m:oMathPara xmlns:m="http://schemas.openxmlformats.org/officeDocument/2006/math">
                         <m:oMathParaPr>
@@ -30269,7 +30792,7 @@
                 </p:txBody>
               </p:sp>
             </mc:Choice>
-            <mc:Fallback>
+            <mc:Fallback xmlns="">
               <p:sp>
                 <p:nvSpPr>
                   <p:cNvPr id="167" name="TextBox 166">
@@ -31132,8 +31655,8 @@
               </a:fontRef>
             </p:style>
           </p:cxnSp>
-          <mc:AlternateContent xmlns:mc="http://schemas.openxmlformats.org/markup-compatibility/2006">
-            <mc:Choice xmlns:a14="http://schemas.microsoft.com/office/drawing/2010/main" Requires="a14">
+          <mc:AlternateContent xmlns:mc="http://schemas.openxmlformats.org/markup-compatibility/2006" xmlns:a14="http://schemas.microsoft.com/office/drawing/2010/main">
+            <mc:Choice Requires="a14">
               <p:sp>
                 <p:nvSpPr>
                   <p:cNvPr id="86" name="TextBox 85">
@@ -31162,6 +31685,7 @@
                   </a:bodyPr>
                   <a:lstStyle/>
                   <a:p>
+                    <a:pPr/>
                     <a14:m>
                       <m:oMathPara xmlns:m="http://schemas.openxmlformats.org/officeDocument/2006/math">
                         <m:oMathParaPr>
@@ -31209,7 +31733,7 @@
                 </p:txBody>
               </p:sp>
             </mc:Choice>
-            <mc:Fallback>
+            <mc:Fallback xmlns="">
               <p:sp>
                 <p:nvSpPr>
                   <p:cNvPr id="86" name="TextBox 85">
@@ -31755,8 +32279,8 @@
               </a:p>
             </p:txBody>
           </p:sp>
-          <mc:AlternateContent xmlns:mc="http://schemas.openxmlformats.org/markup-compatibility/2006">
-            <mc:Choice xmlns:a14="http://schemas.microsoft.com/office/drawing/2010/main" Requires="a14">
+          <mc:AlternateContent xmlns:mc="http://schemas.openxmlformats.org/markup-compatibility/2006" xmlns:a14="http://schemas.microsoft.com/office/drawing/2010/main">
+            <mc:Choice Requires="a14">
               <p:sp>
                 <p:nvSpPr>
                   <p:cNvPr id="215" name="TextBox 214">
@@ -31785,6 +32309,7 @@
                   </a:bodyPr>
                   <a:lstStyle/>
                   <a:p>
+                    <a:pPr/>
                     <a14:m>
                       <m:oMathPara xmlns:m="http://schemas.openxmlformats.org/officeDocument/2006/math">
                         <m:oMathParaPr>
@@ -31832,7 +32357,7 @@
                 </p:txBody>
               </p:sp>
             </mc:Choice>
-            <mc:Fallback>
+            <mc:Fallback xmlns="">
               <p:sp>
                 <p:nvSpPr>
                   <p:cNvPr id="215" name="TextBox 214">
@@ -31877,8 +32402,8 @@
               </p:sp>
             </mc:Fallback>
           </mc:AlternateContent>
-          <mc:AlternateContent xmlns:mc="http://schemas.openxmlformats.org/markup-compatibility/2006">
-            <mc:Choice xmlns:a14="http://schemas.microsoft.com/office/drawing/2010/main" Requires="a14">
+          <mc:AlternateContent xmlns:mc="http://schemas.openxmlformats.org/markup-compatibility/2006" xmlns:a14="http://schemas.microsoft.com/office/drawing/2010/main">
+            <mc:Choice Requires="a14">
               <p:sp>
                 <p:nvSpPr>
                   <p:cNvPr id="216" name="TextBox 215">
@@ -31907,6 +32432,7 @@
                   </a:bodyPr>
                   <a:lstStyle/>
                   <a:p>
+                    <a:pPr/>
                     <a14:m>
                       <m:oMathPara xmlns:m="http://schemas.openxmlformats.org/officeDocument/2006/math">
                         <m:oMathParaPr>
@@ -31954,7 +32480,7 @@
                 </p:txBody>
               </p:sp>
             </mc:Choice>
-            <mc:Fallback>
+            <mc:Fallback xmlns="">
               <p:sp>
                 <p:nvSpPr>
                   <p:cNvPr id="216" name="TextBox 215">
@@ -31999,8 +32525,8 @@
               </p:sp>
             </mc:Fallback>
           </mc:AlternateContent>
-          <mc:AlternateContent xmlns:mc="http://schemas.openxmlformats.org/markup-compatibility/2006">
-            <mc:Choice xmlns:a14="http://schemas.microsoft.com/office/drawing/2010/main" Requires="a14">
+          <mc:AlternateContent xmlns:mc="http://schemas.openxmlformats.org/markup-compatibility/2006" xmlns:a14="http://schemas.microsoft.com/office/drawing/2010/main">
+            <mc:Choice Requires="a14">
               <p:sp>
                 <p:nvSpPr>
                   <p:cNvPr id="217" name="TextBox 216">
@@ -32029,6 +32555,7 @@
                   </a:bodyPr>
                   <a:lstStyle/>
                   <a:p>
+                    <a:pPr/>
                     <a14:m>
                       <m:oMathPara xmlns:m="http://schemas.openxmlformats.org/officeDocument/2006/math">
                         <m:oMathParaPr>
@@ -32076,7 +32603,7 @@
                 </p:txBody>
               </p:sp>
             </mc:Choice>
-            <mc:Fallback>
+            <mc:Fallback xmlns="">
               <p:sp>
                 <p:nvSpPr>
                   <p:cNvPr id="217" name="TextBox 216">
@@ -33007,8 +33534,8 @@
               </a:fontRef>
             </p:style>
           </p:cxnSp>
-          <mc:AlternateContent xmlns:mc="http://schemas.openxmlformats.org/markup-compatibility/2006">
-            <mc:Choice xmlns:a14="http://schemas.microsoft.com/office/drawing/2010/main" Requires="a14">
+          <mc:AlternateContent xmlns:mc="http://schemas.openxmlformats.org/markup-compatibility/2006" xmlns:a14="http://schemas.microsoft.com/office/drawing/2010/main">
+            <mc:Choice Requires="a14">
               <p:sp>
                 <p:nvSpPr>
                   <p:cNvPr id="249" name="TextBox 248">
@@ -33037,6 +33564,7 @@
                   </a:bodyPr>
                   <a:lstStyle/>
                   <a:p>
+                    <a:pPr/>
                     <a14:m>
                       <m:oMathPara xmlns:m="http://schemas.openxmlformats.org/officeDocument/2006/math">
                         <m:oMathParaPr>
@@ -33090,7 +33618,7 @@
                 </p:txBody>
               </p:sp>
             </mc:Choice>
-            <mc:Fallback>
+            <mc:Fallback xmlns="">
               <p:sp>
                 <p:nvSpPr>
                   <p:cNvPr id="249" name="TextBox 248">
@@ -33645,8 +34173,8 @@
               </a:p>
             </p:txBody>
           </p:sp>
-          <mc:AlternateContent xmlns:mc="http://schemas.openxmlformats.org/markup-compatibility/2006">
-            <mc:Choice xmlns:a14="http://schemas.microsoft.com/office/drawing/2010/main" Requires="a14">
+          <mc:AlternateContent xmlns:mc="http://schemas.openxmlformats.org/markup-compatibility/2006" xmlns:a14="http://schemas.microsoft.com/office/drawing/2010/main">
+            <mc:Choice Requires="a14">
               <p:sp>
                 <p:nvSpPr>
                   <p:cNvPr id="256" name="TextBox 255">
@@ -33675,6 +34203,7 @@
                   </a:bodyPr>
                   <a:lstStyle/>
                   <a:p>
+                    <a:pPr/>
                     <a14:m>
                       <m:oMathPara xmlns:m="http://schemas.openxmlformats.org/officeDocument/2006/math">
                         <m:oMathParaPr>
@@ -33728,7 +34257,7 @@
                 </p:txBody>
               </p:sp>
             </mc:Choice>
-            <mc:Fallback>
+            <mc:Fallback xmlns="">
               <p:sp>
                 <p:nvSpPr>
                   <p:cNvPr id="256" name="TextBox 255">
@@ -33773,8 +34302,8 @@
               </p:sp>
             </mc:Fallback>
           </mc:AlternateContent>
-          <mc:AlternateContent xmlns:mc="http://schemas.openxmlformats.org/markup-compatibility/2006">
-            <mc:Choice xmlns:a14="http://schemas.microsoft.com/office/drawing/2010/main" Requires="a14">
+          <mc:AlternateContent xmlns:mc="http://schemas.openxmlformats.org/markup-compatibility/2006" xmlns:a14="http://schemas.microsoft.com/office/drawing/2010/main">
+            <mc:Choice Requires="a14">
               <p:sp>
                 <p:nvSpPr>
                   <p:cNvPr id="257" name="TextBox 256">
@@ -33803,6 +34332,7 @@
                   </a:bodyPr>
                   <a:lstStyle/>
                   <a:p>
+                    <a:pPr/>
                     <a14:m>
                       <m:oMathPara xmlns:m="http://schemas.openxmlformats.org/officeDocument/2006/math">
                         <m:oMathParaPr>
@@ -33856,7 +34386,7 @@
                 </p:txBody>
               </p:sp>
             </mc:Choice>
-            <mc:Fallback>
+            <mc:Fallback xmlns="">
               <p:sp>
                 <p:nvSpPr>
                   <p:cNvPr id="257" name="TextBox 256">
@@ -33901,8 +34431,8 @@
               </p:sp>
             </mc:Fallback>
           </mc:AlternateContent>
-          <mc:AlternateContent xmlns:mc="http://schemas.openxmlformats.org/markup-compatibility/2006">
-            <mc:Choice xmlns:a14="http://schemas.microsoft.com/office/drawing/2010/main" Requires="a14">
+          <mc:AlternateContent xmlns:mc="http://schemas.openxmlformats.org/markup-compatibility/2006" xmlns:a14="http://schemas.microsoft.com/office/drawing/2010/main">
+            <mc:Choice Requires="a14">
               <p:sp>
                 <p:nvSpPr>
                   <p:cNvPr id="258" name="TextBox 257">
@@ -33931,6 +34461,7 @@
                   </a:bodyPr>
                   <a:lstStyle/>
                   <a:p>
+                    <a:pPr/>
                     <a14:m>
                       <m:oMathPara xmlns:m="http://schemas.openxmlformats.org/officeDocument/2006/math">
                         <m:oMathParaPr>
@@ -33984,7 +34515,7 @@
                 </p:txBody>
               </p:sp>
             </mc:Choice>
-            <mc:Fallback>
+            <mc:Fallback xmlns="">
               <p:sp>
                 <p:nvSpPr>
                   <p:cNvPr id="258" name="TextBox 257">
@@ -34560,8 +35091,8 @@
           </p:nvSpPr>
           <p:spPr>
             <a:xfrm>
-              <a:off x="8375465" y="1059215"/>
-              <a:ext cx="2798557" cy="347230"/>
+              <a:off x="8255182" y="974634"/>
+              <a:ext cx="2142229" cy="568193"/>
             </a:xfrm>
             <a:prstGeom prst="rect">
               <a:avLst/>
@@ -34574,13 +35105,30 @@
             </a:bodyPr>
             <a:lstStyle/>
             <a:p>
+              <a:pPr algn="ctr"/>
               <a:r>
                 <a:rPr kumimoji="1" lang="ko-Kore-KR" altLang="en-US" sz="1050" b="1" dirty="0">
                   <a:solidFill>
                     <a:srgbClr val="FF0000"/>
                   </a:solidFill>
                 </a:rPr>
-                <a:t>서바이벌에서 살아남은 최후의 모델</a:t>
+                <a:t>서바이벌에서 살아남은 </a:t>
+              </a:r>
+              <a:endParaRPr kumimoji="1" lang="en-US" altLang="ko-Kore-KR" sz="1050" b="1" dirty="0">
+                <a:solidFill>
+                  <a:srgbClr val="FF0000"/>
+                </a:solidFill>
+              </a:endParaRPr>
+            </a:p>
+            <a:p>
+              <a:pPr algn="ctr"/>
+              <a:r>
+                <a:rPr kumimoji="1" lang="ko-Kore-KR" altLang="en-US" sz="1050" b="1" dirty="0">
+                  <a:solidFill>
+                    <a:srgbClr val="FF0000"/>
+                  </a:solidFill>
+                </a:rPr>
+                <a:t>최후의 모델</a:t>
               </a:r>
             </a:p>
           </p:txBody>
@@ -35566,6 +36114,4133 @@
     <p:extLst>
       <p:ext uri="{BB962C8B-B14F-4D97-AF65-F5344CB8AC3E}">
         <p14:creationId xmlns:p14="http://schemas.microsoft.com/office/powerpoint/2010/main" val="466381733"/>
+      </p:ext>
+    </p:extLst>
+  </p:cSld>
+  <p:clrMapOvr>
+    <a:masterClrMapping/>
+  </p:clrMapOvr>
+</p:sld>
+</file>
+
+<file path=ppt/slides/slide31.xml><?xml version="1.0" encoding="utf-8"?>
+<p:sld xmlns:a="http://schemas.openxmlformats.org/drawingml/2006/main" xmlns:r="http://schemas.openxmlformats.org/officeDocument/2006/relationships" xmlns:p="http://schemas.openxmlformats.org/presentationml/2006/main">
+  <p:cSld>
+    <p:spTree>
+      <p:nvGrpSpPr>
+        <p:cNvPr id="1" name=""/>
+        <p:cNvGrpSpPr/>
+        <p:nvPr/>
+      </p:nvGrpSpPr>
+      <p:grpSpPr>
+        <a:xfrm>
+          <a:off x="0" y="0"/>
+          <a:ext cx="0" cy="0"/>
+          <a:chOff x="0" y="0"/>
+          <a:chExt cx="0" cy="0"/>
+        </a:xfrm>
+      </p:grpSpPr>
+      <p:sp>
+        <p:nvSpPr>
+          <p:cNvPr id="4" name="TextBox 3">
+            <a:extLst>
+              <a:ext uri="{FF2B5EF4-FFF2-40B4-BE49-F238E27FC236}">
+                <a16:creationId xmlns:a16="http://schemas.microsoft.com/office/drawing/2014/main" id="{48426092-14B6-3F41-BEDA-1FA918CC6810}"/>
+              </a:ext>
+            </a:extLst>
+          </p:cNvPr>
+          <p:cNvSpPr txBox="1"/>
+          <p:nvPr/>
+        </p:nvSpPr>
+        <p:spPr>
+          <a:xfrm>
+            <a:off x="4549536" y="3115662"/>
+            <a:ext cx="3564153" cy="467885"/>
+          </a:xfrm>
+          <a:prstGeom prst="rect">
+            <a:avLst/>
+          </a:prstGeom>
+          <a:noFill/>
+        </p:spPr>
+        <p:txBody>
+          <a:bodyPr wrap="square" rtlCol="0">
+            <a:spAutoFit/>
+          </a:bodyPr>
+          <a:lstStyle/>
+          <a:p>
+            <a:pPr>
+              <a:lnSpc>
+                <a:spcPct val="150000"/>
+              </a:lnSpc>
+            </a:pPr>
+            <a:r>
+              <a:rPr kumimoji="1" lang="en-US" altLang="ko-KR" b="1" u="sng" dirty="0">
+                <a:solidFill>
+                  <a:srgbClr val="3D3D3D"/>
+                </a:solidFill>
+                <a:latin typeface="NanumSquareRound Regular" panose="020B0600000101010101" pitchFamily="34" charset="-127"/>
+                <a:ea typeface="NanumSquareRound Regular" panose="020B0600000101010101" pitchFamily="34" charset="-127"/>
+              </a:rPr>
+              <a:t>10</a:t>
+            </a:r>
+            <a:r>
+              <a:rPr kumimoji="1" lang="ko-KR" altLang="en-US" b="1" u="sng" dirty="0">
+                <a:solidFill>
+                  <a:srgbClr val="3D3D3D"/>
+                </a:solidFill>
+                <a:latin typeface="NanumSquareRound Regular" panose="020B0600000101010101" pitchFamily="34" charset="-127"/>
+                <a:ea typeface="NanumSquareRound Regular" panose="020B0600000101010101" pitchFamily="34" charset="-127"/>
+              </a:rPr>
+              <a:t>월 </a:t>
+            </a:r>
+            <a:r>
+              <a:rPr kumimoji="1" lang="en-US" altLang="ko-KR" b="1" u="sng" dirty="0">
+                <a:solidFill>
+                  <a:srgbClr val="3D3D3D"/>
+                </a:solidFill>
+                <a:latin typeface="NanumSquareRound Regular" panose="020B0600000101010101" pitchFamily="34" charset="-127"/>
+                <a:ea typeface="NanumSquareRound Regular" panose="020B0600000101010101" pitchFamily="34" charset="-127"/>
+              </a:rPr>
+              <a:t>20</a:t>
+            </a:r>
+            <a:r>
+              <a:rPr kumimoji="1" lang="ko-KR" altLang="en-US" b="1" u="sng" dirty="0">
+                <a:solidFill>
+                  <a:srgbClr val="3D3D3D"/>
+                </a:solidFill>
+                <a:latin typeface="NanumSquareRound Regular" panose="020B0600000101010101" pitchFamily="34" charset="-127"/>
+                <a:ea typeface="NanumSquareRound Regular" panose="020B0600000101010101" pitchFamily="34" charset="-127"/>
+              </a:rPr>
+              <a:t>일 목요일 </a:t>
+            </a:r>
+            <a:r>
+              <a:rPr kumimoji="1" lang="ko-KR" altLang="en-US" b="1" u="sng" dirty="0" err="1">
+                <a:solidFill>
+                  <a:srgbClr val="3D3D3D"/>
+                </a:solidFill>
+                <a:latin typeface="NanumSquareRound Regular" panose="020B0600000101010101" pitchFamily="34" charset="-127"/>
+                <a:ea typeface="NanumSquareRound Regular" panose="020B0600000101010101" pitchFamily="34" charset="-127"/>
+              </a:rPr>
+              <a:t>개인미팅</a:t>
+            </a:r>
+            <a:endParaRPr kumimoji="1" lang="en-US" altLang="ko-KR" b="1" u="sng" dirty="0">
+              <a:solidFill>
+                <a:srgbClr val="3D3D3D"/>
+              </a:solidFill>
+              <a:latin typeface="NanumSquareRound Regular" panose="020B0600000101010101" pitchFamily="34" charset="-127"/>
+              <a:ea typeface="NanumSquareRound Regular" panose="020B0600000101010101" pitchFamily="34" charset="-127"/>
+            </a:endParaRPr>
+          </a:p>
+        </p:txBody>
+      </p:sp>
+    </p:spTree>
+    <p:extLst>
+      <p:ext uri="{BB962C8B-B14F-4D97-AF65-F5344CB8AC3E}">
+        <p14:creationId xmlns:p14="http://schemas.microsoft.com/office/powerpoint/2010/main" val="1734681277"/>
+      </p:ext>
+    </p:extLst>
+  </p:cSld>
+  <p:clrMapOvr>
+    <a:masterClrMapping/>
+  </p:clrMapOvr>
+</p:sld>
+</file>
+
+<file path=ppt/slides/slide32.xml><?xml version="1.0" encoding="utf-8"?>
+<p:sld xmlns:a="http://schemas.openxmlformats.org/drawingml/2006/main" xmlns:r="http://schemas.openxmlformats.org/officeDocument/2006/relationships" xmlns:p="http://schemas.openxmlformats.org/presentationml/2006/main">
+  <p:cSld>
+    <p:spTree>
+      <p:nvGrpSpPr>
+        <p:cNvPr id="1" name=""/>
+        <p:cNvGrpSpPr/>
+        <p:nvPr/>
+      </p:nvGrpSpPr>
+      <p:grpSpPr>
+        <a:xfrm>
+          <a:off x="0" y="0"/>
+          <a:ext cx="0" cy="0"/>
+          <a:chOff x="0" y="0"/>
+          <a:chExt cx="0" cy="0"/>
+        </a:xfrm>
+      </p:grpSpPr>
+      <p:sp>
+        <p:nvSpPr>
+          <p:cNvPr id="4" name="TextBox 3">
+            <a:extLst>
+              <a:ext uri="{FF2B5EF4-FFF2-40B4-BE49-F238E27FC236}">
+                <a16:creationId xmlns:a16="http://schemas.microsoft.com/office/drawing/2014/main" id="{058C193D-C6BC-0F46-9651-079143EEA7D5}"/>
+              </a:ext>
+            </a:extLst>
+          </p:cNvPr>
+          <p:cNvSpPr txBox="1"/>
+          <p:nvPr/>
+        </p:nvSpPr>
+        <p:spPr>
+          <a:xfrm>
+            <a:off x="106326" y="202019"/>
+            <a:ext cx="11889731" cy="467885"/>
+          </a:xfrm>
+          <a:prstGeom prst="rect">
+            <a:avLst/>
+          </a:prstGeom>
+          <a:noFill/>
+        </p:spPr>
+        <p:txBody>
+          <a:bodyPr wrap="square" rtlCol="0">
+            <a:spAutoFit/>
+          </a:bodyPr>
+          <a:lstStyle/>
+          <a:p>
+            <a:pPr>
+              <a:lnSpc>
+                <a:spcPct val="150000"/>
+              </a:lnSpc>
+            </a:pPr>
+            <a:r>
+              <a:rPr kumimoji="1" lang="en-US" altLang="ko-KR" b="1" u="sng" dirty="0">
+                <a:solidFill>
+                  <a:srgbClr val="3D3D3D"/>
+                </a:solidFill>
+                <a:latin typeface="NanumSquareRound Regular" panose="020B0600000101010101" pitchFamily="34" charset="-127"/>
+                <a:ea typeface="NanumSquareRound Regular" panose="020B0600000101010101" pitchFamily="34" charset="-127"/>
+              </a:rPr>
+              <a:t>Uncertainty in RNN</a:t>
+            </a:r>
+          </a:p>
+        </p:txBody>
+      </p:sp>
+      <p:sp>
+        <p:nvSpPr>
+          <p:cNvPr id="5" name="TextBox 4">
+            <a:extLst>
+              <a:ext uri="{FF2B5EF4-FFF2-40B4-BE49-F238E27FC236}">
+                <a16:creationId xmlns:a16="http://schemas.microsoft.com/office/drawing/2014/main" id="{B898744E-6F06-444A-9DDF-9F733AF7FCE4}"/>
+              </a:ext>
+            </a:extLst>
+          </p:cNvPr>
+          <p:cNvSpPr txBox="1"/>
+          <p:nvPr/>
+        </p:nvSpPr>
+        <p:spPr>
+          <a:xfrm>
+            <a:off x="151134" y="926177"/>
+            <a:ext cx="11889731" cy="1353897"/>
+          </a:xfrm>
+          <a:prstGeom prst="rect">
+            <a:avLst/>
+          </a:prstGeom>
+          <a:noFill/>
+        </p:spPr>
+        <p:txBody>
+          <a:bodyPr wrap="square" rtlCol="0">
+            <a:spAutoFit/>
+          </a:bodyPr>
+          <a:lstStyle/>
+          <a:p>
+            <a:pPr marL="285750" indent="-285750">
+              <a:lnSpc>
+                <a:spcPct val="150000"/>
+              </a:lnSpc>
+              <a:buFontTx/>
+              <a:buChar char="-"/>
+            </a:pPr>
+            <a:r>
+              <a:rPr kumimoji="1" lang="en-US" altLang="ko-KR" sz="1400" dirty="0">
+                <a:solidFill>
+                  <a:srgbClr val="3D3D3D"/>
+                </a:solidFill>
+                <a:latin typeface="NanumSquareRound Regular" panose="020B0600000101010101" pitchFamily="34" charset="-127"/>
+                <a:ea typeface="NanumSquareRound Regular" panose="020B0600000101010101" pitchFamily="34" charset="-127"/>
+              </a:rPr>
+              <a:t>RNN</a:t>
+            </a:r>
+            <a:r>
+              <a:rPr kumimoji="1" lang="ko-KR" altLang="en-US" sz="1400" dirty="0">
+                <a:solidFill>
+                  <a:srgbClr val="3D3D3D"/>
+                </a:solidFill>
+                <a:latin typeface="NanumSquareRound Regular" panose="020B0600000101010101" pitchFamily="34" charset="-127"/>
+                <a:ea typeface="NanumSquareRound Regular" panose="020B0600000101010101" pitchFamily="34" charset="-127"/>
+              </a:rPr>
+              <a:t>에서 </a:t>
+            </a:r>
+            <a:r>
+              <a:rPr kumimoji="1" lang="en-US" altLang="ko-KR" sz="1400" dirty="0">
+                <a:solidFill>
+                  <a:srgbClr val="3D3D3D"/>
+                </a:solidFill>
+                <a:latin typeface="NanumSquareRound Regular" panose="020B0600000101010101" pitchFamily="34" charset="-127"/>
+                <a:ea typeface="NanumSquareRound Regular" panose="020B0600000101010101" pitchFamily="34" charset="-127"/>
+              </a:rPr>
+              <a:t>Uncertainty </a:t>
+            </a:r>
+            <a:r>
+              <a:rPr kumimoji="1" lang="ko-KR" altLang="en-US" sz="1400" dirty="0" err="1">
+                <a:solidFill>
+                  <a:srgbClr val="3D3D3D"/>
+                </a:solidFill>
+                <a:latin typeface="NanumSquareRound Regular" panose="020B0600000101010101" pitchFamily="34" charset="-127"/>
+                <a:ea typeface="NanumSquareRound Regular" panose="020B0600000101010101" pitchFamily="34" charset="-127"/>
+              </a:rPr>
+              <a:t>를</a:t>
+            </a:r>
+            <a:r>
+              <a:rPr kumimoji="1" lang="ko-KR" altLang="en-US" sz="1400" dirty="0">
+                <a:solidFill>
+                  <a:srgbClr val="3D3D3D"/>
+                </a:solidFill>
+                <a:latin typeface="NanumSquareRound Regular" panose="020B0600000101010101" pitchFamily="34" charset="-127"/>
+                <a:ea typeface="NanumSquareRound Regular" panose="020B0600000101010101" pitchFamily="34" charset="-127"/>
+              </a:rPr>
+              <a:t> 어떻게 적용할 수 있을까</a:t>
+            </a:r>
+            <a:r>
+              <a:rPr kumimoji="1" lang="en-US" altLang="ko-KR" sz="1400" dirty="0">
+                <a:solidFill>
+                  <a:srgbClr val="3D3D3D"/>
+                </a:solidFill>
+                <a:latin typeface="NanumSquareRound Regular" panose="020B0600000101010101" pitchFamily="34" charset="-127"/>
+                <a:ea typeface="NanumSquareRound Regular" panose="020B0600000101010101" pitchFamily="34" charset="-127"/>
+              </a:rPr>
+              <a:t>?</a:t>
+            </a:r>
+          </a:p>
+          <a:p>
+            <a:pPr marL="285750" indent="-285750">
+              <a:lnSpc>
+                <a:spcPct val="150000"/>
+              </a:lnSpc>
+              <a:buFontTx/>
+              <a:buChar char="-"/>
+            </a:pPr>
+            <a:r>
+              <a:rPr kumimoji="1" lang="ko-KR" altLang="en-US" sz="1400" dirty="0">
+                <a:solidFill>
+                  <a:srgbClr val="3D3D3D"/>
+                </a:solidFill>
+                <a:latin typeface="NanumSquareRound Regular" panose="020B0600000101010101" pitchFamily="34" charset="-127"/>
+                <a:ea typeface="NanumSquareRound Regular" panose="020B0600000101010101" pitchFamily="34" charset="-127"/>
+              </a:rPr>
+              <a:t>간단한 예제로 먼저 확인 </a:t>
+            </a:r>
+            <a:r>
+              <a:rPr kumimoji="1" lang="en-US" altLang="ko-KR" sz="1400" dirty="0">
+                <a:solidFill>
+                  <a:srgbClr val="3D3D3D"/>
+                </a:solidFill>
+                <a:latin typeface="NanumSquareRound Regular" panose="020B0600000101010101" pitchFamily="34" charset="-127"/>
+                <a:ea typeface="NanumSquareRound Regular" panose="020B0600000101010101" pitchFamily="34" charset="-127"/>
+              </a:rPr>
+              <a:t>: </a:t>
+            </a:r>
+            <a:r>
+              <a:rPr kumimoji="1" lang="en-US" altLang="ko-KR" sz="1400" dirty="0" err="1">
+                <a:solidFill>
+                  <a:srgbClr val="3D3D3D"/>
+                </a:solidFill>
+                <a:latin typeface="NanumSquareRound Regular" panose="020B0600000101010101" pitchFamily="34" charset="-127"/>
+                <a:ea typeface="NanumSquareRound Regular" panose="020B0600000101010101" pitchFamily="34" charset="-127"/>
+              </a:rPr>
+              <a:t>Tensorflow</a:t>
+            </a:r>
+            <a:r>
+              <a:rPr kumimoji="1" lang="ko-KR" altLang="en-US" sz="1400" dirty="0">
+                <a:solidFill>
+                  <a:srgbClr val="3D3D3D"/>
+                </a:solidFill>
+                <a:latin typeface="NanumSquareRound Regular" panose="020B0600000101010101" pitchFamily="34" charset="-127"/>
+                <a:ea typeface="NanumSquareRound Regular" panose="020B0600000101010101" pitchFamily="34" charset="-127"/>
+              </a:rPr>
+              <a:t> 활용한 </a:t>
+            </a:r>
+            <a:r>
+              <a:rPr kumimoji="1" lang="ko-KR" altLang="en-US" sz="1400" dirty="0" err="1">
+                <a:solidFill>
+                  <a:srgbClr val="3D3D3D"/>
+                </a:solidFill>
+                <a:latin typeface="NanumSquareRound Regular" panose="020B0600000101010101" pitchFamily="34" charset="-127"/>
+                <a:ea typeface="NanumSquareRound Regular" panose="020B0600000101010101" pitchFamily="34" charset="-127"/>
+              </a:rPr>
+              <a:t>영단어</a:t>
+            </a:r>
+            <a:r>
+              <a:rPr kumimoji="1" lang="ko-KR" altLang="en-US" sz="1400" dirty="0">
+                <a:solidFill>
+                  <a:srgbClr val="3D3D3D"/>
+                </a:solidFill>
+                <a:latin typeface="NanumSquareRound Regular" panose="020B0600000101010101" pitchFamily="34" charset="-127"/>
+                <a:ea typeface="NanumSquareRound Regular" panose="020B0600000101010101" pitchFamily="34" charset="-127"/>
+              </a:rPr>
+              <a:t> 번역 예제</a:t>
+            </a:r>
+            <a:endParaRPr kumimoji="1" lang="en-US" altLang="ko-KR" sz="1400" dirty="0">
+              <a:solidFill>
+                <a:srgbClr val="3D3D3D"/>
+              </a:solidFill>
+              <a:latin typeface="NanumSquareRound Regular" panose="020B0600000101010101" pitchFamily="34" charset="-127"/>
+              <a:ea typeface="NanumSquareRound Regular" panose="020B0600000101010101" pitchFamily="34" charset="-127"/>
+            </a:endParaRPr>
+          </a:p>
+          <a:p>
+            <a:pPr marL="285750" indent="-285750">
+              <a:lnSpc>
+                <a:spcPct val="150000"/>
+              </a:lnSpc>
+              <a:buFontTx/>
+              <a:buChar char="-"/>
+            </a:pPr>
+            <a:r>
+              <a:rPr kumimoji="1" lang="ko-KR" altLang="en-US" sz="1400" dirty="0">
+                <a:solidFill>
+                  <a:srgbClr val="3D3D3D"/>
+                </a:solidFill>
+                <a:latin typeface="NanumSquareRound Regular" panose="020B0600000101010101" pitchFamily="34" charset="-127"/>
+                <a:ea typeface="NanumSquareRound Regular" panose="020B0600000101010101" pitchFamily="34" charset="-127"/>
+              </a:rPr>
+              <a:t>모델 구조 </a:t>
+            </a:r>
+            <a:r>
+              <a:rPr kumimoji="1" lang="en-US" altLang="ko-KR" sz="1400" dirty="0">
+                <a:solidFill>
+                  <a:srgbClr val="3D3D3D"/>
+                </a:solidFill>
+                <a:latin typeface="NanumSquareRound Regular" panose="020B0600000101010101" pitchFamily="34" charset="-127"/>
+                <a:ea typeface="NanumSquareRound Regular" panose="020B0600000101010101" pitchFamily="34" charset="-127"/>
+              </a:rPr>
+              <a:t>: Seq2Seq</a:t>
+            </a:r>
+          </a:p>
+          <a:p>
+            <a:pPr marL="285750" indent="-285750">
+              <a:lnSpc>
+                <a:spcPct val="150000"/>
+              </a:lnSpc>
+              <a:buFontTx/>
+              <a:buChar char="-"/>
+            </a:pPr>
+            <a:r>
+              <a:rPr kumimoji="1" lang="en-US" altLang="ko-KR" sz="1400" dirty="0">
+                <a:solidFill>
+                  <a:srgbClr val="3D3D3D"/>
+                </a:solidFill>
+                <a:latin typeface="NanumSquareRound Regular" panose="020B0600000101010101" pitchFamily="34" charset="-127"/>
+                <a:ea typeface="NanumSquareRound Regular" panose="020B0600000101010101" pitchFamily="34" charset="-127"/>
+              </a:rPr>
+              <a:t>Train Data</a:t>
+            </a:r>
+          </a:p>
+        </p:txBody>
+      </p:sp>
+      <p:pic>
+        <p:nvPicPr>
+          <p:cNvPr id="7" name="그림 6">
+            <a:extLst>
+              <a:ext uri="{FF2B5EF4-FFF2-40B4-BE49-F238E27FC236}">
+                <a16:creationId xmlns:a16="http://schemas.microsoft.com/office/drawing/2014/main" id="{87236FAD-0145-DE44-8136-A0436578347C}"/>
+              </a:ext>
+            </a:extLst>
+          </p:cNvPr>
+          <p:cNvPicPr>
+            <a:picLocks noChangeAspect="1"/>
+          </p:cNvPicPr>
+          <p:nvPr/>
+        </p:nvPicPr>
+        <p:blipFill>
+          <a:blip r:embed="rId3"/>
+          <a:stretch>
+            <a:fillRect/>
+          </a:stretch>
+        </p:blipFill>
+        <p:spPr>
+          <a:xfrm>
+            <a:off x="1644291" y="2280074"/>
+            <a:ext cx="8813800" cy="647700"/>
+          </a:xfrm>
+          <a:prstGeom prst="rect">
+            <a:avLst/>
+          </a:prstGeom>
+        </p:spPr>
+      </p:pic>
+      <p:grpSp>
+        <p:nvGrpSpPr>
+          <p:cNvPr id="30" name="그룹 29">
+            <a:extLst>
+              <a:ext uri="{FF2B5EF4-FFF2-40B4-BE49-F238E27FC236}">
+                <a16:creationId xmlns:a16="http://schemas.microsoft.com/office/drawing/2014/main" id="{1D406268-21D4-7F49-B18B-0F7ED97626C9}"/>
+              </a:ext>
+            </a:extLst>
+          </p:cNvPr>
+          <p:cNvGrpSpPr/>
+          <p:nvPr/>
+        </p:nvGrpSpPr>
+        <p:grpSpPr>
+          <a:xfrm>
+            <a:off x="2704102" y="3930227"/>
+            <a:ext cx="6783793" cy="918980"/>
+            <a:chOff x="2892056" y="3194347"/>
+            <a:chExt cx="6783793" cy="918980"/>
+          </a:xfrm>
+        </p:grpSpPr>
+        <p:sp>
+          <p:nvSpPr>
+            <p:cNvPr id="31" name="직사각형 30">
+              <a:extLst>
+                <a:ext uri="{FF2B5EF4-FFF2-40B4-BE49-F238E27FC236}">
+                  <a16:creationId xmlns:a16="http://schemas.microsoft.com/office/drawing/2014/main" id="{3A7CBC35-3E7D-C043-BC3B-1BA81E2BC67B}"/>
+                </a:ext>
+              </a:extLst>
+            </p:cNvPr>
+            <p:cNvSpPr/>
+            <p:nvPr/>
+          </p:nvSpPr>
+          <p:spPr>
+            <a:xfrm>
+              <a:off x="2892056" y="3194347"/>
+              <a:ext cx="633374" cy="633374"/>
+            </a:xfrm>
+            <a:prstGeom prst="rect">
+              <a:avLst/>
+            </a:prstGeom>
+            <a:solidFill>
+              <a:schemeClr val="accent4">
+                <a:lumMod val="40000"/>
+                <a:lumOff val="60000"/>
+              </a:schemeClr>
+            </a:solidFill>
+            <a:ln>
+              <a:solidFill>
+                <a:schemeClr val="tx1"/>
+              </a:solidFill>
+            </a:ln>
+          </p:spPr>
+          <p:style>
+            <a:lnRef idx="2">
+              <a:schemeClr val="accent1">
+                <a:shade val="50000"/>
+              </a:schemeClr>
+            </a:lnRef>
+            <a:fillRef idx="1">
+              <a:schemeClr val="accent1"/>
+            </a:fillRef>
+            <a:effectRef idx="0">
+              <a:schemeClr val="accent1"/>
+            </a:effectRef>
+            <a:fontRef idx="minor">
+              <a:schemeClr val="lt1"/>
+            </a:fontRef>
+          </p:style>
+          <p:txBody>
+            <a:bodyPr rtlCol="0" anchor="ctr"/>
+            <a:lstStyle/>
+            <a:p>
+              <a:pPr algn="ctr"/>
+              <a:r>
+                <a:rPr kumimoji="1" lang="en-US" altLang="ko-Kore-KR" dirty="0">
+                  <a:solidFill>
+                    <a:schemeClr val="tx1"/>
+                  </a:solidFill>
+                </a:rPr>
+                <a:t>W</a:t>
+              </a:r>
+              <a:endParaRPr kumimoji="1" lang="ko-Kore-KR" altLang="en-US" dirty="0">
+                <a:solidFill>
+                  <a:schemeClr val="tx1"/>
+                </a:solidFill>
+              </a:endParaRPr>
+            </a:p>
+          </p:txBody>
+        </p:sp>
+        <p:sp>
+          <p:nvSpPr>
+            <p:cNvPr id="32" name="직사각형 31">
+              <a:extLst>
+                <a:ext uri="{FF2B5EF4-FFF2-40B4-BE49-F238E27FC236}">
+                  <a16:creationId xmlns:a16="http://schemas.microsoft.com/office/drawing/2014/main" id="{9262B5E2-8CCF-B64F-BB1F-1B081F4E3E90}"/>
+                </a:ext>
+              </a:extLst>
+            </p:cNvPr>
+            <p:cNvSpPr/>
+            <p:nvPr/>
+          </p:nvSpPr>
+          <p:spPr>
+            <a:xfrm>
+              <a:off x="3584646" y="3194347"/>
+              <a:ext cx="633374" cy="633374"/>
+            </a:xfrm>
+            <a:prstGeom prst="rect">
+              <a:avLst/>
+            </a:prstGeom>
+            <a:solidFill>
+              <a:schemeClr val="accent4">
+                <a:lumMod val="40000"/>
+                <a:lumOff val="60000"/>
+              </a:schemeClr>
+            </a:solidFill>
+            <a:ln>
+              <a:solidFill>
+                <a:schemeClr val="tx1"/>
+              </a:solidFill>
+            </a:ln>
+          </p:spPr>
+          <p:style>
+            <a:lnRef idx="2">
+              <a:schemeClr val="accent1">
+                <a:shade val="50000"/>
+              </a:schemeClr>
+            </a:lnRef>
+            <a:fillRef idx="1">
+              <a:schemeClr val="accent1"/>
+            </a:fillRef>
+            <a:effectRef idx="0">
+              <a:schemeClr val="accent1"/>
+            </a:effectRef>
+            <a:fontRef idx="minor">
+              <a:schemeClr val="lt1"/>
+            </a:fontRef>
+          </p:style>
+          <p:txBody>
+            <a:bodyPr rtlCol="0" anchor="ctr"/>
+            <a:lstStyle/>
+            <a:p>
+              <a:pPr algn="ctr"/>
+              <a:r>
+                <a:rPr kumimoji="1" lang="en-US" altLang="ko-Kore-KR" dirty="0">
+                  <a:solidFill>
+                    <a:schemeClr val="tx1"/>
+                  </a:solidFill>
+                </a:rPr>
+                <a:t>O</a:t>
+              </a:r>
+              <a:endParaRPr kumimoji="1" lang="ko-Kore-KR" altLang="en-US" dirty="0">
+                <a:solidFill>
+                  <a:schemeClr val="tx1"/>
+                </a:solidFill>
+              </a:endParaRPr>
+            </a:p>
+          </p:txBody>
+        </p:sp>
+        <p:sp>
+          <p:nvSpPr>
+            <p:cNvPr id="38" name="직사각형 37">
+              <a:extLst>
+                <a:ext uri="{FF2B5EF4-FFF2-40B4-BE49-F238E27FC236}">
+                  <a16:creationId xmlns:a16="http://schemas.microsoft.com/office/drawing/2014/main" id="{CB6CC082-367C-5348-B19E-54B889DE26A6}"/>
+                </a:ext>
+              </a:extLst>
+            </p:cNvPr>
+            <p:cNvSpPr/>
+            <p:nvPr/>
+          </p:nvSpPr>
+          <p:spPr>
+            <a:xfrm>
+              <a:off x="4277236" y="3194347"/>
+              <a:ext cx="633374" cy="633374"/>
+            </a:xfrm>
+            <a:prstGeom prst="rect">
+              <a:avLst/>
+            </a:prstGeom>
+            <a:solidFill>
+              <a:schemeClr val="accent4">
+                <a:lumMod val="40000"/>
+                <a:lumOff val="60000"/>
+              </a:schemeClr>
+            </a:solidFill>
+            <a:ln>
+              <a:solidFill>
+                <a:schemeClr val="tx1"/>
+              </a:solidFill>
+            </a:ln>
+          </p:spPr>
+          <p:style>
+            <a:lnRef idx="2">
+              <a:schemeClr val="accent1">
+                <a:shade val="50000"/>
+              </a:schemeClr>
+            </a:lnRef>
+            <a:fillRef idx="1">
+              <a:schemeClr val="accent1"/>
+            </a:fillRef>
+            <a:effectRef idx="0">
+              <a:schemeClr val="accent1"/>
+            </a:effectRef>
+            <a:fontRef idx="minor">
+              <a:schemeClr val="lt1"/>
+            </a:fontRef>
+          </p:style>
+          <p:txBody>
+            <a:bodyPr rtlCol="0" anchor="ctr"/>
+            <a:lstStyle/>
+            <a:p>
+              <a:pPr algn="ctr"/>
+              <a:r>
+                <a:rPr kumimoji="1" lang="en-US" altLang="ko-Kore-KR" dirty="0">
+                  <a:solidFill>
+                    <a:schemeClr val="tx1"/>
+                  </a:solidFill>
+                </a:rPr>
+                <a:t>R</a:t>
+              </a:r>
+              <a:endParaRPr kumimoji="1" lang="ko-Kore-KR" altLang="en-US" dirty="0">
+                <a:solidFill>
+                  <a:schemeClr val="tx1"/>
+                </a:solidFill>
+              </a:endParaRPr>
+            </a:p>
+          </p:txBody>
+        </p:sp>
+        <p:sp>
+          <p:nvSpPr>
+            <p:cNvPr id="39" name="직사각형 38">
+              <a:extLst>
+                <a:ext uri="{FF2B5EF4-FFF2-40B4-BE49-F238E27FC236}">
+                  <a16:creationId xmlns:a16="http://schemas.microsoft.com/office/drawing/2014/main" id="{AD915E0E-F0DD-8345-94B5-4D7261D87218}"/>
+                </a:ext>
+              </a:extLst>
+            </p:cNvPr>
+            <p:cNvSpPr/>
+            <p:nvPr/>
+          </p:nvSpPr>
+          <p:spPr>
+            <a:xfrm>
+              <a:off x="4969826" y="3194347"/>
+              <a:ext cx="633374" cy="633374"/>
+            </a:xfrm>
+            <a:prstGeom prst="rect">
+              <a:avLst/>
+            </a:prstGeom>
+            <a:solidFill>
+              <a:schemeClr val="accent4">
+                <a:lumMod val="40000"/>
+                <a:lumOff val="60000"/>
+              </a:schemeClr>
+            </a:solidFill>
+            <a:ln>
+              <a:solidFill>
+                <a:schemeClr val="tx1"/>
+              </a:solidFill>
+            </a:ln>
+          </p:spPr>
+          <p:style>
+            <a:lnRef idx="2">
+              <a:schemeClr val="accent1">
+                <a:shade val="50000"/>
+              </a:schemeClr>
+            </a:lnRef>
+            <a:fillRef idx="1">
+              <a:schemeClr val="accent1"/>
+            </a:fillRef>
+            <a:effectRef idx="0">
+              <a:schemeClr val="accent1"/>
+            </a:effectRef>
+            <a:fontRef idx="minor">
+              <a:schemeClr val="lt1"/>
+            </a:fontRef>
+          </p:style>
+          <p:txBody>
+            <a:bodyPr rtlCol="0" anchor="ctr"/>
+            <a:lstStyle/>
+            <a:p>
+              <a:pPr algn="ctr"/>
+              <a:r>
+                <a:rPr kumimoji="1" lang="en-US" altLang="ko-Kore-KR" dirty="0">
+                  <a:solidFill>
+                    <a:schemeClr val="tx1"/>
+                  </a:solidFill>
+                </a:rPr>
+                <a:t>D</a:t>
+              </a:r>
+              <a:endParaRPr kumimoji="1" lang="ko-Kore-KR" altLang="en-US" dirty="0">
+                <a:solidFill>
+                  <a:schemeClr val="tx1"/>
+                </a:solidFill>
+              </a:endParaRPr>
+            </a:p>
+          </p:txBody>
+        </p:sp>
+        <p:sp>
+          <p:nvSpPr>
+            <p:cNvPr id="40" name="직사각형 39">
+              <a:extLst>
+                <a:ext uri="{FF2B5EF4-FFF2-40B4-BE49-F238E27FC236}">
+                  <a16:creationId xmlns:a16="http://schemas.microsoft.com/office/drawing/2014/main" id="{E5738F6F-C226-B643-BD5F-52BCA0684448}"/>
+                </a:ext>
+              </a:extLst>
+            </p:cNvPr>
+            <p:cNvSpPr/>
+            <p:nvPr/>
+          </p:nvSpPr>
+          <p:spPr>
+            <a:xfrm>
+              <a:off x="6272115" y="3194347"/>
+              <a:ext cx="633374" cy="633374"/>
+            </a:xfrm>
+            <a:prstGeom prst="rect">
+              <a:avLst/>
+            </a:prstGeom>
+            <a:solidFill>
+              <a:schemeClr val="accent4">
+                <a:lumMod val="40000"/>
+                <a:lumOff val="60000"/>
+              </a:schemeClr>
+            </a:solidFill>
+            <a:ln w="38100">
+              <a:solidFill>
+                <a:srgbClr val="C00000"/>
+              </a:solidFill>
+            </a:ln>
+          </p:spPr>
+          <p:style>
+            <a:lnRef idx="2">
+              <a:schemeClr val="accent1">
+                <a:shade val="50000"/>
+              </a:schemeClr>
+            </a:lnRef>
+            <a:fillRef idx="1">
+              <a:schemeClr val="accent1"/>
+            </a:fillRef>
+            <a:effectRef idx="0">
+              <a:schemeClr val="accent1"/>
+            </a:effectRef>
+            <a:fontRef idx="minor">
+              <a:schemeClr val="lt1"/>
+            </a:fontRef>
+          </p:style>
+          <p:txBody>
+            <a:bodyPr rtlCol="0" anchor="ctr"/>
+            <a:lstStyle/>
+            <a:p>
+              <a:pPr algn="ctr"/>
+              <a:r>
+                <a:rPr kumimoji="1" lang="ko-Kore-KR" altLang="en-US" dirty="0">
+                  <a:solidFill>
+                    <a:schemeClr val="tx1"/>
+                  </a:solidFill>
+                </a:rPr>
+                <a:t>단</a:t>
+              </a:r>
+            </a:p>
+          </p:txBody>
+        </p:sp>
+        <p:sp>
+          <p:nvSpPr>
+            <p:cNvPr id="41" name="직사각형 40">
+              <a:extLst>
+                <a:ext uri="{FF2B5EF4-FFF2-40B4-BE49-F238E27FC236}">
+                  <a16:creationId xmlns:a16="http://schemas.microsoft.com/office/drawing/2014/main" id="{231BFC37-4EEF-2146-8A0A-7F36ED83777B}"/>
+                </a:ext>
+              </a:extLst>
+            </p:cNvPr>
+            <p:cNvSpPr/>
+            <p:nvPr/>
+          </p:nvSpPr>
+          <p:spPr>
+            <a:xfrm>
+              <a:off x="6964705" y="3194347"/>
+              <a:ext cx="633374" cy="633374"/>
+            </a:xfrm>
+            <a:prstGeom prst="rect">
+              <a:avLst/>
+            </a:prstGeom>
+            <a:solidFill>
+              <a:schemeClr val="accent4">
+                <a:lumMod val="40000"/>
+                <a:lumOff val="60000"/>
+              </a:schemeClr>
+            </a:solidFill>
+            <a:ln w="38100">
+              <a:solidFill>
+                <a:srgbClr val="C00000"/>
+              </a:solidFill>
+            </a:ln>
+          </p:spPr>
+          <p:style>
+            <a:lnRef idx="2">
+              <a:schemeClr val="accent1">
+                <a:shade val="50000"/>
+              </a:schemeClr>
+            </a:lnRef>
+            <a:fillRef idx="1">
+              <a:schemeClr val="accent1"/>
+            </a:fillRef>
+            <a:effectRef idx="0">
+              <a:schemeClr val="accent1"/>
+            </a:effectRef>
+            <a:fontRef idx="minor">
+              <a:schemeClr val="lt1"/>
+            </a:fontRef>
+          </p:style>
+          <p:txBody>
+            <a:bodyPr rtlCol="0" anchor="ctr"/>
+            <a:lstStyle/>
+            <a:p>
+              <a:pPr algn="ctr"/>
+              <a:r>
+                <a:rPr kumimoji="1" lang="ko-Kore-KR" altLang="en-US" dirty="0">
+                  <a:solidFill>
+                    <a:schemeClr val="tx1"/>
+                  </a:solidFill>
+                </a:rPr>
+                <a:t>어</a:t>
+              </a:r>
+            </a:p>
+          </p:txBody>
+        </p:sp>
+        <p:sp>
+          <p:nvSpPr>
+            <p:cNvPr id="42" name="직사각형 41">
+              <a:extLst>
+                <a:ext uri="{FF2B5EF4-FFF2-40B4-BE49-F238E27FC236}">
+                  <a16:creationId xmlns:a16="http://schemas.microsoft.com/office/drawing/2014/main" id="{A6CEAA41-1078-014E-B45E-5A5FA1640122}"/>
+                </a:ext>
+              </a:extLst>
+            </p:cNvPr>
+            <p:cNvSpPr/>
+            <p:nvPr/>
+          </p:nvSpPr>
+          <p:spPr>
+            <a:xfrm>
+              <a:off x="7657295" y="3194347"/>
+              <a:ext cx="633374" cy="633374"/>
+            </a:xfrm>
+            <a:prstGeom prst="rect">
+              <a:avLst/>
+            </a:prstGeom>
+            <a:solidFill>
+              <a:schemeClr val="accent4">
+                <a:lumMod val="40000"/>
+                <a:lumOff val="60000"/>
+              </a:schemeClr>
+            </a:solidFill>
+            <a:ln>
+              <a:solidFill>
+                <a:schemeClr val="tx1"/>
+              </a:solidFill>
+            </a:ln>
+          </p:spPr>
+          <p:style>
+            <a:lnRef idx="2">
+              <a:schemeClr val="accent1">
+                <a:shade val="50000"/>
+              </a:schemeClr>
+            </a:lnRef>
+            <a:fillRef idx="1">
+              <a:schemeClr val="accent1"/>
+            </a:fillRef>
+            <a:effectRef idx="0">
+              <a:schemeClr val="accent1"/>
+            </a:effectRef>
+            <a:fontRef idx="minor">
+              <a:schemeClr val="lt1"/>
+            </a:fontRef>
+          </p:style>
+          <p:txBody>
+            <a:bodyPr rtlCol="0" anchor="ctr"/>
+            <a:lstStyle/>
+            <a:p>
+              <a:pPr algn="ctr"/>
+              <a:r>
+                <a:rPr kumimoji="1" lang="en-US" altLang="ko-Kore-KR" dirty="0">
+                  <a:solidFill>
+                    <a:schemeClr val="tx1"/>
+                  </a:solidFill>
+                </a:rPr>
+                <a:t>E</a:t>
+              </a:r>
+              <a:endParaRPr kumimoji="1" lang="ko-Kore-KR" altLang="en-US" dirty="0">
+                <a:solidFill>
+                  <a:schemeClr val="tx1"/>
+                </a:solidFill>
+              </a:endParaRPr>
+            </a:p>
+          </p:txBody>
+        </p:sp>
+        <p:sp>
+          <p:nvSpPr>
+            <p:cNvPr id="43" name="직사각형 42">
+              <a:extLst>
+                <a:ext uri="{FF2B5EF4-FFF2-40B4-BE49-F238E27FC236}">
+                  <a16:creationId xmlns:a16="http://schemas.microsoft.com/office/drawing/2014/main" id="{F5433086-9356-F84E-912A-033BE1EB5397}"/>
+                </a:ext>
+              </a:extLst>
+            </p:cNvPr>
+            <p:cNvSpPr/>
+            <p:nvPr/>
+          </p:nvSpPr>
+          <p:spPr>
+            <a:xfrm>
+              <a:off x="8349885" y="3194347"/>
+              <a:ext cx="633374" cy="633374"/>
+            </a:xfrm>
+            <a:prstGeom prst="rect">
+              <a:avLst/>
+            </a:prstGeom>
+            <a:solidFill>
+              <a:schemeClr val="accent4">
+                <a:lumMod val="40000"/>
+                <a:lumOff val="60000"/>
+              </a:schemeClr>
+            </a:solidFill>
+            <a:ln>
+              <a:solidFill>
+                <a:schemeClr val="tx1"/>
+              </a:solidFill>
+            </a:ln>
+          </p:spPr>
+          <p:style>
+            <a:lnRef idx="2">
+              <a:schemeClr val="accent1">
+                <a:shade val="50000"/>
+              </a:schemeClr>
+            </a:lnRef>
+            <a:fillRef idx="1">
+              <a:schemeClr val="accent1"/>
+            </a:fillRef>
+            <a:effectRef idx="0">
+              <a:schemeClr val="accent1"/>
+            </a:effectRef>
+            <a:fontRef idx="minor">
+              <a:schemeClr val="lt1"/>
+            </a:fontRef>
+          </p:style>
+          <p:txBody>
+            <a:bodyPr rtlCol="0" anchor="ctr"/>
+            <a:lstStyle/>
+            <a:p>
+              <a:pPr algn="ctr"/>
+              <a:r>
+                <a:rPr kumimoji="1" lang="ko-Kore-KR" altLang="en-US" dirty="0">
+                  <a:solidFill>
+                    <a:schemeClr val="tx1"/>
+                  </a:solidFill>
+                </a:rPr>
+                <a:t>우</a:t>
+              </a:r>
+            </a:p>
+          </p:txBody>
+        </p:sp>
+        <p:sp>
+          <p:nvSpPr>
+            <p:cNvPr id="44" name="직사각형 43">
+              <a:extLst>
+                <a:ext uri="{FF2B5EF4-FFF2-40B4-BE49-F238E27FC236}">
+                  <a16:creationId xmlns:a16="http://schemas.microsoft.com/office/drawing/2014/main" id="{4C6A61D9-9984-3547-9F9A-2D86B7DBF010}"/>
+                </a:ext>
+              </a:extLst>
+            </p:cNvPr>
+            <p:cNvSpPr/>
+            <p:nvPr/>
+          </p:nvSpPr>
+          <p:spPr>
+            <a:xfrm>
+              <a:off x="9042475" y="3194347"/>
+              <a:ext cx="633374" cy="633374"/>
+            </a:xfrm>
+            <a:prstGeom prst="rect">
+              <a:avLst/>
+            </a:prstGeom>
+            <a:solidFill>
+              <a:schemeClr val="accent4">
+                <a:lumMod val="40000"/>
+                <a:lumOff val="60000"/>
+              </a:schemeClr>
+            </a:solidFill>
+            <a:ln>
+              <a:solidFill>
+                <a:schemeClr val="tx1"/>
+              </a:solidFill>
+            </a:ln>
+          </p:spPr>
+          <p:style>
+            <a:lnRef idx="2">
+              <a:schemeClr val="accent1">
+                <a:shade val="50000"/>
+              </a:schemeClr>
+            </a:lnRef>
+            <a:fillRef idx="1">
+              <a:schemeClr val="accent1"/>
+            </a:fillRef>
+            <a:effectRef idx="0">
+              <a:schemeClr val="accent1"/>
+            </a:effectRef>
+            <a:fontRef idx="minor">
+              <a:schemeClr val="lt1"/>
+            </a:fontRef>
+          </p:style>
+          <p:txBody>
+            <a:bodyPr rtlCol="0" anchor="ctr"/>
+            <a:lstStyle/>
+            <a:p>
+              <a:pPr algn="ctr"/>
+              <a:r>
+                <a:rPr kumimoji="1" lang="ko-Kore-KR" altLang="en-US" dirty="0">
+                  <a:solidFill>
+                    <a:schemeClr val="tx1"/>
+                  </a:solidFill>
+                </a:rPr>
+                <a:t>랑</a:t>
+              </a:r>
+            </a:p>
+          </p:txBody>
+        </p:sp>
+        <p:cxnSp>
+          <p:nvCxnSpPr>
+            <p:cNvPr id="45" name="직선 화살표 연결선 44">
+              <a:extLst>
+                <a:ext uri="{FF2B5EF4-FFF2-40B4-BE49-F238E27FC236}">
+                  <a16:creationId xmlns:a16="http://schemas.microsoft.com/office/drawing/2014/main" id="{B28815BB-53F8-8A45-BFAA-7B8E63A1924E}"/>
+                </a:ext>
+              </a:extLst>
+            </p:cNvPr>
+            <p:cNvCxnSpPr>
+              <a:cxnSpLocks/>
+            </p:cNvCxnSpPr>
+            <p:nvPr/>
+          </p:nvCxnSpPr>
+          <p:spPr>
+            <a:xfrm>
+              <a:off x="5784112" y="3511034"/>
+              <a:ext cx="311888" cy="0"/>
+            </a:xfrm>
+            <a:prstGeom prst="straightConnector1">
+              <a:avLst/>
+            </a:prstGeom>
+            <a:ln w="57150">
+              <a:solidFill>
+                <a:schemeClr val="accent4"/>
+              </a:solidFill>
+              <a:tailEnd type="triangle"/>
+            </a:ln>
+          </p:spPr>
+          <p:style>
+            <a:lnRef idx="1">
+              <a:schemeClr val="accent1"/>
+            </a:lnRef>
+            <a:fillRef idx="0">
+              <a:schemeClr val="accent1"/>
+            </a:fillRef>
+            <a:effectRef idx="0">
+              <a:schemeClr val="accent1"/>
+            </a:effectRef>
+            <a:fontRef idx="minor">
+              <a:schemeClr val="tx1"/>
+            </a:fontRef>
+          </p:style>
+        </p:cxnSp>
+        <p:sp>
+          <p:nvSpPr>
+            <p:cNvPr id="46" name="직사각형 45">
+              <a:extLst>
+                <a:ext uri="{FF2B5EF4-FFF2-40B4-BE49-F238E27FC236}">
+                  <a16:creationId xmlns:a16="http://schemas.microsoft.com/office/drawing/2014/main" id="{854EAB02-151D-F346-8C38-C71B6AFBDD74}"/>
+                </a:ext>
+              </a:extLst>
+            </p:cNvPr>
+            <p:cNvSpPr/>
+            <p:nvPr/>
+          </p:nvSpPr>
+          <p:spPr>
+            <a:xfrm>
+              <a:off x="2892056" y="3842047"/>
+              <a:ext cx="633374" cy="266700"/>
+            </a:xfrm>
+            <a:prstGeom prst="rect">
+              <a:avLst/>
+            </a:prstGeom>
+            <a:solidFill>
+              <a:schemeClr val="accent4">
+                <a:lumMod val="40000"/>
+                <a:lumOff val="60000"/>
+              </a:schemeClr>
+            </a:solidFill>
+            <a:ln>
+              <a:solidFill>
+                <a:schemeClr val="tx1"/>
+              </a:solidFill>
+            </a:ln>
+          </p:spPr>
+          <p:style>
+            <a:lnRef idx="2">
+              <a:schemeClr val="accent1">
+                <a:shade val="50000"/>
+              </a:schemeClr>
+            </a:lnRef>
+            <a:fillRef idx="1">
+              <a:schemeClr val="accent1"/>
+            </a:fillRef>
+            <a:effectRef idx="0">
+              <a:schemeClr val="accent1"/>
+            </a:effectRef>
+            <a:fontRef idx="minor">
+              <a:schemeClr val="lt1"/>
+            </a:fontRef>
+          </p:style>
+          <p:txBody>
+            <a:bodyPr rtlCol="0" anchor="ctr"/>
+            <a:lstStyle/>
+            <a:p>
+              <a:pPr algn="ctr"/>
+              <a:r>
+                <a:rPr kumimoji="1" lang="en-US" altLang="ko-KR" dirty="0">
+                  <a:solidFill>
+                    <a:schemeClr val="tx1"/>
+                  </a:solidFill>
+                </a:rPr>
+                <a:t>25</a:t>
+              </a:r>
+              <a:endParaRPr kumimoji="1" lang="ko-Kore-KR" altLang="en-US" dirty="0">
+                <a:solidFill>
+                  <a:schemeClr val="tx1"/>
+                </a:solidFill>
+              </a:endParaRPr>
+            </a:p>
+          </p:txBody>
+        </p:sp>
+        <p:sp>
+          <p:nvSpPr>
+            <p:cNvPr id="47" name="직사각형 46">
+              <a:extLst>
+                <a:ext uri="{FF2B5EF4-FFF2-40B4-BE49-F238E27FC236}">
+                  <a16:creationId xmlns:a16="http://schemas.microsoft.com/office/drawing/2014/main" id="{0F6DD650-28B5-574F-A1D5-85257F53852A}"/>
+                </a:ext>
+              </a:extLst>
+            </p:cNvPr>
+            <p:cNvSpPr/>
+            <p:nvPr/>
+          </p:nvSpPr>
+          <p:spPr>
+            <a:xfrm>
+              <a:off x="3584646" y="3842047"/>
+              <a:ext cx="633374" cy="266700"/>
+            </a:xfrm>
+            <a:prstGeom prst="rect">
+              <a:avLst/>
+            </a:prstGeom>
+            <a:solidFill>
+              <a:schemeClr val="accent4">
+                <a:lumMod val="40000"/>
+                <a:lumOff val="60000"/>
+              </a:schemeClr>
+            </a:solidFill>
+            <a:ln>
+              <a:solidFill>
+                <a:schemeClr val="tx1"/>
+              </a:solidFill>
+            </a:ln>
+          </p:spPr>
+          <p:style>
+            <a:lnRef idx="2">
+              <a:schemeClr val="accent1">
+                <a:shade val="50000"/>
+              </a:schemeClr>
+            </a:lnRef>
+            <a:fillRef idx="1">
+              <a:schemeClr val="accent1"/>
+            </a:fillRef>
+            <a:effectRef idx="0">
+              <a:schemeClr val="accent1"/>
+            </a:effectRef>
+            <a:fontRef idx="minor">
+              <a:schemeClr val="lt1"/>
+            </a:fontRef>
+          </p:style>
+          <p:txBody>
+            <a:bodyPr rtlCol="0" anchor="ctr"/>
+            <a:lstStyle/>
+            <a:p>
+              <a:pPr algn="ctr"/>
+              <a:r>
+                <a:rPr kumimoji="1" lang="en-US" altLang="ko-KR" dirty="0">
+                  <a:solidFill>
+                    <a:schemeClr val="tx1"/>
+                  </a:solidFill>
+                </a:rPr>
+                <a:t>17</a:t>
+              </a:r>
+              <a:endParaRPr kumimoji="1" lang="ko-Kore-KR" altLang="en-US" dirty="0">
+                <a:solidFill>
+                  <a:schemeClr val="tx1"/>
+                </a:solidFill>
+              </a:endParaRPr>
+            </a:p>
+          </p:txBody>
+        </p:sp>
+        <p:sp>
+          <p:nvSpPr>
+            <p:cNvPr id="48" name="직사각형 47">
+              <a:extLst>
+                <a:ext uri="{FF2B5EF4-FFF2-40B4-BE49-F238E27FC236}">
+                  <a16:creationId xmlns:a16="http://schemas.microsoft.com/office/drawing/2014/main" id="{F2901C59-A96D-8A4D-95A9-0D6AE1ED72CF}"/>
+                </a:ext>
+              </a:extLst>
+            </p:cNvPr>
+            <p:cNvSpPr/>
+            <p:nvPr/>
+          </p:nvSpPr>
+          <p:spPr>
+            <a:xfrm>
+              <a:off x="4277236" y="3842047"/>
+              <a:ext cx="633374" cy="266700"/>
+            </a:xfrm>
+            <a:prstGeom prst="rect">
+              <a:avLst/>
+            </a:prstGeom>
+            <a:solidFill>
+              <a:schemeClr val="accent4">
+                <a:lumMod val="40000"/>
+                <a:lumOff val="60000"/>
+              </a:schemeClr>
+            </a:solidFill>
+            <a:ln>
+              <a:solidFill>
+                <a:schemeClr val="tx1"/>
+              </a:solidFill>
+            </a:ln>
+          </p:spPr>
+          <p:style>
+            <a:lnRef idx="2">
+              <a:schemeClr val="accent1">
+                <a:shade val="50000"/>
+              </a:schemeClr>
+            </a:lnRef>
+            <a:fillRef idx="1">
+              <a:schemeClr val="accent1"/>
+            </a:fillRef>
+            <a:effectRef idx="0">
+              <a:schemeClr val="accent1"/>
+            </a:effectRef>
+            <a:fontRef idx="minor">
+              <a:schemeClr val="lt1"/>
+            </a:fontRef>
+          </p:style>
+          <p:txBody>
+            <a:bodyPr rtlCol="0" anchor="ctr"/>
+            <a:lstStyle/>
+            <a:p>
+              <a:pPr algn="ctr"/>
+              <a:r>
+                <a:rPr kumimoji="1" lang="en-US" altLang="ko-KR" dirty="0">
+                  <a:solidFill>
+                    <a:schemeClr val="tx1"/>
+                  </a:solidFill>
+                </a:rPr>
+                <a:t>20</a:t>
+              </a:r>
+              <a:endParaRPr kumimoji="1" lang="ko-Kore-KR" altLang="en-US" dirty="0">
+                <a:solidFill>
+                  <a:schemeClr val="tx1"/>
+                </a:solidFill>
+              </a:endParaRPr>
+            </a:p>
+          </p:txBody>
+        </p:sp>
+        <p:sp>
+          <p:nvSpPr>
+            <p:cNvPr id="49" name="직사각형 48">
+              <a:extLst>
+                <a:ext uri="{FF2B5EF4-FFF2-40B4-BE49-F238E27FC236}">
+                  <a16:creationId xmlns:a16="http://schemas.microsoft.com/office/drawing/2014/main" id="{6C7B40BA-6365-9649-858A-F1B39556CDAB}"/>
+                </a:ext>
+              </a:extLst>
+            </p:cNvPr>
+            <p:cNvSpPr/>
+            <p:nvPr/>
+          </p:nvSpPr>
+          <p:spPr>
+            <a:xfrm>
+              <a:off x="4969826" y="3842047"/>
+              <a:ext cx="633374" cy="266700"/>
+            </a:xfrm>
+            <a:prstGeom prst="rect">
+              <a:avLst/>
+            </a:prstGeom>
+            <a:solidFill>
+              <a:schemeClr val="accent4">
+                <a:lumMod val="40000"/>
+                <a:lumOff val="60000"/>
+              </a:schemeClr>
+            </a:solidFill>
+            <a:ln>
+              <a:solidFill>
+                <a:schemeClr val="tx1"/>
+              </a:solidFill>
+            </a:ln>
+          </p:spPr>
+          <p:style>
+            <a:lnRef idx="2">
+              <a:schemeClr val="accent1">
+                <a:shade val="50000"/>
+              </a:schemeClr>
+            </a:lnRef>
+            <a:fillRef idx="1">
+              <a:schemeClr val="accent1"/>
+            </a:fillRef>
+            <a:effectRef idx="0">
+              <a:schemeClr val="accent1"/>
+            </a:effectRef>
+            <a:fontRef idx="minor">
+              <a:schemeClr val="lt1"/>
+            </a:fontRef>
+          </p:style>
+          <p:txBody>
+            <a:bodyPr rtlCol="0" anchor="ctr"/>
+            <a:lstStyle/>
+            <a:p>
+              <a:pPr algn="ctr"/>
+              <a:r>
+                <a:rPr kumimoji="1" lang="en-US" altLang="ko-KR" dirty="0">
+                  <a:solidFill>
+                    <a:schemeClr val="tx1"/>
+                  </a:solidFill>
+                </a:rPr>
+                <a:t>6</a:t>
+              </a:r>
+              <a:endParaRPr kumimoji="1" lang="ko-Kore-KR" altLang="en-US" dirty="0">
+                <a:solidFill>
+                  <a:schemeClr val="tx1"/>
+                </a:solidFill>
+              </a:endParaRPr>
+            </a:p>
+          </p:txBody>
+        </p:sp>
+        <p:sp>
+          <p:nvSpPr>
+            <p:cNvPr id="50" name="직사각형 49">
+              <a:extLst>
+                <a:ext uri="{FF2B5EF4-FFF2-40B4-BE49-F238E27FC236}">
+                  <a16:creationId xmlns:a16="http://schemas.microsoft.com/office/drawing/2014/main" id="{ED645BFE-76C8-0F48-AD5A-1396A6798A96}"/>
+                </a:ext>
+              </a:extLst>
+            </p:cNvPr>
+            <p:cNvSpPr/>
+            <p:nvPr/>
+          </p:nvSpPr>
+          <p:spPr>
+            <a:xfrm>
+              <a:off x="6272115" y="3842047"/>
+              <a:ext cx="633374" cy="266700"/>
+            </a:xfrm>
+            <a:prstGeom prst="rect">
+              <a:avLst/>
+            </a:prstGeom>
+            <a:solidFill>
+              <a:schemeClr val="accent4">
+                <a:lumMod val="40000"/>
+                <a:lumOff val="60000"/>
+              </a:schemeClr>
+            </a:solidFill>
+            <a:ln>
+              <a:solidFill>
+                <a:schemeClr val="tx1"/>
+              </a:solidFill>
+            </a:ln>
+          </p:spPr>
+          <p:style>
+            <a:lnRef idx="2">
+              <a:schemeClr val="accent1">
+                <a:shade val="50000"/>
+              </a:schemeClr>
+            </a:lnRef>
+            <a:fillRef idx="1">
+              <a:schemeClr val="accent1"/>
+            </a:fillRef>
+            <a:effectRef idx="0">
+              <a:schemeClr val="accent1"/>
+            </a:effectRef>
+            <a:fontRef idx="minor">
+              <a:schemeClr val="lt1"/>
+            </a:fontRef>
+          </p:style>
+          <p:txBody>
+            <a:bodyPr rtlCol="0" anchor="ctr"/>
+            <a:lstStyle/>
+            <a:p>
+              <a:pPr algn="ctr"/>
+              <a:r>
+                <a:rPr kumimoji="1" lang="en-US" altLang="ko-KR" dirty="0">
+                  <a:solidFill>
+                    <a:schemeClr val="tx1"/>
+                  </a:solidFill>
+                </a:rPr>
+                <a:t>29</a:t>
+              </a:r>
+              <a:endParaRPr kumimoji="1" lang="ko-Kore-KR" altLang="en-US" dirty="0">
+                <a:solidFill>
+                  <a:schemeClr val="tx1"/>
+                </a:solidFill>
+              </a:endParaRPr>
+            </a:p>
+          </p:txBody>
+        </p:sp>
+        <p:sp>
+          <p:nvSpPr>
+            <p:cNvPr id="51" name="직사각형 50">
+              <a:extLst>
+                <a:ext uri="{FF2B5EF4-FFF2-40B4-BE49-F238E27FC236}">
+                  <a16:creationId xmlns:a16="http://schemas.microsoft.com/office/drawing/2014/main" id="{184FD235-8A25-4540-A6C5-50689885BE76}"/>
+                </a:ext>
+              </a:extLst>
+            </p:cNvPr>
+            <p:cNvSpPr/>
+            <p:nvPr/>
+          </p:nvSpPr>
+          <p:spPr>
+            <a:xfrm>
+              <a:off x="6964705" y="3842047"/>
+              <a:ext cx="633374" cy="266700"/>
+            </a:xfrm>
+            <a:prstGeom prst="rect">
+              <a:avLst/>
+            </a:prstGeom>
+            <a:solidFill>
+              <a:schemeClr val="accent4">
+                <a:lumMod val="40000"/>
+                <a:lumOff val="60000"/>
+              </a:schemeClr>
+            </a:solidFill>
+            <a:ln>
+              <a:solidFill>
+                <a:schemeClr val="tx1"/>
+              </a:solidFill>
+            </a:ln>
+          </p:spPr>
+          <p:style>
+            <a:lnRef idx="2">
+              <a:schemeClr val="accent1">
+                <a:shade val="50000"/>
+              </a:schemeClr>
+            </a:lnRef>
+            <a:fillRef idx="1">
+              <a:schemeClr val="accent1"/>
+            </a:fillRef>
+            <a:effectRef idx="0">
+              <a:schemeClr val="accent1"/>
+            </a:effectRef>
+            <a:fontRef idx="minor">
+              <a:schemeClr val="lt1"/>
+            </a:fontRef>
+          </p:style>
+          <p:txBody>
+            <a:bodyPr rtlCol="0" anchor="ctr"/>
+            <a:lstStyle/>
+            <a:p>
+              <a:pPr algn="ctr"/>
+              <a:r>
+                <a:rPr kumimoji="1" lang="en-US" altLang="ko-KR" dirty="0">
+                  <a:solidFill>
+                    <a:schemeClr val="tx1"/>
+                  </a:solidFill>
+                </a:rPr>
+                <a:t>30</a:t>
+              </a:r>
+              <a:endParaRPr kumimoji="1" lang="ko-Kore-KR" altLang="en-US" dirty="0">
+                <a:solidFill>
+                  <a:schemeClr val="tx1"/>
+                </a:solidFill>
+              </a:endParaRPr>
+            </a:p>
+          </p:txBody>
+        </p:sp>
+        <p:sp>
+          <p:nvSpPr>
+            <p:cNvPr id="52" name="직사각형 51">
+              <a:extLst>
+                <a:ext uri="{FF2B5EF4-FFF2-40B4-BE49-F238E27FC236}">
+                  <a16:creationId xmlns:a16="http://schemas.microsoft.com/office/drawing/2014/main" id="{BF2CD7AE-B92C-7545-9456-2B4DEE816FCD}"/>
+                </a:ext>
+              </a:extLst>
+            </p:cNvPr>
+            <p:cNvSpPr/>
+            <p:nvPr/>
+          </p:nvSpPr>
+          <p:spPr>
+            <a:xfrm>
+              <a:off x="7657295" y="3842047"/>
+              <a:ext cx="633374" cy="266700"/>
+            </a:xfrm>
+            <a:prstGeom prst="rect">
+              <a:avLst/>
+            </a:prstGeom>
+            <a:solidFill>
+              <a:schemeClr val="accent4">
+                <a:lumMod val="40000"/>
+                <a:lumOff val="60000"/>
+              </a:schemeClr>
+            </a:solidFill>
+            <a:ln>
+              <a:solidFill>
+                <a:schemeClr val="tx1"/>
+              </a:solidFill>
+            </a:ln>
+          </p:spPr>
+          <p:style>
+            <a:lnRef idx="2">
+              <a:schemeClr val="accent1">
+                <a:shade val="50000"/>
+              </a:schemeClr>
+            </a:lnRef>
+            <a:fillRef idx="1">
+              <a:schemeClr val="accent1"/>
+            </a:fillRef>
+            <a:effectRef idx="0">
+              <a:schemeClr val="accent1"/>
+            </a:effectRef>
+            <a:fontRef idx="minor">
+              <a:schemeClr val="lt1"/>
+            </a:fontRef>
+          </p:style>
+          <p:txBody>
+            <a:bodyPr rtlCol="0" anchor="ctr"/>
+            <a:lstStyle/>
+            <a:p>
+              <a:pPr algn="ctr"/>
+              <a:r>
+                <a:rPr kumimoji="1" lang="en-US" altLang="ko-KR" dirty="0">
+                  <a:solidFill>
+                    <a:schemeClr val="tx1"/>
+                  </a:solidFill>
+                </a:rPr>
+                <a:t>1</a:t>
+              </a:r>
+              <a:endParaRPr kumimoji="1" lang="ko-Kore-KR" altLang="en-US" dirty="0">
+                <a:solidFill>
+                  <a:schemeClr val="tx1"/>
+                </a:solidFill>
+              </a:endParaRPr>
+            </a:p>
+          </p:txBody>
+        </p:sp>
+        <p:sp>
+          <p:nvSpPr>
+            <p:cNvPr id="53" name="직사각형 52">
+              <a:extLst>
+                <a:ext uri="{FF2B5EF4-FFF2-40B4-BE49-F238E27FC236}">
+                  <a16:creationId xmlns:a16="http://schemas.microsoft.com/office/drawing/2014/main" id="{43917D64-676B-6349-A27A-75530E8B26E1}"/>
+                </a:ext>
+              </a:extLst>
+            </p:cNvPr>
+            <p:cNvSpPr/>
+            <p:nvPr/>
+          </p:nvSpPr>
+          <p:spPr>
+            <a:xfrm>
+              <a:off x="8349885" y="3842047"/>
+              <a:ext cx="633374" cy="266700"/>
+            </a:xfrm>
+            <a:prstGeom prst="rect">
+              <a:avLst/>
+            </a:prstGeom>
+            <a:solidFill>
+              <a:schemeClr val="accent4">
+                <a:lumMod val="40000"/>
+                <a:lumOff val="60000"/>
+              </a:schemeClr>
+            </a:solidFill>
+            <a:ln>
+              <a:solidFill>
+                <a:schemeClr val="tx1"/>
+              </a:solidFill>
+            </a:ln>
+          </p:spPr>
+          <p:style>
+            <a:lnRef idx="2">
+              <a:schemeClr val="accent1">
+                <a:shade val="50000"/>
+              </a:schemeClr>
+            </a:lnRef>
+            <a:fillRef idx="1">
+              <a:schemeClr val="accent1"/>
+            </a:fillRef>
+            <a:effectRef idx="0">
+              <a:schemeClr val="accent1"/>
+            </a:effectRef>
+            <a:fontRef idx="minor">
+              <a:schemeClr val="lt1"/>
+            </a:fontRef>
+          </p:style>
+          <p:txBody>
+            <a:bodyPr rtlCol="0" anchor="ctr"/>
+            <a:lstStyle/>
+            <a:p>
+              <a:pPr algn="ctr"/>
+              <a:r>
+                <a:rPr kumimoji="1" lang="en-US" altLang="ko-KR" dirty="0">
+                  <a:solidFill>
+                    <a:schemeClr val="tx1"/>
+                  </a:solidFill>
+                </a:rPr>
+                <a:t>43</a:t>
+              </a:r>
+              <a:endParaRPr kumimoji="1" lang="ko-Kore-KR" altLang="en-US" dirty="0">
+                <a:solidFill>
+                  <a:schemeClr val="tx1"/>
+                </a:solidFill>
+              </a:endParaRPr>
+            </a:p>
+          </p:txBody>
+        </p:sp>
+        <p:sp>
+          <p:nvSpPr>
+            <p:cNvPr id="54" name="직사각형 53">
+              <a:extLst>
+                <a:ext uri="{FF2B5EF4-FFF2-40B4-BE49-F238E27FC236}">
+                  <a16:creationId xmlns:a16="http://schemas.microsoft.com/office/drawing/2014/main" id="{31BB6DE2-2858-EE4E-B8E0-890DBD604903}"/>
+                </a:ext>
+              </a:extLst>
+            </p:cNvPr>
+            <p:cNvSpPr/>
+            <p:nvPr/>
+          </p:nvSpPr>
+          <p:spPr>
+            <a:xfrm>
+              <a:off x="9042475" y="3846627"/>
+              <a:ext cx="633374" cy="266700"/>
+            </a:xfrm>
+            <a:prstGeom prst="rect">
+              <a:avLst/>
+            </a:prstGeom>
+            <a:solidFill>
+              <a:schemeClr val="accent4">
+                <a:lumMod val="40000"/>
+                <a:lumOff val="60000"/>
+              </a:schemeClr>
+            </a:solidFill>
+            <a:ln>
+              <a:solidFill>
+                <a:schemeClr val="tx1"/>
+              </a:solidFill>
+            </a:ln>
+          </p:spPr>
+          <p:style>
+            <a:lnRef idx="2">
+              <a:schemeClr val="accent1">
+                <a:shade val="50000"/>
+              </a:schemeClr>
+            </a:lnRef>
+            <a:fillRef idx="1">
+              <a:schemeClr val="accent1"/>
+            </a:fillRef>
+            <a:effectRef idx="0">
+              <a:schemeClr val="accent1"/>
+            </a:effectRef>
+            <a:fontRef idx="minor">
+              <a:schemeClr val="lt1"/>
+            </a:fontRef>
+          </p:style>
+          <p:txBody>
+            <a:bodyPr rtlCol="0" anchor="ctr"/>
+            <a:lstStyle/>
+            <a:p>
+              <a:pPr algn="ctr"/>
+              <a:r>
+                <a:rPr kumimoji="1" lang="en-US" altLang="ko-KR" dirty="0">
+                  <a:solidFill>
+                    <a:schemeClr val="tx1"/>
+                  </a:solidFill>
+                </a:rPr>
+                <a:t>40</a:t>
+              </a:r>
+              <a:endParaRPr kumimoji="1" lang="ko-Kore-KR" altLang="en-US" dirty="0">
+                <a:solidFill>
+                  <a:schemeClr val="tx1"/>
+                </a:solidFill>
+              </a:endParaRPr>
+            </a:p>
+          </p:txBody>
+        </p:sp>
+      </p:grpSp>
+      <p:sp>
+        <p:nvSpPr>
+          <p:cNvPr id="55" name="직사각형 54">
+            <a:extLst>
+              <a:ext uri="{FF2B5EF4-FFF2-40B4-BE49-F238E27FC236}">
+                <a16:creationId xmlns:a16="http://schemas.microsoft.com/office/drawing/2014/main" id="{E04DFCA9-55BC-C941-8EF7-B699051F8077}"/>
+              </a:ext>
+            </a:extLst>
+          </p:cNvPr>
+          <p:cNvSpPr/>
+          <p:nvPr/>
+        </p:nvSpPr>
+        <p:spPr>
+          <a:xfrm>
+            <a:off x="459397" y="5189147"/>
+            <a:ext cx="10984468" cy="1169551"/>
+          </a:xfrm>
+          <a:prstGeom prst="rect">
+            <a:avLst/>
+          </a:prstGeom>
+        </p:spPr>
+        <p:txBody>
+          <a:bodyPr wrap="square">
+            <a:spAutoFit/>
+          </a:bodyPr>
+          <a:lstStyle/>
+          <a:p>
+            <a:pPr algn="just" latinLnBrk="1"/>
+            <a:r>
+              <a:rPr lang="en-US" altLang="ko-Kore-KR" sz="1400" kern="100" dirty="0" err="1">
+                <a:latin typeface="Calibri" panose="020F0502020204030204" pitchFamily="34" charset="0"/>
+                <a:ea typeface="맑은 고딕" panose="020B0503020000020004" pitchFamily="34" charset="-127"/>
+                <a:cs typeface="Times New Roman" panose="02020603050405020304" pitchFamily="18" charset="0"/>
+              </a:rPr>
+              <a:t>int_value_model</a:t>
+            </a:r>
+            <a:r>
+              <a:rPr lang="en-US" altLang="ko-Kore-KR" sz="1400" kern="100" dirty="0">
+                <a:latin typeface="Calibri" panose="020F0502020204030204" pitchFamily="34" charset="0"/>
+                <a:ea typeface="맑은 고딕" panose="020B0503020000020004" pitchFamily="34" charset="-127"/>
+                <a:cs typeface="Times New Roman" panose="02020603050405020304" pitchFamily="18" charset="0"/>
+              </a:rPr>
+              <a:t>:  [[[-2 -3 -2 -4 -1 -3  0 -2 -2 -1 -2 -2 -1 -2  0 -4 -4 -6  0 -2 -2 -2 -2 -2 -4 -4 -1 -2  0 </a:t>
+            </a:r>
+            <a:r>
+              <a:rPr lang="en-US" altLang="ko-Kore-KR" sz="1400" kern="100" dirty="0">
+                <a:highlight>
+                  <a:srgbClr val="00FF00"/>
+                </a:highlight>
+                <a:latin typeface="Calibri" panose="020F0502020204030204" pitchFamily="34" charset="0"/>
+                <a:ea typeface="맑은 고딕" panose="020B0503020000020004" pitchFamily="34" charset="-127"/>
+                <a:cs typeface="Times New Roman" panose="02020603050405020304" pitchFamily="18" charset="0"/>
+              </a:rPr>
+              <a:t>10</a:t>
+            </a:r>
+            <a:r>
+              <a:rPr lang="en-US" altLang="ko-Kore-KR" sz="1400" kern="100" dirty="0">
+                <a:latin typeface="Calibri" panose="020F0502020204030204" pitchFamily="34" charset="0"/>
+                <a:ea typeface="맑은 고딕" panose="020B0503020000020004" pitchFamily="34" charset="-127"/>
+                <a:cs typeface="Times New Roman" panose="02020603050405020304" pitchFamily="18" charset="0"/>
+              </a:rPr>
+              <a:t> -4  3  3 -1  0  0 -2 -1 -4 -1 -1  0 -1  0  0] </a:t>
+            </a:r>
+            <a:r>
+              <a:rPr lang="en-US" altLang="ko-KR" sz="1400" kern="100" dirty="0">
+                <a:latin typeface="Calibri" panose="020F0502020204030204" pitchFamily="34" charset="0"/>
+                <a:ea typeface="맑은 고딕" panose="020B0503020000020004" pitchFamily="34" charset="-127"/>
+                <a:cs typeface="Times New Roman" panose="02020603050405020304" pitchFamily="18" charset="0"/>
+                <a:sym typeface="Wingdings" pitchFamily="2" charset="2"/>
+              </a:rPr>
+              <a:t> </a:t>
+            </a:r>
+            <a:r>
+              <a:rPr lang="ko-KR" altLang="en-US" sz="1400" kern="100" dirty="0">
+                <a:latin typeface="Calibri" panose="020F0502020204030204" pitchFamily="34" charset="0"/>
+                <a:ea typeface="맑은 고딕" panose="020B0503020000020004" pitchFamily="34" charset="-127"/>
+                <a:cs typeface="Times New Roman" panose="02020603050405020304" pitchFamily="18" charset="0"/>
+                <a:sym typeface="Wingdings" pitchFamily="2" charset="2"/>
+              </a:rPr>
+              <a:t>단</a:t>
+            </a:r>
+            <a:endParaRPr lang="ko-Kore-KR" altLang="ko-Kore-KR" sz="1400" kern="100" dirty="0">
+              <a:latin typeface="Calibri" panose="020F0502020204030204" pitchFamily="34" charset="0"/>
+              <a:ea typeface="맑은 고딕" panose="020B0503020000020004" pitchFamily="34" charset="-127"/>
+              <a:cs typeface="Times New Roman" panose="02020603050405020304" pitchFamily="18" charset="0"/>
+            </a:endParaRPr>
+          </a:p>
+          <a:p>
+            <a:pPr algn="just" latinLnBrk="1"/>
+            <a:r>
+              <a:rPr lang="en-US" altLang="ko-Kore-KR" sz="1400" kern="100" dirty="0">
+                <a:latin typeface="Calibri" panose="020F0502020204030204" pitchFamily="34" charset="0"/>
+                <a:ea typeface="맑은 고딕" panose="020B0503020000020004" pitchFamily="34" charset="-127"/>
+                <a:cs typeface="Times New Roman" panose="02020603050405020304" pitchFamily="18" charset="0"/>
+              </a:rPr>
+              <a:t> 	              [-6 -2 -3 -3 -3 -3 -2 -4 -1 -2 -1 -2 -1 -1 -3  0 -2 -3  0 -2 -1 -2 -4  -3 -1 -4 -3 -1 -3 -4 </a:t>
+            </a:r>
+            <a:r>
+              <a:rPr lang="en-US" altLang="ko-Kore-KR" sz="1400" kern="100" dirty="0">
+                <a:highlight>
+                  <a:srgbClr val="00FF00"/>
+                </a:highlight>
+                <a:latin typeface="Calibri" panose="020F0502020204030204" pitchFamily="34" charset="0"/>
+                <a:ea typeface="맑은 고딕" panose="020B0503020000020004" pitchFamily="34" charset="-127"/>
+                <a:cs typeface="Times New Roman" panose="02020603050405020304" pitchFamily="18" charset="0"/>
+              </a:rPr>
+              <a:t>14</a:t>
+            </a:r>
+            <a:r>
+              <a:rPr lang="en-US" altLang="ko-Kore-KR" sz="1400" kern="100" dirty="0">
+                <a:latin typeface="Calibri" panose="020F0502020204030204" pitchFamily="34" charset="0"/>
+                <a:ea typeface="맑은 고딕" panose="020B0503020000020004" pitchFamily="34" charset="-127"/>
+                <a:cs typeface="Times New Roman" panose="02020603050405020304" pitchFamily="18" charset="0"/>
+              </a:rPr>
+              <a:t> -3  4  1  0 -3 -1 -4  3 -1  2 -4  2  3  0] </a:t>
+            </a:r>
+            <a:r>
+              <a:rPr lang="en-US" altLang="ko-Kore-KR" sz="1400" kern="100" dirty="0">
+                <a:latin typeface="Calibri" panose="020F0502020204030204" pitchFamily="34" charset="0"/>
+                <a:ea typeface="맑은 고딕" panose="020B0503020000020004" pitchFamily="34" charset="-127"/>
+                <a:cs typeface="Times New Roman" panose="02020603050405020304" pitchFamily="18" charset="0"/>
+                <a:sym typeface="Wingdings" pitchFamily="2" charset="2"/>
+              </a:rPr>
+              <a:t> </a:t>
+            </a:r>
+            <a:r>
+              <a:rPr lang="ko-Kore-KR" altLang="en-US" sz="1400" kern="100" dirty="0">
+                <a:latin typeface="Calibri" panose="020F0502020204030204" pitchFamily="34" charset="0"/>
+                <a:ea typeface="맑은 고딕" panose="020B0503020000020004" pitchFamily="34" charset="-127"/>
+                <a:cs typeface="Times New Roman" panose="02020603050405020304" pitchFamily="18" charset="0"/>
+                <a:sym typeface="Wingdings" pitchFamily="2" charset="2"/>
+              </a:rPr>
+              <a:t>어</a:t>
+            </a:r>
+            <a:endParaRPr lang="ko-Kore-KR" altLang="ko-Kore-KR" sz="1400" kern="100" dirty="0">
+              <a:latin typeface="Calibri" panose="020F0502020204030204" pitchFamily="34" charset="0"/>
+              <a:ea typeface="맑은 고딕" panose="020B0503020000020004" pitchFamily="34" charset="-127"/>
+              <a:cs typeface="Times New Roman" panose="02020603050405020304" pitchFamily="18" charset="0"/>
+            </a:endParaRPr>
+          </a:p>
+          <a:p>
+            <a:pPr algn="just" latinLnBrk="1"/>
+            <a:r>
+              <a:rPr lang="en-US" altLang="ko-Kore-KR" sz="1400" kern="100" dirty="0">
+                <a:latin typeface="Calibri" panose="020F0502020204030204" pitchFamily="34" charset="0"/>
+                <a:ea typeface="맑은 고딕" panose="020B0503020000020004" pitchFamily="34" charset="-127"/>
+                <a:cs typeface="Times New Roman" panose="02020603050405020304" pitchFamily="18" charset="0"/>
+              </a:rPr>
+              <a:t> 	              [ 0 13  1  0 -1 -1 -2  0 -1  0  1  0 -1 -1 -1  1  0  2  0 -1  0 -4  0  -1  0  1  0  0  0 -2  0  0 -4 -2 -1 -1  1  0  1 -3  0 -2 -1 -1 -2]</a:t>
+            </a:r>
+            <a:endParaRPr lang="ko-Kore-KR" altLang="ko-Kore-KR" sz="1400" kern="100" dirty="0">
+              <a:latin typeface="Calibri" panose="020F0502020204030204" pitchFamily="34" charset="0"/>
+              <a:ea typeface="맑은 고딕" panose="020B0503020000020004" pitchFamily="34" charset="-127"/>
+              <a:cs typeface="Times New Roman" panose="02020603050405020304" pitchFamily="18" charset="0"/>
+            </a:endParaRPr>
+          </a:p>
+          <a:p>
+            <a:pPr algn="just" latinLnBrk="1"/>
+            <a:r>
+              <a:rPr lang="en-US" altLang="ko-Kore-KR" sz="1400" kern="100" dirty="0">
+                <a:latin typeface="Calibri" panose="020F0502020204030204" pitchFamily="34" charset="0"/>
+                <a:ea typeface="맑은 고딕" panose="020B0503020000020004" pitchFamily="34" charset="-127"/>
+                <a:cs typeface="Times New Roman" panose="02020603050405020304" pitchFamily="18" charset="0"/>
+              </a:rPr>
+              <a:t>                                     [ 0 -5 -1  1  1  0  1  2 -2  0 -2 -1  0  0  0  0 -1  0  3  0  0 -1  0</a:t>
+            </a:r>
+            <a:r>
+              <a:rPr lang="ko-Kore-KR" altLang="en-US" sz="1400" kern="100" dirty="0">
+                <a:latin typeface="Calibri" panose="020F0502020204030204" pitchFamily="34" charset="0"/>
+                <a:ea typeface="맑은 고딕" panose="020B0503020000020004" pitchFamily="34" charset="-127"/>
+                <a:cs typeface="Times New Roman" panose="02020603050405020304" pitchFamily="18" charset="0"/>
+              </a:rPr>
+              <a:t> </a:t>
+            </a:r>
+            <a:r>
+              <a:rPr lang="en-US" altLang="ko-Kore-KR" sz="1400" kern="100" dirty="0">
+                <a:latin typeface="Calibri" panose="020F0502020204030204" pitchFamily="34" charset="0"/>
+                <a:ea typeface="맑은 고딕" panose="020B0503020000020004" pitchFamily="34" charset="-127"/>
+                <a:cs typeface="Times New Roman" panose="02020603050405020304" pitchFamily="18" charset="0"/>
+              </a:rPr>
+              <a:t> 1  0 -1  1  1  0  3  0  1  1  1  0  0  0 -2 -3  1 -1  1 -2  2  1]</a:t>
+            </a:r>
+            <a:endParaRPr lang="ko-Kore-KR" altLang="ko-Kore-KR" sz="1400" kern="100" dirty="0">
+              <a:latin typeface="Calibri" panose="020F0502020204030204" pitchFamily="34" charset="0"/>
+              <a:ea typeface="맑은 고딕" panose="020B0503020000020004" pitchFamily="34" charset="-127"/>
+              <a:cs typeface="Times New Roman" panose="02020603050405020304" pitchFamily="18" charset="0"/>
+            </a:endParaRPr>
+          </a:p>
+          <a:p>
+            <a:pPr algn="just" latinLnBrk="1"/>
+            <a:r>
+              <a:rPr lang="en-US" altLang="ko-Kore-KR" sz="1400" kern="100" dirty="0">
+                <a:latin typeface="Calibri" panose="020F0502020204030204" pitchFamily="34" charset="0"/>
+                <a:ea typeface="맑은 고딕" panose="020B0503020000020004" pitchFamily="34" charset="-127"/>
+                <a:cs typeface="Times New Roman" panose="02020603050405020304" pitchFamily="18" charset="0"/>
+              </a:rPr>
+              <a:t>                                     [-1  0 -2  0  0  0  0  1  0  0  1  0  0 -3 -1  0 -1  0  0  0  0  0  0</a:t>
+            </a:r>
+            <a:r>
+              <a:rPr lang="ko-Kore-KR" altLang="en-US" sz="1400" kern="100" dirty="0">
+                <a:latin typeface="Calibri" panose="020F0502020204030204" pitchFamily="34" charset="0"/>
+                <a:ea typeface="맑은 고딕" panose="020B0503020000020004" pitchFamily="34" charset="-127"/>
+                <a:cs typeface="Times New Roman" panose="02020603050405020304" pitchFamily="18" charset="0"/>
+              </a:rPr>
+              <a:t> </a:t>
+            </a:r>
+            <a:r>
+              <a:rPr lang="en-US" altLang="ko-Kore-KR" sz="1400" kern="100" dirty="0">
+                <a:latin typeface="Calibri" panose="020F0502020204030204" pitchFamily="34" charset="0"/>
+                <a:ea typeface="맑은 고딕" panose="020B0503020000020004" pitchFamily="34" charset="-127"/>
+                <a:cs typeface="Times New Roman" panose="02020603050405020304" pitchFamily="18" charset="0"/>
+              </a:rPr>
+              <a:t> 0 -2  0  0  1  0 -1  0  1  1 -2  6 -3  1  0 -4  0  2 -2 -1 -2  0]]]</a:t>
+            </a:r>
+            <a:endParaRPr lang="ko-Kore-KR" altLang="ko-Kore-KR" sz="1400" kern="100" dirty="0">
+              <a:latin typeface="Calibri" panose="020F0502020204030204" pitchFamily="34" charset="0"/>
+              <a:ea typeface="맑은 고딕" panose="020B0503020000020004" pitchFamily="34" charset="-127"/>
+              <a:cs typeface="Times New Roman" panose="02020603050405020304" pitchFamily="18" charset="0"/>
+            </a:endParaRPr>
+          </a:p>
+        </p:txBody>
+      </p:sp>
+      <p:sp>
+        <p:nvSpPr>
+          <p:cNvPr id="56" name="직사각형 55">
+            <a:extLst>
+              <a:ext uri="{FF2B5EF4-FFF2-40B4-BE49-F238E27FC236}">
+                <a16:creationId xmlns:a16="http://schemas.microsoft.com/office/drawing/2014/main" id="{2244D91A-CCE9-DC4A-BC5B-B71E2DA64FEE}"/>
+              </a:ext>
+            </a:extLst>
+          </p:cNvPr>
+          <p:cNvSpPr/>
+          <p:nvPr/>
+        </p:nvSpPr>
+        <p:spPr>
+          <a:xfrm>
+            <a:off x="5951631" y="833684"/>
+            <a:ext cx="5909185" cy="769441"/>
+          </a:xfrm>
+          <a:prstGeom prst="rect">
+            <a:avLst/>
+          </a:prstGeom>
+        </p:spPr>
+        <p:txBody>
+          <a:bodyPr wrap="square">
+            <a:spAutoFit/>
+          </a:bodyPr>
+          <a:lstStyle/>
+          <a:p>
+            <a:r>
+              <a:rPr lang="ko-Kore-KR" altLang="en-US" sz="1100" dirty="0"/>
+              <a:t>num_dic: {'S': 0, 'E': 1, 'P': 2, 'a': 3, 'b': 4, 'c': 5, 'd': 6, 'e': 7, 'f': 8, 'g': 9, 'h': 10, 'i': 11, 'j': 12, 'k': 13, 'l': 14, 'm': 15, 'n': 16, 'o': 17, 'p': 18, 'q': 19, 'r': 20, 's': 21, 't': 22, 'u': 23, 'v': 24, 'w': 25, 'x': 26, 'y': 27, 'z': 28, </a:t>
+            </a:r>
+            <a:r>
+              <a:rPr lang="ko-Kore-KR" altLang="en-US" sz="1100" dirty="0">
+                <a:highlight>
+                  <a:srgbClr val="00FF00"/>
+                </a:highlight>
+              </a:rPr>
+              <a:t>'단': 29</a:t>
+            </a:r>
+            <a:r>
+              <a:rPr lang="ko-Kore-KR" altLang="en-US" sz="1100" dirty="0"/>
+              <a:t>, '</a:t>
+            </a:r>
+            <a:r>
+              <a:rPr lang="ko-Kore-KR" altLang="en-US" sz="1100" dirty="0">
+                <a:highlight>
+                  <a:srgbClr val="00FF00"/>
+                </a:highlight>
+              </a:rPr>
+              <a:t>어': 30, </a:t>
+            </a:r>
+            <a:r>
+              <a:rPr lang="ko-Kore-KR" altLang="en-US" sz="1100" dirty="0"/>
+              <a:t>'나': 31, '무': 32, '놀': 33, '이': 34, '소': 35, '녀': 36, '키': 37, '스': 38, '사': 39, '랑': 40, '봉': 41, '구': 42, '우': 43, '루': 44}</a:t>
+            </a:r>
+          </a:p>
+        </p:txBody>
+      </p:sp>
+    </p:spTree>
+    <p:extLst>
+      <p:ext uri="{BB962C8B-B14F-4D97-AF65-F5344CB8AC3E}">
+        <p14:creationId xmlns:p14="http://schemas.microsoft.com/office/powerpoint/2010/main" val="2495093141"/>
+      </p:ext>
+    </p:extLst>
+  </p:cSld>
+  <p:clrMapOvr>
+    <a:masterClrMapping/>
+  </p:clrMapOvr>
+</p:sld>
+</file>
+
+<file path=ppt/slides/slide33.xml><?xml version="1.0" encoding="utf-8"?>
+<p:sld xmlns:a="http://schemas.openxmlformats.org/drawingml/2006/main" xmlns:r="http://schemas.openxmlformats.org/officeDocument/2006/relationships" xmlns:p="http://schemas.openxmlformats.org/presentationml/2006/main">
+  <p:cSld>
+    <p:spTree>
+      <p:nvGrpSpPr>
+        <p:cNvPr id="1" name=""/>
+        <p:cNvGrpSpPr/>
+        <p:nvPr/>
+      </p:nvGrpSpPr>
+      <p:grpSpPr>
+        <a:xfrm>
+          <a:off x="0" y="0"/>
+          <a:ext cx="0" cy="0"/>
+          <a:chOff x="0" y="0"/>
+          <a:chExt cx="0" cy="0"/>
+        </a:xfrm>
+      </p:grpSpPr>
+      <p:sp>
+        <p:nvSpPr>
+          <p:cNvPr id="4" name="TextBox 3">
+            <a:extLst>
+              <a:ext uri="{FF2B5EF4-FFF2-40B4-BE49-F238E27FC236}">
+                <a16:creationId xmlns:a16="http://schemas.microsoft.com/office/drawing/2014/main" id="{058C193D-C6BC-0F46-9651-079143EEA7D5}"/>
+              </a:ext>
+            </a:extLst>
+          </p:cNvPr>
+          <p:cNvSpPr txBox="1"/>
+          <p:nvPr/>
+        </p:nvSpPr>
+        <p:spPr>
+          <a:xfrm>
+            <a:off x="106326" y="202019"/>
+            <a:ext cx="11889731" cy="467885"/>
+          </a:xfrm>
+          <a:prstGeom prst="rect">
+            <a:avLst/>
+          </a:prstGeom>
+          <a:noFill/>
+        </p:spPr>
+        <p:txBody>
+          <a:bodyPr wrap="square" rtlCol="0">
+            <a:spAutoFit/>
+          </a:bodyPr>
+          <a:lstStyle/>
+          <a:p>
+            <a:pPr>
+              <a:lnSpc>
+                <a:spcPct val="150000"/>
+              </a:lnSpc>
+            </a:pPr>
+            <a:r>
+              <a:rPr kumimoji="1" lang="en-US" altLang="ko-KR" b="1" u="sng" dirty="0">
+                <a:solidFill>
+                  <a:srgbClr val="3D3D3D"/>
+                </a:solidFill>
+                <a:latin typeface="NanumSquareRound Regular" panose="020B0600000101010101" pitchFamily="34" charset="-127"/>
+                <a:ea typeface="NanumSquareRound Regular" panose="020B0600000101010101" pitchFamily="34" charset="-127"/>
+              </a:rPr>
+              <a:t>Uncertainty in RNN</a:t>
+            </a:r>
+          </a:p>
+        </p:txBody>
+      </p:sp>
+      <p:sp>
+        <p:nvSpPr>
+          <p:cNvPr id="5" name="TextBox 4">
+            <a:extLst>
+              <a:ext uri="{FF2B5EF4-FFF2-40B4-BE49-F238E27FC236}">
+                <a16:creationId xmlns:a16="http://schemas.microsoft.com/office/drawing/2014/main" id="{B898744E-6F06-444A-9DDF-9F733AF7FCE4}"/>
+              </a:ext>
+            </a:extLst>
+          </p:cNvPr>
+          <p:cNvSpPr txBox="1"/>
+          <p:nvPr/>
+        </p:nvSpPr>
+        <p:spPr>
+          <a:xfrm>
+            <a:off x="151134" y="926177"/>
+            <a:ext cx="11889731" cy="1353897"/>
+          </a:xfrm>
+          <a:prstGeom prst="rect">
+            <a:avLst/>
+          </a:prstGeom>
+          <a:noFill/>
+        </p:spPr>
+        <p:txBody>
+          <a:bodyPr wrap="square" rtlCol="0">
+            <a:spAutoFit/>
+          </a:bodyPr>
+          <a:lstStyle/>
+          <a:p>
+            <a:pPr marL="285750" indent="-285750">
+              <a:lnSpc>
+                <a:spcPct val="150000"/>
+              </a:lnSpc>
+              <a:buFontTx/>
+              <a:buChar char="-"/>
+            </a:pPr>
+            <a:r>
+              <a:rPr kumimoji="1" lang="en-US" altLang="ko-KR" sz="1400" dirty="0">
+                <a:solidFill>
+                  <a:srgbClr val="3D3D3D"/>
+                </a:solidFill>
+                <a:latin typeface="NanumSquareRound Regular" panose="020B0600000101010101" pitchFamily="34" charset="-127"/>
+                <a:ea typeface="NanumSquareRound Regular" panose="020B0600000101010101" pitchFamily="34" charset="-127"/>
+              </a:rPr>
+              <a:t>RNN</a:t>
+            </a:r>
+            <a:r>
+              <a:rPr kumimoji="1" lang="ko-KR" altLang="en-US" sz="1400" dirty="0">
+                <a:solidFill>
+                  <a:srgbClr val="3D3D3D"/>
+                </a:solidFill>
+                <a:latin typeface="NanumSquareRound Regular" panose="020B0600000101010101" pitchFamily="34" charset="-127"/>
+                <a:ea typeface="NanumSquareRound Regular" panose="020B0600000101010101" pitchFamily="34" charset="-127"/>
+              </a:rPr>
+              <a:t>에서 </a:t>
+            </a:r>
+            <a:r>
+              <a:rPr kumimoji="1" lang="en-US" altLang="ko-KR" sz="1400" dirty="0">
+                <a:solidFill>
+                  <a:srgbClr val="3D3D3D"/>
+                </a:solidFill>
+                <a:latin typeface="NanumSquareRound Regular" panose="020B0600000101010101" pitchFamily="34" charset="-127"/>
+                <a:ea typeface="NanumSquareRound Regular" panose="020B0600000101010101" pitchFamily="34" charset="-127"/>
+              </a:rPr>
+              <a:t>Uncertainty </a:t>
+            </a:r>
+            <a:r>
+              <a:rPr kumimoji="1" lang="ko-KR" altLang="en-US" sz="1400" dirty="0" err="1">
+                <a:solidFill>
+                  <a:srgbClr val="3D3D3D"/>
+                </a:solidFill>
+                <a:latin typeface="NanumSquareRound Regular" panose="020B0600000101010101" pitchFamily="34" charset="-127"/>
+                <a:ea typeface="NanumSquareRound Regular" panose="020B0600000101010101" pitchFamily="34" charset="-127"/>
+              </a:rPr>
+              <a:t>를</a:t>
+            </a:r>
+            <a:r>
+              <a:rPr kumimoji="1" lang="ko-KR" altLang="en-US" sz="1400" dirty="0">
+                <a:solidFill>
+                  <a:srgbClr val="3D3D3D"/>
+                </a:solidFill>
+                <a:latin typeface="NanumSquareRound Regular" panose="020B0600000101010101" pitchFamily="34" charset="-127"/>
+                <a:ea typeface="NanumSquareRound Regular" panose="020B0600000101010101" pitchFamily="34" charset="-127"/>
+              </a:rPr>
+              <a:t> 어떻게 적용할 수 있을까</a:t>
+            </a:r>
+            <a:r>
+              <a:rPr kumimoji="1" lang="en-US" altLang="ko-KR" sz="1400" dirty="0">
+                <a:solidFill>
+                  <a:srgbClr val="3D3D3D"/>
+                </a:solidFill>
+                <a:latin typeface="NanumSquareRound Regular" panose="020B0600000101010101" pitchFamily="34" charset="-127"/>
+                <a:ea typeface="NanumSquareRound Regular" panose="020B0600000101010101" pitchFamily="34" charset="-127"/>
+              </a:rPr>
+              <a:t>?</a:t>
+            </a:r>
+          </a:p>
+          <a:p>
+            <a:pPr marL="285750" indent="-285750">
+              <a:lnSpc>
+                <a:spcPct val="150000"/>
+              </a:lnSpc>
+              <a:buFontTx/>
+              <a:buChar char="-"/>
+            </a:pPr>
+            <a:r>
+              <a:rPr kumimoji="1" lang="ko-KR" altLang="en-US" sz="1400" dirty="0">
+                <a:solidFill>
+                  <a:srgbClr val="3D3D3D"/>
+                </a:solidFill>
+                <a:latin typeface="NanumSquareRound Regular" panose="020B0600000101010101" pitchFamily="34" charset="-127"/>
+                <a:ea typeface="NanumSquareRound Regular" panose="020B0600000101010101" pitchFamily="34" charset="-127"/>
+              </a:rPr>
+              <a:t>간단한 예제로 먼저 확인 </a:t>
+            </a:r>
+            <a:r>
+              <a:rPr kumimoji="1" lang="en-US" altLang="ko-KR" sz="1400" dirty="0">
+                <a:solidFill>
+                  <a:srgbClr val="3D3D3D"/>
+                </a:solidFill>
+                <a:latin typeface="NanumSquareRound Regular" panose="020B0600000101010101" pitchFamily="34" charset="-127"/>
+                <a:ea typeface="NanumSquareRound Regular" panose="020B0600000101010101" pitchFamily="34" charset="-127"/>
+              </a:rPr>
+              <a:t>: </a:t>
+            </a:r>
+            <a:r>
+              <a:rPr kumimoji="1" lang="en-US" altLang="ko-KR" sz="1400" dirty="0" err="1">
+                <a:solidFill>
+                  <a:srgbClr val="3D3D3D"/>
+                </a:solidFill>
+                <a:latin typeface="NanumSquareRound Regular" panose="020B0600000101010101" pitchFamily="34" charset="-127"/>
+                <a:ea typeface="NanumSquareRound Regular" panose="020B0600000101010101" pitchFamily="34" charset="-127"/>
+              </a:rPr>
+              <a:t>Tensorflow</a:t>
+            </a:r>
+            <a:r>
+              <a:rPr kumimoji="1" lang="ko-KR" altLang="en-US" sz="1400" dirty="0">
+                <a:solidFill>
+                  <a:srgbClr val="3D3D3D"/>
+                </a:solidFill>
+                <a:latin typeface="NanumSquareRound Regular" panose="020B0600000101010101" pitchFamily="34" charset="-127"/>
+                <a:ea typeface="NanumSquareRound Regular" panose="020B0600000101010101" pitchFamily="34" charset="-127"/>
+              </a:rPr>
+              <a:t> 활용한 </a:t>
+            </a:r>
+            <a:r>
+              <a:rPr kumimoji="1" lang="ko-KR" altLang="en-US" sz="1400" dirty="0" err="1">
+                <a:solidFill>
+                  <a:srgbClr val="3D3D3D"/>
+                </a:solidFill>
+                <a:latin typeface="NanumSquareRound Regular" panose="020B0600000101010101" pitchFamily="34" charset="-127"/>
+                <a:ea typeface="NanumSquareRound Regular" panose="020B0600000101010101" pitchFamily="34" charset="-127"/>
+              </a:rPr>
+              <a:t>영단어</a:t>
+            </a:r>
+            <a:r>
+              <a:rPr kumimoji="1" lang="ko-KR" altLang="en-US" sz="1400" dirty="0">
+                <a:solidFill>
+                  <a:srgbClr val="3D3D3D"/>
+                </a:solidFill>
+                <a:latin typeface="NanumSquareRound Regular" panose="020B0600000101010101" pitchFamily="34" charset="-127"/>
+                <a:ea typeface="NanumSquareRound Regular" panose="020B0600000101010101" pitchFamily="34" charset="-127"/>
+              </a:rPr>
+              <a:t> 번역 예제</a:t>
+            </a:r>
+            <a:endParaRPr kumimoji="1" lang="en-US" altLang="ko-KR" sz="1400" dirty="0">
+              <a:solidFill>
+                <a:srgbClr val="3D3D3D"/>
+              </a:solidFill>
+              <a:latin typeface="NanumSquareRound Regular" panose="020B0600000101010101" pitchFamily="34" charset="-127"/>
+              <a:ea typeface="NanumSquareRound Regular" panose="020B0600000101010101" pitchFamily="34" charset="-127"/>
+            </a:endParaRPr>
+          </a:p>
+          <a:p>
+            <a:pPr marL="285750" indent="-285750">
+              <a:lnSpc>
+                <a:spcPct val="150000"/>
+              </a:lnSpc>
+              <a:buFontTx/>
+              <a:buChar char="-"/>
+            </a:pPr>
+            <a:r>
+              <a:rPr kumimoji="1" lang="ko-KR" altLang="en-US" sz="1400" dirty="0">
+                <a:solidFill>
+                  <a:srgbClr val="3D3D3D"/>
+                </a:solidFill>
+                <a:latin typeface="NanumSquareRound Regular" panose="020B0600000101010101" pitchFamily="34" charset="-127"/>
+                <a:ea typeface="NanumSquareRound Regular" panose="020B0600000101010101" pitchFamily="34" charset="-127"/>
+              </a:rPr>
+              <a:t>모델 구조 </a:t>
+            </a:r>
+            <a:r>
+              <a:rPr kumimoji="1" lang="en-US" altLang="ko-KR" sz="1400" dirty="0">
+                <a:solidFill>
+                  <a:srgbClr val="3D3D3D"/>
+                </a:solidFill>
+                <a:latin typeface="NanumSquareRound Regular" panose="020B0600000101010101" pitchFamily="34" charset="-127"/>
+                <a:ea typeface="NanumSquareRound Regular" panose="020B0600000101010101" pitchFamily="34" charset="-127"/>
+              </a:rPr>
+              <a:t>: Seq2Seq</a:t>
+            </a:r>
+          </a:p>
+          <a:p>
+            <a:pPr marL="285750" indent="-285750">
+              <a:lnSpc>
+                <a:spcPct val="150000"/>
+              </a:lnSpc>
+              <a:buFontTx/>
+              <a:buChar char="-"/>
+            </a:pPr>
+            <a:r>
+              <a:rPr kumimoji="1" lang="en-US" altLang="ko-KR" sz="1400" dirty="0">
+                <a:solidFill>
+                  <a:srgbClr val="3D3D3D"/>
+                </a:solidFill>
+                <a:latin typeface="NanumSquareRound Regular" panose="020B0600000101010101" pitchFamily="34" charset="-127"/>
+                <a:ea typeface="NanumSquareRound Regular" panose="020B0600000101010101" pitchFamily="34" charset="-127"/>
+              </a:rPr>
+              <a:t>Train Data</a:t>
+            </a:r>
+          </a:p>
+        </p:txBody>
+      </p:sp>
+      <p:pic>
+        <p:nvPicPr>
+          <p:cNvPr id="7" name="그림 6">
+            <a:extLst>
+              <a:ext uri="{FF2B5EF4-FFF2-40B4-BE49-F238E27FC236}">
+                <a16:creationId xmlns:a16="http://schemas.microsoft.com/office/drawing/2014/main" id="{87236FAD-0145-DE44-8136-A0436578347C}"/>
+              </a:ext>
+            </a:extLst>
+          </p:cNvPr>
+          <p:cNvPicPr>
+            <a:picLocks noChangeAspect="1"/>
+          </p:cNvPicPr>
+          <p:nvPr/>
+        </p:nvPicPr>
+        <p:blipFill>
+          <a:blip r:embed="rId3"/>
+          <a:stretch>
+            <a:fillRect/>
+          </a:stretch>
+        </p:blipFill>
+        <p:spPr>
+          <a:xfrm>
+            <a:off x="1644291" y="2280074"/>
+            <a:ext cx="8813800" cy="647700"/>
+          </a:xfrm>
+          <a:prstGeom prst="rect">
+            <a:avLst/>
+          </a:prstGeom>
+        </p:spPr>
+      </p:pic>
+      <p:grpSp>
+        <p:nvGrpSpPr>
+          <p:cNvPr id="8" name="그룹 7">
+            <a:extLst>
+              <a:ext uri="{FF2B5EF4-FFF2-40B4-BE49-F238E27FC236}">
+                <a16:creationId xmlns:a16="http://schemas.microsoft.com/office/drawing/2014/main" id="{B6F5F092-E970-E04D-BC45-20E2DAE4FF67}"/>
+              </a:ext>
+            </a:extLst>
+          </p:cNvPr>
+          <p:cNvGrpSpPr/>
+          <p:nvPr/>
+        </p:nvGrpSpPr>
+        <p:grpSpPr>
+          <a:xfrm>
+            <a:off x="2822608" y="3633971"/>
+            <a:ext cx="6783793" cy="918980"/>
+            <a:chOff x="2892056" y="3194347"/>
+            <a:chExt cx="6783793" cy="918980"/>
+          </a:xfrm>
+        </p:grpSpPr>
+        <p:sp>
+          <p:nvSpPr>
+            <p:cNvPr id="9" name="직사각형 8">
+              <a:extLst>
+                <a:ext uri="{FF2B5EF4-FFF2-40B4-BE49-F238E27FC236}">
+                  <a16:creationId xmlns:a16="http://schemas.microsoft.com/office/drawing/2014/main" id="{0F94C3B9-FC93-FC4E-B778-1AF63ED9C6DB}"/>
+                </a:ext>
+              </a:extLst>
+            </p:cNvPr>
+            <p:cNvSpPr/>
+            <p:nvPr/>
+          </p:nvSpPr>
+          <p:spPr>
+            <a:xfrm>
+              <a:off x="2892056" y="3194347"/>
+              <a:ext cx="633374" cy="633374"/>
+            </a:xfrm>
+            <a:prstGeom prst="rect">
+              <a:avLst/>
+            </a:prstGeom>
+            <a:solidFill>
+              <a:schemeClr val="accent4">
+                <a:lumMod val="40000"/>
+                <a:lumOff val="60000"/>
+              </a:schemeClr>
+            </a:solidFill>
+            <a:ln>
+              <a:solidFill>
+                <a:schemeClr val="tx1"/>
+              </a:solidFill>
+            </a:ln>
+          </p:spPr>
+          <p:style>
+            <a:lnRef idx="2">
+              <a:schemeClr val="accent1">
+                <a:shade val="50000"/>
+              </a:schemeClr>
+            </a:lnRef>
+            <a:fillRef idx="1">
+              <a:schemeClr val="accent1"/>
+            </a:fillRef>
+            <a:effectRef idx="0">
+              <a:schemeClr val="accent1"/>
+            </a:effectRef>
+            <a:fontRef idx="minor">
+              <a:schemeClr val="lt1"/>
+            </a:fontRef>
+          </p:style>
+          <p:txBody>
+            <a:bodyPr rtlCol="0" anchor="ctr"/>
+            <a:lstStyle/>
+            <a:p>
+              <a:pPr algn="ctr"/>
+              <a:r>
+                <a:rPr kumimoji="1" lang="en-US" altLang="ko-Kore-KR" dirty="0">
+                  <a:solidFill>
+                    <a:schemeClr val="tx1"/>
+                  </a:solidFill>
+                </a:rPr>
+                <a:t>W</a:t>
+              </a:r>
+              <a:endParaRPr kumimoji="1" lang="ko-Kore-KR" altLang="en-US" dirty="0">
+                <a:solidFill>
+                  <a:schemeClr val="tx1"/>
+                </a:solidFill>
+              </a:endParaRPr>
+            </a:p>
+          </p:txBody>
+        </p:sp>
+        <p:sp>
+          <p:nvSpPr>
+            <p:cNvPr id="10" name="직사각형 9">
+              <a:extLst>
+                <a:ext uri="{FF2B5EF4-FFF2-40B4-BE49-F238E27FC236}">
+                  <a16:creationId xmlns:a16="http://schemas.microsoft.com/office/drawing/2014/main" id="{2A211DD6-262A-A647-837C-E8E21977BFD9}"/>
+                </a:ext>
+              </a:extLst>
+            </p:cNvPr>
+            <p:cNvSpPr/>
+            <p:nvPr/>
+          </p:nvSpPr>
+          <p:spPr>
+            <a:xfrm>
+              <a:off x="3584646" y="3194347"/>
+              <a:ext cx="633374" cy="633374"/>
+            </a:xfrm>
+            <a:prstGeom prst="rect">
+              <a:avLst/>
+            </a:prstGeom>
+            <a:solidFill>
+              <a:schemeClr val="accent4">
+                <a:lumMod val="40000"/>
+                <a:lumOff val="60000"/>
+              </a:schemeClr>
+            </a:solidFill>
+            <a:ln>
+              <a:solidFill>
+                <a:schemeClr val="tx1"/>
+              </a:solidFill>
+            </a:ln>
+          </p:spPr>
+          <p:style>
+            <a:lnRef idx="2">
+              <a:schemeClr val="accent1">
+                <a:shade val="50000"/>
+              </a:schemeClr>
+            </a:lnRef>
+            <a:fillRef idx="1">
+              <a:schemeClr val="accent1"/>
+            </a:fillRef>
+            <a:effectRef idx="0">
+              <a:schemeClr val="accent1"/>
+            </a:effectRef>
+            <a:fontRef idx="minor">
+              <a:schemeClr val="lt1"/>
+            </a:fontRef>
+          </p:style>
+          <p:txBody>
+            <a:bodyPr rtlCol="0" anchor="ctr"/>
+            <a:lstStyle/>
+            <a:p>
+              <a:pPr algn="ctr"/>
+              <a:r>
+                <a:rPr kumimoji="1" lang="en-US" altLang="ko-Kore-KR" dirty="0">
+                  <a:solidFill>
+                    <a:schemeClr val="tx1"/>
+                  </a:solidFill>
+                </a:rPr>
+                <a:t>O</a:t>
+              </a:r>
+              <a:endParaRPr kumimoji="1" lang="ko-Kore-KR" altLang="en-US" dirty="0">
+                <a:solidFill>
+                  <a:schemeClr val="tx1"/>
+                </a:solidFill>
+              </a:endParaRPr>
+            </a:p>
+          </p:txBody>
+        </p:sp>
+        <p:sp>
+          <p:nvSpPr>
+            <p:cNvPr id="11" name="직사각형 10">
+              <a:extLst>
+                <a:ext uri="{FF2B5EF4-FFF2-40B4-BE49-F238E27FC236}">
+                  <a16:creationId xmlns:a16="http://schemas.microsoft.com/office/drawing/2014/main" id="{48B7C669-325E-AB41-B3BF-66F566C050FF}"/>
+                </a:ext>
+              </a:extLst>
+            </p:cNvPr>
+            <p:cNvSpPr/>
+            <p:nvPr/>
+          </p:nvSpPr>
+          <p:spPr>
+            <a:xfrm>
+              <a:off x="4277236" y="3194347"/>
+              <a:ext cx="633374" cy="633374"/>
+            </a:xfrm>
+            <a:prstGeom prst="rect">
+              <a:avLst/>
+            </a:prstGeom>
+            <a:solidFill>
+              <a:schemeClr val="accent4">
+                <a:lumMod val="40000"/>
+                <a:lumOff val="60000"/>
+              </a:schemeClr>
+            </a:solidFill>
+            <a:ln>
+              <a:solidFill>
+                <a:schemeClr val="tx1"/>
+              </a:solidFill>
+            </a:ln>
+          </p:spPr>
+          <p:style>
+            <a:lnRef idx="2">
+              <a:schemeClr val="accent1">
+                <a:shade val="50000"/>
+              </a:schemeClr>
+            </a:lnRef>
+            <a:fillRef idx="1">
+              <a:schemeClr val="accent1"/>
+            </a:fillRef>
+            <a:effectRef idx="0">
+              <a:schemeClr val="accent1"/>
+            </a:effectRef>
+            <a:fontRef idx="minor">
+              <a:schemeClr val="lt1"/>
+            </a:fontRef>
+          </p:style>
+          <p:txBody>
+            <a:bodyPr rtlCol="0" anchor="ctr"/>
+            <a:lstStyle/>
+            <a:p>
+              <a:pPr algn="ctr"/>
+              <a:r>
+                <a:rPr kumimoji="1" lang="en-US" altLang="ko-Kore-KR" dirty="0">
+                  <a:solidFill>
+                    <a:schemeClr val="tx1"/>
+                  </a:solidFill>
+                </a:rPr>
+                <a:t>D</a:t>
+              </a:r>
+              <a:endParaRPr kumimoji="1" lang="ko-Kore-KR" altLang="en-US" dirty="0">
+                <a:solidFill>
+                  <a:schemeClr val="tx1"/>
+                </a:solidFill>
+              </a:endParaRPr>
+            </a:p>
+          </p:txBody>
+        </p:sp>
+        <p:sp>
+          <p:nvSpPr>
+            <p:cNvPr id="12" name="직사각형 11">
+              <a:extLst>
+                <a:ext uri="{FF2B5EF4-FFF2-40B4-BE49-F238E27FC236}">
+                  <a16:creationId xmlns:a16="http://schemas.microsoft.com/office/drawing/2014/main" id="{DAE6082D-C6DF-D84F-9D44-33742E53238F}"/>
+                </a:ext>
+              </a:extLst>
+            </p:cNvPr>
+            <p:cNvSpPr/>
+            <p:nvPr/>
+          </p:nvSpPr>
+          <p:spPr>
+            <a:xfrm>
+              <a:off x="4969826" y="3194347"/>
+              <a:ext cx="633374" cy="633374"/>
+            </a:xfrm>
+            <a:prstGeom prst="rect">
+              <a:avLst/>
+            </a:prstGeom>
+            <a:solidFill>
+              <a:schemeClr val="accent4">
+                <a:lumMod val="40000"/>
+                <a:lumOff val="60000"/>
+              </a:schemeClr>
+            </a:solidFill>
+            <a:ln>
+              <a:solidFill>
+                <a:schemeClr val="tx1"/>
+              </a:solidFill>
+            </a:ln>
+          </p:spPr>
+          <p:style>
+            <a:lnRef idx="2">
+              <a:schemeClr val="accent1">
+                <a:shade val="50000"/>
+              </a:schemeClr>
+            </a:lnRef>
+            <a:fillRef idx="1">
+              <a:schemeClr val="accent1"/>
+            </a:fillRef>
+            <a:effectRef idx="0">
+              <a:schemeClr val="accent1"/>
+            </a:effectRef>
+            <a:fontRef idx="minor">
+              <a:schemeClr val="lt1"/>
+            </a:fontRef>
+          </p:style>
+          <p:txBody>
+            <a:bodyPr rtlCol="0" anchor="ctr"/>
+            <a:lstStyle/>
+            <a:p>
+              <a:pPr algn="ctr"/>
+              <a:r>
+                <a:rPr kumimoji="1" lang="en-US" altLang="ko-Kore-KR" dirty="0">
+                  <a:solidFill>
+                    <a:schemeClr val="tx1"/>
+                  </a:solidFill>
+                </a:rPr>
+                <a:t>R</a:t>
+              </a:r>
+              <a:endParaRPr kumimoji="1" lang="ko-Kore-KR" altLang="en-US" dirty="0">
+                <a:solidFill>
+                  <a:schemeClr val="tx1"/>
+                </a:solidFill>
+              </a:endParaRPr>
+            </a:p>
+          </p:txBody>
+        </p:sp>
+        <p:sp>
+          <p:nvSpPr>
+            <p:cNvPr id="13" name="직사각형 12">
+              <a:extLst>
+                <a:ext uri="{FF2B5EF4-FFF2-40B4-BE49-F238E27FC236}">
+                  <a16:creationId xmlns:a16="http://schemas.microsoft.com/office/drawing/2014/main" id="{D7458FA0-BAED-EE4B-9DA3-76DD8AB8D53B}"/>
+                </a:ext>
+              </a:extLst>
+            </p:cNvPr>
+            <p:cNvSpPr/>
+            <p:nvPr/>
+          </p:nvSpPr>
+          <p:spPr>
+            <a:xfrm>
+              <a:off x="6272115" y="3194347"/>
+              <a:ext cx="633374" cy="633374"/>
+            </a:xfrm>
+            <a:prstGeom prst="rect">
+              <a:avLst/>
+            </a:prstGeom>
+            <a:solidFill>
+              <a:schemeClr val="accent4">
+                <a:lumMod val="40000"/>
+                <a:lumOff val="60000"/>
+              </a:schemeClr>
+            </a:solidFill>
+            <a:ln w="38100">
+              <a:solidFill>
+                <a:srgbClr val="C00000"/>
+              </a:solidFill>
+            </a:ln>
+          </p:spPr>
+          <p:style>
+            <a:lnRef idx="2">
+              <a:schemeClr val="accent1">
+                <a:shade val="50000"/>
+              </a:schemeClr>
+            </a:lnRef>
+            <a:fillRef idx="1">
+              <a:schemeClr val="accent1"/>
+            </a:fillRef>
+            <a:effectRef idx="0">
+              <a:schemeClr val="accent1"/>
+            </a:effectRef>
+            <a:fontRef idx="minor">
+              <a:schemeClr val="lt1"/>
+            </a:fontRef>
+          </p:style>
+          <p:txBody>
+            <a:bodyPr rtlCol="0" anchor="ctr"/>
+            <a:lstStyle/>
+            <a:p>
+              <a:pPr algn="ctr"/>
+              <a:r>
+                <a:rPr kumimoji="1" lang="ko-Kore-KR" altLang="en-US" dirty="0">
+                  <a:solidFill>
+                    <a:schemeClr val="tx1"/>
+                  </a:solidFill>
+                </a:rPr>
+                <a:t>나</a:t>
+              </a:r>
+              <a:endParaRPr kumimoji="1" lang="en-US" altLang="ko-Kore-KR" dirty="0">
+                <a:solidFill>
+                  <a:schemeClr val="tx1"/>
+                </a:solidFill>
+              </a:endParaRPr>
+            </a:p>
+          </p:txBody>
+        </p:sp>
+        <p:sp>
+          <p:nvSpPr>
+            <p:cNvPr id="14" name="직사각형 13">
+              <a:extLst>
+                <a:ext uri="{FF2B5EF4-FFF2-40B4-BE49-F238E27FC236}">
+                  <a16:creationId xmlns:a16="http://schemas.microsoft.com/office/drawing/2014/main" id="{A7F5E062-AED8-424C-AF9A-E4975368F8F1}"/>
+                </a:ext>
+              </a:extLst>
+            </p:cNvPr>
+            <p:cNvSpPr/>
+            <p:nvPr/>
+          </p:nvSpPr>
+          <p:spPr>
+            <a:xfrm>
+              <a:off x="6964705" y="3194347"/>
+              <a:ext cx="633374" cy="633374"/>
+            </a:xfrm>
+            <a:prstGeom prst="rect">
+              <a:avLst/>
+            </a:prstGeom>
+            <a:solidFill>
+              <a:schemeClr val="accent4">
+                <a:lumMod val="40000"/>
+                <a:lumOff val="60000"/>
+              </a:schemeClr>
+            </a:solidFill>
+            <a:ln w="38100">
+              <a:solidFill>
+                <a:srgbClr val="C00000"/>
+              </a:solidFill>
+            </a:ln>
+          </p:spPr>
+          <p:style>
+            <a:lnRef idx="2">
+              <a:schemeClr val="accent1">
+                <a:shade val="50000"/>
+              </a:schemeClr>
+            </a:lnRef>
+            <a:fillRef idx="1">
+              <a:schemeClr val="accent1"/>
+            </a:fillRef>
+            <a:effectRef idx="0">
+              <a:schemeClr val="accent1"/>
+            </a:effectRef>
+            <a:fontRef idx="minor">
+              <a:schemeClr val="lt1"/>
+            </a:fontRef>
+          </p:style>
+          <p:txBody>
+            <a:bodyPr rtlCol="0" anchor="ctr"/>
+            <a:lstStyle/>
+            <a:p>
+              <a:pPr algn="ctr"/>
+              <a:r>
+                <a:rPr kumimoji="1" lang="ko-Kore-KR" altLang="en-US" dirty="0">
+                  <a:solidFill>
+                    <a:schemeClr val="tx1"/>
+                  </a:solidFill>
+                </a:rPr>
+                <a:t>무</a:t>
+              </a:r>
+            </a:p>
+          </p:txBody>
+        </p:sp>
+        <p:sp>
+          <p:nvSpPr>
+            <p:cNvPr id="15" name="직사각형 14">
+              <a:extLst>
+                <a:ext uri="{FF2B5EF4-FFF2-40B4-BE49-F238E27FC236}">
+                  <a16:creationId xmlns:a16="http://schemas.microsoft.com/office/drawing/2014/main" id="{13F4366B-436C-724F-8294-5E141036AD31}"/>
+                </a:ext>
+              </a:extLst>
+            </p:cNvPr>
+            <p:cNvSpPr/>
+            <p:nvPr/>
+          </p:nvSpPr>
+          <p:spPr>
+            <a:xfrm>
+              <a:off x="7657295" y="3194347"/>
+              <a:ext cx="633374" cy="633374"/>
+            </a:xfrm>
+            <a:prstGeom prst="rect">
+              <a:avLst/>
+            </a:prstGeom>
+            <a:solidFill>
+              <a:schemeClr val="accent4">
+                <a:lumMod val="40000"/>
+                <a:lumOff val="60000"/>
+              </a:schemeClr>
+            </a:solidFill>
+            <a:ln>
+              <a:solidFill>
+                <a:schemeClr val="tx1"/>
+              </a:solidFill>
+            </a:ln>
+          </p:spPr>
+          <p:style>
+            <a:lnRef idx="2">
+              <a:schemeClr val="accent1">
+                <a:shade val="50000"/>
+              </a:schemeClr>
+            </a:lnRef>
+            <a:fillRef idx="1">
+              <a:schemeClr val="accent1"/>
+            </a:fillRef>
+            <a:effectRef idx="0">
+              <a:schemeClr val="accent1"/>
+            </a:effectRef>
+            <a:fontRef idx="minor">
+              <a:schemeClr val="lt1"/>
+            </a:fontRef>
+          </p:style>
+          <p:txBody>
+            <a:bodyPr rtlCol="0" anchor="ctr"/>
+            <a:lstStyle/>
+            <a:p>
+              <a:pPr algn="ctr"/>
+              <a:r>
+                <a:rPr kumimoji="1" lang="en-US" altLang="ko-Kore-KR" dirty="0">
+                  <a:solidFill>
+                    <a:schemeClr val="tx1"/>
+                  </a:solidFill>
+                </a:rPr>
+                <a:t>E</a:t>
+              </a:r>
+              <a:endParaRPr kumimoji="1" lang="ko-Kore-KR" altLang="en-US" dirty="0">
+                <a:solidFill>
+                  <a:schemeClr val="tx1"/>
+                </a:solidFill>
+              </a:endParaRPr>
+            </a:p>
+          </p:txBody>
+        </p:sp>
+        <p:sp>
+          <p:nvSpPr>
+            <p:cNvPr id="16" name="직사각형 15">
+              <a:extLst>
+                <a:ext uri="{FF2B5EF4-FFF2-40B4-BE49-F238E27FC236}">
+                  <a16:creationId xmlns:a16="http://schemas.microsoft.com/office/drawing/2014/main" id="{4370D0B8-7EB0-A24E-93AF-F4584211B5F8}"/>
+                </a:ext>
+              </a:extLst>
+            </p:cNvPr>
+            <p:cNvSpPr/>
+            <p:nvPr/>
+          </p:nvSpPr>
+          <p:spPr>
+            <a:xfrm>
+              <a:off x="8349885" y="3194347"/>
+              <a:ext cx="633374" cy="633374"/>
+            </a:xfrm>
+            <a:prstGeom prst="rect">
+              <a:avLst/>
+            </a:prstGeom>
+            <a:solidFill>
+              <a:schemeClr val="accent4">
+                <a:lumMod val="40000"/>
+                <a:lumOff val="60000"/>
+              </a:schemeClr>
+            </a:solidFill>
+            <a:ln>
+              <a:solidFill>
+                <a:schemeClr val="tx1"/>
+              </a:solidFill>
+            </a:ln>
+          </p:spPr>
+          <p:style>
+            <a:lnRef idx="2">
+              <a:schemeClr val="accent1">
+                <a:shade val="50000"/>
+              </a:schemeClr>
+            </a:lnRef>
+            <a:fillRef idx="1">
+              <a:schemeClr val="accent1"/>
+            </a:fillRef>
+            <a:effectRef idx="0">
+              <a:schemeClr val="accent1"/>
+            </a:effectRef>
+            <a:fontRef idx="minor">
+              <a:schemeClr val="lt1"/>
+            </a:fontRef>
+          </p:style>
+          <p:txBody>
+            <a:bodyPr rtlCol="0" anchor="ctr"/>
+            <a:lstStyle/>
+            <a:p>
+              <a:pPr algn="ctr"/>
+              <a:r>
+                <a:rPr kumimoji="1" lang="ko-Kore-KR" altLang="en-US" dirty="0">
+                  <a:solidFill>
+                    <a:schemeClr val="tx1"/>
+                  </a:solidFill>
+                </a:rPr>
+                <a:t>단</a:t>
+              </a:r>
+              <a:endParaRPr kumimoji="1" lang="en-US" altLang="ko-Kore-KR" dirty="0">
+                <a:solidFill>
+                  <a:schemeClr val="tx1"/>
+                </a:solidFill>
+              </a:endParaRPr>
+            </a:p>
+          </p:txBody>
+        </p:sp>
+        <p:sp>
+          <p:nvSpPr>
+            <p:cNvPr id="17" name="직사각형 16">
+              <a:extLst>
+                <a:ext uri="{FF2B5EF4-FFF2-40B4-BE49-F238E27FC236}">
+                  <a16:creationId xmlns:a16="http://schemas.microsoft.com/office/drawing/2014/main" id="{B3928CE4-4083-7C48-B114-DDAB3FB4C15A}"/>
+                </a:ext>
+              </a:extLst>
+            </p:cNvPr>
+            <p:cNvSpPr/>
+            <p:nvPr/>
+          </p:nvSpPr>
+          <p:spPr>
+            <a:xfrm>
+              <a:off x="9042475" y="3194347"/>
+              <a:ext cx="633374" cy="633374"/>
+            </a:xfrm>
+            <a:prstGeom prst="rect">
+              <a:avLst/>
+            </a:prstGeom>
+            <a:solidFill>
+              <a:schemeClr val="accent4">
+                <a:lumMod val="40000"/>
+                <a:lumOff val="60000"/>
+              </a:schemeClr>
+            </a:solidFill>
+            <a:ln>
+              <a:solidFill>
+                <a:schemeClr val="tx1"/>
+              </a:solidFill>
+            </a:ln>
+          </p:spPr>
+          <p:style>
+            <a:lnRef idx="2">
+              <a:schemeClr val="accent1">
+                <a:shade val="50000"/>
+              </a:schemeClr>
+            </a:lnRef>
+            <a:fillRef idx="1">
+              <a:schemeClr val="accent1"/>
+            </a:fillRef>
+            <a:effectRef idx="0">
+              <a:schemeClr val="accent1"/>
+            </a:effectRef>
+            <a:fontRef idx="minor">
+              <a:schemeClr val="lt1"/>
+            </a:fontRef>
+          </p:style>
+          <p:txBody>
+            <a:bodyPr rtlCol="0" anchor="ctr"/>
+            <a:lstStyle/>
+            <a:p>
+              <a:pPr algn="ctr"/>
+              <a:r>
+                <a:rPr kumimoji="1" lang="ko-Kore-KR" altLang="en-US" dirty="0">
+                  <a:solidFill>
+                    <a:schemeClr val="tx1"/>
+                  </a:solidFill>
+                </a:rPr>
+                <a:t>이</a:t>
+              </a:r>
+            </a:p>
+          </p:txBody>
+        </p:sp>
+        <p:cxnSp>
+          <p:nvCxnSpPr>
+            <p:cNvPr id="18" name="직선 화살표 연결선 17">
+              <a:extLst>
+                <a:ext uri="{FF2B5EF4-FFF2-40B4-BE49-F238E27FC236}">
+                  <a16:creationId xmlns:a16="http://schemas.microsoft.com/office/drawing/2014/main" id="{D51D4BCD-6B48-D942-A999-0774D931BBC3}"/>
+                </a:ext>
+              </a:extLst>
+            </p:cNvPr>
+            <p:cNvCxnSpPr>
+              <a:cxnSpLocks/>
+            </p:cNvCxnSpPr>
+            <p:nvPr/>
+          </p:nvCxnSpPr>
+          <p:spPr>
+            <a:xfrm>
+              <a:off x="5784112" y="3511034"/>
+              <a:ext cx="311888" cy="0"/>
+            </a:xfrm>
+            <a:prstGeom prst="straightConnector1">
+              <a:avLst/>
+            </a:prstGeom>
+            <a:ln w="57150">
+              <a:solidFill>
+                <a:schemeClr val="accent4"/>
+              </a:solidFill>
+              <a:tailEnd type="triangle"/>
+            </a:ln>
+          </p:spPr>
+          <p:style>
+            <a:lnRef idx="1">
+              <a:schemeClr val="accent1"/>
+            </a:lnRef>
+            <a:fillRef idx="0">
+              <a:schemeClr val="accent1"/>
+            </a:fillRef>
+            <a:effectRef idx="0">
+              <a:schemeClr val="accent1"/>
+            </a:effectRef>
+            <a:fontRef idx="minor">
+              <a:schemeClr val="tx1"/>
+            </a:fontRef>
+          </p:style>
+        </p:cxnSp>
+        <p:sp>
+          <p:nvSpPr>
+            <p:cNvPr id="19" name="직사각형 18">
+              <a:extLst>
+                <a:ext uri="{FF2B5EF4-FFF2-40B4-BE49-F238E27FC236}">
+                  <a16:creationId xmlns:a16="http://schemas.microsoft.com/office/drawing/2014/main" id="{8C298C4D-AD3B-284A-B4C5-8560CD883372}"/>
+                </a:ext>
+              </a:extLst>
+            </p:cNvPr>
+            <p:cNvSpPr/>
+            <p:nvPr/>
+          </p:nvSpPr>
+          <p:spPr>
+            <a:xfrm>
+              <a:off x="2892056" y="3842047"/>
+              <a:ext cx="633374" cy="266700"/>
+            </a:xfrm>
+            <a:prstGeom prst="rect">
+              <a:avLst/>
+            </a:prstGeom>
+            <a:solidFill>
+              <a:schemeClr val="accent4">
+                <a:lumMod val="40000"/>
+                <a:lumOff val="60000"/>
+              </a:schemeClr>
+            </a:solidFill>
+            <a:ln>
+              <a:solidFill>
+                <a:schemeClr val="tx1"/>
+              </a:solidFill>
+            </a:ln>
+          </p:spPr>
+          <p:style>
+            <a:lnRef idx="2">
+              <a:schemeClr val="accent1">
+                <a:shade val="50000"/>
+              </a:schemeClr>
+            </a:lnRef>
+            <a:fillRef idx="1">
+              <a:schemeClr val="accent1"/>
+            </a:fillRef>
+            <a:effectRef idx="0">
+              <a:schemeClr val="accent1"/>
+            </a:effectRef>
+            <a:fontRef idx="minor">
+              <a:schemeClr val="lt1"/>
+            </a:fontRef>
+          </p:style>
+          <p:txBody>
+            <a:bodyPr rtlCol="0" anchor="ctr"/>
+            <a:lstStyle/>
+            <a:p>
+              <a:pPr algn="ctr"/>
+              <a:r>
+                <a:rPr kumimoji="1" lang="en-US" altLang="ko-KR" dirty="0">
+                  <a:solidFill>
+                    <a:schemeClr val="tx1"/>
+                  </a:solidFill>
+                </a:rPr>
+                <a:t>25</a:t>
+              </a:r>
+              <a:endParaRPr kumimoji="1" lang="ko-Kore-KR" altLang="en-US" dirty="0">
+                <a:solidFill>
+                  <a:schemeClr val="tx1"/>
+                </a:solidFill>
+              </a:endParaRPr>
+            </a:p>
+          </p:txBody>
+        </p:sp>
+        <p:sp>
+          <p:nvSpPr>
+            <p:cNvPr id="20" name="직사각형 19">
+              <a:extLst>
+                <a:ext uri="{FF2B5EF4-FFF2-40B4-BE49-F238E27FC236}">
+                  <a16:creationId xmlns:a16="http://schemas.microsoft.com/office/drawing/2014/main" id="{8706AD69-D5C2-0748-AE14-FABE973CC84C}"/>
+                </a:ext>
+              </a:extLst>
+            </p:cNvPr>
+            <p:cNvSpPr/>
+            <p:nvPr/>
+          </p:nvSpPr>
+          <p:spPr>
+            <a:xfrm>
+              <a:off x="3584646" y="3842047"/>
+              <a:ext cx="633374" cy="266700"/>
+            </a:xfrm>
+            <a:prstGeom prst="rect">
+              <a:avLst/>
+            </a:prstGeom>
+            <a:solidFill>
+              <a:schemeClr val="accent4">
+                <a:lumMod val="40000"/>
+                <a:lumOff val="60000"/>
+              </a:schemeClr>
+            </a:solidFill>
+            <a:ln>
+              <a:solidFill>
+                <a:schemeClr val="tx1"/>
+              </a:solidFill>
+            </a:ln>
+          </p:spPr>
+          <p:style>
+            <a:lnRef idx="2">
+              <a:schemeClr val="accent1">
+                <a:shade val="50000"/>
+              </a:schemeClr>
+            </a:lnRef>
+            <a:fillRef idx="1">
+              <a:schemeClr val="accent1"/>
+            </a:fillRef>
+            <a:effectRef idx="0">
+              <a:schemeClr val="accent1"/>
+            </a:effectRef>
+            <a:fontRef idx="minor">
+              <a:schemeClr val="lt1"/>
+            </a:fontRef>
+          </p:style>
+          <p:txBody>
+            <a:bodyPr rtlCol="0" anchor="ctr"/>
+            <a:lstStyle/>
+            <a:p>
+              <a:pPr algn="ctr"/>
+              <a:r>
+                <a:rPr kumimoji="1" lang="en-US" altLang="ko-KR" dirty="0">
+                  <a:solidFill>
+                    <a:schemeClr val="tx1"/>
+                  </a:solidFill>
+                </a:rPr>
+                <a:t>17</a:t>
+              </a:r>
+              <a:endParaRPr kumimoji="1" lang="ko-Kore-KR" altLang="en-US" dirty="0">
+                <a:solidFill>
+                  <a:schemeClr val="tx1"/>
+                </a:solidFill>
+              </a:endParaRPr>
+            </a:p>
+          </p:txBody>
+        </p:sp>
+        <p:sp>
+          <p:nvSpPr>
+            <p:cNvPr id="21" name="직사각형 20">
+              <a:extLst>
+                <a:ext uri="{FF2B5EF4-FFF2-40B4-BE49-F238E27FC236}">
+                  <a16:creationId xmlns:a16="http://schemas.microsoft.com/office/drawing/2014/main" id="{F48636BB-753B-0445-A502-5FF3195AC14D}"/>
+                </a:ext>
+              </a:extLst>
+            </p:cNvPr>
+            <p:cNvSpPr/>
+            <p:nvPr/>
+          </p:nvSpPr>
+          <p:spPr>
+            <a:xfrm>
+              <a:off x="4277236" y="3842047"/>
+              <a:ext cx="633374" cy="266700"/>
+            </a:xfrm>
+            <a:prstGeom prst="rect">
+              <a:avLst/>
+            </a:prstGeom>
+            <a:solidFill>
+              <a:schemeClr val="accent4">
+                <a:lumMod val="40000"/>
+                <a:lumOff val="60000"/>
+              </a:schemeClr>
+            </a:solidFill>
+            <a:ln>
+              <a:solidFill>
+                <a:schemeClr val="tx1"/>
+              </a:solidFill>
+            </a:ln>
+          </p:spPr>
+          <p:style>
+            <a:lnRef idx="2">
+              <a:schemeClr val="accent1">
+                <a:shade val="50000"/>
+              </a:schemeClr>
+            </a:lnRef>
+            <a:fillRef idx="1">
+              <a:schemeClr val="accent1"/>
+            </a:fillRef>
+            <a:effectRef idx="0">
+              <a:schemeClr val="accent1"/>
+            </a:effectRef>
+            <a:fontRef idx="minor">
+              <a:schemeClr val="lt1"/>
+            </a:fontRef>
+          </p:style>
+          <p:txBody>
+            <a:bodyPr rtlCol="0" anchor="ctr"/>
+            <a:lstStyle/>
+            <a:p>
+              <a:pPr algn="ctr"/>
+              <a:r>
+                <a:rPr kumimoji="1" lang="en-US" altLang="ko-Kore-KR" dirty="0">
+                  <a:solidFill>
+                    <a:schemeClr val="tx1"/>
+                  </a:solidFill>
+                </a:rPr>
+                <a:t>6</a:t>
+              </a:r>
+              <a:endParaRPr kumimoji="1" lang="ko-Kore-KR" altLang="en-US" dirty="0">
+                <a:solidFill>
+                  <a:schemeClr val="tx1"/>
+                </a:solidFill>
+              </a:endParaRPr>
+            </a:p>
+          </p:txBody>
+        </p:sp>
+        <p:sp>
+          <p:nvSpPr>
+            <p:cNvPr id="22" name="직사각형 21">
+              <a:extLst>
+                <a:ext uri="{FF2B5EF4-FFF2-40B4-BE49-F238E27FC236}">
+                  <a16:creationId xmlns:a16="http://schemas.microsoft.com/office/drawing/2014/main" id="{8F9DFB93-A27D-1749-A2E3-134164F68DEB}"/>
+                </a:ext>
+              </a:extLst>
+            </p:cNvPr>
+            <p:cNvSpPr/>
+            <p:nvPr/>
+          </p:nvSpPr>
+          <p:spPr>
+            <a:xfrm>
+              <a:off x="4969826" y="3842047"/>
+              <a:ext cx="633374" cy="266700"/>
+            </a:xfrm>
+            <a:prstGeom prst="rect">
+              <a:avLst/>
+            </a:prstGeom>
+            <a:solidFill>
+              <a:schemeClr val="accent4">
+                <a:lumMod val="40000"/>
+                <a:lumOff val="60000"/>
+              </a:schemeClr>
+            </a:solidFill>
+            <a:ln>
+              <a:solidFill>
+                <a:schemeClr val="tx1"/>
+              </a:solidFill>
+            </a:ln>
+          </p:spPr>
+          <p:style>
+            <a:lnRef idx="2">
+              <a:schemeClr val="accent1">
+                <a:shade val="50000"/>
+              </a:schemeClr>
+            </a:lnRef>
+            <a:fillRef idx="1">
+              <a:schemeClr val="accent1"/>
+            </a:fillRef>
+            <a:effectRef idx="0">
+              <a:schemeClr val="accent1"/>
+            </a:effectRef>
+            <a:fontRef idx="minor">
+              <a:schemeClr val="lt1"/>
+            </a:fontRef>
+          </p:style>
+          <p:txBody>
+            <a:bodyPr rtlCol="0" anchor="ctr"/>
+            <a:lstStyle/>
+            <a:p>
+              <a:pPr algn="ctr"/>
+              <a:r>
+                <a:rPr kumimoji="1" lang="en-US" altLang="ko-KR" dirty="0">
+                  <a:solidFill>
+                    <a:schemeClr val="tx1"/>
+                  </a:solidFill>
+                </a:rPr>
+                <a:t>20</a:t>
+              </a:r>
+              <a:endParaRPr kumimoji="1" lang="ko-Kore-KR" altLang="en-US" dirty="0">
+                <a:solidFill>
+                  <a:schemeClr val="tx1"/>
+                </a:solidFill>
+              </a:endParaRPr>
+            </a:p>
+          </p:txBody>
+        </p:sp>
+        <p:sp>
+          <p:nvSpPr>
+            <p:cNvPr id="23" name="직사각형 22">
+              <a:extLst>
+                <a:ext uri="{FF2B5EF4-FFF2-40B4-BE49-F238E27FC236}">
+                  <a16:creationId xmlns:a16="http://schemas.microsoft.com/office/drawing/2014/main" id="{A333AD34-EAC7-CD41-B35B-DD47C3403506}"/>
+                </a:ext>
+              </a:extLst>
+            </p:cNvPr>
+            <p:cNvSpPr/>
+            <p:nvPr/>
+          </p:nvSpPr>
+          <p:spPr>
+            <a:xfrm>
+              <a:off x="6272115" y="3842047"/>
+              <a:ext cx="633374" cy="266700"/>
+            </a:xfrm>
+            <a:prstGeom prst="rect">
+              <a:avLst/>
+            </a:prstGeom>
+            <a:solidFill>
+              <a:schemeClr val="accent4">
+                <a:lumMod val="40000"/>
+                <a:lumOff val="60000"/>
+              </a:schemeClr>
+            </a:solidFill>
+            <a:ln>
+              <a:solidFill>
+                <a:schemeClr val="tx1"/>
+              </a:solidFill>
+            </a:ln>
+          </p:spPr>
+          <p:style>
+            <a:lnRef idx="2">
+              <a:schemeClr val="accent1">
+                <a:shade val="50000"/>
+              </a:schemeClr>
+            </a:lnRef>
+            <a:fillRef idx="1">
+              <a:schemeClr val="accent1"/>
+            </a:fillRef>
+            <a:effectRef idx="0">
+              <a:schemeClr val="accent1"/>
+            </a:effectRef>
+            <a:fontRef idx="minor">
+              <a:schemeClr val="lt1"/>
+            </a:fontRef>
+          </p:style>
+          <p:txBody>
+            <a:bodyPr rtlCol="0" anchor="ctr"/>
+            <a:lstStyle/>
+            <a:p>
+              <a:pPr algn="ctr"/>
+              <a:r>
+                <a:rPr kumimoji="1" lang="en-US" altLang="ko-KR" dirty="0">
+                  <a:solidFill>
+                    <a:schemeClr val="tx1"/>
+                  </a:solidFill>
+                </a:rPr>
+                <a:t>31</a:t>
+              </a:r>
+              <a:endParaRPr kumimoji="1" lang="ko-Kore-KR" altLang="en-US" dirty="0">
+                <a:solidFill>
+                  <a:schemeClr val="tx1"/>
+                </a:solidFill>
+              </a:endParaRPr>
+            </a:p>
+          </p:txBody>
+        </p:sp>
+        <p:sp>
+          <p:nvSpPr>
+            <p:cNvPr id="24" name="직사각형 23">
+              <a:extLst>
+                <a:ext uri="{FF2B5EF4-FFF2-40B4-BE49-F238E27FC236}">
+                  <a16:creationId xmlns:a16="http://schemas.microsoft.com/office/drawing/2014/main" id="{76CAE1ED-3B77-094D-9076-3DBC957D61F1}"/>
+                </a:ext>
+              </a:extLst>
+            </p:cNvPr>
+            <p:cNvSpPr/>
+            <p:nvPr/>
+          </p:nvSpPr>
+          <p:spPr>
+            <a:xfrm>
+              <a:off x="6964705" y="3842047"/>
+              <a:ext cx="633374" cy="266700"/>
+            </a:xfrm>
+            <a:prstGeom prst="rect">
+              <a:avLst/>
+            </a:prstGeom>
+            <a:solidFill>
+              <a:schemeClr val="accent4">
+                <a:lumMod val="40000"/>
+                <a:lumOff val="60000"/>
+              </a:schemeClr>
+            </a:solidFill>
+            <a:ln>
+              <a:solidFill>
+                <a:schemeClr val="tx1"/>
+              </a:solidFill>
+            </a:ln>
+          </p:spPr>
+          <p:style>
+            <a:lnRef idx="2">
+              <a:schemeClr val="accent1">
+                <a:shade val="50000"/>
+              </a:schemeClr>
+            </a:lnRef>
+            <a:fillRef idx="1">
+              <a:schemeClr val="accent1"/>
+            </a:fillRef>
+            <a:effectRef idx="0">
+              <a:schemeClr val="accent1"/>
+            </a:effectRef>
+            <a:fontRef idx="minor">
+              <a:schemeClr val="lt1"/>
+            </a:fontRef>
+          </p:style>
+          <p:txBody>
+            <a:bodyPr rtlCol="0" anchor="ctr"/>
+            <a:lstStyle/>
+            <a:p>
+              <a:pPr algn="ctr"/>
+              <a:r>
+                <a:rPr kumimoji="1" lang="en-US" altLang="ko-KR" dirty="0">
+                  <a:solidFill>
+                    <a:schemeClr val="tx1"/>
+                  </a:solidFill>
+                </a:rPr>
+                <a:t>32</a:t>
+              </a:r>
+              <a:endParaRPr kumimoji="1" lang="ko-Kore-KR" altLang="en-US" dirty="0">
+                <a:solidFill>
+                  <a:schemeClr val="tx1"/>
+                </a:solidFill>
+              </a:endParaRPr>
+            </a:p>
+          </p:txBody>
+        </p:sp>
+        <p:sp>
+          <p:nvSpPr>
+            <p:cNvPr id="25" name="직사각형 24">
+              <a:extLst>
+                <a:ext uri="{FF2B5EF4-FFF2-40B4-BE49-F238E27FC236}">
+                  <a16:creationId xmlns:a16="http://schemas.microsoft.com/office/drawing/2014/main" id="{147892E7-8487-1A43-8A6D-02ABCC8777FD}"/>
+                </a:ext>
+              </a:extLst>
+            </p:cNvPr>
+            <p:cNvSpPr/>
+            <p:nvPr/>
+          </p:nvSpPr>
+          <p:spPr>
+            <a:xfrm>
+              <a:off x="7657295" y="3842047"/>
+              <a:ext cx="633374" cy="266700"/>
+            </a:xfrm>
+            <a:prstGeom prst="rect">
+              <a:avLst/>
+            </a:prstGeom>
+            <a:solidFill>
+              <a:schemeClr val="accent4">
+                <a:lumMod val="40000"/>
+                <a:lumOff val="60000"/>
+              </a:schemeClr>
+            </a:solidFill>
+            <a:ln>
+              <a:solidFill>
+                <a:schemeClr val="tx1"/>
+              </a:solidFill>
+            </a:ln>
+          </p:spPr>
+          <p:style>
+            <a:lnRef idx="2">
+              <a:schemeClr val="accent1">
+                <a:shade val="50000"/>
+              </a:schemeClr>
+            </a:lnRef>
+            <a:fillRef idx="1">
+              <a:schemeClr val="accent1"/>
+            </a:fillRef>
+            <a:effectRef idx="0">
+              <a:schemeClr val="accent1"/>
+            </a:effectRef>
+            <a:fontRef idx="minor">
+              <a:schemeClr val="lt1"/>
+            </a:fontRef>
+          </p:style>
+          <p:txBody>
+            <a:bodyPr rtlCol="0" anchor="ctr"/>
+            <a:lstStyle/>
+            <a:p>
+              <a:pPr algn="ctr"/>
+              <a:r>
+                <a:rPr kumimoji="1" lang="en-US" altLang="ko-KR" dirty="0">
+                  <a:solidFill>
+                    <a:schemeClr val="tx1"/>
+                  </a:solidFill>
+                </a:rPr>
+                <a:t>1</a:t>
+              </a:r>
+              <a:endParaRPr kumimoji="1" lang="ko-Kore-KR" altLang="en-US" dirty="0">
+                <a:solidFill>
+                  <a:schemeClr val="tx1"/>
+                </a:solidFill>
+              </a:endParaRPr>
+            </a:p>
+          </p:txBody>
+        </p:sp>
+        <p:sp>
+          <p:nvSpPr>
+            <p:cNvPr id="26" name="직사각형 25">
+              <a:extLst>
+                <a:ext uri="{FF2B5EF4-FFF2-40B4-BE49-F238E27FC236}">
+                  <a16:creationId xmlns:a16="http://schemas.microsoft.com/office/drawing/2014/main" id="{6B4C11FD-C605-6D4C-9B44-425F67A68D79}"/>
+                </a:ext>
+              </a:extLst>
+            </p:cNvPr>
+            <p:cNvSpPr/>
+            <p:nvPr/>
+          </p:nvSpPr>
+          <p:spPr>
+            <a:xfrm>
+              <a:off x="8349885" y="3842047"/>
+              <a:ext cx="633374" cy="266700"/>
+            </a:xfrm>
+            <a:prstGeom prst="rect">
+              <a:avLst/>
+            </a:prstGeom>
+            <a:solidFill>
+              <a:schemeClr val="accent4">
+                <a:lumMod val="40000"/>
+                <a:lumOff val="60000"/>
+              </a:schemeClr>
+            </a:solidFill>
+            <a:ln>
+              <a:solidFill>
+                <a:schemeClr val="tx1"/>
+              </a:solidFill>
+            </a:ln>
+          </p:spPr>
+          <p:style>
+            <a:lnRef idx="2">
+              <a:schemeClr val="accent1">
+                <a:shade val="50000"/>
+              </a:schemeClr>
+            </a:lnRef>
+            <a:fillRef idx="1">
+              <a:schemeClr val="accent1"/>
+            </a:fillRef>
+            <a:effectRef idx="0">
+              <a:schemeClr val="accent1"/>
+            </a:effectRef>
+            <a:fontRef idx="minor">
+              <a:schemeClr val="lt1"/>
+            </a:fontRef>
+          </p:style>
+          <p:txBody>
+            <a:bodyPr rtlCol="0" anchor="ctr"/>
+            <a:lstStyle/>
+            <a:p>
+              <a:pPr algn="ctr"/>
+              <a:r>
+                <a:rPr kumimoji="1" lang="en-US" altLang="ko-KR" dirty="0">
+                  <a:solidFill>
+                    <a:schemeClr val="tx1"/>
+                  </a:solidFill>
+                </a:rPr>
+                <a:t>29</a:t>
+              </a:r>
+              <a:endParaRPr kumimoji="1" lang="ko-Kore-KR" altLang="en-US" dirty="0">
+                <a:solidFill>
+                  <a:schemeClr val="tx1"/>
+                </a:solidFill>
+              </a:endParaRPr>
+            </a:p>
+          </p:txBody>
+        </p:sp>
+        <p:sp>
+          <p:nvSpPr>
+            <p:cNvPr id="27" name="직사각형 26">
+              <a:extLst>
+                <a:ext uri="{FF2B5EF4-FFF2-40B4-BE49-F238E27FC236}">
+                  <a16:creationId xmlns:a16="http://schemas.microsoft.com/office/drawing/2014/main" id="{2777F0A6-46FB-7C42-9DBB-790DCB4A385B}"/>
+                </a:ext>
+              </a:extLst>
+            </p:cNvPr>
+            <p:cNvSpPr/>
+            <p:nvPr/>
+          </p:nvSpPr>
+          <p:spPr>
+            <a:xfrm>
+              <a:off x="9042475" y="3846627"/>
+              <a:ext cx="633374" cy="266700"/>
+            </a:xfrm>
+            <a:prstGeom prst="rect">
+              <a:avLst/>
+            </a:prstGeom>
+            <a:solidFill>
+              <a:schemeClr val="accent4">
+                <a:lumMod val="40000"/>
+                <a:lumOff val="60000"/>
+              </a:schemeClr>
+            </a:solidFill>
+            <a:ln>
+              <a:solidFill>
+                <a:schemeClr val="tx1"/>
+              </a:solidFill>
+            </a:ln>
+          </p:spPr>
+          <p:style>
+            <a:lnRef idx="2">
+              <a:schemeClr val="accent1">
+                <a:shade val="50000"/>
+              </a:schemeClr>
+            </a:lnRef>
+            <a:fillRef idx="1">
+              <a:schemeClr val="accent1"/>
+            </a:fillRef>
+            <a:effectRef idx="0">
+              <a:schemeClr val="accent1"/>
+            </a:effectRef>
+            <a:fontRef idx="minor">
+              <a:schemeClr val="lt1"/>
+            </a:fontRef>
+          </p:style>
+          <p:txBody>
+            <a:bodyPr rtlCol="0" anchor="ctr"/>
+            <a:lstStyle/>
+            <a:p>
+              <a:pPr algn="ctr"/>
+              <a:r>
+                <a:rPr kumimoji="1" lang="en-US" altLang="ko-Kore-KR" dirty="0">
+                  <a:solidFill>
+                    <a:schemeClr val="tx1"/>
+                  </a:solidFill>
+                </a:rPr>
+                <a:t>34</a:t>
+              </a:r>
+              <a:endParaRPr kumimoji="1" lang="ko-Kore-KR" altLang="en-US" dirty="0">
+                <a:solidFill>
+                  <a:schemeClr val="tx1"/>
+                </a:solidFill>
+              </a:endParaRPr>
+            </a:p>
+          </p:txBody>
+        </p:sp>
+      </p:grpSp>
+      <p:sp>
+        <p:nvSpPr>
+          <p:cNvPr id="33" name="직사각형 32">
+            <a:extLst>
+              <a:ext uri="{FF2B5EF4-FFF2-40B4-BE49-F238E27FC236}">
+                <a16:creationId xmlns:a16="http://schemas.microsoft.com/office/drawing/2014/main" id="{28EF5C91-3629-7141-99DD-4241BFCD8765}"/>
+              </a:ext>
+            </a:extLst>
+          </p:cNvPr>
+          <p:cNvSpPr/>
+          <p:nvPr/>
+        </p:nvSpPr>
+        <p:spPr>
+          <a:xfrm>
+            <a:off x="106326" y="5420657"/>
+            <a:ext cx="11979508" cy="1323439"/>
+          </a:xfrm>
+          <a:prstGeom prst="rect">
+            <a:avLst/>
+          </a:prstGeom>
+        </p:spPr>
+        <p:txBody>
+          <a:bodyPr wrap="square">
+            <a:spAutoFit/>
+          </a:bodyPr>
+          <a:lstStyle/>
+          <a:p>
+            <a:pPr algn="just" latinLnBrk="1"/>
+            <a:r>
+              <a:rPr lang="en-US" altLang="ko-Kore-KR" sz="1600" kern="100" dirty="0" err="1">
+                <a:latin typeface="Calibri" panose="020F0502020204030204" pitchFamily="34" charset="0"/>
+                <a:ea typeface="맑은 고딕" panose="020B0503020000020004" pitchFamily="34" charset="-127"/>
+                <a:cs typeface="Times New Roman" panose="02020603050405020304" pitchFamily="18" charset="0"/>
+              </a:rPr>
+              <a:t>int_value_model</a:t>
+            </a:r>
+            <a:r>
+              <a:rPr lang="en-US" altLang="ko-Kore-KR" sz="1600" kern="100" dirty="0">
+                <a:latin typeface="Calibri" panose="020F0502020204030204" pitchFamily="34" charset="0"/>
+                <a:ea typeface="맑은 고딕" panose="020B0503020000020004" pitchFamily="34" charset="-127"/>
+                <a:cs typeface="Times New Roman" panose="02020603050405020304" pitchFamily="18" charset="0"/>
+              </a:rPr>
+              <a:t>:  [[[ 0  0 -1 -2 -2 -2  0 -4  0  0 -1  0 -1 -1 -1 -3  0 -1  0 -2 -1 -1 -2</a:t>
+            </a:r>
+            <a:r>
+              <a:rPr lang="ko-Kore-KR" altLang="en-US" sz="1600" kern="100" dirty="0">
+                <a:latin typeface="Calibri" panose="020F0502020204030204" pitchFamily="34" charset="0"/>
+                <a:ea typeface="맑은 고딕" panose="020B0503020000020004" pitchFamily="34" charset="-127"/>
+                <a:cs typeface="Times New Roman" panose="02020603050405020304" pitchFamily="18" charset="0"/>
+              </a:rPr>
+              <a:t> </a:t>
+            </a:r>
+            <a:r>
+              <a:rPr lang="en-US" altLang="ko-Kore-KR" sz="1600" kern="100" dirty="0">
+                <a:latin typeface="Calibri" panose="020F0502020204030204" pitchFamily="34" charset="0"/>
+                <a:ea typeface="맑은 고딕" panose="020B0503020000020004" pitchFamily="34" charset="-127"/>
+                <a:cs typeface="Times New Roman" panose="02020603050405020304" pitchFamily="18" charset="0"/>
+              </a:rPr>
+              <a:t> 0  0 -1 -1 -1 -1  </a:t>
+            </a:r>
+            <a:r>
+              <a:rPr lang="en-US" altLang="ko-Kore-KR" sz="1600" kern="100" dirty="0">
+                <a:highlight>
+                  <a:srgbClr val="FF00FF"/>
+                </a:highlight>
+                <a:latin typeface="Calibri" panose="020F0502020204030204" pitchFamily="34" charset="0"/>
+                <a:ea typeface="맑은 고딕" panose="020B0503020000020004" pitchFamily="34" charset="-127"/>
+                <a:cs typeface="Times New Roman" panose="02020603050405020304" pitchFamily="18" charset="0"/>
+              </a:rPr>
+              <a:t>5</a:t>
+            </a:r>
+            <a:r>
+              <a:rPr lang="en-US" altLang="ko-Kore-KR" sz="1600" kern="100" dirty="0">
+                <a:latin typeface="Calibri" panose="020F0502020204030204" pitchFamily="34" charset="0"/>
+                <a:ea typeface="맑은 고딕" panose="020B0503020000020004" pitchFamily="34" charset="-127"/>
+                <a:cs typeface="Times New Roman" panose="02020603050405020304" pitchFamily="18" charset="0"/>
+              </a:rPr>
+              <a:t>  1  </a:t>
+            </a:r>
+            <a:r>
+              <a:rPr lang="en-US" altLang="ko-Kore-KR" sz="1600" kern="100" dirty="0">
+                <a:highlight>
+                  <a:srgbClr val="00FF00"/>
+                </a:highlight>
+                <a:latin typeface="Calibri" panose="020F0502020204030204" pitchFamily="34" charset="0"/>
+                <a:ea typeface="맑은 고딕" panose="020B0503020000020004" pitchFamily="34" charset="-127"/>
+                <a:cs typeface="Times New Roman" panose="02020603050405020304" pitchFamily="18" charset="0"/>
+              </a:rPr>
+              <a:t>8</a:t>
+            </a:r>
+            <a:r>
+              <a:rPr lang="en-US" altLang="ko-Kore-KR" sz="1600" kern="100" dirty="0">
+                <a:latin typeface="Calibri" panose="020F0502020204030204" pitchFamily="34" charset="0"/>
+                <a:ea typeface="맑은 고딕" panose="020B0503020000020004" pitchFamily="34" charset="-127"/>
+                <a:cs typeface="Times New Roman" panose="02020603050405020304" pitchFamily="18" charset="0"/>
+              </a:rPr>
+              <a:t>  </a:t>
+            </a:r>
+            <a:r>
+              <a:rPr lang="en-US" altLang="ko-Kore-KR" sz="1600" kern="100" dirty="0">
+                <a:highlight>
+                  <a:srgbClr val="FF00FF"/>
+                </a:highlight>
+                <a:latin typeface="Calibri" panose="020F0502020204030204" pitchFamily="34" charset="0"/>
+                <a:ea typeface="맑은 고딕" panose="020B0503020000020004" pitchFamily="34" charset="-127"/>
+                <a:cs typeface="Times New Roman" panose="02020603050405020304" pitchFamily="18" charset="0"/>
+              </a:rPr>
+              <a:t>5</a:t>
+            </a:r>
+            <a:r>
+              <a:rPr lang="en-US" altLang="ko-Kore-KR" sz="1600" kern="100" dirty="0">
+                <a:latin typeface="Calibri" panose="020F0502020204030204" pitchFamily="34" charset="0"/>
+                <a:ea typeface="맑은 고딕" panose="020B0503020000020004" pitchFamily="34" charset="-127"/>
+                <a:cs typeface="Times New Roman" panose="02020603050405020304" pitchFamily="18" charset="0"/>
+              </a:rPr>
+              <a:t>  0  1 -2 -3  0 -6  1  1 -1  0 -3 -1] </a:t>
+            </a:r>
+            <a:r>
+              <a:rPr lang="en-US" altLang="ko-KR" sz="1600" kern="100" dirty="0">
+                <a:latin typeface="Calibri" panose="020F0502020204030204" pitchFamily="34" charset="0"/>
+                <a:ea typeface="맑은 고딕" panose="020B0503020000020004" pitchFamily="34" charset="-127"/>
+                <a:cs typeface="Times New Roman" panose="02020603050405020304" pitchFamily="18" charset="0"/>
+                <a:sym typeface="Wingdings" pitchFamily="2" charset="2"/>
+              </a:rPr>
+              <a:t> </a:t>
+            </a:r>
+            <a:r>
+              <a:rPr lang="ko-KR" altLang="en-US" sz="1600" kern="100" dirty="0">
+                <a:latin typeface="Calibri" panose="020F0502020204030204" pitchFamily="34" charset="0"/>
+                <a:ea typeface="맑은 고딕" panose="020B0503020000020004" pitchFamily="34" charset="-127"/>
+                <a:cs typeface="Times New Roman" panose="02020603050405020304" pitchFamily="18" charset="0"/>
+                <a:sym typeface="Wingdings" pitchFamily="2" charset="2"/>
+              </a:rPr>
+              <a:t>나</a:t>
+            </a:r>
+            <a:endParaRPr lang="ko-Kore-KR" altLang="ko-Kore-KR" sz="1600" kern="100" dirty="0">
+              <a:latin typeface="Calibri" panose="020F0502020204030204" pitchFamily="34" charset="0"/>
+              <a:ea typeface="맑은 고딕" panose="020B0503020000020004" pitchFamily="34" charset="-127"/>
+              <a:cs typeface="Times New Roman" panose="02020603050405020304" pitchFamily="18" charset="0"/>
+            </a:endParaRPr>
+          </a:p>
+          <a:p>
+            <a:pPr lvl="3" algn="just" latinLnBrk="1"/>
+            <a:r>
+              <a:rPr lang="en-US" altLang="ko-Kore-KR" sz="1600" kern="100" dirty="0">
+                <a:latin typeface="Calibri" panose="020F0502020204030204" pitchFamily="34" charset="0"/>
+                <a:ea typeface="맑은 고딕" panose="020B0503020000020004" pitchFamily="34" charset="-127"/>
+                <a:cs typeface="Times New Roman" panose="02020603050405020304" pitchFamily="18" charset="0"/>
+              </a:rPr>
+              <a:t>  [-2  0 -1  1 -2  0  0 -2 -4 -2 -1 -2  0 -1 -2 -2  0 -1 -1 -2  0  0 -3</a:t>
+            </a:r>
+            <a:r>
+              <a:rPr lang="ko-Kore-KR" altLang="en-US" sz="1600" kern="100" dirty="0">
+                <a:latin typeface="Calibri" panose="020F0502020204030204" pitchFamily="34" charset="0"/>
+                <a:ea typeface="맑은 고딕" panose="020B0503020000020004" pitchFamily="34" charset="-127"/>
+                <a:cs typeface="Times New Roman" panose="02020603050405020304" pitchFamily="18" charset="0"/>
+              </a:rPr>
+              <a:t> </a:t>
+            </a:r>
+            <a:r>
+              <a:rPr lang="en-US" altLang="ko-Kore-KR" sz="1600" kern="100" dirty="0">
+                <a:latin typeface="Calibri" panose="020F0502020204030204" pitchFamily="34" charset="0"/>
+                <a:ea typeface="맑은 고딕" panose="020B0503020000020004" pitchFamily="34" charset="-127"/>
+                <a:cs typeface="Times New Roman" panose="02020603050405020304" pitchFamily="18" charset="0"/>
+              </a:rPr>
+              <a:t> -2 -1 -1 -2  0 -2  2  </a:t>
+            </a:r>
+            <a:r>
+              <a:rPr lang="en-US" altLang="ko-Kore-KR" sz="1600" kern="100" dirty="0">
+                <a:highlight>
+                  <a:srgbClr val="FF00FF"/>
+                </a:highlight>
+                <a:latin typeface="Calibri" panose="020F0502020204030204" pitchFamily="34" charset="0"/>
+                <a:ea typeface="맑은 고딕" panose="020B0503020000020004" pitchFamily="34" charset="-127"/>
+                <a:cs typeface="Times New Roman" panose="02020603050405020304" pitchFamily="18" charset="0"/>
+              </a:rPr>
+              <a:t>6</a:t>
+            </a:r>
+            <a:r>
+              <a:rPr lang="en-US" altLang="ko-Kore-KR" sz="1600" kern="100" dirty="0">
+                <a:latin typeface="Calibri" panose="020F0502020204030204" pitchFamily="34" charset="0"/>
+                <a:ea typeface="맑은 고딕" panose="020B0503020000020004" pitchFamily="34" charset="-127"/>
+                <a:cs typeface="Times New Roman" panose="02020603050405020304" pitchFamily="18" charset="0"/>
+              </a:rPr>
+              <a:t> -2  </a:t>
+            </a:r>
+            <a:r>
+              <a:rPr lang="en-US" altLang="ko-Kore-KR" sz="1600" kern="100" dirty="0">
+                <a:highlight>
+                  <a:srgbClr val="00FF00"/>
+                </a:highlight>
+                <a:latin typeface="Calibri" panose="020F0502020204030204" pitchFamily="34" charset="0"/>
+                <a:ea typeface="맑은 고딕" panose="020B0503020000020004" pitchFamily="34" charset="-127"/>
+                <a:cs typeface="Times New Roman" panose="02020603050405020304" pitchFamily="18" charset="0"/>
+              </a:rPr>
+              <a:t>8</a:t>
+            </a:r>
+            <a:r>
+              <a:rPr lang="en-US" altLang="ko-Kore-KR" sz="1600" kern="100" dirty="0">
+                <a:latin typeface="Calibri" panose="020F0502020204030204" pitchFamily="34" charset="0"/>
+                <a:ea typeface="맑은 고딕" panose="020B0503020000020004" pitchFamily="34" charset="-127"/>
+                <a:cs typeface="Times New Roman" panose="02020603050405020304" pitchFamily="18" charset="0"/>
+              </a:rPr>
+              <a:t>  1  1  0  0 -2  3 -6  1 -2  4 -1 -2] </a:t>
+            </a:r>
+            <a:r>
+              <a:rPr lang="en-US" altLang="ko-KR" sz="1600" kern="100" dirty="0">
+                <a:latin typeface="Calibri" panose="020F0502020204030204" pitchFamily="34" charset="0"/>
+                <a:ea typeface="맑은 고딕" panose="020B0503020000020004" pitchFamily="34" charset="-127"/>
+                <a:cs typeface="Times New Roman" panose="02020603050405020304" pitchFamily="18" charset="0"/>
+                <a:sym typeface="Wingdings" pitchFamily="2" charset="2"/>
+              </a:rPr>
+              <a:t> </a:t>
+            </a:r>
+            <a:r>
+              <a:rPr lang="ko-KR" altLang="en-US" sz="1600" kern="100" dirty="0">
+                <a:latin typeface="Calibri" panose="020F0502020204030204" pitchFamily="34" charset="0"/>
+                <a:ea typeface="맑은 고딕" panose="020B0503020000020004" pitchFamily="34" charset="-127"/>
+                <a:cs typeface="Times New Roman" panose="02020603050405020304" pitchFamily="18" charset="0"/>
+                <a:sym typeface="Wingdings" pitchFamily="2" charset="2"/>
+              </a:rPr>
+              <a:t>무</a:t>
+            </a:r>
+            <a:endParaRPr lang="ko-Kore-KR" altLang="ko-Kore-KR" sz="1600" kern="100" dirty="0">
+              <a:latin typeface="Calibri" panose="020F0502020204030204" pitchFamily="34" charset="0"/>
+              <a:ea typeface="맑은 고딕" panose="020B0503020000020004" pitchFamily="34" charset="-127"/>
+              <a:cs typeface="Times New Roman" panose="02020603050405020304" pitchFamily="18" charset="0"/>
+            </a:endParaRPr>
+          </a:p>
+          <a:p>
+            <a:pPr lvl="3" algn="just" latinLnBrk="1"/>
+            <a:r>
+              <a:rPr lang="en-US" altLang="ko-Kore-KR" sz="1600" kern="100" dirty="0">
+                <a:latin typeface="Calibri" panose="020F0502020204030204" pitchFamily="34" charset="0"/>
+                <a:ea typeface="맑은 고딕" panose="020B0503020000020004" pitchFamily="34" charset="-127"/>
+                <a:cs typeface="Times New Roman" panose="02020603050405020304" pitchFamily="18" charset="0"/>
+              </a:rPr>
+              <a:t>  [-3 15 -7 -3 -3 -1 -2 -2 -1 -2 -2 -4  2  0 -1  0 -1 -4 -2 -2  0 -1 -3</a:t>
+            </a:r>
+            <a:r>
+              <a:rPr lang="ko-Kore-KR" altLang="en-US" sz="1600" kern="100" dirty="0">
+                <a:latin typeface="Calibri" panose="020F0502020204030204" pitchFamily="34" charset="0"/>
+                <a:ea typeface="맑은 고딕" panose="020B0503020000020004" pitchFamily="34" charset="-127"/>
+                <a:cs typeface="Times New Roman" panose="02020603050405020304" pitchFamily="18" charset="0"/>
+              </a:rPr>
+              <a:t> </a:t>
+            </a:r>
+            <a:r>
+              <a:rPr lang="en-US" altLang="ko-Kore-KR" sz="1600" kern="100" dirty="0">
+                <a:latin typeface="Calibri" panose="020F0502020204030204" pitchFamily="34" charset="0"/>
+                <a:ea typeface="맑은 고딕" panose="020B0503020000020004" pitchFamily="34" charset="-127"/>
+                <a:cs typeface="Times New Roman" panose="02020603050405020304" pitchFamily="18" charset="0"/>
+              </a:rPr>
+              <a:t>-3 -1 -3 -1 -1 -1 -4  4  0 -4 -3  2  0  5 -2 -2 -2  1 -1 -2  2  0]</a:t>
+            </a:r>
+            <a:endParaRPr lang="ko-Kore-KR" altLang="ko-Kore-KR" sz="1600" kern="100" dirty="0">
+              <a:latin typeface="Calibri" panose="020F0502020204030204" pitchFamily="34" charset="0"/>
+              <a:ea typeface="맑은 고딕" panose="020B0503020000020004" pitchFamily="34" charset="-127"/>
+              <a:cs typeface="Times New Roman" panose="02020603050405020304" pitchFamily="18" charset="0"/>
+            </a:endParaRPr>
+          </a:p>
+          <a:p>
+            <a:pPr lvl="3" algn="just" latinLnBrk="1"/>
+            <a:r>
+              <a:rPr lang="en-US" altLang="ko-Kore-KR" sz="1600" kern="100" dirty="0">
+                <a:latin typeface="Calibri" panose="020F0502020204030204" pitchFamily="34" charset="0"/>
+                <a:ea typeface="맑은 고딕" panose="020B0503020000020004" pitchFamily="34" charset="-127"/>
+                <a:cs typeface="Times New Roman" panose="02020603050405020304" pitchFamily="18" charset="0"/>
+              </a:rPr>
+              <a:t>  [ 1  0  0  0  1  1 -1  0 -1  0 -1  2  0  0 -1  2  0 -2 -1  0 -2 -2  0</a:t>
+            </a:r>
+            <a:r>
+              <a:rPr lang="ko-Kore-KR" altLang="en-US" sz="1600" kern="100" dirty="0">
+                <a:latin typeface="Calibri" panose="020F0502020204030204" pitchFamily="34" charset="0"/>
+                <a:ea typeface="맑은 고딕" panose="020B0503020000020004" pitchFamily="34" charset="-127"/>
+                <a:cs typeface="Times New Roman" panose="02020603050405020304" pitchFamily="18" charset="0"/>
+              </a:rPr>
+              <a:t> </a:t>
+            </a:r>
+            <a:r>
+              <a:rPr lang="en-US" altLang="ko-Kore-KR" sz="1600" kern="100" dirty="0">
+                <a:latin typeface="Calibri" panose="020F0502020204030204" pitchFamily="34" charset="0"/>
+                <a:ea typeface="맑은 고딕" panose="020B0503020000020004" pitchFamily="34" charset="-127"/>
+                <a:cs typeface="Times New Roman" panose="02020603050405020304" pitchFamily="18" charset="0"/>
+              </a:rPr>
+              <a:t>-1  0  0  0 -2  0  6  1  2  1  3  3  6  0 -2  0 -1 -7 -2 -5  2 -1]</a:t>
+            </a:r>
+            <a:endParaRPr lang="ko-Kore-KR" altLang="ko-Kore-KR" sz="1600" kern="100" dirty="0">
+              <a:latin typeface="Calibri" panose="020F0502020204030204" pitchFamily="34" charset="0"/>
+              <a:ea typeface="맑은 고딕" panose="020B0503020000020004" pitchFamily="34" charset="-127"/>
+              <a:cs typeface="Times New Roman" panose="02020603050405020304" pitchFamily="18" charset="0"/>
+            </a:endParaRPr>
+          </a:p>
+          <a:p>
+            <a:pPr lvl="3" algn="just" latinLnBrk="1"/>
+            <a:r>
+              <a:rPr lang="en-US" altLang="ko-Kore-KR" sz="1600" kern="100" dirty="0">
+                <a:latin typeface="Calibri" panose="020F0502020204030204" pitchFamily="34" charset="0"/>
+                <a:ea typeface="맑은 고딕" panose="020B0503020000020004" pitchFamily="34" charset="-127"/>
+                <a:cs typeface="Times New Roman" panose="02020603050405020304" pitchFamily="18" charset="0"/>
+              </a:rPr>
+              <a:t>  [-1  0 -2 -1 -1 -1 -2 -3 -2  0 -3  0 -4 -2  0  0 -1 -3 -2 -3 -4 -2 -3</a:t>
+            </a:r>
+            <a:r>
+              <a:rPr lang="ko-Kore-KR" altLang="en-US" sz="1600" kern="100" dirty="0">
+                <a:latin typeface="Calibri" panose="020F0502020204030204" pitchFamily="34" charset="0"/>
+                <a:ea typeface="맑은 고딕" panose="020B0503020000020004" pitchFamily="34" charset="-127"/>
+                <a:cs typeface="Times New Roman" panose="02020603050405020304" pitchFamily="18" charset="0"/>
+              </a:rPr>
+              <a:t> </a:t>
+            </a:r>
+            <a:r>
+              <a:rPr lang="en-US" altLang="ko-Kore-KR" sz="1600" kern="100" dirty="0">
+                <a:latin typeface="Calibri" panose="020F0502020204030204" pitchFamily="34" charset="0"/>
+                <a:ea typeface="맑은 고딕" panose="020B0503020000020004" pitchFamily="34" charset="-127"/>
+                <a:cs typeface="Times New Roman" panose="02020603050405020304" pitchFamily="18" charset="0"/>
+              </a:rPr>
+              <a:t> -1  0 -2  0  0 -2  5  5  0  0 -3  6 -2  7 -1 -3  0  1 -4 -2 -3  6]]]</a:t>
+            </a:r>
+            <a:endParaRPr lang="ko-Kore-KR" altLang="ko-Kore-KR" sz="1600" kern="100" dirty="0">
+              <a:latin typeface="Calibri" panose="020F0502020204030204" pitchFamily="34" charset="0"/>
+              <a:ea typeface="맑은 고딕" panose="020B0503020000020004" pitchFamily="34" charset="-127"/>
+              <a:cs typeface="Times New Roman" panose="02020603050405020304" pitchFamily="18" charset="0"/>
+            </a:endParaRPr>
+          </a:p>
+        </p:txBody>
+      </p:sp>
+      <p:sp>
+        <p:nvSpPr>
+          <p:cNvPr id="34" name="TextBox 33">
+            <a:extLst>
+              <a:ext uri="{FF2B5EF4-FFF2-40B4-BE49-F238E27FC236}">
+                <a16:creationId xmlns:a16="http://schemas.microsoft.com/office/drawing/2014/main" id="{F55E865C-86AA-E14A-9368-2FE8971BB0D2}"/>
+              </a:ext>
+            </a:extLst>
+          </p:cNvPr>
+          <p:cNvSpPr txBox="1"/>
+          <p:nvPr/>
+        </p:nvSpPr>
+        <p:spPr>
+          <a:xfrm>
+            <a:off x="7551129" y="4954642"/>
+            <a:ext cx="499294" cy="276999"/>
+          </a:xfrm>
+          <a:prstGeom prst="rect">
+            <a:avLst/>
+          </a:prstGeom>
+          <a:noFill/>
+        </p:spPr>
+        <p:txBody>
+          <a:bodyPr wrap="square" rtlCol="0">
+            <a:spAutoFit/>
+          </a:bodyPr>
+          <a:lstStyle/>
+          <a:p>
+            <a:r>
+              <a:rPr kumimoji="1" lang="ko-Kore-KR" altLang="en-US" sz="1200" dirty="0"/>
+              <a:t>단</a:t>
+            </a:r>
+          </a:p>
+        </p:txBody>
+      </p:sp>
+      <p:sp>
+        <p:nvSpPr>
+          <p:cNvPr id="35" name="TextBox 34">
+            <a:extLst>
+              <a:ext uri="{FF2B5EF4-FFF2-40B4-BE49-F238E27FC236}">
+                <a16:creationId xmlns:a16="http://schemas.microsoft.com/office/drawing/2014/main" id="{83A85FA9-D8C0-FE4C-A6D2-7670B8A6AB1E}"/>
+              </a:ext>
+            </a:extLst>
+          </p:cNvPr>
+          <p:cNvSpPr txBox="1"/>
+          <p:nvPr/>
+        </p:nvSpPr>
+        <p:spPr>
+          <a:xfrm>
+            <a:off x="7867816" y="4699450"/>
+            <a:ext cx="499294" cy="276999"/>
+          </a:xfrm>
+          <a:prstGeom prst="rect">
+            <a:avLst/>
+          </a:prstGeom>
+          <a:noFill/>
+        </p:spPr>
+        <p:txBody>
+          <a:bodyPr wrap="square" rtlCol="0">
+            <a:spAutoFit/>
+          </a:bodyPr>
+          <a:lstStyle/>
+          <a:p>
+            <a:r>
+              <a:rPr kumimoji="1" lang="ko-Kore-KR" altLang="en-US" sz="1200" dirty="0"/>
+              <a:t>어</a:t>
+            </a:r>
+          </a:p>
+        </p:txBody>
+      </p:sp>
+      <p:cxnSp>
+        <p:nvCxnSpPr>
+          <p:cNvPr id="36" name="직선 화살표 연결선 35">
+            <a:extLst>
+              <a:ext uri="{FF2B5EF4-FFF2-40B4-BE49-F238E27FC236}">
+                <a16:creationId xmlns:a16="http://schemas.microsoft.com/office/drawing/2014/main" id="{3DDB7E0C-1D09-EA42-8702-61BE89BD152B}"/>
+              </a:ext>
+            </a:extLst>
+          </p:cNvPr>
+          <p:cNvCxnSpPr>
+            <a:cxnSpLocks/>
+            <a:endCxn id="34" idx="2"/>
+          </p:cNvCxnSpPr>
+          <p:nvPr/>
+        </p:nvCxnSpPr>
+        <p:spPr>
+          <a:xfrm flipH="1" flipV="1">
+            <a:off x="7800776" y="5231641"/>
+            <a:ext cx="173802" cy="184438"/>
+          </a:xfrm>
+          <a:prstGeom prst="straightConnector1">
+            <a:avLst/>
+          </a:prstGeom>
+          <a:ln>
+            <a:solidFill>
+              <a:srgbClr val="FF0000"/>
+            </a:solidFill>
+            <a:tailEnd type="triangle"/>
+          </a:ln>
+        </p:spPr>
+        <p:style>
+          <a:lnRef idx="1">
+            <a:schemeClr val="accent1"/>
+          </a:lnRef>
+          <a:fillRef idx="0">
+            <a:schemeClr val="accent1"/>
+          </a:fillRef>
+          <a:effectRef idx="0">
+            <a:schemeClr val="accent1"/>
+          </a:effectRef>
+          <a:fontRef idx="minor">
+            <a:schemeClr val="tx1"/>
+          </a:fontRef>
+        </p:style>
+      </p:cxnSp>
+      <p:cxnSp>
+        <p:nvCxnSpPr>
+          <p:cNvPr id="37" name="직선 화살표 연결선 36">
+            <a:extLst>
+              <a:ext uri="{FF2B5EF4-FFF2-40B4-BE49-F238E27FC236}">
+                <a16:creationId xmlns:a16="http://schemas.microsoft.com/office/drawing/2014/main" id="{8AB5AC0A-1E74-554E-9FE6-771B83500B58}"/>
+              </a:ext>
+            </a:extLst>
+          </p:cNvPr>
+          <p:cNvCxnSpPr/>
+          <p:nvPr/>
+        </p:nvCxnSpPr>
+        <p:spPr>
+          <a:xfrm flipV="1">
+            <a:off x="8050423" y="4954642"/>
+            <a:ext cx="0" cy="691187"/>
+          </a:xfrm>
+          <a:prstGeom prst="straightConnector1">
+            <a:avLst/>
+          </a:prstGeom>
+          <a:ln>
+            <a:solidFill>
+              <a:srgbClr val="FF0000"/>
+            </a:solidFill>
+            <a:tailEnd type="triangle"/>
+          </a:ln>
+        </p:spPr>
+        <p:style>
+          <a:lnRef idx="1">
+            <a:schemeClr val="accent1"/>
+          </a:lnRef>
+          <a:fillRef idx="0">
+            <a:schemeClr val="accent1"/>
+          </a:fillRef>
+          <a:effectRef idx="0">
+            <a:schemeClr val="accent1"/>
+          </a:effectRef>
+          <a:fontRef idx="minor">
+            <a:schemeClr val="tx1"/>
+          </a:fontRef>
+        </p:style>
+      </p:cxnSp>
+    </p:spTree>
+    <p:extLst>
+      <p:ext uri="{BB962C8B-B14F-4D97-AF65-F5344CB8AC3E}">
+        <p14:creationId xmlns:p14="http://schemas.microsoft.com/office/powerpoint/2010/main" val="241241731"/>
       </p:ext>
     </p:extLst>
   </p:cSld>
@@ -37407,8 +42082,8 @@
             </a:fontRef>
           </p:style>
         </p:cxnSp>
-        <mc:AlternateContent xmlns:mc="http://schemas.openxmlformats.org/markup-compatibility/2006">
-          <mc:Choice xmlns:a14="http://schemas.microsoft.com/office/drawing/2010/main" Requires="a14">
+        <mc:AlternateContent xmlns:mc="http://schemas.openxmlformats.org/markup-compatibility/2006" xmlns:a14="http://schemas.microsoft.com/office/drawing/2010/main">
+          <mc:Choice Requires="a14">
             <p:sp>
               <p:nvSpPr>
                 <p:cNvPr id="155" name="TextBox 154">
@@ -37437,6 +42112,7 @@
                 </a:bodyPr>
                 <a:lstStyle/>
                 <a:p>
+                  <a:pPr/>
                   <a14:m>
                     <m:oMathPara xmlns:m="http://schemas.openxmlformats.org/officeDocument/2006/math">
                       <m:oMathParaPr>
@@ -37484,7 +42160,7 @@
               </p:txBody>
             </p:sp>
           </mc:Choice>
-          <mc:Fallback>
+          <mc:Fallback xmlns="">
             <p:sp>
               <p:nvSpPr>
                 <p:cNvPr id="155" name="TextBox 154">
@@ -37529,8 +42205,8 @@
             </p:sp>
           </mc:Fallback>
         </mc:AlternateContent>
-        <mc:AlternateContent xmlns:mc="http://schemas.openxmlformats.org/markup-compatibility/2006">
-          <mc:Choice xmlns:a14="http://schemas.microsoft.com/office/drawing/2010/main" Requires="a14">
+        <mc:AlternateContent xmlns:mc="http://schemas.openxmlformats.org/markup-compatibility/2006" xmlns:a14="http://schemas.microsoft.com/office/drawing/2010/main">
+          <mc:Choice Requires="a14">
             <p:sp>
               <p:nvSpPr>
                 <p:cNvPr id="156" name="TextBox 155">
@@ -37559,6 +42235,7 @@
                 </a:bodyPr>
                 <a:lstStyle/>
                 <a:p>
+                  <a:pPr/>
                   <a14:m>
                     <m:oMathPara xmlns:m="http://schemas.openxmlformats.org/officeDocument/2006/math">
                       <m:oMathParaPr>
@@ -37606,7 +42283,7 @@
               </p:txBody>
             </p:sp>
           </mc:Choice>
-          <mc:Fallback>
+          <mc:Fallback xmlns="">
             <p:sp>
               <p:nvSpPr>
                 <p:cNvPr id="156" name="TextBox 155">
@@ -37651,8 +42328,8 @@
             </p:sp>
           </mc:Fallback>
         </mc:AlternateContent>
-        <mc:AlternateContent xmlns:mc="http://schemas.openxmlformats.org/markup-compatibility/2006">
-          <mc:Choice xmlns:a14="http://schemas.microsoft.com/office/drawing/2010/main" Requires="a14">
+        <mc:AlternateContent xmlns:mc="http://schemas.openxmlformats.org/markup-compatibility/2006" xmlns:a14="http://schemas.microsoft.com/office/drawing/2010/main">
+          <mc:Choice Requires="a14">
             <p:sp>
               <p:nvSpPr>
                 <p:cNvPr id="157" name="TextBox 156">
@@ -37681,6 +42358,7 @@
                 </a:bodyPr>
                 <a:lstStyle/>
                 <a:p>
+                  <a:pPr/>
                   <a14:m>
                     <m:oMathPara xmlns:m="http://schemas.openxmlformats.org/officeDocument/2006/math">
                       <m:oMathParaPr>
@@ -37728,7 +42406,7 @@
               </p:txBody>
             </p:sp>
           </mc:Choice>
-          <mc:Fallback>
+          <mc:Fallback xmlns="">
             <p:sp>
               <p:nvSpPr>
                 <p:cNvPr id="157" name="TextBox 156">
@@ -37773,8 +42451,8 @@
             </p:sp>
           </mc:Fallback>
         </mc:AlternateContent>
-        <mc:AlternateContent xmlns:mc="http://schemas.openxmlformats.org/markup-compatibility/2006">
-          <mc:Choice xmlns:a14="http://schemas.microsoft.com/office/drawing/2010/main" Requires="a14">
+        <mc:AlternateContent xmlns:mc="http://schemas.openxmlformats.org/markup-compatibility/2006" xmlns:a14="http://schemas.microsoft.com/office/drawing/2010/main">
+          <mc:Choice Requires="a14">
             <p:sp>
               <p:nvSpPr>
                 <p:cNvPr id="158" name="TextBox 157">
@@ -37803,6 +42481,7 @@
                 </a:bodyPr>
                 <a:lstStyle/>
                 <a:p>
+                  <a:pPr/>
                   <a14:m>
                     <m:oMathPara xmlns:m="http://schemas.openxmlformats.org/officeDocument/2006/math">
                       <m:oMathParaPr>
@@ -37850,7 +42529,7 @@
               </p:txBody>
             </p:sp>
           </mc:Choice>
-          <mc:Fallback>
+          <mc:Fallback xmlns="">
             <p:sp>
               <p:nvSpPr>
                 <p:cNvPr id="158" name="TextBox 157">
@@ -37895,8 +42574,8 @@
             </p:sp>
           </mc:Fallback>
         </mc:AlternateContent>
-        <mc:AlternateContent xmlns:mc="http://schemas.openxmlformats.org/markup-compatibility/2006">
-          <mc:Choice xmlns:a14="http://schemas.microsoft.com/office/drawing/2010/main" Requires="a14">
+        <mc:AlternateContent xmlns:mc="http://schemas.openxmlformats.org/markup-compatibility/2006" xmlns:a14="http://schemas.microsoft.com/office/drawing/2010/main">
+          <mc:Choice Requires="a14">
             <p:sp>
               <p:nvSpPr>
                 <p:cNvPr id="159" name="TextBox 158">
@@ -37925,6 +42604,7 @@
                 </a:bodyPr>
                 <a:lstStyle/>
                 <a:p>
+                  <a:pPr/>
                   <a14:m>
                     <m:oMathPara xmlns:m="http://schemas.openxmlformats.org/officeDocument/2006/math">
                       <m:oMathParaPr>
@@ -37972,7 +42652,7 @@
               </p:txBody>
             </p:sp>
           </mc:Choice>
-          <mc:Fallback>
+          <mc:Fallback xmlns="">
             <p:sp>
               <p:nvSpPr>
                 <p:cNvPr id="159" name="TextBox 158">
@@ -38017,8 +42697,8 @@
             </p:sp>
           </mc:Fallback>
         </mc:AlternateContent>
-        <mc:AlternateContent xmlns:mc="http://schemas.openxmlformats.org/markup-compatibility/2006">
-          <mc:Choice xmlns:a14="http://schemas.microsoft.com/office/drawing/2010/main" Requires="a14">
+        <mc:AlternateContent xmlns:mc="http://schemas.openxmlformats.org/markup-compatibility/2006" xmlns:a14="http://schemas.microsoft.com/office/drawing/2010/main">
+          <mc:Choice Requires="a14">
             <p:sp>
               <p:nvSpPr>
                 <p:cNvPr id="160" name="TextBox 159">
@@ -38047,6 +42727,7 @@
                 </a:bodyPr>
                 <a:lstStyle/>
                 <a:p>
+                  <a:pPr/>
                   <a14:m>
                     <m:oMathPara xmlns:m="http://schemas.openxmlformats.org/officeDocument/2006/math">
                       <m:oMathParaPr>
@@ -38094,7 +42775,7 @@
               </p:txBody>
             </p:sp>
           </mc:Choice>
-          <mc:Fallback>
+          <mc:Fallback xmlns="">
             <p:sp>
               <p:nvSpPr>
                 <p:cNvPr id="160" name="TextBox 159">
@@ -38139,8 +42820,8 @@
             </p:sp>
           </mc:Fallback>
         </mc:AlternateContent>
-        <mc:AlternateContent xmlns:mc="http://schemas.openxmlformats.org/markup-compatibility/2006">
-          <mc:Choice xmlns:a14="http://schemas.microsoft.com/office/drawing/2010/main" Requires="a14">
+        <mc:AlternateContent xmlns:mc="http://schemas.openxmlformats.org/markup-compatibility/2006" xmlns:a14="http://schemas.microsoft.com/office/drawing/2010/main">
+          <mc:Choice Requires="a14">
             <p:sp>
               <p:nvSpPr>
                 <p:cNvPr id="161" name="TextBox 160">
@@ -38169,6 +42850,7 @@
                 </a:bodyPr>
                 <a:lstStyle/>
                 <a:p>
+                  <a:pPr/>
                   <a14:m>
                     <m:oMathPara xmlns:m="http://schemas.openxmlformats.org/officeDocument/2006/math">
                       <m:oMathParaPr>
@@ -38216,7 +42898,7 @@
               </p:txBody>
             </p:sp>
           </mc:Choice>
-          <mc:Fallback>
+          <mc:Fallback xmlns="">
             <p:sp>
               <p:nvSpPr>
                 <p:cNvPr id="161" name="TextBox 160">
@@ -38261,8 +42943,8 @@
             </p:sp>
           </mc:Fallback>
         </mc:AlternateContent>
-        <mc:AlternateContent xmlns:mc="http://schemas.openxmlformats.org/markup-compatibility/2006">
-          <mc:Choice xmlns:a14="http://schemas.microsoft.com/office/drawing/2010/main" Requires="a14">
+        <mc:AlternateContent xmlns:mc="http://schemas.openxmlformats.org/markup-compatibility/2006" xmlns:a14="http://schemas.microsoft.com/office/drawing/2010/main">
+          <mc:Choice Requires="a14">
             <p:sp>
               <p:nvSpPr>
                 <p:cNvPr id="162" name="TextBox 161">
@@ -38291,6 +42973,7 @@
                 </a:bodyPr>
                 <a:lstStyle/>
                 <a:p>
+                  <a:pPr/>
                   <a14:m>
                     <m:oMathPara xmlns:m="http://schemas.openxmlformats.org/officeDocument/2006/math">
                       <m:oMathParaPr>
@@ -38338,7 +43021,7 @@
               </p:txBody>
             </p:sp>
           </mc:Choice>
-          <mc:Fallback>
+          <mc:Fallback xmlns="">
             <p:sp>
               <p:nvSpPr>
                 <p:cNvPr id="162" name="TextBox 161">
@@ -38383,8 +43066,8 @@
             </p:sp>
           </mc:Fallback>
         </mc:AlternateContent>
-        <mc:AlternateContent xmlns:mc="http://schemas.openxmlformats.org/markup-compatibility/2006">
-          <mc:Choice xmlns:a14="http://schemas.microsoft.com/office/drawing/2010/main" Requires="a14">
+        <mc:AlternateContent xmlns:mc="http://schemas.openxmlformats.org/markup-compatibility/2006" xmlns:a14="http://schemas.microsoft.com/office/drawing/2010/main">
+          <mc:Choice Requires="a14">
             <p:sp>
               <p:nvSpPr>
                 <p:cNvPr id="163" name="TextBox 162">
@@ -38413,6 +43096,7 @@
                 </a:bodyPr>
                 <a:lstStyle/>
                 <a:p>
+                  <a:pPr/>
                   <a14:m>
                     <m:oMathPara xmlns:m="http://schemas.openxmlformats.org/officeDocument/2006/math">
                       <m:oMathParaPr>
@@ -38460,7 +43144,7 @@
               </p:txBody>
             </p:sp>
           </mc:Choice>
-          <mc:Fallback>
+          <mc:Fallback xmlns="">
             <p:sp>
               <p:nvSpPr>
                 <p:cNvPr id="163" name="TextBox 162">
@@ -38505,8 +43189,8 @@
             </p:sp>
           </mc:Fallback>
         </mc:AlternateContent>
-        <mc:AlternateContent xmlns:mc="http://schemas.openxmlformats.org/markup-compatibility/2006">
-          <mc:Choice xmlns:a14="http://schemas.microsoft.com/office/drawing/2010/main" Requires="a14">
+        <mc:AlternateContent xmlns:mc="http://schemas.openxmlformats.org/markup-compatibility/2006" xmlns:a14="http://schemas.microsoft.com/office/drawing/2010/main">
+          <mc:Choice Requires="a14">
             <p:sp>
               <p:nvSpPr>
                 <p:cNvPr id="164" name="TextBox 163">
@@ -38535,6 +43219,7 @@
                 </a:bodyPr>
                 <a:lstStyle/>
                 <a:p>
+                  <a:pPr/>
                   <a14:m>
                     <m:oMathPara xmlns:m="http://schemas.openxmlformats.org/officeDocument/2006/math">
                       <m:oMathParaPr>
@@ -38582,7 +43267,7 @@
               </p:txBody>
             </p:sp>
           </mc:Choice>
-          <mc:Fallback>
+          <mc:Fallback xmlns="">
             <p:sp>
               <p:nvSpPr>
                 <p:cNvPr id="164" name="TextBox 163">
@@ -38627,8 +43312,8 @@
             </p:sp>
           </mc:Fallback>
         </mc:AlternateContent>
-        <mc:AlternateContent xmlns:mc="http://schemas.openxmlformats.org/markup-compatibility/2006">
-          <mc:Choice xmlns:a14="http://schemas.microsoft.com/office/drawing/2010/main" Requires="a14">
+        <mc:AlternateContent xmlns:mc="http://schemas.openxmlformats.org/markup-compatibility/2006" xmlns:a14="http://schemas.microsoft.com/office/drawing/2010/main">
+          <mc:Choice Requires="a14">
             <p:sp>
               <p:nvSpPr>
                 <p:cNvPr id="165" name="TextBox 164">
@@ -38657,6 +43342,7 @@
                 </a:bodyPr>
                 <a:lstStyle/>
                 <a:p>
+                  <a:pPr/>
                   <a14:m>
                     <m:oMathPara xmlns:m="http://schemas.openxmlformats.org/officeDocument/2006/math">
                       <m:oMathParaPr>
@@ -38704,7 +43390,7 @@
               </p:txBody>
             </p:sp>
           </mc:Choice>
-          <mc:Fallback>
+          <mc:Fallback xmlns="">
             <p:sp>
               <p:nvSpPr>
                 <p:cNvPr id="165" name="TextBox 164">
@@ -38749,8 +43435,8 @@
             </p:sp>
           </mc:Fallback>
         </mc:AlternateContent>
-        <mc:AlternateContent xmlns:mc="http://schemas.openxmlformats.org/markup-compatibility/2006">
-          <mc:Choice xmlns:a14="http://schemas.microsoft.com/office/drawing/2010/main" Requires="a14">
+        <mc:AlternateContent xmlns:mc="http://schemas.openxmlformats.org/markup-compatibility/2006" xmlns:a14="http://schemas.microsoft.com/office/drawing/2010/main">
+          <mc:Choice Requires="a14">
             <p:sp>
               <p:nvSpPr>
                 <p:cNvPr id="166" name="TextBox 165">
@@ -38779,6 +43465,7 @@
                 </a:bodyPr>
                 <a:lstStyle/>
                 <a:p>
+                  <a:pPr/>
                   <a14:m>
                     <m:oMathPara xmlns:m="http://schemas.openxmlformats.org/officeDocument/2006/math">
                       <m:oMathParaPr>
@@ -38826,7 +43513,7 @@
               </p:txBody>
             </p:sp>
           </mc:Choice>
-          <mc:Fallback>
+          <mc:Fallback xmlns="">
             <p:sp>
               <p:nvSpPr>
                 <p:cNvPr id="166" name="TextBox 165">
@@ -39234,8 +43921,8 @@
             </a:fontRef>
           </p:style>
         </p:cxnSp>
-        <mc:AlternateContent xmlns:mc="http://schemas.openxmlformats.org/markup-compatibility/2006">
-          <mc:Choice xmlns:a14="http://schemas.microsoft.com/office/drawing/2010/main" Requires="a14">
+        <mc:AlternateContent xmlns:mc="http://schemas.openxmlformats.org/markup-compatibility/2006" xmlns:a14="http://schemas.microsoft.com/office/drawing/2010/main">
+          <mc:Choice Requires="a14">
             <p:sp>
               <p:nvSpPr>
                 <p:cNvPr id="16" name="TextBox 15">
@@ -39264,6 +43951,7 @@
                 </a:bodyPr>
                 <a:lstStyle/>
                 <a:p>
+                  <a:pPr/>
                   <a14:m>
                     <m:oMathPara xmlns:m="http://schemas.openxmlformats.org/officeDocument/2006/math">
                       <m:oMathParaPr>
@@ -39316,7 +44004,7 @@
               </p:txBody>
             </p:sp>
           </mc:Choice>
-          <mc:Fallback>
+          <mc:Fallback xmlns="">
             <p:sp>
               <p:nvSpPr>
                 <p:cNvPr id="16" name="TextBox 15">
@@ -39405,8 +44093,8 @@
             </a:fontRef>
           </p:style>
         </p:cxnSp>
-        <mc:AlternateContent xmlns:mc="http://schemas.openxmlformats.org/markup-compatibility/2006">
-          <mc:Choice xmlns:a14="http://schemas.microsoft.com/office/drawing/2010/main" Requires="a14">
+        <mc:AlternateContent xmlns:mc="http://schemas.openxmlformats.org/markup-compatibility/2006" xmlns:a14="http://schemas.microsoft.com/office/drawing/2010/main">
+          <mc:Choice Requires="a14">
             <p:sp>
               <p:nvSpPr>
                 <p:cNvPr id="176" name="TextBox 175">
@@ -39435,6 +44123,7 @@
                 </a:bodyPr>
                 <a:lstStyle/>
                 <a:p>
+                  <a:pPr/>
                   <a14:m>
                     <m:oMathPara xmlns:m="http://schemas.openxmlformats.org/officeDocument/2006/math">
                       <m:oMathParaPr>
@@ -39487,7 +44176,7 @@
               </p:txBody>
             </p:sp>
           </mc:Choice>
-          <mc:Fallback>
+          <mc:Fallback xmlns="">
             <p:sp>
               <p:nvSpPr>
                 <p:cNvPr id="176" name="TextBox 175">
@@ -39576,8 +44265,8 @@
             </a:fontRef>
           </p:style>
         </p:cxnSp>
-        <mc:AlternateContent xmlns:mc="http://schemas.openxmlformats.org/markup-compatibility/2006">
-          <mc:Choice xmlns:a14="http://schemas.microsoft.com/office/drawing/2010/main" Requires="a14">
+        <mc:AlternateContent xmlns:mc="http://schemas.openxmlformats.org/markup-compatibility/2006" xmlns:a14="http://schemas.microsoft.com/office/drawing/2010/main">
+          <mc:Choice Requires="a14">
             <p:sp>
               <p:nvSpPr>
                 <p:cNvPr id="178" name="TextBox 177">
@@ -39606,6 +44295,7 @@
                 </a:bodyPr>
                 <a:lstStyle/>
                 <a:p>
+                  <a:pPr/>
                   <a14:m>
                     <m:oMathPara xmlns:m="http://schemas.openxmlformats.org/officeDocument/2006/math">
                       <m:oMathParaPr>
@@ -39658,7 +44348,7 @@
               </p:txBody>
             </p:sp>
           </mc:Choice>
-          <mc:Fallback>
+          <mc:Fallback xmlns="">
             <p:sp>
               <p:nvSpPr>
                 <p:cNvPr id="178" name="TextBox 177">
@@ -39747,8 +44437,8 @@
             </a:fontRef>
           </p:style>
         </p:cxnSp>
-        <mc:AlternateContent xmlns:mc="http://schemas.openxmlformats.org/markup-compatibility/2006">
-          <mc:Choice xmlns:a14="http://schemas.microsoft.com/office/drawing/2010/main" Requires="a14">
+        <mc:AlternateContent xmlns:mc="http://schemas.openxmlformats.org/markup-compatibility/2006" xmlns:a14="http://schemas.microsoft.com/office/drawing/2010/main">
+          <mc:Choice Requires="a14">
             <p:sp>
               <p:nvSpPr>
                 <p:cNvPr id="180" name="TextBox 179">
@@ -39777,6 +44467,7 @@
                 </a:bodyPr>
                 <a:lstStyle/>
                 <a:p>
+                  <a:pPr/>
                   <a14:m>
                     <m:oMathPara xmlns:m="http://schemas.openxmlformats.org/officeDocument/2006/math">
                       <m:oMathParaPr>
@@ -39829,7 +44520,7 @@
               </p:txBody>
             </p:sp>
           </mc:Choice>
-          <mc:Fallback>
+          <mc:Fallback xmlns="">
             <p:sp>
               <p:nvSpPr>
                 <p:cNvPr id="180" name="TextBox 179">
@@ -39905,72 +44596,369 @@
           <a:chExt cx="0" cy="0"/>
         </a:xfrm>
       </p:grpSpPr>
-      <p:pic>
-        <p:nvPicPr>
-          <p:cNvPr id="5" name="그림 4">
+      <p:grpSp>
+        <p:nvGrpSpPr>
+          <p:cNvPr id="17" name="그룹 16">
             <a:extLst>
               <a:ext uri="{FF2B5EF4-FFF2-40B4-BE49-F238E27FC236}">
-                <a16:creationId xmlns:a16="http://schemas.microsoft.com/office/drawing/2014/main" id="{14DD8E42-00AA-0749-9D83-76DAEC6EBCA7}"/>
+                <a16:creationId xmlns:a16="http://schemas.microsoft.com/office/drawing/2014/main" id="{0581DBFB-0708-614B-B03B-56296EDE1371}"/>
               </a:ext>
             </a:extLst>
           </p:cNvPr>
-          <p:cNvPicPr>
-            <a:picLocks noChangeAspect="1"/>
-          </p:cNvPicPr>
+          <p:cNvGrpSpPr/>
           <p:nvPr/>
-        </p:nvPicPr>
-        <p:blipFill>
-          <a:blip r:embed="rId2"/>
-          <a:stretch>
-            <a:fillRect/>
-          </a:stretch>
-        </p:blipFill>
-        <p:spPr>
+        </p:nvGrpSpPr>
+        <p:grpSpPr>
           <a:xfrm>
-            <a:off x="953486" y="703608"/>
-            <a:ext cx="4387948" cy="2610809"/>
+            <a:off x="825191" y="288109"/>
+            <a:ext cx="10996457" cy="6378540"/>
+            <a:chOff x="825191" y="288109"/>
+            <a:chExt cx="10996457" cy="6378540"/>
           </a:xfrm>
-          <a:prstGeom prst="rect">
-            <a:avLst/>
-          </a:prstGeom>
-        </p:spPr>
-      </p:pic>
+        </p:grpSpPr>
+        <p:pic>
+          <p:nvPicPr>
+            <p:cNvPr id="5" name="그림 4">
+              <a:extLst>
+                <a:ext uri="{FF2B5EF4-FFF2-40B4-BE49-F238E27FC236}">
+                  <a16:creationId xmlns:a16="http://schemas.microsoft.com/office/drawing/2014/main" id="{14DD8E42-00AA-0749-9D83-76DAEC6EBCA7}"/>
+                </a:ext>
+              </a:extLst>
+            </p:cNvPr>
+            <p:cNvPicPr>
+              <a:picLocks noChangeAspect="1"/>
+            </p:cNvPicPr>
+            <p:nvPr/>
+          </p:nvPicPr>
+          <p:blipFill>
+            <a:blip r:embed="rId2"/>
+            <a:stretch>
+              <a:fillRect/>
+            </a:stretch>
+          </p:blipFill>
+          <p:spPr>
+            <a:xfrm>
+              <a:off x="953486" y="703608"/>
+              <a:ext cx="4387948" cy="2610809"/>
+            </a:xfrm>
+            <a:prstGeom prst="rect">
+              <a:avLst/>
+            </a:prstGeom>
+          </p:spPr>
+        </p:pic>
+        <p:pic>
+          <p:nvPicPr>
+            <p:cNvPr id="9" name="그림 8">
+              <a:extLst>
+                <a:ext uri="{FF2B5EF4-FFF2-40B4-BE49-F238E27FC236}">
+                  <a16:creationId xmlns:a16="http://schemas.microsoft.com/office/drawing/2014/main" id="{F18B20EB-095A-1B43-828D-0C3AF9794F20}"/>
+                </a:ext>
+              </a:extLst>
+            </p:cNvPr>
+            <p:cNvPicPr>
+              <a:picLocks noChangeAspect="1"/>
+            </p:cNvPicPr>
+            <p:nvPr/>
+          </p:nvPicPr>
+          <p:blipFill>
+            <a:blip r:embed="rId3"/>
+            <a:stretch>
+              <a:fillRect/>
+            </a:stretch>
+          </p:blipFill>
+          <p:spPr>
+            <a:xfrm>
+              <a:off x="953486" y="3696225"/>
+              <a:ext cx="4288573" cy="2610808"/>
+            </a:xfrm>
+            <a:prstGeom prst="rect">
+              <a:avLst/>
+            </a:prstGeom>
+          </p:spPr>
+        </p:pic>
+        <p:sp>
+          <p:nvSpPr>
+            <p:cNvPr id="10" name="직사각형 9">
+              <a:extLst>
+                <a:ext uri="{FF2B5EF4-FFF2-40B4-BE49-F238E27FC236}">
+                  <a16:creationId xmlns:a16="http://schemas.microsoft.com/office/drawing/2014/main" id="{BB2D250E-4012-E646-8065-FC9BB4E519FC}"/>
+                </a:ext>
+              </a:extLst>
+            </p:cNvPr>
+            <p:cNvSpPr/>
+            <p:nvPr/>
+          </p:nvSpPr>
+          <p:spPr>
+            <a:xfrm>
+              <a:off x="825191" y="550967"/>
+              <a:ext cx="4627756" cy="2801461"/>
+            </a:xfrm>
+            <a:prstGeom prst="rect">
+              <a:avLst/>
+            </a:prstGeom>
+            <a:noFill/>
+            <a:ln>
+              <a:solidFill>
+                <a:schemeClr val="tx1">
+                  <a:lumMod val="75000"/>
+                  <a:lumOff val="25000"/>
+                </a:schemeClr>
+              </a:solidFill>
+              <a:prstDash val="sysDash"/>
+            </a:ln>
+          </p:spPr>
+          <p:style>
+            <a:lnRef idx="2">
+              <a:schemeClr val="accent1">
+                <a:shade val="50000"/>
+              </a:schemeClr>
+            </a:lnRef>
+            <a:fillRef idx="1">
+              <a:schemeClr val="accent1"/>
+            </a:fillRef>
+            <a:effectRef idx="0">
+              <a:schemeClr val="accent1"/>
+            </a:effectRef>
+            <a:fontRef idx="minor">
+              <a:schemeClr val="lt1"/>
+            </a:fontRef>
+          </p:style>
+          <p:txBody>
+            <a:bodyPr rtlCol="0" anchor="ctr"/>
+            <a:lstStyle/>
+            <a:p>
+              <a:pPr algn="ctr"/>
+              <a:endParaRPr kumimoji="1" lang="ko-Kore-KR" altLang="en-US"/>
+            </a:p>
+          </p:txBody>
+        </p:sp>
+        <p:sp>
+          <p:nvSpPr>
+            <p:cNvPr id="11" name="직사각형 10">
+              <a:extLst>
+                <a:ext uri="{FF2B5EF4-FFF2-40B4-BE49-F238E27FC236}">
+                  <a16:creationId xmlns:a16="http://schemas.microsoft.com/office/drawing/2014/main" id="{CD48B67E-6AD3-FE4A-B3E3-4280365F1512}"/>
+                </a:ext>
+              </a:extLst>
+            </p:cNvPr>
+            <p:cNvSpPr/>
+            <p:nvPr/>
+          </p:nvSpPr>
+          <p:spPr>
+            <a:xfrm>
+              <a:off x="825191" y="3696226"/>
+              <a:ext cx="4627756" cy="2693424"/>
+            </a:xfrm>
+            <a:prstGeom prst="rect">
+              <a:avLst/>
+            </a:prstGeom>
+            <a:noFill/>
+            <a:ln>
+              <a:solidFill>
+                <a:schemeClr val="tx1">
+                  <a:lumMod val="75000"/>
+                  <a:lumOff val="25000"/>
+                </a:schemeClr>
+              </a:solidFill>
+              <a:prstDash val="sysDash"/>
+            </a:ln>
+          </p:spPr>
+          <p:style>
+            <a:lnRef idx="2">
+              <a:schemeClr val="accent1">
+                <a:shade val="50000"/>
+              </a:schemeClr>
+            </a:lnRef>
+            <a:fillRef idx="1">
+              <a:schemeClr val="accent1"/>
+            </a:fillRef>
+            <a:effectRef idx="0">
+              <a:schemeClr val="accent1"/>
+            </a:effectRef>
+            <a:fontRef idx="minor">
+              <a:schemeClr val="lt1"/>
+            </a:fontRef>
+          </p:style>
+          <p:txBody>
+            <a:bodyPr rtlCol="0" anchor="ctr"/>
+            <a:lstStyle/>
+            <a:p>
+              <a:pPr algn="ctr"/>
+              <a:endParaRPr kumimoji="1" lang="ko-Kore-KR" altLang="en-US"/>
+            </a:p>
+          </p:txBody>
+        </p:sp>
+        <p:sp>
+          <p:nvSpPr>
+            <p:cNvPr id="13" name="직사각형 12">
+              <a:extLst>
+                <a:ext uri="{FF2B5EF4-FFF2-40B4-BE49-F238E27FC236}">
+                  <a16:creationId xmlns:a16="http://schemas.microsoft.com/office/drawing/2014/main" id="{18724834-2E76-4348-908D-D85C827D3333}"/>
+                </a:ext>
+              </a:extLst>
+            </p:cNvPr>
+            <p:cNvSpPr/>
+            <p:nvPr/>
+          </p:nvSpPr>
+          <p:spPr>
+            <a:xfrm>
+              <a:off x="5603543" y="565108"/>
+              <a:ext cx="6218105" cy="5824542"/>
+            </a:xfrm>
+            <a:prstGeom prst="rect">
+              <a:avLst/>
+            </a:prstGeom>
+            <a:noFill/>
+            <a:ln>
+              <a:solidFill>
+                <a:schemeClr val="tx1">
+                  <a:lumMod val="75000"/>
+                  <a:lumOff val="25000"/>
+                </a:schemeClr>
+              </a:solidFill>
+              <a:prstDash val="sysDash"/>
+            </a:ln>
+          </p:spPr>
+          <p:style>
+            <a:lnRef idx="2">
+              <a:schemeClr val="accent1">
+                <a:shade val="50000"/>
+              </a:schemeClr>
+            </a:lnRef>
+            <a:fillRef idx="1">
+              <a:schemeClr val="accent1"/>
+            </a:fillRef>
+            <a:effectRef idx="0">
+              <a:schemeClr val="accent1"/>
+            </a:effectRef>
+            <a:fontRef idx="minor">
+              <a:schemeClr val="lt1"/>
+            </a:fontRef>
+          </p:style>
+          <p:txBody>
+            <a:bodyPr rtlCol="0" anchor="ctr"/>
+            <a:lstStyle/>
+            <a:p>
+              <a:pPr algn="ctr"/>
+              <a:endParaRPr kumimoji="1" lang="ko-Kore-KR" altLang="en-US"/>
+            </a:p>
+          </p:txBody>
+        </p:sp>
+        <p:sp>
+          <p:nvSpPr>
+            <p:cNvPr id="14" name="TextBox 13">
+              <a:extLst>
+                <a:ext uri="{FF2B5EF4-FFF2-40B4-BE49-F238E27FC236}">
+                  <a16:creationId xmlns:a16="http://schemas.microsoft.com/office/drawing/2014/main" id="{74EDE385-E30E-594A-A02C-2E92B9F05576}"/>
+                </a:ext>
+              </a:extLst>
+            </p:cNvPr>
+            <p:cNvSpPr txBox="1"/>
+            <p:nvPr/>
+          </p:nvSpPr>
+          <p:spPr>
+            <a:xfrm>
+              <a:off x="2709747" y="288109"/>
+              <a:ext cx="1260086" cy="276999"/>
+            </a:xfrm>
+            <a:prstGeom prst="rect">
+              <a:avLst/>
+            </a:prstGeom>
+            <a:noFill/>
+          </p:spPr>
+          <p:txBody>
+            <a:bodyPr wrap="square" rtlCol="0">
+              <a:spAutoFit/>
+            </a:bodyPr>
+            <a:lstStyle/>
+            <a:p>
+              <a:r>
+                <a:rPr kumimoji="1" lang="en-US" altLang="ko-Kore-KR" sz="1200" dirty="0"/>
+                <a:t>Soft Voting</a:t>
+              </a:r>
+              <a:endParaRPr kumimoji="1" lang="ko-Kore-KR" altLang="en-US" sz="1200" dirty="0"/>
+            </a:p>
+          </p:txBody>
+        </p:sp>
+        <p:sp>
+          <p:nvSpPr>
+            <p:cNvPr id="15" name="TextBox 14">
+              <a:extLst>
+                <a:ext uri="{FF2B5EF4-FFF2-40B4-BE49-F238E27FC236}">
+                  <a16:creationId xmlns:a16="http://schemas.microsoft.com/office/drawing/2014/main" id="{66FB5571-F710-D04E-923A-26B29CE15862}"/>
+                </a:ext>
+              </a:extLst>
+            </p:cNvPr>
+            <p:cNvSpPr txBox="1"/>
+            <p:nvPr/>
+          </p:nvSpPr>
+          <p:spPr>
+            <a:xfrm>
+              <a:off x="2718138" y="6389650"/>
+              <a:ext cx="858643" cy="276999"/>
+            </a:xfrm>
+            <a:prstGeom prst="rect">
+              <a:avLst/>
+            </a:prstGeom>
+            <a:noFill/>
+          </p:spPr>
+          <p:txBody>
+            <a:bodyPr wrap="square" rtlCol="0">
+              <a:spAutoFit/>
+            </a:bodyPr>
+            <a:lstStyle/>
+            <a:p>
+              <a:r>
+                <a:rPr kumimoji="1" lang="en-US" altLang="ko-Kore-KR" sz="1200" dirty="0"/>
+                <a:t>Majority</a:t>
+              </a:r>
+              <a:endParaRPr kumimoji="1" lang="ko-Kore-KR" altLang="en-US" sz="1200" dirty="0"/>
+            </a:p>
+          </p:txBody>
+        </p:sp>
+        <p:sp>
+          <p:nvSpPr>
+            <p:cNvPr id="16" name="TextBox 15">
+              <a:extLst>
+                <a:ext uri="{FF2B5EF4-FFF2-40B4-BE49-F238E27FC236}">
+                  <a16:creationId xmlns:a16="http://schemas.microsoft.com/office/drawing/2014/main" id="{0CB3D87C-878E-9244-8ED8-27356D2F1A03}"/>
+                </a:ext>
+              </a:extLst>
+            </p:cNvPr>
+            <p:cNvSpPr txBox="1"/>
+            <p:nvPr/>
+          </p:nvSpPr>
+          <p:spPr>
+            <a:xfrm>
+              <a:off x="8401542" y="6350099"/>
+              <a:ext cx="858643" cy="276999"/>
+            </a:xfrm>
+            <a:prstGeom prst="rect">
+              <a:avLst/>
+            </a:prstGeom>
+            <a:noFill/>
+          </p:spPr>
+          <p:txBody>
+            <a:bodyPr wrap="square" rtlCol="0">
+              <a:spAutoFit/>
+            </a:bodyPr>
+            <a:lstStyle/>
+            <a:p>
+              <a:r>
+                <a:rPr kumimoji="1" lang="en-US" altLang="ko-Kore-KR" sz="1200" dirty="0"/>
+                <a:t>Survival</a:t>
+              </a:r>
+              <a:endParaRPr kumimoji="1" lang="ko-Kore-KR" altLang="en-US" sz="1200" dirty="0"/>
+            </a:p>
+          </p:txBody>
+        </p:sp>
+      </p:grpSp>
       <p:pic>
         <p:nvPicPr>
-          <p:cNvPr id="7" name="그림 6">
+          <p:cNvPr id="19" name="그림 18">
             <a:extLst>
               <a:ext uri="{FF2B5EF4-FFF2-40B4-BE49-F238E27FC236}">
-                <a16:creationId xmlns:a16="http://schemas.microsoft.com/office/drawing/2014/main" id="{CD62898A-A9DC-1949-A2C5-EF531D8658EF}"/>
-              </a:ext>
-            </a:extLst>
-          </p:cNvPr>
-          <p:cNvPicPr>
-            <a:picLocks noChangeAspect="1"/>
-          </p:cNvPicPr>
-          <p:nvPr/>
-        </p:nvPicPr>
-        <p:blipFill>
-          <a:blip r:embed="rId3"/>
-          <a:stretch>
-            <a:fillRect/>
-          </a:stretch>
-        </p:blipFill>
-        <p:spPr>
-          <a:xfrm>
-            <a:off x="5501407" y="1392572"/>
-            <a:ext cx="6271781" cy="4130063"/>
-          </a:xfrm>
-          <a:prstGeom prst="rect">
-            <a:avLst/>
-          </a:prstGeom>
-        </p:spPr>
-      </p:pic>
-      <p:pic>
-        <p:nvPicPr>
-          <p:cNvPr id="9" name="그림 8">
-            <a:extLst>
-              <a:ext uri="{FF2B5EF4-FFF2-40B4-BE49-F238E27FC236}">
-                <a16:creationId xmlns:a16="http://schemas.microsoft.com/office/drawing/2014/main" id="{F18B20EB-095A-1B43-828D-0C3AF9794F20}"/>
+                <a16:creationId xmlns:a16="http://schemas.microsoft.com/office/drawing/2014/main" id="{8B233C8B-9D97-D240-9384-27DEB844AEDE}"/>
               </a:ext>
             </a:extLst>
           </p:cNvPr>
@@ -39987,290 +44975,14 @@
         </p:blipFill>
         <p:spPr>
           <a:xfrm>
-            <a:off x="953486" y="3696225"/>
-            <a:ext cx="4288573" cy="2610808"/>
+            <a:off x="5702918" y="1416210"/>
+            <a:ext cx="5988685" cy="4340212"/>
           </a:xfrm>
           <a:prstGeom prst="rect">
             <a:avLst/>
           </a:prstGeom>
         </p:spPr>
       </p:pic>
-      <p:sp>
-        <p:nvSpPr>
-          <p:cNvPr id="10" name="직사각형 9">
-            <a:extLst>
-              <a:ext uri="{FF2B5EF4-FFF2-40B4-BE49-F238E27FC236}">
-                <a16:creationId xmlns:a16="http://schemas.microsoft.com/office/drawing/2014/main" id="{BB2D250E-4012-E646-8065-FC9BB4E519FC}"/>
-              </a:ext>
-            </a:extLst>
-          </p:cNvPr>
-          <p:cNvSpPr/>
-          <p:nvPr/>
-        </p:nvSpPr>
-        <p:spPr>
-          <a:xfrm>
-            <a:off x="825191" y="550967"/>
-            <a:ext cx="4627756" cy="2801461"/>
-          </a:xfrm>
-          <a:prstGeom prst="rect">
-            <a:avLst/>
-          </a:prstGeom>
-          <a:noFill/>
-          <a:ln>
-            <a:solidFill>
-              <a:schemeClr val="tx1">
-                <a:lumMod val="75000"/>
-                <a:lumOff val="25000"/>
-              </a:schemeClr>
-            </a:solidFill>
-            <a:prstDash val="sysDash"/>
-          </a:ln>
-        </p:spPr>
-        <p:style>
-          <a:lnRef idx="2">
-            <a:schemeClr val="accent1">
-              <a:shade val="50000"/>
-            </a:schemeClr>
-          </a:lnRef>
-          <a:fillRef idx="1">
-            <a:schemeClr val="accent1"/>
-          </a:fillRef>
-          <a:effectRef idx="0">
-            <a:schemeClr val="accent1"/>
-          </a:effectRef>
-          <a:fontRef idx="minor">
-            <a:schemeClr val="lt1"/>
-          </a:fontRef>
-        </p:style>
-        <p:txBody>
-          <a:bodyPr rtlCol="0" anchor="ctr"/>
-          <a:lstStyle/>
-          <a:p>
-            <a:pPr algn="ctr"/>
-            <a:endParaRPr kumimoji="1" lang="ko-Kore-KR" altLang="en-US"/>
-          </a:p>
-        </p:txBody>
-      </p:sp>
-      <p:sp>
-        <p:nvSpPr>
-          <p:cNvPr id="11" name="직사각형 10">
-            <a:extLst>
-              <a:ext uri="{FF2B5EF4-FFF2-40B4-BE49-F238E27FC236}">
-                <a16:creationId xmlns:a16="http://schemas.microsoft.com/office/drawing/2014/main" id="{CD48B67E-6AD3-FE4A-B3E3-4280365F1512}"/>
-              </a:ext>
-            </a:extLst>
-          </p:cNvPr>
-          <p:cNvSpPr/>
-          <p:nvPr/>
-        </p:nvSpPr>
-        <p:spPr>
-          <a:xfrm>
-            <a:off x="825191" y="3696226"/>
-            <a:ext cx="4627756" cy="2693424"/>
-          </a:xfrm>
-          <a:prstGeom prst="rect">
-            <a:avLst/>
-          </a:prstGeom>
-          <a:noFill/>
-          <a:ln>
-            <a:solidFill>
-              <a:schemeClr val="tx1">
-                <a:lumMod val="75000"/>
-                <a:lumOff val="25000"/>
-              </a:schemeClr>
-            </a:solidFill>
-            <a:prstDash val="sysDash"/>
-          </a:ln>
-        </p:spPr>
-        <p:style>
-          <a:lnRef idx="2">
-            <a:schemeClr val="accent1">
-              <a:shade val="50000"/>
-            </a:schemeClr>
-          </a:lnRef>
-          <a:fillRef idx="1">
-            <a:schemeClr val="accent1"/>
-          </a:fillRef>
-          <a:effectRef idx="0">
-            <a:schemeClr val="accent1"/>
-          </a:effectRef>
-          <a:fontRef idx="minor">
-            <a:schemeClr val="lt1"/>
-          </a:fontRef>
-        </p:style>
-        <p:txBody>
-          <a:bodyPr rtlCol="0" anchor="ctr"/>
-          <a:lstStyle/>
-          <a:p>
-            <a:pPr algn="ctr"/>
-            <a:endParaRPr kumimoji="1" lang="ko-Kore-KR" altLang="en-US"/>
-          </a:p>
-        </p:txBody>
-      </p:sp>
-      <p:sp>
-        <p:nvSpPr>
-          <p:cNvPr id="13" name="직사각형 12">
-            <a:extLst>
-              <a:ext uri="{FF2B5EF4-FFF2-40B4-BE49-F238E27FC236}">
-                <a16:creationId xmlns:a16="http://schemas.microsoft.com/office/drawing/2014/main" id="{18724834-2E76-4348-908D-D85C827D3333}"/>
-              </a:ext>
-            </a:extLst>
-          </p:cNvPr>
-          <p:cNvSpPr/>
-          <p:nvPr/>
-        </p:nvSpPr>
-        <p:spPr>
-          <a:xfrm>
-            <a:off x="5603543" y="1150030"/>
-            <a:ext cx="6218105" cy="4615149"/>
-          </a:xfrm>
-          <a:prstGeom prst="rect">
-            <a:avLst/>
-          </a:prstGeom>
-          <a:noFill/>
-          <a:ln>
-            <a:solidFill>
-              <a:schemeClr val="tx1">
-                <a:lumMod val="75000"/>
-                <a:lumOff val="25000"/>
-              </a:schemeClr>
-            </a:solidFill>
-            <a:prstDash val="sysDash"/>
-          </a:ln>
-        </p:spPr>
-        <p:style>
-          <a:lnRef idx="2">
-            <a:schemeClr val="accent1">
-              <a:shade val="50000"/>
-            </a:schemeClr>
-          </a:lnRef>
-          <a:fillRef idx="1">
-            <a:schemeClr val="accent1"/>
-          </a:fillRef>
-          <a:effectRef idx="0">
-            <a:schemeClr val="accent1"/>
-          </a:effectRef>
-          <a:fontRef idx="minor">
-            <a:schemeClr val="lt1"/>
-          </a:fontRef>
-        </p:style>
-        <p:txBody>
-          <a:bodyPr rtlCol="0" anchor="ctr"/>
-          <a:lstStyle/>
-          <a:p>
-            <a:pPr algn="ctr"/>
-            <a:endParaRPr kumimoji="1" lang="ko-Kore-KR" altLang="en-US"/>
-          </a:p>
-        </p:txBody>
-      </p:sp>
-      <p:sp>
-        <p:nvSpPr>
-          <p:cNvPr id="14" name="TextBox 13">
-            <a:extLst>
-              <a:ext uri="{FF2B5EF4-FFF2-40B4-BE49-F238E27FC236}">
-                <a16:creationId xmlns:a16="http://schemas.microsoft.com/office/drawing/2014/main" id="{74EDE385-E30E-594A-A02C-2E92B9F05576}"/>
-              </a:ext>
-            </a:extLst>
-          </p:cNvPr>
-          <p:cNvSpPr txBox="1"/>
-          <p:nvPr/>
-        </p:nvSpPr>
-        <p:spPr>
-          <a:xfrm>
-            <a:off x="2709747" y="288109"/>
-            <a:ext cx="1260086" cy="276999"/>
-          </a:xfrm>
-          <a:prstGeom prst="rect">
-            <a:avLst/>
-          </a:prstGeom>
-          <a:noFill/>
-        </p:spPr>
-        <p:txBody>
-          <a:bodyPr wrap="square" rtlCol="0">
-            <a:spAutoFit/>
-          </a:bodyPr>
-          <a:lstStyle/>
-          <a:p>
-            <a:r>
-              <a:rPr kumimoji="1" lang="en-US" altLang="ko-Kore-KR" sz="1200" dirty="0"/>
-              <a:t>Soft Voting</a:t>
-            </a:r>
-            <a:endParaRPr kumimoji="1" lang="ko-Kore-KR" altLang="en-US" sz="1200" dirty="0"/>
-          </a:p>
-        </p:txBody>
-      </p:sp>
-      <p:sp>
-        <p:nvSpPr>
-          <p:cNvPr id="15" name="TextBox 14">
-            <a:extLst>
-              <a:ext uri="{FF2B5EF4-FFF2-40B4-BE49-F238E27FC236}">
-                <a16:creationId xmlns:a16="http://schemas.microsoft.com/office/drawing/2014/main" id="{66FB5571-F710-D04E-923A-26B29CE15862}"/>
-              </a:ext>
-            </a:extLst>
-          </p:cNvPr>
-          <p:cNvSpPr txBox="1"/>
-          <p:nvPr/>
-        </p:nvSpPr>
-        <p:spPr>
-          <a:xfrm>
-            <a:off x="2718138" y="6389650"/>
-            <a:ext cx="858643" cy="276999"/>
-          </a:xfrm>
-          <a:prstGeom prst="rect">
-            <a:avLst/>
-          </a:prstGeom>
-          <a:noFill/>
-        </p:spPr>
-        <p:txBody>
-          <a:bodyPr wrap="square" rtlCol="0">
-            <a:spAutoFit/>
-          </a:bodyPr>
-          <a:lstStyle/>
-          <a:p>
-            <a:r>
-              <a:rPr kumimoji="1" lang="en-US" altLang="ko-Kore-KR" sz="1200" dirty="0"/>
-              <a:t>Majority</a:t>
-            </a:r>
-            <a:endParaRPr kumimoji="1" lang="ko-Kore-KR" altLang="en-US" sz="1200" dirty="0"/>
-          </a:p>
-        </p:txBody>
-      </p:sp>
-      <p:sp>
-        <p:nvSpPr>
-          <p:cNvPr id="16" name="TextBox 15">
-            <a:extLst>
-              <a:ext uri="{FF2B5EF4-FFF2-40B4-BE49-F238E27FC236}">
-                <a16:creationId xmlns:a16="http://schemas.microsoft.com/office/drawing/2014/main" id="{0CB3D87C-878E-9244-8ED8-27356D2F1A03}"/>
-              </a:ext>
-            </a:extLst>
-          </p:cNvPr>
-          <p:cNvSpPr txBox="1"/>
-          <p:nvPr/>
-        </p:nvSpPr>
-        <p:spPr>
-          <a:xfrm>
-            <a:off x="8412694" y="5765177"/>
-            <a:ext cx="858643" cy="276999"/>
-          </a:xfrm>
-          <a:prstGeom prst="rect">
-            <a:avLst/>
-          </a:prstGeom>
-          <a:noFill/>
-        </p:spPr>
-        <p:txBody>
-          <a:bodyPr wrap="square" rtlCol="0">
-            <a:spAutoFit/>
-          </a:bodyPr>
-          <a:lstStyle/>
-          <a:p>
-            <a:r>
-              <a:rPr kumimoji="1" lang="en-US" altLang="ko-Kore-KR" sz="1200" dirty="0"/>
-              <a:t>Survival</a:t>
-            </a:r>
-            <a:endParaRPr kumimoji="1" lang="ko-Kore-KR" altLang="en-US" sz="1200" dirty="0"/>
-          </a:p>
-        </p:txBody>
-      </p:sp>
     </p:spTree>
     <p:extLst>
       <p:ext uri="{BB962C8B-B14F-4D97-AF65-F5344CB8AC3E}">
